--- a/Slides/Week 6 - Dynamic Programming, Floyd Warshall.pptx
+++ b/Slides/Week 6 - Dynamic Programming, Floyd Warshall.pptx
@@ -5,20 +5,22 @@
     <p:sldMasterId id="2147483729" r:id="rId1"/>
   </p:sldMasterIdLst>
   <p:notesMasterIdLst>
-    <p:notesMasterId r:id="rId13"/>
+    <p:notesMasterId r:id="rId15"/>
   </p:notesMasterIdLst>
   <p:sldIdLst>
     <p:sldId id="256" r:id="rId2"/>
     <p:sldId id="260" r:id="rId3"/>
-    <p:sldId id="266" r:id="rId4"/>
-    <p:sldId id="267" r:id="rId5"/>
-    <p:sldId id="268" r:id="rId6"/>
-    <p:sldId id="269" r:id="rId7"/>
-    <p:sldId id="270" r:id="rId8"/>
-    <p:sldId id="271" r:id="rId9"/>
-    <p:sldId id="272" r:id="rId10"/>
-    <p:sldId id="274" r:id="rId11"/>
-    <p:sldId id="273" r:id="rId12"/>
+    <p:sldId id="276" r:id="rId4"/>
+    <p:sldId id="266" r:id="rId5"/>
+    <p:sldId id="267" r:id="rId6"/>
+    <p:sldId id="268" r:id="rId7"/>
+    <p:sldId id="269" r:id="rId8"/>
+    <p:sldId id="270" r:id="rId9"/>
+    <p:sldId id="271" r:id="rId10"/>
+    <p:sldId id="272" r:id="rId11"/>
+    <p:sldId id="274" r:id="rId12"/>
+    <p:sldId id="273" r:id="rId13"/>
+    <p:sldId id="275" r:id="rId14"/>
   </p:sldIdLst>
   <p:sldSz cx="12192000" cy="6858000"/>
   <p:notesSz cx="6858000" cy="9144000"/>
@@ -207,7 +209,7 @@
           <a:p>
             <a:fld id="{F314420D-16BA-4EDC-9A71-800590EAD5A3}" type="datetimeFigureOut">
               <a:rPr lang="en-GB" smtClean="0"/>
-              <a:t>06/11/2015</a:t>
+              <a:t>10/12/2015</a:t>
             </a:fld>
             <a:endParaRPr lang="en-GB"/>
           </a:p>
@@ -366,7 +368,7 @@
           <a:p>
             <a:fld id="{29573B9A-66FB-4A63-BCD5-E140B9429FD2}" type="slidenum">
               <a:rPr lang="en-GB" smtClean="0"/>
-              <a:t>‹#›</a:t>
+              <a:t>‹nr.›</a:t>
             </a:fld>
             <a:endParaRPr lang="en-GB"/>
           </a:p>
@@ -473,6 +475,174 @@
     </a:lvl9pPr>
   </p:notesStyle>
 </p:notesMaster>
+</file>
+
+<file path=ppt/notesSlides/notesSlide1.xml><?xml version="1.0" encoding="utf-8"?>
+<p:notes xmlns:a="http://schemas.openxmlformats.org/drawingml/2006/main" xmlns:r="http://schemas.openxmlformats.org/officeDocument/2006/relationships" xmlns:p="http://schemas.openxmlformats.org/presentationml/2006/main">
+  <p:cSld>
+    <p:spTree>
+      <p:nvGrpSpPr>
+        <p:cNvPr id="1" name=""/>
+        <p:cNvGrpSpPr/>
+        <p:nvPr/>
+      </p:nvGrpSpPr>
+      <p:grpSpPr>
+        <a:xfrm>
+          <a:off x="0" y="0"/>
+          <a:ext cx="0" cy="0"/>
+          <a:chOff x="0" y="0"/>
+          <a:chExt cx="0" cy="0"/>
+        </a:xfrm>
+      </p:grpSpPr>
+      <p:sp>
+        <p:nvSpPr>
+          <p:cNvPr id="2" name="Tijdelijke aanduiding voor dia-afbeelding 1"/>
+          <p:cNvSpPr>
+            <a:spLocks noGrp="1" noRot="1" noChangeAspect="1"/>
+          </p:cNvSpPr>
+          <p:nvPr>
+            <p:ph type="sldImg"/>
+          </p:nvPr>
+        </p:nvSpPr>
+        <p:spPr/>
+      </p:sp>
+      <p:sp>
+        <p:nvSpPr>
+          <p:cNvPr id="3" name="Tijdelijke aanduiding voor notities 2"/>
+          <p:cNvSpPr>
+            <a:spLocks noGrp="1"/>
+          </p:cNvSpPr>
+          <p:nvPr>
+            <p:ph type="body" idx="1"/>
+          </p:nvPr>
+        </p:nvSpPr>
+        <p:spPr/>
+        <p:txBody>
+          <a:bodyPr/>
+          <a:lstStyle/>
+          <a:p>
+            <a:endParaRPr lang="nl-NL"/>
+          </a:p>
+        </p:txBody>
+      </p:sp>
+      <p:sp>
+        <p:nvSpPr>
+          <p:cNvPr id="4" name="Tijdelijke aanduiding voor dianummer 3"/>
+          <p:cNvSpPr>
+            <a:spLocks noGrp="1"/>
+          </p:cNvSpPr>
+          <p:nvPr>
+            <p:ph type="sldNum" sz="quarter" idx="10"/>
+          </p:nvPr>
+        </p:nvSpPr>
+        <p:spPr/>
+        <p:txBody>
+          <a:bodyPr/>
+          <a:lstStyle/>
+          <a:p>
+            <a:fld id="{29573B9A-66FB-4A63-BCD5-E140B9429FD2}" type="slidenum">
+              <a:rPr lang="en-GB" smtClean="0"/>
+              <a:t>1</a:t>
+            </a:fld>
+            <a:endParaRPr lang="en-GB"/>
+          </a:p>
+        </p:txBody>
+      </p:sp>
+    </p:spTree>
+    <p:extLst>
+      <p:ext uri="{BB962C8B-B14F-4D97-AF65-F5344CB8AC3E}">
+        <p14:creationId xmlns:p14="http://schemas.microsoft.com/office/powerpoint/2010/main" val="866795624"/>
+      </p:ext>
+    </p:extLst>
+  </p:cSld>
+  <p:clrMapOvr>
+    <a:masterClrMapping/>
+  </p:clrMapOvr>
+</p:notes>
+</file>
+
+<file path=ppt/notesSlides/notesSlide2.xml><?xml version="1.0" encoding="utf-8"?>
+<p:notes xmlns:a="http://schemas.openxmlformats.org/drawingml/2006/main" xmlns:r="http://schemas.openxmlformats.org/officeDocument/2006/relationships" xmlns:p="http://schemas.openxmlformats.org/presentationml/2006/main">
+  <p:cSld>
+    <p:spTree>
+      <p:nvGrpSpPr>
+        <p:cNvPr id="1" name=""/>
+        <p:cNvGrpSpPr/>
+        <p:nvPr/>
+      </p:nvGrpSpPr>
+      <p:grpSpPr>
+        <a:xfrm>
+          <a:off x="0" y="0"/>
+          <a:ext cx="0" cy="0"/>
+          <a:chOff x="0" y="0"/>
+          <a:chExt cx="0" cy="0"/>
+        </a:xfrm>
+      </p:grpSpPr>
+      <p:sp>
+        <p:nvSpPr>
+          <p:cNvPr id="2" name="Tijdelijke aanduiding voor dia-afbeelding 1"/>
+          <p:cNvSpPr>
+            <a:spLocks noGrp="1" noRot="1" noChangeAspect="1"/>
+          </p:cNvSpPr>
+          <p:nvPr>
+            <p:ph type="sldImg"/>
+          </p:nvPr>
+        </p:nvSpPr>
+        <p:spPr/>
+      </p:sp>
+      <p:sp>
+        <p:nvSpPr>
+          <p:cNvPr id="3" name="Tijdelijke aanduiding voor notities 2"/>
+          <p:cNvSpPr>
+            <a:spLocks noGrp="1"/>
+          </p:cNvSpPr>
+          <p:nvPr>
+            <p:ph type="body" idx="1"/>
+          </p:nvPr>
+        </p:nvSpPr>
+        <p:spPr/>
+        <p:txBody>
+          <a:bodyPr/>
+          <a:lstStyle/>
+          <a:p>
+            <a:endParaRPr lang="nl-NL"/>
+          </a:p>
+        </p:txBody>
+      </p:sp>
+      <p:sp>
+        <p:nvSpPr>
+          <p:cNvPr id="4" name="Tijdelijke aanduiding voor dianummer 3"/>
+          <p:cNvSpPr>
+            <a:spLocks noGrp="1"/>
+          </p:cNvSpPr>
+          <p:nvPr>
+            <p:ph type="sldNum" sz="quarter" idx="10"/>
+          </p:nvPr>
+        </p:nvSpPr>
+        <p:spPr/>
+        <p:txBody>
+          <a:bodyPr/>
+          <a:lstStyle/>
+          <a:p>
+            <a:fld id="{29573B9A-66FB-4A63-BCD5-E140B9429FD2}" type="slidenum">
+              <a:rPr lang="en-GB" smtClean="0"/>
+              <a:t>2</a:t>
+            </a:fld>
+            <a:endParaRPr lang="en-GB"/>
+          </a:p>
+        </p:txBody>
+      </p:sp>
+    </p:spTree>
+    <p:extLst>
+      <p:ext uri="{BB962C8B-B14F-4D97-AF65-F5344CB8AC3E}">
+        <p14:creationId xmlns:p14="http://schemas.microsoft.com/office/powerpoint/2010/main" val="2412774137"/>
+      </p:ext>
+    </p:extLst>
+  </p:cSld>
+  <p:clrMapOvr>
+    <a:masterClrMapping/>
+  </p:clrMapOvr>
+</p:notes>
 </file>
 
 <file path=ppt/slideLayouts/slideLayout1.xml><?xml version="1.0" encoding="utf-8"?>
@@ -1199,9 +1369,9 @@
           <a:bodyPr/>
           <a:lstStyle/>
           <a:p>
-            <a:fld id="{11454AF2-527D-4AE4-85B2-1BB7775857A5}" type="datetime1">
+            <a:fld id="{EBA5BF6C-AF16-4C58-8955-5157BF3CF460}" type="datetime1">
               <a:rPr lang="en-GB" smtClean="0"/>
-              <a:t>06/11/2015</a:t>
+              <a:t>10/12/2015</a:t>
             </a:fld>
             <a:endParaRPr lang="en-GB"/>
           </a:p>
@@ -1223,8 +1393,8 @@
           <a:lstStyle/>
           <a:p>
             <a:r>
-              <a:rPr lang="en-GB" smtClean="0"/>
-              <a:t>INFDEV016A - G. Costantini</a:t>
+              <a:rPr lang="it-IT" smtClean="0"/>
+              <a:t>INFDEV026A - G. Costantini, F. Di Giacomo, G. Maggiore</a:t>
             </a:r>
             <a:endParaRPr lang="en-GB"/>
           </a:p>
@@ -1247,7 +1417,7 @@
           <a:p>
             <a:fld id="{A3AAA307-BC5C-435E-9F75-3D6007B651A5}" type="slidenum">
               <a:rPr lang="en-GB" smtClean="0"/>
-              <a:t>‹#›</a:t>
+              <a:t>‹nr.›</a:t>
             </a:fld>
             <a:endParaRPr lang="en-GB"/>
           </a:p>
@@ -1454,9 +1624,9 @@
           <a:bodyPr/>
           <a:lstStyle/>
           <a:p>
-            <a:fld id="{90D1BFF2-D93D-4705-BB24-381E17BEC669}" type="datetime1">
+            <a:fld id="{28754959-7583-41D4-A531-84ECF582A02F}" type="datetime1">
               <a:rPr lang="en-GB" smtClean="0"/>
-              <a:t>06/11/2015</a:t>
+              <a:t>10/12/2015</a:t>
             </a:fld>
             <a:endParaRPr lang="en-GB"/>
           </a:p>
@@ -1478,8 +1648,8 @@
           <a:lstStyle/>
           <a:p>
             <a:r>
-              <a:rPr lang="en-GB" smtClean="0"/>
-              <a:t>INFDEV016A - G. Costantini</a:t>
+              <a:rPr lang="it-IT" smtClean="0"/>
+              <a:t>INFDEV026A - G. Costantini, F. Di Giacomo, G. Maggiore</a:t>
             </a:r>
             <a:endParaRPr lang="en-GB"/>
           </a:p>
@@ -1502,7 +1672,7 @@
           <a:p>
             <a:fld id="{A3AAA307-BC5C-435E-9F75-3D6007B651A5}" type="slidenum">
               <a:rPr lang="en-GB" smtClean="0"/>
-              <a:t>‹#›</a:t>
+              <a:t>‹nr.›</a:t>
             </a:fld>
             <a:endParaRPr lang="en-GB"/>
           </a:p>
@@ -1772,9 +1942,9 @@
           <a:bodyPr/>
           <a:lstStyle/>
           <a:p>
-            <a:fld id="{6ADEBE88-D816-43DC-B24C-D499F6F5A8A8}" type="datetime1">
+            <a:fld id="{2579CF84-8647-4BB0-98CB-E39DBFD9DC8C}" type="datetime1">
               <a:rPr lang="en-GB" smtClean="0"/>
-              <a:t>06/11/2015</a:t>
+              <a:t>10/12/2015</a:t>
             </a:fld>
             <a:endParaRPr lang="en-GB"/>
           </a:p>
@@ -1796,8 +1966,8 @@
           <a:lstStyle/>
           <a:p>
             <a:r>
-              <a:rPr lang="en-GB" smtClean="0"/>
-              <a:t>INFDEV016A - G. Costantini</a:t>
+              <a:rPr lang="it-IT" smtClean="0"/>
+              <a:t>INFDEV026A - G. Costantini, F. Di Giacomo, G. Maggiore</a:t>
             </a:r>
             <a:endParaRPr lang="en-GB"/>
           </a:p>
@@ -1820,7 +1990,7 @@
           <a:p>
             <a:fld id="{A3AAA307-BC5C-435E-9F75-3D6007B651A5}" type="slidenum">
               <a:rPr lang="en-GB" smtClean="0"/>
-              <a:t>‹#›</a:t>
+              <a:t>‹nr.›</a:t>
             </a:fld>
             <a:endParaRPr lang="en-GB"/>
           </a:p>
@@ -2103,9 +2273,9 @@
           <a:bodyPr/>
           <a:lstStyle/>
           <a:p>
-            <a:fld id="{6A0DEC89-426A-453B-BF48-D00FC50BEFFE}" type="datetime1">
+            <a:fld id="{6A61B992-C398-42F8-8105-DFF46194B470}" type="datetime1">
               <a:rPr lang="en-GB" smtClean="0"/>
-              <a:t>06/11/2015</a:t>
+              <a:t>10/12/2015</a:t>
             </a:fld>
             <a:endParaRPr lang="en-GB"/>
           </a:p>
@@ -2127,8 +2297,8 @@
           <a:lstStyle/>
           <a:p>
             <a:r>
-              <a:rPr lang="en-GB" smtClean="0"/>
-              <a:t>INFDEV016A - G. Costantini</a:t>
+              <a:rPr lang="it-IT" smtClean="0"/>
+              <a:t>INFDEV026A - G. Costantini, F. Di Giacomo, G. Maggiore</a:t>
             </a:r>
             <a:endParaRPr lang="en-GB"/>
           </a:p>
@@ -2151,7 +2321,7 @@
           <a:p>
             <a:fld id="{A3AAA307-BC5C-435E-9F75-3D6007B651A5}" type="slidenum">
               <a:rPr lang="en-GB" smtClean="0"/>
-              <a:t>‹#›</a:t>
+              <a:t>‹nr.›</a:t>
             </a:fld>
             <a:endParaRPr lang="en-GB"/>
           </a:p>
@@ -2421,9 +2591,9 @@
           <a:bodyPr/>
           <a:lstStyle/>
           <a:p>
-            <a:fld id="{4FBB1A60-197C-49F7-86A3-1630494D3B8D}" type="datetime1">
+            <a:fld id="{735F25EF-2C32-49FF-A05C-AACCD6DB6B6B}" type="datetime1">
               <a:rPr lang="en-GB" smtClean="0"/>
-              <a:t>06/11/2015</a:t>
+              <a:t>10/12/2015</a:t>
             </a:fld>
             <a:endParaRPr lang="en-GB"/>
           </a:p>
@@ -2445,8 +2615,8 @@
           <a:lstStyle/>
           <a:p>
             <a:r>
-              <a:rPr lang="en-GB" smtClean="0"/>
-              <a:t>INFDEV016A - G. Costantini</a:t>
+              <a:rPr lang="it-IT" smtClean="0"/>
+              <a:t>INFDEV026A - G. Costantini, F. Di Giacomo, G. Maggiore</a:t>
             </a:r>
             <a:endParaRPr lang="en-GB"/>
           </a:p>
@@ -2469,7 +2639,7 @@
           <a:p>
             <a:fld id="{A3AAA307-BC5C-435E-9F75-3D6007B651A5}" type="slidenum">
               <a:rPr lang="en-GB" smtClean="0"/>
-              <a:t>‹#›</a:t>
+              <a:t>‹nr.›</a:t>
             </a:fld>
             <a:endParaRPr lang="en-GB"/>
           </a:p>
@@ -2812,9 +2982,9 @@
           <a:bodyPr/>
           <a:lstStyle/>
           <a:p>
-            <a:fld id="{A34DB7B1-D3B3-42B9-91F1-D4323E10C1C2}" type="datetime1">
+            <a:fld id="{29E0FEDD-8B46-4AB8-8509-00A28AB84484}" type="datetime1">
               <a:rPr lang="en-GB" smtClean="0"/>
-              <a:t>06/11/2015</a:t>
+              <a:t>10/12/2015</a:t>
             </a:fld>
             <a:endParaRPr lang="en-GB"/>
           </a:p>
@@ -2836,8 +3006,8 @@
           <a:lstStyle/>
           <a:p>
             <a:r>
-              <a:rPr lang="en-GB" smtClean="0"/>
-              <a:t>INFDEV016A - G. Costantini</a:t>
+              <a:rPr lang="it-IT" smtClean="0"/>
+              <a:t>INFDEV026A - G. Costantini, F. Di Giacomo, G. Maggiore</a:t>
             </a:r>
             <a:endParaRPr lang="en-GB"/>
           </a:p>
@@ -2860,7 +3030,7 @@
           <a:p>
             <a:fld id="{A3AAA307-BC5C-435E-9F75-3D6007B651A5}" type="slidenum">
               <a:rPr lang="en-GB" smtClean="0"/>
-              <a:t>‹#›</a:t>
+              <a:t>‹nr.›</a:t>
             </a:fld>
             <a:endParaRPr lang="en-GB"/>
           </a:p>
@@ -2986,9 +3156,9 @@
           <a:bodyPr/>
           <a:lstStyle/>
           <a:p>
-            <a:fld id="{408E3BDF-4569-4721-A571-85E0DC35557A}" type="datetime1">
+            <a:fld id="{DBEF859E-FC17-4049-B5D8-0DB1DB648A1C}" type="datetime1">
               <a:rPr lang="en-GB" smtClean="0"/>
-              <a:t>06/11/2015</a:t>
+              <a:t>10/12/2015</a:t>
             </a:fld>
             <a:endParaRPr lang="en-GB"/>
           </a:p>
@@ -3010,8 +3180,8 @@
           <a:lstStyle/>
           <a:p>
             <a:r>
-              <a:rPr lang="en-GB" smtClean="0"/>
-              <a:t>INFDEV016A - G. Costantini</a:t>
+              <a:rPr lang="it-IT" smtClean="0"/>
+              <a:t>INFDEV026A - G. Costantini, F. Di Giacomo, G. Maggiore</a:t>
             </a:r>
             <a:endParaRPr lang="en-GB"/>
           </a:p>
@@ -3034,7 +3204,7 @@
           <a:p>
             <a:fld id="{A3AAA307-BC5C-435E-9F75-3D6007B651A5}" type="slidenum">
               <a:rPr lang="en-GB" smtClean="0"/>
-              <a:t>‹#›</a:t>
+              <a:t>‹nr.›</a:t>
             </a:fld>
             <a:endParaRPr lang="en-GB"/>
           </a:p>
@@ -3170,9 +3340,9 @@
           <a:bodyPr/>
           <a:lstStyle/>
           <a:p>
-            <a:fld id="{B3700E23-83ED-4F6C-AD55-95D6B0EB9300}" type="datetime1">
+            <a:fld id="{31601F83-63BF-475D-9B29-D444390134B0}" type="datetime1">
               <a:rPr lang="en-GB" smtClean="0"/>
-              <a:t>06/11/2015</a:t>
+              <a:t>10/12/2015</a:t>
             </a:fld>
             <a:endParaRPr lang="en-GB"/>
           </a:p>
@@ -3194,8 +3364,8 @@
           <a:lstStyle/>
           <a:p>
             <a:r>
-              <a:rPr lang="en-GB" smtClean="0"/>
-              <a:t>INFDEV016A - G. Costantini</a:t>
+              <a:rPr lang="it-IT" smtClean="0"/>
+              <a:t>INFDEV026A - G. Costantini, F. Di Giacomo, G. Maggiore</a:t>
             </a:r>
             <a:endParaRPr lang="en-GB"/>
           </a:p>
@@ -3218,7 +3388,7 @@
           <a:p>
             <a:fld id="{A3AAA307-BC5C-435E-9F75-3D6007B651A5}" type="slidenum">
               <a:rPr lang="en-GB" smtClean="0"/>
-              <a:t>‹#›</a:t>
+              <a:t>‹nr.›</a:t>
             </a:fld>
             <a:endParaRPr lang="en-GB"/>
           </a:p>
@@ -3344,9 +3514,9 @@
           <a:bodyPr/>
           <a:lstStyle/>
           <a:p>
-            <a:fld id="{216B2DEC-5C6E-4491-BF0B-EA498D4E9FCB}" type="datetime1">
+            <a:fld id="{0C3CD51F-4875-411B-AE14-AC6BE17149BE}" type="datetime1">
               <a:rPr lang="en-GB" smtClean="0"/>
-              <a:t>06/11/2015</a:t>
+              <a:t>10/12/2015</a:t>
             </a:fld>
             <a:endParaRPr lang="en-GB"/>
           </a:p>
@@ -3368,8 +3538,8 @@
           <a:lstStyle/>
           <a:p>
             <a:r>
-              <a:rPr lang="en-GB" smtClean="0"/>
-              <a:t>INFDEV016A - G. Costantini</a:t>
+              <a:rPr lang="it-IT" smtClean="0"/>
+              <a:t>INFDEV026A - G. Costantini, F. Di Giacomo, G. Maggiore</a:t>
             </a:r>
             <a:endParaRPr lang="en-GB"/>
           </a:p>
@@ -3392,7 +3562,7 @@
           <a:p>
             <a:fld id="{A3AAA307-BC5C-435E-9F75-3D6007B651A5}" type="slidenum">
               <a:rPr lang="en-GB" smtClean="0"/>
-              <a:t>‹#›</a:t>
+              <a:t>‹nr.›</a:t>
             </a:fld>
             <a:endParaRPr lang="en-GB"/>
           </a:p>
@@ -3595,9 +3765,9 @@
           <a:bodyPr/>
           <a:lstStyle/>
           <a:p>
-            <a:fld id="{CD45C92C-2104-4A5A-B598-D894566A56F4}" type="datetime1">
+            <a:fld id="{D7A13E29-F9DA-4235-B179-6801D5C335E0}" type="datetime1">
               <a:rPr lang="en-GB" smtClean="0"/>
-              <a:t>06/11/2015</a:t>
+              <a:t>10/12/2015</a:t>
             </a:fld>
             <a:endParaRPr lang="en-GB"/>
           </a:p>
@@ -3619,8 +3789,8 @@
           <a:lstStyle/>
           <a:p>
             <a:r>
-              <a:rPr lang="en-GB" smtClean="0"/>
-              <a:t>INFDEV016A - G. Costantini</a:t>
+              <a:rPr lang="it-IT" smtClean="0"/>
+              <a:t>INFDEV026A - G. Costantini, F. Di Giacomo, G. Maggiore</a:t>
             </a:r>
             <a:endParaRPr lang="en-GB"/>
           </a:p>
@@ -3643,7 +3813,7 @@
           <a:p>
             <a:fld id="{A3AAA307-BC5C-435E-9F75-3D6007B651A5}" type="slidenum">
               <a:rPr lang="en-GB" smtClean="0"/>
-              <a:t>‹#›</a:t>
+              <a:t>‹nr.›</a:t>
             </a:fld>
             <a:endParaRPr lang="en-GB"/>
           </a:p>
@@ -3831,9 +4001,9 @@
           <a:bodyPr/>
           <a:lstStyle/>
           <a:p>
-            <a:fld id="{01AE1153-50C2-4CE9-B5EE-3973A16B6CEF}" type="datetime1">
+            <a:fld id="{17E7B115-DA76-4A15-B0DB-1E0942A758E6}" type="datetime1">
               <a:rPr lang="en-GB" smtClean="0"/>
-              <a:t>06/11/2015</a:t>
+              <a:t>10/12/2015</a:t>
             </a:fld>
             <a:endParaRPr lang="en-GB"/>
           </a:p>
@@ -3855,8 +4025,8 @@
           <a:lstStyle/>
           <a:p>
             <a:r>
-              <a:rPr lang="en-GB" smtClean="0"/>
-              <a:t>INFDEV016A - G. Costantini</a:t>
+              <a:rPr lang="it-IT" smtClean="0"/>
+              <a:t>INFDEV026A - G. Costantini, F. Di Giacomo, G. Maggiore</a:t>
             </a:r>
             <a:endParaRPr lang="en-GB"/>
           </a:p>
@@ -3879,7 +4049,7 @@
           <a:p>
             <a:fld id="{A3AAA307-BC5C-435E-9F75-3D6007B651A5}" type="slidenum">
               <a:rPr lang="en-GB" smtClean="0"/>
-              <a:t>‹#›</a:t>
+              <a:t>‹nr.›</a:t>
             </a:fld>
             <a:endParaRPr lang="en-GB"/>
           </a:p>
@@ -4209,9 +4379,9 @@
           <a:bodyPr/>
           <a:lstStyle/>
           <a:p>
-            <a:fld id="{3ADCC159-C55D-45DC-B4A3-6C33D45AE7CE}" type="datetime1">
+            <a:fld id="{E9C155A6-10E7-4AE0-A978-61287BEECA4C}" type="datetime1">
               <a:rPr lang="en-GB" smtClean="0"/>
-              <a:t>06/11/2015</a:t>
+              <a:t>10/12/2015</a:t>
             </a:fld>
             <a:endParaRPr lang="en-GB"/>
           </a:p>
@@ -4233,8 +4403,8 @@
           <a:lstStyle/>
           <a:p>
             <a:r>
-              <a:rPr lang="en-GB" smtClean="0"/>
-              <a:t>INFDEV016A - G. Costantini</a:t>
+              <a:rPr lang="it-IT" smtClean="0"/>
+              <a:t>INFDEV026A - G. Costantini, F. Di Giacomo, G. Maggiore</a:t>
             </a:r>
             <a:endParaRPr lang="en-GB"/>
           </a:p>
@@ -4257,7 +4427,7 @@
           <a:p>
             <a:fld id="{A3AAA307-BC5C-435E-9F75-3D6007B651A5}" type="slidenum">
               <a:rPr lang="en-GB" smtClean="0"/>
-              <a:t>‹#›</a:t>
+              <a:t>‹nr.›</a:t>
             </a:fld>
             <a:endParaRPr lang="en-GB"/>
           </a:p>
@@ -4336,9 +4506,9 @@
           <a:bodyPr/>
           <a:lstStyle/>
           <a:p>
-            <a:fld id="{E352AA4B-68A4-46D1-86A0-5E3C4D6303F7}" type="datetime1">
+            <a:fld id="{73961DA1-B789-43DA-B41F-367E45E14A87}" type="datetime1">
               <a:rPr lang="en-GB" smtClean="0"/>
-              <a:t>06/11/2015</a:t>
+              <a:t>10/12/2015</a:t>
             </a:fld>
             <a:endParaRPr lang="en-GB"/>
           </a:p>
@@ -4360,8 +4530,8 @@
           <a:lstStyle/>
           <a:p>
             <a:r>
-              <a:rPr lang="en-GB" smtClean="0"/>
-              <a:t>INFDEV016A - G. Costantini</a:t>
+              <a:rPr lang="it-IT" smtClean="0"/>
+              <a:t>INFDEV026A - G. Costantini, F. Di Giacomo, G. Maggiore</a:t>
             </a:r>
             <a:endParaRPr lang="en-GB"/>
           </a:p>
@@ -4384,7 +4554,7 @@
           <a:p>
             <a:fld id="{A3AAA307-BC5C-435E-9F75-3D6007B651A5}" type="slidenum">
               <a:rPr lang="en-GB" smtClean="0"/>
-              <a:t>‹#›</a:t>
+              <a:t>‹nr.›</a:t>
             </a:fld>
             <a:endParaRPr lang="en-GB"/>
           </a:p>
@@ -4435,9 +4605,9 @@
           <a:bodyPr/>
           <a:lstStyle/>
           <a:p>
-            <a:fld id="{92755FB0-C62B-49ED-A7A5-5C4BA752E292}" type="datetime1">
+            <a:fld id="{DA1BD0E5-CF08-4746-888E-2D733D556074}" type="datetime1">
               <a:rPr lang="en-GB" smtClean="0"/>
-              <a:t>06/11/2015</a:t>
+              <a:t>10/12/2015</a:t>
             </a:fld>
             <a:endParaRPr lang="en-GB"/>
           </a:p>
@@ -4459,8 +4629,8 @@
           <a:lstStyle/>
           <a:p>
             <a:r>
-              <a:rPr lang="en-GB" smtClean="0"/>
-              <a:t>INFDEV016A - G. Costantini</a:t>
+              <a:rPr lang="it-IT" smtClean="0"/>
+              <a:t>INFDEV026A - G. Costantini, F. Di Giacomo, G. Maggiore</a:t>
             </a:r>
             <a:endParaRPr lang="en-GB"/>
           </a:p>
@@ -4483,7 +4653,7 @@
           <a:p>
             <a:fld id="{A3AAA307-BC5C-435E-9F75-3D6007B651A5}" type="slidenum">
               <a:rPr lang="en-GB" smtClean="0"/>
-              <a:t>‹#›</a:t>
+              <a:t>‹nr.›</a:t>
             </a:fld>
             <a:endParaRPr lang="en-GB"/>
           </a:p>
@@ -4694,9 +4864,9 @@
           <a:bodyPr/>
           <a:lstStyle/>
           <a:p>
-            <a:fld id="{D20661DD-CC26-4A5A-9ABC-DEA77C0EC715}" type="datetime1">
+            <a:fld id="{91A550A3-096A-496C-87AD-3A39D20C628E}" type="datetime1">
               <a:rPr lang="en-GB" smtClean="0"/>
-              <a:t>06/11/2015</a:t>
+              <a:t>10/12/2015</a:t>
             </a:fld>
             <a:endParaRPr lang="en-GB"/>
           </a:p>
@@ -4718,8 +4888,8 @@
           <a:lstStyle/>
           <a:p>
             <a:r>
-              <a:rPr lang="en-GB" smtClean="0"/>
-              <a:t>INFDEV016A - G. Costantini</a:t>
+              <a:rPr lang="it-IT" smtClean="0"/>
+              <a:t>INFDEV026A - G. Costantini, F. Di Giacomo, G. Maggiore</a:t>
             </a:r>
             <a:endParaRPr lang="en-GB"/>
           </a:p>
@@ -4742,7 +4912,7 @@
           <a:p>
             <a:fld id="{A3AAA307-BC5C-435E-9F75-3D6007B651A5}" type="slidenum">
               <a:rPr lang="en-GB" smtClean="0"/>
-              <a:t>‹#›</a:t>
+              <a:t>‹nr.›</a:t>
             </a:fld>
             <a:endParaRPr lang="en-GB"/>
           </a:p>
@@ -4961,9 +5131,9 @@
           <a:bodyPr/>
           <a:lstStyle/>
           <a:p>
-            <a:fld id="{69FECE05-9CEC-46F9-A226-9CCAD8202D75}" type="datetime1">
+            <a:fld id="{9A7CFD0D-77B1-493B-A7CA-4E8359C26366}" type="datetime1">
               <a:rPr lang="en-GB" smtClean="0"/>
-              <a:t>06/11/2015</a:t>
+              <a:t>10/12/2015</a:t>
             </a:fld>
             <a:endParaRPr lang="en-GB"/>
           </a:p>
@@ -4985,8 +5155,8 @@
           <a:lstStyle/>
           <a:p>
             <a:r>
-              <a:rPr lang="en-GB" smtClean="0"/>
-              <a:t>INFDEV016A - G. Costantini</a:t>
+              <a:rPr lang="it-IT" smtClean="0"/>
+              <a:t>INFDEV026A - G. Costantini, F. Di Giacomo, G. Maggiore</a:t>
             </a:r>
             <a:endParaRPr lang="en-GB"/>
           </a:p>
@@ -5009,7 +5179,7 @@
           <a:p>
             <a:fld id="{A3AAA307-BC5C-435E-9F75-3D6007B651A5}" type="slidenum">
               <a:rPr lang="en-GB" smtClean="0"/>
-              <a:t>‹#›</a:t>
+              <a:t>‹nr.›</a:t>
             </a:fld>
             <a:endParaRPr lang="en-GB"/>
           </a:p>
@@ -5710,9 +5880,9 @@
             </a:lvl1pPr>
           </a:lstStyle>
           <a:p>
-            <a:fld id="{4FC71C82-A776-48E4-B6F4-195D61CBF8AF}" type="datetime1">
+            <a:fld id="{EF7A9A45-2E76-4088-871F-04CACEBEB6E2}" type="datetime1">
               <a:rPr lang="en-GB" smtClean="0"/>
-              <a:t>06/11/2015</a:t>
+              <a:t>10/12/2015</a:t>
             </a:fld>
             <a:endParaRPr lang="en-GB"/>
           </a:p>
@@ -5752,8 +5922,8 @@
           </a:lstStyle>
           <a:p>
             <a:r>
-              <a:rPr lang="en-GB" smtClean="0"/>
-              <a:t>INFDEV016A - G. Costantini</a:t>
+              <a:rPr lang="it-IT" smtClean="0"/>
+              <a:t>INFDEV026A - G. Costantini, F. Di Giacomo, G. Maggiore</a:t>
             </a:r>
             <a:endParaRPr lang="en-GB"/>
           </a:p>
@@ -5794,7 +5964,7 @@
           <a:p>
             <a:fld id="{A3AAA307-BC5C-435E-9F75-3D6007B651A5}" type="slidenum">
               <a:rPr lang="en-GB" smtClean="0"/>
-              <a:t>‹#›</a:t>
+              <a:t>‹nr.›</a:t>
             </a:fld>
             <a:endParaRPr lang="en-GB"/>
           </a:p>
@@ -6284,36 +6454,29 @@
           <a:lstStyle/>
           <a:p>
             <a:r>
-              <a:rPr lang="en-GB" dirty="0" smtClean="0"/>
-              <a:t>Week </a:t>
-            </a:r>
-            <a:r>
-              <a:rPr lang="en-GB" dirty="0" smtClean="0"/>
-              <a:t>7</a:t>
-            </a:r>
-            <a:r>
               <a:rPr lang="en-GB" dirty="0"/>
-              <a:t/>
+              <a:t>INFDEV026A - </a:t>
+            </a:r>
+            <a:r>
+              <a:rPr lang="en-GB" dirty="0" err="1"/>
+              <a:t>Algoritmiek</a:t>
+            </a:r>
+            <a:r>
+              <a:rPr lang="en-GB" dirty="0"/>
+              <a:t> </a:t>
             </a:r>
             <a:br>
               <a:rPr lang="en-GB" dirty="0"/>
             </a:br>
             <a:r>
               <a:rPr lang="en-GB" dirty="0"/>
-              <a:t>Development 6a </a:t>
+              <a:t>Week </a:t>
             </a:r>
             <a:r>
               <a:rPr lang="en-GB" dirty="0" smtClean="0"/>
-              <a:t>- </a:t>
-            </a:r>
-            <a:r>
-              <a:rPr lang="en-GB" dirty="0" err="1" smtClean="0"/>
-              <a:t>Algoritmiek</a:t>
-            </a:r>
-            <a:r>
-              <a:rPr lang="en-GB" dirty="0"/>
-              <a:t> </a:t>
-            </a:r>
+              <a:t>6</a:t>
+            </a:r>
+            <a:endParaRPr lang="en-GB" dirty="0"/>
           </a:p>
         </p:txBody>
       </p:sp>
@@ -6330,40 +6493,44 @@
         <p:spPr/>
         <p:txBody>
           <a:bodyPr>
-            <a:normAutofit fontScale="92500" lnSpcReduction="20000"/>
+            <a:normAutofit/>
           </a:bodyPr>
           <a:lstStyle/>
           <a:p>
             <a:r>
               <a:rPr lang="en-GB" sz="2000" dirty="0"/>
-              <a:t>INFDEV016A</a:t>
-            </a:r>
-            <a:endParaRPr lang="en-GB" sz="2000" dirty="0" smtClean="0"/>
-          </a:p>
-          <a:p>
-            <a:r>
-              <a:rPr lang="en-GB" sz="2000" dirty="0" smtClean="0"/>
-              <a:t>Giulia </a:t>
-            </a:r>
-            <a:r>
-              <a:rPr lang="en-GB" sz="2000" dirty="0" err="1" smtClean="0"/>
-              <a:t>Costantini</a:t>
-            </a:r>
-            <a:r>
-              <a:rPr lang="en-GB" sz="2000" dirty="0" smtClean="0"/>
-              <a:t>, Francesco Di Giacomo, Giuseppe Maggiore</a:t>
-            </a:r>
-            <a:endParaRPr lang="en-GB" sz="2000" dirty="0" smtClean="0"/>
-          </a:p>
-          <a:p>
-            <a:r>
-              <a:rPr lang="en-GB" sz="2000" dirty="0" smtClean="0">
-                <a:hlinkClick r:id="rId2"/>
+              <a:t>G. Costantini, F. Di Giacomo, G. Maggiore</a:t>
+            </a:r>
+          </a:p>
+          <a:p>
+            <a:r>
+              <a:rPr lang="en-GB" sz="2000" dirty="0">
+                <a:hlinkClick r:id="rId3"/>
               </a:rPr>
               <a:t>costg@hr.nl</a:t>
             </a:r>
             <a:r>
-              <a:rPr lang="en-GB" sz="2000" dirty="0" smtClean="0"/>
+              <a:rPr lang="en-GB" sz="2000" dirty="0"/>
+              <a:t>, </a:t>
+            </a:r>
+            <a:r>
+              <a:rPr lang="en-GB" sz="2000" dirty="0">
+                <a:hlinkClick r:id="rId4"/>
+              </a:rPr>
+              <a:t>giacf@hr.nl</a:t>
+            </a:r>
+            <a:r>
+              <a:rPr lang="en-GB" sz="2000" dirty="0"/>
+              <a:t>, </a:t>
+            </a:r>
+            <a:r>
+              <a:rPr lang="en-GB" sz="2000" dirty="0">
+                <a:hlinkClick r:id="rId5"/>
+              </a:rPr>
+              <a:t>maggg@hr.nl</a:t>
+            </a:r>
+            <a:r>
+              <a:rPr lang="en-GB" sz="2000" dirty="0"/>
               <a:t> – Office H4.204</a:t>
             </a:r>
             <a:endParaRPr lang="en-GB" sz="2000" dirty="0"/>
@@ -6431,7 +6598,11 @@
             </a:br>
             <a:r>
               <a:rPr lang="en-US" sz="2000" dirty="0" err="1" smtClean="0"/>
-              <a:t>Memoization</a:t>
+              <a:t>Memoized</a:t>
+            </a:r>
+            <a:r>
+              <a:rPr lang="en-US" sz="2000" dirty="0" smtClean="0"/>
+              <a:t> algorithm (recursive)</a:t>
             </a:r>
             <a:endParaRPr lang="it-IT" dirty="0"/>
           </a:p>
@@ -6439,6 +6610,201 @@
       </p:sp>
       <p:sp>
         <p:nvSpPr>
+          <p:cNvPr id="5" name="Content Placeholder 4"/>
+          <p:cNvSpPr>
+            <a:spLocks noGrp="1"/>
+          </p:cNvSpPr>
+          <p:nvPr>
+            <p:ph idx="1"/>
+          </p:nvPr>
+        </p:nvSpPr>
+        <p:spPr/>
+        <p:txBody>
+          <a:bodyPr>
+            <a:normAutofit/>
+          </a:bodyPr>
+          <a:lstStyle/>
+          <a:p>
+            <a:r>
+              <a:rPr lang="en-US" dirty="0" smtClean="0">
+                <a:latin typeface="+mj-lt"/>
+                <a:cs typeface="Consolas" panose="020B0609020204030204" pitchFamily="49" charset="0"/>
+              </a:rPr>
+              <a:t>Suppose </a:t>
+            </a:r>
+            <a:r>
+              <a:rPr lang="en-US" dirty="0">
+                <a:latin typeface="Consolas" panose="020B0609020204030204" pitchFamily="49" charset="0"/>
+                <a:cs typeface="Consolas" panose="020B0609020204030204" pitchFamily="49" charset="0"/>
+              </a:rPr>
+              <a:t>m</a:t>
+            </a:r>
+            <a:r>
+              <a:rPr lang="en-US" dirty="0" smtClean="0">
+                <a:latin typeface="+mj-lt"/>
+                <a:cs typeface="Consolas" panose="020B0609020204030204" pitchFamily="49" charset="0"/>
+              </a:rPr>
+              <a:t> is a map </a:t>
+            </a:r>
+            <a:r>
+              <a:rPr lang="en-US" dirty="0">
+                <a:latin typeface="+mj-lt"/>
+                <a:cs typeface="Consolas" panose="020B0609020204030204" pitchFamily="49" charset="0"/>
+              </a:rPr>
+              <a:t>object which maps each value of </a:t>
+            </a:r>
+            <a:r>
+              <a:rPr lang="en-US" dirty="0">
+                <a:latin typeface="Consolas" panose="020B0609020204030204" pitchFamily="49" charset="0"/>
+                <a:cs typeface="Consolas" panose="020B0609020204030204" pitchFamily="49" charset="0"/>
+              </a:rPr>
+              <a:t>fib</a:t>
+            </a:r>
+            <a:r>
+              <a:rPr lang="en-US" dirty="0">
+                <a:latin typeface="+mj-lt"/>
+                <a:cs typeface="Consolas" panose="020B0609020204030204" pitchFamily="49" charset="0"/>
+              </a:rPr>
+              <a:t> that has already been calculated to its result</a:t>
+            </a:r>
+            <a:endParaRPr lang="en-US" dirty="0" smtClean="0">
+              <a:latin typeface="+mj-lt"/>
+              <a:cs typeface="Consolas" panose="020B0609020204030204" pitchFamily="49" charset="0"/>
+            </a:endParaRPr>
+          </a:p>
+          <a:p>
+            <a:pPr marL="0" indent="0">
+              <a:buNone/>
+            </a:pPr>
+            <a:endParaRPr lang="en-US" dirty="0">
+              <a:latin typeface="Consolas" panose="020B0609020204030204" pitchFamily="49" charset="0"/>
+              <a:cs typeface="Consolas" panose="020B0609020204030204" pitchFamily="49" charset="0"/>
+            </a:endParaRPr>
+          </a:p>
+          <a:p>
+            <a:pPr marL="0" indent="0">
+              <a:buNone/>
+            </a:pPr>
+            <a:r>
+              <a:rPr lang="en-US" dirty="0" err="1" smtClean="0">
+                <a:latin typeface="Consolas" panose="020B0609020204030204" pitchFamily="49" charset="0"/>
+                <a:cs typeface="Consolas" panose="020B0609020204030204" pitchFamily="49" charset="0"/>
+              </a:rPr>
+              <a:t>var</a:t>
+            </a:r>
+            <a:r>
+              <a:rPr lang="en-US" dirty="0" smtClean="0">
+                <a:latin typeface="Consolas" panose="020B0609020204030204" pitchFamily="49" charset="0"/>
+                <a:cs typeface="Consolas" panose="020B0609020204030204" pitchFamily="49" charset="0"/>
+              </a:rPr>
+              <a:t> </a:t>
+            </a:r>
+            <a:r>
+              <a:rPr lang="en-US" dirty="0">
+                <a:latin typeface="Consolas" panose="020B0609020204030204" pitchFamily="49" charset="0"/>
+                <a:cs typeface="Consolas" panose="020B0609020204030204" pitchFamily="49" charset="0"/>
+              </a:rPr>
+              <a:t>m := map(0 → </a:t>
+            </a:r>
+            <a:r>
+              <a:rPr lang="en-US" dirty="0" smtClean="0">
+                <a:latin typeface="Consolas" panose="020B0609020204030204" pitchFamily="49" charset="0"/>
+                <a:cs typeface="Consolas" panose="020B0609020204030204" pitchFamily="49" charset="0"/>
+              </a:rPr>
+              <a:t>1, </a:t>
+            </a:r>
+            <a:r>
+              <a:rPr lang="en-US" dirty="0">
+                <a:latin typeface="Consolas" panose="020B0609020204030204" pitchFamily="49" charset="0"/>
+                <a:cs typeface="Consolas" panose="020B0609020204030204" pitchFamily="49" charset="0"/>
+              </a:rPr>
+              <a:t>1 → 1)</a:t>
+            </a:r>
+          </a:p>
+          <a:p>
+            <a:pPr marL="0" indent="0">
+              <a:buNone/>
+            </a:pPr>
+            <a:r>
+              <a:rPr lang="en-US" dirty="0" smtClean="0">
+                <a:latin typeface="Consolas" panose="020B0609020204030204" pitchFamily="49" charset="0"/>
+                <a:cs typeface="Consolas" panose="020B0609020204030204" pitchFamily="49" charset="0"/>
+              </a:rPr>
+              <a:t>function </a:t>
+            </a:r>
+            <a:r>
+              <a:rPr lang="en-US" dirty="0">
+                <a:latin typeface="Consolas" panose="020B0609020204030204" pitchFamily="49" charset="0"/>
+                <a:cs typeface="Consolas" panose="020B0609020204030204" pitchFamily="49" charset="0"/>
+              </a:rPr>
+              <a:t>fib(n)</a:t>
+            </a:r>
+          </a:p>
+          <a:p>
+            <a:pPr marL="0" indent="0">
+              <a:buNone/>
+            </a:pPr>
+            <a:r>
+              <a:rPr lang="en-US" dirty="0" smtClean="0">
+                <a:latin typeface="Consolas" panose="020B0609020204030204" pitchFamily="49" charset="0"/>
+                <a:cs typeface="Consolas" panose="020B0609020204030204" pitchFamily="49" charset="0"/>
+              </a:rPr>
+              <a:t>  if </a:t>
+            </a:r>
+            <a:r>
+              <a:rPr lang="en-US" dirty="0">
+                <a:latin typeface="Consolas" panose="020B0609020204030204" pitchFamily="49" charset="0"/>
+                <a:cs typeface="Consolas" panose="020B0609020204030204" pitchFamily="49" charset="0"/>
+              </a:rPr>
+              <a:t>key n is not in map m </a:t>
+            </a:r>
+          </a:p>
+          <a:p>
+            <a:pPr marL="0" indent="0">
+              <a:buNone/>
+            </a:pPr>
+            <a:r>
+              <a:rPr lang="en-US" dirty="0" smtClean="0">
+                <a:latin typeface="Consolas" panose="020B0609020204030204" pitchFamily="49" charset="0"/>
+                <a:cs typeface="Consolas" panose="020B0609020204030204" pitchFamily="49" charset="0"/>
+              </a:rPr>
+              <a:t>    m[n</a:t>
+            </a:r>
+            <a:r>
+              <a:rPr lang="en-US" dirty="0">
+                <a:latin typeface="Consolas" panose="020B0609020204030204" pitchFamily="49" charset="0"/>
+                <a:cs typeface="Consolas" panose="020B0609020204030204" pitchFamily="49" charset="0"/>
+              </a:rPr>
+              <a:t>] := fib(n − 1) + fib(n − 2)</a:t>
+            </a:r>
+          </a:p>
+          <a:p>
+            <a:pPr marL="0" indent="0">
+              <a:buNone/>
+            </a:pPr>
+            <a:r>
+              <a:rPr lang="en-US" dirty="0" smtClean="0">
+                <a:latin typeface="Consolas" panose="020B0609020204030204" pitchFamily="49" charset="0"/>
+                <a:cs typeface="Consolas" panose="020B0609020204030204" pitchFamily="49" charset="0"/>
+              </a:rPr>
+              <a:t>  return </a:t>
+            </a:r>
+            <a:r>
+              <a:rPr lang="en-US" dirty="0">
+                <a:latin typeface="Consolas" panose="020B0609020204030204" pitchFamily="49" charset="0"/>
+                <a:cs typeface="Consolas" panose="020B0609020204030204" pitchFamily="49" charset="0"/>
+              </a:rPr>
+              <a:t>m[n]</a:t>
+            </a:r>
+            <a:endParaRPr lang="en-US" dirty="0" smtClean="0">
+              <a:latin typeface="Consolas" panose="020B0609020204030204" pitchFamily="49" charset="0"/>
+              <a:cs typeface="Consolas" panose="020B0609020204030204" pitchFamily="49" charset="0"/>
+            </a:endParaRPr>
+          </a:p>
+        </p:txBody>
+      </p:sp>
+      <p:sp>
+        <p:nvSpPr>
           <p:cNvPr id="4" name="Footer Placeholder 3"/>
           <p:cNvSpPr>
             <a:spLocks noGrp="1"/>
@@ -6453,72 +6819,17 @@
           <a:lstStyle/>
           <a:p>
             <a:r>
-              <a:rPr lang="en-GB" smtClean="0"/>
-              <a:t>INFDEV016A - G. Costantini</a:t>
+              <a:rPr lang="it-IT" smtClean="0"/>
+              <a:t>INFDEV026A - G. Costantini, F. Di Giacomo, G. Maggiore</a:t>
             </a:r>
             <a:endParaRPr lang="en-GB"/>
-          </a:p>
-        </p:txBody>
-      </p:sp>
-      <p:sp>
-        <p:nvSpPr>
-          <p:cNvPr id="5" name="Content Placeholder 4"/>
-          <p:cNvSpPr>
-            <a:spLocks noGrp="1"/>
-          </p:cNvSpPr>
-          <p:nvPr>
-            <p:ph idx="1"/>
-          </p:nvPr>
-        </p:nvSpPr>
-        <p:spPr/>
-        <p:txBody>
-          <a:bodyPr/>
-          <a:lstStyle/>
-          <a:p>
-            <a:r>
-              <a:rPr lang="en-US" dirty="0" smtClean="0"/>
-              <a:t>We compute the sub-problems just N times.</a:t>
-            </a:r>
-          </a:p>
-          <a:p>
-            <a:r>
-              <a:rPr lang="en-US" dirty="0" smtClean="0"/>
-              <a:t>We use an array with N + 1 elements to store the intermediate results.</a:t>
-            </a:r>
-          </a:p>
-          <a:p>
-            <a:r>
-              <a:rPr lang="en-US" dirty="0" smtClean="0"/>
-              <a:t>Accessing the lookup table requires O(1).</a:t>
-            </a:r>
-          </a:p>
-          <a:p>
-            <a:r>
-              <a:rPr lang="en-US" dirty="0" smtClean="0"/>
-              <a:t>The time complexity is O(N): we compute N times sub-problems that require O(1) time. </a:t>
-            </a:r>
-          </a:p>
-          <a:p>
-            <a:r>
-              <a:rPr lang="en-US" dirty="0" smtClean="0"/>
-              <a:t>The rest requires simply to access the lookup table (constant time).</a:t>
-            </a:r>
-          </a:p>
-          <a:p>
-            <a:r>
-              <a:rPr lang="en-US" dirty="0" smtClean="0"/>
-              <a:t>We use O(N) memory space to save the sub-problems results.</a:t>
-            </a:r>
-          </a:p>
-          <a:p>
-            <a:endParaRPr lang="en-US" dirty="0" smtClean="0"/>
           </a:p>
         </p:txBody>
       </p:sp>
     </p:spTree>
     <p:extLst>
       <p:ext uri="{BB962C8B-B14F-4D97-AF65-F5344CB8AC3E}">
-        <p14:creationId xmlns:p14="http://schemas.microsoft.com/office/powerpoint/2010/main" val="2910739285"/>
+        <p14:creationId xmlns:p14="http://schemas.microsoft.com/office/powerpoint/2010/main" val="894897823"/>
       </p:ext>
     </p:extLst>
   </p:cSld>
@@ -6568,8 +6879,12 @@
               <a:rPr lang="en-US" dirty="0" smtClean="0"/>
             </a:br>
             <a:r>
+              <a:rPr lang="en-US" sz="2000" dirty="0" err="1" smtClean="0"/>
+              <a:t>Memoization</a:t>
+            </a:r>
+            <a:r>
               <a:rPr lang="en-US" sz="2000" dirty="0" smtClean="0"/>
-              <a:t>Bottom up algorithm (iterative)</a:t>
+              <a:t> </a:t>
             </a:r>
             <a:endParaRPr lang="it-IT" dirty="0"/>
           </a:p>
@@ -6591,290 +6906,990 @@
           <a:lstStyle/>
           <a:p>
             <a:r>
-              <a:rPr lang="en-GB" smtClean="0"/>
-              <a:t>INFDEV016A - G. Costantini</a:t>
+              <a:rPr lang="it-IT" smtClean="0"/>
+              <a:t>INFDEV026A - G. Costantini, F. Di Giacomo, G. Maggiore</a:t>
             </a:r>
             <a:endParaRPr lang="en-GB"/>
           </a:p>
         </p:txBody>
       </p:sp>
-      <p:sp>
-        <p:nvSpPr>
-          <p:cNvPr id="5" name="Content Placeholder 4"/>
-          <p:cNvSpPr>
-            <a:spLocks noGrp="1"/>
-          </p:cNvSpPr>
-          <p:nvPr>
-            <p:ph idx="1"/>
-          </p:nvPr>
+      <mc:AlternateContent xmlns:mc="http://schemas.openxmlformats.org/markup-compatibility/2006">
+        <mc:Choice xmlns:a14="http://schemas.microsoft.com/office/drawing/2010/main" Requires="a14">
+          <p:sp>
+            <p:nvSpPr>
+              <p:cNvPr id="5" name="Content Placeholder 4"/>
+              <p:cNvSpPr>
+                <a:spLocks noGrp="1"/>
+              </p:cNvSpPr>
+              <p:nvPr>
+                <p:ph idx="1"/>
+              </p:nvPr>
+            </p:nvSpPr>
+            <p:spPr>
+              <a:xfrm>
+                <a:off x="677334" y="2160589"/>
+                <a:ext cx="8444364" cy="3880773"/>
+              </a:xfrm>
+            </p:spPr>
+            <p:txBody>
+              <a:bodyPr/>
+              <a:lstStyle/>
+              <a:p>
+                <a:r>
+                  <a:rPr lang="en-US" dirty="0" smtClean="0"/>
+                  <a:t>Time complexity? </a:t>
+                </a:r>
+              </a:p>
+              <a:p>
+                <a:pPr lvl="1"/>
+                <a:r>
+                  <a:rPr lang="en-US" dirty="0"/>
+                  <a:t>Accessing the lookup table requires </a:t>
+                </a:r>
+                <a14:m>
+                  <m:oMath xmlns:m="http://schemas.openxmlformats.org/officeDocument/2006/math">
+                    <m:r>
+                      <a:rPr lang="en-US" i="1" dirty="0" smtClean="0">
+                        <a:latin typeface="Cambria Math" panose="02040503050406030204" pitchFamily="18" charset="0"/>
+                      </a:rPr>
+                      <m:t>𝑂</m:t>
+                    </m:r>
+                    <m:r>
+                      <a:rPr lang="en-US" i="1" dirty="0" smtClean="0">
+                        <a:latin typeface="Cambria Math" panose="02040503050406030204" pitchFamily="18" charset="0"/>
+                      </a:rPr>
+                      <m:t>(1)</m:t>
+                    </m:r>
+                  </m:oMath>
+                </a14:m>
+                <a:endParaRPr lang="en-US" dirty="0" smtClean="0"/>
+              </a:p>
+              <a:p>
+                <a:pPr lvl="1"/>
+                <a:r>
+                  <a:rPr lang="en-US" dirty="0" smtClean="0"/>
+                  <a:t>Sub-problems are </a:t>
+                </a:r>
+                <a14:m>
+                  <m:oMath xmlns:m="http://schemas.openxmlformats.org/officeDocument/2006/math">
+                    <m:r>
+                      <a:rPr lang="nl-NL" b="0" i="1" smtClean="0">
+                        <a:latin typeface="Cambria Math" panose="02040503050406030204" pitchFamily="18" charset="0"/>
+                      </a:rPr>
+                      <m:t>𝑛</m:t>
+                    </m:r>
+                  </m:oMath>
+                </a14:m>
+                <a:endParaRPr lang="en-US" dirty="0"/>
+              </a:p>
+              <a:p>
+                <a:pPr lvl="1"/>
+                <a:r>
+                  <a:rPr lang="en-US" dirty="0" smtClean="0"/>
+                  <a:t>Time </a:t>
+                </a:r>
+                <a:r>
+                  <a:rPr lang="en-US" dirty="0" smtClean="0"/>
+                  <a:t>complexity </a:t>
+                </a:r>
+                <a:r>
+                  <a:rPr lang="en-US" dirty="0" smtClean="0"/>
+                  <a:t>then is </a:t>
+                </a:r>
+                <a14:m>
+                  <m:oMath xmlns:m="http://schemas.openxmlformats.org/officeDocument/2006/math">
+                    <m:r>
+                      <a:rPr lang="en-US" b="1" i="1" dirty="0" smtClean="0">
+                        <a:latin typeface="Cambria Math" panose="02040503050406030204" pitchFamily="18" charset="0"/>
+                      </a:rPr>
+                      <m:t>𝑶</m:t>
+                    </m:r>
+                    <m:r>
+                      <a:rPr lang="en-US" b="1" i="1" dirty="0" smtClean="0">
+                        <a:latin typeface="Cambria Math" panose="02040503050406030204" pitchFamily="18" charset="0"/>
+                      </a:rPr>
+                      <m:t>(</m:t>
+                    </m:r>
+                    <m:r>
+                      <a:rPr lang="nl-NL" b="1" i="1" dirty="0" smtClean="0">
+                        <a:latin typeface="Cambria Math" panose="02040503050406030204" pitchFamily="18" charset="0"/>
+                      </a:rPr>
+                      <m:t>𝒏</m:t>
+                    </m:r>
+                    <m:r>
+                      <a:rPr lang="en-US" b="1" i="1" dirty="0" smtClean="0">
+                        <a:latin typeface="Cambria Math" panose="02040503050406030204" pitchFamily="18" charset="0"/>
+                      </a:rPr>
+                      <m:t>)</m:t>
+                    </m:r>
+                  </m:oMath>
+                </a14:m>
+                <a:r>
+                  <a:rPr lang="en-US" dirty="0" smtClean="0"/>
+                  <a:t>: we compute </a:t>
+                </a:r>
+                <a14:m>
+                  <m:oMath xmlns:m="http://schemas.openxmlformats.org/officeDocument/2006/math">
+                    <m:r>
+                      <a:rPr lang="nl-NL" b="0" i="1" dirty="0" smtClean="0">
+                        <a:latin typeface="Cambria Math" panose="02040503050406030204" pitchFamily="18" charset="0"/>
+                      </a:rPr>
+                      <m:t>𝑛</m:t>
+                    </m:r>
+                  </m:oMath>
+                </a14:m>
+                <a:r>
+                  <a:rPr lang="en-US" dirty="0" smtClean="0"/>
+                  <a:t> times sub-problems that require </a:t>
+                </a:r>
+                <a14:m>
+                  <m:oMath xmlns:m="http://schemas.openxmlformats.org/officeDocument/2006/math">
+                    <m:r>
+                      <a:rPr lang="en-US" i="1" dirty="0" smtClean="0">
+                        <a:latin typeface="Cambria Math" panose="02040503050406030204" pitchFamily="18" charset="0"/>
+                      </a:rPr>
+                      <m:t>𝑂</m:t>
+                    </m:r>
+                    <m:r>
+                      <a:rPr lang="en-US" i="1" dirty="0" smtClean="0">
+                        <a:latin typeface="Cambria Math" panose="02040503050406030204" pitchFamily="18" charset="0"/>
+                      </a:rPr>
+                      <m:t>(1)</m:t>
+                    </m:r>
+                  </m:oMath>
+                </a14:m>
+                <a:r>
+                  <a:rPr lang="en-US" dirty="0" smtClean="0"/>
+                  <a:t> </a:t>
+                </a:r>
+                <a:r>
+                  <a:rPr lang="en-US" dirty="0" smtClean="0"/>
+                  <a:t>time </a:t>
+                </a:r>
+                <a:endParaRPr lang="en-US" dirty="0" smtClean="0"/>
+              </a:p>
+              <a:p>
+                <a:r>
+                  <a:rPr lang="en-US" dirty="0" smtClean="0"/>
+                  <a:t>Space complexity? </a:t>
+                </a:r>
+              </a:p>
+              <a:p>
+                <a:pPr lvl="1"/>
+                <a14:m>
+                  <m:oMath xmlns:m="http://schemas.openxmlformats.org/officeDocument/2006/math">
+                    <m:r>
+                      <a:rPr lang="en-US" b="1" i="1" dirty="0" smtClean="0">
+                        <a:latin typeface="Cambria Math" panose="02040503050406030204" pitchFamily="18" charset="0"/>
+                      </a:rPr>
+                      <m:t>𝑶</m:t>
+                    </m:r>
+                    <m:r>
+                      <a:rPr lang="en-US" b="1" i="1" dirty="0" smtClean="0">
+                        <a:latin typeface="Cambria Math" panose="02040503050406030204" pitchFamily="18" charset="0"/>
+                      </a:rPr>
+                      <m:t>(</m:t>
+                    </m:r>
+                    <m:r>
+                      <a:rPr lang="nl-NL" b="1" i="1" dirty="0" smtClean="0">
+                        <a:latin typeface="Cambria Math" panose="02040503050406030204" pitchFamily="18" charset="0"/>
+                      </a:rPr>
+                      <m:t>𝒏</m:t>
+                    </m:r>
+                    <m:r>
+                      <a:rPr lang="en-US" b="1" i="1" dirty="0" smtClean="0">
+                        <a:latin typeface="Cambria Math" panose="02040503050406030204" pitchFamily="18" charset="0"/>
+                      </a:rPr>
+                      <m:t>)</m:t>
+                    </m:r>
+                  </m:oMath>
+                </a14:m>
+                <a:r>
+                  <a:rPr lang="en-US" dirty="0" smtClean="0"/>
+                  <a:t> memory space to save the sub-problems </a:t>
+                </a:r>
+                <a:r>
+                  <a:rPr lang="en-US" dirty="0" smtClean="0"/>
+                  <a:t>results</a:t>
+                </a:r>
+                <a:endParaRPr lang="en-US" dirty="0" smtClean="0"/>
+              </a:p>
+            </p:txBody>
+          </p:sp>
+        </mc:Choice>
+        <mc:Fallback>
+          <p:sp>
+            <p:nvSpPr>
+              <p:cNvPr id="5" name="Content Placeholder 4"/>
+              <p:cNvSpPr>
+                <a:spLocks noGrp="1" noRot="1" noChangeAspect="1" noMove="1" noResize="1" noEditPoints="1" noAdjustHandles="1" noChangeArrowheads="1" noChangeShapeType="1" noTextEdit="1"/>
+              </p:cNvSpPr>
+              <p:nvPr>
+                <p:ph idx="1"/>
+              </p:nvPr>
+            </p:nvSpPr>
+            <p:spPr>
+              <a:xfrm>
+                <a:off x="677334" y="2160589"/>
+                <a:ext cx="8444364" cy="3880773"/>
+              </a:xfrm>
+              <a:blipFill rotWithShape="0">
+                <a:blip r:embed="rId2"/>
+                <a:stretch>
+                  <a:fillRect l="-144" t="-942"/>
+                </a:stretch>
+              </a:blipFill>
+            </p:spPr>
+            <p:txBody>
+              <a:bodyPr/>
+              <a:lstStyle/>
+              <a:p>
+                <a:r>
+                  <a:rPr lang="nl-NL">
+                    <a:noFill/>
+                  </a:rPr>
+                  <a:t> </a:t>
+                </a:r>
+              </a:p>
+            </p:txBody>
+          </p:sp>
+        </mc:Fallback>
+      </mc:AlternateContent>
+      <p:sp>
+        <p:nvSpPr>
+          <p:cNvPr id="3" name="Rechthoek 2"/>
+          <p:cNvSpPr/>
+          <p:nvPr/>
         </p:nvSpPr>
         <p:spPr>
           <a:xfrm>
-            <a:off x="677334" y="1930401"/>
-            <a:ext cx="8596668" cy="4110962"/>
+            <a:off x="5289396" y="318136"/>
+            <a:ext cx="6096000" cy="1477328"/>
           </a:xfrm>
+          <a:prstGeom prst="rect">
+            <a:avLst/>
+          </a:prstGeom>
         </p:spPr>
         <p:txBody>
           <a:bodyPr>
-            <a:normAutofit lnSpcReduction="10000"/>
+            <a:spAutoFit/>
           </a:bodyPr>
           <a:lstStyle/>
           <a:p>
             <a:r>
-              <a:rPr lang="en-US" dirty="0" smtClean="0"/>
-              <a:t>Exploit the structure of the recursive calls.</a:t>
-            </a:r>
-          </a:p>
-          <a:p>
-            <a:r>
-              <a:rPr lang="en-US" dirty="0" smtClean="0"/>
-              <a:t>Build the result of the computation starting from the base case of the recursion.</a:t>
-            </a:r>
-          </a:p>
-          <a:p>
-            <a:r>
-              <a:rPr lang="en-US" dirty="0" smtClean="0"/>
-              <a:t>At each iteration save the intermediate results to use at the next step.</a:t>
-            </a:r>
-          </a:p>
-          <a:p>
-            <a:r>
-              <a:rPr lang="en-US" dirty="0" smtClean="0"/>
-              <a:t>Same complexity as the recursive version.</a:t>
-            </a:r>
-          </a:p>
-          <a:p>
-            <a:endParaRPr lang="en-US" dirty="0"/>
-          </a:p>
-          <a:p>
-            <a:pPr marL="0" indent="0">
-              <a:buNone/>
-            </a:pPr>
-            <a:r>
-              <a:rPr lang="en-US" dirty="0" smtClean="0">
+              <a:rPr lang="en-US" dirty="0" err="1">
                 <a:latin typeface="Consolas" panose="020B0609020204030204" pitchFamily="49" charset="0"/>
                 <a:cs typeface="Consolas" panose="020B0609020204030204" pitchFamily="49" charset="0"/>
               </a:rPr>
-              <a:t>Fibonacci(N)</a:t>
-            </a:r>
-            <a:br>
-              <a:rPr lang="en-US" dirty="0" smtClean="0">
-                <a:latin typeface="Consolas" panose="020B0609020204030204" pitchFamily="49" charset="0"/>
-                <a:cs typeface="Consolas" panose="020B0609020204030204" pitchFamily="49" charset="0"/>
-              </a:rPr>
-            </a:br>
-            <a:r>
-              <a:rPr lang="en-US" dirty="0" err="1" smtClean="0">
-                <a:latin typeface="Consolas" panose="020B0609020204030204" pitchFamily="49" charset="0"/>
-                <a:cs typeface="Consolas" panose="020B0609020204030204" pitchFamily="49" charset="0"/>
-              </a:rPr>
-              <a:t>lookupTable</a:t>
-            </a:r>
-            <a:r>
-              <a:rPr lang="en-US" dirty="0" smtClean="0">
-                <a:latin typeface="Consolas" panose="020B0609020204030204" pitchFamily="49" charset="0"/>
-                <a:cs typeface="Consolas" panose="020B0609020204030204" pitchFamily="49" charset="0"/>
-              </a:rPr>
-              <a:t> = array of N + 1 elements</a:t>
-            </a:r>
-            <a:br>
-              <a:rPr lang="en-US" dirty="0" smtClean="0">
-                <a:latin typeface="Consolas" panose="020B0609020204030204" pitchFamily="49" charset="0"/>
-                <a:cs typeface="Consolas" panose="020B0609020204030204" pitchFamily="49" charset="0"/>
-              </a:rPr>
-            </a:br>
-            <a:r>
-              <a:rPr lang="en-US" dirty="0" err="1" smtClean="0">
-                <a:latin typeface="Consolas" panose="020B0609020204030204" pitchFamily="49" charset="0"/>
-                <a:cs typeface="Consolas" panose="020B0609020204030204" pitchFamily="49" charset="0"/>
-              </a:rPr>
-              <a:t>lookupTable</a:t>
-            </a:r>
-            <a:r>
-              <a:rPr lang="en-US" dirty="0" smtClean="0">
-                <a:latin typeface="Consolas" panose="020B0609020204030204" pitchFamily="49" charset="0"/>
-                <a:cs typeface="Consolas" panose="020B0609020204030204" pitchFamily="49" charset="0"/>
-              </a:rPr>
-              <a:t>[0] = 1</a:t>
-            </a:r>
-            <a:br>
-              <a:rPr lang="en-US" dirty="0" smtClean="0">
-                <a:latin typeface="Consolas" panose="020B0609020204030204" pitchFamily="49" charset="0"/>
-                <a:cs typeface="Consolas" panose="020B0609020204030204" pitchFamily="49" charset="0"/>
-              </a:rPr>
-            </a:br>
-            <a:r>
-              <a:rPr lang="en-US" dirty="0" err="1" smtClean="0">
-                <a:latin typeface="Consolas" panose="020B0609020204030204" pitchFamily="49" charset="0"/>
-                <a:cs typeface="Consolas" panose="020B0609020204030204" pitchFamily="49" charset="0"/>
-              </a:rPr>
-              <a:t>lookupTable</a:t>
-            </a:r>
-            <a:r>
-              <a:rPr lang="en-US" dirty="0" smtClean="0">
-                <a:latin typeface="Consolas" panose="020B0609020204030204" pitchFamily="49" charset="0"/>
-                <a:cs typeface="Consolas" panose="020B0609020204030204" pitchFamily="49" charset="0"/>
-              </a:rPr>
-              <a:t>[1] = 1</a:t>
+              <a:t>var</a:t>
             </a:r>
             <a:r>
               <a:rPr lang="en-US" dirty="0">
                 <a:latin typeface="Consolas" panose="020B0609020204030204" pitchFamily="49" charset="0"/>
                 <a:cs typeface="Consolas" panose="020B0609020204030204" pitchFamily="49" charset="0"/>
               </a:rPr>
-              <a:t/>
-            </a:r>
-            <a:br>
+              <a:t> m := map(0 → 0, 1 → 1)</a:t>
+            </a:r>
+          </a:p>
+          <a:p>
+            <a:r>
               <a:rPr lang="en-US" dirty="0">
                 <a:latin typeface="Consolas" panose="020B0609020204030204" pitchFamily="49" charset="0"/>
                 <a:cs typeface="Consolas" panose="020B0609020204030204" pitchFamily="49" charset="0"/>
               </a:rPr>
-            </a:br>
-            <a:r>
-              <a:rPr lang="en-US" dirty="0" smtClean="0">
-                <a:latin typeface="Consolas" panose="020B0609020204030204" pitchFamily="49" charset="0"/>
-                <a:cs typeface="Consolas" panose="020B0609020204030204" pitchFamily="49" charset="0"/>
-              </a:rPr>
-              <a:t>FOR </a:t>
-            </a:r>
-            <a:r>
-              <a:rPr lang="en-US" dirty="0" err="1" smtClean="0">
-                <a:latin typeface="Consolas" panose="020B0609020204030204" pitchFamily="49" charset="0"/>
-                <a:cs typeface="Consolas" panose="020B0609020204030204" pitchFamily="49" charset="0"/>
-              </a:rPr>
-              <a:t>i</a:t>
-            </a:r>
-            <a:r>
-              <a:rPr lang="en-US" dirty="0" smtClean="0">
-                <a:latin typeface="Consolas" panose="020B0609020204030204" pitchFamily="49" charset="0"/>
-                <a:cs typeface="Consolas" panose="020B0609020204030204" pitchFamily="49" charset="0"/>
-              </a:rPr>
-              <a:t> = 2 TO N</a:t>
-            </a:r>
+              <a:t>function fib(n)</a:t>
+            </a:r>
+          </a:p>
+          <a:p>
             <a:r>
               <a:rPr lang="en-US" dirty="0">
                 <a:latin typeface="Consolas" panose="020B0609020204030204" pitchFamily="49" charset="0"/>
                 <a:cs typeface="Consolas" panose="020B0609020204030204" pitchFamily="49" charset="0"/>
               </a:rPr>
-              <a:t/>
-            </a:r>
-            <a:br>
+              <a:t>  if key n is not in map m </a:t>
+            </a:r>
+          </a:p>
+          <a:p>
+            <a:r>
               <a:rPr lang="en-US" dirty="0">
                 <a:latin typeface="Consolas" panose="020B0609020204030204" pitchFamily="49" charset="0"/>
                 <a:cs typeface="Consolas" panose="020B0609020204030204" pitchFamily="49" charset="0"/>
               </a:rPr>
-            </a:br>
-            <a:r>
-              <a:rPr lang="en-US" dirty="0" smtClean="0">
+              <a:t>    m[n] := fib(n − 1) + fib(n − 2)</a:t>
+            </a:r>
+          </a:p>
+          <a:p>
+            <a:r>
+              <a:rPr lang="en-US" dirty="0">
                 <a:latin typeface="Consolas" panose="020B0609020204030204" pitchFamily="49" charset="0"/>
                 <a:cs typeface="Consolas" panose="020B0609020204030204" pitchFamily="49" charset="0"/>
               </a:rPr>
-              <a:t>  </a:t>
-            </a:r>
-            <a:r>
-              <a:rPr lang="en-US" dirty="0" err="1" smtClean="0">
+              <a:t>  return m[n]</a:t>
+            </a:r>
+          </a:p>
+        </p:txBody>
+      </p:sp>
+    </p:spTree>
+    <p:extLst>
+      <p:ext uri="{BB962C8B-B14F-4D97-AF65-F5344CB8AC3E}">
+        <p14:creationId xmlns:p14="http://schemas.microsoft.com/office/powerpoint/2010/main" val="2910739285"/>
+      </p:ext>
+    </p:extLst>
+  </p:cSld>
+  <p:clrMapOvr>
+    <a:masterClrMapping/>
+  </p:clrMapOvr>
+  <p:timing>
+    <p:tnLst>
+      <p:par>
+        <p:cTn id="1" dur="indefinite" restart="never" nodeType="tmRoot"/>
+      </p:par>
+    </p:tnLst>
+  </p:timing>
+</p:sld>
+</file>
+
+<file path=ppt/slides/slide12.xml><?xml version="1.0" encoding="utf-8"?>
+<p:sld xmlns:a="http://schemas.openxmlformats.org/drawingml/2006/main" xmlns:r="http://schemas.openxmlformats.org/officeDocument/2006/relationships" xmlns:p="http://schemas.openxmlformats.org/presentationml/2006/main">
+  <p:cSld>
+    <p:spTree>
+      <p:nvGrpSpPr>
+        <p:cNvPr id="1" name=""/>
+        <p:cNvGrpSpPr/>
+        <p:nvPr/>
+      </p:nvGrpSpPr>
+      <p:grpSpPr>
+        <a:xfrm>
+          <a:off x="0" y="0"/>
+          <a:ext cx="0" cy="0"/>
+          <a:chOff x="0" y="0"/>
+          <a:chExt cx="0" cy="0"/>
+        </a:xfrm>
+      </p:grpSpPr>
+      <p:sp>
+        <p:nvSpPr>
+          <p:cNvPr id="2" name="Title 1"/>
+          <p:cNvSpPr>
+            <a:spLocks noGrp="1"/>
+          </p:cNvSpPr>
+          <p:nvPr>
+            <p:ph type="title"/>
+          </p:nvPr>
+        </p:nvSpPr>
+        <p:spPr/>
+        <p:txBody>
+          <a:bodyPr/>
+          <a:lstStyle/>
+          <a:p>
+            <a:r>
+              <a:rPr lang="en-US" dirty="0" smtClean="0"/>
+              <a:t>Fibonacci Sequence</a:t>
+            </a:r>
+            <a:br>
+              <a:rPr lang="en-US" dirty="0" smtClean="0"/>
+            </a:br>
+            <a:r>
+              <a:rPr lang="en-US" sz="2000" dirty="0" smtClean="0"/>
+              <a:t>Bottom up algorithm (iterative)</a:t>
+            </a:r>
+            <a:endParaRPr lang="it-IT" dirty="0"/>
+          </a:p>
+        </p:txBody>
+      </p:sp>
+      <p:sp>
+        <p:nvSpPr>
+          <p:cNvPr id="4" name="Footer Placeholder 3"/>
+          <p:cNvSpPr>
+            <a:spLocks noGrp="1"/>
+          </p:cNvSpPr>
+          <p:nvPr>
+            <p:ph type="ftr" sz="quarter" idx="11"/>
+          </p:nvPr>
+        </p:nvSpPr>
+        <p:spPr/>
+        <p:txBody>
+          <a:bodyPr/>
+          <a:lstStyle/>
+          <a:p>
+            <a:r>
+              <a:rPr lang="it-IT" smtClean="0"/>
+              <a:t>INFDEV026A - G. Costantini, F. Di Giacomo, G. Maggiore</a:t>
+            </a:r>
+            <a:endParaRPr lang="en-GB"/>
+          </a:p>
+        </p:txBody>
+      </p:sp>
+      <mc:AlternateContent xmlns:mc="http://schemas.openxmlformats.org/markup-compatibility/2006">
+        <mc:Choice xmlns:a14="http://schemas.microsoft.com/office/drawing/2010/main" Requires="a14">
+          <p:sp>
+            <p:nvSpPr>
+              <p:cNvPr id="5" name="Content Placeholder 4"/>
+              <p:cNvSpPr>
+                <a:spLocks noGrp="1"/>
+              </p:cNvSpPr>
+              <p:nvPr>
+                <p:ph idx="1"/>
+              </p:nvPr>
+            </p:nvSpPr>
+            <p:spPr>
+              <a:xfrm>
+                <a:off x="677334" y="1930401"/>
+                <a:ext cx="8596668" cy="4110962"/>
+              </a:xfrm>
+            </p:spPr>
+            <p:txBody>
+              <a:bodyPr>
+                <a:normAutofit/>
+              </a:bodyPr>
+              <a:lstStyle/>
+              <a:p>
+                <a:r>
+                  <a:rPr lang="en-US" dirty="0" smtClean="0"/>
+                  <a:t>Other possible approach</a:t>
+                </a:r>
+              </a:p>
+              <a:p>
+                <a:pPr lvl="1"/>
+                <a:r>
+                  <a:rPr lang="en-US" dirty="0" smtClean="0"/>
+                  <a:t>Build the result of the computation starting from the base case of the </a:t>
+                </a:r>
+                <a:r>
+                  <a:rPr lang="en-US" dirty="0" smtClean="0"/>
+                  <a:t>recursion</a:t>
+                </a:r>
+                <a:endParaRPr lang="en-US" dirty="0" smtClean="0"/>
+              </a:p>
+              <a:p>
+                <a:pPr lvl="1"/>
+                <a:r>
+                  <a:rPr lang="en-US" dirty="0" smtClean="0"/>
+                  <a:t>At each iteration save the intermediate results to use at the next </a:t>
+                </a:r>
+                <a:r>
+                  <a:rPr lang="en-US" dirty="0" smtClean="0"/>
+                  <a:t>step</a:t>
+                </a:r>
+                <a:endParaRPr lang="en-US" dirty="0" smtClean="0"/>
+              </a:p>
+              <a:p>
+                <a:r>
+                  <a:rPr lang="en-US" dirty="0" smtClean="0"/>
+                  <a:t>Same </a:t>
+                </a:r>
+                <a:r>
+                  <a:rPr lang="en-US" dirty="0" smtClean="0"/>
+                  <a:t>time complexity </a:t>
+                </a:r>
+                <a14:m>
+                  <m:oMath xmlns:m="http://schemas.openxmlformats.org/officeDocument/2006/math">
+                    <m:r>
+                      <a:rPr lang="nl-NL" b="0" i="1" smtClean="0">
+                        <a:latin typeface="Cambria Math" panose="02040503050406030204" pitchFamily="18" charset="0"/>
+                      </a:rPr>
+                      <m:t>𝑂</m:t>
+                    </m:r>
+                    <m:r>
+                      <a:rPr lang="nl-NL" b="0" i="1" smtClean="0">
+                        <a:latin typeface="Cambria Math" panose="02040503050406030204" pitchFamily="18" charset="0"/>
+                      </a:rPr>
+                      <m:t>(</m:t>
+                    </m:r>
+                    <m:r>
+                      <a:rPr lang="nl-NL" b="0" i="1" smtClean="0">
+                        <a:latin typeface="Cambria Math" panose="02040503050406030204" pitchFamily="18" charset="0"/>
+                      </a:rPr>
+                      <m:t>𝑛</m:t>
+                    </m:r>
+                    <m:r>
+                      <a:rPr lang="nl-NL" b="0" i="1" smtClean="0">
+                        <a:latin typeface="Cambria Math" panose="02040503050406030204" pitchFamily="18" charset="0"/>
+                      </a:rPr>
+                      <m:t>)</m:t>
+                    </m:r>
+                  </m:oMath>
+                </a14:m>
+                <a:r>
+                  <a:rPr lang="en-US" dirty="0" smtClean="0"/>
+                  <a:t> as </a:t>
+                </a:r>
+                <a:r>
+                  <a:rPr lang="en-US" dirty="0" smtClean="0"/>
+                  <a:t>the recursive </a:t>
+                </a:r>
+                <a:r>
+                  <a:rPr lang="en-US" dirty="0" smtClean="0"/>
+                  <a:t>version, but only </a:t>
+                </a:r>
+                <a14:m>
+                  <m:oMath xmlns:m="http://schemas.openxmlformats.org/officeDocument/2006/math">
+                    <m:r>
+                      <a:rPr lang="nl-NL" b="0" i="1" smtClean="0">
+                        <a:latin typeface="Cambria Math" panose="02040503050406030204" pitchFamily="18" charset="0"/>
+                      </a:rPr>
+                      <m:t>𝑂</m:t>
+                    </m:r>
+                    <m:r>
+                      <a:rPr lang="nl-NL" b="0" i="1" smtClean="0">
+                        <a:latin typeface="Cambria Math" panose="02040503050406030204" pitchFamily="18" charset="0"/>
+                      </a:rPr>
+                      <m:t>(1)</m:t>
+                    </m:r>
+                  </m:oMath>
+                </a14:m>
+                <a:r>
+                  <a:rPr lang="en-US" dirty="0" smtClean="0"/>
+                  <a:t> of space complexity</a:t>
+                </a:r>
+                <a:endParaRPr lang="en-US" dirty="0" smtClean="0"/>
+              </a:p>
+              <a:p>
+                <a:endParaRPr lang="en-US" dirty="0"/>
+              </a:p>
+            </p:txBody>
+          </p:sp>
+        </mc:Choice>
+        <mc:Fallback>
+          <p:sp>
+            <p:nvSpPr>
+              <p:cNvPr id="5" name="Content Placeholder 4"/>
+              <p:cNvSpPr>
+                <a:spLocks noGrp="1" noRot="1" noChangeAspect="1" noMove="1" noResize="1" noEditPoints="1" noAdjustHandles="1" noChangeArrowheads="1" noChangeShapeType="1" noTextEdit="1"/>
+              </p:cNvSpPr>
+              <p:nvPr>
+                <p:ph idx="1"/>
+              </p:nvPr>
+            </p:nvSpPr>
+            <p:spPr>
+              <a:xfrm>
+                <a:off x="677334" y="1930401"/>
+                <a:ext cx="8596668" cy="4110962"/>
+              </a:xfrm>
+              <a:blipFill rotWithShape="0">
+                <a:blip r:embed="rId2"/>
+                <a:stretch>
+                  <a:fillRect l="-142" t="-1039"/>
+                </a:stretch>
+              </a:blipFill>
+            </p:spPr>
+            <p:txBody>
+              <a:bodyPr/>
+              <a:lstStyle/>
+              <a:p>
+                <a:r>
+                  <a:rPr lang="nl-NL">
+                    <a:noFill/>
+                  </a:rPr>
+                  <a:t> </a:t>
+                </a:r>
+              </a:p>
+            </p:txBody>
+          </p:sp>
+        </mc:Fallback>
+      </mc:AlternateContent>
+      <p:sp>
+        <p:nvSpPr>
+          <p:cNvPr id="3" name="Rechthoek 2"/>
+          <p:cNvSpPr/>
+          <p:nvPr/>
+        </p:nvSpPr>
+        <p:spPr>
+          <a:xfrm>
+            <a:off x="3826140" y="3607823"/>
+            <a:ext cx="7470045" cy="2616101"/>
+          </a:xfrm>
+          <a:prstGeom prst="rect">
+            <a:avLst/>
+          </a:prstGeom>
+        </p:spPr>
+        <p:txBody>
+          <a:bodyPr wrap="square">
+            <a:spAutoFit/>
+          </a:bodyPr>
+          <a:lstStyle/>
+          <a:p>
+            <a:r>
+              <a:rPr lang="nl-NL" sz="1600" dirty="0" err="1">
                 <a:latin typeface="Consolas" panose="020B0609020204030204" pitchFamily="49" charset="0"/>
                 <a:cs typeface="Consolas" panose="020B0609020204030204" pitchFamily="49" charset="0"/>
               </a:rPr>
-              <a:t>lookupTable</a:t>
-            </a:r>
-            <a:r>
-              <a:rPr lang="en-US" dirty="0" smtClean="0">
+              <a:t>function</a:t>
+            </a:r>
+            <a:r>
+              <a:rPr lang="nl-NL" sz="1600" dirty="0">
                 <a:latin typeface="Consolas" panose="020B0609020204030204" pitchFamily="49" charset="0"/>
                 <a:cs typeface="Consolas" panose="020B0609020204030204" pitchFamily="49" charset="0"/>
               </a:rPr>
-              <a:t>[</a:t>
-            </a:r>
-            <a:r>
-              <a:rPr lang="en-US" dirty="0" err="1" smtClean="0">
+              <a:t> </a:t>
+            </a:r>
+            <a:r>
+              <a:rPr lang="nl-NL" sz="1600" dirty="0" err="1">
                 <a:latin typeface="Consolas" panose="020B0609020204030204" pitchFamily="49" charset="0"/>
                 <a:cs typeface="Consolas" panose="020B0609020204030204" pitchFamily="49" charset="0"/>
               </a:rPr>
-              <a:t>i</a:t>
-            </a:r>
-            <a:r>
-              <a:rPr lang="en-US" dirty="0" smtClean="0">
+              <a:t>fib</a:t>
+            </a:r>
+            <a:r>
+              <a:rPr lang="nl-NL" sz="1600" dirty="0">
                 <a:latin typeface="Consolas" panose="020B0609020204030204" pitchFamily="49" charset="0"/>
                 <a:cs typeface="Consolas" panose="020B0609020204030204" pitchFamily="49" charset="0"/>
               </a:rPr>
-              <a:t>] = </a:t>
-            </a:r>
-            <a:r>
-              <a:rPr lang="en-US" dirty="0" err="1" smtClean="0">
+              <a:t>(n)</a:t>
+            </a:r>
+          </a:p>
+          <a:p>
+            <a:r>
+              <a:rPr lang="nl-NL" sz="1600" dirty="0" smtClean="0">
                 <a:latin typeface="Consolas" panose="020B0609020204030204" pitchFamily="49" charset="0"/>
                 <a:cs typeface="Consolas" panose="020B0609020204030204" pitchFamily="49" charset="0"/>
               </a:rPr>
-              <a:t>lookupTable</a:t>
-            </a:r>
-            <a:r>
-              <a:rPr lang="en-US" dirty="0" smtClean="0">
+              <a:t>  </a:t>
+            </a:r>
+            <a:r>
+              <a:rPr lang="nl-NL" sz="1600" dirty="0" err="1" smtClean="0">
                 <a:latin typeface="Consolas" panose="020B0609020204030204" pitchFamily="49" charset="0"/>
                 <a:cs typeface="Consolas" panose="020B0609020204030204" pitchFamily="49" charset="0"/>
               </a:rPr>
-              <a:t>[</a:t>
-            </a:r>
-            <a:r>
-              <a:rPr lang="en-US" dirty="0" err="1" smtClean="0">
+              <a:t>if</a:t>
+            </a:r>
+            <a:r>
+              <a:rPr lang="nl-NL" sz="1600" dirty="0" smtClean="0">
                 <a:latin typeface="Consolas" panose="020B0609020204030204" pitchFamily="49" charset="0"/>
                 <a:cs typeface="Consolas" panose="020B0609020204030204" pitchFamily="49" charset="0"/>
               </a:rPr>
-              <a:t>i</a:t>
-            </a:r>
-            <a:r>
-              <a:rPr lang="en-US" dirty="0" smtClean="0">
+              <a:t> </a:t>
+            </a:r>
+            <a:r>
+              <a:rPr lang="nl-NL" sz="1600" dirty="0">
                 <a:latin typeface="Consolas" panose="020B0609020204030204" pitchFamily="49" charset="0"/>
                 <a:cs typeface="Consolas" panose="020B0609020204030204" pitchFamily="49" charset="0"/>
               </a:rPr>
-              <a:t> - 1] + </a:t>
-            </a:r>
-            <a:r>
-              <a:rPr lang="en-US" dirty="0" err="1" smtClean="0">
+              <a:t>n = 0</a:t>
+            </a:r>
+          </a:p>
+          <a:p>
+            <a:r>
+              <a:rPr lang="nl-NL" sz="1600" dirty="0">
                 <a:latin typeface="Consolas" panose="020B0609020204030204" pitchFamily="49" charset="0"/>
                 <a:cs typeface="Consolas" panose="020B0609020204030204" pitchFamily="49" charset="0"/>
               </a:rPr>
-              <a:t>lookupTable</a:t>
-            </a:r>
-            <a:r>
-              <a:rPr lang="en-US" dirty="0" smtClean="0">
+              <a:t>  </a:t>
+            </a:r>
+            <a:r>
+              <a:rPr lang="nl-NL" sz="1600" dirty="0" smtClean="0">
                 <a:latin typeface="Consolas" panose="020B0609020204030204" pitchFamily="49" charset="0"/>
                 <a:cs typeface="Consolas" panose="020B0609020204030204" pitchFamily="49" charset="0"/>
               </a:rPr>
-              <a:t>[</a:t>
-            </a:r>
-            <a:r>
-              <a:rPr lang="en-US" dirty="0" err="1" smtClean="0">
+              <a:t>  return 1</a:t>
+            </a:r>
+            <a:endParaRPr lang="nl-NL" sz="1600" dirty="0">
+              <a:latin typeface="Consolas" panose="020B0609020204030204" pitchFamily="49" charset="0"/>
+              <a:cs typeface="Consolas" panose="020B0609020204030204" pitchFamily="49" charset="0"/>
+            </a:endParaRPr>
+          </a:p>
+          <a:p>
+            <a:r>
+              <a:rPr lang="nl-NL" sz="1600" dirty="0" smtClean="0">
                 <a:latin typeface="Consolas" panose="020B0609020204030204" pitchFamily="49" charset="0"/>
                 <a:cs typeface="Consolas" panose="020B0609020204030204" pitchFamily="49" charset="0"/>
               </a:rPr>
-              <a:t>i</a:t>
-            </a:r>
-            <a:r>
-              <a:rPr lang="en-US" dirty="0" smtClean="0">
+              <a:t>  </a:t>
+            </a:r>
+            <a:r>
+              <a:rPr lang="nl-NL" sz="1600" dirty="0" err="1" smtClean="0">
                 <a:latin typeface="Consolas" panose="020B0609020204030204" pitchFamily="49" charset="0"/>
                 <a:cs typeface="Consolas" panose="020B0609020204030204" pitchFamily="49" charset="0"/>
               </a:rPr>
-              <a:t> - 2]</a:t>
-            </a:r>
-            <a:r>
-              <a:rPr lang="en-US" dirty="0"/>
-              <a:t/>
-            </a:r>
-            <a:br>
-              <a:rPr lang="en-US" dirty="0"/>
-            </a:br>
-            <a:r>
-              <a:rPr lang="en-US" dirty="0" smtClean="0"/>
-              <a:t>return </a:t>
-            </a:r>
-            <a:r>
-              <a:rPr lang="en-US" dirty="0" err="1" smtClean="0"/>
-              <a:t>lookupTable</a:t>
-            </a:r>
-            <a:r>
-              <a:rPr lang="en-US" dirty="0" smtClean="0"/>
-              <a:t>[N]</a:t>
-            </a:r>
-            <a:endParaRPr lang="en-US" dirty="0" smtClean="0">
+              <a:t>else</a:t>
+            </a:r>
+            <a:endParaRPr lang="nl-NL" sz="1600" dirty="0">
+              <a:latin typeface="Consolas" panose="020B0609020204030204" pitchFamily="49" charset="0"/>
+              <a:cs typeface="Consolas" panose="020B0609020204030204" pitchFamily="49" charset="0"/>
+            </a:endParaRPr>
+          </a:p>
+          <a:p>
+            <a:r>
+              <a:rPr lang="nl-NL" sz="1600" dirty="0">
+                <a:latin typeface="Consolas" panose="020B0609020204030204" pitchFamily="49" charset="0"/>
+                <a:cs typeface="Consolas" panose="020B0609020204030204" pitchFamily="49" charset="0"/>
+              </a:rPr>
+              <a:t>  </a:t>
+            </a:r>
+            <a:r>
+              <a:rPr lang="nl-NL" sz="1600" dirty="0" smtClean="0">
+                <a:latin typeface="Consolas" panose="020B0609020204030204" pitchFamily="49" charset="0"/>
+                <a:cs typeface="Consolas" panose="020B0609020204030204" pitchFamily="49" charset="0"/>
+              </a:rPr>
+              <a:t>  var </a:t>
+            </a:r>
+            <a:r>
+              <a:rPr lang="nl-NL" sz="1600" dirty="0" err="1">
+                <a:latin typeface="Consolas" panose="020B0609020204030204" pitchFamily="49" charset="0"/>
+                <a:cs typeface="Consolas" panose="020B0609020204030204" pitchFamily="49" charset="0"/>
+              </a:rPr>
+              <a:t>previousFib</a:t>
+            </a:r>
+            <a:r>
+              <a:rPr lang="nl-NL" sz="1600" dirty="0">
+                <a:latin typeface="Consolas" panose="020B0609020204030204" pitchFamily="49" charset="0"/>
+                <a:cs typeface="Consolas" panose="020B0609020204030204" pitchFamily="49" charset="0"/>
+              </a:rPr>
+              <a:t> := </a:t>
+            </a:r>
+            <a:r>
+              <a:rPr lang="nl-NL" sz="1600" dirty="0" smtClean="0">
+                <a:latin typeface="Consolas" panose="020B0609020204030204" pitchFamily="49" charset="0"/>
+                <a:cs typeface="Consolas" panose="020B0609020204030204" pitchFamily="49" charset="0"/>
+              </a:rPr>
+              <a:t>1, </a:t>
+            </a:r>
+            <a:r>
+              <a:rPr lang="nl-NL" sz="1600" dirty="0" err="1">
+                <a:latin typeface="Consolas" panose="020B0609020204030204" pitchFamily="49" charset="0"/>
+                <a:cs typeface="Consolas" panose="020B0609020204030204" pitchFamily="49" charset="0"/>
+              </a:rPr>
+              <a:t>currentFib</a:t>
+            </a:r>
+            <a:r>
+              <a:rPr lang="nl-NL" sz="1600" dirty="0">
+                <a:latin typeface="Consolas" panose="020B0609020204030204" pitchFamily="49" charset="0"/>
+                <a:cs typeface="Consolas" panose="020B0609020204030204" pitchFamily="49" charset="0"/>
+              </a:rPr>
+              <a:t> := 1</a:t>
+            </a:r>
+          </a:p>
+          <a:p>
+            <a:r>
+              <a:rPr lang="nl-NL" sz="1600" dirty="0" smtClean="0">
+                <a:latin typeface="Consolas" panose="020B0609020204030204" pitchFamily="49" charset="0"/>
+                <a:cs typeface="Consolas" panose="020B0609020204030204" pitchFamily="49" charset="0"/>
+              </a:rPr>
+              <a:t>    </a:t>
+            </a:r>
+            <a:r>
+              <a:rPr lang="nl-NL" sz="1600" dirty="0" err="1" smtClean="0">
+                <a:latin typeface="Consolas" panose="020B0609020204030204" pitchFamily="49" charset="0"/>
+                <a:cs typeface="Consolas" panose="020B0609020204030204" pitchFamily="49" charset="0"/>
+              </a:rPr>
+              <a:t>repeat</a:t>
+            </a:r>
+            <a:r>
+              <a:rPr lang="nl-NL" sz="1600" dirty="0" smtClean="0">
+                <a:latin typeface="Consolas" panose="020B0609020204030204" pitchFamily="49" charset="0"/>
+                <a:cs typeface="Consolas" panose="020B0609020204030204" pitchFamily="49" charset="0"/>
+              </a:rPr>
+              <a:t> </a:t>
+            </a:r>
+            <a:r>
+              <a:rPr lang="nl-NL" sz="1600" dirty="0">
+                <a:latin typeface="Consolas" panose="020B0609020204030204" pitchFamily="49" charset="0"/>
+                <a:cs typeface="Consolas" panose="020B0609020204030204" pitchFamily="49" charset="0"/>
+              </a:rPr>
+              <a:t>n − 1 </a:t>
+            </a:r>
+            <a:r>
+              <a:rPr lang="nl-NL" sz="1600" dirty="0" err="1">
+                <a:latin typeface="Consolas" panose="020B0609020204030204" pitchFamily="49" charset="0"/>
+                <a:cs typeface="Consolas" panose="020B0609020204030204" pitchFamily="49" charset="0"/>
+              </a:rPr>
+              <a:t>times</a:t>
+            </a:r>
+            <a:r>
+              <a:rPr lang="nl-NL" sz="1600" dirty="0">
+                <a:latin typeface="Consolas" panose="020B0609020204030204" pitchFamily="49" charset="0"/>
+                <a:cs typeface="Consolas" panose="020B0609020204030204" pitchFamily="49" charset="0"/>
+              </a:rPr>
+              <a:t> // loop is </a:t>
+            </a:r>
+            <a:r>
+              <a:rPr lang="nl-NL" sz="1600" dirty="0" err="1">
+                <a:latin typeface="Consolas" panose="020B0609020204030204" pitchFamily="49" charset="0"/>
+                <a:cs typeface="Consolas" panose="020B0609020204030204" pitchFamily="49" charset="0"/>
+              </a:rPr>
+              <a:t>skipped</a:t>
+            </a:r>
+            <a:r>
+              <a:rPr lang="nl-NL" sz="1600" dirty="0">
+                <a:latin typeface="Consolas" panose="020B0609020204030204" pitchFamily="49" charset="0"/>
+                <a:cs typeface="Consolas" panose="020B0609020204030204" pitchFamily="49" charset="0"/>
+              </a:rPr>
+              <a:t> </a:t>
+            </a:r>
+            <a:r>
+              <a:rPr lang="nl-NL" sz="1600" dirty="0" err="1">
+                <a:latin typeface="Consolas" panose="020B0609020204030204" pitchFamily="49" charset="0"/>
+                <a:cs typeface="Consolas" panose="020B0609020204030204" pitchFamily="49" charset="0"/>
+              </a:rPr>
+              <a:t>if</a:t>
+            </a:r>
+            <a:r>
+              <a:rPr lang="nl-NL" sz="1600" dirty="0">
+                <a:latin typeface="Consolas" panose="020B0609020204030204" pitchFamily="49" charset="0"/>
+                <a:cs typeface="Consolas" panose="020B0609020204030204" pitchFamily="49" charset="0"/>
+              </a:rPr>
+              <a:t> n = 1</a:t>
+            </a:r>
+          </a:p>
+          <a:p>
+            <a:r>
+              <a:rPr lang="nl-NL" sz="1600" dirty="0">
+                <a:latin typeface="Consolas" panose="020B0609020204030204" pitchFamily="49" charset="0"/>
+                <a:cs typeface="Consolas" panose="020B0609020204030204" pitchFamily="49" charset="0"/>
+              </a:rPr>
+              <a:t>    </a:t>
+            </a:r>
+            <a:r>
+              <a:rPr lang="nl-NL" sz="1600" dirty="0" smtClean="0">
+                <a:latin typeface="Consolas" panose="020B0609020204030204" pitchFamily="49" charset="0"/>
+                <a:cs typeface="Consolas" panose="020B0609020204030204" pitchFamily="49" charset="0"/>
+              </a:rPr>
+              <a:t>  var </a:t>
+            </a:r>
+            <a:r>
+              <a:rPr lang="nl-NL" sz="1600" dirty="0" err="1">
+                <a:latin typeface="Consolas" panose="020B0609020204030204" pitchFamily="49" charset="0"/>
+                <a:cs typeface="Consolas" panose="020B0609020204030204" pitchFamily="49" charset="0"/>
+              </a:rPr>
+              <a:t>newFib</a:t>
+            </a:r>
+            <a:r>
+              <a:rPr lang="nl-NL" sz="1600" dirty="0">
+                <a:latin typeface="Consolas" panose="020B0609020204030204" pitchFamily="49" charset="0"/>
+                <a:cs typeface="Consolas" panose="020B0609020204030204" pitchFamily="49" charset="0"/>
+              </a:rPr>
+              <a:t> := </a:t>
+            </a:r>
+            <a:r>
+              <a:rPr lang="nl-NL" sz="1600" dirty="0" err="1">
+                <a:latin typeface="Consolas" panose="020B0609020204030204" pitchFamily="49" charset="0"/>
+                <a:cs typeface="Consolas" panose="020B0609020204030204" pitchFamily="49" charset="0"/>
+              </a:rPr>
+              <a:t>previousFib</a:t>
+            </a:r>
+            <a:r>
+              <a:rPr lang="nl-NL" sz="1600" dirty="0">
+                <a:latin typeface="Consolas" panose="020B0609020204030204" pitchFamily="49" charset="0"/>
+                <a:cs typeface="Consolas" panose="020B0609020204030204" pitchFamily="49" charset="0"/>
+              </a:rPr>
+              <a:t> + </a:t>
+            </a:r>
+            <a:r>
+              <a:rPr lang="nl-NL" sz="1600" dirty="0" err="1">
+                <a:latin typeface="Consolas" panose="020B0609020204030204" pitchFamily="49" charset="0"/>
+                <a:cs typeface="Consolas" panose="020B0609020204030204" pitchFamily="49" charset="0"/>
+              </a:rPr>
+              <a:t>currentFib</a:t>
+            </a:r>
+            <a:endParaRPr lang="nl-NL" sz="1600" dirty="0">
+              <a:latin typeface="Consolas" panose="020B0609020204030204" pitchFamily="49" charset="0"/>
+              <a:cs typeface="Consolas" panose="020B0609020204030204" pitchFamily="49" charset="0"/>
+            </a:endParaRPr>
+          </a:p>
+          <a:p>
+            <a:r>
+              <a:rPr lang="nl-NL" sz="1600" dirty="0" smtClean="0">
+                <a:latin typeface="Consolas" panose="020B0609020204030204" pitchFamily="49" charset="0"/>
+                <a:cs typeface="Consolas" panose="020B0609020204030204" pitchFamily="49" charset="0"/>
+              </a:rPr>
+              <a:t>      </a:t>
+            </a:r>
+            <a:r>
+              <a:rPr lang="nl-NL" sz="1600" dirty="0" err="1" smtClean="0">
+                <a:latin typeface="Consolas" panose="020B0609020204030204" pitchFamily="49" charset="0"/>
+                <a:cs typeface="Consolas" panose="020B0609020204030204" pitchFamily="49" charset="0"/>
+              </a:rPr>
+              <a:t>previousFib</a:t>
+            </a:r>
+            <a:r>
+              <a:rPr lang="nl-NL" sz="1600" dirty="0" smtClean="0">
+                <a:latin typeface="Consolas" panose="020B0609020204030204" pitchFamily="49" charset="0"/>
+                <a:cs typeface="Consolas" panose="020B0609020204030204" pitchFamily="49" charset="0"/>
+              </a:rPr>
+              <a:t> </a:t>
+            </a:r>
+            <a:r>
+              <a:rPr lang="nl-NL" sz="1600" dirty="0">
+                <a:latin typeface="Consolas" panose="020B0609020204030204" pitchFamily="49" charset="0"/>
+                <a:cs typeface="Consolas" panose="020B0609020204030204" pitchFamily="49" charset="0"/>
+              </a:rPr>
+              <a:t>:= </a:t>
+            </a:r>
+            <a:r>
+              <a:rPr lang="nl-NL" sz="1600" dirty="0" err="1">
+                <a:latin typeface="Consolas" panose="020B0609020204030204" pitchFamily="49" charset="0"/>
+                <a:cs typeface="Consolas" panose="020B0609020204030204" pitchFamily="49" charset="0"/>
+              </a:rPr>
+              <a:t>currentFib</a:t>
+            </a:r>
+            <a:endParaRPr lang="nl-NL" sz="1600" dirty="0">
+              <a:latin typeface="Consolas" panose="020B0609020204030204" pitchFamily="49" charset="0"/>
+              <a:cs typeface="Consolas" panose="020B0609020204030204" pitchFamily="49" charset="0"/>
+            </a:endParaRPr>
+          </a:p>
+          <a:p>
+            <a:r>
+              <a:rPr lang="nl-NL" sz="1600" dirty="0" smtClean="0">
+                <a:latin typeface="Consolas" panose="020B0609020204030204" pitchFamily="49" charset="0"/>
+                <a:cs typeface="Consolas" panose="020B0609020204030204" pitchFamily="49" charset="0"/>
+              </a:rPr>
+              <a:t>      </a:t>
+            </a:r>
+            <a:r>
+              <a:rPr lang="nl-NL" sz="1600" dirty="0" err="1" smtClean="0">
+                <a:latin typeface="Consolas" panose="020B0609020204030204" pitchFamily="49" charset="0"/>
+                <a:cs typeface="Consolas" panose="020B0609020204030204" pitchFamily="49" charset="0"/>
+              </a:rPr>
+              <a:t>currentFib</a:t>
+            </a:r>
+            <a:r>
+              <a:rPr lang="nl-NL" sz="1600" dirty="0" smtClean="0">
+                <a:latin typeface="Consolas" panose="020B0609020204030204" pitchFamily="49" charset="0"/>
+                <a:cs typeface="Consolas" panose="020B0609020204030204" pitchFamily="49" charset="0"/>
+              </a:rPr>
+              <a:t>  </a:t>
+            </a:r>
+            <a:r>
+              <a:rPr lang="nl-NL" sz="1600" dirty="0">
+                <a:latin typeface="Consolas" panose="020B0609020204030204" pitchFamily="49" charset="0"/>
+                <a:cs typeface="Consolas" panose="020B0609020204030204" pitchFamily="49" charset="0"/>
+              </a:rPr>
+              <a:t>:= </a:t>
+            </a:r>
+            <a:r>
+              <a:rPr lang="nl-NL" sz="1600" dirty="0" err="1">
+                <a:latin typeface="Consolas" panose="020B0609020204030204" pitchFamily="49" charset="0"/>
+                <a:cs typeface="Consolas" panose="020B0609020204030204" pitchFamily="49" charset="0"/>
+              </a:rPr>
+              <a:t>newFib</a:t>
+            </a:r>
+            <a:endParaRPr lang="nl-NL" sz="1600" dirty="0">
+              <a:latin typeface="Consolas" panose="020B0609020204030204" pitchFamily="49" charset="0"/>
+              <a:cs typeface="Consolas" panose="020B0609020204030204" pitchFamily="49" charset="0"/>
+            </a:endParaRPr>
+          </a:p>
+          <a:p>
+            <a:r>
+              <a:rPr lang="nl-NL" sz="1600" dirty="0">
+                <a:latin typeface="Consolas" panose="020B0609020204030204" pitchFamily="49" charset="0"/>
+                <a:cs typeface="Consolas" panose="020B0609020204030204" pitchFamily="49" charset="0"/>
+              </a:rPr>
+              <a:t> </a:t>
+            </a:r>
+            <a:r>
+              <a:rPr lang="nl-NL" sz="1600" dirty="0" smtClean="0">
+                <a:latin typeface="Consolas" panose="020B0609020204030204" pitchFamily="49" charset="0"/>
+                <a:cs typeface="Consolas" panose="020B0609020204030204" pitchFamily="49" charset="0"/>
+              </a:rPr>
+              <a:t> return </a:t>
+            </a:r>
+            <a:r>
+              <a:rPr lang="nl-NL" sz="1600" dirty="0" err="1">
+                <a:latin typeface="Consolas" panose="020B0609020204030204" pitchFamily="49" charset="0"/>
+                <a:cs typeface="Consolas" panose="020B0609020204030204" pitchFamily="49" charset="0"/>
+              </a:rPr>
+              <a:t>currentFib</a:t>
+            </a:r>
+            <a:endParaRPr lang="nl-NL" sz="1600" dirty="0">
               <a:latin typeface="Consolas" panose="020B0609020204030204" pitchFamily="49" charset="0"/>
               <a:cs typeface="Consolas" panose="020B0609020204030204" pitchFamily="49" charset="0"/>
             </a:endParaRPr>
@@ -6891,6 +7906,109 @@
   <p:clrMapOvr>
     <a:masterClrMapping/>
   </p:clrMapOvr>
+  <p:timing>
+    <p:tnLst>
+      <p:par>
+        <p:cTn id="1" dur="indefinite" restart="never" nodeType="tmRoot"/>
+      </p:par>
+    </p:tnLst>
+  </p:timing>
+</p:sld>
+</file>
+
+<file path=ppt/slides/slide13.xml><?xml version="1.0" encoding="utf-8"?>
+<p:sld xmlns:a="http://schemas.openxmlformats.org/drawingml/2006/main" xmlns:r="http://schemas.openxmlformats.org/officeDocument/2006/relationships" xmlns:p="http://schemas.openxmlformats.org/presentationml/2006/main">
+  <p:cSld>
+    <p:spTree>
+      <p:nvGrpSpPr>
+        <p:cNvPr id="1" name=""/>
+        <p:cNvGrpSpPr/>
+        <p:nvPr/>
+      </p:nvGrpSpPr>
+      <p:grpSpPr>
+        <a:xfrm>
+          <a:off x="0" y="0"/>
+          <a:ext cx="0" cy="0"/>
+          <a:chOff x="0" y="0"/>
+          <a:chExt cx="0" cy="0"/>
+        </a:xfrm>
+      </p:grpSpPr>
+      <p:sp>
+        <p:nvSpPr>
+          <p:cNvPr id="5" name="Titel 4"/>
+          <p:cNvSpPr>
+            <a:spLocks noGrp="1"/>
+          </p:cNvSpPr>
+          <p:nvPr>
+            <p:ph type="ctrTitle"/>
+          </p:nvPr>
+        </p:nvSpPr>
+        <p:spPr>
+          <a:xfrm>
+            <a:off x="1293541" y="2404534"/>
+            <a:ext cx="7980462" cy="1646302"/>
+          </a:xfrm>
+        </p:spPr>
+        <p:txBody>
+          <a:bodyPr/>
+          <a:lstStyle/>
+          <a:p>
+            <a:r>
+              <a:rPr lang="nl-NL" dirty="0" smtClean="0"/>
+              <a:t>Floyd </a:t>
+            </a:r>
+            <a:r>
+              <a:rPr lang="nl-NL" dirty="0" err="1" smtClean="0"/>
+              <a:t>Warshall</a:t>
+            </a:r>
+            <a:r>
+              <a:rPr lang="nl-NL" dirty="0" smtClean="0"/>
+              <a:t> </a:t>
+            </a:r>
+            <a:r>
+              <a:rPr lang="nl-NL" dirty="0" err="1" smtClean="0"/>
+              <a:t>algorithm</a:t>
+            </a:r>
+            <a:endParaRPr lang="nl-NL" dirty="0"/>
+          </a:p>
+        </p:txBody>
+      </p:sp>
+      <p:sp>
+        <p:nvSpPr>
+          <p:cNvPr id="7" name="Ondertitel 6"/>
+          <p:cNvSpPr>
+            <a:spLocks noGrp="1"/>
+          </p:cNvSpPr>
+          <p:nvPr>
+            <p:ph type="subTitle" idx="1"/>
+          </p:nvPr>
+        </p:nvSpPr>
+        <p:spPr/>
+        <p:txBody>
+          <a:bodyPr/>
+          <a:lstStyle/>
+          <a:p>
+            <a:endParaRPr lang="nl-NL"/>
+          </a:p>
+        </p:txBody>
+      </p:sp>
+    </p:spTree>
+    <p:extLst>
+      <p:ext uri="{BB962C8B-B14F-4D97-AF65-F5344CB8AC3E}">
+        <p14:creationId xmlns:p14="http://schemas.microsoft.com/office/powerpoint/2010/main" val="1385128144"/>
+      </p:ext>
+    </p:extLst>
+  </p:cSld>
+  <p:clrMapOvr>
+    <a:masterClrMapping/>
+  </p:clrMapOvr>
+  <p:timing>
+    <p:tnLst>
+      <p:par>
+        <p:cTn id="1" dur="indefinite" restart="never" nodeType="tmRoot"/>
+      </p:par>
+    </p:tnLst>
+  </p:timing>
 </p:sld>
 </file>
 
@@ -7053,8 +8171,8 @@
           <a:lstStyle/>
           <a:p>
             <a:r>
-              <a:rPr lang="en-GB" smtClean="0"/>
-              <a:t>INFDEV016A - G. Costantini</a:t>
+              <a:rPr lang="it-IT" smtClean="0"/>
+              <a:t>INFDEV026A - G. Costantini, F. Di Giacomo, G. Maggiore</a:t>
             </a:r>
             <a:endParaRPr lang="en-GB"/>
           </a:p>
@@ -7099,6 +8217,265 @@
       </p:grpSpPr>
       <p:sp>
         <p:nvSpPr>
+          <p:cNvPr id="2" name="Titel 1"/>
+          <p:cNvSpPr>
+            <a:spLocks noGrp="1"/>
+          </p:cNvSpPr>
+          <p:nvPr>
+            <p:ph type="title"/>
+          </p:nvPr>
+        </p:nvSpPr>
+        <p:spPr/>
+        <p:txBody>
+          <a:bodyPr/>
+          <a:lstStyle/>
+          <a:p>
+            <a:r>
+              <a:rPr lang="nl-NL" dirty="0" smtClean="0"/>
+              <a:t>More </a:t>
+            </a:r>
+            <a:r>
+              <a:rPr lang="nl-NL" dirty="0" err="1" smtClean="0"/>
+              <a:t>detailed</a:t>
+            </a:r>
+            <a:r>
+              <a:rPr lang="nl-NL" dirty="0" smtClean="0"/>
+              <a:t> agenda</a:t>
+            </a:r>
+            <a:endParaRPr lang="nl-NL" dirty="0"/>
+          </a:p>
+        </p:txBody>
+      </p:sp>
+      <p:sp>
+        <p:nvSpPr>
+          <p:cNvPr id="3" name="Tijdelijke aanduiding voor inhoud 2"/>
+          <p:cNvSpPr>
+            <a:spLocks noGrp="1"/>
+          </p:cNvSpPr>
+          <p:nvPr>
+            <p:ph idx="1"/>
+          </p:nvPr>
+        </p:nvSpPr>
+        <p:spPr/>
+        <p:txBody>
+          <a:bodyPr/>
+          <a:lstStyle/>
+          <a:p>
+            <a:r>
+              <a:rPr lang="nl-NL" dirty="0" err="1" smtClean="0"/>
+              <a:t>What</a:t>
+            </a:r>
+            <a:r>
+              <a:rPr lang="nl-NL" dirty="0" smtClean="0"/>
+              <a:t> is </a:t>
+            </a:r>
+            <a:r>
+              <a:rPr lang="nl-NL" b="1" dirty="0" err="1" smtClean="0"/>
+              <a:t>dynamic</a:t>
+            </a:r>
+            <a:r>
+              <a:rPr lang="nl-NL" b="1" dirty="0" smtClean="0"/>
+              <a:t> </a:t>
+            </a:r>
+            <a:r>
+              <a:rPr lang="nl-NL" b="1" dirty="0" err="1" smtClean="0"/>
+              <a:t>programming</a:t>
+            </a:r>
+            <a:r>
+              <a:rPr lang="nl-NL" dirty="0" smtClean="0"/>
+              <a:t>?</a:t>
+            </a:r>
+          </a:p>
+          <a:p>
+            <a:pPr lvl="1"/>
+            <a:r>
+              <a:rPr lang="nl-NL" dirty="0" smtClean="0"/>
+              <a:t>Fibonacci </a:t>
+            </a:r>
+            <a:r>
+              <a:rPr lang="nl-NL" dirty="0" err="1" smtClean="0"/>
+              <a:t>example</a:t>
+            </a:r>
+            <a:r>
+              <a:rPr lang="nl-NL" dirty="0" smtClean="0"/>
+              <a:t>; </a:t>
+            </a:r>
+            <a:r>
+              <a:rPr lang="nl-NL" dirty="0" err="1" smtClean="0"/>
+              <a:t>memoization</a:t>
+            </a:r>
+            <a:r>
+              <a:rPr lang="nl-NL" dirty="0" smtClean="0"/>
+              <a:t> </a:t>
+            </a:r>
+            <a:r>
+              <a:rPr lang="nl-NL" dirty="0" err="1" smtClean="0"/>
+              <a:t>and</a:t>
+            </a:r>
+            <a:r>
+              <a:rPr lang="nl-NL" dirty="0" smtClean="0"/>
+              <a:t> bottom-up approaches</a:t>
+            </a:r>
+          </a:p>
+          <a:p>
+            <a:r>
+              <a:rPr lang="nl-NL" dirty="0" smtClean="0"/>
+              <a:t>How </a:t>
+            </a:r>
+            <a:r>
+              <a:rPr lang="nl-NL" dirty="0" err="1" smtClean="0"/>
+              <a:t>can</a:t>
+            </a:r>
+            <a:r>
+              <a:rPr lang="nl-NL" dirty="0" smtClean="0"/>
+              <a:t> we </a:t>
+            </a:r>
+            <a:r>
+              <a:rPr lang="nl-NL" dirty="0" err="1" smtClean="0"/>
+              <a:t>find</a:t>
+            </a:r>
+            <a:r>
+              <a:rPr lang="nl-NL" dirty="0" smtClean="0"/>
+              <a:t> </a:t>
+            </a:r>
+            <a:r>
+              <a:rPr lang="nl-NL" dirty="0" err="1" smtClean="0"/>
+              <a:t>the</a:t>
+            </a:r>
+            <a:r>
+              <a:rPr lang="nl-NL" dirty="0" smtClean="0"/>
+              <a:t> </a:t>
+            </a:r>
+            <a:r>
+              <a:rPr lang="nl-NL" dirty="0" err="1" smtClean="0"/>
+              <a:t>shortest</a:t>
+            </a:r>
+            <a:r>
+              <a:rPr lang="nl-NL" dirty="0" smtClean="0"/>
+              <a:t> </a:t>
+            </a:r>
+            <a:r>
+              <a:rPr lang="nl-NL" dirty="0" err="1" smtClean="0"/>
+              <a:t>paths</a:t>
+            </a:r>
+            <a:r>
+              <a:rPr lang="nl-NL" dirty="0" smtClean="0"/>
+              <a:t> </a:t>
+            </a:r>
+            <a:r>
+              <a:rPr lang="nl-NL" dirty="0" err="1" smtClean="0"/>
+              <a:t>between</a:t>
+            </a:r>
+            <a:r>
+              <a:rPr lang="nl-NL" dirty="0" smtClean="0"/>
+              <a:t> </a:t>
+            </a:r>
+            <a:r>
+              <a:rPr lang="nl-NL" b="1" dirty="0" err="1" smtClean="0"/>
+              <a:t>all</a:t>
+            </a:r>
+            <a:r>
+              <a:rPr lang="nl-NL" b="1" dirty="0" smtClean="0"/>
+              <a:t> pairs </a:t>
+            </a:r>
+            <a:r>
+              <a:rPr lang="nl-NL" dirty="0" smtClean="0"/>
+              <a:t>of </a:t>
+            </a:r>
+            <a:r>
+              <a:rPr lang="nl-NL" dirty="0" err="1" smtClean="0"/>
+              <a:t>nodes</a:t>
+            </a:r>
+            <a:r>
+              <a:rPr lang="nl-NL" dirty="0" smtClean="0"/>
+              <a:t> in a </a:t>
+            </a:r>
+            <a:r>
+              <a:rPr lang="nl-NL" dirty="0" err="1" smtClean="0"/>
+              <a:t>graph</a:t>
+            </a:r>
+            <a:r>
+              <a:rPr lang="nl-NL" dirty="0" smtClean="0"/>
+              <a:t>?</a:t>
+            </a:r>
+          </a:p>
+          <a:p>
+            <a:pPr lvl="1"/>
+            <a:r>
+              <a:rPr lang="nl-NL" dirty="0" smtClean="0"/>
+              <a:t>Floyd </a:t>
+            </a:r>
+            <a:r>
+              <a:rPr lang="nl-NL" dirty="0" err="1" smtClean="0"/>
+              <a:t>Warshall</a:t>
+            </a:r>
+            <a:r>
+              <a:rPr lang="nl-NL" dirty="0" smtClean="0"/>
+              <a:t> </a:t>
+            </a:r>
+            <a:r>
+              <a:rPr lang="nl-NL" dirty="0" err="1" smtClean="0"/>
+              <a:t>algorithm</a:t>
+            </a:r>
+            <a:endParaRPr lang="nl-NL" dirty="0"/>
+          </a:p>
+        </p:txBody>
+      </p:sp>
+      <p:sp>
+        <p:nvSpPr>
+          <p:cNvPr id="4" name="Tijdelijke aanduiding voor voettekst 3"/>
+          <p:cNvSpPr>
+            <a:spLocks noGrp="1"/>
+          </p:cNvSpPr>
+          <p:nvPr>
+            <p:ph type="ftr" sz="quarter" idx="11"/>
+          </p:nvPr>
+        </p:nvSpPr>
+        <p:spPr/>
+        <p:txBody>
+          <a:bodyPr/>
+          <a:lstStyle/>
+          <a:p>
+            <a:r>
+              <a:rPr lang="it-IT" smtClean="0"/>
+              <a:t>INFDEV026A - G. Costantini, F. Di Giacomo, G. Maggiore</a:t>
+            </a:r>
+            <a:endParaRPr lang="en-GB"/>
+          </a:p>
+        </p:txBody>
+      </p:sp>
+    </p:spTree>
+    <p:extLst>
+      <p:ext uri="{BB962C8B-B14F-4D97-AF65-F5344CB8AC3E}">
+        <p14:creationId xmlns:p14="http://schemas.microsoft.com/office/powerpoint/2010/main" val="3714923865"/>
+      </p:ext>
+    </p:extLst>
+  </p:cSld>
+  <p:clrMapOvr>
+    <a:masterClrMapping/>
+  </p:clrMapOvr>
+</p:sld>
+</file>
+
+<file path=ppt/slides/slide4.xml><?xml version="1.0" encoding="utf-8"?>
+<p:sld xmlns:a="http://schemas.openxmlformats.org/drawingml/2006/main" xmlns:r="http://schemas.openxmlformats.org/officeDocument/2006/relationships" xmlns:p="http://schemas.openxmlformats.org/presentationml/2006/main">
+  <p:cSld>
+    <p:spTree>
+      <p:nvGrpSpPr>
+        <p:cNvPr id="1" name=""/>
+        <p:cNvGrpSpPr/>
+        <p:nvPr/>
+      </p:nvGrpSpPr>
+      <p:grpSpPr>
+        <a:xfrm>
+          <a:off x="0" y="0"/>
+          <a:ext cx="0" cy="0"/>
+          <a:chOff x="0" y="0"/>
+          <a:chExt cx="0" cy="0"/>
+        </a:xfrm>
+      </p:grpSpPr>
+      <p:sp>
+        <p:nvSpPr>
           <p:cNvPr id="5" name="Title 4"/>
           <p:cNvSpPr>
             <a:spLocks noGrp="1"/>
@@ -7147,34 +8524,6 @@
               <a:rPr lang="en-GB" dirty="0" smtClean="0"/>
               <a:t>, Bottom up, General idea</a:t>
             </a:r>
-            <a:endParaRPr lang="en-GB" dirty="0" smtClean="0"/>
-          </a:p>
-        </p:txBody>
-      </p:sp>
-      <p:sp>
-        <p:nvSpPr>
-          <p:cNvPr id="4" name="Footer Placeholder 3"/>
-          <p:cNvSpPr>
-            <a:spLocks noGrp="1"/>
-          </p:cNvSpPr>
-          <p:nvPr>
-            <p:ph type="ftr" sz="quarter" idx="11"/>
-          </p:nvPr>
-        </p:nvSpPr>
-        <p:spPr/>
-        <p:txBody>
-          <a:bodyPr/>
-          <a:lstStyle/>
-          <a:p>
-            <a:r>
-              <a:rPr lang="en-GB" dirty="0" smtClean="0"/>
-              <a:t>INFDEV016A - G. </a:t>
-            </a:r>
-            <a:r>
-              <a:rPr lang="en-GB" dirty="0" err="1" smtClean="0"/>
-              <a:t>Costantini</a:t>
-            </a:r>
-            <a:endParaRPr lang="en-GB" dirty="0"/>
           </a:p>
         </p:txBody>
       </p:sp>
@@ -7198,7 +8547,7 @@
 </p:sld>
 </file>
 
-<file path=ppt/slides/slide4.xml><?xml version="1.0" encoding="utf-8"?>
+<file path=ppt/slides/slide5.xml><?xml version="1.0" encoding="utf-8"?>
 <p:sld xmlns:a="http://schemas.openxmlformats.org/drawingml/2006/main" xmlns:r="http://schemas.openxmlformats.org/officeDocument/2006/relationships" xmlns:p="http://schemas.openxmlformats.org/presentationml/2006/main">
   <p:cSld>
     <p:spTree>
@@ -7259,50 +8608,73 @@
             </p:nvSpPr>
             <p:spPr/>
             <p:txBody>
-              <a:bodyPr/>
+              <a:bodyPr>
+                <a:normAutofit/>
+              </a:bodyPr>
               <a:lstStyle/>
               <a:p>
                 <a:r>
                   <a:rPr lang="en-US" dirty="0" smtClean="0"/>
-                  <a:t>Sequence of integer numbers.</a:t>
+                  <a:t>Sequence of integer numbers, built according </a:t>
                 </a:r>
-              </a:p>
-              <a:p>
                 <a:r>
                   <a:rPr lang="en-US" dirty="0" smtClean="0"/>
-                  <a:t>Each element is build according to the following rules:</a:t>
+                  <a:t>to the following </a:t>
                 </a:r>
+                <a:r>
+                  <a:rPr lang="en-US" dirty="0" smtClean="0"/>
+                  <a:t>rules</a:t>
+                </a:r>
+                <a:endParaRPr lang="en-US" dirty="0" smtClean="0"/>
               </a:p>
               <a:p>
                 <a:pPr lvl="1"/>
                 <a:r>
                   <a:rPr lang="en-US" dirty="0" smtClean="0"/>
-                  <a:t>Element 0 and 1 are 1.</a:t>
+                  <a:t>Elements </a:t>
                 </a:r>
+                <a:r>
+                  <a:rPr lang="en-US" dirty="0" smtClean="0"/>
+                  <a:t>0 and 1 are </a:t>
+                </a:r>
+                <a:r>
+                  <a:rPr lang="en-US" dirty="0" smtClean="0"/>
+                  <a:t>1</a:t>
+                </a:r>
+                <a:endParaRPr lang="en-US" dirty="0" smtClean="0"/>
               </a:p>
               <a:p>
                 <a:pPr lvl="1"/>
                 <a:r>
                   <a:rPr lang="en-US" dirty="0" smtClean="0"/>
-                  <a:t>Any other element is the result of the sum of the two preceding elements in the sequence.</a:t>
+                  <a:t>Any other element is the result of the sum of the two preceding elements in the </a:t>
                 </a:r>
+                <a:r>
+                  <a:rPr lang="en-US" dirty="0" smtClean="0"/>
+                  <a:t>sequence</a:t>
+                </a:r>
+                <a:endParaRPr lang="en-US" dirty="0" smtClean="0"/>
               </a:p>
               <a:p>
                 <a:r>
                   <a:rPr lang="en-US" dirty="0" smtClean="0"/>
-                  <a:t>Recursive formula:</a:t>
+                  <a:t>Recursive </a:t>
+                </a:r>
+                <a:r>
+                  <a:rPr lang="en-US" dirty="0" smtClean="0"/>
+                  <a:t>formulation</a:t>
                 </a:r>
               </a:p>
               <a:p>
-                <a:pPr marL="0" indent="0" algn="ctr">
-                  <a:buNone/>
-                </a:pPr>
                 <a:endParaRPr lang="en-US" b="0" i="1" dirty="0" smtClean="0">
                   <a:latin typeface="Cambria Math" panose="02040503050406030204" pitchFamily="18" charset="0"/>
                 </a:endParaRPr>
               </a:p>
               <a:p>
                 <a:pPr marL="0" indent="0" algn="ctr">
+                  <a:lnSpc>
+                    <a:spcPct val="150000"/>
+                  </a:lnSpc>
                   <a:buNone/>
                 </a:pPr>
                 <a14:m>
@@ -7312,7 +8684,7 @@
                     </m:oMathParaPr>
                     <m:oMath xmlns:m="http://schemas.openxmlformats.org/officeDocument/2006/math">
                       <m:r>
-                        <a:rPr lang="en-US" b="0" i="1" smtClean="0">
+                        <a:rPr lang="nl-NL" b="0" i="1" smtClean="0">
                           <a:latin typeface="Cambria Math" panose="02040503050406030204" pitchFamily="18" charset="0"/>
                         </a:rPr>
                         <m:t>𝐹</m:t>
@@ -7320,14 +8692,108 @@
                       <m:d>
                         <m:dPr>
                           <m:ctrlPr>
-                            <a:rPr lang="en-US" b="0" i="1" smtClean="0">
+                            <a:rPr lang="nl-NL" b="0" i="1" smtClean="0">
                               <a:latin typeface="Cambria Math" panose="02040503050406030204" pitchFamily="18" charset="0"/>
                             </a:rPr>
                           </m:ctrlPr>
                         </m:dPr>
                         <m:e>
                           <m:r>
-                            <a:rPr lang="en-US" b="0" i="1" smtClean="0">
+                            <a:rPr lang="nl-NL" b="0" i="1" smtClean="0">
+                              <a:latin typeface="Cambria Math" panose="02040503050406030204" pitchFamily="18" charset="0"/>
+                            </a:rPr>
+                            <m:t>0</m:t>
+                          </m:r>
+                        </m:e>
+                      </m:d>
+                      <m:r>
+                        <a:rPr lang="nl-NL" b="0" i="1" smtClean="0">
+                          <a:latin typeface="Cambria Math" panose="02040503050406030204" pitchFamily="18" charset="0"/>
+                        </a:rPr>
+                        <m:t>=1</m:t>
+                      </m:r>
+                    </m:oMath>
+                  </m:oMathPara>
+                </a14:m>
+                <a:endParaRPr lang="nl-NL" b="0" dirty="0" smtClean="0"/>
+              </a:p>
+              <a:p>
+                <a:pPr marL="0" indent="0" algn="ctr">
+                  <a:lnSpc>
+                    <a:spcPct val="150000"/>
+                  </a:lnSpc>
+                  <a:buNone/>
+                </a:pPr>
+                <a14:m>
+                  <m:oMathPara xmlns:m="http://schemas.openxmlformats.org/officeDocument/2006/math">
+                    <m:oMathParaPr>
+                      <m:jc m:val="center"/>
+                    </m:oMathParaPr>
+                    <m:oMath xmlns:m="http://schemas.openxmlformats.org/officeDocument/2006/math">
+                      <m:r>
+                        <a:rPr lang="nl-NL" b="0" i="1" smtClean="0">
+                          <a:latin typeface="Cambria Math" panose="02040503050406030204" pitchFamily="18" charset="0"/>
+                        </a:rPr>
+                        <m:t>𝐹</m:t>
+                      </m:r>
+                      <m:d>
+                        <m:dPr>
+                          <m:ctrlPr>
+                            <a:rPr lang="nl-NL" b="0" i="1" smtClean="0">
+                              <a:latin typeface="Cambria Math" panose="02040503050406030204" pitchFamily="18" charset="0"/>
+                            </a:rPr>
+                          </m:ctrlPr>
+                        </m:dPr>
+                        <m:e>
+                          <m:r>
+                            <a:rPr lang="nl-NL" b="0" i="1" smtClean="0">
+                              <a:latin typeface="Cambria Math" panose="02040503050406030204" pitchFamily="18" charset="0"/>
+                            </a:rPr>
+                            <m:t>1</m:t>
+                          </m:r>
+                        </m:e>
+                      </m:d>
+                      <m:r>
+                        <a:rPr lang="nl-NL" b="0" i="1" smtClean="0">
+                          <a:latin typeface="Cambria Math" panose="02040503050406030204" pitchFamily="18" charset="0"/>
+                        </a:rPr>
+                        <m:t>=1</m:t>
+                      </m:r>
+                    </m:oMath>
+                  </m:oMathPara>
+                </a14:m>
+                <a:endParaRPr lang="nl-NL" b="0" dirty="0" smtClean="0"/>
+              </a:p>
+              <a:p>
+                <a:pPr marL="0" indent="0" algn="ctr">
+                  <a:lnSpc>
+                    <a:spcPct val="150000"/>
+                  </a:lnSpc>
+                  <a:buNone/>
+                </a:pPr>
+                <a14:m>
+                  <m:oMathPara xmlns:m="http://schemas.openxmlformats.org/officeDocument/2006/math">
+                    <m:oMathParaPr>
+                      <m:jc m:val="center"/>
+                    </m:oMathParaPr>
+                    <m:oMath xmlns:m="http://schemas.openxmlformats.org/officeDocument/2006/math">
+                      <m:r>
+                        <a:rPr lang="nl-NL" b="0" i="1" smtClean="0">
+                          <a:latin typeface="Cambria Math" panose="02040503050406030204" pitchFamily="18" charset="0"/>
+                        </a:rPr>
+                        <m:t>𝐹</m:t>
+                      </m:r>
+                      <m:d>
+                        <m:dPr>
+                          <m:ctrlPr>
+                            <a:rPr lang="nl-NL" b="0" i="1" smtClean="0">
+                              <a:latin typeface="Cambria Math" panose="02040503050406030204" pitchFamily="18" charset="0"/>
+                            </a:rPr>
+                          </m:ctrlPr>
+                        </m:dPr>
+                        <m:e>
+                          <m:r>
+                            <a:rPr lang="nl-NL" b="0" i="1" smtClean="0">
                               <a:latin typeface="Cambria Math" panose="02040503050406030204" pitchFamily="18" charset="0"/>
                             </a:rPr>
                             <m:t>𝑛</m:t>
@@ -7335,144 +8801,70 @@
                         </m:e>
                       </m:d>
                       <m:r>
-                        <a:rPr lang="en-US" b="0" i="1" smtClean="0">
+                        <a:rPr lang="nl-NL" b="0" i="1" smtClean="0">
                           <a:latin typeface="Cambria Math" panose="02040503050406030204" pitchFamily="18" charset="0"/>
                         </a:rPr>
                         <m:t>=</m:t>
                       </m:r>
+                      <m:r>
+                        <a:rPr lang="nl-NL" b="0" i="1" smtClean="0">
+                          <a:latin typeface="Cambria Math" panose="02040503050406030204" pitchFamily="18" charset="0"/>
+                        </a:rPr>
+                        <m:t>𝐹</m:t>
+                      </m:r>
                       <m:d>
                         <m:dPr>
-                          <m:begChr m:val="{"/>
-                          <m:endChr m:val=""/>
                           <m:ctrlPr>
-                            <a:rPr lang="en-US" i="1" smtClean="0">
+                            <a:rPr lang="nl-NL" b="0" i="1" smtClean="0">
                               <a:latin typeface="Cambria Math" panose="02040503050406030204" pitchFamily="18" charset="0"/>
                             </a:rPr>
                           </m:ctrlPr>
                         </m:dPr>
                         <m:e>
-                          <m:eqArr>
-                            <m:eqArrPr>
-                              <m:ctrlPr>
-                                <a:rPr lang="en-US" i="1" smtClean="0">
-                                  <a:latin typeface="Cambria Math" panose="02040503050406030204" pitchFamily="18" charset="0"/>
-                                </a:rPr>
-                              </m:ctrlPr>
-                            </m:eqArrPr>
-                            <m:e>
-                              <m:r>
-                                <a:rPr lang="en-US" b="0" i="1" smtClean="0">
-                                  <a:latin typeface="Cambria Math" panose="02040503050406030204" pitchFamily="18" charset="0"/>
-                                </a:rPr>
-                                <m:t>1</m:t>
-                              </m:r>
-                              <m:r>
-                                <a:rPr lang="en-US" i="1" smtClean="0">
-                                  <a:latin typeface="Cambria Math" panose="02040503050406030204" pitchFamily="18" charset="0"/>
-                                </a:rPr>
-                                <m:t>,  </m:t>
-                              </m:r>
-                              <m:r>
-                                <a:rPr lang="en-US" b="0" i="1" smtClean="0">
-                                  <a:latin typeface="Cambria Math" panose="02040503050406030204" pitchFamily="18" charset="0"/>
-                                </a:rPr>
-                                <m:t> </m:t>
-                              </m:r>
-                              <m:r>
-                                <a:rPr lang="en-US" b="0" i="1" smtClean="0">
-                                  <a:latin typeface="Cambria Math" panose="02040503050406030204" pitchFamily="18" charset="0"/>
-                                </a:rPr>
-                                <m:t>𝑛</m:t>
-                              </m:r>
-                              <m:r>
-                                <a:rPr lang="en-US" b="0" i="1" smtClean="0">
-                                  <a:latin typeface="Cambria Math" panose="02040503050406030204" pitchFamily="18" charset="0"/>
-                                </a:rPr>
-                                <m:t>=0, 1</m:t>
-                              </m:r>
-                            </m:e>
-                            <m:e>
-                              <m:r>
-                                <a:rPr lang="en-US" i="1" smtClean="0">
-                                  <a:latin typeface="Cambria Math" panose="02040503050406030204" pitchFamily="18" charset="0"/>
-                                </a:rPr>
-                                <m:t>&amp;</m:t>
-                              </m:r>
-                              <m:r>
-                                <a:rPr lang="en-US" b="0" i="1" smtClean="0">
-                                  <a:latin typeface="Cambria Math" panose="02040503050406030204" pitchFamily="18" charset="0"/>
-                                </a:rPr>
-                                <m:t>𝐹</m:t>
-                              </m:r>
-                              <m:d>
-                                <m:dPr>
-                                  <m:ctrlPr>
-                                    <a:rPr lang="en-US" b="0" i="1" smtClean="0">
-                                      <a:latin typeface="Cambria Math" panose="02040503050406030204" pitchFamily="18" charset="0"/>
-                                    </a:rPr>
-                                  </m:ctrlPr>
-                                </m:dPr>
-                                <m:e>
-                                  <m:r>
-                                    <a:rPr lang="en-US" b="0" i="1" smtClean="0">
-                                      <a:latin typeface="Cambria Math" panose="02040503050406030204" pitchFamily="18" charset="0"/>
-                                    </a:rPr>
-                                    <m:t>𝑛</m:t>
-                                  </m:r>
-                                  <m:r>
-                                    <a:rPr lang="en-US" b="0" i="1" smtClean="0">
-                                      <a:latin typeface="Cambria Math" panose="02040503050406030204" pitchFamily="18" charset="0"/>
-                                    </a:rPr>
-                                    <m:t> −1</m:t>
-                                  </m:r>
-                                </m:e>
-                              </m:d>
-                              <m:r>
-                                <a:rPr lang="en-US" b="0" i="1" smtClean="0">
-                                  <a:latin typeface="Cambria Math" panose="02040503050406030204" pitchFamily="18" charset="0"/>
-                                </a:rPr>
-                                <m:t>+</m:t>
-                              </m:r>
-                              <m:r>
-                                <a:rPr lang="en-US" b="0" i="1" smtClean="0">
-                                  <a:latin typeface="Cambria Math" panose="02040503050406030204" pitchFamily="18" charset="0"/>
-                                </a:rPr>
-                                <m:t>𝐹</m:t>
-                              </m:r>
-                              <m:r>
-                                <a:rPr lang="en-US" b="0" i="1" smtClean="0">
-                                  <a:latin typeface="Cambria Math" panose="02040503050406030204" pitchFamily="18" charset="0"/>
-                                </a:rPr>
-                                <m:t>(</m:t>
-                              </m:r>
-                              <m:r>
-                                <a:rPr lang="en-US" b="0" i="1" smtClean="0">
-                                  <a:latin typeface="Cambria Math" panose="02040503050406030204" pitchFamily="18" charset="0"/>
-                                </a:rPr>
-                                <m:t>𝑛</m:t>
-                              </m:r>
-                              <m:r>
-                                <a:rPr lang="en-US" b="0" i="1" smtClean="0">
-                                  <a:latin typeface="Cambria Math" panose="02040503050406030204" pitchFamily="18" charset="0"/>
-                                </a:rPr>
-                                <m:t> −2),  </m:t>
-                              </m:r>
-                              <m:r>
-                                <a:rPr lang="en-US" b="0" i="1" smtClean="0">
-                                  <a:latin typeface="Cambria Math" panose="02040503050406030204" pitchFamily="18" charset="0"/>
-                                </a:rPr>
-                                <m:t>𝑛</m:t>
-                              </m:r>
-                              <m:r>
-                                <a:rPr lang="en-US" b="0" i="1" smtClean="0">
-                                  <a:latin typeface="Cambria Math" panose="02040503050406030204" pitchFamily="18" charset="0"/>
-                                </a:rPr>
-                                <m:t>&gt;1</m:t>
-                              </m:r>
-                            </m:e>
-                          </m:eqArr>
+                          <m:r>
+                            <a:rPr lang="nl-NL" b="0" i="1" smtClean="0">
+                              <a:latin typeface="Cambria Math" panose="02040503050406030204" pitchFamily="18" charset="0"/>
+                            </a:rPr>
+                            <m:t>𝑛</m:t>
+                          </m:r>
+                          <m:r>
+                            <a:rPr lang="nl-NL" b="0" i="1" smtClean="0">
+                              <a:latin typeface="Cambria Math" panose="02040503050406030204" pitchFamily="18" charset="0"/>
+                            </a:rPr>
+                            <m:t>−1</m:t>
+                          </m:r>
                         </m:e>
                       </m:d>
+                      <m:r>
+                        <a:rPr lang="nl-NL" b="0" i="1" smtClean="0">
+                          <a:latin typeface="Cambria Math" panose="02040503050406030204" pitchFamily="18" charset="0"/>
+                        </a:rPr>
+                        <m:t>+</m:t>
+                      </m:r>
+                      <m:r>
+                        <a:rPr lang="nl-NL" b="0" i="1" smtClean="0">
+                          <a:latin typeface="Cambria Math" panose="02040503050406030204" pitchFamily="18" charset="0"/>
+                        </a:rPr>
+                        <m:t>𝐹</m:t>
+                      </m:r>
+                      <m:r>
+                        <a:rPr lang="nl-NL" b="0" i="1" smtClean="0">
+                          <a:latin typeface="Cambria Math" panose="02040503050406030204" pitchFamily="18" charset="0"/>
+                        </a:rPr>
+                        <m:t>(</m:t>
+                      </m:r>
+                      <m:r>
+                        <a:rPr lang="nl-NL" b="0" i="1" smtClean="0">
+                          <a:latin typeface="Cambria Math" panose="02040503050406030204" pitchFamily="18" charset="0"/>
+                        </a:rPr>
+                        <m:t>𝑛</m:t>
+                      </m:r>
+                      <m:r>
+                        <a:rPr lang="nl-NL" b="0" i="1" smtClean="0">
+                          <a:latin typeface="Cambria Math" panose="02040503050406030204" pitchFamily="18" charset="0"/>
+                        </a:rPr>
+                        <m:t>−2)</m:t>
+                      </m:r>
                     </m:oMath>
                   </m:oMathPara>
                 </a14:m>
@@ -7493,7 +8885,7 @@
               </p:nvPr>
             </p:nvSpPr>
             <p:spPr>
-              <a:blipFill>
+              <a:blipFill rotWithShape="0">
                 <a:blip r:embed="rId2"/>
                 <a:stretch>
                   <a:fillRect l="-142" t="-942"/>
@@ -7505,7 +8897,7 @@
               <a:lstStyle/>
               <a:p>
                 <a:r>
-                  <a:rPr lang="it-IT">
+                  <a:rPr lang="nl-NL">
                     <a:noFill/>
                   </a:rPr>
                   <a:t> </a:t>
@@ -7531,8 +8923,8 @@
           <a:lstStyle/>
           <a:p>
             <a:r>
-              <a:rPr lang="en-GB" smtClean="0"/>
-              <a:t>INFDEV016A - G. Costantini</a:t>
+              <a:rPr lang="it-IT" smtClean="0"/>
+              <a:t>INFDEV026A - G. Costantini, F. Di Giacomo, G. Maggiore</a:t>
             </a:r>
             <a:endParaRPr lang="en-GB"/>
           </a:p>
@@ -7542,567 +8934,6 @@
     <p:extLst>
       <p:ext uri="{BB962C8B-B14F-4D97-AF65-F5344CB8AC3E}">
         <p14:creationId xmlns:p14="http://schemas.microsoft.com/office/powerpoint/2010/main" val="4169984258"/>
-      </p:ext>
-    </p:extLst>
-  </p:cSld>
-  <p:clrMapOvr>
-    <a:masterClrMapping/>
-  </p:clrMapOvr>
-</p:sld>
-</file>
-
-<file path=ppt/slides/slide5.xml><?xml version="1.0" encoding="utf-8"?>
-<p:sld xmlns:a="http://schemas.openxmlformats.org/drawingml/2006/main" xmlns:r="http://schemas.openxmlformats.org/officeDocument/2006/relationships" xmlns:p="http://schemas.openxmlformats.org/presentationml/2006/main">
-  <p:cSld>
-    <p:spTree>
-      <p:nvGrpSpPr>
-        <p:cNvPr id="1" name=""/>
-        <p:cNvGrpSpPr/>
-        <p:nvPr/>
-      </p:nvGrpSpPr>
-      <p:grpSpPr>
-        <a:xfrm>
-          <a:off x="0" y="0"/>
-          <a:ext cx="0" cy="0"/>
-          <a:chOff x="0" y="0"/>
-          <a:chExt cx="0" cy="0"/>
-        </a:xfrm>
-      </p:grpSpPr>
-      <p:sp>
-        <p:nvSpPr>
-          <p:cNvPr id="2" name="Title 1"/>
-          <p:cNvSpPr>
-            <a:spLocks noGrp="1"/>
-          </p:cNvSpPr>
-          <p:nvPr>
-            <p:ph type="title"/>
-          </p:nvPr>
-        </p:nvSpPr>
-        <p:spPr/>
-        <p:txBody>
-          <a:bodyPr/>
-          <a:lstStyle/>
-          <a:p>
-            <a:r>
-              <a:rPr lang="en-US" dirty="0" smtClean="0"/>
-              <a:t>Fibonacci Sequence</a:t>
-            </a:r>
-            <a:br>
-              <a:rPr lang="en-US" dirty="0" smtClean="0"/>
-            </a:br>
-            <a:r>
-              <a:rPr lang="en-US" sz="2000" dirty="0" smtClean="0"/>
-              <a:t>Recursive function</a:t>
-            </a:r>
-            <a:endParaRPr lang="it-IT" dirty="0"/>
-          </a:p>
-        </p:txBody>
-      </p:sp>
-      <p:sp>
-        <p:nvSpPr>
-          <p:cNvPr id="3" name="Content Placeholder 2"/>
-          <p:cNvSpPr>
-            <a:spLocks noGrp="1"/>
-          </p:cNvSpPr>
-          <p:nvPr>
-            <p:ph idx="1"/>
-          </p:nvPr>
-        </p:nvSpPr>
-        <p:spPr/>
-        <p:txBody>
-          <a:bodyPr/>
-          <a:lstStyle/>
-          <a:p>
-            <a:pPr marL="0" indent="0">
-              <a:buNone/>
-            </a:pPr>
-            <a:r>
-              <a:rPr lang="en-US" dirty="0">
-                <a:latin typeface="Consolas" panose="020B0609020204030204" pitchFamily="49" charset="0"/>
-                <a:cs typeface="Consolas" panose="020B0609020204030204" pitchFamily="49" charset="0"/>
-              </a:rPr>
-              <a:t>Fibonacci(N)</a:t>
-            </a:r>
-            <a:br>
-              <a:rPr lang="en-US" dirty="0">
-                <a:latin typeface="Consolas" panose="020B0609020204030204" pitchFamily="49" charset="0"/>
-                <a:cs typeface="Consolas" panose="020B0609020204030204" pitchFamily="49" charset="0"/>
-              </a:rPr>
-            </a:br>
-            <a:r>
-              <a:rPr lang="en-US" dirty="0">
-                <a:latin typeface="Consolas" panose="020B0609020204030204" pitchFamily="49" charset="0"/>
-                <a:cs typeface="Consolas" panose="020B0609020204030204" pitchFamily="49" charset="0"/>
-              </a:rPr>
-              <a:t>IF N = 0 or N = 1</a:t>
-            </a:r>
-            <a:br>
-              <a:rPr lang="en-US" dirty="0">
-                <a:latin typeface="Consolas" panose="020B0609020204030204" pitchFamily="49" charset="0"/>
-                <a:cs typeface="Consolas" panose="020B0609020204030204" pitchFamily="49" charset="0"/>
-              </a:rPr>
-            </a:br>
-            <a:r>
-              <a:rPr lang="en-US" dirty="0">
-                <a:latin typeface="Consolas" panose="020B0609020204030204" pitchFamily="49" charset="0"/>
-                <a:cs typeface="Consolas" panose="020B0609020204030204" pitchFamily="49" charset="0"/>
-              </a:rPr>
-              <a:t>  return 1</a:t>
-            </a:r>
-            <a:br>
-              <a:rPr lang="en-US" dirty="0">
-                <a:latin typeface="Consolas" panose="020B0609020204030204" pitchFamily="49" charset="0"/>
-                <a:cs typeface="Consolas" panose="020B0609020204030204" pitchFamily="49" charset="0"/>
-              </a:rPr>
-            </a:br>
-            <a:r>
-              <a:rPr lang="en-US" dirty="0">
-                <a:latin typeface="Consolas" panose="020B0609020204030204" pitchFamily="49" charset="0"/>
-                <a:cs typeface="Consolas" panose="020B0609020204030204" pitchFamily="49" charset="0"/>
-              </a:rPr>
-              <a:t>ELSE</a:t>
-            </a:r>
-            <a:br>
-              <a:rPr lang="en-US" dirty="0">
-                <a:latin typeface="Consolas" panose="020B0609020204030204" pitchFamily="49" charset="0"/>
-                <a:cs typeface="Consolas" panose="020B0609020204030204" pitchFamily="49" charset="0"/>
-              </a:rPr>
-            </a:br>
-            <a:r>
-              <a:rPr lang="en-US" dirty="0">
-                <a:latin typeface="Consolas" panose="020B0609020204030204" pitchFamily="49" charset="0"/>
-                <a:cs typeface="Consolas" panose="020B0609020204030204" pitchFamily="49" charset="0"/>
-              </a:rPr>
-              <a:t>  return Fibonacci(N - 1) + Fibonacci(N - 2</a:t>
-            </a:r>
-            <a:r>
-              <a:rPr lang="en-US" dirty="0" smtClean="0">
-                <a:latin typeface="Consolas" panose="020B0609020204030204" pitchFamily="49" charset="0"/>
-                <a:cs typeface="Consolas" panose="020B0609020204030204" pitchFamily="49" charset="0"/>
-              </a:rPr>
-              <a:t>)</a:t>
-            </a:r>
-            <a:br>
-              <a:rPr lang="en-US" dirty="0" smtClean="0">
-                <a:latin typeface="Consolas" panose="020B0609020204030204" pitchFamily="49" charset="0"/>
-                <a:cs typeface="Consolas" panose="020B0609020204030204" pitchFamily="49" charset="0"/>
-              </a:rPr>
-            </a:br>
-            <a:r>
-              <a:rPr lang="en-US" dirty="0" smtClean="0">
-                <a:latin typeface="Consolas" panose="020B0609020204030204" pitchFamily="49" charset="0"/>
-                <a:cs typeface="Consolas" panose="020B0609020204030204" pitchFamily="49" charset="0"/>
-              </a:rPr>
-              <a:t/>
-            </a:r>
-            <a:br>
-              <a:rPr lang="en-US" dirty="0" smtClean="0">
-                <a:latin typeface="Consolas" panose="020B0609020204030204" pitchFamily="49" charset="0"/>
-                <a:cs typeface="Consolas" panose="020B0609020204030204" pitchFamily="49" charset="0"/>
-              </a:rPr>
-            </a:br>
-            <a:endParaRPr lang="it-IT" dirty="0">
-              <a:latin typeface="Consolas" panose="020B0609020204030204" pitchFamily="49" charset="0"/>
-              <a:cs typeface="Consolas" panose="020B0609020204030204" pitchFamily="49" charset="0"/>
-            </a:endParaRPr>
-          </a:p>
-        </p:txBody>
-      </p:sp>
-      <p:sp>
-        <p:nvSpPr>
-          <p:cNvPr id="4" name="Footer Placeholder 3"/>
-          <p:cNvSpPr>
-            <a:spLocks noGrp="1"/>
-          </p:cNvSpPr>
-          <p:nvPr>
-            <p:ph type="ftr" sz="quarter" idx="11"/>
-          </p:nvPr>
-        </p:nvSpPr>
-        <p:spPr/>
-        <p:txBody>
-          <a:bodyPr/>
-          <a:lstStyle/>
-          <a:p>
-            <a:r>
-              <a:rPr lang="en-GB" smtClean="0"/>
-              <a:t>INFDEV016A - G. Costantini</a:t>
-            </a:r>
-            <a:endParaRPr lang="en-GB"/>
-          </a:p>
-        </p:txBody>
-      </p:sp>
-      <p:graphicFrame>
-        <p:nvGraphicFramePr>
-          <p:cNvPr id="5" name="Table 4"/>
-          <p:cNvGraphicFramePr>
-            <a:graphicFrameLocks noGrp="1"/>
-          </p:cNvGraphicFramePr>
-          <p:nvPr>
-            <p:extLst>
-              <p:ext uri="{D42A27DB-BD31-4B8C-83A1-F6EECF244321}">
-                <p14:modId xmlns:p14="http://schemas.microsoft.com/office/powerpoint/2010/main" val="2875117968"/>
-              </p:ext>
-            </p:extLst>
-          </p:nvPr>
-        </p:nvGraphicFramePr>
-        <p:xfrm>
-          <a:off x="3025605" y="3912207"/>
-          <a:ext cx="4407582" cy="2225040"/>
-        </p:xfrm>
-        <a:graphic>
-          <a:graphicData uri="http://schemas.openxmlformats.org/drawingml/2006/table">
-            <a:tbl>
-              <a:tblPr firstRow="1" bandRow="1">
-                <a:tableStyleId>{5C22544A-7EE6-4342-B048-85BDC9FD1C3A}</a:tableStyleId>
-              </a:tblPr>
-              <a:tblGrid>
-                <a:gridCol w="2203791">
-                  <a:extLst>
-                    <a:ext uri="{9D8B030D-6E8A-4147-A177-3AD203B41FA5}">
-                      <a16:colId xmlns:a16="http://schemas.microsoft.com/office/drawing/2014/main" val="3737604255"/>
-                    </a:ext>
-                  </a:extLst>
-                </a:gridCol>
-                <a:gridCol w="2203791">
-                  <a:extLst>
-                    <a:ext uri="{9D8B030D-6E8A-4147-A177-3AD203B41FA5}">
-                      <a16:colId xmlns:a16="http://schemas.microsoft.com/office/drawing/2014/main" val="389226352"/>
-                    </a:ext>
-                  </a:extLst>
-                </a:gridCol>
-              </a:tblGrid>
-              <a:tr h="370840">
-                <a:tc>
-                  <a:txBody>
-                    <a:bodyPr/>
-                    <a:lstStyle/>
-                    <a:p>
-                      <a:pPr algn="ctr"/>
-                      <a:r>
-                        <a:rPr lang="en-US" dirty="0" smtClean="0">
-                          <a:solidFill>
-                            <a:schemeClr val="tx1"/>
-                          </a:solidFill>
-                        </a:rPr>
-                        <a:t>N</a:t>
-                      </a:r>
-                      <a:endParaRPr lang="it-IT" dirty="0">
-                        <a:solidFill>
-                          <a:schemeClr val="tx1"/>
-                        </a:solidFill>
-                      </a:endParaRPr>
-                    </a:p>
-                  </a:txBody>
-                  <a:tcPr/>
-                </a:tc>
-                <a:tc>
-                  <a:txBody>
-                    <a:bodyPr/>
-                    <a:lstStyle/>
-                    <a:p>
-                      <a:pPr algn="ctr"/>
-                      <a:r>
-                        <a:rPr lang="en-US" dirty="0" smtClean="0">
-                          <a:solidFill>
-                            <a:schemeClr val="tx1"/>
-                          </a:solidFill>
-                        </a:rPr>
-                        <a:t>Time(</a:t>
-                      </a:r>
-                      <a:r>
-                        <a:rPr lang="en-US" dirty="0" err="1" smtClean="0">
-                          <a:solidFill>
-                            <a:schemeClr val="tx1"/>
-                          </a:solidFill>
-                        </a:rPr>
-                        <a:t>ms</a:t>
-                      </a:r>
-                      <a:r>
-                        <a:rPr lang="en-US" dirty="0" smtClean="0">
-                          <a:solidFill>
-                            <a:schemeClr val="tx1"/>
-                          </a:solidFill>
-                        </a:rPr>
-                        <a:t>)</a:t>
-                      </a:r>
-                      <a:endParaRPr lang="it-IT" dirty="0">
-                        <a:solidFill>
-                          <a:schemeClr val="tx1"/>
-                        </a:solidFill>
-                      </a:endParaRPr>
-                    </a:p>
-                  </a:txBody>
-                  <a:tcPr/>
-                </a:tc>
-                <a:extLst>
-                  <a:ext uri="{0D108BD9-81ED-4DB2-BD59-A6C34878D82A}">
-                    <a16:rowId xmlns:a16="http://schemas.microsoft.com/office/drawing/2014/main" val="3883935320"/>
-                  </a:ext>
-                </a:extLst>
-              </a:tr>
-              <a:tr h="370840">
-                <a:tc>
-                  <a:txBody>
-                    <a:bodyPr/>
-                    <a:lstStyle/>
-                    <a:p>
-                      <a:r>
-                        <a:rPr lang="en-US" dirty="0" smtClean="0">
-                          <a:solidFill>
-                            <a:schemeClr val="tx1"/>
-                          </a:solidFill>
-                        </a:rPr>
-                        <a:t>30</a:t>
-                      </a:r>
-                      <a:endParaRPr lang="it-IT" dirty="0">
-                        <a:solidFill>
-                          <a:schemeClr val="tx1"/>
-                        </a:solidFill>
-                      </a:endParaRPr>
-                    </a:p>
-                  </a:txBody>
-                  <a:tcPr/>
-                </a:tc>
-                <a:tc>
-                  <a:txBody>
-                    <a:bodyPr/>
-                    <a:lstStyle/>
-                    <a:p>
-                      <a:r>
-                        <a:rPr lang="en-US" dirty="0" smtClean="0">
-                          <a:solidFill>
-                            <a:schemeClr val="tx1"/>
-                          </a:solidFill>
-                        </a:rPr>
-                        <a:t>4</a:t>
-                      </a:r>
-                      <a:endParaRPr lang="it-IT" dirty="0">
-                        <a:solidFill>
-                          <a:schemeClr val="tx1"/>
-                        </a:solidFill>
-                      </a:endParaRPr>
-                    </a:p>
-                  </a:txBody>
-                  <a:tcPr/>
-                </a:tc>
-                <a:extLst>
-                  <a:ext uri="{0D108BD9-81ED-4DB2-BD59-A6C34878D82A}">
-                    <a16:rowId xmlns:a16="http://schemas.microsoft.com/office/drawing/2014/main" val="785959856"/>
-                  </a:ext>
-                </a:extLst>
-              </a:tr>
-              <a:tr h="370840">
-                <a:tc>
-                  <a:txBody>
-                    <a:bodyPr/>
-                    <a:lstStyle/>
-                    <a:p>
-                      <a:r>
-                        <a:rPr lang="en-US" dirty="0" smtClean="0">
-                          <a:solidFill>
-                            <a:schemeClr val="tx1"/>
-                          </a:solidFill>
-                        </a:rPr>
-                        <a:t>35</a:t>
-                      </a:r>
-                      <a:endParaRPr lang="it-IT" dirty="0">
-                        <a:solidFill>
-                          <a:schemeClr val="tx1"/>
-                        </a:solidFill>
-                      </a:endParaRPr>
-                    </a:p>
-                  </a:txBody>
-                  <a:tcPr/>
-                </a:tc>
-                <a:tc>
-                  <a:txBody>
-                    <a:bodyPr/>
-                    <a:lstStyle/>
-                    <a:p>
-                      <a:r>
-                        <a:rPr lang="en-US" dirty="0" smtClean="0">
-                          <a:solidFill>
-                            <a:schemeClr val="tx1"/>
-                          </a:solidFill>
-                        </a:rPr>
-                        <a:t>50</a:t>
-                      </a:r>
-                      <a:endParaRPr lang="it-IT" dirty="0">
-                        <a:solidFill>
-                          <a:schemeClr val="tx1"/>
-                        </a:solidFill>
-                      </a:endParaRPr>
-                    </a:p>
-                  </a:txBody>
-                  <a:tcPr/>
-                </a:tc>
-                <a:extLst>
-                  <a:ext uri="{0D108BD9-81ED-4DB2-BD59-A6C34878D82A}">
-                    <a16:rowId xmlns:a16="http://schemas.microsoft.com/office/drawing/2014/main" val="60468838"/>
-                  </a:ext>
-                </a:extLst>
-              </a:tr>
-              <a:tr h="370840">
-                <a:tc>
-                  <a:txBody>
-                    <a:bodyPr/>
-                    <a:lstStyle/>
-                    <a:p>
-                      <a:r>
-                        <a:rPr lang="en-US" dirty="0" smtClean="0">
-                          <a:solidFill>
-                            <a:schemeClr val="tx1"/>
-                          </a:solidFill>
-                        </a:rPr>
-                        <a:t>40</a:t>
-                      </a:r>
-                      <a:endParaRPr lang="it-IT" dirty="0">
-                        <a:solidFill>
-                          <a:schemeClr val="tx1"/>
-                        </a:solidFill>
-                      </a:endParaRPr>
-                    </a:p>
-                  </a:txBody>
-                  <a:tcPr/>
-                </a:tc>
-                <a:tc>
-                  <a:txBody>
-                    <a:bodyPr/>
-                    <a:lstStyle/>
-                    <a:p>
-                      <a:r>
-                        <a:rPr lang="en-US" dirty="0" smtClean="0">
-                          <a:solidFill>
-                            <a:schemeClr val="tx1"/>
-                          </a:solidFill>
-                        </a:rPr>
-                        <a:t>551</a:t>
-                      </a:r>
-                      <a:endParaRPr lang="it-IT" dirty="0">
-                        <a:solidFill>
-                          <a:schemeClr val="tx1"/>
-                        </a:solidFill>
-                      </a:endParaRPr>
-                    </a:p>
-                  </a:txBody>
-                  <a:tcPr/>
-                </a:tc>
-                <a:extLst>
-                  <a:ext uri="{0D108BD9-81ED-4DB2-BD59-A6C34878D82A}">
-                    <a16:rowId xmlns:a16="http://schemas.microsoft.com/office/drawing/2014/main" val="124635373"/>
-                  </a:ext>
-                </a:extLst>
-              </a:tr>
-              <a:tr h="370840">
-                <a:tc>
-                  <a:txBody>
-                    <a:bodyPr/>
-                    <a:lstStyle/>
-                    <a:p>
-                      <a:r>
-                        <a:rPr lang="en-US" dirty="0" smtClean="0">
-                          <a:solidFill>
-                            <a:schemeClr val="tx1"/>
-                          </a:solidFill>
-                        </a:rPr>
-                        <a:t>45</a:t>
-                      </a:r>
-                      <a:endParaRPr lang="it-IT" dirty="0">
-                        <a:solidFill>
-                          <a:schemeClr val="tx1"/>
-                        </a:solidFill>
-                      </a:endParaRPr>
-                    </a:p>
-                  </a:txBody>
-                  <a:tcPr/>
-                </a:tc>
-                <a:tc>
-                  <a:txBody>
-                    <a:bodyPr/>
-                    <a:lstStyle/>
-                    <a:p>
-                      <a:r>
-                        <a:rPr lang="en-US" dirty="0" smtClean="0">
-                          <a:solidFill>
-                            <a:schemeClr val="tx1"/>
-                          </a:solidFill>
-                        </a:rPr>
-                        <a:t>3792</a:t>
-                      </a:r>
-                      <a:endParaRPr lang="it-IT" dirty="0">
-                        <a:solidFill>
-                          <a:schemeClr val="tx1"/>
-                        </a:solidFill>
-                      </a:endParaRPr>
-                    </a:p>
-                  </a:txBody>
-                  <a:tcPr/>
-                </a:tc>
-                <a:extLst>
-                  <a:ext uri="{0D108BD9-81ED-4DB2-BD59-A6C34878D82A}">
-                    <a16:rowId xmlns:a16="http://schemas.microsoft.com/office/drawing/2014/main" val="1501560492"/>
-                  </a:ext>
-                </a:extLst>
-              </a:tr>
-              <a:tr h="370840">
-                <a:tc>
-                  <a:txBody>
-                    <a:bodyPr/>
-                    <a:lstStyle/>
-                    <a:p>
-                      <a:r>
-                        <a:rPr lang="en-US" dirty="0" smtClean="0">
-                          <a:solidFill>
-                            <a:schemeClr val="tx1"/>
-                          </a:solidFill>
-                        </a:rPr>
-                        <a:t>&gt;50</a:t>
-                      </a:r>
-                      <a:endParaRPr lang="it-IT" dirty="0">
-                        <a:solidFill>
-                          <a:schemeClr val="tx1"/>
-                        </a:solidFill>
-                      </a:endParaRPr>
-                    </a:p>
-                  </a:txBody>
-                  <a:tcPr/>
-                </a:tc>
-                <a:tc>
-                  <a:txBody>
-                    <a:bodyPr/>
-                    <a:lstStyle/>
-                    <a:p>
-                      <a:r>
-                        <a:rPr lang="en-US" dirty="0" smtClean="0">
-                          <a:solidFill>
-                            <a:schemeClr val="tx1"/>
-                          </a:solidFill>
-                        </a:rPr>
-                        <a:t>Happy watching!</a:t>
-                      </a:r>
-                      <a:endParaRPr lang="it-IT" dirty="0">
-                        <a:solidFill>
-                          <a:schemeClr val="tx1"/>
-                        </a:solidFill>
-                      </a:endParaRPr>
-                    </a:p>
-                  </a:txBody>
-                  <a:tcPr/>
-                </a:tc>
-                <a:extLst>
-                  <a:ext uri="{0D108BD9-81ED-4DB2-BD59-A6C34878D82A}">
-                    <a16:rowId xmlns:a16="http://schemas.microsoft.com/office/drawing/2014/main" val="3751559142"/>
-                  </a:ext>
-                </a:extLst>
-              </a:tr>
-            </a:tbl>
-          </a:graphicData>
-        </a:graphic>
-      </p:graphicFrame>
-    </p:spTree>
-    <p:extLst>
-      <p:ext uri="{BB962C8B-B14F-4D97-AF65-F5344CB8AC3E}">
-        <p14:creationId xmlns:p14="http://schemas.microsoft.com/office/powerpoint/2010/main" val="1633294612"/>
       </p:ext>
     </p:extLst>
   </p:cSld>
@@ -8153,7 +8984,7 @@
             </a:br>
             <a:r>
               <a:rPr lang="en-US" sz="2000" dirty="0" smtClean="0"/>
-              <a:t>Why so slow?</a:t>
+              <a:t>Recursive function</a:t>
             </a:r>
             <a:endParaRPr lang="it-IT" dirty="0"/>
           </a:p>
@@ -8173,6 +9004,18 @@
         <p:txBody>
           <a:bodyPr/>
           <a:lstStyle/>
+          <a:p>
+            <a:pPr marL="0" indent="0">
+              <a:buNone/>
+            </a:pPr>
+            <a:r>
+              <a:rPr lang="en-US" dirty="0">
+                <a:latin typeface="Consolas" panose="020B0609020204030204" pitchFamily="49" charset="0"/>
+                <a:cs typeface="Consolas" panose="020B0609020204030204" pitchFamily="49" charset="0"/>
+              </a:rPr>
+              <a:t>function fib(n)</a:t>
+            </a:r>
+          </a:p>
           <a:p>
             <a:pPr marL="0" indent="0">
               <a:buNone/>
@@ -8182,14 +9025,45 @@
                 <a:latin typeface="Consolas" panose="020B0609020204030204" pitchFamily="49" charset="0"/>
                 <a:cs typeface="Consolas" panose="020B0609020204030204" pitchFamily="49" charset="0"/>
               </a:rPr>
-              <a:t/>
-            </a:r>
-            <a:br>
+              <a:t>  if </a:t>
+            </a:r>
+            <a:r>
+              <a:rPr lang="en-US" dirty="0">
+                <a:latin typeface="Consolas" panose="020B0609020204030204" pitchFamily="49" charset="0"/>
+                <a:cs typeface="Consolas" panose="020B0609020204030204" pitchFamily="49" charset="0"/>
+              </a:rPr>
+              <a:t>n &lt;= 1 return </a:t>
+            </a:r>
+            <a:r>
               <a:rPr lang="en-US" dirty="0" smtClean="0">
                 <a:latin typeface="Consolas" panose="020B0609020204030204" pitchFamily="49" charset="0"/>
                 <a:cs typeface="Consolas" panose="020B0609020204030204" pitchFamily="49" charset="0"/>
               </a:rPr>
-            </a:br>
+              <a:t>1</a:t>
+            </a:r>
+            <a:endParaRPr lang="en-US" dirty="0">
+              <a:latin typeface="Consolas" panose="020B0609020204030204" pitchFamily="49" charset="0"/>
+              <a:cs typeface="Consolas" panose="020B0609020204030204" pitchFamily="49" charset="0"/>
+            </a:endParaRPr>
+          </a:p>
+          <a:p>
+            <a:pPr marL="0" indent="0">
+              <a:buNone/>
+            </a:pPr>
+            <a:r>
+              <a:rPr lang="en-US" dirty="0" smtClean="0">
+                <a:latin typeface="Consolas" panose="020B0609020204030204" pitchFamily="49" charset="0"/>
+                <a:cs typeface="Consolas" panose="020B0609020204030204" pitchFamily="49" charset="0"/>
+              </a:rPr>
+              <a:t>  return </a:t>
+            </a:r>
+            <a:r>
+              <a:rPr lang="en-US" dirty="0">
+                <a:latin typeface="Consolas" panose="020B0609020204030204" pitchFamily="49" charset="0"/>
+                <a:cs typeface="Consolas" panose="020B0609020204030204" pitchFamily="49" charset="0"/>
+              </a:rPr>
+              <a:t>fib(n − 1) + fib(n − 2)</a:t>
+            </a:r>
             <a:r>
               <a:rPr lang="en-US" dirty="0" smtClean="0">
                 <a:latin typeface="Consolas" panose="020B0609020204030204" pitchFamily="49" charset="0"/>
@@ -8226,8 +9100,520 @@
           <a:lstStyle/>
           <a:p>
             <a:r>
-              <a:rPr lang="en-GB" smtClean="0"/>
-              <a:t>INFDEV016A - G. Costantini</a:t>
+              <a:rPr lang="it-IT" smtClean="0"/>
+              <a:t>INFDEV026A - G. Costantini, F. Di Giacomo, G. Maggiore</a:t>
+            </a:r>
+            <a:endParaRPr lang="en-GB"/>
+          </a:p>
+        </p:txBody>
+      </p:sp>
+      <p:graphicFrame>
+        <p:nvGraphicFramePr>
+          <p:cNvPr id="5" name="Table 4"/>
+          <p:cNvGraphicFramePr>
+            <a:graphicFrameLocks noGrp="1"/>
+          </p:cNvGraphicFramePr>
+          <p:nvPr>
+            <p:extLst>
+              <p:ext uri="{D42A27DB-BD31-4B8C-83A1-F6EECF244321}">
+                <p14:modId xmlns:p14="http://schemas.microsoft.com/office/powerpoint/2010/main" val="993918665"/>
+              </p:ext>
+            </p:extLst>
+          </p:nvPr>
+        </p:nvGraphicFramePr>
+        <p:xfrm>
+          <a:off x="2925244" y="3666880"/>
+          <a:ext cx="3252532" cy="2225040"/>
+        </p:xfrm>
+        <a:graphic>
+          <a:graphicData uri="http://schemas.openxmlformats.org/drawingml/2006/table">
+            <a:tbl>
+              <a:tblPr firstRow="1" bandRow="1">
+                <a:tableStyleId>{5C22544A-7EE6-4342-B048-85BDC9FD1C3A}</a:tableStyleId>
+              </a:tblPr>
+              <a:tblGrid>
+                <a:gridCol w="1211858">
+                  <a:extLst>
+                    <a:ext uri="{9D8B030D-6E8A-4147-A177-3AD203B41FA5}">
+                      <a16:colId xmlns:a16="http://schemas.microsoft.com/office/drawing/2014/main" xmlns="" val="3737604255"/>
+                    </a:ext>
+                  </a:extLst>
+                </a:gridCol>
+                <a:gridCol w="2040674">
+                  <a:extLst>
+                    <a:ext uri="{9D8B030D-6E8A-4147-A177-3AD203B41FA5}">
+                      <a16:colId xmlns:a16="http://schemas.microsoft.com/office/drawing/2014/main" xmlns="" val="389226352"/>
+                    </a:ext>
+                  </a:extLst>
+                </a:gridCol>
+              </a:tblGrid>
+              <a:tr h="370840">
+                <a:tc>
+                  <a:txBody>
+                    <a:bodyPr/>
+                    <a:lstStyle/>
+                    <a:p>
+                      <a:pPr algn="ctr"/>
+                      <a:r>
+                        <a:rPr lang="en-US" dirty="0" smtClean="0">
+                          <a:solidFill>
+                            <a:schemeClr val="bg1"/>
+                          </a:solidFill>
+                        </a:rPr>
+                        <a:t>n</a:t>
+                      </a:r>
+                      <a:endParaRPr lang="it-IT" dirty="0">
+                        <a:solidFill>
+                          <a:schemeClr val="bg1"/>
+                        </a:solidFill>
+                      </a:endParaRPr>
+                    </a:p>
+                  </a:txBody>
+                  <a:tcPr/>
+                </a:tc>
+                <a:tc>
+                  <a:txBody>
+                    <a:bodyPr/>
+                    <a:lstStyle/>
+                    <a:p>
+                      <a:pPr algn="ctr"/>
+                      <a:r>
+                        <a:rPr lang="en-US" dirty="0" smtClean="0">
+                          <a:solidFill>
+                            <a:schemeClr val="bg1"/>
+                          </a:solidFill>
+                        </a:rPr>
+                        <a:t>Time (</a:t>
+                      </a:r>
+                      <a:r>
+                        <a:rPr lang="en-US" dirty="0" err="1" smtClean="0">
+                          <a:solidFill>
+                            <a:schemeClr val="bg1"/>
+                          </a:solidFill>
+                        </a:rPr>
+                        <a:t>ms</a:t>
+                      </a:r>
+                      <a:r>
+                        <a:rPr lang="en-US" dirty="0" smtClean="0">
+                          <a:solidFill>
+                            <a:schemeClr val="bg1"/>
+                          </a:solidFill>
+                        </a:rPr>
+                        <a:t>)</a:t>
+                      </a:r>
+                      <a:endParaRPr lang="it-IT" dirty="0">
+                        <a:solidFill>
+                          <a:schemeClr val="bg1"/>
+                        </a:solidFill>
+                      </a:endParaRPr>
+                    </a:p>
+                  </a:txBody>
+                  <a:tcPr/>
+                </a:tc>
+                <a:extLst>
+                  <a:ext uri="{0D108BD9-81ED-4DB2-BD59-A6C34878D82A}">
+                    <a16:rowId xmlns:a16="http://schemas.microsoft.com/office/drawing/2014/main" xmlns="" val="3883935320"/>
+                  </a:ext>
+                </a:extLst>
+              </a:tr>
+              <a:tr h="370840">
+                <a:tc>
+                  <a:txBody>
+                    <a:bodyPr/>
+                    <a:lstStyle/>
+                    <a:p>
+                      <a:pPr algn="ctr"/>
+                      <a:r>
+                        <a:rPr lang="en-US" dirty="0" smtClean="0">
+                          <a:solidFill>
+                            <a:schemeClr val="tx1"/>
+                          </a:solidFill>
+                        </a:rPr>
+                        <a:t>30</a:t>
+                      </a:r>
+                      <a:endParaRPr lang="it-IT" dirty="0">
+                        <a:solidFill>
+                          <a:schemeClr val="tx1"/>
+                        </a:solidFill>
+                      </a:endParaRPr>
+                    </a:p>
+                  </a:txBody>
+                  <a:tcPr/>
+                </a:tc>
+                <a:tc>
+                  <a:txBody>
+                    <a:bodyPr/>
+                    <a:lstStyle/>
+                    <a:p>
+                      <a:pPr algn="ctr"/>
+                      <a:r>
+                        <a:rPr lang="en-US" dirty="0" smtClean="0">
+                          <a:solidFill>
+                            <a:schemeClr val="tx1"/>
+                          </a:solidFill>
+                        </a:rPr>
+                        <a:t>4</a:t>
+                      </a:r>
+                      <a:endParaRPr lang="it-IT" dirty="0">
+                        <a:solidFill>
+                          <a:schemeClr val="tx1"/>
+                        </a:solidFill>
+                      </a:endParaRPr>
+                    </a:p>
+                  </a:txBody>
+                  <a:tcPr/>
+                </a:tc>
+                <a:extLst>
+                  <a:ext uri="{0D108BD9-81ED-4DB2-BD59-A6C34878D82A}">
+                    <a16:rowId xmlns:a16="http://schemas.microsoft.com/office/drawing/2014/main" xmlns="" val="785959856"/>
+                  </a:ext>
+                </a:extLst>
+              </a:tr>
+              <a:tr h="370840">
+                <a:tc>
+                  <a:txBody>
+                    <a:bodyPr/>
+                    <a:lstStyle/>
+                    <a:p>
+                      <a:pPr algn="ctr"/>
+                      <a:r>
+                        <a:rPr lang="en-US" dirty="0" smtClean="0">
+                          <a:solidFill>
+                            <a:schemeClr val="tx1"/>
+                          </a:solidFill>
+                        </a:rPr>
+                        <a:t>35</a:t>
+                      </a:r>
+                      <a:endParaRPr lang="it-IT" dirty="0">
+                        <a:solidFill>
+                          <a:schemeClr val="tx1"/>
+                        </a:solidFill>
+                      </a:endParaRPr>
+                    </a:p>
+                  </a:txBody>
+                  <a:tcPr/>
+                </a:tc>
+                <a:tc>
+                  <a:txBody>
+                    <a:bodyPr/>
+                    <a:lstStyle/>
+                    <a:p>
+                      <a:pPr algn="ctr"/>
+                      <a:r>
+                        <a:rPr lang="en-US" dirty="0" smtClean="0">
+                          <a:solidFill>
+                            <a:schemeClr val="tx1"/>
+                          </a:solidFill>
+                        </a:rPr>
+                        <a:t>50</a:t>
+                      </a:r>
+                      <a:endParaRPr lang="it-IT" dirty="0">
+                        <a:solidFill>
+                          <a:schemeClr val="tx1"/>
+                        </a:solidFill>
+                      </a:endParaRPr>
+                    </a:p>
+                  </a:txBody>
+                  <a:tcPr/>
+                </a:tc>
+                <a:extLst>
+                  <a:ext uri="{0D108BD9-81ED-4DB2-BD59-A6C34878D82A}">
+                    <a16:rowId xmlns:a16="http://schemas.microsoft.com/office/drawing/2014/main" xmlns="" val="60468838"/>
+                  </a:ext>
+                </a:extLst>
+              </a:tr>
+              <a:tr h="370840">
+                <a:tc>
+                  <a:txBody>
+                    <a:bodyPr/>
+                    <a:lstStyle/>
+                    <a:p>
+                      <a:pPr algn="ctr"/>
+                      <a:r>
+                        <a:rPr lang="en-US" dirty="0" smtClean="0">
+                          <a:solidFill>
+                            <a:schemeClr val="tx1"/>
+                          </a:solidFill>
+                        </a:rPr>
+                        <a:t>40</a:t>
+                      </a:r>
+                      <a:endParaRPr lang="it-IT" dirty="0">
+                        <a:solidFill>
+                          <a:schemeClr val="tx1"/>
+                        </a:solidFill>
+                      </a:endParaRPr>
+                    </a:p>
+                  </a:txBody>
+                  <a:tcPr/>
+                </a:tc>
+                <a:tc>
+                  <a:txBody>
+                    <a:bodyPr/>
+                    <a:lstStyle/>
+                    <a:p>
+                      <a:pPr algn="ctr"/>
+                      <a:r>
+                        <a:rPr lang="en-US" dirty="0" smtClean="0">
+                          <a:solidFill>
+                            <a:schemeClr val="tx1"/>
+                          </a:solidFill>
+                        </a:rPr>
+                        <a:t>551</a:t>
+                      </a:r>
+                      <a:endParaRPr lang="it-IT" dirty="0">
+                        <a:solidFill>
+                          <a:schemeClr val="tx1"/>
+                        </a:solidFill>
+                      </a:endParaRPr>
+                    </a:p>
+                  </a:txBody>
+                  <a:tcPr/>
+                </a:tc>
+                <a:extLst>
+                  <a:ext uri="{0D108BD9-81ED-4DB2-BD59-A6C34878D82A}">
+                    <a16:rowId xmlns:a16="http://schemas.microsoft.com/office/drawing/2014/main" xmlns="" val="124635373"/>
+                  </a:ext>
+                </a:extLst>
+              </a:tr>
+              <a:tr h="370840">
+                <a:tc>
+                  <a:txBody>
+                    <a:bodyPr/>
+                    <a:lstStyle/>
+                    <a:p>
+                      <a:pPr algn="ctr"/>
+                      <a:r>
+                        <a:rPr lang="en-US" dirty="0" smtClean="0">
+                          <a:solidFill>
+                            <a:schemeClr val="tx1"/>
+                          </a:solidFill>
+                        </a:rPr>
+                        <a:t>45</a:t>
+                      </a:r>
+                      <a:endParaRPr lang="it-IT" dirty="0">
+                        <a:solidFill>
+                          <a:schemeClr val="tx1"/>
+                        </a:solidFill>
+                      </a:endParaRPr>
+                    </a:p>
+                  </a:txBody>
+                  <a:tcPr/>
+                </a:tc>
+                <a:tc>
+                  <a:txBody>
+                    <a:bodyPr/>
+                    <a:lstStyle/>
+                    <a:p>
+                      <a:pPr algn="ctr"/>
+                      <a:r>
+                        <a:rPr lang="en-US" dirty="0" smtClean="0">
+                          <a:solidFill>
+                            <a:schemeClr val="tx1"/>
+                          </a:solidFill>
+                        </a:rPr>
+                        <a:t>3792</a:t>
+                      </a:r>
+                      <a:endParaRPr lang="it-IT" dirty="0">
+                        <a:solidFill>
+                          <a:schemeClr val="tx1"/>
+                        </a:solidFill>
+                      </a:endParaRPr>
+                    </a:p>
+                  </a:txBody>
+                  <a:tcPr/>
+                </a:tc>
+                <a:extLst>
+                  <a:ext uri="{0D108BD9-81ED-4DB2-BD59-A6C34878D82A}">
+                    <a16:rowId xmlns:a16="http://schemas.microsoft.com/office/drawing/2014/main" xmlns="" val="1501560492"/>
+                  </a:ext>
+                </a:extLst>
+              </a:tr>
+              <a:tr h="370840">
+                <a:tc>
+                  <a:txBody>
+                    <a:bodyPr/>
+                    <a:lstStyle/>
+                    <a:p>
+                      <a:pPr algn="ctr"/>
+                      <a:r>
+                        <a:rPr lang="en-US" dirty="0" smtClean="0">
+                          <a:solidFill>
+                            <a:schemeClr val="tx1"/>
+                          </a:solidFill>
+                        </a:rPr>
+                        <a:t>&gt;50</a:t>
+                      </a:r>
+                      <a:endParaRPr lang="it-IT" dirty="0">
+                        <a:solidFill>
+                          <a:schemeClr val="tx1"/>
+                        </a:solidFill>
+                      </a:endParaRPr>
+                    </a:p>
+                  </a:txBody>
+                  <a:tcPr/>
+                </a:tc>
+                <a:tc>
+                  <a:txBody>
+                    <a:bodyPr/>
+                    <a:lstStyle/>
+                    <a:p>
+                      <a:pPr algn="ctr"/>
+                      <a:r>
+                        <a:rPr lang="en-US" dirty="0" smtClean="0">
+                          <a:solidFill>
+                            <a:schemeClr val="tx1"/>
+                          </a:solidFill>
+                        </a:rPr>
+                        <a:t>Happy watching!</a:t>
+                      </a:r>
+                      <a:endParaRPr lang="it-IT" dirty="0">
+                        <a:solidFill>
+                          <a:schemeClr val="tx1"/>
+                        </a:solidFill>
+                      </a:endParaRPr>
+                    </a:p>
+                  </a:txBody>
+                  <a:tcPr/>
+                </a:tc>
+                <a:extLst>
+                  <a:ext uri="{0D108BD9-81ED-4DB2-BD59-A6C34878D82A}">
+                    <a16:rowId xmlns:a16="http://schemas.microsoft.com/office/drawing/2014/main" xmlns="" val="3751559142"/>
+                  </a:ext>
+                </a:extLst>
+              </a:tr>
+            </a:tbl>
+          </a:graphicData>
+        </a:graphic>
+      </p:graphicFrame>
+    </p:spTree>
+    <p:extLst>
+      <p:ext uri="{BB962C8B-B14F-4D97-AF65-F5344CB8AC3E}">
+        <p14:creationId xmlns:p14="http://schemas.microsoft.com/office/powerpoint/2010/main" val="1633294612"/>
+      </p:ext>
+    </p:extLst>
+  </p:cSld>
+  <p:clrMapOvr>
+    <a:masterClrMapping/>
+  </p:clrMapOvr>
+</p:sld>
+</file>
+
+<file path=ppt/slides/slide7.xml><?xml version="1.0" encoding="utf-8"?>
+<p:sld xmlns:a="http://schemas.openxmlformats.org/drawingml/2006/main" xmlns:r="http://schemas.openxmlformats.org/officeDocument/2006/relationships" xmlns:p="http://schemas.openxmlformats.org/presentationml/2006/main">
+  <p:cSld>
+    <p:spTree>
+      <p:nvGrpSpPr>
+        <p:cNvPr id="1" name=""/>
+        <p:cNvGrpSpPr/>
+        <p:nvPr/>
+      </p:nvGrpSpPr>
+      <p:grpSpPr>
+        <a:xfrm>
+          <a:off x="0" y="0"/>
+          <a:ext cx="0" cy="0"/>
+          <a:chOff x="0" y="0"/>
+          <a:chExt cx="0" cy="0"/>
+        </a:xfrm>
+      </p:grpSpPr>
+      <p:sp>
+        <p:nvSpPr>
+          <p:cNvPr id="2" name="Title 1"/>
+          <p:cNvSpPr>
+            <a:spLocks noGrp="1"/>
+          </p:cNvSpPr>
+          <p:nvPr>
+            <p:ph type="title"/>
+          </p:nvPr>
+        </p:nvSpPr>
+        <p:spPr/>
+        <p:txBody>
+          <a:bodyPr/>
+          <a:lstStyle/>
+          <a:p>
+            <a:r>
+              <a:rPr lang="en-US" dirty="0" smtClean="0"/>
+              <a:t>Fibonacci Sequence</a:t>
+            </a:r>
+            <a:br>
+              <a:rPr lang="en-US" dirty="0" smtClean="0"/>
+            </a:br>
+            <a:r>
+              <a:rPr lang="en-US" sz="2000" dirty="0" smtClean="0"/>
+              <a:t>Why so slow?</a:t>
+            </a:r>
+            <a:endParaRPr lang="it-IT" dirty="0"/>
+          </a:p>
+        </p:txBody>
+      </p:sp>
+      <p:sp>
+        <p:nvSpPr>
+          <p:cNvPr id="3" name="Content Placeholder 2"/>
+          <p:cNvSpPr>
+            <a:spLocks noGrp="1"/>
+          </p:cNvSpPr>
+          <p:nvPr>
+            <p:ph idx="1"/>
+          </p:nvPr>
+        </p:nvSpPr>
+        <p:spPr/>
+        <p:txBody>
+          <a:bodyPr/>
+          <a:lstStyle/>
+          <a:p>
+            <a:pPr marL="0" indent="0">
+              <a:buNone/>
+            </a:pPr>
+            <a:r>
+              <a:rPr lang="en-US" dirty="0" smtClean="0">
+                <a:latin typeface="Consolas" panose="020B0609020204030204" pitchFamily="49" charset="0"/>
+                <a:cs typeface="Consolas" panose="020B0609020204030204" pitchFamily="49" charset="0"/>
+              </a:rPr>
+              <a:t/>
+            </a:r>
+            <a:br>
+              <a:rPr lang="en-US" dirty="0" smtClean="0">
+                <a:latin typeface="Consolas" panose="020B0609020204030204" pitchFamily="49" charset="0"/>
+                <a:cs typeface="Consolas" panose="020B0609020204030204" pitchFamily="49" charset="0"/>
+              </a:rPr>
+            </a:br>
+            <a:r>
+              <a:rPr lang="en-US" dirty="0" smtClean="0">
+                <a:latin typeface="Consolas" panose="020B0609020204030204" pitchFamily="49" charset="0"/>
+                <a:cs typeface="Consolas" panose="020B0609020204030204" pitchFamily="49" charset="0"/>
+              </a:rPr>
+              <a:t/>
+            </a:r>
+            <a:br>
+              <a:rPr lang="en-US" dirty="0" smtClean="0">
+                <a:latin typeface="Consolas" panose="020B0609020204030204" pitchFamily="49" charset="0"/>
+                <a:cs typeface="Consolas" panose="020B0609020204030204" pitchFamily="49" charset="0"/>
+              </a:rPr>
+            </a:br>
+            <a:endParaRPr lang="it-IT" dirty="0">
+              <a:latin typeface="Consolas" panose="020B0609020204030204" pitchFamily="49" charset="0"/>
+              <a:cs typeface="Consolas" panose="020B0609020204030204" pitchFamily="49" charset="0"/>
+            </a:endParaRPr>
+          </a:p>
+        </p:txBody>
+      </p:sp>
+      <p:sp>
+        <p:nvSpPr>
+          <p:cNvPr id="4" name="Footer Placeholder 3"/>
+          <p:cNvSpPr>
+            <a:spLocks noGrp="1"/>
+          </p:cNvSpPr>
+          <p:nvPr>
+            <p:ph type="ftr" sz="quarter" idx="11"/>
+          </p:nvPr>
+        </p:nvSpPr>
+        <p:spPr/>
+        <p:txBody>
+          <a:bodyPr/>
+          <a:lstStyle/>
+          <a:p>
+            <a:r>
+              <a:rPr lang="it-IT" smtClean="0"/>
+              <a:t>INFDEV026A - G. Costantini, F. Di Giacomo, G. Maggiore</a:t>
             </a:r>
             <a:endParaRPr lang="en-GB"/>
           </a:p>
@@ -9562,8 +10948,8 @@
           </a:fontRef>
         </p:style>
       </p:cxnSp>
-      <mc:AlternateContent xmlns:mc="http://schemas.openxmlformats.org/markup-compatibility/2006">
-        <mc:Choice xmlns:a14="http://schemas.microsoft.com/office/drawing/2010/main" Requires="a14">
+      <mc:AlternateContent xmlns:mc="http://schemas.openxmlformats.org/markup-compatibility/2006" xmlns:a14="http://schemas.microsoft.com/office/drawing/2010/main">
+        <mc:Choice Requires="a14">
           <p:sp>
             <p:nvSpPr>
               <p:cNvPr id="56" name="TextBox 55"/>
@@ -9643,7 +11029,7 @@
             </p:txBody>
           </p:sp>
         </mc:Choice>
-        <mc:Fallback>
+        <mc:Fallback xmlns="">
           <p:sp>
             <p:nvSpPr>
               <p:cNvPr id="56" name="TextBox 55"/>
@@ -9695,167 +11081,6 @@
 </p:sld>
 </file>
 
-<file path=ppt/slides/slide7.xml><?xml version="1.0" encoding="utf-8"?>
-<p:sld xmlns:a="http://schemas.openxmlformats.org/drawingml/2006/main" xmlns:r="http://schemas.openxmlformats.org/officeDocument/2006/relationships" xmlns:p="http://schemas.openxmlformats.org/presentationml/2006/main">
-  <p:cSld>
-    <p:spTree>
-      <p:nvGrpSpPr>
-        <p:cNvPr id="1" name=""/>
-        <p:cNvGrpSpPr/>
-        <p:nvPr/>
-      </p:nvGrpSpPr>
-      <p:grpSpPr>
-        <a:xfrm>
-          <a:off x="0" y="0"/>
-          <a:ext cx="0" cy="0"/>
-          <a:chOff x="0" y="0"/>
-          <a:chExt cx="0" cy="0"/>
-        </a:xfrm>
-      </p:grpSpPr>
-      <p:sp>
-        <p:nvSpPr>
-          <p:cNvPr id="2" name="Title 1"/>
-          <p:cNvSpPr>
-            <a:spLocks noGrp="1"/>
-          </p:cNvSpPr>
-          <p:nvPr>
-            <p:ph type="title"/>
-          </p:nvPr>
-        </p:nvSpPr>
-        <p:spPr/>
-        <p:txBody>
-          <a:bodyPr/>
-          <a:lstStyle/>
-          <a:p>
-            <a:r>
-              <a:rPr lang="en-US" dirty="0" smtClean="0"/>
-              <a:t>Fibonacci Sequence</a:t>
-            </a:r>
-            <a:br>
-              <a:rPr lang="en-US" dirty="0" smtClean="0"/>
-            </a:br>
-            <a:r>
-              <a:rPr lang="en-US" sz="2000" dirty="0" smtClean="0"/>
-              <a:t>Why so slow?</a:t>
-            </a:r>
-            <a:endParaRPr lang="it-IT" dirty="0"/>
-          </a:p>
-        </p:txBody>
-      </p:sp>
-      <p:sp>
-        <p:nvSpPr>
-          <p:cNvPr id="4" name="Footer Placeholder 3"/>
-          <p:cNvSpPr>
-            <a:spLocks noGrp="1"/>
-          </p:cNvSpPr>
-          <p:nvPr>
-            <p:ph type="ftr" sz="quarter" idx="11"/>
-          </p:nvPr>
-        </p:nvSpPr>
-        <p:spPr/>
-        <p:txBody>
-          <a:bodyPr/>
-          <a:lstStyle/>
-          <a:p>
-            <a:r>
-              <a:rPr lang="en-GB" dirty="0" smtClean="0"/>
-              <a:t>INFDEV016A - G. </a:t>
-            </a:r>
-            <a:r>
-              <a:rPr lang="en-GB" dirty="0" err="1" smtClean="0"/>
-              <a:t>Costantini</a:t>
-            </a:r>
-            <a:endParaRPr lang="en-GB" dirty="0"/>
-          </a:p>
-        </p:txBody>
-      </p:sp>
-      <p:sp>
-        <p:nvSpPr>
-          <p:cNvPr id="5" name="Content Placeholder 4"/>
-          <p:cNvSpPr>
-            <a:spLocks noGrp="1"/>
-          </p:cNvSpPr>
-          <p:nvPr>
-            <p:ph idx="1"/>
-          </p:nvPr>
-        </p:nvSpPr>
-        <p:spPr/>
-        <p:txBody>
-          <a:bodyPr/>
-          <a:lstStyle/>
-          <a:p>
-            <a:pPr marL="0" indent="0">
-              <a:buNone/>
-            </a:pPr>
-            <a:r>
-              <a:rPr lang="en-US" sz="2000" dirty="0" smtClean="0"/>
-              <a:t>“Did </a:t>
-            </a:r>
-            <a:r>
-              <a:rPr lang="en-US" sz="2000" dirty="0"/>
-              <a:t>I ever tell you what the definition of insanity is? Insanity is doing the exact... same </a:t>
-            </a:r>
-            <a:r>
-              <a:rPr lang="en-US" sz="2000" dirty="0" smtClean="0"/>
-              <a:t>*** thing</a:t>
-            </a:r>
-            <a:r>
-              <a:rPr lang="en-US" sz="2000" dirty="0"/>
-              <a:t>... over and over again expecting... </a:t>
-            </a:r>
-            <a:r>
-              <a:rPr lang="en-US" sz="2000" dirty="0" smtClean="0"/>
-              <a:t>things </a:t>
-            </a:r>
-            <a:r>
-              <a:rPr lang="en-US" sz="2000" dirty="0"/>
-              <a:t>to </a:t>
-            </a:r>
-            <a:r>
-              <a:rPr lang="en-US" sz="2000" dirty="0" smtClean="0"/>
-              <a:t>change...”</a:t>
-            </a:r>
-          </a:p>
-          <a:p>
-            <a:pPr marL="0" indent="0">
-              <a:buNone/>
-            </a:pPr>
-            <a:endParaRPr lang="en-US" dirty="0"/>
-          </a:p>
-          <a:p>
-            <a:r>
-              <a:rPr lang="en-US" dirty="0" smtClean="0"/>
-              <a:t>We are doing the same thing over and over again.</a:t>
-            </a:r>
-          </a:p>
-          <a:p>
-            <a:r>
-              <a:rPr lang="en-US" dirty="0" smtClean="0"/>
-              <a:t>We compute F(3) twice, and F(2) three times.</a:t>
-            </a:r>
-          </a:p>
-          <a:p>
-            <a:r>
-              <a:rPr lang="en-US" dirty="0" smtClean="0"/>
-              <a:t>Why don’t we save the result of sub-problems?</a:t>
-            </a:r>
-            <a:endParaRPr lang="it-IT" dirty="0"/>
-          </a:p>
-        </p:txBody>
-      </p:sp>
-    </p:spTree>
-    <p:extLst>
-      <p:ext uri="{BB962C8B-B14F-4D97-AF65-F5344CB8AC3E}">
-        <p14:creationId xmlns:p14="http://schemas.microsoft.com/office/powerpoint/2010/main" val="3018184977"/>
-      </p:ext>
-    </p:extLst>
-  </p:cSld>
-  <p:clrMapOvr>
-    <a:masterClrMapping/>
-  </p:clrMapOvr>
-</p:sld>
-</file>
-
 <file path=ppt/slides/slide8.xml><?xml version="1.0" encoding="utf-8"?>
 <p:sld xmlns:a="http://schemas.openxmlformats.org/drawingml/2006/main" xmlns:r="http://schemas.openxmlformats.org/officeDocument/2006/relationships" xmlns:p="http://schemas.openxmlformats.org/presentationml/2006/main">
   <p:cSld>
@@ -9896,8 +11121,8 @@
               <a:rPr lang="en-US" dirty="0" smtClean="0"/>
             </a:br>
             <a:r>
-              <a:rPr lang="en-US" sz="2000" dirty="0" err="1" smtClean="0"/>
-              <a:t>Memoization</a:t>
+              <a:rPr lang="en-US" sz="2000" dirty="0" smtClean="0"/>
+              <a:t>Why so slow?</a:t>
             </a:r>
             <a:endParaRPr lang="it-IT" dirty="0"/>
           </a:p>
@@ -9919,10 +11144,10 @@
           <a:lstStyle/>
           <a:p>
             <a:r>
-              <a:rPr lang="en-GB" smtClean="0"/>
-              <a:t>INFDEV016A - G. Costantini</a:t>
-            </a:r>
-            <a:endParaRPr lang="en-GB"/>
+              <a:rPr lang="it-IT" smtClean="0"/>
+              <a:t>INFDEV026A - G. Costantini, F. Di Giacomo, G. Maggiore</a:t>
+            </a:r>
+            <a:endParaRPr lang="en-GB" dirty="0"/>
           </a:p>
         </p:txBody>
       </p:sp>
@@ -9941,58 +11166,137 @@
           <a:bodyPr/>
           <a:lstStyle/>
           <a:p>
+            <a:pPr marL="0" indent="0">
+              <a:buNone/>
+            </a:pPr>
+            <a:r>
+              <a:rPr lang="en-US" i="1" dirty="0" smtClean="0"/>
+              <a:t>“</a:t>
+            </a:r>
+            <a:r>
+              <a:rPr lang="en-US" i="1" dirty="0" smtClean="0">
+                <a:hlinkClick r:id="rId2"/>
+              </a:rPr>
+              <a:t>Did </a:t>
+            </a:r>
+            <a:r>
+              <a:rPr lang="en-US" i="1" dirty="0">
+                <a:hlinkClick r:id="rId2"/>
+              </a:rPr>
+              <a:t>I ever tell you what the definition of insanity is? Insanity is doing the exact... same </a:t>
+            </a:r>
+            <a:r>
+              <a:rPr lang="en-US" i="1" dirty="0" smtClean="0">
+                <a:hlinkClick r:id="rId2"/>
+              </a:rPr>
+              <a:t>*** thing</a:t>
+            </a:r>
+            <a:r>
+              <a:rPr lang="en-US" i="1" dirty="0">
+                <a:hlinkClick r:id="rId2"/>
+              </a:rPr>
+              <a:t>... over and over again expecting... </a:t>
+            </a:r>
+            <a:r>
+              <a:rPr lang="en-US" i="1" dirty="0" smtClean="0">
+                <a:hlinkClick r:id="rId2"/>
+              </a:rPr>
+              <a:t>things </a:t>
+            </a:r>
+            <a:r>
+              <a:rPr lang="en-US" i="1" dirty="0">
+                <a:hlinkClick r:id="rId2"/>
+              </a:rPr>
+              <a:t>to </a:t>
+            </a:r>
+            <a:r>
+              <a:rPr lang="en-US" i="1" dirty="0" smtClean="0">
+                <a:hlinkClick r:id="rId2"/>
+              </a:rPr>
+              <a:t>change...</a:t>
+            </a:r>
+            <a:r>
+              <a:rPr lang="en-US" i="1" dirty="0" smtClean="0"/>
+              <a:t>”</a:t>
+            </a:r>
+          </a:p>
+          <a:p>
+            <a:pPr marL="0" indent="0">
+              <a:buNone/>
+            </a:pPr>
+            <a:endParaRPr lang="en-US" dirty="0"/>
+          </a:p>
+          <a:p>
             <a:r>
               <a:rPr lang="en-US" dirty="0" smtClean="0"/>
-              <a:t>Save the result of sub-problems into a data structure.</a:t>
-            </a:r>
-          </a:p>
-          <a:p>
+              <a:t>We are doing the same thing over and over </a:t>
+            </a:r>
             <a:r>
               <a:rPr lang="en-US" dirty="0" smtClean="0"/>
-              <a:t>The data structure is called lookup table.</a:t>
-            </a:r>
-          </a:p>
-          <a:p>
+              <a:t>again</a:t>
+            </a:r>
+            <a:endParaRPr lang="en-US" dirty="0" smtClean="0"/>
+          </a:p>
+          <a:p>
+            <a:pPr lvl="1"/>
             <a:r>
               <a:rPr lang="en-US" dirty="0" smtClean="0"/>
-              <a:t>Before we make a recursive call check the lookup table.</a:t>
-            </a:r>
-          </a:p>
-          <a:p>
-            <a:r>
-              <a:rPr lang="en-US" b="1" dirty="0" smtClean="0"/>
-              <a:t>Missing: </a:t>
+              <a:t>F(3</a:t>
             </a:r>
             <a:r>
               <a:rPr lang="en-US" dirty="0" smtClean="0"/>
-              <a:t>make the recursive call.</a:t>
-            </a:r>
-          </a:p>
-          <a:p>
-            <a:r>
-              <a:rPr lang="en-US" b="1" dirty="0" smtClean="0"/>
-              <a:t>Present: </a:t>
+              <a:t>) </a:t>
             </a:r>
             <a:r>
               <a:rPr lang="en-US" dirty="0" smtClean="0"/>
-              <a:t>read the result from the table.</a:t>
-            </a:r>
-          </a:p>
-          <a:p>
+              <a:t>computed twice</a:t>
+            </a:r>
             <a:r>
               <a:rPr lang="en-US" dirty="0" smtClean="0"/>
-              <a:t>Add the result of the current recursive call to the lookup table.</a:t>
-            </a:r>
-          </a:p>
-          <a:p>
+              <a:t>, </a:t>
+            </a:r>
+            <a:r>
+              <a:rPr lang="en-US" dirty="0" smtClean="0"/>
+              <a:t>F(2</a:t>
+            </a:r>
+            <a:r>
+              <a:rPr lang="en-US" dirty="0" smtClean="0"/>
+              <a:t>) </a:t>
+            </a:r>
+            <a:r>
+              <a:rPr lang="en-US" dirty="0" smtClean="0"/>
+              <a:t>computed three times...</a:t>
+            </a:r>
             <a:endParaRPr lang="en-US" dirty="0" smtClean="0"/>
+          </a:p>
+          <a:p>
+            <a:r>
+              <a:rPr lang="en-US" dirty="0" smtClean="0"/>
+              <a:t>Ideas on how to speed up the process?</a:t>
+            </a:r>
+          </a:p>
+          <a:p>
+            <a:pPr lvl="1"/>
+            <a:r>
+              <a:rPr lang="en-US" dirty="0" smtClean="0"/>
+              <a:t>We could save the result of sub-problems (= </a:t>
+            </a:r>
+            <a:r>
+              <a:rPr lang="en-US" i="1" dirty="0" err="1" smtClean="0"/>
+              <a:t>memoization</a:t>
+            </a:r>
+            <a:r>
+              <a:rPr lang="en-US" dirty="0" smtClean="0"/>
+              <a:t>)!</a:t>
+            </a:r>
+            <a:endParaRPr lang="it-IT" dirty="0"/>
           </a:p>
         </p:txBody>
       </p:sp>
     </p:spTree>
     <p:extLst>
       <p:ext uri="{BB962C8B-B14F-4D97-AF65-F5344CB8AC3E}">
-        <p14:creationId xmlns:p14="http://schemas.microsoft.com/office/powerpoint/2010/main" val="2176481981"/>
+        <p14:creationId xmlns:p14="http://schemas.microsoft.com/office/powerpoint/2010/main" val="3018184977"/>
       </p:ext>
     </p:extLst>
   </p:cSld>
@@ -10043,11 +11347,7 @@
             </a:br>
             <a:r>
               <a:rPr lang="en-US" sz="2000" dirty="0" err="1" smtClean="0"/>
-              <a:t>Memoized</a:t>
-            </a:r>
-            <a:r>
-              <a:rPr lang="en-US" sz="2000" dirty="0" smtClean="0"/>
-              <a:t> algorithm (recursive)</a:t>
+              <a:t>Memoization</a:t>
             </a:r>
             <a:endParaRPr lang="it-IT" dirty="0"/>
           </a:p>
@@ -10069,8 +11369,8 @@
           <a:lstStyle/>
           <a:p>
             <a:r>
-              <a:rPr lang="en-GB" smtClean="0"/>
-              <a:t>INFDEV016A - G. Costantini</a:t>
+              <a:rPr lang="it-IT" smtClean="0"/>
+              <a:t>INFDEV026A - G. Costantini, F. Di Giacomo, G. Maggiore</a:t>
             </a:r>
             <a:endParaRPr lang="en-GB"/>
           </a:p>
@@ -10086,353 +11386,141 @@
             <p:ph idx="1"/>
           </p:nvPr>
         </p:nvSpPr>
-        <p:spPr>
-          <a:xfrm>
-            <a:off x="755992" y="1780024"/>
-            <a:ext cx="8596668" cy="4411715"/>
-          </a:xfrm>
-        </p:spPr>
-        <p:txBody>
-          <a:bodyPr>
-            <a:normAutofit lnSpcReduction="10000"/>
-          </a:bodyPr>
-          <a:lstStyle/>
-          <a:p>
-            <a:pPr marL="0" indent="0">
-              <a:buNone/>
-            </a:pPr>
+        <p:spPr/>
+        <p:txBody>
+          <a:bodyPr/>
+          <a:lstStyle/>
+          <a:p>
+            <a:r>
+              <a:rPr lang="en-US" dirty="0" smtClean="0"/>
+              <a:t>Save the result of sub-problems into a data </a:t>
+            </a:r>
+            <a:r>
+              <a:rPr lang="en-US" dirty="0" smtClean="0"/>
+              <a:t>structure (</a:t>
+            </a:r>
             <a:r>
               <a:rPr lang="en-US" dirty="0" smtClean="0">
-                <a:latin typeface="Consolas" panose="020B0609020204030204" pitchFamily="49" charset="0"/>
-                <a:cs typeface="Consolas" panose="020B0609020204030204" pitchFamily="49" charset="0"/>
-              </a:rPr>
-              <a:t>Fibonacci(N, </a:t>
-            </a:r>
-            <a:r>
-              <a:rPr lang="en-US" dirty="0" err="1" smtClean="0">
-                <a:latin typeface="Consolas" panose="020B0609020204030204" pitchFamily="49" charset="0"/>
-                <a:cs typeface="Consolas" panose="020B0609020204030204" pitchFamily="49" charset="0"/>
-              </a:rPr>
-              <a:t>lookupTable</a:t>
-            </a:r>
-            <a:r>
-              <a:rPr lang="en-US" dirty="0" smtClean="0">
-                <a:latin typeface="Consolas" panose="020B0609020204030204" pitchFamily="49" charset="0"/>
-                <a:cs typeface="Consolas" panose="020B0609020204030204" pitchFamily="49" charset="0"/>
-              </a:rPr>
-              <a:t>)</a:t>
-            </a:r>
-            <a:r>
-              <a:rPr lang="en-US" dirty="0">
-                <a:latin typeface="Consolas" panose="020B0609020204030204" pitchFamily="49" charset="0"/>
-                <a:cs typeface="Consolas" panose="020B0609020204030204" pitchFamily="49" charset="0"/>
-              </a:rPr>
-              <a:t/>
-            </a:r>
-            <a:br>
-              <a:rPr lang="en-US" dirty="0">
-                <a:latin typeface="Consolas" panose="020B0609020204030204" pitchFamily="49" charset="0"/>
-                <a:cs typeface="Consolas" panose="020B0609020204030204" pitchFamily="49" charset="0"/>
-              </a:rPr>
-            </a:br>
-            <a:r>
-              <a:rPr lang="en-US" dirty="0">
-                <a:latin typeface="Consolas" panose="020B0609020204030204" pitchFamily="49" charset="0"/>
-                <a:cs typeface="Consolas" panose="020B0609020204030204" pitchFamily="49" charset="0"/>
-              </a:rPr>
-              <a:t>IF N = 0 or N = 1</a:t>
-            </a:r>
-            <a:br>
-              <a:rPr lang="en-US" dirty="0">
-                <a:latin typeface="Consolas" panose="020B0609020204030204" pitchFamily="49" charset="0"/>
-                <a:cs typeface="Consolas" panose="020B0609020204030204" pitchFamily="49" charset="0"/>
-              </a:rPr>
-            </a:br>
-            <a:r>
-              <a:rPr lang="en-US" dirty="0">
-                <a:latin typeface="Consolas" panose="020B0609020204030204" pitchFamily="49" charset="0"/>
-                <a:cs typeface="Consolas" panose="020B0609020204030204" pitchFamily="49" charset="0"/>
-              </a:rPr>
-              <a:t>  return 1</a:t>
-            </a:r>
-            <a:br>
-              <a:rPr lang="en-US" dirty="0">
-                <a:latin typeface="Consolas" panose="020B0609020204030204" pitchFamily="49" charset="0"/>
-                <a:cs typeface="Consolas" panose="020B0609020204030204" pitchFamily="49" charset="0"/>
-              </a:rPr>
-            </a:br>
-            <a:r>
-              <a:rPr lang="en-US" dirty="0" smtClean="0">
-                <a:latin typeface="Consolas" panose="020B0609020204030204" pitchFamily="49" charset="0"/>
-                <a:cs typeface="Consolas" panose="020B0609020204030204" pitchFamily="49" charset="0"/>
-              </a:rPr>
-              <a:t>ELSE</a:t>
-            </a:r>
-            <a:br>
-              <a:rPr lang="en-US" dirty="0" smtClean="0">
-                <a:latin typeface="Consolas" panose="020B0609020204030204" pitchFamily="49" charset="0"/>
-                <a:cs typeface="Consolas" panose="020B0609020204030204" pitchFamily="49" charset="0"/>
-              </a:rPr>
-            </a:br>
-            <a:r>
-              <a:rPr lang="en-US" dirty="0" smtClean="0">
-                <a:latin typeface="Consolas" panose="020B0609020204030204" pitchFamily="49" charset="0"/>
-                <a:cs typeface="Consolas" panose="020B0609020204030204" pitchFamily="49" charset="0"/>
-              </a:rPr>
-              <a:t>  f1 = 0</a:t>
-            </a:r>
-            <a:br>
-              <a:rPr lang="en-US" dirty="0" smtClean="0">
-                <a:latin typeface="Consolas" panose="020B0609020204030204" pitchFamily="49" charset="0"/>
-                <a:cs typeface="Consolas" panose="020B0609020204030204" pitchFamily="49" charset="0"/>
-              </a:rPr>
-            </a:br>
-            <a:r>
-              <a:rPr lang="en-US" dirty="0" smtClean="0">
-                <a:latin typeface="Consolas" panose="020B0609020204030204" pitchFamily="49" charset="0"/>
-                <a:cs typeface="Consolas" panose="020B0609020204030204" pitchFamily="49" charset="0"/>
-              </a:rPr>
-              <a:t>  f2 = 0</a:t>
-            </a:r>
-            <a:r>
-              <a:rPr lang="en-US" dirty="0">
-                <a:latin typeface="Consolas" panose="020B0609020204030204" pitchFamily="49" charset="0"/>
-                <a:cs typeface="Consolas" panose="020B0609020204030204" pitchFamily="49" charset="0"/>
-              </a:rPr>
-              <a:t/>
-            </a:r>
-            <a:br>
-              <a:rPr lang="en-US" dirty="0">
-                <a:latin typeface="Consolas" panose="020B0609020204030204" pitchFamily="49" charset="0"/>
-                <a:cs typeface="Consolas" panose="020B0609020204030204" pitchFamily="49" charset="0"/>
-              </a:rPr>
-            </a:br>
-            <a:r>
-              <a:rPr lang="en-US" dirty="0">
-                <a:latin typeface="Consolas" panose="020B0609020204030204" pitchFamily="49" charset="0"/>
-                <a:cs typeface="Consolas" panose="020B0609020204030204" pitchFamily="49" charset="0"/>
-              </a:rPr>
-              <a:t>  </a:t>
-            </a:r>
-            <a:r>
-              <a:rPr lang="en-US" dirty="0" smtClean="0">
-                <a:latin typeface="Consolas" panose="020B0609020204030204" pitchFamily="49" charset="0"/>
-                <a:cs typeface="Consolas" panose="020B0609020204030204" pitchFamily="49" charset="0"/>
-              </a:rPr>
-              <a:t>IF </a:t>
-            </a:r>
-            <a:r>
-              <a:rPr lang="en-US" dirty="0" err="1" smtClean="0">
-                <a:latin typeface="Consolas" panose="020B0609020204030204" pitchFamily="49" charset="0"/>
-                <a:cs typeface="Consolas" panose="020B0609020204030204" pitchFamily="49" charset="0"/>
-              </a:rPr>
-              <a:t>lookupTable</a:t>
-            </a:r>
-            <a:r>
-              <a:rPr lang="en-US" dirty="0" smtClean="0">
-                <a:latin typeface="Consolas" panose="020B0609020204030204" pitchFamily="49" charset="0"/>
-                <a:cs typeface="Consolas" panose="020B0609020204030204" pitchFamily="49" charset="0"/>
-              </a:rPr>
-              <a:t>[N - 1] = -1</a:t>
-            </a:r>
-            <a:r>
-              <a:rPr lang="en-US" dirty="0"/>
-              <a:t/>
-            </a:r>
-            <a:br>
-              <a:rPr lang="en-US" dirty="0"/>
-            </a:br>
-            <a:r>
-              <a:rPr lang="en-US" dirty="0" smtClean="0"/>
-              <a:t>      f1 = Fibonacci(N – 1, </a:t>
-            </a:r>
-            <a:r>
-              <a:rPr lang="en-US" dirty="0" err="1" smtClean="0"/>
-              <a:t>lookupTable</a:t>
+                <a:sym typeface="Wingdings" panose="05000000000000000000" pitchFamily="2" charset="2"/>
+              </a:rPr>
+              <a:t>called </a:t>
+            </a:r>
+            <a:r>
+              <a:rPr lang="en-US" i="1" dirty="0" smtClean="0"/>
+              <a:t>lookup table</a:t>
             </a:r>
             <a:r>
               <a:rPr lang="en-US" dirty="0" smtClean="0"/>
               <a:t>)</a:t>
             </a:r>
-            <a:r>
-              <a:rPr lang="en-US" dirty="0">
-                <a:latin typeface="Consolas" panose="020B0609020204030204" pitchFamily="49" charset="0"/>
-                <a:cs typeface="Consolas" panose="020B0609020204030204" pitchFamily="49" charset="0"/>
-              </a:rPr>
-              <a:t/>
-            </a:r>
-            <a:br>
-              <a:rPr lang="en-US" dirty="0">
-                <a:latin typeface="Consolas" panose="020B0609020204030204" pitchFamily="49" charset="0"/>
-                <a:cs typeface="Consolas" panose="020B0609020204030204" pitchFamily="49" charset="0"/>
-              </a:rPr>
-            </a:br>
-            <a:r>
-              <a:rPr lang="en-US" dirty="0" smtClean="0">
-                <a:latin typeface="Consolas" panose="020B0609020204030204" pitchFamily="49" charset="0"/>
-                <a:cs typeface="Consolas" panose="020B0609020204030204" pitchFamily="49" charset="0"/>
-              </a:rPr>
-              <a:t>  ELSE</a:t>
-            </a:r>
-            <a:br>
-              <a:rPr lang="en-US" dirty="0" smtClean="0">
-                <a:latin typeface="Consolas" panose="020B0609020204030204" pitchFamily="49" charset="0"/>
-                <a:cs typeface="Consolas" panose="020B0609020204030204" pitchFamily="49" charset="0"/>
-              </a:rPr>
-            </a:br>
-            <a:r>
-              <a:rPr lang="en-US" dirty="0" smtClean="0">
-                <a:latin typeface="Consolas" panose="020B0609020204030204" pitchFamily="49" charset="0"/>
-                <a:cs typeface="Consolas" panose="020B0609020204030204" pitchFamily="49" charset="0"/>
-              </a:rPr>
-              <a:t>   f1 = </a:t>
-            </a:r>
-            <a:r>
-              <a:rPr lang="en-US" dirty="0" err="1" smtClean="0">
-                <a:latin typeface="Consolas" panose="020B0609020204030204" pitchFamily="49" charset="0"/>
-                <a:cs typeface="Consolas" panose="020B0609020204030204" pitchFamily="49" charset="0"/>
-              </a:rPr>
-              <a:t>lookupTable</a:t>
-            </a:r>
-            <a:r>
-              <a:rPr lang="en-US" dirty="0" smtClean="0">
-                <a:latin typeface="Consolas" panose="020B0609020204030204" pitchFamily="49" charset="0"/>
-                <a:cs typeface="Consolas" panose="020B0609020204030204" pitchFamily="49" charset="0"/>
-              </a:rPr>
-              <a:t>[N - 1]</a:t>
-            </a:r>
-            <a:br>
-              <a:rPr lang="en-US" dirty="0" smtClean="0">
-                <a:latin typeface="Consolas" panose="020B0609020204030204" pitchFamily="49" charset="0"/>
-                <a:cs typeface="Consolas" panose="020B0609020204030204" pitchFamily="49" charset="0"/>
-              </a:rPr>
-            </a:br>
-            <a:r>
-              <a:rPr lang="en-US" dirty="0" smtClean="0">
-                <a:latin typeface="Consolas" panose="020B0609020204030204" pitchFamily="49" charset="0"/>
-                <a:cs typeface="Consolas" panose="020B0609020204030204" pitchFamily="49" charset="0"/>
-              </a:rPr>
-              <a:t>  IF </a:t>
-            </a:r>
-            <a:r>
-              <a:rPr lang="en-US" dirty="0" err="1" smtClean="0">
-                <a:latin typeface="Consolas" panose="020B0609020204030204" pitchFamily="49" charset="0"/>
-                <a:cs typeface="Consolas" panose="020B0609020204030204" pitchFamily="49" charset="0"/>
-              </a:rPr>
-              <a:t>lookupTable</a:t>
-            </a:r>
-            <a:r>
-              <a:rPr lang="en-US" dirty="0" smtClean="0">
-                <a:latin typeface="Consolas" panose="020B0609020204030204" pitchFamily="49" charset="0"/>
-                <a:cs typeface="Consolas" panose="020B0609020204030204" pitchFamily="49" charset="0"/>
-              </a:rPr>
-              <a:t>[N - 2] = -1</a:t>
-            </a:r>
-            <a:r>
-              <a:rPr lang="en-US" dirty="0"/>
-              <a:t/>
-            </a:r>
-            <a:br>
-              <a:rPr lang="en-US" dirty="0"/>
-            </a:br>
+            <a:endParaRPr lang="en-US" dirty="0" smtClean="0"/>
+          </a:p>
+          <a:p>
+            <a:endParaRPr lang="en-US" dirty="0" smtClean="0"/>
+          </a:p>
+          <a:p>
             <a:r>
               <a:rPr lang="en-US" dirty="0" smtClean="0"/>
-              <a:t>      f2 = Fibonacci(N – 2, </a:t>
-            </a:r>
-            <a:r>
-              <a:rPr lang="en-US" dirty="0" err="1" smtClean="0"/>
-              <a:t>lookupTable</a:t>
+              <a:t>Before making </a:t>
             </a:r>
             <a:r>
               <a:rPr lang="en-US" dirty="0" smtClean="0"/>
-              <a:t>)</a:t>
-            </a:r>
-            <a:br>
+              <a:t>a recursive </a:t>
+            </a:r>
+            <a:r>
               <a:rPr lang="en-US" dirty="0" smtClean="0"/>
-            </a:br>
+              <a:t>call, we check </a:t>
+            </a:r>
             <a:r>
               <a:rPr lang="en-US" dirty="0" smtClean="0"/>
-              <a:t>    ELSE</a:t>
-            </a:r>
-            <a:r>
-              <a:rPr lang="en-US" dirty="0">
-                <a:latin typeface="Consolas" panose="020B0609020204030204" pitchFamily="49" charset="0"/>
-                <a:cs typeface="Consolas" panose="020B0609020204030204" pitchFamily="49" charset="0"/>
-              </a:rPr>
-              <a:t/>
-            </a:r>
-            <a:br>
-              <a:rPr lang="en-US" dirty="0">
-                <a:latin typeface="Consolas" panose="020B0609020204030204" pitchFamily="49" charset="0"/>
-                <a:cs typeface="Consolas" panose="020B0609020204030204" pitchFamily="49" charset="0"/>
-              </a:rPr>
-            </a:br>
-            <a:r>
-              <a:rPr lang="en-US" dirty="0" smtClean="0">
-                <a:latin typeface="Consolas" panose="020B0609020204030204" pitchFamily="49" charset="0"/>
-                <a:cs typeface="Consolas" panose="020B0609020204030204" pitchFamily="49" charset="0"/>
-              </a:rPr>
-              <a:t>   f2 = </a:t>
-            </a:r>
-            <a:r>
-              <a:rPr lang="en-US" dirty="0" err="1" smtClean="0">
-                <a:latin typeface="Consolas" panose="020B0609020204030204" pitchFamily="49" charset="0"/>
-                <a:cs typeface="Consolas" panose="020B0609020204030204" pitchFamily="49" charset="0"/>
-              </a:rPr>
-              <a:t>lookupTable</a:t>
-            </a:r>
-            <a:r>
-              <a:rPr lang="en-US" dirty="0" smtClean="0">
-                <a:latin typeface="Consolas" panose="020B0609020204030204" pitchFamily="49" charset="0"/>
-                <a:cs typeface="Consolas" panose="020B0609020204030204" pitchFamily="49" charset="0"/>
-              </a:rPr>
-              <a:t>[N - 2]</a:t>
-            </a:r>
-            <a:r>
-              <a:rPr lang="en-US" dirty="0"/>
-              <a:t/>
-            </a:r>
-            <a:br>
-              <a:rPr lang="en-US" dirty="0"/>
-            </a:br>
+              <a:t>the lookup </a:t>
+            </a:r>
             <a:r>
               <a:rPr lang="en-US" dirty="0" smtClean="0"/>
-              <a:t>    </a:t>
-            </a:r>
-            <a:r>
-              <a:rPr lang="en-US" dirty="0" err="1" smtClean="0"/>
-              <a:t>lookupTable</a:t>
+              <a:t>table…</a:t>
+            </a:r>
+            <a:endParaRPr lang="en-US" dirty="0" smtClean="0"/>
+          </a:p>
+          <a:p>
+            <a:pPr lvl="1"/>
+            <a:r>
+              <a:rPr lang="en-US" b="1" dirty="0" smtClean="0"/>
+              <a:t>Sub-problem never solved yet? </a:t>
+            </a:r>
+            <a:r>
+              <a:rPr lang="en-US" b="1" dirty="0" smtClean="0">
+                <a:sym typeface="Wingdings" panose="05000000000000000000" pitchFamily="2" charset="2"/>
+              </a:rPr>
+              <a:t> </a:t>
             </a:r>
             <a:r>
               <a:rPr lang="en-US" dirty="0" smtClean="0"/>
-              <a:t>[N] = f1 + f2</a:t>
-            </a:r>
-            <a:br>
+              <a:t>Make </a:t>
+            </a:r>
+            <a:r>
               <a:rPr lang="en-US" dirty="0" smtClean="0"/>
-            </a:br>
+              <a:t>the recursive </a:t>
+            </a:r>
             <a:r>
               <a:rPr lang="en-US" dirty="0" smtClean="0"/>
-              <a:t>    return </a:t>
-            </a:r>
-            <a:r>
-              <a:rPr lang="en-US" dirty="0" err="1" smtClean="0"/>
-              <a:t>lookupTable</a:t>
+              <a:t>call</a:t>
+            </a:r>
+            <a:endParaRPr lang="en-US" dirty="0" smtClean="0"/>
+          </a:p>
+          <a:p>
+            <a:pPr lvl="1"/>
+            <a:r>
+              <a:rPr lang="en-US" b="1" dirty="0" smtClean="0"/>
+              <a:t>Sub-problem already solved? </a:t>
+            </a:r>
+            <a:r>
+              <a:rPr lang="en-US" b="1" dirty="0" smtClean="0">
+                <a:sym typeface="Wingdings" panose="05000000000000000000" pitchFamily="2" charset="2"/>
+              </a:rPr>
+              <a:t> </a:t>
             </a:r>
             <a:r>
               <a:rPr lang="en-US" dirty="0" smtClean="0"/>
-              <a:t>[N]</a:t>
-            </a:r>
-            <a:endParaRPr lang="en-US" dirty="0" smtClean="0">
-              <a:latin typeface="Consolas" panose="020B0609020204030204" pitchFamily="49" charset="0"/>
-              <a:cs typeface="Consolas" panose="020B0609020204030204" pitchFamily="49" charset="0"/>
-            </a:endParaRPr>
+              <a:t>Read </a:t>
+            </a:r>
+            <a:r>
+              <a:rPr lang="en-US" dirty="0" smtClean="0"/>
+              <a:t>the result </a:t>
+            </a:r>
+            <a:r>
+              <a:rPr lang="en-US" dirty="0" smtClean="0"/>
+              <a:t>stored in the table</a:t>
+            </a:r>
+            <a:endParaRPr lang="en-US" dirty="0" smtClean="0"/>
+          </a:p>
+          <a:p>
+            <a:r>
+              <a:rPr lang="en-US" dirty="0" smtClean="0"/>
+              <a:t>Add the result of the current </a:t>
+            </a:r>
+            <a:r>
+              <a:rPr lang="en-US" dirty="0" smtClean="0"/>
+              <a:t>recursive call to </a:t>
+            </a:r>
+            <a:r>
+              <a:rPr lang="en-US" dirty="0" smtClean="0"/>
+              <a:t>the lookup </a:t>
+            </a:r>
+            <a:r>
+              <a:rPr lang="en-US" dirty="0" smtClean="0"/>
+              <a:t>table</a:t>
+            </a:r>
+            <a:endParaRPr lang="en-US" dirty="0" smtClean="0"/>
+          </a:p>
+          <a:p>
+            <a:endParaRPr lang="en-US" dirty="0" smtClean="0"/>
           </a:p>
         </p:txBody>
       </p:sp>
     </p:spTree>
     <p:extLst>
       <p:ext uri="{BB962C8B-B14F-4D97-AF65-F5344CB8AC3E}">
-        <p14:creationId xmlns:p14="http://schemas.microsoft.com/office/powerpoint/2010/main" val="894897823"/>
+        <p14:creationId xmlns:p14="http://schemas.microsoft.com/office/powerpoint/2010/main" val="2176481981"/>
       </p:ext>
     </p:extLst>
   </p:cSld>

--- a/Slides/Week 6 - Dynamic Programming, Floyd Warshall.pptx
+++ b/Slides/Week 6 - Dynamic Programming, Floyd Warshall.pptx
@@ -5,7 +5,7 @@
     <p:sldMasterId id="2147483729" r:id="rId1"/>
   </p:sldMasterIdLst>
   <p:notesMasterIdLst>
-    <p:notesMasterId r:id="rId15"/>
+    <p:notesMasterId r:id="rId33"/>
   </p:notesMasterIdLst>
   <p:sldIdLst>
     <p:sldId id="256" r:id="rId2"/>
@@ -21,6 +21,24 @@
     <p:sldId id="274" r:id="rId12"/>
     <p:sldId id="273" r:id="rId13"/>
     <p:sldId id="275" r:id="rId14"/>
+    <p:sldId id="277" r:id="rId15"/>
+    <p:sldId id="278" r:id="rId16"/>
+    <p:sldId id="281" r:id="rId17"/>
+    <p:sldId id="282" r:id="rId18"/>
+    <p:sldId id="283" r:id="rId19"/>
+    <p:sldId id="284" r:id="rId20"/>
+    <p:sldId id="280" r:id="rId21"/>
+    <p:sldId id="285" r:id="rId22"/>
+    <p:sldId id="279" r:id="rId23"/>
+    <p:sldId id="286" r:id="rId24"/>
+    <p:sldId id="287" r:id="rId25"/>
+    <p:sldId id="288" r:id="rId26"/>
+    <p:sldId id="289" r:id="rId27"/>
+    <p:sldId id="292" r:id="rId28"/>
+    <p:sldId id="291" r:id="rId29"/>
+    <p:sldId id="290" r:id="rId30"/>
+    <p:sldId id="294" r:id="rId31"/>
+    <p:sldId id="293" r:id="rId32"/>
   </p:sldIdLst>
   <p:sldSz cx="12192000" cy="6858000"/>
   <p:notesSz cx="6858000" cy="9144000"/>
@@ -127,6 +145,18 @@
 </p:presentation>
 </file>
 
+<file path=ppt/commentAuthors.xml><?xml version="1.0" encoding="utf-8"?>
+<p:cmAuthorLst xmlns:a="http://schemas.openxmlformats.org/drawingml/2006/main" xmlns:r="http://schemas.openxmlformats.org/officeDocument/2006/relationships" xmlns:p="http://schemas.openxmlformats.org/presentationml/2006/main">
+  <p:cmAuthor id="1" name="Giulia Costantini" initials="GC" lastIdx="1" clrIdx="0">
+    <p:extLst>
+      <p:ext uri="{19B8F6BF-5375-455C-9EA6-DF929625EA0E}">
+        <p15:presenceInfo xmlns:p15="http://schemas.microsoft.com/office/powerpoint/2012/main" userId="c0908a6aec1179a5" providerId="Windows Live"/>
+      </p:ext>
+    </p:extLst>
+  </p:cmAuthor>
+</p:cmAuthorLst>
+</file>
+
 <file path=ppt/notesMasters/notesMaster1.xml><?xml version="1.0" encoding="utf-8"?>
 <p:notesMaster xmlns:a="http://schemas.openxmlformats.org/drawingml/2006/main" xmlns:r="http://schemas.openxmlformats.org/officeDocument/2006/relationships" xmlns:p="http://schemas.openxmlformats.org/presentationml/2006/main">
   <p:cSld>
@@ -209,7 +239,7 @@
           <a:p>
             <a:fld id="{F314420D-16BA-4EDC-9A71-800590EAD5A3}" type="datetimeFigureOut">
               <a:rPr lang="en-GB" smtClean="0"/>
-              <a:t>10/12/2015</a:t>
+              <a:t>11/12/2015</a:t>
             </a:fld>
             <a:endParaRPr lang="en-GB"/>
           </a:p>
@@ -636,6 +666,752 @@
     <p:extLst>
       <p:ext uri="{BB962C8B-B14F-4D97-AF65-F5344CB8AC3E}">
         <p14:creationId xmlns:p14="http://schemas.microsoft.com/office/powerpoint/2010/main" val="2412774137"/>
+      </p:ext>
+    </p:extLst>
+  </p:cSld>
+  <p:clrMapOvr>
+    <a:masterClrMapping/>
+  </p:clrMapOvr>
+</p:notes>
+</file>
+
+<file path=ppt/notesSlides/notesSlide3.xml><?xml version="1.0" encoding="utf-8"?>
+<p:notes xmlns:a="http://schemas.openxmlformats.org/drawingml/2006/main" xmlns:r="http://schemas.openxmlformats.org/officeDocument/2006/relationships" xmlns:p="http://schemas.openxmlformats.org/presentationml/2006/main">
+  <p:cSld>
+    <p:spTree>
+      <p:nvGrpSpPr>
+        <p:cNvPr id="1" name=""/>
+        <p:cNvGrpSpPr/>
+        <p:nvPr/>
+      </p:nvGrpSpPr>
+      <p:grpSpPr>
+        <a:xfrm>
+          <a:off x="0" y="0"/>
+          <a:ext cx="0" cy="0"/>
+          <a:chOff x="0" y="0"/>
+          <a:chExt cx="0" cy="0"/>
+        </a:xfrm>
+      </p:grpSpPr>
+      <p:sp>
+        <p:nvSpPr>
+          <p:cNvPr id="2" name="Tijdelijke aanduiding voor dia-afbeelding 1"/>
+          <p:cNvSpPr>
+            <a:spLocks noGrp="1" noRot="1" noChangeAspect="1"/>
+          </p:cNvSpPr>
+          <p:nvPr>
+            <p:ph type="sldImg"/>
+          </p:nvPr>
+        </p:nvSpPr>
+        <p:spPr/>
+      </p:sp>
+      <p:sp>
+        <p:nvSpPr>
+          <p:cNvPr id="3" name="Tijdelijke aanduiding voor notities 2"/>
+          <p:cNvSpPr>
+            <a:spLocks noGrp="1"/>
+          </p:cNvSpPr>
+          <p:nvPr>
+            <p:ph type="body" idx="1"/>
+          </p:nvPr>
+        </p:nvSpPr>
+        <p:spPr/>
+        <p:txBody>
+          <a:bodyPr/>
+          <a:lstStyle/>
+          <a:p>
+            <a:r>
+              <a:rPr lang="en-US" b="1" dirty="0" smtClean="0"/>
+              <a:t>procedure</a:t>
+            </a:r>
+            <a:r>
+              <a:rPr lang="en-US" dirty="0" smtClean="0"/>
+              <a:t> Path(u, v) </a:t>
+            </a:r>
+            <a:r>
+              <a:rPr lang="en-US" b="1" dirty="0" smtClean="0"/>
+              <a:t>if</a:t>
+            </a:r>
+            <a:r>
+              <a:rPr lang="en-US" dirty="0" smtClean="0"/>
+              <a:t> next[u][v] = null </a:t>
+            </a:r>
+            <a:r>
+              <a:rPr lang="en-US" b="1" dirty="0" smtClean="0"/>
+              <a:t>then</a:t>
+            </a:r>
+            <a:r>
+              <a:rPr lang="en-US" dirty="0" smtClean="0"/>
+              <a:t> </a:t>
+            </a:r>
+            <a:r>
+              <a:rPr lang="en-US" b="1" dirty="0" smtClean="0"/>
+              <a:t>return</a:t>
+            </a:r>
+            <a:r>
+              <a:rPr lang="en-US" dirty="0" smtClean="0"/>
+              <a:t> [] path = [u] </a:t>
+            </a:r>
+            <a:r>
+              <a:rPr lang="en-US" b="1" dirty="0" smtClean="0"/>
+              <a:t>while u ≠ v</a:t>
+            </a:r>
+            <a:r>
+              <a:rPr lang="en-US" dirty="0" smtClean="0"/>
+              <a:t> u ← next[u][v] </a:t>
+            </a:r>
+            <a:r>
+              <a:rPr lang="en-US" dirty="0" err="1" smtClean="0"/>
+              <a:t>path.append</a:t>
+            </a:r>
+            <a:r>
+              <a:rPr lang="en-US" dirty="0" smtClean="0"/>
+              <a:t>(u) </a:t>
+            </a:r>
+            <a:r>
+              <a:rPr lang="en-US" b="1" dirty="0" smtClean="0"/>
+              <a:t>return</a:t>
+            </a:r>
+            <a:r>
+              <a:rPr lang="en-US" dirty="0" smtClean="0"/>
+              <a:t> path</a:t>
+            </a:r>
+          </a:p>
+          <a:p>
+            <a:r>
+              <a:rPr lang="nl-NL" dirty="0" smtClean="0"/>
+              <a:t>https://en.wikipedia.org/wiki/Floyd%E2%80%93Warshall_algorithm#Path_reconstruction </a:t>
+            </a:r>
+            <a:endParaRPr lang="nl-NL" dirty="0"/>
+          </a:p>
+        </p:txBody>
+      </p:sp>
+      <p:sp>
+        <p:nvSpPr>
+          <p:cNvPr id="4" name="Tijdelijke aanduiding voor dianummer 3"/>
+          <p:cNvSpPr>
+            <a:spLocks noGrp="1"/>
+          </p:cNvSpPr>
+          <p:nvPr>
+            <p:ph type="sldNum" sz="quarter" idx="10"/>
+          </p:nvPr>
+        </p:nvSpPr>
+        <p:spPr/>
+        <p:txBody>
+          <a:bodyPr/>
+          <a:lstStyle/>
+          <a:p>
+            <a:fld id="{29573B9A-66FB-4A63-BCD5-E140B9429FD2}" type="slidenum">
+              <a:rPr lang="en-GB" smtClean="0"/>
+              <a:t>24</a:t>
+            </a:fld>
+            <a:endParaRPr lang="en-GB"/>
+          </a:p>
+        </p:txBody>
+      </p:sp>
+    </p:spTree>
+    <p:extLst>
+      <p:ext uri="{BB962C8B-B14F-4D97-AF65-F5344CB8AC3E}">
+        <p14:creationId xmlns:p14="http://schemas.microsoft.com/office/powerpoint/2010/main" val="1992112635"/>
+      </p:ext>
+    </p:extLst>
+  </p:cSld>
+  <p:clrMapOvr>
+    <a:masterClrMapping/>
+  </p:clrMapOvr>
+</p:notes>
+</file>
+
+<file path=ppt/notesSlides/notesSlide4.xml><?xml version="1.0" encoding="utf-8"?>
+<p:notes xmlns:a="http://schemas.openxmlformats.org/drawingml/2006/main" xmlns:r="http://schemas.openxmlformats.org/officeDocument/2006/relationships" xmlns:p="http://schemas.openxmlformats.org/presentationml/2006/main">
+  <p:cSld>
+    <p:spTree>
+      <p:nvGrpSpPr>
+        <p:cNvPr id="1" name=""/>
+        <p:cNvGrpSpPr/>
+        <p:nvPr/>
+      </p:nvGrpSpPr>
+      <p:grpSpPr>
+        <a:xfrm>
+          <a:off x="0" y="0"/>
+          <a:ext cx="0" cy="0"/>
+          <a:chOff x="0" y="0"/>
+          <a:chExt cx="0" cy="0"/>
+        </a:xfrm>
+      </p:grpSpPr>
+      <p:sp>
+        <p:nvSpPr>
+          <p:cNvPr id="2" name="Tijdelijke aanduiding voor dia-afbeelding 1"/>
+          <p:cNvSpPr>
+            <a:spLocks noGrp="1" noRot="1" noChangeAspect="1"/>
+          </p:cNvSpPr>
+          <p:nvPr>
+            <p:ph type="sldImg"/>
+          </p:nvPr>
+        </p:nvSpPr>
+        <p:spPr/>
+      </p:sp>
+      <p:sp>
+        <p:nvSpPr>
+          <p:cNvPr id="3" name="Tijdelijke aanduiding voor notities 2"/>
+          <p:cNvSpPr>
+            <a:spLocks noGrp="1"/>
+          </p:cNvSpPr>
+          <p:nvPr>
+            <p:ph type="body" idx="1"/>
+          </p:nvPr>
+        </p:nvSpPr>
+        <p:spPr/>
+        <p:txBody>
+          <a:bodyPr/>
+          <a:lstStyle/>
+          <a:p>
+            <a:r>
+              <a:rPr lang="en-US" sz="1200" b="0" i="0" kern="1200" dirty="0" smtClean="0">
+                <a:solidFill>
+                  <a:schemeClr val="tx1"/>
+                </a:solidFill>
+                <a:effectLst/>
+                <a:latin typeface="+mn-lt"/>
+                <a:ea typeface="+mn-ea"/>
+                <a:cs typeface="+mn-cs"/>
+              </a:rPr>
+              <a:t>Prior to the first iteration of the outer loop, labeled </a:t>
+            </a:r>
+            <a:r>
+              <a:rPr lang="en-US" sz="1200" b="0" i="1" kern="1200" dirty="0" smtClean="0">
+                <a:solidFill>
+                  <a:schemeClr val="tx1"/>
+                </a:solidFill>
+                <a:effectLst/>
+                <a:latin typeface="+mn-lt"/>
+                <a:ea typeface="+mn-ea"/>
+                <a:cs typeface="+mn-cs"/>
+              </a:rPr>
+              <a:t>k</a:t>
+            </a:r>
+            <a:r>
+              <a:rPr lang="en-US" sz="1200" b="0" i="0" kern="1200" dirty="0" smtClean="0">
+                <a:solidFill>
+                  <a:schemeClr val="tx1"/>
+                </a:solidFill>
+                <a:effectLst/>
+                <a:latin typeface="+mn-lt"/>
+                <a:ea typeface="+mn-ea"/>
+                <a:cs typeface="+mn-cs"/>
+              </a:rPr>
+              <a:t>=0 above, the only known paths correspond to the single edges in the graph. At k=1, paths that go through the vertex 1 are found: in particular, the path 2→1→3 is found, replacing the path 2→3 which has fewer edges but is longer. At k=2, paths going through the vertices {1,2} are found. The red and blue boxes show how the path 4→2→1→3 is assembled from the two known paths 4→2 and 2→1→3 encountered in previous iterations, with 2 in the intersection. The path 4→2→3 is not considered, because 2→1→3 is the shortest path encountered so far from 2 to 3. At k=3, paths going through the vertices {1,2,3} are found. Finally, at k=4, all shortest paths are found.</a:t>
+            </a:r>
+            <a:endParaRPr lang="nl-NL" dirty="0"/>
+          </a:p>
+        </p:txBody>
+      </p:sp>
+      <p:sp>
+        <p:nvSpPr>
+          <p:cNvPr id="4" name="Tijdelijke aanduiding voor dianummer 3"/>
+          <p:cNvSpPr>
+            <a:spLocks noGrp="1"/>
+          </p:cNvSpPr>
+          <p:nvPr>
+            <p:ph type="sldNum" sz="quarter" idx="10"/>
+          </p:nvPr>
+        </p:nvSpPr>
+        <p:spPr/>
+        <p:txBody>
+          <a:bodyPr/>
+          <a:lstStyle/>
+          <a:p>
+            <a:fld id="{29573B9A-66FB-4A63-BCD5-E140B9429FD2}" type="slidenum">
+              <a:rPr lang="en-GB" smtClean="0"/>
+              <a:t>26</a:t>
+            </a:fld>
+            <a:endParaRPr lang="en-GB"/>
+          </a:p>
+        </p:txBody>
+      </p:sp>
+    </p:spTree>
+    <p:extLst>
+      <p:ext uri="{BB962C8B-B14F-4D97-AF65-F5344CB8AC3E}">
+        <p14:creationId xmlns:p14="http://schemas.microsoft.com/office/powerpoint/2010/main" val="34234943"/>
+      </p:ext>
+    </p:extLst>
+  </p:cSld>
+  <p:clrMapOvr>
+    <a:masterClrMapping/>
+  </p:clrMapOvr>
+</p:notes>
+</file>
+
+<file path=ppt/notesSlides/notesSlide5.xml><?xml version="1.0" encoding="utf-8"?>
+<p:notes xmlns:a="http://schemas.openxmlformats.org/drawingml/2006/main" xmlns:r="http://schemas.openxmlformats.org/officeDocument/2006/relationships" xmlns:p="http://schemas.openxmlformats.org/presentationml/2006/main">
+  <p:cSld>
+    <p:spTree>
+      <p:nvGrpSpPr>
+        <p:cNvPr id="1" name=""/>
+        <p:cNvGrpSpPr/>
+        <p:nvPr/>
+      </p:nvGrpSpPr>
+      <p:grpSpPr>
+        <a:xfrm>
+          <a:off x="0" y="0"/>
+          <a:ext cx="0" cy="0"/>
+          <a:chOff x="0" y="0"/>
+          <a:chExt cx="0" cy="0"/>
+        </a:xfrm>
+      </p:grpSpPr>
+      <p:sp>
+        <p:nvSpPr>
+          <p:cNvPr id="2" name="Tijdelijke aanduiding voor dia-afbeelding 1"/>
+          <p:cNvSpPr>
+            <a:spLocks noGrp="1" noRot="1" noChangeAspect="1"/>
+          </p:cNvSpPr>
+          <p:nvPr>
+            <p:ph type="sldImg"/>
+          </p:nvPr>
+        </p:nvSpPr>
+        <p:spPr/>
+      </p:sp>
+      <p:sp>
+        <p:nvSpPr>
+          <p:cNvPr id="3" name="Tijdelijke aanduiding voor notities 2"/>
+          <p:cNvSpPr>
+            <a:spLocks noGrp="1"/>
+          </p:cNvSpPr>
+          <p:nvPr>
+            <p:ph type="body" idx="1"/>
+          </p:nvPr>
+        </p:nvSpPr>
+        <p:spPr/>
+        <p:txBody>
+          <a:bodyPr/>
+          <a:lstStyle/>
+          <a:p>
+            <a:r>
+              <a:rPr lang="en-US" sz="1200" b="0" i="0" kern="1200" dirty="0" smtClean="0">
+                <a:solidFill>
+                  <a:schemeClr val="tx1"/>
+                </a:solidFill>
+                <a:effectLst/>
+                <a:latin typeface="+mn-lt"/>
+                <a:ea typeface="+mn-ea"/>
+                <a:cs typeface="+mn-cs"/>
+              </a:rPr>
+              <a:t>Prior to the first iteration of the outer loop, labeled </a:t>
+            </a:r>
+            <a:r>
+              <a:rPr lang="en-US" sz="1200" b="0" i="1" kern="1200" dirty="0" smtClean="0">
+                <a:solidFill>
+                  <a:schemeClr val="tx1"/>
+                </a:solidFill>
+                <a:effectLst/>
+                <a:latin typeface="+mn-lt"/>
+                <a:ea typeface="+mn-ea"/>
+                <a:cs typeface="+mn-cs"/>
+              </a:rPr>
+              <a:t>k</a:t>
+            </a:r>
+            <a:r>
+              <a:rPr lang="en-US" sz="1200" b="0" i="0" kern="1200" dirty="0" smtClean="0">
+                <a:solidFill>
+                  <a:schemeClr val="tx1"/>
+                </a:solidFill>
+                <a:effectLst/>
+                <a:latin typeface="+mn-lt"/>
+                <a:ea typeface="+mn-ea"/>
+                <a:cs typeface="+mn-cs"/>
+              </a:rPr>
+              <a:t>=0 above, the only known paths correspond to the single edges in the graph. At k=1, paths that go through the vertex 1 are found: in particular, the path 2→1→3 is found, replacing the path 2→3 which has fewer edges but is longer. At k=2, paths going through the vertices {1,2} are found. The red and blue boxes show how the path 4→2→1→3 is assembled from the two known paths 4→2 and 2→1→3 encountered in previous iterations, with 2 in the intersection. The path 4→2→3 is not considered, because 2→1→3 is the shortest path encountered so far from 2 to 3. At k=3, paths going through the vertices {1,2,3} are found. Finally, at k=4, all shortest paths are found.</a:t>
+            </a:r>
+            <a:endParaRPr lang="nl-NL" dirty="0"/>
+          </a:p>
+        </p:txBody>
+      </p:sp>
+      <p:sp>
+        <p:nvSpPr>
+          <p:cNvPr id="4" name="Tijdelijke aanduiding voor dianummer 3"/>
+          <p:cNvSpPr>
+            <a:spLocks noGrp="1"/>
+          </p:cNvSpPr>
+          <p:nvPr>
+            <p:ph type="sldNum" sz="quarter" idx="10"/>
+          </p:nvPr>
+        </p:nvSpPr>
+        <p:spPr/>
+        <p:txBody>
+          <a:bodyPr/>
+          <a:lstStyle/>
+          <a:p>
+            <a:fld id="{29573B9A-66FB-4A63-BCD5-E140B9429FD2}" type="slidenum">
+              <a:rPr lang="en-GB" smtClean="0"/>
+              <a:t>27</a:t>
+            </a:fld>
+            <a:endParaRPr lang="en-GB"/>
+          </a:p>
+        </p:txBody>
+      </p:sp>
+    </p:spTree>
+    <p:extLst>
+      <p:ext uri="{BB962C8B-B14F-4D97-AF65-F5344CB8AC3E}">
+        <p14:creationId xmlns:p14="http://schemas.microsoft.com/office/powerpoint/2010/main" val="4159984285"/>
+      </p:ext>
+    </p:extLst>
+  </p:cSld>
+  <p:clrMapOvr>
+    <a:masterClrMapping/>
+  </p:clrMapOvr>
+</p:notes>
+</file>
+
+<file path=ppt/notesSlides/notesSlide6.xml><?xml version="1.0" encoding="utf-8"?>
+<p:notes xmlns:a="http://schemas.openxmlformats.org/drawingml/2006/main" xmlns:r="http://schemas.openxmlformats.org/officeDocument/2006/relationships" xmlns:p="http://schemas.openxmlformats.org/presentationml/2006/main">
+  <p:cSld>
+    <p:spTree>
+      <p:nvGrpSpPr>
+        <p:cNvPr id="1" name=""/>
+        <p:cNvGrpSpPr/>
+        <p:nvPr/>
+      </p:nvGrpSpPr>
+      <p:grpSpPr>
+        <a:xfrm>
+          <a:off x="0" y="0"/>
+          <a:ext cx="0" cy="0"/>
+          <a:chOff x="0" y="0"/>
+          <a:chExt cx="0" cy="0"/>
+        </a:xfrm>
+      </p:grpSpPr>
+      <p:sp>
+        <p:nvSpPr>
+          <p:cNvPr id="2" name="Tijdelijke aanduiding voor dia-afbeelding 1"/>
+          <p:cNvSpPr>
+            <a:spLocks noGrp="1" noRot="1" noChangeAspect="1"/>
+          </p:cNvSpPr>
+          <p:nvPr>
+            <p:ph type="sldImg"/>
+          </p:nvPr>
+        </p:nvSpPr>
+        <p:spPr/>
+      </p:sp>
+      <p:sp>
+        <p:nvSpPr>
+          <p:cNvPr id="3" name="Tijdelijke aanduiding voor notities 2"/>
+          <p:cNvSpPr>
+            <a:spLocks noGrp="1"/>
+          </p:cNvSpPr>
+          <p:nvPr>
+            <p:ph type="body" idx="1"/>
+          </p:nvPr>
+        </p:nvSpPr>
+        <p:spPr/>
+        <p:txBody>
+          <a:bodyPr/>
+          <a:lstStyle/>
+          <a:p>
+            <a:r>
+              <a:rPr lang="en-US" sz="1200" b="0" i="0" kern="1200" dirty="0" smtClean="0">
+                <a:solidFill>
+                  <a:schemeClr val="tx1"/>
+                </a:solidFill>
+                <a:effectLst/>
+                <a:latin typeface="+mn-lt"/>
+                <a:ea typeface="+mn-ea"/>
+                <a:cs typeface="+mn-cs"/>
+              </a:rPr>
+              <a:t>Prior to the first iteration of the outer loop, labeled </a:t>
+            </a:r>
+            <a:r>
+              <a:rPr lang="en-US" sz="1200" b="0" i="1" kern="1200" dirty="0" smtClean="0">
+                <a:solidFill>
+                  <a:schemeClr val="tx1"/>
+                </a:solidFill>
+                <a:effectLst/>
+                <a:latin typeface="+mn-lt"/>
+                <a:ea typeface="+mn-ea"/>
+                <a:cs typeface="+mn-cs"/>
+              </a:rPr>
+              <a:t>k</a:t>
+            </a:r>
+            <a:r>
+              <a:rPr lang="en-US" sz="1200" b="0" i="0" kern="1200" dirty="0" smtClean="0">
+                <a:solidFill>
+                  <a:schemeClr val="tx1"/>
+                </a:solidFill>
+                <a:effectLst/>
+                <a:latin typeface="+mn-lt"/>
+                <a:ea typeface="+mn-ea"/>
+                <a:cs typeface="+mn-cs"/>
+              </a:rPr>
+              <a:t>=0 above, the only known paths correspond to the single edges in the graph. At k=1, paths that go through the vertex 1 are found: in particular, the path 2→1→3 is found, replacing the path 2→3 which has fewer edges but is longer. At k=2, paths going through the vertices {1,2} are found. The red and blue boxes show how the path 4→2→1→3 is assembled from the two known paths 4→2 and 2→1→3 encountered in previous iterations, with 2 in the intersection. The path 4→2→3 is not considered, because 2→1→3 is the shortest path encountered so far from 2 to 3. At k=3, paths going through the vertices {1,2,3} are found. Finally, at k=4, all shortest paths are found.</a:t>
+            </a:r>
+            <a:endParaRPr lang="nl-NL" dirty="0"/>
+          </a:p>
+        </p:txBody>
+      </p:sp>
+      <p:sp>
+        <p:nvSpPr>
+          <p:cNvPr id="4" name="Tijdelijke aanduiding voor dianummer 3"/>
+          <p:cNvSpPr>
+            <a:spLocks noGrp="1"/>
+          </p:cNvSpPr>
+          <p:nvPr>
+            <p:ph type="sldNum" sz="quarter" idx="10"/>
+          </p:nvPr>
+        </p:nvSpPr>
+        <p:spPr/>
+        <p:txBody>
+          <a:bodyPr/>
+          <a:lstStyle/>
+          <a:p>
+            <a:fld id="{29573B9A-66FB-4A63-BCD5-E140B9429FD2}" type="slidenum">
+              <a:rPr lang="en-GB" smtClean="0"/>
+              <a:t>28</a:t>
+            </a:fld>
+            <a:endParaRPr lang="en-GB"/>
+          </a:p>
+        </p:txBody>
+      </p:sp>
+    </p:spTree>
+    <p:extLst>
+      <p:ext uri="{BB962C8B-B14F-4D97-AF65-F5344CB8AC3E}">
+        <p14:creationId xmlns:p14="http://schemas.microsoft.com/office/powerpoint/2010/main" val="4210075444"/>
+      </p:ext>
+    </p:extLst>
+  </p:cSld>
+  <p:clrMapOvr>
+    <a:masterClrMapping/>
+  </p:clrMapOvr>
+</p:notes>
+</file>
+
+<file path=ppt/notesSlides/notesSlide7.xml><?xml version="1.0" encoding="utf-8"?>
+<p:notes xmlns:a="http://schemas.openxmlformats.org/drawingml/2006/main" xmlns:r="http://schemas.openxmlformats.org/officeDocument/2006/relationships" xmlns:p="http://schemas.openxmlformats.org/presentationml/2006/main">
+  <p:cSld>
+    <p:spTree>
+      <p:nvGrpSpPr>
+        <p:cNvPr id="1" name=""/>
+        <p:cNvGrpSpPr/>
+        <p:nvPr/>
+      </p:nvGrpSpPr>
+      <p:grpSpPr>
+        <a:xfrm>
+          <a:off x="0" y="0"/>
+          <a:ext cx="0" cy="0"/>
+          <a:chOff x="0" y="0"/>
+          <a:chExt cx="0" cy="0"/>
+        </a:xfrm>
+      </p:grpSpPr>
+      <p:sp>
+        <p:nvSpPr>
+          <p:cNvPr id="2" name="Tijdelijke aanduiding voor dia-afbeelding 1"/>
+          <p:cNvSpPr>
+            <a:spLocks noGrp="1" noRot="1" noChangeAspect="1"/>
+          </p:cNvSpPr>
+          <p:nvPr>
+            <p:ph type="sldImg"/>
+          </p:nvPr>
+        </p:nvSpPr>
+        <p:spPr/>
+      </p:sp>
+      <p:sp>
+        <p:nvSpPr>
+          <p:cNvPr id="3" name="Tijdelijke aanduiding voor notities 2"/>
+          <p:cNvSpPr>
+            <a:spLocks noGrp="1"/>
+          </p:cNvSpPr>
+          <p:nvPr>
+            <p:ph type="body" idx="1"/>
+          </p:nvPr>
+        </p:nvSpPr>
+        <p:spPr/>
+        <p:txBody>
+          <a:bodyPr/>
+          <a:lstStyle/>
+          <a:p>
+            <a:r>
+              <a:rPr lang="en-US" sz="1200" b="0" i="0" kern="1200" dirty="0" smtClean="0">
+                <a:solidFill>
+                  <a:schemeClr val="tx1"/>
+                </a:solidFill>
+                <a:effectLst/>
+                <a:latin typeface="+mn-lt"/>
+                <a:ea typeface="+mn-ea"/>
+                <a:cs typeface="+mn-cs"/>
+              </a:rPr>
+              <a:t>Prior to the first iteration of the outer loop, labeled </a:t>
+            </a:r>
+            <a:r>
+              <a:rPr lang="en-US" sz="1200" b="0" i="1" kern="1200" dirty="0" smtClean="0">
+                <a:solidFill>
+                  <a:schemeClr val="tx1"/>
+                </a:solidFill>
+                <a:effectLst/>
+                <a:latin typeface="+mn-lt"/>
+                <a:ea typeface="+mn-ea"/>
+                <a:cs typeface="+mn-cs"/>
+              </a:rPr>
+              <a:t>k</a:t>
+            </a:r>
+            <a:r>
+              <a:rPr lang="en-US" sz="1200" b="0" i="0" kern="1200" dirty="0" smtClean="0">
+                <a:solidFill>
+                  <a:schemeClr val="tx1"/>
+                </a:solidFill>
+                <a:effectLst/>
+                <a:latin typeface="+mn-lt"/>
+                <a:ea typeface="+mn-ea"/>
+                <a:cs typeface="+mn-cs"/>
+              </a:rPr>
+              <a:t>=0 above, the only known paths correspond to the single edges in the graph. At k=1, paths that go through the vertex 1 are found: in particular, the path 2→1→3 is found, replacing the path 2→3 which has fewer edges but is longer. At k=2, paths going through the vertices {1,2} are found. The red and blue boxes show how the path 4→2→1→3 is assembled from the two known paths 4→2 and 2→1→3 encountered in previous iterations, with 2 in the intersection. The path 4→2→3 is not considered, because 2→1→3 is the shortest path encountered so far from 2 to 3. At k=3, paths going through the vertices {1,2,3} are found. Finally, at k=4, all shortest paths are found.</a:t>
+            </a:r>
+            <a:endParaRPr lang="nl-NL" dirty="0"/>
+          </a:p>
+        </p:txBody>
+      </p:sp>
+      <p:sp>
+        <p:nvSpPr>
+          <p:cNvPr id="4" name="Tijdelijke aanduiding voor dianummer 3"/>
+          <p:cNvSpPr>
+            <a:spLocks noGrp="1"/>
+          </p:cNvSpPr>
+          <p:nvPr>
+            <p:ph type="sldNum" sz="quarter" idx="10"/>
+          </p:nvPr>
+        </p:nvSpPr>
+        <p:spPr/>
+        <p:txBody>
+          <a:bodyPr/>
+          <a:lstStyle/>
+          <a:p>
+            <a:fld id="{29573B9A-66FB-4A63-BCD5-E140B9429FD2}" type="slidenum">
+              <a:rPr lang="en-GB" smtClean="0"/>
+              <a:t>29</a:t>
+            </a:fld>
+            <a:endParaRPr lang="en-GB"/>
+          </a:p>
+        </p:txBody>
+      </p:sp>
+    </p:spTree>
+    <p:extLst>
+      <p:ext uri="{BB962C8B-B14F-4D97-AF65-F5344CB8AC3E}">
+        <p14:creationId xmlns:p14="http://schemas.microsoft.com/office/powerpoint/2010/main" val="360051959"/>
+      </p:ext>
+    </p:extLst>
+  </p:cSld>
+  <p:clrMapOvr>
+    <a:masterClrMapping/>
+  </p:clrMapOvr>
+</p:notes>
+</file>
+
+<file path=ppt/notesSlides/notesSlide8.xml><?xml version="1.0" encoding="utf-8"?>
+<p:notes xmlns:a="http://schemas.openxmlformats.org/drawingml/2006/main" xmlns:r="http://schemas.openxmlformats.org/officeDocument/2006/relationships" xmlns:p="http://schemas.openxmlformats.org/presentationml/2006/main">
+  <p:cSld>
+    <p:spTree>
+      <p:nvGrpSpPr>
+        <p:cNvPr id="1" name=""/>
+        <p:cNvGrpSpPr/>
+        <p:nvPr/>
+      </p:nvGrpSpPr>
+      <p:grpSpPr>
+        <a:xfrm>
+          <a:off x="0" y="0"/>
+          <a:ext cx="0" cy="0"/>
+          <a:chOff x="0" y="0"/>
+          <a:chExt cx="0" cy="0"/>
+        </a:xfrm>
+      </p:grpSpPr>
+      <p:sp>
+        <p:nvSpPr>
+          <p:cNvPr id="2" name="Tijdelijke aanduiding voor dia-afbeelding 1"/>
+          <p:cNvSpPr>
+            <a:spLocks noGrp="1" noRot="1" noChangeAspect="1"/>
+          </p:cNvSpPr>
+          <p:nvPr>
+            <p:ph type="sldImg"/>
+          </p:nvPr>
+        </p:nvSpPr>
+        <p:spPr/>
+      </p:sp>
+      <p:sp>
+        <p:nvSpPr>
+          <p:cNvPr id="3" name="Tijdelijke aanduiding voor notities 2"/>
+          <p:cNvSpPr>
+            <a:spLocks noGrp="1"/>
+          </p:cNvSpPr>
+          <p:nvPr>
+            <p:ph type="body" idx="1"/>
+          </p:nvPr>
+        </p:nvSpPr>
+        <p:spPr/>
+        <p:txBody>
+          <a:bodyPr/>
+          <a:lstStyle/>
+          <a:p>
+            <a:r>
+              <a:rPr lang="en-US" sz="1200" b="0" i="0" kern="1200" dirty="0" smtClean="0">
+                <a:solidFill>
+                  <a:schemeClr val="tx1"/>
+                </a:solidFill>
+                <a:effectLst/>
+                <a:latin typeface="+mn-lt"/>
+                <a:ea typeface="+mn-ea"/>
+                <a:cs typeface="+mn-cs"/>
+              </a:rPr>
+              <a:t>Prior to the first iteration of the outer loop, labeled </a:t>
+            </a:r>
+            <a:r>
+              <a:rPr lang="en-US" sz="1200" b="0" i="1" kern="1200" dirty="0" smtClean="0">
+                <a:solidFill>
+                  <a:schemeClr val="tx1"/>
+                </a:solidFill>
+                <a:effectLst/>
+                <a:latin typeface="+mn-lt"/>
+                <a:ea typeface="+mn-ea"/>
+                <a:cs typeface="+mn-cs"/>
+              </a:rPr>
+              <a:t>k</a:t>
+            </a:r>
+            <a:r>
+              <a:rPr lang="en-US" sz="1200" b="0" i="0" kern="1200" dirty="0" smtClean="0">
+                <a:solidFill>
+                  <a:schemeClr val="tx1"/>
+                </a:solidFill>
+                <a:effectLst/>
+                <a:latin typeface="+mn-lt"/>
+                <a:ea typeface="+mn-ea"/>
+                <a:cs typeface="+mn-cs"/>
+              </a:rPr>
+              <a:t>=0 above, the only known paths correspond to the single edges in the graph. At k=1, paths that go through the vertex 1 are found: in particular, the path 2→1→3 is found, replacing the path 2→3 which has fewer edges but is longer. At k=2, paths going through the vertices {1,2} are found. The red and blue boxes show how the path 4→2→1→3 is assembled from the two known paths 4→2 and 2→1→3 encountered in previous iterations, with 2 in the intersection. The path 4→2→3 is not considered, because 2→1→3 is the shortest path encountered so far from 2 to 3. At k=3, paths going through the vertices {1,2,3} are found. Finally, at k=4, all shortest paths are found.</a:t>
+            </a:r>
+            <a:endParaRPr lang="nl-NL" dirty="0"/>
+          </a:p>
+        </p:txBody>
+      </p:sp>
+      <p:sp>
+        <p:nvSpPr>
+          <p:cNvPr id="4" name="Tijdelijke aanduiding voor dianummer 3"/>
+          <p:cNvSpPr>
+            <a:spLocks noGrp="1"/>
+          </p:cNvSpPr>
+          <p:nvPr>
+            <p:ph type="sldNum" sz="quarter" idx="10"/>
+          </p:nvPr>
+        </p:nvSpPr>
+        <p:spPr/>
+        <p:txBody>
+          <a:bodyPr/>
+          <a:lstStyle/>
+          <a:p>
+            <a:fld id="{29573B9A-66FB-4A63-BCD5-E140B9429FD2}" type="slidenum">
+              <a:rPr lang="en-GB" smtClean="0"/>
+              <a:t>30</a:t>
+            </a:fld>
+            <a:endParaRPr lang="en-GB"/>
+          </a:p>
+        </p:txBody>
+      </p:sp>
+    </p:spTree>
+    <p:extLst>
+      <p:ext uri="{BB962C8B-B14F-4D97-AF65-F5344CB8AC3E}">
+        <p14:creationId xmlns:p14="http://schemas.microsoft.com/office/powerpoint/2010/main" val="1985427450"/>
       </p:ext>
     </p:extLst>
   </p:cSld>
@@ -1371,7 +2147,7 @@
           <a:p>
             <a:fld id="{EBA5BF6C-AF16-4C58-8955-5157BF3CF460}" type="datetime1">
               <a:rPr lang="en-GB" smtClean="0"/>
-              <a:t>10/12/2015</a:t>
+              <a:t>11/12/2015</a:t>
             </a:fld>
             <a:endParaRPr lang="en-GB"/>
           </a:p>
@@ -1626,7 +2402,7 @@
           <a:p>
             <a:fld id="{28754959-7583-41D4-A531-84ECF582A02F}" type="datetime1">
               <a:rPr lang="en-GB" smtClean="0"/>
-              <a:t>10/12/2015</a:t>
+              <a:t>11/12/2015</a:t>
             </a:fld>
             <a:endParaRPr lang="en-GB"/>
           </a:p>
@@ -1944,7 +2720,7 @@
           <a:p>
             <a:fld id="{2579CF84-8647-4BB0-98CB-E39DBFD9DC8C}" type="datetime1">
               <a:rPr lang="en-GB" smtClean="0"/>
-              <a:t>10/12/2015</a:t>
+              <a:t>11/12/2015</a:t>
             </a:fld>
             <a:endParaRPr lang="en-GB"/>
           </a:p>
@@ -2275,7 +3051,7 @@
           <a:p>
             <a:fld id="{6A61B992-C398-42F8-8105-DFF46194B470}" type="datetime1">
               <a:rPr lang="en-GB" smtClean="0"/>
-              <a:t>10/12/2015</a:t>
+              <a:t>11/12/2015</a:t>
             </a:fld>
             <a:endParaRPr lang="en-GB"/>
           </a:p>
@@ -2593,7 +3369,7 @@
           <a:p>
             <a:fld id="{735F25EF-2C32-49FF-A05C-AACCD6DB6B6B}" type="datetime1">
               <a:rPr lang="en-GB" smtClean="0"/>
-              <a:t>10/12/2015</a:t>
+              <a:t>11/12/2015</a:t>
             </a:fld>
             <a:endParaRPr lang="en-GB"/>
           </a:p>
@@ -2984,7 +3760,7 @@
           <a:p>
             <a:fld id="{29E0FEDD-8B46-4AB8-8509-00A28AB84484}" type="datetime1">
               <a:rPr lang="en-GB" smtClean="0"/>
-              <a:t>10/12/2015</a:t>
+              <a:t>11/12/2015</a:t>
             </a:fld>
             <a:endParaRPr lang="en-GB"/>
           </a:p>
@@ -3158,7 +3934,7 @@
           <a:p>
             <a:fld id="{DBEF859E-FC17-4049-B5D8-0DB1DB648A1C}" type="datetime1">
               <a:rPr lang="en-GB" smtClean="0"/>
-              <a:t>10/12/2015</a:t>
+              <a:t>11/12/2015</a:t>
             </a:fld>
             <a:endParaRPr lang="en-GB"/>
           </a:p>
@@ -3342,7 +4118,7 @@
           <a:p>
             <a:fld id="{31601F83-63BF-475D-9B29-D444390134B0}" type="datetime1">
               <a:rPr lang="en-GB" smtClean="0"/>
-              <a:t>10/12/2015</a:t>
+              <a:t>11/12/2015</a:t>
             </a:fld>
             <a:endParaRPr lang="en-GB"/>
           </a:p>
@@ -3516,7 +4292,7 @@
           <a:p>
             <a:fld id="{0C3CD51F-4875-411B-AE14-AC6BE17149BE}" type="datetime1">
               <a:rPr lang="en-GB" smtClean="0"/>
-              <a:t>10/12/2015</a:t>
+              <a:t>11/12/2015</a:t>
             </a:fld>
             <a:endParaRPr lang="en-GB"/>
           </a:p>
@@ -3767,7 +4543,7 @@
           <a:p>
             <a:fld id="{D7A13E29-F9DA-4235-B179-6801D5C335E0}" type="datetime1">
               <a:rPr lang="en-GB" smtClean="0"/>
-              <a:t>10/12/2015</a:t>
+              <a:t>11/12/2015</a:t>
             </a:fld>
             <a:endParaRPr lang="en-GB"/>
           </a:p>
@@ -4003,7 +4779,7 @@
           <a:p>
             <a:fld id="{17E7B115-DA76-4A15-B0DB-1E0942A758E6}" type="datetime1">
               <a:rPr lang="en-GB" smtClean="0"/>
-              <a:t>10/12/2015</a:t>
+              <a:t>11/12/2015</a:t>
             </a:fld>
             <a:endParaRPr lang="en-GB"/>
           </a:p>
@@ -4381,7 +5157,7 @@
           <a:p>
             <a:fld id="{E9C155A6-10E7-4AE0-A978-61287BEECA4C}" type="datetime1">
               <a:rPr lang="en-GB" smtClean="0"/>
-              <a:t>10/12/2015</a:t>
+              <a:t>11/12/2015</a:t>
             </a:fld>
             <a:endParaRPr lang="en-GB"/>
           </a:p>
@@ -4508,7 +5284,7 @@
           <a:p>
             <a:fld id="{73961DA1-B789-43DA-B41F-367E45E14A87}" type="datetime1">
               <a:rPr lang="en-GB" smtClean="0"/>
-              <a:t>10/12/2015</a:t>
+              <a:t>11/12/2015</a:t>
             </a:fld>
             <a:endParaRPr lang="en-GB"/>
           </a:p>
@@ -4607,7 +5383,7 @@
           <a:p>
             <a:fld id="{DA1BD0E5-CF08-4746-888E-2D733D556074}" type="datetime1">
               <a:rPr lang="en-GB" smtClean="0"/>
-              <a:t>10/12/2015</a:t>
+              <a:t>11/12/2015</a:t>
             </a:fld>
             <a:endParaRPr lang="en-GB"/>
           </a:p>
@@ -4866,7 +5642,7 @@
           <a:p>
             <a:fld id="{91A550A3-096A-496C-87AD-3A39D20C628E}" type="datetime1">
               <a:rPr lang="en-GB" smtClean="0"/>
-              <a:t>10/12/2015</a:t>
+              <a:t>11/12/2015</a:t>
             </a:fld>
             <a:endParaRPr lang="en-GB"/>
           </a:p>
@@ -5133,7 +5909,7 @@
           <a:p>
             <a:fld id="{9A7CFD0D-77B1-493B-A7CA-4E8359C26366}" type="datetime1">
               <a:rPr lang="en-GB" smtClean="0"/>
-              <a:t>10/12/2015</a:t>
+              <a:t>11/12/2015</a:t>
             </a:fld>
             <a:endParaRPr lang="en-GB"/>
           </a:p>
@@ -5882,7 +6658,7 @@
           <a:p>
             <a:fld id="{EF7A9A45-2E76-4088-871F-04CACEBEB6E2}" type="datetime1">
               <a:rPr lang="en-GB" smtClean="0"/>
-              <a:t>10/12/2015</a:t>
+              <a:t>11/12/2015</a:t>
             </a:fld>
             <a:endParaRPr lang="en-GB"/>
           </a:p>
@@ -6533,7 +7309,6 @@
               <a:rPr lang="en-GB" sz="2000" dirty="0"/>
               <a:t> – Office H4.204</a:t>
             </a:r>
-            <a:endParaRPr lang="en-GB" sz="2000" dirty="0"/>
           </a:p>
         </p:txBody>
       </p:sp>
@@ -6913,8 +7688,8 @@
           </a:p>
         </p:txBody>
       </p:sp>
-      <mc:AlternateContent xmlns:mc="http://schemas.openxmlformats.org/markup-compatibility/2006">
-        <mc:Choice xmlns:a14="http://schemas.microsoft.com/office/drawing/2010/main" Requires="a14">
+      <mc:AlternateContent xmlns:mc="http://schemas.openxmlformats.org/markup-compatibility/2006" xmlns:a14="http://schemas.microsoft.com/office/drawing/2010/main">
+        <mc:Choice Requires="a14">
           <p:sp>
             <p:nvSpPr>
               <p:cNvPr id="5" name="Content Placeholder 4"/>
@@ -6986,15 +7761,7 @@
                 <a:pPr lvl="1"/>
                 <a:r>
                   <a:rPr lang="en-US" dirty="0" smtClean="0"/>
-                  <a:t>Time </a:t>
-                </a:r>
-                <a:r>
-                  <a:rPr lang="en-US" dirty="0" smtClean="0"/>
-                  <a:t>complexity </a:t>
-                </a:r>
-                <a:r>
-                  <a:rPr lang="en-US" dirty="0" smtClean="0"/>
-                  <a:t>then is </a:t>
+                  <a:t>Time complexity then is </a:t>
                 </a:r>
                 <a14:m>
                   <m:oMath xmlns:m="http://schemas.openxmlformats.org/officeDocument/2006/math">
@@ -7060,13 +7827,8 @@
                 </a14:m>
                 <a:r>
                   <a:rPr lang="en-US" dirty="0" smtClean="0"/>
-                  <a:t> </a:t>
-                </a:r>
-                <a:r>
-                  <a:rPr lang="en-US" dirty="0" smtClean="0"/>
-                  <a:t>time </a:t>
-                </a:r>
-                <a:endParaRPr lang="en-US" dirty="0" smtClean="0"/>
+                  <a:t> time </a:t>
+                </a:r>
               </a:p>
               <a:p>
                 <a:r>
@@ -7106,18 +7868,13 @@
                 </a14:m>
                 <a:r>
                   <a:rPr lang="en-US" dirty="0" smtClean="0"/>
-                  <a:t> memory space to save the sub-problems </a:t>
-                </a:r>
-                <a:r>
-                  <a:rPr lang="en-US" dirty="0" smtClean="0"/>
-                  <a:t>results</a:t>
-                </a:r>
-                <a:endParaRPr lang="en-US" dirty="0" smtClean="0"/>
+                  <a:t> memory space to save the sub-problems results</a:t>
+                </a:r>
               </a:p>
             </p:txBody>
           </p:sp>
         </mc:Choice>
-        <mc:Fallback>
+        <mc:Fallback xmlns="">
           <p:sp>
             <p:nvSpPr>
               <p:cNvPr id="5" name="Content Placeholder 4"/>
@@ -7319,8 +8076,8 @@
           </a:p>
         </p:txBody>
       </p:sp>
-      <mc:AlternateContent xmlns:mc="http://schemas.openxmlformats.org/markup-compatibility/2006">
-        <mc:Choice xmlns:a14="http://schemas.microsoft.com/office/drawing/2010/main" Requires="a14">
+      <mc:AlternateContent xmlns:mc="http://schemas.openxmlformats.org/markup-compatibility/2006" xmlns:a14="http://schemas.microsoft.com/office/drawing/2010/main">
+        <mc:Choice Requires="a14">
           <p:sp>
             <p:nvSpPr>
               <p:cNvPr id="5" name="Content Placeholder 4"/>
@@ -7352,34 +8109,20 @@
                 <a:pPr lvl="1"/>
                 <a:r>
                   <a:rPr lang="en-US" dirty="0" smtClean="0"/>
-                  <a:t>Build the result of the computation starting from the base case of the </a:t>
-                </a:r>
-                <a:r>
-                  <a:rPr lang="en-US" dirty="0" smtClean="0"/>
-                  <a:t>recursion</a:t>
-                </a:r>
-                <a:endParaRPr lang="en-US" dirty="0" smtClean="0"/>
+                  <a:t>Build the result of the computation starting from the base case of the recursion</a:t>
+                </a:r>
               </a:p>
               <a:p>
                 <a:pPr lvl="1"/>
                 <a:r>
                   <a:rPr lang="en-US" dirty="0" smtClean="0"/>
-                  <a:t>At each iteration save the intermediate results to use at the next </a:t>
-                </a:r>
-                <a:r>
-                  <a:rPr lang="en-US" dirty="0" smtClean="0"/>
-                  <a:t>step</a:t>
-                </a:r>
-                <a:endParaRPr lang="en-US" dirty="0" smtClean="0"/>
+                  <a:t>At each iteration save the intermediate results to use at the next step</a:t>
+                </a:r>
               </a:p>
               <a:p>
                 <a:r>
                   <a:rPr lang="en-US" dirty="0" smtClean="0"/>
-                  <a:t>Same </a:t>
-                </a:r>
-                <a:r>
-                  <a:rPr lang="en-US" dirty="0" smtClean="0"/>
-                  <a:t>time complexity </a:t>
+                  <a:t>Same time complexity </a:t>
                 </a:r>
                 <a14:m>
                   <m:oMath xmlns:m="http://schemas.openxmlformats.org/officeDocument/2006/math">
@@ -7411,15 +8154,7 @@
                 </a14:m>
                 <a:r>
                   <a:rPr lang="en-US" dirty="0" smtClean="0"/>
-                  <a:t> as </a:t>
-                </a:r>
-                <a:r>
-                  <a:rPr lang="en-US" dirty="0" smtClean="0"/>
-                  <a:t>the recursive </a:t>
-                </a:r>
-                <a:r>
-                  <a:rPr lang="en-US" dirty="0" smtClean="0"/>
-                  <a:t>version, but only </a:t>
+                  <a:t> as the recursive version, but only </a:t>
                 </a:r>
                 <a14:m>
                   <m:oMath xmlns:m="http://schemas.openxmlformats.org/officeDocument/2006/math">
@@ -7441,7 +8176,6 @@
                   <a:rPr lang="en-US" dirty="0" smtClean="0"/>
                   <a:t> of space complexity</a:t>
                 </a:r>
-                <a:endParaRPr lang="en-US" dirty="0" smtClean="0"/>
               </a:p>
               <a:p>
                 <a:endParaRPr lang="en-US" dirty="0"/>
@@ -7449,7 +8183,7 @@
             </p:txBody>
           </p:sp>
         </mc:Choice>
-        <mc:Fallback>
+        <mc:Fallback xmlns="">
           <p:sp>
             <p:nvSpPr>
               <p:cNvPr id="5" name="Content Placeholder 4"/>
@@ -7880,7 +8614,14 @@
                 <a:latin typeface="Consolas" panose="020B0609020204030204" pitchFamily="49" charset="0"/>
                 <a:cs typeface="Consolas" panose="020B0609020204030204" pitchFamily="49" charset="0"/>
               </a:rPr>
-              <a:t> return </a:t>
+              <a:t> </a:t>
+            </a:r>
+            <a:r>
+              <a:rPr lang="nl-NL" sz="1600" dirty="0" smtClean="0">
+                <a:latin typeface="Consolas" panose="020B0609020204030204" pitchFamily="49" charset="0"/>
+                <a:cs typeface="Consolas" panose="020B0609020204030204" pitchFamily="49" charset="0"/>
+              </a:rPr>
+              <a:t>  return </a:t>
             </a:r>
             <a:r>
               <a:rPr lang="nl-NL" sz="1600" dirty="0" err="1">
@@ -7988,7 +8729,35 @@
           <a:bodyPr/>
           <a:lstStyle/>
           <a:p>
-            <a:endParaRPr lang="nl-NL"/>
+            <a:r>
+              <a:rPr lang="nl-NL" dirty="0" err="1" smtClean="0"/>
+              <a:t>All</a:t>
+            </a:r>
+            <a:r>
+              <a:rPr lang="nl-NL" dirty="0" smtClean="0"/>
+              <a:t> pairs </a:t>
+            </a:r>
+            <a:r>
+              <a:rPr lang="nl-NL" dirty="0" err="1" smtClean="0"/>
+              <a:t>shortest</a:t>
+            </a:r>
+            <a:r>
+              <a:rPr lang="nl-NL" dirty="0" smtClean="0"/>
+              <a:t> </a:t>
+            </a:r>
+            <a:r>
+              <a:rPr lang="nl-NL" dirty="0" err="1" smtClean="0"/>
+              <a:t>paths</a:t>
+            </a:r>
+            <a:r>
+              <a:rPr lang="nl-NL" dirty="0" smtClean="0"/>
+              <a:t> </a:t>
+            </a:r>
+            <a:r>
+              <a:rPr lang="nl-NL" dirty="0" err="1" smtClean="0"/>
+              <a:t>problem</a:t>
+            </a:r>
+            <a:endParaRPr lang="nl-NL" dirty="0"/>
           </a:p>
         </p:txBody>
       </p:sp>
@@ -7996,6 +8765,2444 @@
     <p:extLst>
       <p:ext uri="{BB962C8B-B14F-4D97-AF65-F5344CB8AC3E}">
         <p14:creationId xmlns:p14="http://schemas.microsoft.com/office/powerpoint/2010/main" val="1385128144"/>
+      </p:ext>
+    </p:extLst>
+  </p:cSld>
+  <p:clrMapOvr>
+    <a:masterClrMapping/>
+  </p:clrMapOvr>
+  <p:timing>
+    <p:tnLst>
+      <p:par>
+        <p:cTn id="1" dur="indefinite" restart="never" nodeType="tmRoot"/>
+      </p:par>
+    </p:tnLst>
+  </p:timing>
+</p:sld>
+</file>
+
+<file path=ppt/slides/slide14.xml><?xml version="1.0" encoding="utf-8"?>
+<p:sld xmlns:a="http://schemas.openxmlformats.org/drawingml/2006/main" xmlns:r="http://schemas.openxmlformats.org/officeDocument/2006/relationships" xmlns:p="http://schemas.openxmlformats.org/presentationml/2006/main">
+  <p:cSld>
+    <p:spTree>
+      <p:nvGrpSpPr>
+        <p:cNvPr id="1" name=""/>
+        <p:cNvGrpSpPr/>
+        <p:nvPr/>
+      </p:nvGrpSpPr>
+      <p:grpSpPr>
+        <a:xfrm>
+          <a:off x="0" y="0"/>
+          <a:ext cx="0" cy="0"/>
+          <a:chOff x="0" y="0"/>
+          <a:chExt cx="0" cy="0"/>
+        </a:xfrm>
+      </p:grpSpPr>
+      <p:sp>
+        <p:nvSpPr>
+          <p:cNvPr id="2" name="Titel 1"/>
+          <p:cNvSpPr>
+            <a:spLocks noGrp="1"/>
+          </p:cNvSpPr>
+          <p:nvPr>
+            <p:ph type="title"/>
+          </p:nvPr>
+        </p:nvSpPr>
+        <p:spPr/>
+        <p:txBody>
+          <a:bodyPr/>
+          <a:lstStyle/>
+          <a:p>
+            <a:r>
+              <a:rPr lang="nl-NL" dirty="0" err="1" smtClean="0"/>
+              <a:t>Shortest</a:t>
+            </a:r>
+            <a:r>
+              <a:rPr lang="nl-NL" dirty="0" smtClean="0"/>
+              <a:t> </a:t>
+            </a:r>
+            <a:r>
+              <a:rPr lang="nl-NL" dirty="0" err="1" smtClean="0"/>
+              <a:t>path</a:t>
+            </a:r>
+            <a:r>
+              <a:rPr lang="nl-NL" dirty="0" smtClean="0"/>
+              <a:t> </a:t>
+            </a:r>
+            <a:r>
+              <a:rPr lang="nl-NL" dirty="0" err="1" smtClean="0"/>
+              <a:t>problem</a:t>
+            </a:r>
+            <a:endParaRPr lang="nl-NL" dirty="0"/>
+          </a:p>
+        </p:txBody>
+      </p:sp>
+      <p:sp>
+        <p:nvSpPr>
+          <p:cNvPr id="3" name="Tijdelijke aanduiding voor inhoud 2"/>
+          <p:cNvSpPr>
+            <a:spLocks noGrp="1"/>
+          </p:cNvSpPr>
+          <p:nvPr>
+            <p:ph idx="1"/>
+          </p:nvPr>
+        </p:nvSpPr>
+        <p:spPr/>
+        <p:txBody>
+          <a:bodyPr/>
+          <a:lstStyle/>
+          <a:p>
+            <a:r>
+              <a:rPr lang="nl-NL" dirty="0" err="1" smtClean="0"/>
+              <a:t>Remember</a:t>
+            </a:r>
+            <a:r>
+              <a:rPr lang="nl-NL" dirty="0" smtClean="0"/>
+              <a:t> Dijkstra?</a:t>
+            </a:r>
+          </a:p>
+          <a:p>
+            <a:pPr lvl="1"/>
+            <a:r>
+              <a:rPr lang="nl-NL" dirty="0" err="1" smtClean="0"/>
+              <a:t>Shortest</a:t>
+            </a:r>
+            <a:r>
+              <a:rPr lang="nl-NL" dirty="0" smtClean="0"/>
+              <a:t> </a:t>
+            </a:r>
+            <a:r>
+              <a:rPr lang="nl-NL" dirty="0" err="1" smtClean="0"/>
+              <a:t>paths</a:t>
+            </a:r>
+            <a:r>
+              <a:rPr lang="nl-NL" dirty="0" smtClean="0"/>
+              <a:t> </a:t>
+            </a:r>
+            <a:r>
+              <a:rPr lang="nl-NL" dirty="0" err="1" smtClean="0"/>
+              <a:t>starting</a:t>
+            </a:r>
+            <a:r>
+              <a:rPr lang="nl-NL" dirty="0" smtClean="0"/>
+              <a:t> </a:t>
+            </a:r>
+            <a:r>
+              <a:rPr lang="nl-NL" dirty="0" err="1" smtClean="0"/>
+              <a:t>from</a:t>
+            </a:r>
+            <a:r>
+              <a:rPr lang="nl-NL" dirty="0" smtClean="0"/>
+              <a:t> ONE node </a:t>
+            </a:r>
+            <a:r>
+              <a:rPr lang="nl-NL" dirty="0" err="1" smtClean="0"/>
+              <a:t>to</a:t>
+            </a:r>
+            <a:r>
+              <a:rPr lang="nl-NL" dirty="0" smtClean="0"/>
+              <a:t> ALL </a:t>
+            </a:r>
+            <a:r>
+              <a:rPr lang="nl-NL" dirty="0" err="1" smtClean="0"/>
+              <a:t>other</a:t>
+            </a:r>
+            <a:r>
+              <a:rPr lang="nl-NL" dirty="0" smtClean="0"/>
+              <a:t> </a:t>
+            </a:r>
+            <a:r>
+              <a:rPr lang="nl-NL" dirty="0" err="1" smtClean="0"/>
+              <a:t>nodes</a:t>
+            </a:r>
+            <a:endParaRPr lang="nl-NL" dirty="0" smtClean="0"/>
+          </a:p>
+          <a:p>
+            <a:pPr lvl="1"/>
+            <a:endParaRPr lang="nl-NL" dirty="0"/>
+          </a:p>
+          <a:p>
+            <a:r>
+              <a:rPr lang="nl-NL" dirty="0" err="1" smtClean="0"/>
+              <a:t>What</a:t>
+            </a:r>
+            <a:r>
+              <a:rPr lang="nl-NL" dirty="0" smtClean="0"/>
+              <a:t> </a:t>
+            </a:r>
+            <a:r>
+              <a:rPr lang="nl-NL" dirty="0" err="1" smtClean="0"/>
+              <a:t>if</a:t>
+            </a:r>
+            <a:r>
+              <a:rPr lang="nl-NL" dirty="0" smtClean="0"/>
+              <a:t> we </a:t>
+            </a:r>
+            <a:r>
+              <a:rPr lang="nl-NL" dirty="0" err="1" smtClean="0"/>
+              <a:t>need</a:t>
+            </a:r>
+            <a:r>
+              <a:rPr lang="nl-NL" dirty="0" smtClean="0"/>
+              <a:t> </a:t>
+            </a:r>
+            <a:r>
+              <a:rPr lang="nl-NL" dirty="0" err="1" smtClean="0"/>
+              <a:t>shortest</a:t>
+            </a:r>
+            <a:r>
+              <a:rPr lang="nl-NL" dirty="0" smtClean="0"/>
+              <a:t> </a:t>
+            </a:r>
+            <a:r>
+              <a:rPr lang="nl-NL" dirty="0" err="1" smtClean="0"/>
+              <a:t>paths</a:t>
+            </a:r>
+            <a:r>
+              <a:rPr lang="nl-NL" dirty="0" smtClean="0"/>
+              <a:t> </a:t>
+            </a:r>
+            <a:r>
+              <a:rPr lang="nl-NL" dirty="0" err="1" smtClean="0"/>
+              <a:t>from</a:t>
+            </a:r>
+            <a:r>
+              <a:rPr lang="nl-NL" dirty="0" smtClean="0"/>
+              <a:t> multiple source </a:t>
+            </a:r>
+            <a:r>
+              <a:rPr lang="nl-NL" dirty="0" err="1" smtClean="0"/>
+              <a:t>nodes</a:t>
+            </a:r>
+            <a:r>
+              <a:rPr lang="nl-NL" dirty="0" smtClean="0"/>
+              <a:t>?</a:t>
+            </a:r>
+          </a:p>
+          <a:p>
+            <a:pPr lvl="1"/>
+            <a:r>
+              <a:rPr lang="nl-NL" dirty="0" smtClean="0"/>
+              <a:t>Floyd-</a:t>
+            </a:r>
+            <a:r>
+              <a:rPr lang="nl-NL" dirty="0" err="1" smtClean="0"/>
+              <a:t>Warshall</a:t>
+            </a:r>
+            <a:r>
+              <a:rPr lang="nl-NL" dirty="0" smtClean="0"/>
+              <a:t>: </a:t>
+            </a:r>
+            <a:r>
+              <a:rPr lang="nl-NL" dirty="0" err="1" smtClean="0"/>
+              <a:t>shortest</a:t>
+            </a:r>
+            <a:r>
+              <a:rPr lang="nl-NL" dirty="0" smtClean="0"/>
+              <a:t> </a:t>
+            </a:r>
+            <a:r>
+              <a:rPr lang="nl-NL" dirty="0" err="1" smtClean="0"/>
+              <a:t>paths</a:t>
+            </a:r>
+            <a:r>
+              <a:rPr lang="nl-NL" dirty="0" smtClean="0"/>
+              <a:t> </a:t>
+            </a:r>
+            <a:r>
+              <a:rPr lang="nl-NL" dirty="0" err="1" smtClean="0"/>
+              <a:t>starting</a:t>
+            </a:r>
+            <a:r>
+              <a:rPr lang="nl-NL" dirty="0" smtClean="0"/>
+              <a:t> </a:t>
+            </a:r>
+            <a:r>
+              <a:rPr lang="nl-NL" dirty="0" err="1" smtClean="0"/>
+              <a:t>from</a:t>
+            </a:r>
+            <a:r>
+              <a:rPr lang="nl-NL" dirty="0" smtClean="0"/>
+              <a:t> ALL </a:t>
+            </a:r>
+            <a:r>
+              <a:rPr lang="nl-NL" dirty="0" err="1" smtClean="0"/>
+              <a:t>nodes</a:t>
+            </a:r>
+            <a:r>
+              <a:rPr lang="nl-NL" dirty="0" smtClean="0"/>
+              <a:t> </a:t>
+            </a:r>
+            <a:r>
+              <a:rPr lang="nl-NL" dirty="0" err="1" smtClean="0"/>
+              <a:t>to</a:t>
+            </a:r>
+            <a:r>
+              <a:rPr lang="nl-NL" dirty="0" smtClean="0"/>
+              <a:t> ALL </a:t>
+            </a:r>
+            <a:r>
+              <a:rPr lang="nl-NL" dirty="0" err="1" smtClean="0"/>
+              <a:t>nodes</a:t>
+            </a:r>
+            <a:endParaRPr lang="nl-NL" dirty="0" smtClean="0"/>
+          </a:p>
+          <a:p>
+            <a:pPr lvl="1"/>
+            <a:r>
+              <a:rPr lang="nl-NL" dirty="0" err="1" smtClean="0"/>
+              <a:t>Example</a:t>
+            </a:r>
+            <a:r>
+              <a:rPr lang="nl-NL" dirty="0" smtClean="0"/>
+              <a:t> of </a:t>
+            </a:r>
+            <a:r>
+              <a:rPr lang="nl-NL" dirty="0" err="1" smtClean="0"/>
+              <a:t>dynamic</a:t>
+            </a:r>
+            <a:r>
+              <a:rPr lang="nl-NL" dirty="0" smtClean="0"/>
+              <a:t> </a:t>
+            </a:r>
+            <a:r>
+              <a:rPr lang="nl-NL" dirty="0" err="1" smtClean="0"/>
+              <a:t>programming</a:t>
+            </a:r>
+            <a:endParaRPr lang="nl-NL" dirty="0" smtClean="0"/>
+          </a:p>
+          <a:p>
+            <a:pPr lvl="1"/>
+            <a:endParaRPr lang="nl-NL" dirty="0"/>
+          </a:p>
+        </p:txBody>
+      </p:sp>
+      <p:sp>
+        <p:nvSpPr>
+          <p:cNvPr id="4" name="Tijdelijke aanduiding voor voettekst 3"/>
+          <p:cNvSpPr>
+            <a:spLocks noGrp="1"/>
+          </p:cNvSpPr>
+          <p:nvPr>
+            <p:ph type="ftr" sz="quarter" idx="11"/>
+          </p:nvPr>
+        </p:nvSpPr>
+        <p:spPr/>
+        <p:txBody>
+          <a:bodyPr/>
+          <a:lstStyle/>
+          <a:p>
+            <a:r>
+              <a:rPr lang="it-IT" smtClean="0"/>
+              <a:t>INFDEV026A - G. Costantini, F. Di Giacomo, G. Maggiore</a:t>
+            </a:r>
+            <a:endParaRPr lang="en-GB"/>
+          </a:p>
+        </p:txBody>
+      </p:sp>
+    </p:spTree>
+    <p:extLst>
+      <p:ext uri="{BB962C8B-B14F-4D97-AF65-F5344CB8AC3E}">
+        <p14:creationId xmlns:p14="http://schemas.microsoft.com/office/powerpoint/2010/main" val="2445323337"/>
+      </p:ext>
+    </p:extLst>
+  </p:cSld>
+  <p:clrMapOvr>
+    <a:masterClrMapping/>
+  </p:clrMapOvr>
+</p:sld>
+</file>
+
+<file path=ppt/slides/slide15.xml><?xml version="1.0" encoding="utf-8"?>
+<p:sld xmlns:a="http://schemas.openxmlformats.org/drawingml/2006/main" xmlns:r="http://schemas.openxmlformats.org/officeDocument/2006/relationships" xmlns:p="http://schemas.openxmlformats.org/presentationml/2006/main">
+  <p:cSld>
+    <p:spTree>
+      <p:nvGrpSpPr>
+        <p:cNvPr id="1" name=""/>
+        <p:cNvGrpSpPr/>
+        <p:nvPr/>
+      </p:nvGrpSpPr>
+      <p:grpSpPr>
+        <a:xfrm>
+          <a:off x="0" y="0"/>
+          <a:ext cx="0" cy="0"/>
+          <a:chOff x="0" y="0"/>
+          <a:chExt cx="0" cy="0"/>
+        </a:xfrm>
+      </p:grpSpPr>
+      <p:sp>
+        <p:nvSpPr>
+          <p:cNvPr id="2" name="Titel 1"/>
+          <p:cNvSpPr>
+            <a:spLocks noGrp="1"/>
+          </p:cNvSpPr>
+          <p:nvPr>
+            <p:ph type="title"/>
+          </p:nvPr>
+        </p:nvSpPr>
+        <p:spPr/>
+        <p:txBody>
+          <a:bodyPr/>
+          <a:lstStyle/>
+          <a:p>
+            <a:r>
+              <a:rPr lang="nl-NL" dirty="0" smtClean="0"/>
+              <a:t>Floyd-</a:t>
+            </a:r>
+            <a:r>
+              <a:rPr lang="nl-NL" dirty="0" err="1" smtClean="0"/>
+              <a:t>Warshall</a:t>
+            </a:r>
+            <a:r>
+              <a:rPr lang="nl-NL" dirty="0" smtClean="0"/>
+              <a:t> </a:t>
+            </a:r>
+            <a:r>
+              <a:rPr lang="nl-NL" dirty="0" err="1" smtClean="0"/>
+              <a:t>algorithm</a:t>
+            </a:r>
+            <a:endParaRPr lang="nl-NL" dirty="0"/>
+          </a:p>
+        </p:txBody>
+      </p:sp>
+      <p:sp>
+        <p:nvSpPr>
+          <p:cNvPr id="3" name="Tijdelijke aanduiding voor inhoud 2"/>
+          <p:cNvSpPr>
+            <a:spLocks noGrp="1"/>
+          </p:cNvSpPr>
+          <p:nvPr>
+            <p:ph idx="1"/>
+          </p:nvPr>
+        </p:nvSpPr>
+        <p:spPr/>
+        <p:txBody>
+          <a:bodyPr/>
+          <a:lstStyle/>
+          <a:p>
+            <a:r>
+              <a:rPr lang="en-US" dirty="0" smtClean="0"/>
+              <a:t>Compares </a:t>
+            </a:r>
+            <a:r>
+              <a:rPr lang="en-US" dirty="0"/>
+              <a:t>all possible paths through the graph between each pair of </a:t>
+            </a:r>
+            <a:r>
+              <a:rPr lang="en-US" dirty="0" smtClean="0"/>
+              <a:t>vertices</a:t>
+            </a:r>
+          </a:p>
+          <a:p>
+            <a:r>
+              <a:rPr lang="en-US" dirty="0" smtClean="0"/>
+              <a:t>Every </a:t>
+            </a:r>
+            <a:r>
+              <a:rPr lang="en-US" dirty="0"/>
+              <a:t>combination of edges is </a:t>
+            </a:r>
+            <a:r>
+              <a:rPr lang="en-US" dirty="0" smtClean="0"/>
+              <a:t>tested</a:t>
+            </a:r>
+          </a:p>
+          <a:p>
+            <a:r>
+              <a:rPr lang="en-US" dirty="0" smtClean="0"/>
+              <a:t>It works by incrementally </a:t>
+            </a:r>
+            <a:r>
+              <a:rPr lang="en-US" dirty="0"/>
+              <a:t>improving an estimate on the shortest path between two vertices, until the estimate is </a:t>
+            </a:r>
+            <a:r>
+              <a:rPr lang="en-US" dirty="0" smtClean="0"/>
+              <a:t>optimal</a:t>
+            </a:r>
+          </a:p>
+          <a:p>
+            <a:r>
+              <a:rPr lang="en-US" dirty="0" smtClean="0"/>
+              <a:t>Based on a recursive idea</a:t>
+            </a:r>
+          </a:p>
+          <a:p>
+            <a:endParaRPr lang="en-US" dirty="0"/>
+          </a:p>
+        </p:txBody>
+      </p:sp>
+      <p:sp>
+        <p:nvSpPr>
+          <p:cNvPr id="4" name="Tijdelijke aanduiding voor voettekst 3"/>
+          <p:cNvSpPr>
+            <a:spLocks noGrp="1"/>
+          </p:cNvSpPr>
+          <p:nvPr>
+            <p:ph type="ftr" sz="quarter" idx="11"/>
+          </p:nvPr>
+        </p:nvSpPr>
+        <p:spPr/>
+        <p:txBody>
+          <a:bodyPr/>
+          <a:lstStyle/>
+          <a:p>
+            <a:r>
+              <a:rPr lang="it-IT" smtClean="0"/>
+              <a:t>INFDEV026A - G. Costantini, F. Di Giacomo, G. Maggiore</a:t>
+            </a:r>
+            <a:endParaRPr lang="en-GB"/>
+          </a:p>
+        </p:txBody>
+      </p:sp>
+    </p:spTree>
+    <p:extLst>
+      <p:ext uri="{BB962C8B-B14F-4D97-AF65-F5344CB8AC3E}">
+        <p14:creationId xmlns:p14="http://schemas.microsoft.com/office/powerpoint/2010/main" val="3483783785"/>
+      </p:ext>
+    </p:extLst>
+  </p:cSld>
+  <p:clrMapOvr>
+    <a:masterClrMapping/>
+  </p:clrMapOvr>
+  <p:timing>
+    <p:tnLst>
+      <p:par>
+        <p:cTn id="1" dur="indefinite" restart="never" nodeType="tmRoot"/>
+      </p:par>
+    </p:tnLst>
+  </p:timing>
+</p:sld>
+</file>
+
+<file path=ppt/slides/slide16.xml><?xml version="1.0" encoding="utf-8"?>
+<p:sld xmlns:a="http://schemas.openxmlformats.org/drawingml/2006/main" xmlns:r="http://schemas.openxmlformats.org/officeDocument/2006/relationships" xmlns:p="http://schemas.openxmlformats.org/presentationml/2006/main">
+  <p:cSld>
+    <p:spTree>
+      <p:nvGrpSpPr>
+        <p:cNvPr id="1" name=""/>
+        <p:cNvGrpSpPr/>
+        <p:nvPr/>
+      </p:nvGrpSpPr>
+      <p:grpSpPr>
+        <a:xfrm>
+          <a:off x="0" y="0"/>
+          <a:ext cx="0" cy="0"/>
+          <a:chOff x="0" y="0"/>
+          <a:chExt cx="0" cy="0"/>
+        </a:xfrm>
+      </p:grpSpPr>
+      <p:sp>
+        <p:nvSpPr>
+          <p:cNvPr id="2" name="Titel 1"/>
+          <p:cNvSpPr>
+            <a:spLocks noGrp="1"/>
+          </p:cNvSpPr>
+          <p:nvPr>
+            <p:ph type="title"/>
+          </p:nvPr>
+        </p:nvSpPr>
+        <p:spPr/>
+        <p:txBody>
+          <a:bodyPr/>
+          <a:lstStyle/>
+          <a:p>
+            <a:r>
+              <a:rPr lang="nl-NL" dirty="0" smtClean="0"/>
+              <a:t>Floyd-</a:t>
+            </a:r>
+            <a:r>
+              <a:rPr lang="nl-NL" dirty="0" err="1" smtClean="0"/>
+              <a:t>Warshall</a:t>
+            </a:r>
+            <a:r>
+              <a:rPr lang="nl-NL" dirty="0" smtClean="0"/>
+              <a:t> </a:t>
+            </a:r>
+            <a:r>
+              <a:rPr lang="nl-NL" dirty="0" err="1" smtClean="0"/>
+              <a:t>algorithm</a:t>
+            </a:r>
+            <a:endParaRPr lang="nl-NL" dirty="0"/>
+          </a:p>
+        </p:txBody>
+      </p:sp>
+      <mc:AlternateContent xmlns:mc="http://schemas.openxmlformats.org/markup-compatibility/2006">
+        <mc:Choice xmlns:a14="http://schemas.microsoft.com/office/drawing/2010/main" Requires="a14">
+          <p:sp>
+            <p:nvSpPr>
+              <p:cNvPr id="3" name="Tijdelijke aanduiding voor inhoud 2"/>
+              <p:cNvSpPr>
+                <a:spLocks noGrp="1"/>
+              </p:cNvSpPr>
+              <p:nvPr>
+                <p:ph idx="1"/>
+              </p:nvPr>
+            </p:nvSpPr>
+            <p:spPr/>
+            <p:txBody>
+              <a:bodyPr/>
+              <a:lstStyle/>
+              <a:p>
+                <a:r>
+                  <a:rPr lang="nl-NL" dirty="0" smtClean="0"/>
+                  <a:t>Consider</a:t>
+                </a:r>
+              </a:p>
+              <a:p>
+                <a:pPr lvl="1"/>
+                <a:r>
+                  <a:rPr lang="nl-NL" dirty="0" smtClean="0"/>
+                  <a:t>A </a:t>
+                </a:r>
+                <a:r>
+                  <a:rPr lang="nl-NL" dirty="0" err="1" smtClean="0"/>
+                  <a:t>graph</a:t>
+                </a:r>
+                <a:r>
+                  <a:rPr lang="nl-NL" dirty="0" smtClean="0"/>
+                  <a:t> </a:t>
+                </a:r>
+                <a14:m>
+                  <m:oMath xmlns:m="http://schemas.openxmlformats.org/officeDocument/2006/math">
+                    <m:r>
+                      <a:rPr lang="nl-NL" b="0" i="1" smtClean="0">
+                        <a:latin typeface="Cambria Math" panose="02040503050406030204" pitchFamily="18" charset="0"/>
+                      </a:rPr>
+                      <m:t>𝐺</m:t>
+                    </m:r>
+                  </m:oMath>
+                </a14:m>
+                <a:r>
+                  <a:rPr lang="nl-NL" dirty="0" smtClean="0"/>
+                  <a:t> </a:t>
+                </a:r>
+                <a:r>
+                  <a:rPr lang="nl-NL" dirty="0" err="1" smtClean="0"/>
+                  <a:t>with</a:t>
+                </a:r>
+                <a:r>
+                  <a:rPr lang="nl-NL" dirty="0" smtClean="0"/>
+                  <a:t> </a:t>
+                </a:r>
+                <a:r>
+                  <a:rPr lang="nl-NL" dirty="0" err="1" smtClean="0"/>
+                  <a:t>vertices</a:t>
+                </a:r>
+                <a:r>
+                  <a:rPr lang="nl-NL" dirty="0" smtClean="0"/>
+                  <a:t> </a:t>
+                </a:r>
+                <a14:m>
+                  <m:oMath xmlns:m="http://schemas.openxmlformats.org/officeDocument/2006/math">
+                    <m:r>
+                      <a:rPr lang="nl-NL" b="0" i="1" smtClean="0">
+                        <a:latin typeface="Cambria Math" panose="02040503050406030204" pitchFamily="18" charset="0"/>
+                      </a:rPr>
+                      <m:t>𝑉</m:t>
+                    </m:r>
+                  </m:oMath>
+                </a14:m>
+                <a:r>
+                  <a:rPr lang="nl-NL" dirty="0" smtClean="0"/>
+                  <a:t> </a:t>
+                </a:r>
+                <a:r>
+                  <a:rPr lang="nl-NL" dirty="0" err="1" smtClean="0"/>
+                  <a:t>numbered</a:t>
+                </a:r>
+                <a:r>
+                  <a:rPr lang="nl-NL" dirty="0" smtClean="0"/>
+                  <a:t> </a:t>
+                </a:r>
+                <a:r>
+                  <a:rPr lang="nl-NL" dirty="0" err="1" smtClean="0"/>
+                  <a:t>from</a:t>
+                </a:r>
+                <a:r>
+                  <a:rPr lang="nl-NL" dirty="0" smtClean="0"/>
+                  <a:t> </a:t>
+                </a:r>
+                <a14:m>
+                  <m:oMath xmlns:m="http://schemas.openxmlformats.org/officeDocument/2006/math">
+                    <m:r>
+                      <a:rPr lang="nl-NL" i="1" dirty="0" smtClean="0">
+                        <a:latin typeface="Cambria Math" panose="02040503050406030204" pitchFamily="18" charset="0"/>
+                      </a:rPr>
+                      <m:t>1</m:t>
+                    </m:r>
+                  </m:oMath>
+                </a14:m>
+                <a:r>
+                  <a:rPr lang="nl-NL" dirty="0" smtClean="0"/>
+                  <a:t> </a:t>
+                </a:r>
+                <a:r>
+                  <a:rPr lang="nl-NL" dirty="0" err="1" smtClean="0"/>
+                  <a:t>to</a:t>
+                </a:r>
+                <a:r>
+                  <a:rPr lang="nl-NL" dirty="0" smtClean="0"/>
+                  <a:t> </a:t>
+                </a:r>
+                <a14:m>
+                  <m:oMath xmlns:m="http://schemas.openxmlformats.org/officeDocument/2006/math">
+                    <m:r>
+                      <a:rPr lang="nl-NL" i="1" dirty="0" smtClean="0">
+                        <a:latin typeface="Cambria Math" panose="02040503050406030204" pitchFamily="18" charset="0"/>
+                      </a:rPr>
+                      <m:t>𝑁</m:t>
+                    </m:r>
+                  </m:oMath>
+                </a14:m>
+                <a:endParaRPr lang="nl-NL" dirty="0" smtClean="0"/>
+              </a:p>
+              <a:p>
+                <a:pPr lvl="1"/>
+                <a:r>
+                  <a:rPr lang="nl-NL" dirty="0" smtClean="0"/>
+                  <a:t>A </a:t>
+                </a:r>
+                <a:r>
+                  <a:rPr lang="nl-NL" dirty="0" err="1" smtClean="0"/>
+                  <a:t>function</a:t>
+                </a:r>
+                <a:r>
+                  <a:rPr lang="nl-NL" dirty="0" smtClean="0"/>
+                  <a:t> </a:t>
+                </a:r>
+                <a14:m>
+                  <m:oMath xmlns:m="http://schemas.openxmlformats.org/officeDocument/2006/math">
+                    <m:r>
+                      <a:rPr lang="nl-NL" i="1" dirty="0" smtClean="0">
+                        <a:latin typeface="Cambria Math" panose="02040503050406030204" pitchFamily="18" charset="0"/>
+                      </a:rPr>
+                      <m:t>𝑠h𝑜𝑟𝑡𝑒𝑠𝑡𝑃𝑎𝑡h</m:t>
+                    </m:r>
+                    <m:r>
+                      <a:rPr lang="nl-NL" i="1" dirty="0" smtClean="0">
+                        <a:latin typeface="Cambria Math" panose="02040503050406030204" pitchFamily="18" charset="0"/>
+                      </a:rPr>
+                      <m:t>(</m:t>
+                    </m:r>
+                    <m:r>
+                      <a:rPr lang="nl-NL" i="1" dirty="0" err="1" smtClean="0">
+                        <a:latin typeface="Cambria Math" panose="02040503050406030204" pitchFamily="18" charset="0"/>
+                      </a:rPr>
+                      <m:t>𝑖</m:t>
+                    </m:r>
+                    <m:r>
+                      <a:rPr lang="nl-NL" i="1" dirty="0" err="1" smtClean="0">
+                        <a:latin typeface="Cambria Math" panose="02040503050406030204" pitchFamily="18" charset="0"/>
+                      </a:rPr>
+                      <m:t>,</m:t>
+                    </m:r>
+                    <m:r>
+                      <a:rPr lang="nl-NL" i="1" dirty="0" err="1" smtClean="0">
+                        <a:latin typeface="Cambria Math" panose="02040503050406030204" pitchFamily="18" charset="0"/>
+                      </a:rPr>
+                      <m:t>𝑗</m:t>
+                    </m:r>
+                    <m:r>
+                      <a:rPr lang="nl-NL" i="1" dirty="0" err="1" smtClean="0">
+                        <a:latin typeface="Cambria Math" panose="02040503050406030204" pitchFamily="18" charset="0"/>
+                      </a:rPr>
+                      <m:t>,</m:t>
+                    </m:r>
+                    <m:r>
+                      <a:rPr lang="nl-NL" i="1" dirty="0" err="1" smtClean="0">
+                        <a:latin typeface="Cambria Math" panose="02040503050406030204" pitchFamily="18" charset="0"/>
+                      </a:rPr>
+                      <m:t>𝑘</m:t>
+                    </m:r>
+                    <m:r>
+                      <a:rPr lang="nl-NL" i="1" dirty="0" smtClean="0">
+                        <a:latin typeface="Cambria Math" panose="02040503050406030204" pitchFamily="18" charset="0"/>
+                      </a:rPr>
+                      <m:t>)</m:t>
+                    </m:r>
+                  </m:oMath>
+                </a14:m>
+                <a:r>
+                  <a:rPr lang="nl-NL" dirty="0" smtClean="0"/>
+                  <a:t> </a:t>
+                </a:r>
+                <a:r>
+                  <a:rPr lang="nl-NL" dirty="0" err="1" smtClean="0"/>
+                  <a:t>which</a:t>
+                </a:r>
+                <a:r>
+                  <a:rPr lang="nl-NL" dirty="0" smtClean="0"/>
+                  <a:t> returns </a:t>
+                </a:r>
+                <a:r>
+                  <a:rPr lang="en-US" dirty="0" smtClean="0"/>
+                  <a:t>the </a:t>
+                </a:r>
+                <a:r>
+                  <a:rPr lang="en-US" dirty="0"/>
+                  <a:t>shortest possible path from </a:t>
+                </a:r>
+                <a14:m>
+                  <m:oMath xmlns:m="http://schemas.openxmlformats.org/officeDocument/2006/math">
+                    <m:r>
+                      <a:rPr lang="en-US" i="1" dirty="0" smtClean="0">
+                        <a:latin typeface="Cambria Math" panose="02040503050406030204" pitchFamily="18" charset="0"/>
+                      </a:rPr>
+                      <m:t>𝑖</m:t>
+                    </m:r>
+                  </m:oMath>
+                </a14:m>
+                <a:r>
+                  <a:rPr lang="en-US" dirty="0"/>
+                  <a:t> to </a:t>
+                </a:r>
+                <a14:m>
+                  <m:oMath xmlns:m="http://schemas.openxmlformats.org/officeDocument/2006/math">
+                    <m:r>
+                      <a:rPr lang="en-US" i="1" dirty="0" smtClean="0">
+                        <a:latin typeface="Cambria Math" panose="02040503050406030204" pitchFamily="18" charset="0"/>
+                      </a:rPr>
+                      <m:t>𝑗</m:t>
+                    </m:r>
+                  </m:oMath>
+                </a14:m>
+                <a:r>
+                  <a:rPr lang="en-US" dirty="0"/>
+                  <a:t> using vertices only from the set </a:t>
+                </a:r>
+                <a14:m>
+                  <m:oMath xmlns:m="http://schemas.openxmlformats.org/officeDocument/2006/math">
+                    <m:r>
+                      <a:rPr lang="en-US" i="1" dirty="0" smtClean="0">
+                        <a:latin typeface="Cambria Math" panose="02040503050406030204" pitchFamily="18" charset="0"/>
+                      </a:rPr>
+                      <m:t>{1,2,…,</m:t>
+                    </m:r>
+                    <m:r>
+                      <a:rPr lang="en-US" i="1" dirty="0" smtClean="0">
+                        <a:latin typeface="Cambria Math" panose="02040503050406030204" pitchFamily="18" charset="0"/>
+                      </a:rPr>
+                      <m:t>𝑘</m:t>
+                    </m:r>
+                    <m:r>
+                      <a:rPr lang="en-US" i="1" dirty="0" smtClean="0">
+                        <a:latin typeface="Cambria Math" panose="02040503050406030204" pitchFamily="18" charset="0"/>
+                      </a:rPr>
+                      <m:t>}</m:t>
+                    </m:r>
+                  </m:oMath>
+                </a14:m>
+                <a:r>
+                  <a:rPr lang="en-US" dirty="0"/>
+                  <a:t> as intermediate points along the </a:t>
+                </a:r>
+                <a:r>
+                  <a:rPr lang="en-US" dirty="0" smtClean="0"/>
+                  <a:t>way</a:t>
+                </a:r>
+              </a:p>
+              <a:p>
+                <a:pPr lvl="1"/>
+                <a:endParaRPr lang="en-US" dirty="0"/>
+              </a:p>
+              <a:p>
+                <a:r>
+                  <a:rPr lang="en-US" dirty="0" smtClean="0"/>
+                  <a:t>Goal</a:t>
+                </a:r>
+              </a:p>
+              <a:p>
+                <a:pPr lvl="1"/>
+                <a:r>
+                  <a:rPr lang="en-US" dirty="0"/>
+                  <a:t>F</a:t>
+                </a:r>
+                <a:r>
+                  <a:rPr lang="en-US" dirty="0" smtClean="0"/>
+                  <a:t>ind </a:t>
+                </a:r>
+                <a:r>
+                  <a:rPr lang="en-US" dirty="0"/>
+                  <a:t>the shortest path from each </a:t>
+                </a:r>
+                <a14:m>
+                  <m:oMath xmlns:m="http://schemas.openxmlformats.org/officeDocument/2006/math">
+                    <m:r>
+                      <a:rPr lang="en-US" i="1" dirty="0" smtClean="0">
+                        <a:latin typeface="Cambria Math" panose="02040503050406030204" pitchFamily="18" charset="0"/>
+                      </a:rPr>
+                      <m:t>𝑖</m:t>
+                    </m:r>
+                  </m:oMath>
+                </a14:m>
+                <a:r>
+                  <a:rPr lang="en-US" dirty="0"/>
+                  <a:t> to each </a:t>
+                </a:r>
+                <a14:m>
+                  <m:oMath xmlns:m="http://schemas.openxmlformats.org/officeDocument/2006/math">
+                    <m:r>
+                      <a:rPr lang="en-US" i="1" dirty="0" smtClean="0">
+                        <a:latin typeface="Cambria Math" panose="02040503050406030204" pitchFamily="18" charset="0"/>
+                      </a:rPr>
+                      <m:t>𝑗</m:t>
+                    </m:r>
+                  </m:oMath>
+                </a14:m>
+                <a:r>
+                  <a:rPr lang="en-US" dirty="0"/>
+                  <a:t> using only vertices </a:t>
+                </a:r>
+                <a:r>
+                  <a:rPr lang="en-US" dirty="0" smtClean="0"/>
+                  <a:t>from </a:t>
+                </a:r>
+                <a14:m>
+                  <m:oMath xmlns:m="http://schemas.openxmlformats.org/officeDocument/2006/math">
+                    <m:r>
+                      <a:rPr lang="en-US" i="1" dirty="0" smtClean="0">
+                        <a:latin typeface="Cambria Math" panose="02040503050406030204" pitchFamily="18" charset="0"/>
+                      </a:rPr>
+                      <m:t>1</m:t>
+                    </m:r>
+                  </m:oMath>
+                </a14:m>
+                <a:r>
+                  <a:rPr lang="en-US" dirty="0"/>
+                  <a:t> to </a:t>
+                </a:r>
+                <a14:m>
+                  <m:oMath xmlns:m="http://schemas.openxmlformats.org/officeDocument/2006/math">
+                    <m:r>
+                      <a:rPr lang="en-US" i="1" dirty="0" smtClean="0">
+                        <a:latin typeface="Cambria Math" panose="02040503050406030204" pitchFamily="18" charset="0"/>
+                      </a:rPr>
+                      <m:t>𝑘</m:t>
+                    </m:r>
+                    <m:r>
+                      <a:rPr lang="en-US" i="1" dirty="0" smtClean="0">
+                        <a:latin typeface="Cambria Math" panose="02040503050406030204" pitchFamily="18" charset="0"/>
+                      </a:rPr>
+                      <m:t> + 1</m:t>
+                    </m:r>
+                  </m:oMath>
+                </a14:m>
+                <a:endParaRPr lang="nl-NL" dirty="0" smtClean="0"/>
+              </a:p>
+              <a:p>
+                <a:pPr lvl="1"/>
+                <a:r>
+                  <a:rPr lang="nl-NL" dirty="0" err="1" smtClean="0"/>
+                  <a:t>What</a:t>
+                </a:r>
+                <a:r>
+                  <a:rPr lang="nl-NL" dirty="0" smtClean="0"/>
+                  <a:t> </a:t>
+                </a:r>
+                <a:r>
+                  <a:rPr lang="nl-NL" dirty="0" err="1" smtClean="0"/>
+                  <a:t>could</a:t>
+                </a:r>
+                <a:r>
+                  <a:rPr lang="nl-NL" dirty="0" smtClean="0"/>
+                  <a:t> </a:t>
+                </a:r>
+                <a:r>
+                  <a:rPr lang="nl-NL" dirty="0" err="1" smtClean="0"/>
+                  <a:t>this</a:t>
+                </a:r>
+                <a:r>
+                  <a:rPr lang="nl-NL" dirty="0" smtClean="0"/>
+                  <a:t> </a:t>
+                </a:r>
+                <a:r>
+                  <a:rPr lang="nl-NL" dirty="0" err="1" smtClean="0"/>
+                  <a:t>shortest</a:t>
+                </a:r>
+                <a:r>
+                  <a:rPr lang="nl-NL" dirty="0" smtClean="0"/>
+                  <a:t> </a:t>
+                </a:r>
+                <a:r>
+                  <a:rPr lang="nl-NL" dirty="0" err="1" smtClean="0"/>
+                  <a:t>path</a:t>
+                </a:r>
+                <a:r>
+                  <a:rPr lang="nl-NL" dirty="0" smtClean="0"/>
+                  <a:t> </a:t>
+                </a:r>
+                <a:r>
+                  <a:rPr lang="nl-NL" dirty="0" err="1" smtClean="0"/>
+                  <a:t>be</a:t>
+                </a:r>
+                <a:r>
+                  <a:rPr lang="nl-NL" dirty="0" smtClean="0"/>
+                  <a:t>?</a:t>
+                </a:r>
+                <a:endParaRPr lang="nl-NL" dirty="0"/>
+              </a:p>
+            </p:txBody>
+          </p:sp>
+        </mc:Choice>
+        <mc:Fallback>
+          <p:sp>
+            <p:nvSpPr>
+              <p:cNvPr id="3" name="Tijdelijke aanduiding voor inhoud 2"/>
+              <p:cNvSpPr>
+                <a:spLocks noGrp="1" noRot="1" noChangeAspect="1" noMove="1" noResize="1" noEditPoints="1" noAdjustHandles="1" noChangeArrowheads="1" noChangeShapeType="1" noTextEdit="1"/>
+              </p:cNvSpPr>
+              <p:nvPr>
+                <p:ph idx="1"/>
+              </p:nvPr>
+            </p:nvSpPr>
+            <p:spPr>
+              <a:blipFill rotWithShape="0">
+                <a:blip r:embed="rId2"/>
+                <a:stretch>
+                  <a:fillRect l="-142" t="-942"/>
+                </a:stretch>
+              </a:blipFill>
+            </p:spPr>
+            <p:txBody>
+              <a:bodyPr/>
+              <a:lstStyle/>
+              <a:p>
+                <a:r>
+                  <a:rPr lang="nl-NL">
+                    <a:noFill/>
+                  </a:rPr>
+                  <a:t> </a:t>
+                </a:r>
+              </a:p>
+            </p:txBody>
+          </p:sp>
+        </mc:Fallback>
+      </mc:AlternateContent>
+      <p:sp>
+        <p:nvSpPr>
+          <p:cNvPr id="4" name="Tijdelijke aanduiding voor voettekst 3"/>
+          <p:cNvSpPr>
+            <a:spLocks noGrp="1"/>
+          </p:cNvSpPr>
+          <p:nvPr>
+            <p:ph type="ftr" sz="quarter" idx="11"/>
+          </p:nvPr>
+        </p:nvSpPr>
+        <p:spPr/>
+        <p:txBody>
+          <a:bodyPr/>
+          <a:lstStyle/>
+          <a:p>
+            <a:r>
+              <a:rPr lang="it-IT" smtClean="0"/>
+              <a:t>INFDEV026A - G. Costantini, F. Di Giacomo, G. Maggiore</a:t>
+            </a:r>
+            <a:endParaRPr lang="en-GB"/>
+          </a:p>
+        </p:txBody>
+      </p:sp>
+    </p:spTree>
+    <p:extLst>
+      <p:ext uri="{BB962C8B-B14F-4D97-AF65-F5344CB8AC3E}">
+        <p14:creationId xmlns:p14="http://schemas.microsoft.com/office/powerpoint/2010/main" val="2013345551"/>
+      </p:ext>
+    </p:extLst>
+  </p:cSld>
+  <p:clrMapOvr>
+    <a:masterClrMapping/>
+  </p:clrMapOvr>
+  <p:timing>
+    <p:tnLst>
+      <p:par>
+        <p:cTn id="1" dur="indefinite" restart="never" nodeType="tmRoot"/>
+      </p:par>
+    </p:tnLst>
+  </p:timing>
+</p:sld>
+</file>
+
+<file path=ppt/slides/slide17.xml><?xml version="1.0" encoding="utf-8"?>
+<p:sld xmlns:a="http://schemas.openxmlformats.org/drawingml/2006/main" xmlns:r="http://schemas.openxmlformats.org/officeDocument/2006/relationships" xmlns:p="http://schemas.openxmlformats.org/presentationml/2006/main">
+  <p:cSld>
+    <p:spTree>
+      <p:nvGrpSpPr>
+        <p:cNvPr id="1" name=""/>
+        <p:cNvGrpSpPr/>
+        <p:nvPr/>
+      </p:nvGrpSpPr>
+      <p:grpSpPr>
+        <a:xfrm>
+          <a:off x="0" y="0"/>
+          <a:ext cx="0" cy="0"/>
+          <a:chOff x="0" y="0"/>
+          <a:chExt cx="0" cy="0"/>
+        </a:xfrm>
+      </p:grpSpPr>
+      <p:sp>
+        <p:nvSpPr>
+          <p:cNvPr id="2" name="Titel 1"/>
+          <p:cNvSpPr>
+            <a:spLocks noGrp="1"/>
+          </p:cNvSpPr>
+          <p:nvPr>
+            <p:ph type="title"/>
+          </p:nvPr>
+        </p:nvSpPr>
+        <p:spPr/>
+        <p:txBody>
+          <a:bodyPr/>
+          <a:lstStyle/>
+          <a:p>
+            <a:r>
+              <a:rPr lang="nl-NL" dirty="0" smtClean="0"/>
+              <a:t>Floyd-</a:t>
+            </a:r>
+            <a:r>
+              <a:rPr lang="nl-NL" dirty="0" err="1" smtClean="0"/>
+              <a:t>Warshall</a:t>
+            </a:r>
+            <a:r>
+              <a:rPr lang="nl-NL" dirty="0" smtClean="0"/>
+              <a:t> </a:t>
+            </a:r>
+            <a:r>
+              <a:rPr lang="nl-NL" dirty="0" err="1" smtClean="0"/>
+              <a:t>algorithm</a:t>
+            </a:r>
+            <a:endParaRPr lang="nl-NL" dirty="0"/>
+          </a:p>
+        </p:txBody>
+      </p:sp>
+      <mc:AlternateContent xmlns:mc="http://schemas.openxmlformats.org/markup-compatibility/2006">
+        <mc:Choice xmlns:a14="http://schemas.microsoft.com/office/drawing/2010/main" Requires="a14">
+          <p:sp>
+            <p:nvSpPr>
+              <p:cNvPr id="3" name="Tijdelijke aanduiding voor inhoud 2"/>
+              <p:cNvSpPr>
+                <a:spLocks noGrp="1"/>
+              </p:cNvSpPr>
+              <p:nvPr>
+                <p:ph idx="1"/>
+              </p:nvPr>
+            </p:nvSpPr>
+            <p:spPr/>
+            <p:txBody>
+              <a:bodyPr/>
+              <a:lstStyle/>
+              <a:p>
+                <a:r>
+                  <a:rPr lang="en-US" dirty="0" smtClean="0"/>
+                  <a:t>Goal</a:t>
+                </a:r>
+              </a:p>
+              <a:p>
+                <a:pPr lvl="1"/>
+                <a:r>
+                  <a:rPr lang="en-US" dirty="0"/>
+                  <a:t>F</a:t>
+                </a:r>
+                <a:r>
+                  <a:rPr lang="en-US" dirty="0" smtClean="0"/>
+                  <a:t>ind </a:t>
+                </a:r>
+                <a:r>
+                  <a:rPr lang="en-US" dirty="0"/>
+                  <a:t>the shortest path from each </a:t>
+                </a:r>
+                <a14:m>
+                  <m:oMath xmlns:m="http://schemas.openxmlformats.org/officeDocument/2006/math">
+                    <m:r>
+                      <a:rPr lang="en-US" i="1" dirty="0" smtClean="0">
+                        <a:latin typeface="Cambria Math" panose="02040503050406030204" pitchFamily="18" charset="0"/>
+                      </a:rPr>
+                      <m:t>𝑖</m:t>
+                    </m:r>
+                  </m:oMath>
+                </a14:m>
+                <a:r>
+                  <a:rPr lang="en-US" dirty="0"/>
+                  <a:t> to each </a:t>
+                </a:r>
+                <a14:m>
+                  <m:oMath xmlns:m="http://schemas.openxmlformats.org/officeDocument/2006/math">
+                    <m:r>
+                      <a:rPr lang="en-US" i="1" dirty="0" smtClean="0">
+                        <a:latin typeface="Cambria Math" panose="02040503050406030204" pitchFamily="18" charset="0"/>
+                      </a:rPr>
+                      <m:t>𝑗</m:t>
+                    </m:r>
+                  </m:oMath>
+                </a14:m>
+                <a:r>
+                  <a:rPr lang="en-US" dirty="0"/>
+                  <a:t> using only vertices </a:t>
+                </a:r>
+                <a:r>
+                  <a:rPr lang="en-US" dirty="0" smtClean="0"/>
+                  <a:t>from </a:t>
+                </a:r>
+                <a14:m>
+                  <m:oMath xmlns:m="http://schemas.openxmlformats.org/officeDocument/2006/math">
+                    <m:r>
+                      <a:rPr lang="en-US" i="1" dirty="0" smtClean="0">
+                        <a:latin typeface="Cambria Math" panose="02040503050406030204" pitchFamily="18" charset="0"/>
+                      </a:rPr>
+                      <m:t>1</m:t>
+                    </m:r>
+                  </m:oMath>
+                </a14:m>
+                <a:r>
+                  <a:rPr lang="en-US" dirty="0"/>
+                  <a:t> to </a:t>
+                </a:r>
+                <a14:m>
+                  <m:oMath xmlns:m="http://schemas.openxmlformats.org/officeDocument/2006/math">
+                    <m:r>
+                      <a:rPr lang="en-US" i="1" dirty="0" smtClean="0">
+                        <a:latin typeface="Cambria Math" panose="02040503050406030204" pitchFamily="18" charset="0"/>
+                      </a:rPr>
+                      <m:t>𝑘</m:t>
+                    </m:r>
+                    <m:r>
+                      <a:rPr lang="en-US" i="1" dirty="0" smtClean="0">
+                        <a:latin typeface="Cambria Math" panose="02040503050406030204" pitchFamily="18" charset="0"/>
+                      </a:rPr>
+                      <m:t> + 1</m:t>
+                    </m:r>
+                  </m:oMath>
+                </a14:m>
+                <a:endParaRPr lang="nl-NL" dirty="0" smtClean="0"/>
+              </a:p>
+              <a:p>
+                <a:pPr lvl="1"/>
+                <a:r>
+                  <a:rPr lang="nl-NL" dirty="0" err="1" smtClean="0"/>
+                  <a:t>What</a:t>
+                </a:r>
+                <a:r>
+                  <a:rPr lang="nl-NL" dirty="0" smtClean="0"/>
+                  <a:t> </a:t>
+                </a:r>
+                <a:r>
+                  <a:rPr lang="nl-NL" dirty="0" err="1" smtClean="0"/>
+                  <a:t>could</a:t>
+                </a:r>
+                <a:r>
+                  <a:rPr lang="nl-NL" dirty="0" smtClean="0"/>
+                  <a:t> </a:t>
+                </a:r>
+                <a:r>
+                  <a:rPr lang="nl-NL" dirty="0" err="1" smtClean="0"/>
+                  <a:t>this</a:t>
+                </a:r>
+                <a:r>
+                  <a:rPr lang="nl-NL" dirty="0" smtClean="0"/>
+                  <a:t> </a:t>
+                </a:r>
+                <a:r>
+                  <a:rPr lang="nl-NL" dirty="0" err="1" smtClean="0"/>
+                  <a:t>shortest</a:t>
+                </a:r>
+                <a:r>
+                  <a:rPr lang="nl-NL" dirty="0" smtClean="0"/>
+                  <a:t> </a:t>
+                </a:r>
+                <a:r>
+                  <a:rPr lang="nl-NL" dirty="0" err="1" smtClean="0"/>
+                  <a:t>path</a:t>
+                </a:r>
+                <a:r>
+                  <a:rPr lang="nl-NL" dirty="0" smtClean="0"/>
+                  <a:t> </a:t>
+                </a:r>
+                <a:r>
+                  <a:rPr lang="nl-NL" dirty="0" err="1" smtClean="0"/>
+                  <a:t>be</a:t>
+                </a:r>
+                <a:r>
+                  <a:rPr lang="nl-NL" dirty="0" smtClean="0"/>
+                  <a:t>?</a:t>
+                </a:r>
+              </a:p>
+              <a:p>
+                <a:pPr marL="1257300" lvl="2" indent="-342900">
+                  <a:buFont typeface="+mj-lt"/>
+                  <a:buAutoNum type="arabicPeriod"/>
+                </a:pPr>
+                <a:r>
+                  <a:rPr lang="en-US" dirty="0"/>
+                  <a:t>a path that only uses vertices in the set </a:t>
+                </a:r>
+                <a14:m>
+                  <m:oMath xmlns:m="http://schemas.openxmlformats.org/officeDocument/2006/math">
+                    <m:r>
+                      <a:rPr lang="en-US" i="1" dirty="0" smtClean="0">
+                        <a:latin typeface="Cambria Math" panose="02040503050406030204" pitchFamily="18" charset="0"/>
+                      </a:rPr>
+                      <m:t>{1, …, </m:t>
+                    </m:r>
+                    <m:r>
+                      <a:rPr lang="en-US" i="1" dirty="0" smtClean="0">
+                        <a:latin typeface="Cambria Math" panose="02040503050406030204" pitchFamily="18" charset="0"/>
+                      </a:rPr>
+                      <m:t>𝑘</m:t>
+                    </m:r>
+                    <m:r>
+                      <a:rPr lang="en-US" i="1" dirty="0" smtClean="0">
+                        <a:latin typeface="Cambria Math" panose="02040503050406030204" pitchFamily="18" charset="0"/>
+                      </a:rPr>
+                      <m:t>}</m:t>
+                    </m:r>
+                  </m:oMath>
+                </a14:m>
+                <a:endParaRPr lang="en-US" dirty="0" smtClean="0"/>
+              </a:p>
+              <a:p>
+                <a:pPr marL="1257300" lvl="2" indent="-342900">
+                  <a:buFont typeface="+mj-lt"/>
+                  <a:buAutoNum type="arabicPeriod"/>
+                </a:pPr>
+                <a:r>
+                  <a:rPr lang="en-US" dirty="0"/>
+                  <a:t> a path that goes from </a:t>
+                </a:r>
+                <a14:m>
+                  <m:oMath xmlns:m="http://schemas.openxmlformats.org/officeDocument/2006/math">
+                    <m:r>
+                      <a:rPr lang="en-US" i="1" dirty="0" smtClean="0">
+                        <a:latin typeface="Cambria Math" panose="02040503050406030204" pitchFamily="18" charset="0"/>
+                      </a:rPr>
+                      <m:t>𝑖</m:t>
+                    </m:r>
+                  </m:oMath>
+                </a14:m>
+                <a:r>
+                  <a:rPr lang="en-US" dirty="0"/>
+                  <a:t> to </a:t>
+                </a:r>
+                <a14:m>
+                  <m:oMath xmlns:m="http://schemas.openxmlformats.org/officeDocument/2006/math">
+                    <m:r>
+                      <a:rPr lang="en-US" i="1" dirty="0" smtClean="0">
+                        <a:latin typeface="Cambria Math" panose="02040503050406030204" pitchFamily="18" charset="0"/>
+                      </a:rPr>
+                      <m:t>𝑘</m:t>
+                    </m:r>
+                    <m:r>
+                      <a:rPr lang="en-US" i="1" dirty="0" smtClean="0">
+                        <a:latin typeface="Cambria Math" panose="02040503050406030204" pitchFamily="18" charset="0"/>
+                      </a:rPr>
+                      <m:t> + 1</m:t>
+                    </m:r>
+                  </m:oMath>
+                </a14:m>
+                <a:r>
+                  <a:rPr lang="en-US" dirty="0"/>
+                  <a:t> and then from </a:t>
+                </a:r>
+                <a14:m>
+                  <m:oMath xmlns:m="http://schemas.openxmlformats.org/officeDocument/2006/math">
+                    <m:r>
+                      <a:rPr lang="en-US" i="1" dirty="0" smtClean="0">
+                        <a:latin typeface="Cambria Math" panose="02040503050406030204" pitchFamily="18" charset="0"/>
+                      </a:rPr>
+                      <m:t>𝑘</m:t>
+                    </m:r>
+                    <m:r>
+                      <a:rPr lang="en-US" i="1" dirty="0" smtClean="0">
+                        <a:latin typeface="Cambria Math" panose="02040503050406030204" pitchFamily="18" charset="0"/>
+                      </a:rPr>
+                      <m:t> + 1</m:t>
+                    </m:r>
+                  </m:oMath>
+                </a14:m>
+                <a:r>
+                  <a:rPr lang="en-US" dirty="0"/>
+                  <a:t> to </a:t>
+                </a:r>
+                <a14:m>
+                  <m:oMath xmlns:m="http://schemas.openxmlformats.org/officeDocument/2006/math">
+                    <m:r>
+                      <a:rPr lang="en-US" i="1" dirty="0" smtClean="0">
+                        <a:latin typeface="Cambria Math" panose="02040503050406030204" pitchFamily="18" charset="0"/>
+                      </a:rPr>
+                      <m:t>𝑗</m:t>
+                    </m:r>
+                  </m:oMath>
+                </a14:m>
+                <a:endParaRPr lang="nl-NL" dirty="0" smtClean="0"/>
+              </a:p>
+              <a:p>
+                <a:pPr marL="1257300" lvl="2" indent="-342900">
+                  <a:buFont typeface="+mj-lt"/>
+                  <a:buAutoNum type="arabicPeriod"/>
+                </a:pPr>
+                <a:endParaRPr lang="nl-NL" dirty="0"/>
+              </a:p>
+              <a:p>
+                <a:pPr marL="857250" lvl="1" indent="-342900"/>
+                <a:r>
+                  <a:rPr lang="nl-NL" dirty="0" smtClean="0"/>
+                  <a:t>In </a:t>
+                </a:r>
+                <a:r>
+                  <a:rPr lang="nl-NL" dirty="0" err="1" smtClean="0"/>
+                  <a:t>other</a:t>
+                </a:r>
+                <a:r>
+                  <a:rPr lang="nl-NL" dirty="0" smtClean="0"/>
+                  <a:t> </a:t>
+                </a:r>
+                <a:r>
+                  <a:rPr lang="nl-NL" dirty="0" err="1" smtClean="0"/>
+                  <a:t>words</a:t>
+                </a:r>
+                <a:r>
+                  <a:rPr lang="nl-NL" dirty="0" smtClean="0"/>
+                  <a:t>… </a:t>
+                </a:r>
+                <a:r>
+                  <a:rPr lang="nl-NL" dirty="0" err="1" smtClean="0"/>
+                  <a:t>can</a:t>
+                </a:r>
+                <a:r>
+                  <a:rPr lang="nl-NL" dirty="0" smtClean="0"/>
+                  <a:t> we </a:t>
+                </a:r>
+                <a:r>
+                  <a:rPr lang="nl-NL" dirty="0" err="1" smtClean="0"/>
+                  <a:t>improve</a:t>
+                </a:r>
+                <a:r>
+                  <a:rPr lang="nl-NL" dirty="0" smtClean="0"/>
+                  <a:t> the </a:t>
+                </a:r>
+                <a:r>
+                  <a:rPr lang="nl-NL" dirty="0" err="1" smtClean="0"/>
+                  <a:t>shortest</a:t>
+                </a:r>
+                <a:r>
+                  <a:rPr lang="nl-NL" dirty="0" smtClean="0"/>
+                  <a:t> </a:t>
+                </a:r>
+                <a:r>
+                  <a:rPr lang="nl-NL" dirty="0" err="1" smtClean="0"/>
+                  <a:t>path</a:t>
+                </a:r>
+                <a:r>
+                  <a:rPr lang="nl-NL" dirty="0" smtClean="0"/>
+                  <a:t> </a:t>
+                </a:r>
+                <a:r>
+                  <a:rPr lang="nl-NL" dirty="0" err="1" smtClean="0"/>
+                  <a:t>between</a:t>
+                </a:r>
+                <a:r>
+                  <a:rPr lang="nl-NL" dirty="0" smtClean="0"/>
+                  <a:t> </a:t>
+                </a:r>
+                <a14:m>
+                  <m:oMath xmlns:m="http://schemas.openxmlformats.org/officeDocument/2006/math">
+                    <m:r>
+                      <a:rPr lang="nl-NL" b="0" i="1" smtClean="0">
+                        <a:latin typeface="Cambria Math" panose="02040503050406030204" pitchFamily="18" charset="0"/>
+                      </a:rPr>
+                      <m:t>𝑖</m:t>
+                    </m:r>
+                  </m:oMath>
+                </a14:m>
+                <a:r>
+                  <a:rPr lang="nl-NL" dirty="0" smtClean="0"/>
+                  <a:t> </a:t>
+                </a:r>
+                <a:r>
+                  <a:rPr lang="nl-NL" dirty="0" err="1" smtClean="0"/>
+                  <a:t>and</a:t>
+                </a:r>
+                <a:r>
+                  <a:rPr lang="nl-NL" dirty="0" smtClean="0"/>
+                  <a:t> </a:t>
+                </a:r>
+                <a14:m>
+                  <m:oMath xmlns:m="http://schemas.openxmlformats.org/officeDocument/2006/math">
+                    <m:r>
+                      <a:rPr lang="nl-NL" b="0" i="1" smtClean="0">
+                        <a:latin typeface="Cambria Math" panose="02040503050406030204" pitchFamily="18" charset="0"/>
+                      </a:rPr>
+                      <m:t>𝑗</m:t>
+                    </m:r>
+                  </m:oMath>
+                </a14:m>
+                <a:r>
+                  <a:rPr lang="nl-NL" dirty="0" smtClean="0"/>
+                  <a:t> </a:t>
+                </a:r>
+                <a:r>
+                  <a:rPr lang="nl-NL" dirty="0" err="1" smtClean="0"/>
+                  <a:t>if</a:t>
+                </a:r>
+                <a:r>
+                  <a:rPr lang="nl-NL" dirty="0" smtClean="0"/>
+                  <a:t> we pass </a:t>
+                </a:r>
+                <a:r>
+                  <a:rPr lang="nl-NL" dirty="0" err="1" smtClean="0"/>
+                  <a:t>through</a:t>
+                </a:r>
+                <a:r>
+                  <a:rPr lang="nl-NL" dirty="0" smtClean="0"/>
+                  <a:t> the vertex </a:t>
+                </a:r>
+                <a14:m>
+                  <m:oMath xmlns:m="http://schemas.openxmlformats.org/officeDocument/2006/math">
+                    <m:r>
+                      <a:rPr lang="nl-NL" b="0" i="1" smtClean="0">
+                        <a:latin typeface="Cambria Math" panose="02040503050406030204" pitchFamily="18" charset="0"/>
+                      </a:rPr>
+                      <m:t>𝑘</m:t>
+                    </m:r>
+                    <m:r>
+                      <a:rPr lang="nl-NL" b="0" i="1" smtClean="0">
+                        <a:latin typeface="Cambria Math" panose="02040503050406030204" pitchFamily="18" charset="0"/>
+                      </a:rPr>
+                      <m:t>+1</m:t>
+                    </m:r>
+                  </m:oMath>
+                </a14:m>
+                <a:r>
+                  <a:rPr lang="nl-NL" dirty="0" smtClean="0"/>
+                  <a:t>?</a:t>
+                </a:r>
+              </a:p>
+              <a:p>
+                <a:endParaRPr lang="nl-NL" dirty="0"/>
+              </a:p>
+            </p:txBody>
+          </p:sp>
+        </mc:Choice>
+        <mc:Fallback>
+          <p:sp>
+            <p:nvSpPr>
+              <p:cNvPr id="3" name="Tijdelijke aanduiding voor inhoud 2"/>
+              <p:cNvSpPr>
+                <a:spLocks noGrp="1" noRot="1" noChangeAspect="1" noMove="1" noResize="1" noEditPoints="1" noAdjustHandles="1" noChangeArrowheads="1" noChangeShapeType="1" noTextEdit="1"/>
+              </p:cNvSpPr>
+              <p:nvPr>
+                <p:ph idx="1"/>
+              </p:nvPr>
+            </p:nvSpPr>
+            <p:spPr>
+              <a:blipFill rotWithShape="0">
+                <a:blip r:embed="rId2"/>
+                <a:stretch>
+                  <a:fillRect l="-142" t="-942"/>
+                </a:stretch>
+              </a:blipFill>
+            </p:spPr>
+            <p:txBody>
+              <a:bodyPr/>
+              <a:lstStyle/>
+              <a:p>
+                <a:r>
+                  <a:rPr lang="nl-NL">
+                    <a:noFill/>
+                  </a:rPr>
+                  <a:t> </a:t>
+                </a:r>
+              </a:p>
+            </p:txBody>
+          </p:sp>
+        </mc:Fallback>
+      </mc:AlternateContent>
+      <p:sp>
+        <p:nvSpPr>
+          <p:cNvPr id="4" name="Tijdelijke aanduiding voor voettekst 3"/>
+          <p:cNvSpPr>
+            <a:spLocks noGrp="1"/>
+          </p:cNvSpPr>
+          <p:nvPr>
+            <p:ph type="ftr" sz="quarter" idx="11"/>
+          </p:nvPr>
+        </p:nvSpPr>
+        <p:spPr/>
+        <p:txBody>
+          <a:bodyPr/>
+          <a:lstStyle/>
+          <a:p>
+            <a:r>
+              <a:rPr lang="it-IT" smtClean="0"/>
+              <a:t>INFDEV026A - G. Costantini, F. Di Giacomo, G. Maggiore</a:t>
+            </a:r>
+            <a:endParaRPr lang="en-GB"/>
+          </a:p>
+        </p:txBody>
+      </p:sp>
+    </p:spTree>
+    <p:extLst>
+      <p:ext uri="{BB962C8B-B14F-4D97-AF65-F5344CB8AC3E}">
+        <p14:creationId xmlns:p14="http://schemas.microsoft.com/office/powerpoint/2010/main" val="316692210"/>
+      </p:ext>
+    </p:extLst>
+  </p:cSld>
+  <p:clrMapOvr>
+    <a:masterClrMapping/>
+  </p:clrMapOvr>
+  <p:timing>
+    <p:tnLst>
+      <p:par>
+        <p:cTn id="1" dur="indefinite" restart="never" nodeType="tmRoot"/>
+      </p:par>
+    </p:tnLst>
+  </p:timing>
+</p:sld>
+</file>
+
+<file path=ppt/slides/slide18.xml><?xml version="1.0" encoding="utf-8"?>
+<p:sld xmlns:a="http://schemas.openxmlformats.org/drawingml/2006/main" xmlns:r="http://schemas.openxmlformats.org/officeDocument/2006/relationships" xmlns:p="http://schemas.openxmlformats.org/presentationml/2006/main">
+  <p:cSld>
+    <p:spTree>
+      <p:nvGrpSpPr>
+        <p:cNvPr id="1" name=""/>
+        <p:cNvGrpSpPr/>
+        <p:nvPr/>
+      </p:nvGrpSpPr>
+      <p:grpSpPr>
+        <a:xfrm>
+          <a:off x="0" y="0"/>
+          <a:ext cx="0" cy="0"/>
+          <a:chOff x="0" y="0"/>
+          <a:chExt cx="0" cy="0"/>
+        </a:xfrm>
+      </p:grpSpPr>
+      <p:pic>
+        <p:nvPicPr>
+          <p:cNvPr id="5" name="Afbeelding 4"/>
+          <p:cNvPicPr>
+            <a:picLocks noChangeAspect="1"/>
+          </p:cNvPicPr>
+          <p:nvPr/>
+        </p:nvPicPr>
+        <p:blipFill>
+          <a:blip r:embed="rId2"/>
+          <a:stretch>
+            <a:fillRect/>
+          </a:stretch>
+        </p:blipFill>
+        <p:spPr>
+          <a:xfrm>
+            <a:off x="2060722" y="2867250"/>
+            <a:ext cx="5857200" cy="3174111"/>
+          </a:xfrm>
+          <a:prstGeom prst="rect">
+            <a:avLst/>
+          </a:prstGeom>
+        </p:spPr>
+      </p:pic>
+      <p:sp>
+        <p:nvSpPr>
+          <p:cNvPr id="2" name="Titel 1"/>
+          <p:cNvSpPr>
+            <a:spLocks noGrp="1"/>
+          </p:cNvSpPr>
+          <p:nvPr>
+            <p:ph type="title"/>
+          </p:nvPr>
+        </p:nvSpPr>
+        <p:spPr/>
+        <p:txBody>
+          <a:bodyPr/>
+          <a:lstStyle/>
+          <a:p>
+            <a:r>
+              <a:rPr lang="nl-NL" dirty="0" smtClean="0"/>
+              <a:t>Floyd-</a:t>
+            </a:r>
+            <a:r>
+              <a:rPr lang="nl-NL" dirty="0" err="1" smtClean="0"/>
+              <a:t>Warshall</a:t>
+            </a:r>
+            <a:r>
+              <a:rPr lang="nl-NL" dirty="0" smtClean="0"/>
+              <a:t> </a:t>
+            </a:r>
+            <a:r>
+              <a:rPr lang="nl-NL" dirty="0" err="1" smtClean="0"/>
+              <a:t>algorithm</a:t>
+            </a:r>
+            <a:endParaRPr lang="nl-NL" dirty="0"/>
+          </a:p>
+        </p:txBody>
+      </p:sp>
+      <mc:AlternateContent xmlns:mc="http://schemas.openxmlformats.org/markup-compatibility/2006">
+        <mc:Choice xmlns:a14="http://schemas.microsoft.com/office/drawing/2010/main" Requires="a14">
+          <p:sp>
+            <p:nvSpPr>
+              <p:cNvPr id="3" name="Tijdelijke aanduiding voor inhoud 2"/>
+              <p:cNvSpPr>
+                <a:spLocks noGrp="1"/>
+              </p:cNvSpPr>
+              <p:nvPr>
+                <p:ph idx="1"/>
+              </p:nvPr>
+            </p:nvSpPr>
+            <p:spPr/>
+            <p:txBody>
+              <a:bodyPr/>
+              <a:lstStyle/>
+              <a:p>
+                <a:r>
+                  <a:rPr lang="nl-NL" dirty="0" err="1" smtClean="0"/>
+                  <a:t>Can</a:t>
+                </a:r>
+                <a:r>
+                  <a:rPr lang="nl-NL" dirty="0" smtClean="0"/>
+                  <a:t> we </a:t>
+                </a:r>
+                <a:r>
+                  <a:rPr lang="nl-NL" dirty="0" err="1" smtClean="0"/>
+                  <a:t>improve</a:t>
+                </a:r>
+                <a:r>
+                  <a:rPr lang="nl-NL" dirty="0" smtClean="0"/>
+                  <a:t> the </a:t>
+                </a:r>
+                <a:r>
+                  <a:rPr lang="nl-NL" dirty="0" err="1" smtClean="0"/>
+                  <a:t>shortest</a:t>
+                </a:r>
+                <a:r>
+                  <a:rPr lang="nl-NL" dirty="0" smtClean="0"/>
+                  <a:t> </a:t>
+                </a:r>
+                <a:r>
+                  <a:rPr lang="nl-NL" dirty="0" err="1" smtClean="0"/>
+                  <a:t>path</a:t>
+                </a:r>
+                <a:r>
+                  <a:rPr lang="nl-NL" dirty="0" smtClean="0"/>
+                  <a:t> </a:t>
+                </a:r>
+                <a:r>
+                  <a:rPr lang="nl-NL" dirty="0" err="1" smtClean="0"/>
+                  <a:t>between</a:t>
+                </a:r>
+                <a:r>
+                  <a:rPr lang="nl-NL" dirty="0" smtClean="0"/>
+                  <a:t> </a:t>
+                </a:r>
+                <a14:m>
+                  <m:oMath xmlns:m="http://schemas.openxmlformats.org/officeDocument/2006/math">
+                    <m:r>
+                      <a:rPr lang="nl-NL" b="0" i="1" smtClean="0">
+                        <a:latin typeface="Cambria Math" panose="02040503050406030204" pitchFamily="18" charset="0"/>
+                      </a:rPr>
+                      <m:t>𝑖</m:t>
+                    </m:r>
+                  </m:oMath>
+                </a14:m>
+                <a:r>
+                  <a:rPr lang="nl-NL" dirty="0" smtClean="0"/>
+                  <a:t> </a:t>
+                </a:r>
+                <a:r>
+                  <a:rPr lang="nl-NL" dirty="0" err="1" smtClean="0"/>
+                  <a:t>and</a:t>
+                </a:r>
+                <a:r>
+                  <a:rPr lang="nl-NL" dirty="0" smtClean="0"/>
+                  <a:t> </a:t>
+                </a:r>
+                <a14:m>
+                  <m:oMath xmlns:m="http://schemas.openxmlformats.org/officeDocument/2006/math">
+                    <m:r>
+                      <a:rPr lang="nl-NL" b="0" i="1" smtClean="0">
+                        <a:latin typeface="Cambria Math" panose="02040503050406030204" pitchFamily="18" charset="0"/>
+                      </a:rPr>
+                      <m:t>𝑗</m:t>
+                    </m:r>
+                  </m:oMath>
+                </a14:m>
+                <a:r>
+                  <a:rPr lang="nl-NL" dirty="0" smtClean="0"/>
+                  <a:t> </a:t>
+                </a:r>
+                <a:r>
+                  <a:rPr lang="nl-NL" dirty="0" err="1" smtClean="0"/>
+                  <a:t>if</a:t>
+                </a:r>
+                <a:r>
+                  <a:rPr lang="nl-NL" dirty="0" smtClean="0"/>
+                  <a:t> we pass </a:t>
+                </a:r>
+                <a:r>
+                  <a:rPr lang="nl-NL" dirty="0" err="1" smtClean="0"/>
+                  <a:t>through</a:t>
+                </a:r>
+                <a:r>
+                  <a:rPr lang="nl-NL" dirty="0" smtClean="0"/>
+                  <a:t> the vertex </a:t>
+                </a:r>
+                <a14:m>
+                  <m:oMath xmlns:m="http://schemas.openxmlformats.org/officeDocument/2006/math">
+                    <m:r>
+                      <a:rPr lang="nl-NL" b="0" i="1" smtClean="0">
+                        <a:latin typeface="Cambria Math" panose="02040503050406030204" pitchFamily="18" charset="0"/>
+                      </a:rPr>
+                      <m:t>𝑘</m:t>
+                    </m:r>
+                    <m:r>
+                      <a:rPr lang="nl-NL" b="0" i="1" smtClean="0">
+                        <a:latin typeface="Cambria Math" panose="02040503050406030204" pitchFamily="18" charset="0"/>
+                      </a:rPr>
+                      <m:t>+1</m:t>
+                    </m:r>
+                  </m:oMath>
+                </a14:m>
+                <a:r>
+                  <a:rPr lang="nl-NL" dirty="0" smtClean="0"/>
+                  <a:t>?</a:t>
+                </a:r>
+              </a:p>
+              <a:p>
+                <a:endParaRPr lang="nl-NL" dirty="0"/>
+              </a:p>
+            </p:txBody>
+          </p:sp>
+        </mc:Choice>
+        <mc:Fallback>
+          <p:sp>
+            <p:nvSpPr>
+              <p:cNvPr id="3" name="Tijdelijke aanduiding voor inhoud 2"/>
+              <p:cNvSpPr>
+                <a:spLocks noGrp="1" noRot="1" noChangeAspect="1" noMove="1" noResize="1" noEditPoints="1" noAdjustHandles="1" noChangeArrowheads="1" noChangeShapeType="1" noTextEdit="1"/>
+              </p:cNvSpPr>
+              <p:nvPr>
+                <p:ph idx="1"/>
+              </p:nvPr>
+            </p:nvSpPr>
+            <p:spPr>
+              <a:blipFill rotWithShape="0">
+                <a:blip r:embed="rId3"/>
+                <a:stretch>
+                  <a:fillRect l="-142" t="-942"/>
+                </a:stretch>
+              </a:blipFill>
+            </p:spPr>
+            <p:txBody>
+              <a:bodyPr/>
+              <a:lstStyle/>
+              <a:p>
+                <a:r>
+                  <a:rPr lang="nl-NL">
+                    <a:noFill/>
+                  </a:rPr>
+                  <a:t> </a:t>
+                </a:r>
+              </a:p>
+            </p:txBody>
+          </p:sp>
+        </mc:Fallback>
+      </mc:AlternateContent>
+      <p:sp>
+        <p:nvSpPr>
+          <p:cNvPr id="4" name="Tijdelijke aanduiding voor voettekst 3"/>
+          <p:cNvSpPr>
+            <a:spLocks noGrp="1"/>
+          </p:cNvSpPr>
+          <p:nvPr>
+            <p:ph type="ftr" sz="quarter" idx="11"/>
+          </p:nvPr>
+        </p:nvSpPr>
+        <p:spPr/>
+        <p:txBody>
+          <a:bodyPr/>
+          <a:lstStyle/>
+          <a:p>
+            <a:r>
+              <a:rPr lang="it-IT" smtClean="0"/>
+              <a:t>INFDEV026A - G. Costantini, F. Di Giacomo, G. Maggiore</a:t>
+            </a:r>
+            <a:endParaRPr lang="en-GB"/>
+          </a:p>
+        </p:txBody>
+      </p:sp>
+    </p:spTree>
+    <p:extLst>
+      <p:ext uri="{BB962C8B-B14F-4D97-AF65-F5344CB8AC3E}">
+        <p14:creationId xmlns:p14="http://schemas.microsoft.com/office/powerpoint/2010/main" val="1920510999"/>
+      </p:ext>
+    </p:extLst>
+  </p:cSld>
+  <p:clrMapOvr>
+    <a:masterClrMapping/>
+  </p:clrMapOvr>
+  <p:timing>
+    <p:tnLst>
+      <p:par>
+        <p:cTn id="1" dur="indefinite" restart="never" nodeType="tmRoot"/>
+      </p:par>
+    </p:tnLst>
+  </p:timing>
+</p:sld>
+</file>
+
+<file path=ppt/slides/slide19.xml><?xml version="1.0" encoding="utf-8"?>
+<p:sld xmlns:a="http://schemas.openxmlformats.org/drawingml/2006/main" xmlns:r="http://schemas.openxmlformats.org/officeDocument/2006/relationships" xmlns:p="http://schemas.openxmlformats.org/presentationml/2006/main">
+  <p:cSld>
+    <p:spTree>
+      <p:nvGrpSpPr>
+        <p:cNvPr id="1" name=""/>
+        <p:cNvGrpSpPr/>
+        <p:nvPr/>
+      </p:nvGrpSpPr>
+      <p:grpSpPr>
+        <a:xfrm>
+          <a:off x="0" y="0"/>
+          <a:ext cx="0" cy="0"/>
+          <a:chOff x="0" y="0"/>
+          <a:chExt cx="0" cy="0"/>
+        </a:xfrm>
+      </p:grpSpPr>
+      <p:pic>
+        <p:nvPicPr>
+          <p:cNvPr id="5" name="Afbeelding 4"/>
+          <p:cNvPicPr>
+            <a:picLocks noChangeAspect="1"/>
+          </p:cNvPicPr>
+          <p:nvPr/>
+        </p:nvPicPr>
+        <p:blipFill>
+          <a:blip r:embed="rId2"/>
+          <a:stretch>
+            <a:fillRect/>
+          </a:stretch>
+        </p:blipFill>
+        <p:spPr>
+          <a:xfrm>
+            <a:off x="2414263" y="2564781"/>
+            <a:ext cx="4254721" cy="2305702"/>
+          </a:xfrm>
+          <a:prstGeom prst="rect">
+            <a:avLst/>
+          </a:prstGeom>
+        </p:spPr>
+      </p:pic>
+      <p:sp>
+        <p:nvSpPr>
+          <p:cNvPr id="2" name="Titel 1"/>
+          <p:cNvSpPr>
+            <a:spLocks noGrp="1"/>
+          </p:cNvSpPr>
+          <p:nvPr>
+            <p:ph type="title"/>
+          </p:nvPr>
+        </p:nvSpPr>
+        <p:spPr/>
+        <p:txBody>
+          <a:bodyPr/>
+          <a:lstStyle/>
+          <a:p>
+            <a:r>
+              <a:rPr lang="nl-NL" dirty="0" smtClean="0"/>
+              <a:t>Floyd-</a:t>
+            </a:r>
+            <a:r>
+              <a:rPr lang="nl-NL" dirty="0" err="1" smtClean="0"/>
+              <a:t>Warshall</a:t>
+            </a:r>
+            <a:r>
+              <a:rPr lang="nl-NL" dirty="0" smtClean="0"/>
+              <a:t> </a:t>
+            </a:r>
+            <a:r>
+              <a:rPr lang="nl-NL" dirty="0" err="1" smtClean="0"/>
+              <a:t>algorithm</a:t>
+            </a:r>
+            <a:endParaRPr lang="nl-NL" dirty="0"/>
+          </a:p>
+        </p:txBody>
+      </p:sp>
+      <mc:AlternateContent xmlns:mc="http://schemas.openxmlformats.org/markup-compatibility/2006">
+        <mc:Choice xmlns:a14="http://schemas.microsoft.com/office/drawing/2010/main" Requires="a14">
+          <p:sp>
+            <p:nvSpPr>
+              <p:cNvPr id="3" name="Tijdelijke aanduiding voor inhoud 2"/>
+              <p:cNvSpPr>
+                <a:spLocks noGrp="1"/>
+              </p:cNvSpPr>
+              <p:nvPr>
+                <p:ph idx="1"/>
+              </p:nvPr>
+            </p:nvSpPr>
+            <p:spPr>
+              <a:xfrm>
+                <a:off x="677334" y="2160589"/>
+                <a:ext cx="9098037" cy="3880773"/>
+              </a:xfrm>
+            </p:spPr>
+            <p:txBody>
+              <a:bodyPr/>
+              <a:lstStyle/>
+              <a:p>
+                <a:r>
+                  <a:rPr lang="nl-NL" dirty="0" smtClean="0"/>
+                  <a:t>Can we </a:t>
+                </a:r>
+                <a:r>
+                  <a:rPr lang="nl-NL" dirty="0" err="1" smtClean="0"/>
+                  <a:t>improve</a:t>
+                </a:r>
+                <a:r>
+                  <a:rPr lang="nl-NL" dirty="0" smtClean="0"/>
+                  <a:t> the </a:t>
+                </a:r>
+                <a:r>
+                  <a:rPr lang="nl-NL" dirty="0" err="1" smtClean="0"/>
+                  <a:t>shortest</a:t>
+                </a:r>
+                <a:r>
+                  <a:rPr lang="nl-NL" dirty="0" smtClean="0"/>
+                  <a:t> </a:t>
+                </a:r>
+                <a:r>
+                  <a:rPr lang="nl-NL" dirty="0" err="1" smtClean="0"/>
+                  <a:t>path</a:t>
+                </a:r>
+                <a:r>
+                  <a:rPr lang="nl-NL" dirty="0" smtClean="0"/>
+                  <a:t> </a:t>
+                </a:r>
+                <a:r>
+                  <a:rPr lang="nl-NL" dirty="0" err="1" smtClean="0"/>
+                  <a:t>between</a:t>
+                </a:r>
+                <a:r>
+                  <a:rPr lang="nl-NL" dirty="0" smtClean="0"/>
+                  <a:t> </a:t>
+                </a:r>
+                <a14:m>
+                  <m:oMath xmlns:m="http://schemas.openxmlformats.org/officeDocument/2006/math">
+                    <m:r>
+                      <a:rPr lang="nl-NL" b="0" i="1" smtClean="0">
+                        <a:latin typeface="Cambria Math" panose="02040503050406030204" pitchFamily="18" charset="0"/>
+                      </a:rPr>
+                      <m:t>𝑖</m:t>
+                    </m:r>
+                  </m:oMath>
+                </a14:m>
+                <a:r>
+                  <a:rPr lang="nl-NL" dirty="0" smtClean="0"/>
+                  <a:t> </a:t>
+                </a:r>
+                <a:r>
+                  <a:rPr lang="nl-NL" dirty="0" err="1" smtClean="0"/>
+                  <a:t>and</a:t>
+                </a:r>
+                <a:r>
+                  <a:rPr lang="nl-NL" dirty="0" smtClean="0"/>
+                  <a:t> </a:t>
+                </a:r>
+                <a14:m>
+                  <m:oMath xmlns:m="http://schemas.openxmlformats.org/officeDocument/2006/math">
+                    <m:r>
+                      <a:rPr lang="nl-NL" b="0" i="1" smtClean="0">
+                        <a:latin typeface="Cambria Math" panose="02040503050406030204" pitchFamily="18" charset="0"/>
+                      </a:rPr>
+                      <m:t>𝑗</m:t>
+                    </m:r>
+                  </m:oMath>
+                </a14:m>
+                <a:r>
+                  <a:rPr lang="nl-NL" dirty="0" smtClean="0"/>
+                  <a:t> </a:t>
+                </a:r>
+                <a:r>
+                  <a:rPr lang="nl-NL" dirty="0" err="1" smtClean="0"/>
+                  <a:t>if</a:t>
+                </a:r>
+                <a:r>
+                  <a:rPr lang="nl-NL" dirty="0" smtClean="0"/>
+                  <a:t> we pass </a:t>
+                </a:r>
+                <a:r>
+                  <a:rPr lang="nl-NL" dirty="0" err="1" smtClean="0"/>
+                  <a:t>through</a:t>
+                </a:r>
+                <a:r>
+                  <a:rPr lang="nl-NL" dirty="0" smtClean="0"/>
+                  <a:t> the vertex </a:t>
+                </a:r>
+                <a14:m>
+                  <m:oMath xmlns:m="http://schemas.openxmlformats.org/officeDocument/2006/math">
+                    <m:r>
+                      <a:rPr lang="nl-NL" b="0" i="1" smtClean="0">
+                        <a:latin typeface="Cambria Math" panose="02040503050406030204" pitchFamily="18" charset="0"/>
+                      </a:rPr>
+                      <m:t>𝑘</m:t>
+                    </m:r>
+                    <m:r>
+                      <a:rPr lang="nl-NL" b="0" i="1" smtClean="0">
+                        <a:latin typeface="Cambria Math" panose="02040503050406030204" pitchFamily="18" charset="0"/>
+                      </a:rPr>
+                      <m:t>+1</m:t>
+                    </m:r>
+                  </m:oMath>
+                </a14:m>
+                <a:r>
+                  <a:rPr lang="nl-NL" dirty="0" smtClean="0"/>
+                  <a:t>?</a:t>
+                </a:r>
+              </a:p>
+              <a:p>
+                <a:endParaRPr lang="nl-NL" dirty="0"/>
+              </a:p>
+              <a:p>
+                <a:endParaRPr lang="nl-NL" dirty="0" smtClean="0"/>
+              </a:p>
+              <a:p>
+                <a:endParaRPr lang="nl-NL" dirty="0"/>
+              </a:p>
+              <a:p>
+                <a:endParaRPr lang="nl-NL" dirty="0" smtClean="0"/>
+              </a:p>
+              <a:p>
+                <a:endParaRPr lang="nl-NL" dirty="0"/>
+              </a:p>
+              <a:p>
+                <a:endParaRPr lang="nl-NL" dirty="0" smtClean="0"/>
+              </a:p>
+              <a:p>
+                <a:pPr marL="0" indent="0">
+                  <a:buNone/>
+                </a:pPr>
+                <a14:m>
+                  <m:oMathPara xmlns:m="http://schemas.openxmlformats.org/officeDocument/2006/math">
+                    <m:oMathParaPr>
+                      <m:jc m:val="centerGroup"/>
+                    </m:oMathParaPr>
+                    <m:oMath xmlns:m="http://schemas.openxmlformats.org/officeDocument/2006/math">
+                      <m:r>
+                        <a:rPr lang="nl-NL" b="1" i="1" dirty="0" smtClean="0">
+                          <a:latin typeface="Cambria Math" panose="02040503050406030204" pitchFamily="18" charset="0"/>
+                        </a:rPr>
+                        <m:t>𝒔𝒉𝒐𝒓𝒕𝒆𝒔𝒕𝑷𝒂𝒕𝒉</m:t>
+                      </m:r>
+                      <m:d>
+                        <m:dPr>
+                          <m:ctrlPr>
+                            <a:rPr lang="nl-NL" b="1" i="1" dirty="0" smtClean="0">
+                              <a:latin typeface="Cambria Math" panose="02040503050406030204" pitchFamily="18" charset="0"/>
+                            </a:rPr>
+                          </m:ctrlPr>
+                        </m:dPr>
+                        <m:e>
+                          <m:r>
+                            <a:rPr lang="nl-NL" b="1" i="1" dirty="0">
+                              <a:latin typeface="Cambria Math" panose="02040503050406030204" pitchFamily="18" charset="0"/>
+                            </a:rPr>
+                            <m:t>𝒊</m:t>
+                          </m:r>
+                          <m:r>
+                            <a:rPr lang="nl-NL" b="1" i="1" dirty="0">
+                              <a:latin typeface="Cambria Math" panose="02040503050406030204" pitchFamily="18" charset="0"/>
+                            </a:rPr>
+                            <m:t>,</m:t>
+                          </m:r>
+                          <m:r>
+                            <a:rPr lang="nl-NL" b="1" i="1" dirty="0">
+                              <a:latin typeface="Cambria Math" panose="02040503050406030204" pitchFamily="18" charset="0"/>
+                            </a:rPr>
+                            <m:t>𝒋</m:t>
+                          </m:r>
+                          <m:r>
+                            <a:rPr lang="nl-NL" b="1" i="1" dirty="0">
+                              <a:latin typeface="Cambria Math" panose="02040503050406030204" pitchFamily="18" charset="0"/>
+                            </a:rPr>
+                            <m:t>,</m:t>
+                          </m:r>
+                          <m:r>
+                            <a:rPr lang="nl-NL" b="1" i="1" dirty="0">
+                              <a:latin typeface="Cambria Math" panose="02040503050406030204" pitchFamily="18" charset="0"/>
+                            </a:rPr>
+                            <m:t>𝒌</m:t>
+                          </m:r>
+                          <m:r>
+                            <a:rPr lang="nl-NL" b="1" i="1" dirty="0">
+                              <a:latin typeface="Cambria Math" panose="02040503050406030204" pitchFamily="18" charset="0"/>
+                            </a:rPr>
+                            <m:t>+</m:t>
+                          </m:r>
+                          <m:r>
+                            <a:rPr lang="nl-NL" b="1" i="1" dirty="0">
+                              <a:latin typeface="Cambria Math" panose="02040503050406030204" pitchFamily="18" charset="0"/>
+                            </a:rPr>
+                            <m:t>𝟏</m:t>
+                          </m:r>
+                        </m:e>
+                      </m:d>
+                      <m:r>
+                        <a:rPr lang="nl-NL" b="1" i="1" dirty="0">
+                          <a:latin typeface="Cambria Math" panose="02040503050406030204" pitchFamily="18" charset="0"/>
+                        </a:rPr>
+                        <m:t>= </m:t>
+                      </m:r>
+                      <m:r>
+                        <a:rPr lang="nl-NL" b="1" i="1" dirty="0">
+                          <a:latin typeface="Cambria Math" panose="02040503050406030204" pitchFamily="18" charset="0"/>
+                        </a:rPr>
+                        <m:t>𝒎𝒊𝒏</m:t>
+                      </m:r>
+                      <m:r>
+                        <a:rPr lang="nl-NL" b="1" i="1" dirty="0">
+                          <a:latin typeface="Cambria Math" panose="02040503050406030204" pitchFamily="18" charset="0"/>
+                        </a:rPr>
+                        <m:t>⁡(</m:t>
+                      </m:r>
+                      <m:r>
+                        <a:rPr lang="nl-NL" b="1" i="1" dirty="0" err="1">
+                          <a:latin typeface="Cambria Math" panose="02040503050406030204" pitchFamily="18" charset="0"/>
+                        </a:rPr>
+                        <m:t>𝒔𝒉𝒐𝒓𝒕𝒆𝒔𝒕𝑷𝒂𝒕𝒉</m:t>
+                      </m:r>
+                      <m:r>
+                        <a:rPr lang="nl-NL" b="1" i="1" dirty="0">
+                          <a:latin typeface="Cambria Math" panose="02040503050406030204" pitchFamily="18" charset="0"/>
+                        </a:rPr>
+                        <m:t>(</m:t>
+                      </m:r>
+                      <m:r>
+                        <a:rPr lang="nl-NL" b="1" i="1" dirty="0" err="1">
+                          <a:latin typeface="Cambria Math" panose="02040503050406030204" pitchFamily="18" charset="0"/>
+                        </a:rPr>
+                        <m:t>𝒊</m:t>
+                      </m:r>
+                      <m:r>
+                        <a:rPr lang="nl-NL" b="1" i="1" dirty="0" err="1">
+                          <a:latin typeface="Cambria Math" panose="02040503050406030204" pitchFamily="18" charset="0"/>
+                        </a:rPr>
+                        <m:t>,</m:t>
+                      </m:r>
+                      <m:r>
+                        <a:rPr lang="nl-NL" b="1" i="1" dirty="0" err="1">
+                          <a:latin typeface="Cambria Math" panose="02040503050406030204" pitchFamily="18" charset="0"/>
+                        </a:rPr>
+                        <m:t>𝒋</m:t>
+                      </m:r>
+                      <m:r>
+                        <a:rPr lang="nl-NL" b="1" i="1" dirty="0" err="1">
+                          <a:latin typeface="Cambria Math" panose="02040503050406030204" pitchFamily="18" charset="0"/>
+                        </a:rPr>
+                        <m:t>,</m:t>
+                      </m:r>
+                      <m:r>
+                        <a:rPr lang="nl-NL" b="1" i="1" dirty="0" err="1">
+                          <a:latin typeface="Cambria Math" panose="02040503050406030204" pitchFamily="18" charset="0"/>
+                        </a:rPr>
+                        <m:t>𝒌</m:t>
+                      </m:r>
+                      <m:r>
+                        <a:rPr lang="nl-NL" b="1" i="1" dirty="0">
+                          <a:latin typeface="Cambria Math" panose="02040503050406030204" pitchFamily="18" charset="0"/>
+                        </a:rPr>
+                        <m:t>), </m:t>
+                      </m:r>
+                      <m:r>
+                        <a:rPr lang="nl-NL" b="1" i="1" dirty="0" err="1">
+                          <a:latin typeface="Cambria Math" panose="02040503050406030204" pitchFamily="18" charset="0"/>
+                        </a:rPr>
+                        <m:t>𝒔𝒉𝒐𝒓𝒕𝒆𝒔𝒕𝑷𝒂𝒕𝒉</m:t>
+                      </m:r>
+                      <m:r>
+                        <a:rPr lang="nl-NL" b="1" i="1" dirty="0">
+                          <a:latin typeface="Cambria Math" panose="02040503050406030204" pitchFamily="18" charset="0"/>
+                        </a:rPr>
+                        <m:t>(</m:t>
+                      </m:r>
+                      <m:r>
+                        <a:rPr lang="nl-NL" b="1" i="1" dirty="0">
+                          <a:latin typeface="Cambria Math" panose="02040503050406030204" pitchFamily="18" charset="0"/>
+                        </a:rPr>
+                        <m:t>𝒊</m:t>
+                      </m:r>
+                      <m:r>
+                        <a:rPr lang="nl-NL" b="1" i="1" dirty="0">
+                          <a:latin typeface="Cambria Math" panose="02040503050406030204" pitchFamily="18" charset="0"/>
+                        </a:rPr>
+                        <m:t>,</m:t>
+                      </m:r>
+                      <m:r>
+                        <a:rPr lang="nl-NL" b="1" i="1" dirty="0">
+                          <a:latin typeface="Cambria Math" panose="02040503050406030204" pitchFamily="18" charset="0"/>
+                        </a:rPr>
+                        <m:t>𝒌</m:t>
+                      </m:r>
+                      <m:r>
+                        <a:rPr lang="nl-NL" b="1" i="1" dirty="0">
+                          <a:latin typeface="Cambria Math" panose="02040503050406030204" pitchFamily="18" charset="0"/>
+                        </a:rPr>
+                        <m:t>+</m:t>
+                      </m:r>
+                      <m:r>
+                        <a:rPr lang="nl-NL" b="1" i="1" dirty="0">
+                          <a:latin typeface="Cambria Math" panose="02040503050406030204" pitchFamily="18" charset="0"/>
+                        </a:rPr>
+                        <m:t>𝟏</m:t>
+                      </m:r>
+                      <m:r>
+                        <a:rPr lang="nl-NL" b="1" i="1" dirty="0">
+                          <a:latin typeface="Cambria Math" panose="02040503050406030204" pitchFamily="18" charset="0"/>
+                        </a:rPr>
+                        <m:t>,</m:t>
+                      </m:r>
+                      <m:r>
+                        <a:rPr lang="nl-NL" b="1" i="1" dirty="0">
+                          <a:latin typeface="Cambria Math" panose="02040503050406030204" pitchFamily="18" charset="0"/>
+                        </a:rPr>
+                        <m:t>𝒌</m:t>
+                      </m:r>
+                      <m:r>
+                        <a:rPr lang="nl-NL" b="1" i="1" dirty="0">
+                          <a:latin typeface="Cambria Math" panose="02040503050406030204" pitchFamily="18" charset="0"/>
+                        </a:rPr>
+                        <m:t>) + </m:t>
+                      </m:r>
+                      <m:r>
+                        <a:rPr lang="nl-NL" b="1" i="1" dirty="0" err="1">
+                          <a:latin typeface="Cambria Math" panose="02040503050406030204" pitchFamily="18" charset="0"/>
+                        </a:rPr>
+                        <m:t>𝒔𝒉𝒐𝒓𝒕𝒆𝒔𝒕𝑷𝒂𝒕𝒉</m:t>
+                      </m:r>
+                      <m:r>
+                        <a:rPr lang="nl-NL" b="1" i="1" dirty="0">
+                          <a:latin typeface="Cambria Math" panose="02040503050406030204" pitchFamily="18" charset="0"/>
+                        </a:rPr>
+                        <m:t>(</m:t>
+                      </m:r>
+                      <m:r>
+                        <a:rPr lang="nl-NL" b="1" i="1" dirty="0">
+                          <a:latin typeface="Cambria Math" panose="02040503050406030204" pitchFamily="18" charset="0"/>
+                        </a:rPr>
+                        <m:t>𝒌</m:t>
+                      </m:r>
+                      <m:r>
+                        <a:rPr lang="nl-NL" b="1" i="1" dirty="0">
+                          <a:latin typeface="Cambria Math" panose="02040503050406030204" pitchFamily="18" charset="0"/>
+                        </a:rPr>
+                        <m:t>+</m:t>
+                      </m:r>
+                      <m:r>
+                        <a:rPr lang="nl-NL" b="1" i="1" dirty="0">
+                          <a:latin typeface="Cambria Math" panose="02040503050406030204" pitchFamily="18" charset="0"/>
+                        </a:rPr>
+                        <m:t>𝟏</m:t>
+                      </m:r>
+                      <m:r>
+                        <a:rPr lang="nl-NL" b="1" i="1" dirty="0">
+                          <a:latin typeface="Cambria Math" panose="02040503050406030204" pitchFamily="18" charset="0"/>
+                        </a:rPr>
+                        <m:t>,</m:t>
+                      </m:r>
+                      <m:r>
+                        <a:rPr lang="nl-NL" b="1" i="1" dirty="0">
+                          <a:latin typeface="Cambria Math" panose="02040503050406030204" pitchFamily="18" charset="0"/>
+                        </a:rPr>
+                        <m:t>𝒋</m:t>
+                      </m:r>
+                      <m:r>
+                        <a:rPr lang="nl-NL" b="1" i="1" dirty="0">
+                          <a:latin typeface="Cambria Math" panose="02040503050406030204" pitchFamily="18" charset="0"/>
+                        </a:rPr>
+                        <m:t>,</m:t>
+                      </m:r>
+                      <m:r>
+                        <a:rPr lang="nl-NL" b="1" i="1" dirty="0">
+                          <a:latin typeface="Cambria Math" panose="02040503050406030204" pitchFamily="18" charset="0"/>
+                        </a:rPr>
+                        <m:t>𝒌</m:t>
+                      </m:r>
+                      <m:r>
+                        <a:rPr lang="nl-NL" b="1" i="1" dirty="0">
+                          <a:latin typeface="Cambria Math" panose="02040503050406030204" pitchFamily="18" charset="0"/>
+                        </a:rPr>
+                        <m:t>))</m:t>
+                      </m:r>
+                    </m:oMath>
+                  </m:oMathPara>
+                </a14:m>
+                <a:endParaRPr lang="nl-NL" b="1" dirty="0" smtClean="0"/>
+              </a:p>
+              <a:p>
+                <a:endParaRPr lang="nl-NL" dirty="0"/>
+              </a:p>
+            </p:txBody>
+          </p:sp>
+        </mc:Choice>
+        <mc:Fallback>
+          <p:sp>
+            <p:nvSpPr>
+              <p:cNvPr id="3" name="Tijdelijke aanduiding voor inhoud 2"/>
+              <p:cNvSpPr>
+                <a:spLocks noGrp="1" noRot="1" noChangeAspect="1" noMove="1" noResize="1" noEditPoints="1" noAdjustHandles="1" noChangeArrowheads="1" noChangeShapeType="1" noTextEdit="1"/>
+              </p:cNvSpPr>
+              <p:nvPr>
+                <p:ph idx="1"/>
+              </p:nvPr>
+            </p:nvSpPr>
+            <p:spPr>
+              <a:xfrm>
+                <a:off x="677334" y="2160589"/>
+                <a:ext cx="9098037" cy="3880773"/>
+              </a:xfrm>
+              <a:blipFill rotWithShape="0">
+                <a:blip r:embed="rId3"/>
+                <a:stretch>
+                  <a:fillRect l="-134" t="-942"/>
+                </a:stretch>
+              </a:blipFill>
+            </p:spPr>
+            <p:txBody>
+              <a:bodyPr/>
+              <a:lstStyle/>
+              <a:p>
+                <a:r>
+                  <a:rPr lang="nl-NL">
+                    <a:noFill/>
+                  </a:rPr>
+                  <a:t> </a:t>
+                </a:r>
+              </a:p>
+            </p:txBody>
+          </p:sp>
+        </mc:Fallback>
+      </mc:AlternateContent>
+      <p:sp>
+        <p:nvSpPr>
+          <p:cNvPr id="4" name="Tijdelijke aanduiding voor voettekst 3"/>
+          <p:cNvSpPr>
+            <a:spLocks noGrp="1"/>
+          </p:cNvSpPr>
+          <p:nvPr>
+            <p:ph type="ftr" sz="quarter" idx="11"/>
+          </p:nvPr>
+        </p:nvSpPr>
+        <p:spPr/>
+        <p:txBody>
+          <a:bodyPr/>
+          <a:lstStyle/>
+          <a:p>
+            <a:r>
+              <a:rPr lang="it-IT" smtClean="0"/>
+              <a:t>INFDEV026A - G. Costantini, F. Di Giacomo, G. Maggiore</a:t>
+            </a:r>
+            <a:endParaRPr lang="en-GB"/>
+          </a:p>
+        </p:txBody>
+      </p:sp>
+    </p:spTree>
+    <p:extLst>
+      <p:ext uri="{BB962C8B-B14F-4D97-AF65-F5344CB8AC3E}">
+        <p14:creationId xmlns:p14="http://schemas.microsoft.com/office/powerpoint/2010/main" val="3669664249"/>
       </p:ext>
     </p:extLst>
   </p:cSld>
@@ -8198,6 +11405,5311 @@
 </p:sld>
 </file>
 
+<file path=ppt/slides/slide20.xml><?xml version="1.0" encoding="utf-8"?>
+<p:sld xmlns:a="http://schemas.openxmlformats.org/drawingml/2006/main" xmlns:r="http://schemas.openxmlformats.org/officeDocument/2006/relationships" xmlns:p="http://schemas.openxmlformats.org/presentationml/2006/main">
+  <p:cSld>
+    <p:spTree>
+      <p:nvGrpSpPr>
+        <p:cNvPr id="1" name=""/>
+        <p:cNvGrpSpPr/>
+        <p:nvPr/>
+      </p:nvGrpSpPr>
+      <p:grpSpPr>
+        <a:xfrm>
+          <a:off x="0" y="0"/>
+          <a:ext cx="0" cy="0"/>
+          <a:chOff x="0" y="0"/>
+          <a:chExt cx="0" cy="0"/>
+        </a:xfrm>
+      </p:grpSpPr>
+      <p:sp>
+        <p:nvSpPr>
+          <p:cNvPr id="2" name="Titel 1"/>
+          <p:cNvSpPr>
+            <a:spLocks noGrp="1"/>
+          </p:cNvSpPr>
+          <p:nvPr>
+            <p:ph type="title"/>
+          </p:nvPr>
+        </p:nvSpPr>
+        <p:spPr/>
+        <p:txBody>
+          <a:bodyPr/>
+          <a:lstStyle/>
+          <a:p>
+            <a:r>
+              <a:rPr lang="nl-NL" dirty="0" smtClean="0"/>
+              <a:t>Floyd-</a:t>
+            </a:r>
+            <a:r>
+              <a:rPr lang="nl-NL" dirty="0" err="1" smtClean="0"/>
+              <a:t>Warshall</a:t>
+            </a:r>
+            <a:r>
+              <a:rPr lang="nl-NL" dirty="0" smtClean="0"/>
+              <a:t> </a:t>
+            </a:r>
+            <a:r>
+              <a:rPr lang="nl-NL" dirty="0" err="1" smtClean="0"/>
+              <a:t>algorithm</a:t>
+            </a:r>
+            <a:endParaRPr lang="nl-NL" dirty="0"/>
+          </a:p>
+        </p:txBody>
+      </p:sp>
+      <mc:AlternateContent xmlns:mc="http://schemas.openxmlformats.org/markup-compatibility/2006">
+        <mc:Choice xmlns:a14="http://schemas.microsoft.com/office/drawing/2010/main" Requires="a14">
+          <p:sp>
+            <p:nvSpPr>
+              <p:cNvPr id="3" name="Tijdelijke aanduiding voor inhoud 2"/>
+              <p:cNvSpPr>
+                <a:spLocks noGrp="1"/>
+              </p:cNvSpPr>
+              <p:nvPr>
+                <p:ph idx="1"/>
+              </p:nvPr>
+            </p:nvSpPr>
+            <p:spPr>
+              <a:xfrm>
+                <a:off x="677333" y="2160589"/>
+                <a:ext cx="9391953" cy="3880773"/>
+              </a:xfrm>
+            </p:spPr>
+            <p:txBody>
+              <a:bodyPr/>
+              <a:lstStyle/>
+              <a:p>
+                <a:r>
+                  <a:rPr lang="en-US" dirty="0" smtClean="0"/>
+                  <a:t>What </a:t>
+                </a:r>
+                <a:r>
+                  <a:rPr lang="en-US" dirty="0"/>
+                  <a:t>is the </a:t>
+                </a:r>
+                <a:r>
+                  <a:rPr lang="en-US" dirty="0" smtClean="0"/>
+                  <a:t>base </a:t>
+                </a:r>
+                <a:r>
+                  <a:rPr lang="en-US" dirty="0"/>
+                  <a:t>(easiest) </a:t>
+                </a:r>
+                <a:r>
+                  <a:rPr lang="en-US" dirty="0" smtClean="0"/>
+                  <a:t>case of </a:t>
+                </a:r>
+                <a14:m>
+                  <m:oMath xmlns:m="http://schemas.openxmlformats.org/officeDocument/2006/math">
+                    <m:r>
+                      <a:rPr lang="nl-NL" i="1" dirty="0">
+                        <a:latin typeface="Cambria Math" panose="02040503050406030204" pitchFamily="18" charset="0"/>
+                      </a:rPr>
+                      <m:t>𝑠h𝑜𝑟𝑡𝑒𝑠𝑡𝑃𝑎𝑡h</m:t>
+                    </m:r>
+                    <m:r>
+                      <a:rPr lang="nl-NL" i="1" dirty="0">
+                        <a:latin typeface="Cambria Math" panose="02040503050406030204" pitchFamily="18" charset="0"/>
+                      </a:rPr>
+                      <m:t>(</m:t>
+                    </m:r>
+                    <m:r>
+                      <a:rPr lang="nl-NL" i="1" dirty="0">
+                        <a:latin typeface="Cambria Math" panose="02040503050406030204" pitchFamily="18" charset="0"/>
+                      </a:rPr>
+                      <m:t>𝑖</m:t>
+                    </m:r>
+                    <m:r>
+                      <a:rPr lang="nl-NL" i="1" dirty="0">
+                        <a:latin typeface="Cambria Math" panose="02040503050406030204" pitchFamily="18" charset="0"/>
+                      </a:rPr>
+                      <m:t>,</m:t>
+                    </m:r>
+                    <m:r>
+                      <a:rPr lang="nl-NL" i="1" dirty="0">
+                        <a:latin typeface="Cambria Math" panose="02040503050406030204" pitchFamily="18" charset="0"/>
+                      </a:rPr>
+                      <m:t>𝑗</m:t>
+                    </m:r>
+                    <m:r>
+                      <a:rPr lang="nl-NL" i="1" dirty="0">
+                        <a:latin typeface="Cambria Math" panose="02040503050406030204" pitchFamily="18" charset="0"/>
+                      </a:rPr>
+                      <m:t>,</m:t>
+                    </m:r>
+                    <m:r>
+                      <a:rPr lang="nl-NL" i="1" dirty="0">
+                        <a:latin typeface="Cambria Math" panose="02040503050406030204" pitchFamily="18" charset="0"/>
+                      </a:rPr>
+                      <m:t>𝑘</m:t>
+                    </m:r>
+                    <m:r>
+                      <a:rPr lang="nl-NL" i="1" dirty="0">
+                        <a:latin typeface="Cambria Math" panose="02040503050406030204" pitchFamily="18" charset="0"/>
+                      </a:rPr>
+                      <m:t>)</m:t>
+                    </m:r>
+                  </m:oMath>
+                </a14:m>
+                <a:r>
+                  <a:rPr lang="en-US" dirty="0" smtClean="0"/>
+                  <a:t>?</a:t>
+                </a:r>
+              </a:p>
+              <a:p>
+                <a:pPr lvl="1"/>
+                <a14:m>
+                  <m:oMath xmlns:m="http://schemas.openxmlformats.org/officeDocument/2006/math">
+                    <m:r>
+                      <a:rPr lang="nl-NL" b="0" i="1" dirty="0" smtClean="0">
+                        <a:latin typeface="Cambria Math" panose="02040503050406030204" pitchFamily="18" charset="0"/>
+                      </a:rPr>
+                      <m:t>𝑘</m:t>
+                    </m:r>
+                    <m:r>
+                      <a:rPr lang="en-US" i="1" dirty="0" smtClean="0">
+                        <a:latin typeface="Cambria Math" panose="02040503050406030204" pitchFamily="18" charset="0"/>
+                      </a:rPr>
+                      <m:t> = 0</m:t>
+                    </m:r>
+                  </m:oMath>
+                </a14:m>
+                <a:r>
+                  <a:rPr lang="en-US" dirty="0" smtClean="0"/>
+                  <a:t> </a:t>
+                </a:r>
+                <a:r>
+                  <a:rPr lang="en-US" dirty="0" smtClean="0">
+                    <a:sym typeface="Wingdings" panose="05000000000000000000" pitchFamily="2" charset="2"/>
+                  </a:rPr>
+                  <a:t> the path between </a:t>
+                </a:r>
+                <a14:m>
+                  <m:oMath xmlns:m="http://schemas.openxmlformats.org/officeDocument/2006/math">
+                    <m:r>
+                      <a:rPr lang="nl-NL" b="0" i="1" smtClean="0">
+                        <a:latin typeface="Cambria Math" panose="02040503050406030204" pitchFamily="18" charset="0"/>
+                        <a:sym typeface="Wingdings" panose="05000000000000000000" pitchFamily="2" charset="2"/>
+                      </a:rPr>
+                      <m:t>𝑖</m:t>
+                    </m:r>
+                  </m:oMath>
+                </a14:m>
+                <a:r>
+                  <a:rPr lang="en-US" dirty="0" smtClean="0"/>
+                  <a:t> and </a:t>
+                </a:r>
+                <a14:m>
+                  <m:oMath xmlns:m="http://schemas.openxmlformats.org/officeDocument/2006/math">
+                    <m:r>
+                      <a:rPr lang="nl-NL" b="0" i="1" smtClean="0">
+                        <a:latin typeface="Cambria Math" panose="02040503050406030204" pitchFamily="18" charset="0"/>
+                      </a:rPr>
+                      <m:t>𝑗</m:t>
+                    </m:r>
+                  </m:oMath>
+                </a14:m>
+                <a:r>
+                  <a:rPr lang="en-US" dirty="0" smtClean="0"/>
+                  <a:t> does not involve any other vertex</a:t>
+                </a:r>
+              </a:p>
+              <a:p>
+                <a:pPr lvl="1"/>
+                <a:r>
+                  <a:rPr lang="en-US" dirty="0" smtClean="0"/>
+                  <a:t>Length of the path = weight of the edge </a:t>
+                </a:r>
+                <a14:m>
+                  <m:oMath xmlns:m="http://schemas.openxmlformats.org/officeDocument/2006/math">
+                    <m:r>
+                      <a:rPr lang="nl-NL" b="0" i="1" smtClean="0">
+                        <a:latin typeface="Cambria Math" panose="02040503050406030204" pitchFamily="18" charset="0"/>
+                      </a:rPr>
+                      <m:t>𝑤</m:t>
+                    </m:r>
+                    <m:r>
+                      <a:rPr lang="nl-NL" b="0" i="1" smtClean="0">
+                        <a:latin typeface="Cambria Math" panose="02040503050406030204" pitchFamily="18" charset="0"/>
+                      </a:rPr>
+                      <m:t>(</m:t>
+                    </m:r>
+                    <m:r>
+                      <a:rPr lang="nl-NL" b="0" i="1" smtClean="0">
+                        <a:latin typeface="Cambria Math" panose="02040503050406030204" pitchFamily="18" charset="0"/>
+                      </a:rPr>
+                      <m:t>𝑖</m:t>
+                    </m:r>
+                    <m:r>
+                      <a:rPr lang="nl-NL" b="0" i="1" smtClean="0">
+                        <a:latin typeface="Cambria Math" panose="02040503050406030204" pitchFamily="18" charset="0"/>
+                      </a:rPr>
+                      <m:t>,</m:t>
+                    </m:r>
+                    <m:r>
+                      <a:rPr lang="nl-NL" b="0" i="1" smtClean="0">
+                        <a:latin typeface="Cambria Math" panose="02040503050406030204" pitchFamily="18" charset="0"/>
+                      </a:rPr>
+                      <m:t>𝑗</m:t>
+                    </m:r>
+                    <m:r>
+                      <a:rPr lang="nl-NL" b="0" i="1" smtClean="0">
+                        <a:latin typeface="Cambria Math" panose="02040503050406030204" pitchFamily="18" charset="0"/>
+                      </a:rPr>
+                      <m:t>)</m:t>
+                    </m:r>
+                  </m:oMath>
+                </a14:m>
+                <a:endParaRPr lang="nl-NL" dirty="0" smtClean="0"/>
+              </a:p>
+              <a:p>
+                <a:pPr lvl="2"/>
+                <a:r>
+                  <a:rPr lang="nl-NL" dirty="0" err="1" smtClean="0"/>
+                  <a:t>Remember</a:t>
+                </a:r>
+                <a:r>
+                  <a:rPr lang="nl-NL" dirty="0" smtClean="0"/>
+                  <a:t> </a:t>
+                </a:r>
+                <a:r>
+                  <a:rPr lang="nl-NL" dirty="0" err="1" smtClean="0"/>
+                  <a:t>that</a:t>
+                </a:r>
+                <a:r>
+                  <a:rPr lang="nl-NL" dirty="0" smtClean="0"/>
+                  <a:t> </a:t>
+                </a:r>
+                <a:r>
+                  <a:rPr lang="nl-NL" dirty="0" err="1" smtClean="0"/>
+                  <a:t>if</a:t>
+                </a:r>
+                <a:r>
+                  <a:rPr lang="nl-NL" dirty="0" smtClean="0"/>
+                  <a:t> </a:t>
+                </a:r>
+                <a:r>
+                  <a:rPr lang="nl-NL" dirty="0" err="1" smtClean="0"/>
+                  <a:t>two</a:t>
+                </a:r>
+                <a:r>
+                  <a:rPr lang="nl-NL" dirty="0" smtClean="0"/>
+                  <a:t> </a:t>
+                </a:r>
+                <a:r>
+                  <a:rPr lang="nl-NL" dirty="0" err="1" smtClean="0"/>
+                  <a:t>vertices</a:t>
+                </a:r>
+                <a:r>
+                  <a:rPr lang="nl-NL" dirty="0" smtClean="0"/>
+                  <a:t> are </a:t>
+                </a:r>
+                <a:r>
+                  <a:rPr lang="nl-NL" dirty="0" err="1" smtClean="0"/>
+                  <a:t>not</a:t>
+                </a:r>
+                <a:r>
+                  <a:rPr lang="nl-NL" dirty="0" smtClean="0"/>
+                  <a:t> </a:t>
+                </a:r>
+                <a:r>
+                  <a:rPr lang="nl-NL" dirty="0" err="1" smtClean="0"/>
+                  <a:t>directly</a:t>
+                </a:r>
+                <a:r>
+                  <a:rPr lang="nl-NL" dirty="0" smtClean="0"/>
+                  <a:t> </a:t>
+                </a:r>
+                <a:r>
+                  <a:rPr lang="nl-NL" dirty="0" err="1" smtClean="0"/>
+                  <a:t>connected</a:t>
+                </a:r>
+                <a:r>
+                  <a:rPr lang="nl-NL" dirty="0" smtClean="0"/>
+                  <a:t>, then </a:t>
+                </a:r>
+                <a14:m>
+                  <m:oMath xmlns:m="http://schemas.openxmlformats.org/officeDocument/2006/math">
+                    <m:r>
+                      <a:rPr lang="nl-NL" b="0" i="1" smtClean="0">
+                        <a:latin typeface="Cambria Math" panose="02040503050406030204" pitchFamily="18" charset="0"/>
+                      </a:rPr>
+                      <m:t>𝑤</m:t>
+                    </m:r>
+                    <m:d>
+                      <m:dPr>
+                        <m:ctrlPr>
+                          <a:rPr lang="nl-NL" b="0" i="1" smtClean="0">
+                            <a:latin typeface="Cambria Math" panose="02040503050406030204" pitchFamily="18" charset="0"/>
+                          </a:rPr>
+                        </m:ctrlPr>
+                      </m:dPr>
+                      <m:e>
+                        <m:r>
+                          <a:rPr lang="nl-NL" b="0" i="1" smtClean="0">
+                            <a:latin typeface="Cambria Math" panose="02040503050406030204" pitchFamily="18" charset="0"/>
+                          </a:rPr>
+                          <m:t>𝑖</m:t>
+                        </m:r>
+                        <m:r>
+                          <a:rPr lang="nl-NL" b="0" i="1" smtClean="0">
+                            <a:latin typeface="Cambria Math" panose="02040503050406030204" pitchFamily="18" charset="0"/>
+                          </a:rPr>
+                          <m:t>,</m:t>
+                        </m:r>
+                        <m:r>
+                          <a:rPr lang="nl-NL" b="0" i="1" smtClean="0">
+                            <a:latin typeface="Cambria Math" panose="02040503050406030204" pitchFamily="18" charset="0"/>
+                          </a:rPr>
+                          <m:t>𝑗</m:t>
+                        </m:r>
+                      </m:e>
+                    </m:d>
+                    <m:r>
+                      <a:rPr lang="nl-NL" b="0" i="1" smtClean="0">
+                        <a:latin typeface="Cambria Math" panose="02040503050406030204" pitchFamily="18" charset="0"/>
+                      </a:rPr>
+                      <m:t>=∞</m:t>
+                    </m:r>
+                  </m:oMath>
+                </a14:m>
+                <a:endParaRPr lang="nl-NL" dirty="0" smtClean="0"/>
+              </a:p>
+              <a:p>
+                <a:pPr lvl="2"/>
+                <a:endParaRPr lang="nl-NL" dirty="0"/>
+              </a:p>
+              <a:p>
+                <a:pPr marL="0" indent="0">
+                  <a:buNone/>
+                </a:pPr>
+                <a:endParaRPr lang="nl-NL" dirty="0">
+                  <a:solidFill>
+                    <a:srgbClr val="FF0000"/>
+                  </a:solidFill>
+                </a:endParaRPr>
+              </a:p>
+            </p:txBody>
+          </p:sp>
+        </mc:Choice>
+        <mc:Fallback>
+          <p:sp>
+            <p:nvSpPr>
+              <p:cNvPr id="3" name="Tijdelijke aanduiding voor inhoud 2"/>
+              <p:cNvSpPr>
+                <a:spLocks noGrp="1" noRot="1" noChangeAspect="1" noMove="1" noResize="1" noEditPoints="1" noAdjustHandles="1" noChangeArrowheads="1" noChangeShapeType="1" noTextEdit="1"/>
+              </p:cNvSpPr>
+              <p:nvPr>
+                <p:ph idx="1"/>
+              </p:nvPr>
+            </p:nvSpPr>
+            <p:spPr>
+              <a:xfrm>
+                <a:off x="677333" y="2160589"/>
+                <a:ext cx="9391953" cy="3880773"/>
+              </a:xfrm>
+              <a:blipFill rotWithShape="0">
+                <a:blip r:embed="rId2"/>
+                <a:stretch>
+                  <a:fillRect l="-130" t="-942"/>
+                </a:stretch>
+              </a:blipFill>
+            </p:spPr>
+            <p:txBody>
+              <a:bodyPr/>
+              <a:lstStyle/>
+              <a:p>
+                <a:r>
+                  <a:rPr lang="nl-NL">
+                    <a:noFill/>
+                  </a:rPr>
+                  <a:t> </a:t>
+                </a:r>
+              </a:p>
+            </p:txBody>
+          </p:sp>
+        </mc:Fallback>
+      </mc:AlternateContent>
+      <p:sp>
+        <p:nvSpPr>
+          <p:cNvPr id="4" name="Tijdelijke aanduiding voor voettekst 3"/>
+          <p:cNvSpPr>
+            <a:spLocks noGrp="1"/>
+          </p:cNvSpPr>
+          <p:nvPr>
+            <p:ph type="ftr" sz="quarter" idx="11"/>
+          </p:nvPr>
+        </p:nvSpPr>
+        <p:spPr/>
+        <p:txBody>
+          <a:bodyPr/>
+          <a:lstStyle/>
+          <a:p>
+            <a:r>
+              <a:rPr lang="it-IT" smtClean="0"/>
+              <a:t>INFDEV026A - G. Costantini, F. Di Giacomo, G. Maggiore</a:t>
+            </a:r>
+            <a:endParaRPr lang="en-GB"/>
+          </a:p>
+        </p:txBody>
+      </p:sp>
+    </p:spTree>
+    <p:extLst>
+      <p:ext uri="{BB962C8B-B14F-4D97-AF65-F5344CB8AC3E}">
+        <p14:creationId xmlns:p14="http://schemas.microsoft.com/office/powerpoint/2010/main" val="2679039462"/>
+      </p:ext>
+    </p:extLst>
+  </p:cSld>
+  <p:clrMapOvr>
+    <a:masterClrMapping/>
+  </p:clrMapOvr>
+  <p:timing>
+    <p:tnLst>
+      <p:par>
+        <p:cTn id="1" dur="indefinite" restart="never" nodeType="tmRoot"/>
+      </p:par>
+    </p:tnLst>
+  </p:timing>
+</p:sld>
+</file>
+
+<file path=ppt/slides/slide21.xml><?xml version="1.0" encoding="utf-8"?>
+<p:sld xmlns:a="http://schemas.openxmlformats.org/drawingml/2006/main" xmlns:r="http://schemas.openxmlformats.org/officeDocument/2006/relationships" xmlns:p="http://schemas.openxmlformats.org/presentationml/2006/main">
+  <p:cSld>
+    <p:spTree>
+      <p:nvGrpSpPr>
+        <p:cNvPr id="1" name=""/>
+        <p:cNvGrpSpPr/>
+        <p:nvPr/>
+      </p:nvGrpSpPr>
+      <p:grpSpPr>
+        <a:xfrm>
+          <a:off x="0" y="0"/>
+          <a:ext cx="0" cy="0"/>
+          <a:chOff x="0" y="0"/>
+          <a:chExt cx="0" cy="0"/>
+        </a:xfrm>
+      </p:grpSpPr>
+      <p:sp>
+        <p:nvSpPr>
+          <p:cNvPr id="2" name="Titel 1"/>
+          <p:cNvSpPr>
+            <a:spLocks noGrp="1"/>
+          </p:cNvSpPr>
+          <p:nvPr>
+            <p:ph type="title"/>
+          </p:nvPr>
+        </p:nvSpPr>
+        <p:spPr/>
+        <p:txBody>
+          <a:bodyPr/>
+          <a:lstStyle/>
+          <a:p>
+            <a:r>
+              <a:rPr lang="nl-NL" dirty="0" smtClean="0"/>
+              <a:t>Floyd-</a:t>
+            </a:r>
+            <a:r>
+              <a:rPr lang="nl-NL" dirty="0" err="1" smtClean="0"/>
+              <a:t>Warshall</a:t>
+            </a:r>
+            <a:r>
+              <a:rPr lang="nl-NL" dirty="0" smtClean="0"/>
+              <a:t> </a:t>
+            </a:r>
+            <a:r>
+              <a:rPr lang="nl-NL" dirty="0" err="1" smtClean="0"/>
+              <a:t>algorithm</a:t>
+            </a:r>
+            <a:endParaRPr lang="nl-NL" dirty="0"/>
+          </a:p>
+        </p:txBody>
+      </p:sp>
+      <mc:AlternateContent xmlns:mc="http://schemas.openxmlformats.org/markup-compatibility/2006">
+        <mc:Choice xmlns:a14="http://schemas.microsoft.com/office/drawing/2010/main" Requires="a14">
+          <p:sp>
+            <p:nvSpPr>
+              <p:cNvPr id="3" name="Tijdelijke aanduiding voor inhoud 2"/>
+              <p:cNvSpPr>
+                <a:spLocks noGrp="1"/>
+              </p:cNvSpPr>
+              <p:nvPr>
+                <p:ph idx="1"/>
+              </p:nvPr>
+            </p:nvSpPr>
+            <p:spPr>
+              <a:xfrm>
+                <a:off x="677333" y="2160589"/>
+                <a:ext cx="9391953" cy="3880773"/>
+              </a:xfrm>
+            </p:spPr>
+            <p:txBody>
+              <a:bodyPr/>
+              <a:lstStyle/>
+              <a:p>
+                <a:r>
+                  <a:rPr lang="en-US" dirty="0" smtClean="0"/>
+                  <a:t>What </a:t>
+                </a:r>
+                <a:r>
+                  <a:rPr lang="en-US" dirty="0"/>
+                  <a:t>is the </a:t>
+                </a:r>
+                <a:r>
+                  <a:rPr lang="en-US" dirty="0" smtClean="0"/>
+                  <a:t>base </a:t>
+                </a:r>
+                <a:r>
+                  <a:rPr lang="en-US" dirty="0"/>
+                  <a:t>(easiest) </a:t>
+                </a:r>
+                <a:r>
+                  <a:rPr lang="en-US" dirty="0" smtClean="0"/>
+                  <a:t>case of </a:t>
+                </a:r>
+                <a14:m>
+                  <m:oMath xmlns:m="http://schemas.openxmlformats.org/officeDocument/2006/math">
+                    <m:r>
+                      <a:rPr lang="nl-NL" i="1" dirty="0">
+                        <a:latin typeface="Cambria Math" panose="02040503050406030204" pitchFamily="18" charset="0"/>
+                      </a:rPr>
+                      <m:t>𝑠h𝑜𝑟𝑡𝑒𝑠𝑡𝑃𝑎𝑡h</m:t>
+                    </m:r>
+                    <m:r>
+                      <a:rPr lang="nl-NL" i="1" dirty="0">
+                        <a:latin typeface="Cambria Math" panose="02040503050406030204" pitchFamily="18" charset="0"/>
+                      </a:rPr>
+                      <m:t>(</m:t>
+                    </m:r>
+                    <m:r>
+                      <a:rPr lang="nl-NL" i="1" dirty="0">
+                        <a:latin typeface="Cambria Math" panose="02040503050406030204" pitchFamily="18" charset="0"/>
+                      </a:rPr>
+                      <m:t>𝑖</m:t>
+                    </m:r>
+                    <m:r>
+                      <a:rPr lang="nl-NL" i="1" dirty="0">
+                        <a:latin typeface="Cambria Math" panose="02040503050406030204" pitchFamily="18" charset="0"/>
+                      </a:rPr>
+                      <m:t>,</m:t>
+                    </m:r>
+                    <m:r>
+                      <a:rPr lang="nl-NL" i="1" dirty="0">
+                        <a:latin typeface="Cambria Math" panose="02040503050406030204" pitchFamily="18" charset="0"/>
+                      </a:rPr>
+                      <m:t>𝑗</m:t>
+                    </m:r>
+                    <m:r>
+                      <a:rPr lang="nl-NL" i="1" dirty="0">
+                        <a:latin typeface="Cambria Math" panose="02040503050406030204" pitchFamily="18" charset="0"/>
+                      </a:rPr>
+                      <m:t>,</m:t>
+                    </m:r>
+                    <m:r>
+                      <a:rPr lang="nl-NL" i="1" dirty="0">
+                        <a:latin typeface="Cambria Math" panose="02040503050406030204" pitchFamily="18" charset="0"/>
+                      </a:rPr>
+                      <m:t>𝑘</m:t>
+                    </m:r>
+                    <m:r>
+                      <a:rPr lang="nl-NL" i="1" dirty="0">
+                        <a:latin typeface="Cambria Math" panose="02040503050406030204" pitchFamily="18" charset="0"/>
+                      </a:rPr>
+                      <m:t>)</m:t>
+                    </m:r>
+                  </m:oMath>
+                </a14:m>
+                <a:r>
+                  <a:rPr lang="en-US" dirty="0" smtClean="0"/>
+                  <a:t>?</a:t>
+                </a:r>
+              </a:p>
+              <a:p>
+                <a:pPr lvl="1"/>
+                <a14:m>
+                  <m:oMath xmlns:m="http://schemas.openxmlformats.org/officeDocument/2006/math">
+                    <m:r>
+                      <a:rPr lang="nl-NL" b="0" i="1" dirty="0" smtClean="0">
+                        <a:latin typeface="Cambria Math" panose="02040503050406030204" pitchFamily="18" charset="0"/>
+                      </a:rPr>
+                      <m:t>𝑘</m:t>
+                    </m:r>
+                    <m:r>
+                      <a:rPr lang="en-US" i="1" dirty="0" smtClean="0">
+                        <a:latin typeface="Cambria Math" panose="02040503050406030204" pitchFamily="18" charset="0"/>
+                      </a:rPr>
+                      <m:t> = 0</m:t>
+                    </m:r>
+                  </m:oMath>
+                </a14:m>
+                <a:r>
+                  <a:rPr lang="en-US" dirty="0" smtClean="0"/>
+                  <a:t> </a:t>
+                </a:r>
+                <a:r>
+                  <a:rPr lang="en-US" dirty="0" smtClean="0">
+                    <a:sym typeface="Wingdings" panose="05000000000000000000" pitchFamily="2" charset="2"/>
+                  </a:rPr>
+                  <a:t> the path between </a:t>
+                </a:r>
+                <a14:m>
+                  <m:oMath xmlns:m="http://schemas.openxmlformats.org/officeDocument/2006/math">
+                    <m:r>
+                      <a:rPr lang="nl-NL" b="0" i="1" smtClean="0">
+                        <a:latin typeface="Cambria Math" panose="02040503050406030204" pitchFamily="18" charset="0"/>
+                        <a:sym typeface="Wingdings" panose="05000000000000000000" pitchFamily="2" charset="2"/>
+                      </a:rPr>
+                      <m:t>𝑖</m:t>
+                    </m:r>
+                  </m:oMath>
+                </a14:m>
+                <a:r>
+                  <a:rPr lang="en-US" dirty="0" smtClean="0"/>
+                  <a:t> and </a:t>
+                </a:r>
+                <a14:m>
+                  <m:oMath xmlns:m="http://schemas.openxmlformats.org/officeDocument/2006/math">
+                    <m:r>
+                      <a:rPr lang="nl-NL" b="0" i="1" smtClean="0">
+                        <a:latin typeface="Cambria Math" panose="02040503050406030204" pitchFamily="18" charset="0"/>
+                      </a:rPr>
+                      <m:t>𝑗</m:t>
+                    </m:r>
+                  </m:oMath>
+                </a14:m>
+                <a:r>
+                  <a:rPr lang="en-US" dirty="0" smtClean="0"/>
+                  <a:t> does not involve any other vertex</a:t>
+                </a:r>
+              </a:p>
+              <a:p>
+                <a:pPr lvl="1"/>
+                <a:r>
+                  <a:rPr lang="en-US" dirty="0" smtClean="0"/>
+                  <a:t>Length of the path = weight of the edge </a:t>
+                </a:r>
+                <a14:m>
+                  <m:oMath xmlns:m="http://schemas.openxmlformats.org/officeDocument/2006/math">
+                    <m:r>
+                      <a:rPr lang="nl-NL" b="0" i="1" smtClean="0">
+                        <a:latin typeface="Cambria Math" panose="02040503050406030204" pitchFamily="18" charset="0"/>
+                      </a:rPr>
+                      <m:t>𝑤</m:t>
+                    </m:r>
+                    <m:r>
+                      <a:rPr lang="nl-NL" b="0" i="1" smtClean="0">
+                        <a:latin typeface="Cambria Math" panose="02040503050406030204" pitchFamily="18" charset="0"/>
+                      </a:rPr>
+                      <m:t>(</m:t>
+                    </m:r>
+                    <m:r>
+                      <a:rPr lang="nl-NL" b="0" i="1" smtClean="0">
+                        <a:latin typeface="Cambria Math" panose="02040503050406030204" pitchFamily="18" charset="0"/>
+                      </a:rPr>
+                      <m:t>𝑖</m:t>
+                    </m:r>
+                    <m:r>
+                      <a:rPr lang="nl-NL" b="0" i="1" smtClean="0">
+                        <a:latin typeface="Cambria Math" panose="02040503050406030204" pitchFamily="18" charset="0"/>
+                      </a:rPr>
+                      <m:t>,</m:t>
+                    </m:r>
+                    <m:r>
+                      <a:rPr lang="nl-NL" b="0" i="1" smtClean="0">
+                        <a:latin typeface="Cambria Math" panose="02040503050406030204" pitchFamily="18" charset="0"/>
+                      </a:rPr>
+                      <m:t>𝑗</m:t>
+                    </m:r>
+                    <m:r>
+                      <a:rPr lang="nl-NL" b="0" i="1" smtClean="0">
+                        <a:latin typeface="Cambria Math" panose="02040503050406030204" pitchFamily="18" charset="0"/>
+                      </a:rPr>
+                      <m:t>)</m:t>
+                    </m:r>
+                  </m:oMath>
+                </a14:m>
+                <a:endParaRPr lang="nl-NL" dirty="0" smtClean="0"/>
+              </a:p>
+              <a:p>
+                <a:pPr lvl="2"/>
+                <a:r>
+                  <a:rPr lang="nl-NL" dirty="0" err="1" smtClean="0"/>
+                  <a:t>Remember</a:t>
+                </a:r>
+                <a:r>
+                  <a:rPr lang="nl-NL" dirty="0" smtClean="0"/>
+                  <a:t> </a:t>
+                </a:r>
+                <a:r>
+                  <a:rPr lang="nl-NL" dirty="0" err="1" smtClean="0"/>
+                  <a:t>that</a:t>
+                </a:r>
+                <a:r>
+                  <a:rPr lang="nl-NL" dirty="0" smtClean="0"/>
+                  <a:t> </a:t>
+                </a:r>
+                <a:r>
+                  <a:rPr lang="nl-NL" dirty="0" err="1" smtClean="0"/>
+                  <a:t>if</a:t>
+                </a:r>
+                <a:r>
+                  <a:rPr lang="nl-NL" dirty="0" smtClean="0"/>
+                  <a:t> </a:t>
+                </a:r>
+                <a:r>
+                  <a:rPr lang="nl-NL" dirty="0" err="1" smtClean="0"/>
+                  <a:t>two</a:t>
+                </a:r>
+                <a:r>
+                  <a:rPr lang="nl-NL" dirty="0" smtClean="0"/>
+                  <a:t> </a:t>
+                </a:r>
+                <a:r>
+                  <a:rPr lang="nl-NL" dirty="0" err="1" smtClean="0"/>
+                  <a:t>vertices</a:t>
+                </a:r>
+                <a:r>
+                  <a:rPr lang="nl-NL" dirty="0" smtClean="0"/>
+                  <a:t> are </a:t>
+                </a:r>
+                <a:r>
+                  <a:rPr lang="nl-NL" dirty="0" err="1" smtClean="0"/>
+                  <a:t>not</a:t>
+                </a:r>
+                <a:r>
+                  <a:rPr lang="nl-NL" dirty="0" smtClean="0"/>
+                  <a:t> </a:t>
+                </a:r>
+                <a:r>
+                  <a:rPr lang="nl-NL" dirty="0" err="1" smtClean="0"/>
+                  <a:t>directly</a:t>
+                </a:r>
+                <a:r>
+                  <a:rPr lang="nl-NL" dirty="0" smtClean="0"/>
+                  <a:t> </a:t>
+                </a:r>
+                <a:r>
+                  <a:rPr lang="nl-NL" dirty="0" err="1" smtClean="0"/>
+                  <a:t>connected</a:t>
+                </a:r>
+                <a:r>
+                  <a:rPr lang="nl-NL" dirty="0" smtClean="0"/>
+                  <a:t>, then </a:t>
+                </a:r>
+                <a14:m>
+                  <m:oMath xmlns:m="http://schemas.openxmlformats.org/officeDocument/2006/math">
+                    <m:r>
+                      <a:rPr lang="nl-NL" b="0" i="1" smtClean="0">
+                        <a:latin typeface="Cambria Math" panose="02040503050406030204" pitchFamily="18" charset="0"/>
+                      </a:rPr>
+                      <m:t>𝑤</m:t>
+                    </m:r>
+                    <m:d>
+                      <m:dPr>
+                        <m:ctrlPr>
+                          <a:rPr lang="nl-NL" b="0" i="1" smtClean="0">
+                            <a:latin typeface="Cambria Math" panose="02040503050406030204" pitchFamily="18" charset="0"/>
+                          </a:rPr>
+                        </m:ctrlPr>
+                      </m:dPr>
+                      <m:e>
+                        <m:r>
+                          <a:rPr lang="nl-NL" b="0" i="1" smtClean="0">
+                            <a:latin typeface="Cambria Math" panose="02040503050406030204" pitchFamily="18" charset="0"/>
+                          </a:rPr>
+                          <m:t>𝑖</m:t>
+                        </m:r>
+                        <m:r>
+                          <a:rPr lang="nl-NL" b="0" i="1" smtClean="0">
+                            <a:latin typeface="Cambria Math" panose="02040503050406030204" pitchFamily="18" charset="0"/>
+                          </a:rPr>
+                          <m:t>,</m:t>
+                        </m:r>
+                        <m:r>
+                          <a:rPr lang="nl-NL" b="0" i="1" smtClean="0">
+                            <a:latin typeface="Cambria Math" panose="02040503050406030204" pitchFamily="18" charset="0"/>
+                          </a:rPr>
+                          <m:t>𝑗</m:t>
+                        </m:r>
+                      </m:e>
+                    </m:d>
+                    <m:r>
+                      <a:rPr lang="nl-NL" b="0" i="1" smtClean="0">
+                        <a:latin typeface="Cambria Math" panose="02040503050406030204" pitchFamily="18" charset="0"/>
+                      </a:rPr>
+                      <m:t>=∞</m:t>
+                    </m:r>
+                  </m:oMath>
+                </a14:m>
+                <a:endParaRPr lang="nl-NL" dirty="0" smtClean="0"/>
+              </a:p>
+              <a:p>
+                <a:pPr lvl="2"/>
+                <a:endParaRPr lang="nl-NL" dirty="0"/>
+              </a:p>
+              <a:p>
+                <a:r>
+                  <a:rPr lang="nl-NL" dirty="0" smtClean="0"/>
+                  <a:t>Combination of the </a:t>
+                </a:r>
+                <a:r>
+                  <a:rPr lang="nl-NL" dirty="0" err="1" smtClean="0"/>
+                  <a:t>two</a:t>
+                </a:r>
+                <a:r>
+                  <a:rPr lang="nl-NL" dirty="0" smtClean="0"/>
+                  <a:t> </a:t>
+                </a:r>
+                <a:r>
+                  <a:rPr lang="nl-NL" dirty="0" err="1" smtClean="0"/>
+                  <a:t>formulas</a:t>
+                </a:r>
+                <a:r>
+                  <a:rPr lang="nl-NL" dirty="0" smtClean="0"/>
+                  <a:t> </a:t>
+                </a:r>
+                <a:r>
+                  <a:rPr lang="nl-NL" dirty="0" smtClean="0">
+                    <a:sym typeface="Wingdings" panose="05000000000000000000" pitchFamily="2" charset="2"/>
+                  </a:rPr>
+                  <a:t> </a:t>
+                </a:r>
+                <a:r>
+                  <a:rPr lang="nl-NL" dirty="0" err="1" smtClean="0"/>
+                  <a:t>core</a:t>
+                </a:r>
+                <a:r>
+                  <a:rPr lang="nl-NL" dirty="0" smtClean="0"/>
+                  <a:t> of the Floyd </a:t>
+                </a:r>
+                <a:r>
+                  <a:rPr lang="nl-NL" dirty="0" err="1" smtClean="0"/>
+                  <a:t>Warshall</a:t>
+                </a:r>
+                <a:r>
+                  <a:rPr lang="nl-NL" dirty="0" smtClean="0"/>
+                  <a:t> </a:t>
+                </a:r>
+                <a:r>
+                  <a:rPr lang="nl-NL" dirty="0" err="1" smtClean="0"/>
+                  <a:t>algorithm</a:t>
+                </a:r>
+                <a:r>
+                  <a:rPr lang="nl-NL" dirty="0" smtClean="0"/>
+                  <a:t> </a:t>
+                </a:r>
+                <a:endParaRPr lang="nl-NL" dirty="0"/>
+              </a:p>
+              <a:p>
+                <a:endParaRPr lang="nl-NL" dirty="0" smtClean="0"/>
+              </a:p>
+              <a:p>
+                <a:pPr marL="0" indent="0">
+                  <a:buNone/>
+                </a:pPr>
+                <a14:m>
+                  <m:oMathPara xmlns:m="http://schemas.openxmlformats.org/officeDocument/2006/math">
+                    <m:oMathParaPr>
+                      <m:jc m:val="left"/>
+                    </m:oMathParaPr>
+                    <m:oMath xmlns:m="http://schemas.openxmlformats.org/officeDocument/2006/math">
+                      <m:r>
+                        <a:rPr lang="pl-PL" sz="1600" b="1" i="1" dirty="0" smtClean="0">
+                          <a:solidFill>
+                            <a:srgbClr val="FF0000"/>
+                          </a:solidFill>
+                          <a:latin typeface="Cambria Math" panose="02040503050406030204" pitchFamily="18" charset="0"/>
+                        </a:rPr>
+                        <m:t>𝒔𝒉𝒐𝒓𝒕𝒆𝒔𝒕𝑷𝒂𝒕𝒉</m:t>
+                      </m:r>
+                      <m:d>
+                        <m:dPr>
+                          <m:ctrlPr>
+                            <a:rPr lang="pl-PL" sz="1600" b="1" i="1" dirty="0" smtClean="0">
+                              <a:solidFill>
+                                <a:srgbClr val="FF0000"/>
+                              </a:solidFill>
+                              <a:latin typeface="Cambria Math" panose="02040503050406030204" pitchFamily="18" charset="0"/>
+                            </a:rPr>
+                          </m:ctrlPr>
+                        </m:dPr>
+                        <m:e>
+                          <m:r>
+                            <a:rPr lang="pl-PL" sz="1600" b="1" i="1" dirty="0" smtClean="0">
+                              <a:solidFill>
+                                <a:srgbClr val="FF0000"/>
+                              </a:solidFill>
+                              <a:latin typeface="Cambria Math" panose="02040503050406030204" pitchFamily="18" charset="0"/>
+                            </a:rPr>
+                            <m:t>𝒊</m:t>
+                          </m:r>
+                          <m:r>
+                            <a:rPr lang="pl-PL" sz="1600" b="1" i="1" dirty="0" smtClean="0">
+                              <a:solidFill>
+                                <a:srgbClr val="FF0000"/>
+                              </a:solidFill>
+                              <a:latin typeface="Cambria Math" panose="02040503050406030204" pitchFamily="18" charset="0"/>
+                            </a:rPr>
+                            <m:t>,</m:t>
+                          </m:r>
+                          <m:r>
+                            <a:rPr lang="pl-PL" sz="1600" b="1" i="1" dirty="0" smtClean="0">
+                              <a:solidFill>
+                                <a:srgbClr val="FF0000"/>
+                              </a:solidFill>
+                              <a:latin typeface="Cambria Math" panose="02040503050406030204" pitchFamily="18" charset="0"/>
+                            </a:rPr>
+                            <m:t>𝒋</m:t>
+                          </m:r>
+                          <m:r>
+                            <a:rPr lang="pl-PL" sz="1600" b="1" i="1" dirty="0" smtClean="0">
+                              <a:solidFill>
+                                <a:srgbClr val="FF0000"/>
+                              </a:solidFill>
+                              <a:latin typeface="Cambria Math" panose="02040503050406030204" pitchFamily="18" charset="0"/>
+                            </a:rPr>
+                            <m:t>, </m:t>
+                          </m:r>
+                          <m:r>
+                            <a:rPr lang="pl-PL" sz="1600" b="1" i="1" dirty="0" smtClean="0">
+                              <a:solidFill>
+                                <a:srgbClr val="FF0000"/>
+                              </a:solidFill>
+                              <a:latin typeface="Cambria Math" panose="02040503050406030204" pitchFamily="18" charset="0"/>
+                            </a:rPr>
+                            <m:t>𝟎</m:t>
+                          </m:r>
+                        </m:e>
+                      </m:d>
+                      <m:r>
+                        <a:rPr lang="pl-PL" sz="1600" b="1" i="1" dirty="0" smtClean="0">
+                          <a:solidFill>
+                            <a:srgbClr val="FF0000"/>
+                          </a:solidFill>
+                          <a:latin typeface="Cambria Math" panose="02040503050406030204" pitchFamily="18" charset="0"/>
+                        </a:rPr>
+                        <m:t>= </m:t>
+                      </m:r>
+                      <m:r>
+                        <a:rPr lang="pl-PL" sz="1600" b="1" i="1" dirty="0" smtClean="0">
+                          <a:solidFill>
+                            <a:srgbClr val="FF0000"/>
+                          </a:solidFill>
+                          <a:latin typeface="Cambria Math" panose="02040503050406030204" pitchFamily="18" charset="0"/>
+                        </a:rPr>
+                        <m:t>𝒘</m:t>
+                      </m:r>
+                      <m:d>
+                        <m:dPr>
+                          <m:ctrlPr>
+                            <a:rPr lang="pl-PL" sz="1600" b="1" i="1" dirty="0" smtClean="0">
+                              <a:solidFill>
+                                <a:srgbClr val="FF0000"/>
+                              </a:solidFill>
+                              <a:latin typeface="Cambria Math" panose="02040503050406030204" pitchFamily="18" charset="0"/>
+                            </a:rPr>
+                          </m:ctrlPr>
+                        </m:dPr>
+                        <m:e>
+                          <m:r>
+                            <a:rPr lang="pl-PL" sz="1600" b="1" i="1" dirty="0" smtClean="0">
+                              <a:solidFill>
+                                <a:srgbClr val="FF0000"/>
+                              </a:solidFill>
+                              <a:latin typeface="Cambria Math" panose="02040503050406030204" pitchFamily="18" charset="0"/>
+                            </a:rPr>
+                            <m:t>𝒊</m:t>
+                          </m:r>
+                          <m:r>
+                            <a:rPr lang="pl-PL" sz="1600" b="1" i="1" dirty="0" smtClean="0">
+                              <a:solidFill>
+                                <a:srgbClr val="FF0000"/>
+                              </a:solidFill>
+                              <a:latin typeface="Cambria Math" panose="02040503050406030204" pitchFamily="18" charset="0"/>
+                            </a:rPr>
+                            <m:t>, </m:t>
+                          </m:r>
+                          <m:r>
+                            <a:rPr lang="pl-PL" sz="1600" b="1" i="1" dirty="0" smtClean="0">
+                              <a:solidFill>
+                                <a:srgbClr val="FF0000"/>
+                              </a:solidFill>
+                              <a:latin typeface="Cambria Math" panose="02040503050406030204" pitchFamily="18" charset="0"/>
+                            </a:rPr>
+                            <m:t>𝒋</m:t>
+                          </m:r>
+                        </m:e>
+                      </m:d>
+                    </m:oMath>
+                  </m:oMathPara>
+                </a14:m>
+                <a:endParaRPr lang="nl-NL" b="1" i="1" dirty="0" smtClean="0">
+                  <a:solidFill>
+                    <a:srgbClr val="FF0000"/>
+                  </a:solidFill>
+                  <a:latin typeface="Cambria Math" panose="02040503050406030204" pitchFamily="18" charset="0"/>
+                </a:endParaRPr>
+              </a:p>
+              <a:p>
+                <a:pPr marL="0" indent="0">
+                  <a:buNone/>
+                </a:pPr>
+                <a14:m>
+                  <m:oMathPara xmlns:m="http://schemas.openxmlformats.org/officeDocument/2006/math">
+                    <m:oMathParaPr>
+                      <m:jc m:val="left"/>
+                    </m:oMathParaPr>
+                    <m:oMath xmlns:m="http://schemas.openxmlformats.org/officeDocument/2006/math">
+                      <m:r>
+                        <a:rPr lang="nl-NL" sz="1600" b="1" i="1" dirty="0">
+                          <a:solidFill>
+                            <a:srgbClr val="FF0000"/>
+                          </a:solidFill>
+                          <a:latin typeface="Cambria Math" panose="02040503050406030204" pitchFamily="18" charset="0"/>
+                        </a:rPr>
+                        <m:t>𝒔𝒉𝒐𝒓𝒕𝒆𝒔𝒕𝑷𝒂𝒕𝒉</m:t>
+                      </m:r>
+                      <m:d>
+                        <m:dPr>
+                          <m:ctrlPr>
+                            <a:rPr lang="nl-NL" sz="1600" b="1" i="1" dirty="0">
+                              <a:solidFill>
+                                <a:srgbClr val="FF0000"/>
+                              </a:solidFill>
+                              <a:latin typeface="Cambria Math" panose="02040503050406030204" pitchFamily="18" charset="0"/>
+                            </a:rPr>
+                          </m:ctrlPr>
+                        </m:dPr>
+                        <m:e>
+                          <m:r>
+                            <a:rPr lang="nl-NL" sz="1600" b="1" i="1" dirty="0">
+                              <a:solidFill>
+                                <a:srgbClr val="FF0000"/>
+                              </a:solidFill>
+                              <a:latin typeface="Cambria Math" panose="02040503050406030204" pitchFamily="18" charset="0"/>
+                            </a:rPr>
+                            <m:t>𝒊</m:t>
+                          </m:r>
+                          <m:r>
+                            <a:rPr lang="nl-NL" sz="1600" b="1" i="1" dirty="0">
+                              <a:solidFill>
+                                <a:srgbClr val="FF0000"/>
+                              </a:solidFill>
+                              <a:latin typeface="Cambria Math" panose="02040503050406030204" pitchFamily="18" charset="0"/>
+                            </a:rPr>
+                            <m:t>,</m:t>
+                          </m:r>
+                          <m:r>
+                            <a:rPr lang="nl-NL" sz="1600" b="1" i="1" dirty="0">
+                              <a:solidFill>
+                                <a:srgbClr val="FF0000"/>
+                              </a:solidFill>
+                              <a:latin typeface="Cambria Math" panose="02040503050406030204" pitchFamily="18" charset="0"/>
+                            </a:rPr>
+                            <m:t>𝒋</m:t>
+                          </m:r>
+                          <m:r>
+                            <a:rPr lang="nl-NL" sz="1600" b="1" i="1" dirty="0">
+                              <a:solidFill>
+                                <a:srgbClr val="FF0000"/>
+                              </a:solidFill>
+                              <a:latin typeface="Cambria Math" panose="02040503050406030204" pitchFamily="18" charset="0"/>
+                            </a:rPr>
+                            <m:t>,</m:t>
+                          </m:r>
+                          <m:r>
+                            <a:rPr lang="nl-NL" sz="1600" b="1" i="1" dirty="0">
+                              <a:solidFill>
+                                <a:srgbClr val="FF0000"/>
+                              </a:solidFill>
+                              <a:latin typeface="Cambria Math" panose="02040503050406030204" pitchFamily="18" charset="0"/>
+                            </a:rPr>
+                            <m:t>𝒌</m:t>
+                          </m:r>
+                          <m:r>
+                            <a:rPr lang="nl-NL" sz="1600" b="1" i="1" dirty="0">
+                              <a:solidFill>
+                                <a:srgbClr val="FF0000"/>
+                              </a:solidFill>
+                              <a:latin typeface="Cambria Math" panose="02040503050406030204" pitchFamily="18" charset="0"/>
+                            </a:rPr>
+                            <m:t>+</m:t>
+                          </m:r>
+                          <m:r>
+                            <a:rPr lang="nl-NL" sz="1600" b="1" i="1" dirty="0">
+                              <a:solidFill>
+                                <a:srgbClr val="FF0000"/>
+                              </a:solidFill>
+                              <a:latin typeface="Cambria Math" panose="02040503050406030204" pitchFamily="18" charset="0"/>
+                            </a:rPr>
+                            <m:t>𝟏</m:t>
+                          </m:r>
+                        </m:e>
+                      </m:d>
+                      <m:r>
+                        <a:rPr lang="nl-NL" sz="1600" b="1" i="1" dirty="0">
+                          <a:solidFill>
+                            <a:srgbClr val="FF0000"/>
+                          </a:solidFill>
+                          <a:latin typeface="Cambria Math" panose="02040503050406030204" pitchFamily="18" charset="0"/>
+                        </a:rPr>
+                        <m:t>= </m:t>
+                      </m:r>
+                      <m:r>
+                        <a:rPr lang="nl-NL" sz="1600" b="1" i="1" dirty="0">
+                          <a:solidFill>
+                            <a:srgbClr val="FF0000"/>
+                          </a:solidFill>
+                          <a:latin typeface="Cambria Math" panose="02040503050406030204" pitchFamily="18" charset="0"/>
+                        </a:rPr>
+                        <m:t>𝒎𝒊𝒏</m:t>
+                      </m:r>
+                      <m:r>
+                        <a:rPr lang="nl-NL" sz="1600" b="1" i="1" dirty="0">
+                          <a:solidFill>
+                            <a:srgbClr val="FF0000"/>
+                          </a:solidFill>
+                          <a:latin typeface="Cambria Math" panose="02040503050406030204" pitchFamily="18" charset="0"/>
+                        </a:rPr>
+                        <m:t>⁡(</m:t>
+                      </m:r>
+                      <m:r>
+                        <a:rPr lang="nl-NL" sz="1600" b="1" i="1" dirty="0" err="1">
+                          <a:solidFill>
+                            <a:srgbClr val="FF0000"/>
+                          </a:solidFill>
+                          <a:latin typeface="Cambria Math" panose="02040503050406030204" pitchFamily="18" charset="0"/>
+                        </a:rPr>
+                        <m:t>𝒔𝒉𝒐𝒓𝒕𝒆𝒔𝒕𝑷𝒂𝒕𝒉</m:t>
+                      </m:r>
+                      <m:r>
+                        <a:rPr lang="nl-NL" sz="1600" b="1" i="1" dirty="0">
+                          <a:solidFill>
+                            <a:srgbClr val="FF0000"/>
+                          </a:solidFill>
+                          <a:latin typeface="Cambria Math" panose="02040503050406030204" pitchFamily="18" charset="0"/>
+                        </a:rPr>
+                        <m:t>(</m:t>
+                      </m:r>
+                      <m:r>
+                        <a:rPr lang="nl-NL" sz="1600" b="1" i="1" dirty="0" err="1">
+                          <a:solidFill>
+                            <a:srgbClr val="FF0000"/>
+                          </a:solidFill>
+                          <a:latin typeface="Cambria Math" panose="02040503050406030204" pitchFamily="18" charset="0"/>
+                        </a:rPr>
+                        <m:t>𝒊</m:t>
+                      </m:r>
+                      <m:r>
+                        <a:rPr lang="nl-NL" sz="1600" b="1" i="1" dirty="0" err="1">
+                          <a:solidFill>
+                            <a:srgbClr val="FF0000"/>
+                          </a:solidFill>
+                          <a:latin typeface="Cambria Math" panose="02040503050406030204" pitchFamily="18" charset="0"/>
+                        </a:rPr>
+                        <m:t>,</m:t>
+                      </m:r>
+                      <m:r>
+                        <a:rPr lang="nl-NL" sz="1600" b="1" i="1" dirty="0" err="1">
+                          <a:solidFill>
+                            <a:srgbClr val="FF0000"/>
+                          </a:solidFill>
+                          <a:latin typeface="Cambria Math" panose="02040503050406030204" pitchFamily="18" charset="0"/>
+                        </a:rPr>
+                        <m:t>𝒋</m:t>
+                      </m:r>
+                      <m:r>
+                        <a:rPr lang="nl-NL" sz="1600" b="1" i="1" dirty="0" err="1">
+                          <a:solidFill>
+                            <a:srgbClr val="FF0000"/>
+                          </a:solidFill>
+                          <a:latin typeface="Cambria Math" panose="02040503050406030204" pitchFamily="18" charset="0"/>
+                        </a:rPr>
+                        <m:t>,</m:t>
+                      </m:r>
+                      <m:r>
+                        <a:rPr lang="nl-NL" sz="1600" b="1" i="1" dirty="0" err="1">
+                          <a:solidFill>
+                            <a:srgbClr val="FF0000"/>
+                          </a:solidFill>
+                          <a:latin typeface="Cambria Math" panose="02040503050406030204" pitchFamily="18" charset="0"/>
+                        </a:rPr>
+                        <m:t>𝒌</m:t>
+                      </m:r>
+                      <m:r>
+                        <a:rPr lang="nl-NL" sz="1600" b="1" i="1" dirty="0">
+                          <a:solidFill>
+                            <a:srgbClr val="FF0000"/>
+                          </a:solidFill>
+                          <a:latin typeface="Cambria Math" panose="02040503050406030204" pitchFamily="18" charset="0"/>
+                        </a:rPr>
+                        <m:t>), </m:t>
+                      </m:r>
+                      <m:r>
+                        <a:rPr lang="nl-NL" sz="1600" b="1" i="1" dirty="0" err="1">
+                          <a:solidFill>
+                            <a:srgbClr val="FF0000"/>
+                          </a:solidFill>
+                          <a:latin typeface="Cambria Math" panose="02040503050406030204" pitchFamily="18" charset="0"/>
+                        </a:rPr>
+                        <m:t>𝒔𝒉𝒐𝒓𝒕𝒆𝒔𝒕𝑷𝒂𝒕𝒉</m:t>
+                      </m:r>
+                      <m:r>
+                        <a:rPr lang="nl-NL" sz="1600" b="1" i="1" dirty="0">
+                          <a:solidFill>
+                            <a:srgbClr val="FF0000"/>
+                          </a:solidFill>
+                          <a:latin typeface="Cambria Math" panose="02040503050406030204" pitchFamily="18" charset="0"/>
+                        </a:rPr>
+                        <m:t>(</m:t>
+                      </m:r>
+                      <m:r>
+                        <a:rPr lang="nl-NL" sz="1600" b="1" i="1" dirty="0">
+                          <a:solidFill>
+                            <a:srgbClr val="FF0000"/>
+                          </a:solidFill>
+                          <a:latin typeface="Cambria Math" panose="02040503050406030204" pitchFamily="18" charset="0"/>
+                        </a:rPr>
+                        <m:t>𝒊</m:t>
+                      </m:r>
+                      <m:r>
+                        <a:rPr lang="nl-NL" sz="1600" b="1" i="1" dirty="0">
+                          <a:solidFill>
+                            <a:srgbClr val="FF0000"/>
+                          </a:solidFill>
+                          <a:latin typeface="Cambria Math" panose="02040503050406030204" pitchFamily="18" charset="0"/>
+                        </a:rPr>
+                        <m:t>,</m:t>
+                      </m:r>
+                      <m:r>
+                        <a:rPr lang="nl-NL" sz="1600" b="1" i="1" dirty="0">
+                          <a:solidFill>
+                            <a:srgbClr val="FF0000"/>
+                          </a:solidFill>
+                          <a:latin typeface="Cambria Math" panose="02040503050406030204" pitchFamily="18" charset="0"/>
+                        </a:rPr>
+                        <m:t>𝒌</m:t>
+                      </m:r>
+                      <m:r>
+                        <a:rPr lang="nl-NL" sz="1600" b="1" i="1" dirty="0">
+                          <a:solidFill>
+                            <a:srgbClr val="FF0000"/>
+                          </a:solidFill>
+                          <a:latin typeface="Cambria Math" panose="02040503050406030204" pitchFamily="18" charset="0"/>
+                        </a:rPr>
+                        <m:t>+</m:t>
+                      </m:r>
+                      <m:r>
+                        <a:rPr lang="nl-NL" sz="1600" b="1" i="1" dirty="0">
+                          <a:solidFill>
+                            <a:srgbClr val="FF0000"/>
+                          </a:solidFill>
+                          <a:latin typeface="Cambria Math" panose="02040503050406030204" pitchFamily="18" charset="0"/>
+                        </a:rPr>
+                        <m:t>𝟏</m:t>
+                      </m:r>
+                      <m:r>
+                        <a:rPr lang="nl-NL" sz="1600" b="1" i="1" dirty="0">
+                          <a:solidFill>
+                            <a:srgbClr val="FF0000"/>
+                          </a:solidFill>
+                          <a:latin typeface="Cambria Math" panose="02040503050406030204" pitchFamily="18" charset="0"/>
+                        </a:rPr>
+                        <m:t>,</m:t>
+                      </m:r>
+                      <m:r>
+                        <a:rPr lang="nl-NL" sz="1600" b="1" i="1" dirty="0">
+                          <a:solidFill>
+                            <a:srgbClr val="FF0000"/>
+                          </a:solidFill>
+                          <a:latin typeface="Cambria Math" panose="02040503050406030204" pitchFamily="18" charset="0"/>
+                        </a:rPr>
+                        <m:t>𝒌</m:t>
+                      </m:r>
+                      <m:r>
+                        <a:rPr lang="nl-NL" sz="1600" b="1" i="1" dirty="0">
+                          <a:solidFill>
+                            <a:srgbClr val="FF0000"/>
+                          </a:solidFill>
+                          <a:latin typeface="Cambria Math" panose="02040503050406030204" pitchFamily="18" charset="0"/>
+                        </a:rPr>
+                        <m:t>) + </m:t>
+                      </m:r>
+                      <m:r>
+                        <a:rPr lang="nl-NL" sz="1600" b="1" i="1" dirty="0" err="1">
+                          <a:solidFill>
+                            <a:srgbClr val="FF0000"/>
+                          </a:solidFill>
+                          <a:latin typeface="Cambria Math" panose="02040503050406030204" pitchFamily="18" charset="0"/>
+                        </a:rPr>
+                        <m:t>𝒔𝒉𝒐𝒓𝒕𝒆𝒔𝒕𝑷𝒂𝒕𝒉</m:t>
+                      </m:r>
+                      <m:r>
+                        <a:rPr lang="nl-NL" sz="1600" b="1" i="1" dirty="0">
+                          <a:solidFill>
+                            <a:srgbClr val="FF0000"/>
+                          </a:solidFill>
+                          <a:latin typeface="Cambria Math" panose="02040503050406030204" pitchFamily="18" charset="0"/>
+                        </a:rPr>
+                        <m:t>(</m:t>
+                      </m:r>
+                      <m:r>
+                        <a:rPr lang="nl-NL" sz="1600" b="1" i="1" dirty="0">
+                          <a:solidFill>
+                            <a:srgbClr val="FF0000"/>
+                          </a:solidFill>
+                          <a:latin typeface="Cambria Math" panose="02040503050406030204" pitchFamily="18" charset="0"/>
+                        </a:rPr>
+                        <m:t>𝒌</m:t>
+                      </m:r>
+                      <m:r>
+                        <a:rPr lang="nl-NL" sz="1600" b="1" i="1" dirty="0">
+                          <a:solidFill>
+                            <a:srgbClr val="FF0000"/>
+                          </a:solidFill>
+                          <a:latin typeface="Cambria Math" panose="02040503050406030204" pitchFamily="18" charset="0"/>
+                        </a:rPr>
+                        <m:t>+</m:t>
+                      </m:r>
+                      <m:r>
+                        <a:rPr lang="nl-NL" sz="1600" b="1" i="1" dirty="0">
+                          <a:solidFill>
+                            <a:srgbClr val="FF0000"/>
+                          </a:solidFill>
+                          <a:latin typeface="Cambria Math" panose="02040503050406030204" pitchFamily="18" charset="0"/>
+                        </a:rPr>
+                        <m:t>𝟏</m:t>
+                      </m:r>
+                      <m:r>
+                        <a:rPr lang="nl-NL" sz="1600" b="1" i="1" dirty="0">
+                          <a:solidFill>
+                            <a:srgbClr val="FF0000"/>
+                          </a:solidFill>
+                          <a:latin typeface="Cambria Math" panose="02040503050406030204" pitchFamily="18" charset="0"/>
+                        </a:rPr>
+                        <m:t>,</m:t>
+                      </m:r>
+                      <m:r>
+                        <a:rPr lang="nl-NL" sz="1600" b="1" i="1" dirty="0">
+                          <a:solidFill>
+                            <a:srgbClr val="FF0000"/>
+                          </a:solidFill>
+                          <a:latin typeface="Cambria Math" panose="02040503050406030204" pitchFamily="18" charset="0"/>
+                        </a:rPr>
+                        <m:t>𝒋</m:t>
+                      </m:r>
+                      <m:r>
+                        <a:rPr lang="nl-NL" sz="1600" b="1" i="1" dirty="0">
+                          <a:solidFill>
+                            <a:srgbClr val="FF0000"/>
+                          </a:solidFill>
+                          <a:latin typeface="Cambria Math" panose="02040503050406030204" pitchFamily="18" charset="0"/>
+                        </a:rPr>
+                        <m:t>,</m:t>
+                      </m:r>
+                      <m:r>
+                        <a:rPr lang="nl-NL" sz="1600" b="1" i="1" dirty="0">
+                          <a:solidFill>
+                            <a:srgbClr val="FF0000"/>
+                          </a:solidFill>
+                          <a:latin typeface="Cambria Math" panose="02040503050406030204" pitchFamily="18" charset="0"/>
+                        </a:rPr>
+                        <m:t>𝒌</m:t>
+                      </m:r>
+                      <m:r>
+                        <a:rPr lang="nl-NL" sz="1600" b="1" i="1" dirty="0">
+                          <a:solidFill>
+                            <a:srgbClr val="FF0000"/>
+                          </a:solidFill>
+                          <a:latin typeface="Cambria Math" panose="02040503050406030204" pitchFamily="18" charset="0"/>
+                        </a:rPr>
+                        <m:t>))</m:t>
+                      </m:r>
+                    </m:oMath>
+                  </m:oMathPara>
+                </a14:m>
+                <a:endParaRPr lang="nl-NL" sz="1600" b="1" dirty="0">
+                  <a:solidFill>
+                    <a:srgbClr val="FF0000"/>
+                  </a:solidFill>
+                </a:endParaRPr>
+              </a:p>
+              <a:p>
+                <a:pPr marL="0" indent="0">
+                  <a:buNone/>
+                </a:pPr>
+                <a:endParaRPr lang="nl-NL" dirty="0">
+                  <a:solidFill>
+                    <a:srgbClr val="FF0000"/>
+                  </a:solidFill>
+                </a:endParaRPr>
+              </a:p>
+            </p:txBody>
+          </p:sp>
+        </mc:Choice>
+        <mc:Fallback>
+          <p:sp>
+            <p:nvSpPr>
+              <p:cNvPr id="3" name="Tijdelijke aanduiding voor inhoud 2"/>
+              <p:cNvSpPr>
+                <a:spLocks noGrp="1" noRot="1" noChangeAspect="1" noMove="1" noResize="1" noEditPoints="1" noAdjustHandles="1" noChangeArrowheads="1" noChangeShapeType="1" noTextEdit="1"/>
+              </p:cNvSpPr>
+              <p:nvPr>
+                <p:ph idx="1"/>
+              </p:nvPr>
+            </p:nvSpPr>
+            <p:spPr>
+              <a:xfrm>
+                <a:off x="677333" y="2160589"/>
+                <a:ext cx="9391953" cy="3880773"/>
+              </a:xfrm>
+              <a:blipFill rotWithShape="0">
+                <a:blip r:embed="rId2"/>
+                <a:stretch>
+                  <a:fillRect l="-130" t="-942"/>
+                </a:stretch>
+              </a:blipFill>
+            </p:spPr>
+            <p:txBody>
+              <a:bodyPr/>
+              <a:lstStyle/>
+              <a:p>
+                <a:r>
+                  <a:rPr lang="nl-NL">
+                    <a:noFill/>
+                  </a:rPr>
+                  <a:t> </a:t>
+                </a:r>
+              </a:p>
+            </p:txBody>
+          </p:sp>
+        </mc:Fallback>
+      </mc:AlternateContent>
+      <p:sp>
+        <p:nvSpPr>
+          <p:cNvPr id="4" name="Tijdelijke aanduiding voor voettekst 3"/>
+          <p:cNvSpPr>
+            <a:spLocks noGrp="1"/>
+          </p:cNvSpPr>
+          <p:nvPr>
+            <p:ph type="ftr" sz="quarter" idx="11"/>
+          </p:nvPr>
+        </p:nvSpPr>
+        <p:spPr/>
+        <p:txBody>
+          <a:bodyPr/>
+          <a:lstStyle/>
+          <a:p>
+            <a:r>
+              <a:rPr lang="it-IT" smtClean="0"/>
+              <a:t>INFDEV026A - G. Costantini, F. Di Giacomo, G. Maggiore</a:t>
+            </a:r>
+            <a:endParaRPr lang="en-GB"/>
+          </a:p>
+        </p:txBody>
+      </p:sp>
+    </p:spTree>
+    <p:extLst>
+      <p:ext uri="{BB962C8B-B14F-4D97-AF65-F5344CB8AC3E}">
+        <p14:creationId xmlns:p14="http://schemas.microsoft.com/office/powerpoint/2010/main" val="546143889"/>
+      </p:ext>
+    </p:extLst>
+  </p:cSld>
+  <p:clrMapOvr>
+    <a:masterClrMapping/>
+  </p:clrMapOvr>
+  <p:timing>
+    <p:tnLst>
+      <p:par>
+        <p:cTn id="1" dur="indefinite" restart="never" nodeType="tmRoot"/>
+      </p:par>
+    </p:tnLst>
+  </p:timing>
+</p:sld>
+</file>
+
+<file path=ppt/slides/slide22.xml><?xml version="1.0" encoding="utf-8"?>
+<p:sld xmlns:a="http://schemas.openxmlformats.org/drawingml/2006/main" xmlns:r="http://schemas.openxmlformats.org/officeDocument/2006/relationships" xmlns:p="http://schemas.openxmlformats.org/presentationml/2006/main">
+  <p:cSld>
+    <p:spTree>
+      <p:nvGrpSpPr>
+        <p:cNvPr id="1" name=""/>
+        <p:cNvGrpSpPr/>
+        <p:nvPr/>
+      </p:nvGrpSpPr>
+      <p:grpSpPr>
+        <a:xfrm>
+          <a:off x="0" y="0"/>
+          <a:ext cx="0" cy="0"/>
+          <a:chOff x="0" y="0"/>
+          <a:chExt cx="0" cy="0"/>
+        </a:xfrm>
+      </p:grpSpPr>
+      <p:sp>
+        <p:nvSpPr>
+          <p:cNvPr id="2" name="Titel 1"/>
+          <p:cNvSpPr>
+            <a:spLocks noGrp="1"/>
+          </p:cNvSpPr>
+          <p:nvPr>
+            <p:ph type="title"/>
+          </p:nvPr>
+        </p:nvSpPr>
+        <p:spPr/>
+        <p:txBody>
+          <a:bodyPr/>
+          <a:lstStyle/>
+          <a:p>
+            <a:r>
+              <a:rPr lang="nl-NL" dirty="0" smtClean="0"/>
+              <a:t>Floyd-</a:t>
+            </a:r>
+            <a:r>
+              <a:rPr lang="nl-NL" dirty="0" err="1" smtClean="0"/>
+              <a:t>Warshall</a:t>
+            </a:r>
+            <a:r>
+              <a:rPr lang="nl-NL" dirty="0" smtClean="0"/>
+              <a:t> </a:t>
+            </a:r>
+            <a:r>
+              <a:rPr lang="nl-NL" dirty="0" err="1" smtClean="0"/>
+              <a:t>algorithm</a:t>
+            </a:r>
+            <a:endParaRPr lang="nl-NL" dirty="0"/>
+          </a:p>
+        </p:txBody>
+      </p:sp>
+      <mc:AlternateContent xmlns:mc="http://schemas.openxmlformats.org/markup-compatibility/2006">
+        <mc:Choice xmlns:a14="http://schemas.microsoft.com/office/drawing/2010/main" Requires="a14">
+          <p:sp>
+            <p:nvSpPr>
+              <p:cNvPr id="3" name="Tijdelijke aanduiding voor inhoud 2"/>
+              <p:cNvSpPr>
+                <a:spLocks noGrp="1"/>
+              </p:cNvSpPr>
+              <p:nvPr>
+                <p:ph idx="1"/>
+              </p:nvPr>
+            </p:nvSpPr>
+            <p:spPr>
+              <a:xfrm>
+                <a:off x="677334" y="1763487"/>
+                <a:ext cx="8596668" cy="4778828"/>
+              </a:xfrm>
+            </p:spPr>
+            <p:txBody>
+              <a:bodyPr/>
+              <a:lstStyle/>
+              <a:p>
+                <a:r>
+                  <a:rPr lang="nl-NL" dirty="0" smtClean="0"/>
+                  <a:t>Initialization (</a:t>
+                </a:r>
+                <a14:m>
+                  <m:oMath xmlns:m="http://schemas.openxmlformats.org/officeDocument/2006/math">
+                    <m:r>
+                      <a:rPr lang="nl-NL" i="1" dirty="0" smtClean="0">
+                        <a:latin typeface="Cambria Math" panose="02040503050406030204" pitchFamily="18" charset="0"/>
+                      </a:rPr>
+                      <m:t>𝑘</m:t>
+                    </m:r>
+                    <m:r>
+                      <a:rPr lang="nl-NL" i="1" dirty="0" smtClean="0">
+                        <a:latin typeface="Cambria Math" panose="02040503050406030204" pitchFamily="18" charset="0"/>
+                      </a:rPr>
+                      <m:t>=0</m:t>
+                    </m:r>
+                  </m:oMath>
+                </a14:m>
+                <a:r>
+                  <a:rPr lang="nl-NL" dirty="0" smtClean="0"/>
+                  <a:t>)</a:t>
+                </a:r>
+              </a:p>
+              <a:p>
+                <a:pPr lvl="1"/>
+                <a14:m>
+                  <m:oMath xmlns:m="http://schemas.openxmlformats.org/officeDocument/2006/math">
+                    <m:r>
+                      <a:rPr lang="pl-PL" b="0" i="1" dirty="0" smtClean="0">
+                        <a:solidFill>
+                          <a:schemeClr val="tx1"/>
+                        </a:solidFill>
+                        <a:latin typeface="Cambria Math" panose="02040503050406030204" pitchFamily="18" charset="0"/>
+                      </a:rPr>
+                      <m:t>𝑠h𝑜𝑟𝑡𝑒𝑠𝑡𝑃𝑎𝑡h</m:t>
+                    </m:r>
+                    <m:d>
+                      <m:dPr>
+                        <m:ctrlPr>
+                          <a:rPr lang="pl-PL" i="1" dirty="0">
+                            <a:solidFill>
+                              <a:schemeClr val="tx1"/>
+                            </a:solidFill>
+                            <a:latin typeface="Cambria Math" panose="02040503050406030204" pitchFamily="18" charset="0"/>
+                          </a:rPr>
+                        </m:ctrlPr>
+                      </m:dPr>
+                      <m:e>
+                        <m:r>
+                          <a:rPr lang="pl-PL" b="0" i="1" dirty="0">
+                            <a:solidFill>
+                              <a:schemeClr val="tx1"/>
+                            </a:solidFill>
+                            <a:latin typeface="Cambria Math" panose="02040503050406030204" pitchFamily="18" charset="0"/>
+                          </a:rPr>
+                          <m:t>𝑖</m:t>
+                        </m:r>
+                        <m:r>
+                          <a:rPr lang="pl-PL" b="0" i="1" dirty="0">
+                            <a:solidFill>
+                              <a:schemeClr val="tx1"/>
+                            </a:solidFill>
+                            <a:latin typeface="Cambria Math" panose="02040503050406030204" pitchFamily="18" charset="0"/>
+                          </a:rPr>
+                          <m:t>,</m:t>
+                        </m:r>
+                        <m:r>
+                          <a:rPr lang="pl-PL" b="0" i="1" dirty="0">
+                            <a:solidFill>
+                              <a:schemeClr val="tx1"/>
+                            </a:solidFill>
+                            <a:latin typeface="Cambria Math" panose="02040503050406030204" pitchFamily="18" charset="0"/>
+                          </a:rPr>
+                          <m:t>𝑗</m:t>
+                        </m:r>
+                        <m:r>
+                          <a:rPr lang="pl-PL" b="0" i="1" dirty="0">
+                            <a:solidFill>
+                              <a:schemeClr val="tx1"/>
+                            </a:solidFill>
+                            <a:latin typeface="Cambria Math" panose="02040503050406030204" pitchFamily="18" charset="0"/>
+                          </a:rPr>
+                          <m:t>, 0</m:t>
+                        </m:r>
+                      </m:e>
+                    </m:d>
+                    <m:r>
+                      <a:rPr lang="nl-NL" b="0" i="1" dirty="0" smtClean="0">
+                        <a:solidFill>
+                          <a:schemeClr val="tx1"/>
+                        </a:solidFill>
+                        <a:latin typeface="Cambria Math" panose="02040503050406030204" pitchFamily="18" charset="0"/>
+                      </a:rPr>
+                      <m:t>=</m:t>
+                    </m:r>
+                    <m:r>
+                      <a:rPr lang="nl-NL" b="0" i="1" dirty="0" smtClean="0">
+                        <a:solidFill>
+                          <a:schemeClr val="tx1"/>
+                        </a:solidFill>
+                        <a:latin typeface="Cambria Math" panose="02040503050406030204" pitchFamily="18" charset="0"/>
+                      </a:rPr>
+                      <m:t>𝑤</m:t>
+                    </m:r>
+                    <m:r>
+                      <a:rPr lang="nl-NL" b="0" i="1" dirty="0" smtClean="0">
+                        <a:solidFill>
+                          <a:schemeClr val="tx1"/>
+                        </a:solidFill>
+                        <a:latin typeface="Cambria Math" panose="02040503050406030204" pitchFamily="18" charset="0"/>
+                      </a:rPr>
+                      <m:t>(</m:t>
+                    </m:r>
+                    <m:r>
+                      <a:rPr lang="nl-NL" b="0" i="1" dirty="0" smtClean="0">
+                        <a:solidFill>
+                          <a:schemeClr val="tx1"/>
+                        </a:solidFill>
+                        <a:latin typeface="Cambria Math" panose="02040503050406030204" pitchFamily="18" charset="0"/>
+                      </a:rPr>
+                      <m:t>𝑖</m:t>
+                    </m:r>
+                    <m:r>
+                      <a:rPr lang="nl-NL" b="0" i="1" dirty="0" smtClean="0">
+                        <a:solidFill>
+                          <a:schemeClr val="tx1"/>
+                        </a:solidFill>
+                        <a:latin typeface="Cambria Math" panose="02040503050406030204" pitchFamily="18" charset="0"/>
+                      </a:rPr>
+                      <m:t>,</m:t>
+                    </m:r>
+                    <m:r>
+                      <a:rPr lang="nl-NL" b="0" i="1" dirty="0" smtClean="0">
+                        <a:solidFill>
+                          <a:schemeClr val="tx1"/>
+                        </a:solidFill>
+                        <a:latin typeface="Cambria Math" panose="02040503050406030204" pitchFamily="18" charset="0"/>
+                      </a:rPr>
+                      <m:t>𝑗</m:t>
+                    </m:r>
+                    <m:r>
+                      <a:rPr lang="nl-NL" b="0" i="1" dirty="0" smtClean="0">
+                        <a:solidFill>
+                          <a:schemeClr val="tx1"/>
+                        </a:solidFill>
+                        <a:latin typeface="Cambria Math" panose="02040503050406030204" pitchFamily="18" charset="0"/>
+                      </a:rPr>
+                      <m:t>)</m:t>
+                    </m:r>
+                  </m:oMath>
+                </a14:m>
+                <a:endParaRPr lang="nl-NL" dirty="0" smtClean="0">
+                  <a:solidFill>
+                    <a:schemeClr val="tx1"/>
+                  </a:solidFill>
+                </a:endParaRPr>
+              </a:p>
+              <a:p>
+                <a:r>
+                  <a:rPr lang="nl-NL" dirty="0" smtClean="0"/>
+                  <a:t>Loop </a:t>
+                </a:r>
+              </a:p>
+              <a:p>
+                <a:pPr lvl="1"/>
+                <a:r>
+                  <a:rPr lang="en-US" dirty="0" smtClean="0"/>
+                  <a:t>compute </a:t>
+                </a:r>
+                <a14:m>
+                  <m:oMath xmlns:m="http://schemas.openxmlformats.org/officeDocument/2006/math">
+                    <m:r>
+                      <a:rPr lang="en-US" i="1" dirty="0" smtClean="0">
+                        <a:latin typeface="Cambria Math" panose="02040503050406030204" pitchFamily="18" charset="0"/>
+                      </a:rPr>
+                      <m:t>𝑠h𝑜𝑟𝑡𝑒𝑠𝑡𝑃𝑎𝑡h</m:t>
+                    </m:r>
+                    <m:r>
+                      <a:rPr lang="en-US" i="1" dirty="0">
+                        <a:latin typeface="Cambria Math" panose="02040503050406030204" pitchFamily="18" charset="0"/>
+                      </a:rPr>
+                      <m:t>(</m:t>
+                    </m:r>
+                    <m:r>
+                      <a:rPr lang="en-US" i="1" dirty="0" err="1">
+                        <a:latin typeface="Cambria Math" panose="02040503050406030204" pitchFamily="18" charset="0"/>
+                      </a:rPr>
+                      <m:t>𝑖</m:t>
+                    </m:r>
+                    <m:r>
+                      <a:rPr lang="en-US" i="1" dirty="0">
+                        <a:latin typeface="Cambria Math" panose="02040503050406030204" pitchFamily="18" charset="0"/>
+                      </a:rPr>
+                      <m:t>, </m:t>
+                    </m:r>
+                    <m:r>
+                      <a:rPr lang="en-US" i="1" dirty="0">
+                        <a:latin typeface="Cambria Math" panose="02040503050406030204" pitchFamily="18" charset="0"/>
+                      </a:rPr>
+                      <m:t>𝑗</m:t>
+                    </m:r>
+                    <m:r>
+                      <a:rPr lang="en-US" i="1" dirty="0">
+                        <a:latin typeface="Cambria Math" panose="02040503050406030204" pitchFamily="18" charset="0"/>
+                      </a:rPr>
+                      <m:t>, </m:t>
+                    </m:r>
+                    <m:r>
+                      <a:rPr lang="en-US" i="1" dirty="0">
+                        <a:latin typeface="Cambria Math" panose="02040503050406030204" pitchFamily="18" charset="0"/>
+                      </a:rPr>
+                      <m:t>𝑘</m:t>
+                    </m:r>
+                    <m:r>
+                      <a:rPr lang="en-US" i="1" dirty="0">
+                        <a:latin typeface="Cambria Math" panose="02040503050406030204" pitchFamily="18" charset="0"/>
+                      </a:rPr>
+                      <m:t>)</m:t>
+                    </m:r>
+                  </m:oMath>
+                </a14:m>
+                <a:r>
+                  <a:rPr lang="en-US" dirty="0"/>
+                  <a:t> for all </a:t>
+                </a:r>
+                <a14:m>
+                  <m:oMath xmlns:m="http://schemas.openxmlformats.org/officeDocument/2006/math">
+                    <m:r>
+                      <a:rPr lang="en-US" i="1" dirty="0" smtClean="0">
+                        <a:latin typeface="Cambria Math" panose="02040503050406030204" pitchFamily="18" charset="0"/>
+                      </a:rPr>
+                      <m:t>(</m:t>
+                    </m:r>
+                    <m:r>
+                      <a:rPr lang="en-US" i="1" dirty="0" err="1">
+                        <a:latin typeface="Cambria Math" panose="02040503050406030204" pitchFamily="18" charset="0"/>
+                      </a:rPr>
+                      <m:t>𝑖</m:t>
+                    </m:r>
+                    <m:r>
+                      <a:rPr lang="en-US" i="1" dirty="0">
+                        <a:latin typeface="Cambria Math" panose="02040503050406030204" pitchFamily="18" charset="0"/>
+                      </a:rPr>
+                      <m:t>, </m:t>
+                    </m:r>
+                    <m:r>
+                      <a:rPr lang="en-US" i="1" dirty="0">
+                        <a:latin typeface="Cambria Math" panose="02040503050406030204" pitchFamily="18" charset="0"/>
+                      </a:rPr>
+                      <m:t>𝑗</m:t>
+                    </m:r>
+                    <m:r>
+                      <a:rPr lang="en-US" i="1" dirty="0">
+                        <a:latin typeface="Cambria Math" panose="02040503050406030204" pitchFamily="18" charset="0"/>
+                      </a:rPr>
+                      <m:t>)</m:t>
+                    </m:r>
+                  </m:oMath>
+                </a14:m>
+                <a:r>
+                  <a:rPr lang="en-US" dirty="0"/>
+                  <a:t> pairs</a:t>
+                </a:r>
+                <a:r>
+                  <a:rPr lang="en-US" dirty="0" smtClean="0"/>
+                  <a:t> when</a:t>
+                </a:r>
+                <a14:m>
+                  <m:oMath xmlns:m="http://schemas.openxmlformats.org/officeDocument/2006/math">
+                    <m:r>
+                      <a:rPr lang="nl-NL" b="0" i="0" smtClean="0">
+                        <a:latin typeface="Cambria Math" panose="02040503050406030204" pitchFamily="18" charset="0"/>
+                      </a:rPr>
+                      <m:t> </m:t>
+                    </m:r>
+                    <m:r>
+                      <a:rPr lang="nl-NL" b="0" i="1" smtClean="0">
+                        <a:latin typeface="Cambria Math" panose="02040503050406030204" pitchFamily="18" charset="0"/>
+                      </a:rPr>
+                      <m:t>𝑘</m:t>
+                    </m:r>
+                    <m:r>
+                      <a:rPr lang="nl-NL" b="0" i="1" smtClean="0">
+                        <a:latin typeface="Cambria Math" panose="02040503050406030204" pitchFamily="18" charset="0"/>
+                      </a:rPr>
+                      <m:t>=1</m:t>
+                    </m:r>
+                  </m:oMath>
+                </a14:m>
+                <a:endParaRPr lang="nl-NL" dirty="0" smtClean="0"/>
+              </a:p>
+              <a:p>
+                <a:pPr lvl="2"/>
+                <a:r>
+                  <a:rPr lang="nl-NL" dirty="0" smtClean="0"/>
+                  <a:t>See </a:t>
+                </a:r>
+                <a:r>
+                  <a:rPr lang="nl-NL" dirty="0" err="1" smtClean="0"/>
+                  <a:t>if</a:t>
+                </a:r>
+                <a:r>
+                  <a:rPr lang="nl-NL" dirty="0" smtClean="0"/>
+                  <a:t> passing </a:t>
+                </a:r>
+                <a:r>
+                  <a:rPr lang="nl-NL" dirty="0" err="1" smtClean="0"/>
+                  <a:t>for</a:t>
+                </a:r>
+                <a:r>
+                  <a:rPr lang="nl-NL" dirty="0" smtClean="0"/>
+                  <a:t> vertex 1 </a:t>
+                </a:r>
+                <a:r>
+                  <a:rPr lang="nl-NL" dirty="0" err="1" smtClean="0"/>
+                  <a:t>improves</a:t>
+                </a:r>
+                <a:r>
+                  <a:rPr lang="nl-NL" dirty="0" smtClean="0"/>
+                  <a:t> </a:t>
+                </a:r>
+                <a:r>
+                  <a:rPr lang="nl-NL" dirty="0" err="1" smtClean="0"/>
+                  <a:t>some</a:t>
+                </a:r>
+                <a:r>
+                  <a:rPr lang="nl-NL" dirty="0" smtClean="0"/>
+                  <a:t> </a:t>
+                </a:r>
+                <a:r>
+                  <a:rPr lang="nl-NL" dirty="0" err="1" smtClean="0"/>
+                  <a:t>shortest</a:t>
+                </a:r>
+                <a:r>
+                  <a:rPr lang="nl-NL" dirty="0" smtClean="0"/>
+                  <a:t> </a:t>
+                </a:r>
+                <a:r>
+                  <a:rPr lang="nl-NL" dirty="0" err="1" smtClean="0"/>
+                  <a:t>paths</a:t>
+                </a:r>
+                <a:endParaRPr lang="nl-NL" dirty="0" smtClean="0"/>
+              </a:p>
+              <a:p>
+                <a:pPr lvl="1"/>
+                <a:r>
+                  <a:rPr lang="en-US" dirty="0"/>
+                  <a:t>compute </a:t>
+                </a:r>
+                <a14:m>
+                  <m:oMath xmlns:m="http://schemas.openxmlformats.org/officeDocument/2006/math">
+                    <m:r>
+                      <a:rPr lang="en-US" i="1" dirty="0">
+                        <a:latin typeface="Cambria Math" panose="02040503050406030204" pitchFamily="18" charset="0"/>
+                      </a:rPr>
+                      <m:t>𝑠h𝑜𝑟𝑡𝑒𝑠𝑡𝑃𝑎𝑡h</m:t>
+                    </m:r>
+                    <m:r>
+                      <a:rPr lang="en-US" i="1" dirty="0">
+                        <a:latin typeface="Cambria Math" panose="02040503050406030204" pitchFamily="18" charset="0"/>
+                      </a:rPr>
+                      <m:t>(</m:t>
+                    </m:r>
+                    <m:r>
+                      <a:rPr lang="en-US" i="1" dirty="0" err="1">
+                        <a:latin typeface="Cambria Math" panose="02040503050406030204" pitchFamily="18" charset="0"/>
+                      </a:rPr>
+                      <m:t>𝑖</m:t>
+                    </m:r>
+                    <m:r>
+                      <a:rPr lang="en-US" i="1" dirty="0">
+                        <a:latin typeface="Cambria Math" panose="02040503050406030204" pitchFamily="18" charset="0"/>
+                      </a:rPr>
+                      <m:t>, </m:t>
+                    </m:r>
+                    <m:r>
+                      <a:rPr lang="en-US" i="1" dirty="0">
+                        <a:latin typeface="Cambria Math" panose="02040503050406030204" pitchFamily="18" charset="0"/>
+                      </a:rPr>
+                      <m:t>𝑗</m:t>
+                    </m:r>
+                    <m:r>
+                      <a:rPr lang="en-US" i="1" dirty="0">
+                        <a:latin typeface="Cambria Math" panose="02040503050406030204" pitchFamily="18" charset="0"/>
+                      </a:rPr>
+                      <m:t>, </m:t>
+                    </m:r>
+                    <m:r>
+                      <a:rPr lang="en-US" i="1" dirty="0">
+                        <a:latin typeface="Cambria Math" panose="02040503050406030204" pitchFamily="18" charset="0"/>
+                      </a:rPr>
+                      <m:t>𝑘</m:t>
+                    </m:r>
+                    <m:r>
+                      <a:rPr lang="en-US" i="1" dirty="0">
+                        <a:latin typeface="Cambria Math" panose="02040503050406030204" pitchFamily="18" charset="0"/>
+                      </a:rPr>
+                      <m:t>)</m:t>
+                    </m:r>
+                  </m:oMath>
+                </a14:m>
+                <a:r>
+                  <a:rPr lang="en-US" dirty="0"/>
+                  <a:t> for all </a:t>
+                </a:r>
+                <a14:m>
+                  <m:oMath xmlns:m="http://schemas.openxmlformats.org/officeDocument/2006/math">
+                    <m:r>
+                      <a:rPr lang="en-US" i="1" dirty="0">
+                        <a:latin typeface="Cambria Math" panose="02040503050406030204" pitchFamily="18" charset="0"/>
+                      </a:rPr>
+                      <m:t>(</m:t>
+                    </m:r>
+                    <m:r>
+                      <a:rPr lang="en-US" i="1" dirty="0" err="1">
+                        <a:latin typeface="Cambria Math" panose="02040503050406030204" pitchFamily="18" charset="0"/>
+                      </a:rPr>
+                      <m:t>𝑖</m:t>
+                    </m:r>
+                    <m:r>
+                      <a:rPr lang="en-US" i="1" dirty="0">
+                        <a:latin typeface="Cambria Math" panose="02040503050406030204" pitchFamily="18" charset="0"/>
+                      </a:rPr>
+                      <m:t>, </m:t>
+                    </m:r>
+                    <m:r>
+                      <a:rPr lang="en-US" i="1" dirty="0">
+                        <a:latin typeface="Cambria Math" panose="02040503050406030204" pitchFamily="18" charset="0"/>
+                      </a:rPr>
+                      <m:t>𝑗</m:t>
+                    </m:r>
+                    <m:r>
+                      <a:rPr lang="en-US" i="1" dirty="0">
+                        <a:latin typeface="Cambria Math" panose="02040503050406030204" pitchFamily="18" charset="0"/>
+                      </a:rPr>
+                      <m:t>)</m:t>
+                    </m:r>
+                  </m:oMath>
+                </a14:m>
+                <a:r>
+                  <a:rPr lang="en-US" dirty="0"/>
+                  <a:t> pairs</a:t>
+                </a:r>
+                <a:r>
+                  <a:rPr lang="en-US" dirty="0"/>
+                  <a:t> when</a:t>
+                </a:r>
+                <a14:m>
+                  <m:oMath xmlns:m="http://schemas.openxmlformats.org/officeDocument/2006/math">
+                    <m:r>
+                      <a:rPr lang="nl-NL">
+                        <a:latin typeface="Cambria Math" panose="02040503050406030204" pitchFamily="18" charset="0"/>
+                      </a:rPr>
+                      <m:t> </m:t>
+                    </m:r>
+                    <m:r>
+                      <a:rPr lang="nl-NL" i="1">
+                        <a:latin typeface="Cambria Math" panose="02040503050406030204" pitchFamily="18" charset="0"/>
+                      </a:rPr>
+                      <m:t>𝑘</m:t>
+                    </m:r>
+                    <m:r>
+                      <a:rPr lang="nl-NL" i="1">
+                        <a:latin typeface="Cambria Math" panose="02040503050406030204" pitchFamily="18" charset="0"/>
+                      </a:rPr>
+                      <m:t>=2</m:t>
+                    </m:r>
+                  </m:oMath>
+                </a14:m>
+                <a:endParaRPr lang="nl-NL" dirty="0" smtClean="0"/>
+              </a:p>
+              <a:p>
+                <a:pPr lvl="2"/>
+                <a:r>
+                  <a:rPr lang="nl-NL" dirty="0"/>
+                  <a:t>See </a:t>
+                </a:r>
+                <a:r>
+                  <a:rPr lang="nl-NL" dirty="0" err="1"/>
+                  <a:t>if</a:t>
+                </a:r>
+                <a:r>
+                  <a:rPr lang="nl-NL" dirty="0"/>
+                  <a:t> passing </a:t>
+                </a:r>
+                <a:r>
+                  <a:rPr lang="nl-NL" dirty="0" err="1"/>
+                  <a:t>for</a:t>
+                </a:r>
+                <a:r>
+                  <a:rPr lang="nl-NL" dirty="0"/>
+                  <a:t> vertex </a:t>
+                </a:r>
+                <a:r>
+                  <a:rPr lang="nl-NL" dirty="0" smtClean="0"/>
+                  <a:t>2 </a:t>
+                </a:r>
+                <a:r>
+                  <a:rPr lang="nl-NL" dirty="0" err="1"/>
+                  <a:t>improves</a:t>
+                </a:r>
+                <a:r>
+                  <a:rPr lang="nl-NL" dirty="0"/>
+                  <a:t> </a:t>
+                </a:r>
+                <a:r>
+                  <a:rPr lang="nl-NL" dirty="0" err="1"/>
+                  <a:t>some</a:t>
+                </a:r>
+                <a:r>
+                  <a:rPr lang="nl-NL" dirty="0"/>
+                  <a:t> </a:t>
+                </a:r>
+                <a:r>
+                  <a:rPr lang="nl-NL" dirty="0" err="1"/>
+                  <a:t>shortest</a:t>
+                </a:r>
+                <a:r>
+                  <a:rPr lang="nl-NL" dirty="0"/>
+                  <a:t> </a:t>
+                </a:r>
+                <a:r>
+                  <a:rPr lang="nl-NL" dirty="0" err="1"/>
+                  <a:t>paths</a:t>
+                </a:r>
+                <a:endParaRPr lang="nl-NL" dirty="0" smtClean="0"/>
+              </a:p>
+              <a:p>
+                <a:pPr lvl="1"/>
+                <a:r>
+                  <a:rPr lang="nl-NL" dirty="0" smtClean="0"/>
+                  <a:t>…</a:t>
+                </a:r>
+              </a:p>
+              <a:p>
+                <a:pPr lvl="1"/>
+                <a:r>
+                  <a:rPr lang="en-US" dirty="0"/>
+                  <a:t>compute </a:t>
+                </a:r>
+                <a14:m>
+                  <m:oMath xmlns:m="http://schemas.openxmlformats.org/officeDocument/2006/math">
+                    <m:r>
+                      <a:rPr lang="en-US" i="1" dirty="0">
+                        <a:latin typeface="Cambria Math" panose="02040503050406030204" pitchFamily="18" charset="0"/>
+                      </a:rPr>
+                      <m:t>𝑠h𝑜𝑟𝑡𝑒𝑠𝑡𝑃𝑎𝑡h</m:t>
+                    </m:r>
+                    <m:r>
+                      <a:rPr lang="en-US" i="1" dirty="0">
+                        <a:latin typeface="Cambria Math" panose="02040503050406030204" pitchFamily="18" charset="0"/>
+                      </a:rPr>
+                      <m:t>(</m:t>
+                    </m:r>
+                    <m:r>
+                      <a:rPr lang="en-US" i="1" dirty="0" err="1">
+                        <a:latin typeface="Cambria Math" panose="02040503050406030204" pitchFamily="18" charset="0"/>
+                      </a:rPr>
+                      <m:t>𝑖</m:t>
+                    </m:r>
+                    <m:r>
+                      <a:rPr lang="en-US" i="1" dirty="0">
+                        <a:latin typeface="Cambria Math" panose="02040503050406030204" pitchFamily="18" charset="0"/>
+                      </a:rPr>
+                      <m:t>, </m:t>
+                    </m:r>
+                    <m:r>
+                      <a:rPr lang="en-US" i="1" dirty="0">
+                        <a:latin typeface="Cambria Math" panose="02040503050406030204" pitchFamily="18" charset="0"/>
+                      </a:rPr>
+                      <m:t>𝑗</m:t>
+                    </m:r>
+                    <m:r>
+                      <a:rPr lang="en-US" i="1" dirty="0">
+                        <a:latin typeface="Cambria Math" panose="02040503050406030204" pitchFamily="18" charset="0"/>
+                      </a:rPr>
+                      <m:t>, </m:t>
+                    </m:r>
+                    <m:r>
+                      <a:rPr lang="en-US" i="1" dirty="0">
+                        <a:latin typeface="Cambria Math" panose="02040503050406030204" pitchFamily="18" charset="0"/>
+                      </a:rPr>
+                      <m:t>𝑘</m:t>
+                    </m:r>
+                    <m:r>
+                      <a:rPr lang="en-US" i="1" dirty="0">
+                        <a:latin typeface="Cambria Math" panose="02040503050406030204" pitchFamily="18" charset="0"/>
+                      </a:rPr>
+                      <m:t>)</m:t>
+                    </m:r>
+                  </m:oMath>
+                </a14:m>
+                <a:r>
+                  <a:rPr lang="en-US" dirty="0"/>
+                  <a:t> for all </a:t>
+                </a:r>
+                <a14:m>
+                  <m:oMath xmlns:m="http://schemas.openxmlformats.org/officeDocument/2006/math">
+                    <m:r>
+                      <a:rPr lang="en-US" i="1" dirty="0">
+                        <a:latin typeface="Cambria Math" panose="02040503050406030204" pitchFamily="18" charset="0"/>
+                      </a:rPr>
+                      <m:t>(</m:t>
+                    </m:r>
+                    <m:r>
+                      <a:rPr lang="en-US" i="1" dirty="0" err="1">
+                        <a:latin typeface="Cambria Math" panose="02040503050406030204" pitchFamily="18" charset="0"/>
+                      </a:rPr>
+                      <m:t>𝑖</m:t>
+                    </m:r>
+                    <m:r>
+                      <a:rPr lang="en-US" i="1" dirty="0">
+                        <a:latin typeface="Cambria Math" panose="02040503050406030204" pitchFamily="18" charset="0"/>
+                      </a:rPr>
+                      <m:t>, </m:t>
+                    </m:r>
+                    <m:r>
+                      <a:rPr lang="en-US" i="1" dirty="0">
+                        <a:latin typeface="Cambria Math" panose="02040503050406030204" pitchFamily="18" charset="0"/>
+                      </a:rPr>
+                      <m:t>𝑗</m:t>
+                    </m:r>
+                    <m:r>
+                      <a:rPr lang="en-US" i="1" dirty="0">
+                        <a:latin typeface="Cambria Math" panose="02040503050406030204" pitchFamily="18" charset="0"/>
+                      </a:rPr>
+                      <m:t>)</m:t>
+                    </m:r>
+                  </m:oMath>
+                </a14:m>
+                <a:r>
+                  <a:rPr lang="en-US" dirty="0"/>
+                  <a:t> pairs</a:t>
+                </a:r>
+                <a:r>
+                  <a:rPr lang="en-US" dirty="0"/>
+                  <a:t> when</a:t>
+                </a:r>
+                <a14:m>
+                  <m:oMath xmlns:m="http://schemas.openxmlformats.org/officeDocument/2006/math">
+                    <m:r>
+                      <a:rPr lang="nl-NL">
+                        <a:latin typeface="Cambria Math" panose="02040503050406030204" pitchFamily="18" charset="0"/>
+                      </a:rPr>
+                      <m:t> </m:t>
+                    </m:r>
+                    <m:r>
+                      <a:rPr lang="nl-NL" i="1">
+                        <a:latin typeface="Cambria Math" panose="02040503050406030204" pitchFamily="18" charset="0"/>
+                      </a:rPr>
+                      <m:t>𝑘</m:t>
+                    </m:r>
+                    <m:r>
+                      <a:rPr lang="nl-NL" i="1">
+                        <a:latin typeface="Cambria Math" panose="02040503050406030204" pitchFamily="18" charset="0"/>
+                      </a:rPr>
+                      <m:t>=</m:t>
+                    </m:r>
+                    <m:r>
+                      <a:rPr lang="nl-NL" b="0" i="1" smtClean="0">
+                        <a:latin typeface="Cambria Math" panose="02040503050406030204" pitchFamily="18" charset="0"/>
+                      </a:rPr>
+                      <m:t>𝑁</m:t>
+                    </m:r>
+                  </m:oMath>
+                </a14:m>
+                <a:endParaRPr lang="nl-NL" b="0" dirty="0" smtClean="0"/>
+              </a:p>
+              <a:p>
+                <a:pPr lvl="2"/>
+                <a:r>
+                  <a:rPr lang="nl-NL" dirty="0"/>
+                  <a:t>See </a:t>
+                </a:r>
+                <a:r>
+                  <a:rPr lang="nl-NL" dirty="0" err="1"/>
+                  <a:t>if</a:t>
+                </a:r>
+                <a:r>
+                  <a:rPr lang="nl-NL" dirty="0"/>
+                  <a:t> passing </a:t>
+                </a:r>
+                <a:r>
+                  <a:rPr lang="nl-NL" dirty="0" err="1"/>
+                  <a:t>for</a:t>
+                </a:r>
+                <a:r>
+                  <a:rPr lang="nl-NL" dirty="0"/>
+                  <a:t> vertex </a:t>
+                </a:r>
+                <a:r>
+                  <a:rPr lang="nl-NL" dirty="0" smtClean="0"/>
+                  <a:t>N </a:t>
+                </a:r>
+                <a:r>
+                  <a:rPr lang="nl-NL" dirty="0" err="1"/>
+                  <a:t>improves</a:t>
+                </a:r>
+                <a:r>
+                  <a:rPr lang="nl-NL" dirty="0"/>
+                  <a:t> </a:t>
+                </a:r>
+                <a:r>
+                  <a:rPr lang="nl-NL" dirty="0" err="1"/>
+                  <a:t>some</a:t>
+                </a:r>
+                <a:r>
+                  <a:rPr lang="nl-NL" dirty="0"/>
+                  <a:t> </a:t>
+                </a:r>
+                <a:r>
+                  <a:rPr lang="nl-NL" dirty="0" err="1"/>
+                  <a:t>shortest</a:t>
+                </a:r>
+                <a:r>
+                  <a:rPr lang="nl-NL" dirty="0"/>
+                  <a:t> </a:t>
+                </a:r>
+                <a:r>
+                  <a:rPr lang="nl-NL" dirty="0" err="1" smtClean="0"/>
+                  <a:t>paths</a:t>
+                </a:r>
+                <a:endParaRPr lang="nl-NL" dirty="0" smtClean="0"/>
+              </a:p>
+              <a:p>
+                <a:pPr lvl="2"/>
+                <a:r>
+                  <a:rPr lang="nl-NL" dirty="0" err="1" smtClean="0"/>
+                  <a:t>After</a:t>
+                </a:r>
+                <a:r>
+                  <a:rPr lang="nl-NL" dirty="0" smtClean="0"/>
+                  <a:t> </a:t>
+                </a:r>
+                <a:r>
+                  <a:rPr lang="nl-NL" dirty="0" err="1" smtClean="0"/>
+                  <a:t>this</a:t>
+                </a:r>
+                <a:r>
+                  <a:rPr lang="nl-NL" dirty="0" smtClean="0"/>
+                  <a:t>, we have found </a:t>
+                </a:r>
+                <a:r>
+                  <a:rPr lang="nl-NL" dirty="0" err="1" smtClean="0"/>
+                  <a:t>th</a:t>
+                </a:r>
+                <a:r>
+                  <a:rPr lang="en-US" dirty="0" smtClean="0"/>
+                  <a:t>e </a:t>
+                </a:r>
+                <a:r>
+                  <a:rPr lang="en-US" dirty="0"/>
+                  <a:t>shortest path for all </a:t>
+                </a:r>
+                <a14:m>
+                  <m:oMath xmlns:m="http://schemas.openxmlformats.org/officeDocument/2006/math">
+                    <m:r>
+                      <a:rPr lang="en-US" i="1" dirty="0" smtClean="0">
+                        <a:latin typeface="Cambria Math" panose="02040503050406030204" pitchFamily="18" charset="0"/>
+                      </a:rPr>
+                      <m:t>(</m:t>
+                    </m:r>
+                    <m:r>
+                      <a:rPr lang="en-US" i="1" dirty="0" err="1">
+                        <a:latin typeface="Cambria Math" panose="02040503050406030204" pitchFamily="18" charset="0"/>
+                      </a:rPr>
+                      <m:t>𝑖</m:t>
+                    </m:r>
+                    <m:r>
+                      <a:rPr lang="en-US" i="1" dirty="0">
+                        <a:latin typeface="Cambria Math" panose="02040503050406030204" pitchFamily="18" charset="0"/>
+                      </a:rPr>
+                      <m:t>, </m:t>
+                    </m:r>
+                    <m:r>
+                      <a:rPr lang="en-US" i="1" dirty="0">
+                        <a:latin typeface="Cambria Math" panose="02040503050406030204" pitchFamily="18" charset="0"/>
+                      </a:rPr>
+                      <m:t>𝑗</m:t>
+                    </m:r>
+                    <m:r>
+                      <a:rPr lang="en-US" i="1" dirty="0">
+                        <a:latin typeface="Cambria Math" panose="02040503050406030204" pitchFamily="18" charset="0"/>
+                      </a:rPr>
+                      <m:t>)</m:t>
+                    </m:r>
+                  </m:oMath>
+                </a14:m>
+                <a:r>
+                  <a:rPr lang="en-US" dirty="0"/>
+                  <a:t> pairs using </a:t>
+                </a:r>
+                <a:r>
+                  <a:rPr lang="en-US" b="1" dirty="0"/>
+                  <a:t>any</a:t>
+                </a:r>
+                <a:r>
+                  <a:rPr lang="en-US" dirty="0"/>
+                  <a:t> intermediate </a:t>
+                </a:r>
+                <a:r>
+                  <a:rPr lang="en-US" dirty="0" smtClean="0"/>
+                  <a:t>vertices</a:t>
+                </a:r>
+                <a:endParaRPr lang="nl-NL" dirty="0"/>
+              </a:p>
+              <a:p>
+                <a:pPr lvl="1"/>
+                <a:endParaRPr lang="nl-NL" dirty="0"/>
+              </a:p>
+            </p:txBody>
+          </p:sp>
+        </mc:Choice>
+        <mc:Fallback>
+          <p:sp>
+            <p:nvSpPr>
+              <p:cNvPr id="3" name="Tijdelijke aanduiding voor inhoud 2"/>
+              <p:cNvSpPr>
+                <a:spLocks noGrp="1" noRot="1" noChangeAspect="1" noMove="1" noResize="1" noEditPoints="1" noAdjustHandles="1" noChangeArrowheads="1" noChangeShapeType="1" noTextEdit="1"/>
+              </p:cNvSpPr>
+              <p:nvPr>
+                <p:ph idx="1"/>
+              </p:nvPr>
+            </p:nvSpPr>
+            <p:spPr>
+              <a:xfrm>
+                <a:off x="677334" y="1763487"/>
+                <a:ext cx="8596668" cy="4778828"/>
+              </a:xfrm>
+              <a:blipFill rotWithShape="0">
+                <a:blip r:embed="rId2"/>
+                <a:stretch>
+                  <a:fillRect l="-142" t="-765"/>
+                </a:stretch>
+              </a:blipFill>
+            </p:spPr>
+            <p:txBody>
+              <a:bodyPr/>
+              <a:lstStyle/>
+              <a:p>
+                <a:r>
+                  <a:rPr lang="nl-NL">
+                    <a:noFill/>
+                  </a:rPr>
+                  <a:t> </a:t>
+                </a:r>
+              </a:p>
+            </p:txBody>
+          </p:sp>
+        </mc:Fallback>
+      </mc:AlternateContent>
+      <p:sp>
+        <p:nvSpPr>
+          <p:cNvPr id="4" name="Tijdelijke aanduiding voor voettekst 3"/>
+          <p:cNvSpPr>
+            <a:spLocks noGrp="1"/>
+          </p:cNvSpPr>
+          <p:nvPr>
+            <p:ph type="ftr" sz="quarter" idx="11"/>
+          </p:nvPr>
+        </p:nvSpPr>
+        <p:spPr/>
+        <p:txBody>
+          <a:bodyPr/>
+          <a:lstStyle/>
+          <a:p>
+            <a:r>
+              <a:rPr lang="it-IT" smtClean="0"/>
+              <a:t>INFDEV026A - G. Costantini, F. Di Giacomo, G. Maggiore</a:t>
+            </a:r>
+            <a:endParaRPr lang="en-GB"/>
+          </a:p>
+        </p:txBody>
+      </p:sp>
+    </p:spTree>
+    <p:extLst>
+      <p:ext uri="{BB962C8B-B14F-4D97-AF65-F5344CB8AC3E}">
+        <p14:creationId xmlns:p14="http://schemas.microsoft.com/office/powerpoint/2010/main" val="849565193"/>
+      </p:ext>
+    </p:extLst>
+  </p:cSld>
+  <p:clrMapOvr>
+    <a:masterClrMapping/>
+  </p:clrMapOvr>
+</p:sld>
+</file>
+
+<file path=ppt/slides/slide23.xml><?xml version="1.0" encoding="utf-8"?>
+<p:sld xmlns:a="http://schemas.openxmlformats.org/drawingml/2006/main" xmlns:r="http://schemas.openxmlformats.org/officeDocument/2006/relationships" xmlns:p="http://schemas.openxmlformats.org/presentationml/2006/main">
+  <p:cSld>
+    <p:spTree>
+      <p:nvGrpSpPr>
+        <p:cNvPr id="1" name=""/>
+        <p:cNvGrpSpPr/>
+        <p:nvPr/>
+      </p:nvGrpSpPr>
+      <p:grpSpPr>
+        <a:xfrm>
+          <a:off x="0" y="0"/>
+          <a:ext cx="0" cy="0"/>
+          <a:chOff x="0" y="0"/>
+          <a:chExt cx="0" cy="0"/>
+        </a:xfrm>
+      </p:grpSpPr>
+      <p:sp>
+        <p:nvSpPr>
+          <p:cNvPr id="2" name="Titel 1"/>
+          <p:cNvSpPr>
+            <a:spLocks noGrp="1"/>
+          </p:cNvSpPr>
+          <p:nvPr>
+            <p:ph type="title"/>
+          </p:nvPr>
+        </p:nvSpPr>
+        <p:spPr/>
+        <p:txBody>
+          <a:bodyPr/>
+          <a:lstStyle/>
+          <a:p>
+            <a:r>
+              <a:rPr lang="nl-NL" dirty="0" smtClean="0"/>
+              <a:t>Floyd-</a:t>
+            </a:r>
+            <a:r>
+              <a:rPr lang="nl-NL" dirty="0" err="1" smtClean="0"/>
+              <a:t>Warshall</a:t>
+            </a:r>
+            <a:r>
+              <a:rPr lang="nl-NL" dirty="0" smtClean="0"/>
+              <a:t> </a:t>
+            </a:r>
+            <a:r>
+              <a:rPr lang="nl-NL" dirty="0" err="1" smtClean="0"/>
+              <a:t>algorithm</a:t>
+            </a:r>
+            <a:endParaRPr lang="nl-NL" dirty="0"/>
+          </a:p>
+        </p:txBody>
+      </p:sp>
+      <mc:AlternateContent xmlns:mc="http://schemas.openxmlformats.org/markup-compatibility/2006">
+        <mc:Choice xmlns:a14="http://schemas.microsoft.com/office/drawing/2010/main" Requires="a14">
+          <p:sp>
+            <p:nvSpPr>
+              <p:cNvPr id="3" name="Tijdelijke aanduiding voor inhoud 2"/>
+              <p:cNvSpPr>
+                <a:spLocks noGrp="1"/>
+              </p:cNvSpPr>
+              <p:nvPr>
+                <p:ph idx="1"/>
+              </p:nvPr>
+            </p:nvSpPr>
+            <p:spPr>
+              <a:xfrm>
+                <a:off x="677334" y="2160589"/>
+                <a:ext cx="9000066" cy="3880773"/>
+              </a:xfrm>
+            </p:spPr>
+            <p:txBody>
+              <a:bodyPr>
+                <a:normAutofit fontScale="92500" lnSpcReduction="20000"/>
+              </a:bodyPr>
+              <a:lstStyle/>
+              <a:p>
+                <a:pPr marL="0" indent="0">
+                  <a:buNone/>
+                </a:pPr>
+                <a:r>
+                  <a:rPr lang="nl-NL" dirty="0" smtClean="0">
+                    <a:latin typeface="Consolas" panose="020B0609020204030204" pitchFamily="49" charset="0"/>
+                    <a:cs typeface="Consolas" panose="020B0609020204030204" pitchFamily="49" charset="0"/>
+                  </a:rPr>
+                  <a:t>dist </a:t>
+                </a:r>
+                <a:r>
+                  <a:rPr lang="nl-NL" dirty="0">
+                    <a:latin typeface="Consolas" panose="020B0609020204030204" pitchFamily="49" charset="0"/>
+                    <a:cs typeface="Consolas" panose="020B0609020204030204" pitchFamily="49" charset="0"/>
+                  </a:rPr>
+                  <a:t>←</a:t>
+                </a:r>
+                <a:r>
+                  <a:rPr lang="nl-NL" dirty="0" smtClean="0">
+                    <a:latin typeface="Consolas" panose="020B0609020204030204" pitchFamily="49" charset="0"/>
+                    <a:cs typeface="Consolas" panose="020B0609020204030204" pitchFamily="49" charset="0"/>
+                  </a:rPr>
+                  <a:t> |</a:t>
+                </a:r>
+                <a:r>
+                  <a:rPr lang="nl-NL" dirty="0">
+                    <a:latin typeface="Consolas" panose="020B0609020204030204" pitchFamily="49" charset="0"/>
+                    <a:cs typeface="Consolas" panose="020B0609020204030204" pitchFamily="49" charset="0"/>
+                  </a:rPr>
+                  <a:t>V| × |V| </a:t>
+                </a:r>
+                <a:r>
+                  <a:rPr lang="nl-NL" dirty="0" smtClean="0">
+                    <a:latin typeface="Consolas" panose="020B0609020204030204" pitchFamily="49" charset="0"/>
+                    <a:cs typeface="Consolas" panose="020B0609020204030204" pitchFamily="49" charset="0"/>
+                  </a:rPr>
+                  <a:t>matrix of </a:t>
+                </a:r>
+                <a:r>
+                  <a:rPr lang="nl-NL" dirty="0">
+                    <a:latin typeface="Consolas" panose="020B0609020204030204" pitchFamily="49" charset="0"/>
+                    <a:cs typeface="Consolas" panose="020B0609020204030204" pitchFamily="49" charset="0"/>
+                  </a:rPr>
+                  <a:t>minimum </a:t>
+                </a:r>
+                <a:r>
+                  <a:rPr lang="nl-NL" dirty="0" err="1">
+                    <a:latin typeface="Consolas" panose="020B0609020204030204" pitchFamily="49" charset="0"/>
+                    <a:cs typeface="Consolas" panose="020B0609020204030204" pitchFamily="49" charset="0"/>
+                  </a:rPr>
+                  <a:t>distances</a:t>
+                </a:r>
+                <a:r>
+                  <a:rPr lang="nl-NL" dirty="0">
+                    <a:latin typeface="Consolas" panose="020B0609020204030204" pitchFamily="49" charset="0"/>
+                    <a:cs typeface="Consolas" panose="020B0609020204030204" pitchFamily="49" charset="0"/>
+                  </a:rPr>
+                  <a:t> </a:t>
+                </a:r>
+                <a:r>
+                  <a:rPr lang="nl-NL" dirty="0" err="1">
+                    <a:latin typeface="Consolas" panose="020B0609020204030204" pitchFamily="49" charset="0"/>
+                    <a:cs typeface="Consolas" panose="020B0609020204030204" pitchFamily="49" charset="0"/>
+                  </a:rPr>
+                  <a:t>initialized</a:t>
+                </a:r>
+                <a:r>
+                  <a:rPr lang="nl-NL" dirty="0">
+                    <a:latin typeface="Consolas" panose="020B0609020204030204" pitchFamily="49" charset="0"/>
+                    <a:cs typeface="Consolas" panose="020B0609020204030204" pitchFamily="49" charset="0"/>
+                  </a:rPr>
+                  <a:t> </a:t>
+                </a:r>
+                <a:r>
+                  <a:rPr lang="nl-NL" dirty="0" err="1" smtClean="0">
+                    <a:latin typeface="Consolas" panose="020B0609020204030204" pitchFamily="49" charset="0"/>
+                    <a:cs typeface="Consolas" panose="020B0609020204030204" pitchFamily="49" charset="0"/>
+                  </a:rPr>
+                  <a:t>to</a:t>
+                </a:r>
+                <a:r>
+                  <a:rPr lang="nl-NL" dirty="0" smtClean="0">
+                    <a:latin typeface="Consolas" panose="020B0609020204030204" pitchFamily="49" charset="0"/>
+                    <a:cs typeface="Consolas" panose="020B0609020204030204" pitchFamily="49" charset="0"/>
+                  </a:rPr>
+                  <a:t> </a:t>
+                </a:r>
+                <a14:m>
+                  <m:oMath xmlns:m="http://schemas.openxmlformats.org/officeDocument/2006/math">
+                    <m:r>
+                      <a:rPr lang="nl-NL" b="0" i="1" smtClean="0">
+                        <a:latin typeface="Cambria Math" panose="02040503050406030204" pitchFamily="18" charset="0"/>
+                        <a:cs typeface="Consolas" panose="020B0609020204030204" pitchFamily="49" charset="0"/>
+                      </a:rPr>
+                      <m:t>∞</m:t>
+                    </m:r>
+                  </m:oMath>
+                </a14:m>
+                <a:endParaRPr lang="nl-NL" dirty="0">
+                  <a:latin typeface="Consolas" panose="020B0609020204030204" pitchFamily="49" charset="0"/>
+                  <a:cs typeface="Consolas" panose="020B0609020204030204" pitchFamily="49" charset="0"/>
+                </a:endParaRPr>
+              </a:p>
+              <a:p>
+                <a:pPr marL="0" indent="0">
+                  <a:buNone/>
+                </a:pPr>
+                <a:r>
+                  <a:rPr lang="nl-NL" dirty="0" err="1" smtClean="0">
+                    <a:latin typeface="Consolas" panose="020B0609020204030204" pitchFamily="49" charset="0"/>
+                    <a:cs typeface="Consolas" panose="020B0609020204030204" pitchFamily="49" charset="0"/>
+                  </a:rPr>
+                  <a:t>for</a:t>
+                </a:r>
+                <a:r>
+                  <a:rPr lang="nl-NL" dirty="0" smtClean="0">
+                    <a:latin typeface="Consolas" panose="020B0609020204030204" pitchFamily="49" charset="0"/>
+                    <a:cs typeface="Consolas" panose="020B0609020204030204" pitchFamily="49" charset="0"/>
+                  </a:rPr>
+                  <a:t> </a:t>
+                </a:r>
+                <a:r>
+                  <a:rPr lang="nl-NL" dirty="0" err="1">
+                    <a:latin typeface="Consolas" panose="020B0609020204030204" pitchFamily="49" charset="0"/>
+                    <a:cs typeface="Consolas" panose="020B0609020204030204" pitchFamily="49" charset="0"/>
+                  </a:rPr>
+                  <a:t>each</a:t>
+                </a:r>
+                <a:r>
+                  <a:rPr lang="nl-NL" dirty="0">
+                    <a:latin typeface="Consolas" panose="020B0609020204030204" pitchFamily="49" charset="0"/>
+                    <a:cs typeface="Consolas" panose="020B0609020204030204" pitchFamily="49" charset="0"/>
+                  </a:rPr>
+                  <a:t> vertex v</a:t>
+                </a:r>
+              </a:p>
+              <a:p>
+                <a:pPr marL="0" indent="0">
+                  <a:buNone/>
+                </a:pPr>
+                <a:r>
+                  <a:rPr lang="nl-NL" dirty="0" smtClean="0">
+                    <a:latin typeface="Consolas" panose="020B0609020204030204" pitchFamily="49" charset="0"/>
+                    <a:cs typeface="Consolas" panose="020B0609020204030204" pitchFamily="49" charset="0"/>
+                  </a:rPr>
+                  <a:t>  dist[v</a:t>
+                </a:r>
+                <a:r>
+                  <a:rPr lang="nl-NL" dirty="0">
+                    <a:latin typeface="Consolas" panose="020B0609020204030204" pitchFamily="49" charset="0"/>
+                    <a:cs typeface="Consolas" panose="020B0609020204030204" pitchFamily="49" charset="0"/>
+                  </a:rPr>
+                  <a:t>][v] ← 0</a:t>
+                </a:r>
+              </a:p>
+              <a:p>
+                <a:pPr marL="0" indent="0">
+                  <a:buNone/>
+                </a:pPr>
+                <a:r>
+                  <a:rPr lang="nl-NL" dirty="0" err="1" smtClean="0">
+                    <a:latin typeface="Consolas" panose="020B0609020204030204" pitchFamily="49" charset="0"/>
+                    <a:cs typeface="Consolas" panose="020B0609020204030204" pitchFamily="49" charset="0"/>
+                  </a:rPr>
+                  <a:t>for</a:t>
+                </a:r>
+                <a:r>
+                  <a:rPr lang="nl-NL" dirty="0" smtClean="0">
+                    <a:latin typeface="Consolas" panose="020B0609020204030204" pitchFamily="49" charset="0"/>
+                    <a:cs typeface="Consolas" panose="020B0609020204030204" pitchFamily="49" charset="0"/>
+                  </a:rPr>
+                  <a:t> </a:t>
+                </a:r>
+                <a:r>
+                  <a:rPr lang="nl-NL" dirty="0" err="1">
+                    <a:latin typeface="Consolas" panose="020B0609020204030204" pitchFamily="49" charset="0"/>
+                    <a:cs typeface="Consolas" panose="020B0609020204030204" pitchFamily="49" charset="0"/>
+                  </a:rPr>
+                  <a:t>each</a:t>
+                </a:r>
+                <a:r>
+                  <a:rPr lang="nl-NL" dirty="0">
+                    <a:latin typeface="Consolas" panose="020B0609020204030204" pitchFamily="49" charset="0"/>
+                    <a:cs typeface="Consolas" panose="020B0609020204030204" pitchFamily="49" charset="0"/>
+                  </a:rPr>
+                  <a:t> </a:t>
+                </a:r>
+                <a:r>
+                  <a:rPr lang="nl-NL" dirty="0" err="1">
+                    <a:latin typeface="Consolas" panose="020B0609020204030204" pitchFamily="49" charset="0"/>
+                    <a:cs typeface="Consolas" panose="020B0609020204030204" pitchFamily="49" charset="0"/>
+                  </a:rPr>
+                  <a:t>edge</a:t>
+                </a:r>
+                <a:r>
+                  <a:rPr lang="nl-NL" dirty="0">
+                    <a:latin typeface="Consolas" panose="020B0609020204030204" pitchFamily="49" charset="0"/>
+                    <a:cs typeface="Consolas" panose="020B0609020204030204" pitchFamily="49" charset="0"/>
+                  </a:rPr>
+                  <a:t> (</a:t>
+                </a:r>
+                <a:r>
+                  <a:rPr lang="nl-NL" dirty="0" err="1">
+                    <a:latin typeface="Consolas" panose="020B0609020204030204" pitchFamily="49" charset="0"/>
+                    <a:cs typeface="Consolas" panose="020B0609020204030204" pitchFamily="49" charset="0"/>
+                  </a:rPr>
+                  <a:t>u,v</a:t>
+                </a:r>
+                <a:r>
+                  <a:rPr lang="nl-NL" dirty="0">
+                    <a:latin typeface="Consolas" panose="020B0609020204030204" pitchFamily="49" charset="0"/>
+                    <a:cs typeface="Consolas" panose="020B0609020204030204" pitchFamily="49" charset="0"/>
+                  </a:rPr>
+                  <a:t>)</a:t>
+                </a:r>
+              </a:p>
+              <a:p>
+                <a:pPr marL="0" indent="0">
+                  <a:buNone/>
+                </a:pPr>
+                <a:r>
+                  <a:rPr lang="nl-NL" dirty="0" smtClean="0">
+                    <a:latin typeface="Consolas" panose="020B0609020204030204" pitchFamily="49" charset="0"/>
+                    <a:cs typeface="Consolas" panose="020B0609020204030204" pitchFamily="49" charset="0"/>
+                  </a:rPr>
+                  <a:t>  dist[u</a:t>
+                </a:r>
+                <a:r>
+                  <a:rPr lang="nl-NL" dirty="0">
+                    <a:latin typeface="Consolas" panose="020B0609020204030204" pitchFamily="49" charset="0"/>
+                    <a:cs typeface="Consolas" panose="020B0609020204030204" pitchFamily="49" charset="0"/>
+                  </a:rPr>
+                  <a:t>][v] ← </a:t>
+                </a:r>
+                <a:r>
+                  <a:rPr lang="nl-NL" dirty="0" smtClean="0">
+                    <a:latin typeface="Consolas" panose="020B0609020204030204" pitchFamily="49" charset="0"/>
+                    <a:cs typeface="Consolas" panose="020B0609020204030204" pitchFamily="49" charset="0"/>
+                  </a:rPr>
+                  <a:t>w(</a:t>
+                </a:r>
+                <a:r>
+                  <a:rPr lang="nl-NL" dirty="0" err="1" smtClean="0">
+                    <a:latin typeface="Consolas" panose="020B0609020204030204" pitchFamily="49" charset="0"/>
+                    <a:cs typeface="Consolas" panose="020B0609020204030204" pitchFamily="49" charset="0"/>
+                  </a:rPr>
+                  <a:t>u,v</a:t>
+                </a:r>
+                <a:r>
+                  <a:rPr lang="nl-NL" dirty="0" smtClean="0">
+                    <a:latin typeface="Consolas" panose="020B0609020204030204" pitchFamily="49" charset="0"/>
+                    <a:cs typeface="Consolas" panose="020B0609020204030204" pitchFamily="49" charset="0"/>
+                  </a:rPr>
+                  <a:t>)</a:t>
+                </a:r>
+                <a:endParaRPr lang="nl-NL" dirty="0">
+                  <a:latin typeface="Consolas" panose="020B0609020204030204" pitchFamily="49" charset="0"/>
+                  <a:cs typeface="Consolas" panose="020B0609020204030204" pitchFamily="49" charset="0"/>
+                </a:endParaRPr>
+              </a:p>
+              <a:p>
+                <a:pPr marL="0" indent="0">
+                  <a:buNone/>
+                </a:pPr>
+                <a:r>
+                  <a:rPr lang="nl-NL" dirty="0" err="1" smtClean="0">
+                    <a:latin typeface="Consolas" panose="020B0609020204030204" pitchFamily="49" charset="0"/>
+                    <a:cs typeface="Consolas" panose="020B0609020204030204" pitchFamily="49" charset="0"/>
+                  </a:rPr>
+                  <a:t>for</a:t>
+                </a:r>
+                <a:r>
+                  <a:rPr lang="nl-NL" dirty="0" smtClean="0">
+                    <a:latin typeface="Consolas" panose="020B0609020204030204" pitchFamily="49" charset="0"/>
+                    <a:cs typeface="Consolas" panose="020B0609020204030204" pitchFamily="49" charset="0"/>
+                  </a:rPr>
+                  <a:t> </a:t>
+                </a:r>
+                <a:r>
+                  <a:rPr lang="nl-NL" dirty="0">
+                    <a:latin typeface="Consolas" panose="020B0609020204030204" pitchFamily="49" charset="0"/>
+                    <a:cs typeface="Consolas" panose="020B0609020204030204" pitchFamily="49" charset="0"/>
+                  </a:rPr>
+                  <a:t>k </a:t>
+                </a:r>
+                <a:r>
+                  <a:rPr lang="nl-NL" dirty="0" err="1">
+                    <a:latin typeface="Consolas" panose="020B0609020204030204" pitchFamily="49" charset="0"/>
+                    <a:cs typeface="Consolas" panose="020B0609020204030204" pitchFamily="49" charset="0"/>
+                  </a:rPr>
+                  <a:t>from</a:t>
+                </a:r>
+                <a:r>
+                  <a:rPr lang="nl-NL" dirty="0">
+                    <a:latin typeface="Consolas" panose="020B0609020204030204" pitchFamily="49" charset="0"/>
+                    <a:cs typeface="Consolas" panose="020B0609020204030204" pitchFamily="49" charset="0"/>
+                  </a:rPr>
+                  <a:t> 1 </a:t>
+                </a:r>
+                <a:r>
+                  <a:rPr lang="nl-NL" dirty="0" err="1">
+                    <a:latin typeface="Consolas" panose="020B0609020204030204" pitchFamily="49" charset="0"/>
+                    <a:cs typeface="Consolas" panose="020B0609020204030204" pitchFamily="49" charset="0"/>
+                  </a:rPr>
+                  <a:t>to</a:t>
+                </a:r>
+                <a:r>
+                  <a:rPr lang="nl-NL" dirty="0">
+                    <a:latin typeface="Consolas" panose="020B0609020204030204" pitchFamily="49" charset="0"/>
+                    <a:cs typeface="Consolas" panose="020B0609020204030204" pitchFamily="49" charset="0"/>
+                  </a:rPr>
+                  <a:t> |V|</a:t>
+                </a:r>
+              </a:p>
+              <a:p>
+                <a:pPr marL="0" indent="0">
+                  <a:buNone/>
+                </a:pPr>
+                <a:r>
+                  <a:rPr lang="nl-NL" dirty="0" smtClean="0">
+                    <a:latin typeface="Consolas" panose="020B0609020204030204" pitchFamily="49" charset="0"/>
+                    <a:cs typeface="Consolas" panose="020B0609020204030204" pitchFamily="49" charset="0"/>
+                  </a:rPr>
+                  <a:t>  </a:t>
+                </a:r>
+                <a:r>
+                  <a:rPr lang="nl-NL" dirty="0" err="1" smtClean="0">
+                    <a:latin typeface="Consolas" panose="020B0609020204030204" pitchFamily="49" charset="0"/>
+                    <a:cs typeface="Consolas" panose="020B0609020204030204" pitchFamily="49" charset="0"/>
+                  </a:rPr>
+                  <a:t>for</a:t>
+                </a:r>
+                <a:r>
+                  <a:rPr lang="nl-NL" dirty="0" smtClean="0">
+                    <a:latin typeface="Consolas" panose="020B0609020204030204" pitchFamily="49" charset="0"/>
+                    <a:cs typeface="Consolas" panose="020B0609020204030204" pitchFamily="49" charset="0"/>
+                  </a:rPr>
+                  <a:t> </a:t>
+                </a:r>
+                <a:r>
+                  <a:rPr lang="nl-NL" dirty="0">
+                    <a:latin typeface="Consolas" panose="020B0609020204030204" pitchFamily="49" charset="0"/>
+                    <a:cs typeface="Consolas" panose="020B0609020204030204" pitchFamily="49" charset="0"/>
+                  </a:rPr>
+                  <a:t>i </a:t>
+                </a:r>
+                <a:r>
+                  <a:rPr lang="nl-NL" dirty="0" err="1">
+                    <a:latin typeface="Consolas" panose="020B0609020204030204" pitchFamily="49" charset="0"/>
+                    <a:cs typeface="Consolas" panose="020B0609020204030204" pitchFamily="49" charset="0"/>
+                  </a:rPr>
+                  <a:t>from</a:t>
+                </a:r>
+                <a:r>
+                  <a:rPr lang="nl-NL" dirty="0">
+                    <a:latin typeface="Consolas" panose="020B0609020204030204" pitchFamily="49" charset="0"/>
+                    <a:cs typeface="Consolas" panose="020B0609020204030204" pitchFamily="49" charset="0"/>
+                  </a:rPr>
+                  <a:t> 1 </a:t>
+                </a:r>
+                <a:r>
+                  <a:rPr lang="nl-NL" dirty="0" err="1">
+                    <a:latin typeface="Consolas" panose="020B0609020204030204" pitchFamily="49" charset="0"/>
+                    <a:cs typeface="Consolas" panose="020B0609020204030204" pitchFamily="49" charset="0"/>
+                  </a:rPr>
+                  <a:t>to</a:t>
+                </a:r>
+                <a:r>
+                  <a:rPr lang="nl-NL" dirty="0">
+                    <a:latin typeface="Consolas" panose="020B0609020204030204" pitchFamily="49" charset="0"/>
+                    <a:cs typeface="Consolas" panose="020B0609020204030204" pitchFamily="49" charset="0"/>
+                  </a:rPr>
+                  <a:t> |V|</a:t>
+                </a:r>
+              </a:p>
+              <a:p>
+                <a:pPr marL="0" indent="0">
+                  <a:buNone/>
+                </a:pPr>
+                <a:r>
+                  <a:rPr lang="nl-NL" dirty="0" smtClean="0">
+                    <a:latin typeface="Consolas" panose="020B0609020204030204" pitchFamily="49" charset="0"/>
+                    <a:cs typeface="Consolas" panose="020B0609020204030204" pitchFamily="49" charset="0"/>
+                  </a:rPr>
+                  <a:t>    </a:t>
+                </a:r>
+                <a:r>
+                  <a:rPr lang="nl-NL" dirty="0" err="1" smtClean="0">
+                    <a:latin typeface="Consolas" panose="020B0609020204030204" pitchFamily="49" charset="0"/>
+                    <a:cs typeface="Consolas" panose="020B0609020204030204" pitchFamily="49" charset="0"/>
+                  </a:rPr>
+                  <a:t>for</a:t>
+                </a:r>
+                <a:r>
+                  <a:rPr lang="nl-NL" dirty="0" smtClean="0">
+                    <a:latin typeface="Consolas" panose="020B0609020204030204" pitchFamily="49" charset="0"/>
+                    <a:cs typeface="Consolas" panose="020B0609020204030204" pitchFamily="49" charset="0"/>
+                  </a:rPr>
+                  <a:t> </a:t>
+                </a:r>
+                <a:r>
+                  <a:rPr lang="nl-NL" dirty="0">
+                    <a:latin typeface="Consolas" panose="020B0609020204030204" pitchFamily="49" charset="0"/>
+                    <a:cs typeface="Consolas" panose="020B0609020204030204" pitchFamily="49" charset="0"/>
+                  </a:rPr>
+                  <a:t>j </a:t>
+                </a:r>
+                <a:r>
+                  <a:rPr lang="nl-NL" dirty="0" err="1">
+                    <a:latin typeface="Consolas" panose="020B0609020204030204" pitchFamily="49" charset="0"/>
+                    <a:cs typeface="Consolas" panose="020B0609020204030204" pitchFamily="49" charset="0"/>
+                  </a:rPr>
+                  <a:t>from</a:t>
+                </a:r>
+                <a:r>
+                  <a:rPr lang="nl-NL" dirty="0">
+                    <a:latin typeface="Consolas" panose="020B0609020204030204" pitchFamily="49" charset="0"/>
+                    <a:cs typeface="Consolas" panose="020B0609020204030204" pitchFamily="49" charset="0"/>
+                  </a:rPr>
+                  <a:t> 1 </a:t>
+                </a:r>
+                <a:r>
+                  <a:rPr lang="nl-NL" dirty="0" err="1">
+                    <a:latin typeface="Consolas" panose="020B0609020204030204" pitchFamily="49" charset="0"/>
+                    <a:cs typeface="Consolas" panose="020B0609020204030204" pitchFamily="49" charset="0"/>
+                  </a:rPr>
+                  <a:t>to</a:t>
+                </a:r>
+                <a:r>
+                  <a:rPr lang="nl-NL" dirty="0">
+                    <a:latin typeface="Consolas" panose="020B0609020204030204" pitchFamily="49" charset="0"/>
+                    <a:cs typeface="Consolas" panose="020B0609020204030204" pitchFamily="49" charset="0"/>
+                  </a:rPr>
+                  <a:t> |V|</a:t>
+                </a:r>
+              </a:p>
+              <a:p>
+                <a:pPr marL="0" indent="0">
+                  <a:buNone/>
+                </a:pPr>
+                <a:r>
+                  <a:rPr lang="nl-NL" dirty="0" smtClean="0">
+                    <a:latin typeface="Consolas" panose="020B0609020204030204" pitchFamily="49" charset="0"/>
+                    <a:cs typeface="Consolas" panose="020B0609020204030204" pitchFamily="49" charset="0"/>
+                  </a:rPr>
+                  <a:t>      </a:t>
+                </a:r>
+                <a:r>
+                  <a:rPr lang="nl-NL" dirty="0" err="1" smtClean="0">
+                    <a:latin typeface="Consolas" panose="020B0609020204030204" pitchFamily="49" charset="0"/>
+                    <a:cs typeface="Consolas" panose="020B0609020204030204" pitchFamily="49" charset="0"/>
+                  </a:rPr>
+                  <a:t>if</a:t>
+                </a:r>
+                <a:r>
+                  <a:rPr lang="nl-NL" dirty="0" smtClean="0">
+                    <a:latin typeface="Consolas" panose="020B0609020204030204" pitchFamily="49" charset="0"/>
+                    <a:cs typeface="Consolas" panose="020B0609020204030204" pitchFamily="49" charset="0"/>
+                  </a:rPr>
+                  <a:t> </a:t>
+                </a:r>
+                <a:r>
+                  <a:rPr lang="nl-NL" dirty="0">
+                    <a:latin typeface="Consolas" panose="020B0609020204030204" pitchFamily="49" charset="0"/>
+                    <a:cs typeface="Consolas" panose="020B0609020204030204" pitchFamily="49" charset="0"/>
+                  </a:rPr>
+                  <a:t>dist[i][j] &gt; dist[i][k] + dist[k][j] </a:t>
+                </a:r>
+              </a:p>
+              <a:p>
+                <a:pPr marL="0" indent="0">
+                  <a:buNone/>
+                </a:pPr>
+                <a:r>
+                  <a:rPr lang="nl-NL" dirty="0" smtClean="0">
+                    <a:latin typeface="Consolas" panose="020B0609020204030204" pitchFamily="49" charset="0"/>
+                    <a:cs typeface="Consolas" panose="020B0609020204030204" pitchFamily="49" charset="0"/>
+                  </a:rPr>
+                  <a:t>        dist[i</a:t>
+                </a:r>
+                <a:r>
+                  <a:rPr lang="nl-NL" dirty="0">
+                    <a:latin typeface="Consolas" panose="020B0609020204030204" pitchFamily="49" charset="0"/>
+                    <a:cs typeface="Consolas" panose="020B0609020204030204" pitchFamily="49" charset="0"/>
+                  </a:rPr>
+                  <a:t>][j] ← dist[i][k] + dist[k][j]</a:t>
+                </a:r>
+              </a:p>
+              <a:p>
+                <a:pPr marL="0" indent="0">
+                  <a:buNone/>
+                </a:pPr>
+                <a:r>
+                  <a:rPr lang="nl-NL" dirty="0" smtClean="0">
+                    <a:latin typeface="Consolas" panose="020B0609020204030204" pitchFamily="49" charset="0"/>
+                    <a:cs typeface="Consolas" panose="020B0609020204030204" pitchFamily="49" charset="0"/>
+                  </a:rPr>
+                  <a:t>      end </a:t>
+                </a:r>
+                <a:r>
+                  <a:rPr lang="nl-NL" dirty="0" err="1">
+                    <a:latin typeface="Consolas" panose="020B0609020204030204" pitchFamily="49" charset="0"/>
+                    <a:cs typeface="Consolas" panose="020B0609020204030204" pitchFamily="49" charset="0"/>
+                  </a:rPr>
+                  <a:t>if</a:t>
+                </a:r>
+                <a:endParaRPr lang="nl-NL" dirty="0">
+                  <a:latin typeface="Consolas" panose="020B0609020204030204" pitchFamily="49" charset="0"/>
+                  <a:cs typeface="Consolas" panose="020B0609020204030204" pitchFamily="49" charset="0"/>
+                </a:endParaRPr>
+              </a:p>
+            </p:txBody>
+          </p:sp>
+        </mc:Choice>
+        <mc:Fallback>
+          <p:sp>
+            <p:nvSpPr>
+              <p:cNvPr id="3" name="Tijdelijke aanduiding voor inhoud 2"/>
+              <p:cNvSpPr>
+                <a:spLocks noGrp="1" noRot="1" noChangeAspect="1" noMove="1" noResize="1" noEditPoints="1" noAdjustHandles="1" noChangeArrowheads="1" noChangeShapeType="1" noTextEdit="1"/>
+              </p:cNvSpPr>
+              <p:nvPr>
+                <p:ph idx="1"/>
+              </p:nvPr>
+            </p:nvSpPr>
+            <p:spPr>
+              <a:xfrm>
+                <a:off x="677334" y="2160589"/>
+                <a:ext cx="9000066" cy="3880773"/>
+              </a:xfrm>
+              <a:blipFill rotWithShape="0">
+                <a:blip r:embed="rId2"/>
+                <a:stretch>
+                  <a:fillRect l="-406" t="-1570"/>
+                </a:stretch>
+              </a:blipFill>
+            </p:spPr>
+            <p:txBody>
+              <a:bodyPr/>
+              <a:lstStyle/>
+              <a:p>
+                <a:r>
+                  <a:rPr lang="nl-NL">
+                    <a:noFill/>
+                  </a:rPr>
+                  <a:t> </a:t>
+                </a:r>
+              </a:p>
+            </p:txBody>
+          </p:sp>
+        </mc:Fallback>
+      </mc:AlternateContent>
+      <p:sp>
+        <p:nvSpPr>
+          <p:cNvPr id="4" name="Tijdelijke aanduiding voor voettekst 3"/>
+          <p:cNvSpPr>
+            <a:spLocks noGrp="1"/>
+          </p:cNvSpPr>
+          <p:nvPr>
+            <p:ph type="ftr" sz="quarter" idx="11"/>
+          </p:nvPr>
+        </p:nvSpPr>
+        <p:spPr/>
+        <p:txBody>
+          <a:bodyPr/>
+          <a:lstStyle/>
+          <a:p>
+            <a:r>
+              <a:rPr lang="it-IT" smtClean="0"/>
+              <a:t>INFDEV026A - G. Costantini, F. Di Giacomo, G. Maggiore</a:t>
+            </a:r>
+            <a:endParaRPr lang="en-GB"/>
+          </a:p>
+        </p:txBody>
+      </p:sp>
+    </p:spTree>
+    <p:extLst>
+      <p:ext uri="{BB962C8B-B14F-4D97-AF65-F5344CB8AC3E}">
+        <p14:creationId xmlns:p14="http://schemas.microsoft.com/office/powerpoint/2010/main" val="2908371393"/>
+      </p:ext>
+    </p:extLst>
+  </p:cSld>
+  <p:clrMapOvr>
+    <a:masterClrMapping/>
+  </p:clrMapOvr>
+</p:sld>
+</file>
+
+<file path=ppt/slides/slide24.xml><?xml version="1.0" encoding="utf-8"?>
+<p:sld xmlns:a="http://schemas.openxmlformats.org/drawingml/2006/main" xmlns:r="http://schemas.openxmlformats.org/officeDocument/2006/relationships" xmlns:p="http://schemas.openxmlformats.org/presentationml/2006/main">
+  <p:cSld>
+    <p:spTree>
+      <p:nvGrpSpPr>
+        <p:cNvPr id="1" name=""/>
+        <p:cNvGrpSpPr/>
+        <p:nvPr/>
+      </p:nvGrpSpPr>
+      <p:grpSpPr>
+        <a:xfrm>
+          <a:off x="0" y="0"/>
+          <a:ext cx="0" cy="0"/>
+          <a:chOff x="0" y="0"/>
+          <a:chExt cx="0" cy="0"/>
+        </a:xfrm>
+      </p:grpSpPr>
+      <p:sp>
+        <p:nvSpPr>
+          <p:cNvPr id="2" name="Titel 1"/>
+          <p:cNvSpPr>
+            <a:spLocks noGrp="1"/>
+          </p:cNvSpPr>
+          <p:nvPr>
+            <p:ph type="title"/>
+          </p:nvPr>
+        </p:nvSpPr>
+        <p:spPr/>
+        <p:txBody>
+          <a:bodyPr/>
+          <a:lstStyle/>
+          <a:p>
+            <a:r>
+              <a:rPr lang="nl-NL" dirty="0" smtClean="0"/>
+              <a:t>Floyd-</a:t>
+            </a:r>
+            <a:r>
+              <a:rPr lang="nl-NL" dirty="0" err="1" smtClean="0"/>
+              <a:t>Warshall</a:t>
+            </a:r>
+            <a:r>
+              <a:rPr lang="nl-NL" dirty="0" smtClean="0"/>
+              <a:t> </a:t>
+            </a:r>
+            <a:r>
+              <a:rPr lang="nl-NL" dirty="0" err="1" smtClean="0"/>
+              <a:t>algorithm</a:t>
+            </a:r>
+            <a:endParaRPr lang="nl-NL" dirty="0"/>
+          </a:p>
+        </p:txBody>
+      </p:sp>
+      <p:sp>
+        <p:nvSpPr>
+          <p:cNvPr id="3" name="Tijdelijke aanduiding voor inhoud 2"/>
+          <p:cNvSpPr>
+            <a:spLocks noGrp="1"/>
+          </p:cNvSpPr>
+          <p:nvPr>
+            <p:ph idx="1"/>
+          </p:nvPr>
+        </p:nvSpPr>
+        <p:spPr/>
+        <p:txBody>
+          <a:bodyPr>
+            <a:normAutofit/>
+          </a:bodyPr>
+          <a:lstStyle/>
+          <a:p>
+            <a:r>
+              <a:rPr lang="nl-NL" dirty="0" smtClean="0"/>
+              <a:t>Previous code </a:t>
+            </a:r>
+            <a:r>
+              <a:rPr lang="nl-NL" dirty="0" err="1" smtClean="0"/>
+              <a:t>only</a:t>
+            </a:r>
+            <a:r>
+              <a:rPr lang="nl-NL" dirty="0" smtClean="0"/>
+              <a:t> </a:t>
+            </a:r>
+            <a:r>
+              <a:rPr lang="nl-NL" dirty="0" err="1" smtClean="0"/>
+              <a:t>computed</a:t>
+            </a:r>
+            <a:r>
+              <a:rPr lang="nl-NL" dirty="0" smtClean="0"/>
+              <a:t> the </a:t>
+            </a:r>
+            <a:r>
+              <a:rPr lang="nl-NL" i="1" u="sng" dirty="0" smtClean="0"/>
+              <a:t>minimum </a:t>
+            </a:r>
+            <a:r>
+              <a:rPr lang="nl-NL" b="1" i="1" u="sng" dirty="0" err="1" smtClean="0"/>
+              <a:t>distance</a:t>
+            </a:r>
+            <a:r>
+              <a:rPr lang="nl-NL" b="1" dirty="0" smtClean="0"/>
+              <a:t> </a:t>
+            </a:r>
+            <a:r>
+              <a:rPr lang="nl-NL" dirty="0" err="1" smtClean="0"/>
+              <a:t>between</a:t>
+            </a:r>
+            <a:r>
+              <a:rPr lang="nl-NL" dirty="0" smtClean="0"/>
+              <a:t> pairs of </a:t>
+            </a:r>
+            <a:r>
+              <a:rPr lang="nl-NL" dirty="0" err="1" smtClean="0"/>
+              <a:t>vertices</a:t>
+            </a:r>
+            <a:r>
+              <a:rPr lang="nl-NL" dirty="0" smtClean="0"/>
+              <a:t>, but </a:t>
+            </a:r>
+            <a:r>
+              <a:rPr lang="nl-NL" dirty="0" err="1" smtClean="0"/>
+              <a:t>not</a:t>
+            </a:r>
+            <a:r>
+              <a:rPr lang="nl-NL" dirty="0" smtClean="0"/>
+              <a:t> the </a:t>
+            </a:r>
+            <a:r>
+              <a:rPr lang="nl-NL" i="1" u="sng" dirty="0" err="1" smtClean="0"/>
+              <a:t>actual</a:t>
+            </a:r>
+            <a:r>
+              <a:rPr lang="nl-NL" i="1" u="sng" dirty="0" smtClean="0"/>
+              <a:t> minimum </a:t>
+            </a:r>
+            <a:r>
+              <a:rPr lang="nl-NL" b="1" i="1" u="sng" dirty="0" err="1" smtClean="0"/>
+              <a:t>path</a:t>
+            </a:r>
+            <a:endParaRPr lang="nl-NL" b="1" i="1" u="sng" dirty="0" smtClean="0"/>
+          </a:p>
+          <a:p>
+            <a:r>
+              <a:rPr lang="nl-NL" dirty="0" smtClean="0"/>
+              <a:t>Small changes </a:t>
+            </a:r>
+            <a:r>
+              <a:rPr lang="nl-NL" dirty="0" err="1" smtClean="0"/>
+              <a:t>to</a:t>
+            </a:r>
+            <a:r>
+              <a:rPr lang="nl-NL" dirty="0" smtClean="0"/>
+              <a:t> the </a:t>
+            </a:r>
+            <a:r>
+              <a:rPr lang="nl-NL" dirty="0" err="1" smtClean="0"/>
+              <a:t>algorithm</a:t>
+            </a:r>
+            <a:r>
+              <a:rPr lang="nl-NL" dirty="0" smtClean="0"/>
+              <a:t> make </a:t>
+            </a:r>
+            <a:r>
+              <a:rPr lang="nl-NL" dirty="0" err="1" smtClean="0"/>
+              <a:t>it</a:t>
+            </a:r>
+            <a:r>
+              <a:rPr lang="nl-NL" dirty="0" smtClean="0"/>
+              <a:t> </a:t>
+            </a:r>
+            <a:r>
+              <a:rPr lang="nl-NL" dirty="0" err="1" smtClean="0"/>
+              <a:t>possible</a:t>
+            </a:r>
+            <a:r>
+              <a:rPr lang="nl-NL" dirty="0" smtClean="0"/>
+              <a:t> </a:t>
+            </a:r>
+            <a:r>
+              <a:rPr lang="nl-NL" dirty="0" err="1" smtClean="0"/>
+              <a:t>to</a:t>
+            </a:r>
+            <a:r>
+              <a:rPr lang="nl-NL" dirty="0" smtClean="0"/>
+              <a:t> save </a:t>
+            </a:r>
+            <a:r>
+              <a:rPr lang="nl-NL" dirty="0" err="1" smtClean="0"/>
+              <a:t>also</a:t>
+            </a:r>
+            <a:r>
+              <a:rPr lang="nl-NL" dirty="0" smtClean="0"/>
+              <a:t> the information on the </a:t>
+            </a:r>
+            <a:r>
+              <a:rPr lang="nl-NL" dirty="0" err="1" smtClean="0"/>
+              <a:t>actual</a:t>
+            </a:r>
+            <a:r>
+              <a:rPr lang="nl-NL" dirty="0" smtClean="0"/>
+              <a:t> </a:t>
+            </a:r>
+            <a:r>
+              <a:rPr lang="nl-NL" dirty="0" err="1" smtClean="0"/>
+              <a:t>path</a:t>
+            </a:r>
+            <a:endParaRPr lang="nl-NL" dirty="0" smtClean="0"/>
+          </a:p>
+        </p:txBody>
+      </p:sp>
+      <p:sp>
+        <p:nvSpPr>
+          <p:cNvPr id="4" name="Tijdelijke aanduiding voor voettekst 3"/>
+          <p:cNvSpPr>
+            <a:spLocks noGrp="1"/>
+          </p:cNvSpPr>
+          <p:nvPr>
+            <p:ph type="ftr" sz="quarter" idx="11"/>
+          </p:nvPr>
+        </p:nvSpPr>
+        <p:spPr/>
+        <p:txBody>
+          <a:bodyPr/>
+          <a:lstStyle/>
+          <a:p>
+            <a:r>
+              <a:rPr lang="it-IT" smtClean="0"/>
+              <a:t>INFDEV026A - G. Costantini, F. Di Giacomo, G. Maggiore</a:t>
+            </a:r>
+            <a:endParaRPr lang="en-GB"/>
+          </a:p>
+        </p:txBody>
+      </p:sp>
+      <mc:AlternateContent xmlns:mc="http://schemas.openxmlformats.org/markup-compatibility/2006">
+        <mc:Choice xmlns:a14="http://schemas.microsoft.com/office/drawing/2010/main" Requires="a14">
+          <p:sp>
+            <p:nvSpPr>
+              <p:cNvPr id="5" name="Tekstvak 4"/>
+              <p:cNvSpPr txBox="1"/>
+              <p:nvPr/>
+            </p:nvSpPr>
+            <p:spPr>
+              <a:xfrm>
+                <a:off x="2430159" y="3497942"/>
+                <a:ext cx="7062183" cy="3046988"/>
+              </a:xfrm>
+              <a:prstGeom prst="rect">
+                <a:avLst/>
+              </a:prstGeom>
+              <a:noFill/>
+            </p:spPr>
+            <p:txBody>
+              <a:bodyPr wrap="square" rtlCol="0">
+                <a:spAutoFit/>
+              </a:bodyPr>
+              <a:lstStyle/>
+              <a:p>
+                <a:r>
+                  <a:rPr lang="nl-NL" sz="1600" dirty="0">
+                    <a:latin typeface="Consolas" panose="020B0609020204030204" pitchFamily="49" charset="0"/>
+                    <a:cs typeface="Consolas" panose="020B0609020204030204" pitchFamily="49" charset="0"/>
+                  </a:rPr>
+                  <a:t>dist </a:t>
+                </a:r>
+                <a:r>
+                  <a:rPr lang="nl-NL" sz="1600" dirty="0">
+                    <a:latin typeface="Consolas" panose="020B0609020204030204" pitchFamily="49" charset="0"/>
+                    <a:cs typeface="Consolas" panose="020B0609020204030204" pitchFamily="49" charset="0"/>
+                  </a:rPr>
+                  <a:t>←</a:t>
+                </a:r>
+                <a:r>
+                  <a:rPr lang="nl-NL" sz="1600" dirty="0">
+                    <a:latin typeface="Consolas" panose="020B0609020204030204" pitchFamily="49" charset="0"/>
+                    <a:cs typeface="Consolas" panose="020B0609020204030204" pitchFamily="49" charset="0"/>
+                  </a:rPr>
+                  <a:t> </a:t>
+                </a:r>
+                <a:r>
+                  <a:rPr lang="nl-NL" sz="1600" dirty="0">
+                    <a:latin typeface="Consolas" panose="020B0609020204030204" pitchFamily="49" charset="0"/>
+                    <a:cs typeface="Consolas" panose="020B0609020204030204" pitchFamily="49" charset="0"/>
+                  </a:rPr>
+                  <a:t>|V| × |V| </a:t>
+                </a:r>
+                <a:r>
+                  <a:rPr lang="nl-NL" sz="1600" dirty="0">
+                    <a:latin typeface="Consolas" panose="020B0609020204030204" pitchFamily="49" charset="0"/>
+                    <a:cs typeface="Consolas" panose="020B0609020204030204" pitchFamily="49" charset="0"/>
+                  </a:rPr>
+                  <a:t>matrix of </a:t>
+                </a:r>
+                <a:r>
+                  <a:rPr lang="nl-NL" sz="1600" dirty="0">
+                    <a:latin typeface="Consolas" panose="020B0609020204030204" pitchFamily="49" charset="0"/>
+                    <a:cs typeface="Consolas" panose="020B0609020204030204" pitchFamily="49" charset="0"/>
+                  </a:rPr>
+                  <a:t>minimum </a:t>
+                </a:r>
+                <a:r>
+                  <a:rPr lang="nl-NL" sz="1600" dirty="0" err="1">
+                    <a:latin typeface="Consolas" panose="020B0609020204030204" pitchFamily="49" charset="0"/>
+                    <a:cs typeface="Consolas" panose="020B0609020204030204" pitchFamily="49" charset="0"/>
+                  </a:rPr>
+                  <a:t>distances</a:t>
+                </a:r>
+                <a:r>
+                  <a:rPr lang="nl-NL" sz="1600" dirty="0">
+                    <a:latin typeface="Consolas" panose="020B0609020204030204" pitchFamily="49" charset="0"/>
+                    <a:cs typeface="Consolas" panose="020B0609020204030204" pitchFamily="49" charset="0"/>
+                  </a:rPr>
+                  <a:t> </a:t>
+                </a:r>
+                <a:r>
+                  <a:rPr lang="nl-NL" sz="1600" dirty="0" err="1">
+                    <a:latin typeface="Consolas" panose="020B0609020204030204" pitchFamily="49" charset="0"/>
+                    <a:cs typeface="Consolas" panose="020B0609020204030204" pitchFamily="49" charset="0"/>
+                  </a:rPr>
+                  <a:t>initialized</a:t>
+                </a:r>
+                <a:r>
+                  <a:rPr lang="nl-NL" sz="1600" dirty="0">
+                    <a:latin typeface="Consolas" panose="020B0609020204030204" pitchFamily="49" charset="0"/>
+                    <a:cs typeface="Consolas" panose="020B0609020204030204" pitchFamily="49" charset="0"/>
+                  </a:rPr>
+                  <a:t> </a:t>
+                </a:r>
+                <a:r>
+                  <a:rPr lang="nl-NL" sz="1600" dirty="0" err="1">
+                    <a:latin typeface="Consolas" panose="020B0609020204030204" pitchFamily="49" charset="0"/>
+                    <a:cs typeface="Consolas" panose="020B0609020204030204" pitchFamily="49" charset="0"/>
+                  </a:rPr>
+                  <a:t>to</a:t>
+                </a:r>
+                <a:r>
+                  <a:rPr lang="nl-NL" sz="1600" dirty="0">
+                    <a:latin typeface="Consolas" panose="020B0609020204030204" pitchFamily="49" charset="0"/>
+                    <a:cs typeface="Consolas" panose="020B0609020204030204" pitchFamily="49" charset="0"/>
+                  </a:rPr>
+                  <a:t> </a:t>
+                </a:r>
+                <a14:m>
+                  <m:oMath xmlns:m="http://schemas.openxmlformats.org/officeDocument/2006/math">
+                    <m:r>
+                      <a:rPr lang="nl-NL" sz="1600" i="1">
+                        <a:latin typeface="Cambria Math" panose="02040503050406030204" pitchFamily="18" charset="0"/>
+                      </a:rPr>
+                      <m:t>∞</m:t>
+                    </m:r>
+                  </m:oMath>
+                </a14:m>
+                <a:endParaRPr lang="nl-NL" sz="1600" dirty="0">
+                  <a:latin typeface="Consolas" panose="020B0609020204030204" pitchFamily="49" charset="0"/>
+                  <a:cs typeface="Consolas" panose="020B0609020204030204" pitchFamily="49" charset="0"/>
+                </a:endParaRPr>
+              </a:p>
+              <a:p>
+                <a:r>
+                  <a:rPr lang="nl-NL" sz="1600" dirty="0">
+                    <a:solidFill>
+                      <a:srgbClr val="FF0000"/>
+                    </a:solidFill>
+                    <a:latin typeface="Consolas" panose="020B0609020204030204" pitchFamily="49" charset="0"/>
+                    <a:cs typeface="Consolas" panose="020B0609020204030204" pitchFamily="49" charset="0"/>
+                  </a:rPr>
+                  <a:t>next </a:t>
+                </a:r>
+                <a:r>
+                  <a:rPr lang="nl-NL" sz="1600" dirty="0">
+                    <a:solidFill>
+                      <a:srgbClr val="FF0000"/>
+                    </a:solidFill>
+                    <a:latin typeface="Consolas" panose="020B0609020204030204" pitchFamily="49" charset="0"/>
+                    <a:cs typeface="Consolas" panose="020B0609020204030204" pitchFamily="49" charset="0"/>
+                  </a:rPr>
+                  <a:t>←</a:t>
+                </a:r>
+                <a:r>
+                  <a:rPr lang="nl-NL" sz="1600" dirty="0">
+                    <a:solidFill>
+                      <a:srgbClr val="FF0000"/>
+                    </a:solidFill>
+                    <a:latin typeface="Consolas" panose="020B0609020204030204" pitchFamily="49" charset="0"/>
+                    <a:cs typeface="Consolas" panose="020B0609020204030204" pitchFamily="49" charset="0"/>
+                  </a:rPr>
+                  <a:t> </a:t>
+                </a:r>
+                <a:r>
+                  <a:rPr lang="nl-NL" sz="1600" dirty="0">
+                    <a:solidFill>
+                      <a:srgbClr val="FF0000"/>
+                    </a:solidFill>
+                    <a:latin typeface="Consolas" panose="020B0609020204030204" pitchFamily="49" charset="0"/>
+                    <a:cs typeface="Consolas" panose="020B0609020204030204" pitchFamily="49" charset="0"/>
+                  </a:rPr>
+                  <a:t>|V| × |V| </a:t>
+                </a:r>
+                <a:r>
+                  <a:rPr lang="nl-NL" sz="1600" dirty="0">
+                    <a:solidFill>
+                      <a:srgbClr val="FF0000"/>
+                    </a:solidFill>
+                    <a:latin typeface="Consolas" panose="020B0609020204030204" pitchFamily="49" charset="0"/>
+                    <a:cs typeface="Consolas" panose="020B0609020204030204" pitchFamily="49" charset="0"/>
+                  </a:rPr>
+                  <a:t>matrix of </a:t>
+                </a:r>
+                <a:r>
+                  <a:rPr lang="nl-NL" sz="1600" dirty="0">
+                    <a:solidFill>
+                      <a:srgbClr val="FF0000"/>
+                    </a:solidFill>
+                    <a:latin typeface="Consolas" panose="020B0609020204030204" pitchFamily="49" charset="0"/>
+                    <a:cs typeface="Consolas" panose="020B0609020204030204" pitchFamily="49" charset="0"/>
+                  </a:rPr>
+                  <a:t>vertex indices </a:t>
+                </a:r>
+                <a:r>
+                  <a:rPr lang="nl-NL" sz="1600" dirty="0" err="1">
+                    <a:solidFill>
+                      <a:srgbClr val="FF0000"/>
+                    </a:solidFill>
+                    <a:latin typeface="Consolas" panose="020B0609020204030204" pitchFamily="49" charset="0"/>
+                    <a:cs typeface="Consolas" panose="020B0609020204030204" pitchFamily="49" charset="0"/>
+                  </a:rPr>
+                  <a:t>initialized</a:t>
+                </a:r>
+                <a:r>
+                  <a:rPr lang="nl-NL" sz="1600" dirty="0">
+                    <a:solidFill>
+                      <a:srgbClr val="FF0000"/>
+                    </a:solidFill>
+                    <a:latin typeface="Consolas" panose="020B0609020204030204" pitchFamily="49" charset="0"/>
+                    <a:cs typeface="Consolas" panose="020B0609020204030204" pitchFamily="49" charset="0"/>
+                  </a:rPr>
+                  <a:t> </a:t>
+                </a:r>
+                <a:r>
+                  <a:rPr lang="nl-NL" sz="1600" dirty="0" err="1">
+                    <a:solidFill>
+                      <a:srgbClr val="FF0000"/>
+                    </a:solidFill>
+                    <a:latin typeface="Consolas" panose="020B0609020204030204" pitchFamily="49" charset="0"/>
+                    <a:cs typeface="Consolas" panose="020B0609020204030204" pitchFamily="49" charset="0"/>
+                  </a:rPr>
+                  <a:t>to</a:t>
+                </a:r>
+                <a:r>
+                  <a:rPr lang="nl-NL" sz="1600" dirty="0">
+                    <a:solidFill>
+                      <a:srgbClr val="FF0000"/>
+                    </a:solidFill>
+                    <a:latin typeface="Consolas" panose="020B0609020204030204" pitchFamily="49" charset="0"/>
+                    <a:cs typeface="Consolas" panose="020B0609020204030204" pitchFamily="49" charset="0"/>
+                  </a:rPr>
+                  <a:t> </a:t>
+                </a:r>
+                <a:r>
+                  <a:rPr lang="nl-NL" sz="1600" dirty="0" err="1">
+                    <a:solidFill>
+                      <a:srgbClr val="FF0000"/>
+                    </a:solidFill>
+                    <a:latin typeface="Consolas" panose="020B0609020204030204" pitchFamily="49" charset="0"/>
+                    <a:cs typeface="Consolas" panose="020B0609020204030204" pitchFamily="49" charset="0"/>
+                  </a:rPr>
+                  <a:t>null</a:t>
+                </a:r>
+                <a:endParaRPr lang="nl-NL" sz="1600" dirty="0">
+                  <a:solidFill>
+                    <a:srgbClr val="FF0000"/>
+                  </a:solidFill>
+                  <a:latin typeface="Consolas" panose="020B0609020204030204" pitchFamily="49" charset="0"/>
+                  <a:cs typeface="Consolas" panose="020B0609020204030204" pitchFamily="49" charset="0"/>
+                </a:endParaRPr>
+              </a:p>
+              <a:p>
+                <a:r>
+                  <a:rPr lang="nl-NL" sz="1600" dirty="0" err="1">
+                    <a:latin typeface="Consolas" panose="020B0609020204030204" pitchFamily="49" charset="0"/>
+                    <a:cs typeface="Consolas" panose="020B0609020204030204" pitchFamily="49" charset="0"/>
+                  </a:rPr>
+                  <a:t>for</a:t>
+                </a:r>
+                <a:r>
+                  <a:rPr lang="nl-NL" sz="1600" dirty="0">
+                    <a:latin typeface="Consolas" panose="020B0609020204030204" pitchFamily="49" charset="0"/>
+                    <a:cs typeface="Consolas" panose="020B0609020204030204" pitchFamily="49" charset="0"/>
+                  </a:rPr>
+                  <a:t> </a:t>
+                </a:r>
+                <a:r>
+                  <a:rPr lang="nl-NL" sz="1600" dirty="0" err="1">
+                    <a:latin typeface="Consolas" panose="020B0609020204030204" pitchFamily="49" charset="0"/>
+                    <a:cs typeface="Consolas" panose="020B0609020204030204" pitchFamily="49" charset="0"/>
+                  </a:rPr>
+                  <a:t>each</a:t>
+                </a:r>
+                <a:r>
+                  <a:rPr lang="nl-NL" sz="1600" dirty="0">
+                    <a:latin typeface="Consolas" panose="020B0609020204030204" pitchFamily="49" charset="0"/>
+                    <a:cs typeface="Consolas" panose="020B0609020204030204" pitchFamily="49" charset="0"/>
+                  </a:rPr>
+                  <a:t> </a:t>
+                </a:r>
+                <a:r>
+                  <a:rPr lang="nl-NL" sz="1600" dirty="0" err="1">
+                    <a:latin typeface="Consolas" panose="020B0609020204030204" pitchFamily="49" charset="0"/>
+                    <a:cs typeface="Consolas" panose="020B0609020204030204" pitchFamily="49" charset="0"/>
+                  </a:rPr>
+                  <a:t>edge</a:t>
+                </a:r>
+                <a:r>
+                  <a:rPr lang="nl-NL" sz="1600" dirty="0">
+                    <a:latin typeface="Consolas" panose="020B0609020204030204" pitchFamily="49" charset="0"/>
+                    <a:cs typeface="Consolas" panose="020B0609020204030204" pitchFamily="49" charset="0"/>
+                  </a:rPr>
+                  <a:t> (</a:t>
+                </a:r>
+                <a:r>
+                  <a:rPr lang="nl-NL" sz="1600" dirty="0" err="1">
+                    <a:latin typeface="Consolas" panose="020B0609020204030204" pitchFamily="49" charset="0"/>
+                    <a:cs typeface="Consolas" panose="020B0609020204030204" pitchFamily="49" charset="0"/>
+                  </a:rPr>
+                  <a:t>u,v</a:t>
+                </a:r>
+                <a:r>
+                  <a:rPr lang="nl-NL" sz="1600" dirty="0">
+                    <a:latin typeface="Consolas" panose="020B0609020204030204" pitchFamily="49" charset="0"/>
+                    <a:cs typeface="Consolas" panose="020B0609020204030204" pitchFamily="49" charset="0"/>
+                  </a:rPr>
+                  <a:t>)</a:t>
+                </a:r>
+              </a:p>
+              <a:p>
+                <a:r>
+                  <a:rPr lang="nl-NL" sz="1600" dirty="0">
+                    <a:latin typeface="Consolas" panose="020B0609020204030204" pitchFamily="49" charset="0"/>
+                    <a:cs typeface="Consolas" panose="020B0609020204030204" pitchFamily="49" charset="0"/>
+                  </a:rPr>
+                  <a:t>      dist[u][v] ← w(</a:t>
+                </a:r>
+                <a:r>
+                  <a:rPr lang="nl-NL" sz="1600" dirty="0" err="1">
+                    <a:latin typeface="Consolas" panose="020B0609020204030204" pitchFamily="49" charset="0"/>
+                    <a:cs typeface="Consolas" panose="020B0609020204030204" pitchFamily="49" charset="0"/>
+                  </a:rPr>
+                  <a:t>u,v</a:t>
+                </a:r>
+                <a:r>
+                  <a:rPr lang="nl-NL" sz="1600" dirty="0">
+                    <a:latin typeface="Consolas" panose="020B0609020204030204" pitchFamily="49" charset="0"/>
+                    <a:cs typeface="Consolas" panose="020B0609020204030204" pitchFamily="49" charset="0"/>
+                  </a:rPr>
+                  <a:t>)</a:t>
+                </a:r>
+                <a:endParaRPr lang="nl-NL" sz="1600" dirty="0">
+                  <a:latin typeface="Consolas" panose="020B0609020204030204" pitchFamily="49" charset="0"/>
+                  <a:cs typeface="Consolas" panose="020B0609020204030204" pitchFamily="49" charset="0"/>
+                </a:endParaRPr>
+              </a:p>
+              <a:p>
+                <a:r>
+                  <a:rPr lang="nl-NL" sz="1600" dirty="0">
+                    <a:latin typeface="Consolas" panose="020B0609020204030204" pitchFamily="49" charset="0"/>
+                    <a:cs typeface="Consolas" panose="020B0609020204030204" pitchFamily="49" charset="0"/>
+                  </a:rPr>
+                  <a:t>      </a:t>
+                </a:r>
+                <a:r>
+                  <a:rPr lang="nl-NL" sz="1600" dirty="0">
+                    <a:solidFill>
+                      <a:srgbClr val="FF0000"/>
+                    </a:solidFill>
+                    <a:latin typeface="Consolas" panose="020B0609020204030204" pitchFamily="49" charset="0"/>
+                    <a:cs typeface="Consolas" panose="020B0609020204030204" pitchFamily="49" charset="0"/>
+                  </a:rPr>
+                  <a:t>next[u][v] ← v</a:t>
+                </a:r>
+              </a:p>
+              <a:p>
+                <a:r>
+                  <a:rPr lang="nl-NL" sz="1600" dirty="0">
+                    <a:latin typeface="Consolas" panose="020B0609020204030204" pitchFamily="49" charset="0"/>
+                    <a:cs typeface="Consolas" panose="020B0609020204030204" pitchFamily="49" charset="0"/>
+                  </a:rPr>
+                  <a:t>   </a:t>
+                </a:r>
+                <a:r>
+                  <a:rPr lang="nl-NL" sz="1600" dirty="0" err="1">
+                    <a:latin typeface="Consolas" panose="020B0609020204030204" pitchFamily="49" charset="0"/>
+                    <a:cs typeface="Consolas" panose="020B0609020204030204" pitchFamily="49" charset="0"/>
+                  </a:rPr>
+                  <a:t>for</a:t>
+                </a:r>
+                <a:r>
+                  <a:rPr lang="nl-NL" sz="1600" dirty="0">
+                    <a:latin typeface="Consolas" panose="020B0609020204030204" pitchFamily="49" charset="0"/>
+                    <a:cs typeface="Consolas" panose="020B0609020204030204" pitchFamily="49" charset="0"/>
+                  </a:rPr>
+                  <a:t> k </a:t>
+                </a:r>
+                <a:r>
+                  <a:rPr lang="nl-NL" sz="1600" dirty="0" err="1">
+                    <a:latin typeface="Consolas" panose="020B0609020204030204" pitchFamily="49" charset="0"/>
+                    <a:cs typeface="Consolas" panose="020B0609020204030204" pitchFamily="49" charset="0"/>
+                  </a:rPr>
+                  <a:t>from</a:t>
+                </a:r>
+                <a:r>
+                  <a:rPr lang="nl-NL" sz="1600" dirty="0">
+                    <a:latin typeface="Consolas" panose="020B0609020204030204" pitchFamily="49" charset="0"/>
+                    <a:cs typeface="Consolas" panose="020B0609020204030204" pitchFamily="49" charset="0"/>
+                  </a:rPr>
+                  <a:t> 1 </a:t>
+                </a:r>
+                <a:r>
+                  <a:rPr lang="nl-NL" sz="1600" dirty="0" err="1">
+                    <a:latin typeface="Consolas" panose="020B0609020204030204" pitchFamily="49" charset="0"/>
+                    <a:cs typeface="Consolas" panose="020B0609020204030204" pitchFamily="49" charset="0"/>
+                  </a:rPr>
+                  <a:t>to</a:t>
+                </a:r>
+                <a:r>
+                  <a:rPr lang="nl-NL" sz="1600" dirty="0">
+                    <a:latin typeface="Consolas" panose="020B0609020204030204" pitchFamily="49" charset="0"/>
+                    <a:cs typeface="Consolas" panose="020B0609020204030204" pitchFamily="49" charset="0"/>
+                  </a:rPr>
+                  <a:t> |V</a:t>
+                </a:r>
+                <a:r>
+                  <a:rPr lang="nl-NL" sz="1600" dirty="0">
+                    <a:latin typeface="Consolas" panose="020B0609020204030204" pitchFamily="49" charset="0"/>
+                    <a:cs typeface="Consolas" panose="020B0609020204030204" pitchFamily="49" charset="0"/>
+                  </a:rPr>
+                  <a:t>|</a:t>
+                </a:r>
+                <a:endParaRPr lang="nl-NL" sz="1600" dirty="0">
+                  <a:latin typeface="Consolas" panose="020B0609020204030204" pitchFamily="49" charset="0"/>
+                  <a:cs typeface="Consolas" panose="020B0609020204030204" pitchFamily="49" charset="0"/>
+                </a:endParaRPr>
+              </a:p>
+              <a:p>
+                <a:r>
+                  <a:rPr lang="nl-NL" sz="1600" dirty="0">
+                    <a:latin typeface="Consolas" panose="020B0609020204030204" pitchFamily="49" charset="0"/>
+                    <a:cs typeface="Consolas" panose="020B0609020204030204" pitchFamily="49" charset="0"/>
+                  </a:rPr>
+                  <a:t>      </a:t>
+                </a:r>
+                <a:r>
+                  <a:rPr lang="nl-NL" sz="1600" dirty="0" err="1">
+                    <a:latin typeface="Consolas" panose="020B0609020204030204" pitchFamily="49" charset="0"/>
+                    <a:cs typeface="Consolas" panose="020B0609020204030204" pitchFamily="49" charset="0"/>
+                  </a:rPr>
+                  <a:t>for</a:t>
+                </a:r>
+                <a:r>
+                  <a:rPr lang="nl-NL" sz="1600" dirty="0">
+                    <a:latin typeface="Consolas" panose="020B0609020204030204" pitchFamily="49" charset="0"/>
+                    <a:cs typeface="Consolas" panose="020B0609020204030204" pitchFamily="49" charset="0"/>
+                  </a:rPr>
+                  <a:t> i </a:t>
+                </a:r>
+                <a:r>
+                  <a:rPr lang="nl-NL" sz="1600" dirty="0" err="1">
+                    <a:latin typeface="Consolas" panose="020B0609020204030204" pitchFamily="49" charset="0"/>
+                    <a:cs typeface="Consolas" panose="020B0609020204030204" pitchFamily="49" charset="0"/>
+                  </a:rPr>
+                  <a:t>from</a:t>
+                </a:r>
+                <a:r>
+                  <a:rPr lang="nl-NL" sz="1600" dirty="0">
+                    <a:latin typeface="Consolas" panose="020B0609020204030204" pitchFamily="49" charset="0"/>
+                    <a:cs typeface="Consolas" panose="020B0609020204030204" pitchFamily="49" charset="0"/>
+                  </a:rPr>
+                  <a:t> 1 </a:t>
+                </a:r>
+                <a:r>
+                  <a:rPr lang="nl-NL" sz="1600" dirty="0" err="1">
+                    <a:latin typeface="Consolas" panose="020B0609020204030204" pitchFamily="49" charset="0"/>
+                    <a:cs typeface="Consolas" panose="020B0609020204030204" pitchFamily="49" charset="0"/>
+                  </a:rPr>
+                  <a:t>to</a:t>
+                </a:r>
+                <a:r>
+                  <a:rPr lang="nl-NL" sz="1600" dirty="0">
+                    <a:latin typeface="Consolas" panose="020B0609020204030204" pitchFamily="49" charset="0"/>
+                    <a:cs typeface="Consolas" panose="020B0609020204030204" pitchFamily="49" charset="0"/>
+                  </a:rPr>
+                  <a:t> |V|</a:t>
+                </a:r>
+              </a:p>
+              <a:p>
+                <a:r>
+                  <a:rPr lang="nl-NL" sz="1600" dirty="0">
+                    <a:latin typeface="Consolas" panose="020B0609020204030204" pitchFamily="49" charset="0"/>
+                    <a:cs typeface="Consolas" panose="020B0609020204030204" pitchFamily="49" charset="0"/>
+                  </a:rPr>
+                  <a:t>         </a:t>
+                </a:r>
+                <a:r>
+                  <a:rPr lang="nl-NL" sz="1600" dirty="0" err="1">
+                    <a:latin typeface="Consolas" panose="020B0609020204030204" pitchFamily="49" charset="0"/>
+                    <a:cs typeface="Consolas" panose="020B0609020204030204" pitchFamily="49" charset="0"/>
+                  </a:rPr>
+                  <a:t>for</a:t>
+                </a:r>
+                <a:r>
+                  <a:rPr lang="nl-NL" sz="1600" dirty="0">
+                    <a:latin typeface="Consolas" panose="020B0609020204030204" pitchFamily="49" charset="0"/>
+                    <a:cs typeface="Consolas" panose="020B0609020204030204" pitchFamily="49" charset="0"/>
+                  </a:rPr>
+                  <a:t> j </a:t>
+                </a:r>
+                <a:r>
+                  <a:rPr lang="nl-NL" sz="1600" dirty="0" err="1">
+                    <a:latin typeface="Consolas" panose="020B0609020204030204" pitchFamily="49" charset="0"/>
+                    <a:cs typeface="Consolas" panose="020B0609020204030204" pitchFamily="49" charset="0"/>
+                  </a:rPr>
+                  <a:t>from</a:t>
+                </a:r>
+                <a:r>
+                  <a:rPr lang="nl-NL" sz="1600" dirty="0">
+                    <a:latin typeface="Consolas" panose="020B0609020204030204" pitchFamily="49" charset="0"/>
+                    <a:cs typeface="Consolas" panose="020B0609020204030204" pitchFamily="49" charset="0"/>
+                  </a:rPr>
+                  <a:t> 1 </a:t>
+                </a:r>
+                <a:r>
+                  <a:rPr lang="nl-NL" sz="1600" dirty="0" err="1">
+                    <a:latin typeface="Consolas" panose="020B0609020204030204" pitchFamily="49" charset="0"/>
+                    <a:cs typeface="Consolas" panose="020B0609020204030204" pitchFamily="49" charset="0"/>
+                  </a:rPr>
+                  <a:t>to</a:t>
+                </a:r>
+                <a:r>
+                  <a:rPr lang="nl-NL" sz="1600" dirty="0">
+                    <a:latin typeface="Consolas" panose="020B0609020204030204" pitchFamily="49" charset="0"/>
+                    <a:cs typeface="Consolas" panose="020B0609020204030204" pitchFamily="49" charset="0"/>
+                  </a:rPr>
+                  <a:t> |V|</a:t>
+                </a:r>
+              </a:p>
+              <a:p>
+                <a:r>
+                  <a:rPr lang="nl-NL" sz="1600" dirty="0">
+                    <a:latin typeface="Consolas" panose="020B0609020204030204" pitchFamily="49" charset="0"/>
+                    <a:cs typeface="Consolas" panose="020B0609020204030204" pitchFamily="49" charset="0"/>
+                  </a:rPr>
+                  <a:t>            </a:t>
+                </a:r>
+                <a:r>
+                  <a:rPr lang="nl-NL" sz="1600" dirty="0" err="1">
+                    <a:latin typeface="Consolas" panose="020B0609020204030204" pitchFamily="49" charset="0"/>
+                    <a:cs typeface="Consolas" panose="020B0609020204030204" pitchFamily="49" charset="0"/>
+                  </a:rPr>
+                  <a:t>if</a:t>
+                </a:r>
+                <a:r>
+                  <a:rPr lang="nl-NL" sz="1600" dirty="0">
+                    <a:latin typeface="Consolas" panose="020B0609020204030204" pitchFamily="49" charset="0"/>
+                    <a:cs typeface="Consolas" panose="020B0609020204030204" pitchFamily="49" charset="0"/>
+                  </a:rPr>
+                  <a:t> dist[i][k] + dist[k][j] &lt; dist[i][j] </a:t>
+                </a:r>
+                <a:r>
+                  <a:rPr lang="nl-NL" sz="1600" dirty="0" err="1">
+                    <a:latin typeface="Consolas" panose="020B0609020204030204" pitchFamily="49" charset="0"/>
+                    <a:cs typeface="Consolas" panose="020B0609020204030204" pitchFamily="49" charset="0"/>
+                  </a:rPr>
+                  <a:t>then</a:t>
+                </a:r>
+                <a:endParaRPr lang="nl-NL" sz="1600" dirty="0">
+                  <a:latin typeface="Consolas" panose="020B0609020204030204" pitchFamily="49" charset="0"/>
+                  <a:cs typeface="Consolas" panose="020B0609020204030204" pitchFamily="49" charset="0"/>
+                </a:endParaRPr>
+              </a:p>
+              <a:p>
+                <a:r>
+                  <a:rPr lang="nl-NL" sz="1600" dirty="0">
+                    <a:latin typeface="Consolas" panose="020B0609020204030204" pitchFamily="49" charset="0"/>
+                    <a:cs typeface="Consolas" panose="020B0609020204030204" pitchFamily="49" charset="0"/>
+                  </a:rPr>
+                  <a:t>               dist[i][j] ← dist[i][k] + dist[k][j]</a:t>
+                </a:r>
+              </a:p>
+              <a:p>
+                <a:r>
+                  <a:rPr lang="nl-NL" sz="1600" dirty="0">
+                    <a:latin typeface="Consolas" panose="020B0609020204030204" pitchFamily="49" charset="0"/>
+                    <a:cs typeface="Consolas" panose="020B0609020204030204" pitchFamily="49" charset="0"/>
+                  </a:rPr>
+                  <a:t>               </a:t>
+                </a:r>
+                <a:r>
+                  <a:rPr lang="nl-NL" sz="1600" dirty="0">
+                    <a:solidFill>
+                      <a:srgbClr val="FF0000"/>
+                    </a:solidFill>
+                    <a:latin typeface="Consolas" panose="020B0609020204030204" pitchFamily="49" charset="0"/>
+                    <a:cs typeface="Consolas" panose="020B0609020204030204" pitchFamily="49" charset="0"/>
+                  </a:rPr>
+                  <a:t>next[i][j] ← next[i][k]</a:t>
+                </a:r>
+              </a:p>
+              <a:p>
+                <a:endParaRPr lang="nl-NL" sz="1600" dirty="0"/>
+              </a:p>
+            </p:txBody>
+          </p:sp>
+        </mc:Choice>
+        <mc:Fallback>
+          <p:sp>
+            <p:nvSpPr>
+              <p:cNvPr id="5" name="Tekstvak 4"/>
+              <p:cNvSpPr txBox="1">
+                <a:spLocks noRot="1" noChangeAspect="1" noMove="1" noResize="1" noEditPoints="1" noAdjustHandles="1" noChangeArrowheads="1" noChangeShapeType="1" noTextEdit="1"/>
+              </p:cNvSpPr>
+              <p:nvPr/>
+            </p:nvSpPr>
+            <p:spPr>
+              <a:xfrm>
+                <a:off x="2430159" y="3497942"/>
+                <a:ext cx="7062183" cy="3046988"/>
+              </a:xfrm>
+              <a:prstGeom prst="rect">
+                <a:avLst/>
+              </a:prstGeom>
+              <a:blipFill rotWithShape="0">
+                <a:blip r:embed="rId3"/>
+                <a:stretch>
+                  <a:fillRect l="-518" t="-800"/>
+                </a:stretch>
+              </a:blipFill>
+            </p:spPr>
+            <p:txBody>
+              <a:bodyPr/>
+              <a:lstStyle/>
+              <a:p>
+                <a:r>
+                  <a:rPr lang="nl-NL">
+                    <a:noFill/>
+                  </a:rPr>
+                  <a:t> </a:t>
+                </a:r>
+              </a:p>
+            </p:txBody>
+          </p:sp>
+        </mc:Fallback>
+      </mc:AlternateContent>
+    </p:spTree>
+    <p:extLst>
+      <p:ext uri="{BB962C8B-B14F-4D97-AF65-F5344CB8AC3E}">
+        <p14:creationId xmlns:p14="http://schemas.microsoft.com/office/powerpoint/2010/main" val="3164906095"/>
+      </p:ext>
+    </p:extLst>
+  </p:cSld>
+  <p:clrMapOvr>
+    <a:masterClrMapping/>
+  </p:clrMapOvr>
+</p:sld>
+</file>
+
+<file path=ppt/slides/slide25.xml><?xml version="1.0" encoding="utf-8"?>
+<p:sld xmlns:a="http://schemas.openxmlformats.org/drawingml/2006/main" xmlns:r="http://schemas.openxmlformats.org/officeDocument/2006/relationships" xmlns:p="http://schemas.openxmlformats.org/presentationml/2006/main">
+  <p:cSld>
+    <p:spTree>
+      <p:nvGrpSpPr>
+        <p:cNvPr id="1" name=""/>
+        <p:cNvGrpSpPr/>
+        <p:nvPr/>
+      </p:nvGrpSpPr>
+      <p:grpSpPr>
+        <a:xfrm>
+          <a:off x="0" y="0"/>
+          <a:ext cx="0" cy="0"/>
+          <a:chOff x="0" y="0"/>
+          <a:chExt cx="0" cy="0"/>
+        </a:xfrm>
+      </p:grpSpPr>
+      <p:sp>
+        <p:nvSpPr>
+          <p:cNvPr id="2" name="Titel 1"/>
+          <p:cNvSpPr>
+            <a:spLocks noGrp="1"/>
+          </p:cNvSpPr>
+          <p:nvPr>
+            <p:ph type="title"/>
+          </p:nvPr>
+        </p:nvSpPr>
+        <p:spPr/>
+        <p:txBody>
+          <a:bodyPr/>
+          <a:lstStyle/>
+          <a:p>
+            <a:r>
+              <a:rPr lang="nl-NL" dirty="0" smtClean="0"/>
+              <a:t>Floyd-</a:t>
+            </a:r>
+            <a:r>
+              <a:rPr lang="nl-NL" dirty="0" err="1" smtClean="0"/>
+              <a:t>Warshall</a:t>
+            </a:r>
+            <a:r>
+              <a:rPr lang="nl-NL" dirty="0" smtClean="0"/>
+              <a:t> </a:t>
+            </a:r>
+            <a:r>
+              <a:rPr lang="nl-NL" dirty="0" err="1" smtClean="0"/>
+              <a:t>algorithm</a:t>
+            </a:r>
+            <a:endParaRPr lang="nl-NL" dirty="0"/>
+          </a:p>
+        </p:txBody>
+      </p:sp>
+      <mc:AlternateContent xmlns:mc="http://schemas.openxmlformats.org/markup-compatibility/2006">
+        <mc:Choice xmlns:a14="http://schemas.microsoft.com/office/drawing/2010/main" Requires="a14">
+          <p:sp>
+            <p:nvSpPr>
+              <p:cNvPr id="3" name="Tijdelijke aanduiding voor inhoud 2"/>
+              <p:cNvSpPr>
+                <a:spLocks noGrp="1"/>
+              </p:cNvSpPr>
+              <p:nvPr>
+                <p:ph idx="1"/>
+              </p:nvPr>
+            </p:nvSpPr>
+            <p:spPr/>
+            <p:txBody>
+              <a:bodyPr/>
+              <a:lstStyle/>
+              <a:p>
+                <a:r>
+                  <a:rPr lang="nl-NL" dirty="0" smtClean="0"/>
+                  <a:t>Complexity? </a:t>
+                </a:r>
+              </a:p>
+              <a:p>
+                <a:pPr lvl="1"/>
+                <a:r>
+                  <a:rPr lang="nl-NL" dirty="0" smtClean="0"/>
+                  <a:t>Three </a:t>
+                </a:r>
+                <a:r>
+                  <a:rPr lang="nl-NL" dirty="0" err="1" smtClean="0"/>
+                  <a:t>nested</a:t>
+                </a:r>
+                <a:r>
+                  <a:rPr lang="nl-NL" dirty="0" smtClean="0"/>
+                  <a:t> loops</a:t>
+                </a:r>
+              </a:p>
+              <a:p>
+                <a:pPr lvl="1"/>
+                <a:r>
+                  <a:rPr lang="nl-NL" dirty="0" err="1" smtClean="0"/>
+                  <a:t>Each</a:t>
+                </a:r>
+                <a:r>
+                  <a:rPr lang="nl-NL" dirty="0" smtClean="0"/>
+                  <a:t> loop </a:t>
+                </a:r>
+                <a:r>
+                  <a:rPr lang="nl-NL" dirty="0" err="1" smtClean="0"/>
+                  <a:t>performs</a:t>
+                </a:r>
+                <a:r>
+                  <a:rPr lang="nl-NL" dirty="0" smtClean="0"/>
+                  <a:t> </a:t>
+                </a:r>
+                <a14:m>
+                  <m:oMath xmlns:m="http://schemas.openxmlformats.org/officeDocument/2006/math">
+                    <m:r>
+                      <a:rPr lang="nl-NL" b="0" i="1" smtClean="0">
+                        <a:latin typeface="Cambria Math" panose="02040503050406030204" pitchFamily="18" charset="0"/>
+                      </a:rPr>
+                      <m:t>|</m:t>
+                    </m:r>
+                    <m:r>
+                      <a:rPr lang="nl-NL" b="0" i="1" smtClean="0">
+                        <a:latin typeface="Cambria Math" panose="02040503050406030204" pitchFamily="18" charset="0"/>
+                      </a:rPr>
+                      <m:t>𝑉</m:t>
+                    </m:r>
+                    <m:r>
+                      <a:rPr lang="nl-NL" b="0" i="1" smtClean="0">
+                        <a:latin typeface="Cambria Math" panose="02040503050406030204" pitchFamily="18" charset="0"/>
+                      </a:rPr>
+                      <m:t>|</m:t>
+                    </m:r>
+                  </m:oMath>
+                </a14:m>
+                <a:r>
+                  <a:rPr lang="nl-NL" dirty="0" smtClean="0"/>
+                  <a:t> iterations</a:t>
+                </a:r>
+              </a:p>
+              <a:p>
+                <a:pPr lvl="1"/>
+                <a14:m>
+                  <m:oMath xmlns:m="http://schemas.openxmlformats.org/officeDocument/2006/math">
+                    <m:d>
+                      <m:dPr>
+                        <m:begChr m:val="|"/>
+                        <m:endChr m:val="|"/>
+                        <m:ctrlPr>
+                          <a:rPr lang="nl-NL" b="0" i="1" smtClean="0">
+                            <a:latin typeface="Cambria Math" panose="02040503050406030204" pitchFamily="18" charset="0"/>
+                          </a:rPr>
+                        </m:ctrlPr>
+                      </m:dPr>
+                      <m:e>
+                        <m:r>
+                          <a:rPr lang="nl-NL" b="0" i="1" smtClean="0">
+                            <a:latin typeface="Cambria Math" panose="02040503050406030204" pitchFamily="18" charset="0"/>
+                          </a:rPr>
+                          <m:t>𝑉</m:t>
+                        </m:r>
+                      </m:e>
+                    </m:d>
+                    <m:r>
+                      <a:rPr lang="nl-NL" b="0" i="1" smtClean="0">
+                        <a:latin typeface="Cambria Math" panose="02040503050406030204" pitchFamily="18" charset="0"/>
+                      </a:rPr>
+                      <m:t>×</m:t>
+                    </m:r>
+                    <m:d>
+                      <m:dPr>
+                        <m:begChr m:val="|"/>
+                        <m:endChr m:val="|"/>
+                        <m:ctrlPr>
+                          <a:rPr lang="nl-NL" b="0" i="1" smtClean="0">
+                            <a:latin typeface="Cambria Math" panose="02040503050406030204" pitchFamily="18" charset="0"/>
+                          </a:rPr>
+                        </m:ctrlPr>
+                      </m:dPr>
+                      <m:e>
+                        <m:r>
+                          <a:rPr lang="nl-NL" b="0" i="1" smtClean="0">
+                            <a:latin typeface="Cambria Math" panose="02040503050406030204" pitchFamily="18" charset="0"/>
+                          </a:rPr>
+                          <m:t>𝑉</m:t>
+                        </m:r>
+                      </m:e>
+                    </m:d>
+                    <m:r>
+                      <a:rPr lang="nl-NL" b="0" i="1" smtClean="0">
+                        <a:latin typeface="Cambria Math" panose="02040503050406030204" pitchFamily="18" charset="0"/>
+                      </a:rPr>
+                      <m:t>×</m:t>
+                    </m:r>
+                    <m:d>
+                      <m:dPr>
+                        <m:begChr m:val="|"/>
+                        <m:endChr m:val="|"/>
+                        <m:ctrlPr>
+                          <a:rPr lang="nl-NL" b="0" i="1" smtClean="0">
+                            <a:latin typeface="Cambria Math" panose="02040503050406030204" pitchFamily="18" charset="0"/>
+                          </a:rPr>
+                        </m:ctrlPr>
+                      </m:dPr>
+                      <m:e>
+                        <m:r>
+                          <a:rPr lang="nl-NL" b="0" i="1" smtClean="0">
+                            <a:latin typeface="Cambria Math" panose="02040503050406030204" pitchFamily="18" charset="0"/>
+                          </a:rPr>
+                          <m:t>𝑉</m:t>
+                        </m:r>
+                      </m:e>
+                    </m:d>
+                  </m:oMath>
+                </a14:m>
+                <a:r>
+                  <a:rPr lang="nl-NL" dirty="0" smtClean="0"/>
+                  <a:t> </a:t>
+                </a:r>
+                <a:r>
+                  <a:rPr lang="nl-NL" dirty="0" err="1" smtClean="0"/>
+                  <a:t>iterations</a:t>
+                </a:r>
+                <a:r>
+                  <a:rPr lang="nl-NL" dirty="0" smtClean="0"/>
+                  <a:t> in </a:t>
+                </a:r>
+                <a:r>
+                  <a:rPr lang="nl-NL" dirty="0" err="1" smtClean="0"/>
+                  <a:t>total</a:t>
+                </a:r>
+                <a:r>
+                  <a:rPr lang="nl-NL" dirty="0" smtClean="0"/>
+                  <a:t> </a:t>
+                </a:r>
+                <a:r>
+                  <a:rPr lang="nl-NL" dirty="0" smtClean="0">
+                    <a:sym typeface="Wingdings" panose="05000000000000000000" pitchFamily="2" charset="2"/>
+                  </a:rPr>
+                  <a:t> </a:t>
+                </a:r>
+                <a14:m>
+                  <m:oMath xmlns:m="http://schemas.openxmlformats.org/officeDocument/2006/math">
+                    <m:r>
+                      <a:rPr lang="nl-NL" b="1" i="1" smtClean="0">
+                        <a:latin typeface="Cambria Math" panose="02040503050406030204" pitchFamily="18" charset="0"/>
+                        <a:sym typeface="Wingdings" panose="05000000000000000000" pitchFamily="2" charset="2"/>
+                      </a:rPr>
+                      <m:t>𝑶</m:t>
+                    </m:r>
+                    <m:d>
+                      <m:dPr>
+                        <m:ctrlPr>
+                          <a:rPr lang="nl-NL" b="1" i="1" smtClean="0">
+                            <a:latin typeface="Cambria Math" panose="02040503050406030204" pitchFamily="18" charset="0"/>
+                            <a:sym typeface="Wingdings" panose="05000000000000000000" pitchFamily="2" charset="2"/>
+                          </a:rPr>
+                        </m:ctrlPr>
+                      </m:dPr>
+                      <m:e>
+                        <m:sSup>
+                          <m:sSupPr>
+                            <m:ctrlPr>
+                              <a:rPr lang="nl-NL" b="1" i="1" smtClean="0">
+                                <a:latin typeface="Cambria Math" panose="02040503050406030204" pitchFamily="18" charset="0"/>
+                                <a:sym typeface="Wingdings" panose="05000000000000000000" pitchFamily="2" charset="2"/>
+                              </a:rPr>
+                            </m:ctrlPr>
+                          </m:sSupPr>
+                          <m:e>
+                            <m:d>
+                              <m:dPr>
+                                <m:begChr m:val="|"/>
+                                <m:endChr m:val="|"/>
+                                <m:ctrlPr>
+                                  <a:rPr lang="nl-NL" b="1" i="1" smtClean="0">
+                                    <a:latin typeface="Cambria Math" panose="02040503050406030204" pitchFamily="18" charset="0"/>
+                                    <a:sym typeface="Wingdings" panose="05000000000000000000" pitchFamily="2" charset="2"/>
+                                  </a:rPr>
+                                </m:ctrlPr>
+                              </m:dPr>
+                              <m:e>
+                                <m:r>
+                                  <a:rPr lang="nl-NL" b="1" i="1" smtClean="0">
+                                    <a:latin typeface="Cambria Math" panose="02040503050406030204" pitchFamily="18" charset="0"/>
+                                    <a:sym typeface="Wingdings" panose="05000000000000000000" pitchFamily="2" charset="2"/>
+                                  </a:rPr>
+                                  <m:t>𝑽</m:t>
+                                </m:r>
+                              </m:e>
+                            </m:d>
+                          </m:e>
+                          <m:sup>
+                            <m:r>
+                              <a:rPr lang="nl-NL" b="1" i="1" smtClean="0">
+                                <a:latin typeface="Cambria Math" panose="02040503050406030204" pitchFamily="18" charset="0"/>
+                                <a:sym typeface="Wingdings" panose="05000000000000000000" pitchFamily="2" charset="2"/>
+                              </a:rPr>
+                              <m:t>𝟑</m:t>
+                            </m:r>
+                          </m:sup>
+                        </m:sSup>
+                      </m:e>
+                    </m:d>
+                  </m:oMath>
+                </a14:m>
+                <a:endParaRPr lang="nl-NL" b="1" dirty="0"/>
+              </a:p>
+              <a:p>
+                <a:pPr lvl="2"/>
+                <a:r>
+                  <a:rPr lang="nl-NL" dirty="0" smtClean="0"/>
+                  <a:t>Or, </a:t>
+                </a:r>
+                <a:r>
+                  <a:rPr lang="nl-NL" dirty="0" err="1" smtClean="0"/>
+                  <a:t>if</a:t>
+                </a:r>
+                <a:r>
+                  <a:rPr lang="nl-NL" dirty="0" smtClean="0"/>
+                  <a:t> we call </a:t>
+                </a:r>
+                <a14:m>
+                  <m:oMath xmlns:m="http://schemas.openxmlformats.org/officeDocument/2006/math">
+                    <m:r>
+                      <a:rPr lang="nl-NL" b="0" i="1" smtClean="0">
+                        <a:latin typeface="Cambria Math" panose="02040503050406030204" pitchFamily="18" charset="0"/>
+                      </a:rPr>
+                      <m:t>𝑛</m:t>
+                    </m:r>
+                  </m:oMath>
+                </a14:m>
+                <a:r>
+                  <a:rPr lang="nl-NL" dirty="0" smtClean="0"/>
+                  <a:t> the </a:t>
+                </a:r>
+                <a:r>
+                  <a:rPr lang="nl-NL" dirty="0" err="1" smtClean="0"/>
+                  <a:t>number</a:t>
+                </a:r>
+                <a:r>
+                  <a:rPr lang="nl-NL" dirty="0" smtClean="0"/>
+                  <a:t> of </a:t>
+                </a:r>
+                <a:r>
+                  <a:rPr lang="nl-NL" dirty="0" err="1" smtClean="0"/>
+                  <a:t>nodes</a:t>
+                </a:r>
+                <a:r>
+                  <a:rPr lang="nl-NL" dirty="0" smtClean="0"/>
+                  <a:t> (</a:t>
+                </a:r>
+                <a14:m>
+                  <m:oMath xmlns:m="http://schemas.openxmlformats.org/officeDocument/2006/math">
+                    <m:r>
+                      <a:rPr lang="nl-NL" b="0" i="1" smtClean="0">
+                        <a:latin typeface="Cambria Math" panose="02040503050406030204" pitchFamily="18" charset="0"/>
+                      </a:rPr>
+                      <m:t>|</m:t>
+                    </m:r>
+                    <m:r>
+                      <a:rPr lang="nl-NL" b="0" i="1" smtClean="0">
+                        <a:latin typeface="Cambria Math" panose="02040503050406030204" pitchFamily="18" charset="0"/>
+                      </a:rPr>
+                      <m:t>𝑉</m:t>
+                    </m:r>
+                    <m:r>
+                      <a:rPr lang="nl-NL" b="0" i="1" smtClean="0">
+                        <a:latin typeface="Cambria Math" panose="02040503050406030204" pitchFamily="18" charset="0"/>
+                      </a:rPr>
+                      <m:t>|</m:t>
+                    </m:r>
+                  </m:oMath>
+                </a14:m>
+                <a:r>
+                  <a:rPr lang="nl-NL" dirty="0" smtClean="0"/>
+                  <a:t>), </a:t>
+                </a:r>
+                <a14:m>
+                  <m:oMath xmlns:m="http://schemas.openxmlformats.org/officeDocument/2006/math">
+                    <m:r>
+                      <a:rPr lang="nl-NL" b="0" i="1" dirty="0" smtClean="0">
+                        <a:latin typeface="Cambria Math" panose="02040503050406030204" pitchFamily="18" charset="0"/>
+                      </a:rPr>
+                      <m:t>𝑂</m:t>
+                    </m:r>
+                    <m:d>
+                      <m:dPr>
+                        <m:ctrlPr>
+                          <a:rPr lang="nl-NL" b="0" i="1" dirty="0" smtClean="0">
+                            <a:latin typeface="Cambria Math" panose="02040503050406030204" pitchFamily="18" charset="0"/>
+                          </a:rPr>
+                        </m:ctrlPr>
+                      </m:dPr>
+                      <m:e>
+                        <m:sSup>
+                          <m:sSupPr>
+                            <m:ctrlPr>
+                              <a:rPr lang="nl-NL" b="0" i="1" dirty="0" smtClean="0">
+                                <a:latin typeface="Cambria Math" panose="02040503050406030204" pitchFamily="18" charset="0"/>
+                              </a:rPr>
+                            </m:ctrlPr>
+                          </m:sSupPr>
+                          <m:e>
+                            <m:r>
+                              <a:rPr lang="nl-NL" b="0" i="1" dirty="0" smtClean="0">
+                                <a:latin typeface="Cambria Math" panose="02040503050406030204" pitchFamily="18" charset="0"/>
+                              </a:rPr>
+                              <m:t>𝑛</m:t>
+                            </m:r>
+                          </m:e>
+                          <m:sup>
+                            <m:r>
+                              <a:rPr lang="nl-NL" b="0" i="1" dirty="0" smtClean="0">
+                                <a:latin typeface="Cambria Math" panose="02040503050406030204" pitchFamily="18" charset="0"/>
+                              </a:rPr>
+                              <m:t>3</m:t>
+                            </m:r>
+                          </m:sup>
+                        </m:sSup>
+                      </m:e>
+                    </m:d>
+                  </m:oMath>
+                </a14:m>
+                <a:endParaRPr lang="nl-NL" dirty="0"/>
+              </a:p>
+              <a:p>
+                <a:pPr marL="457200" lvl="1" indent="0">
+                  <a:buNone/>
+                </a:pPr>
+                <a:endParaRPr lang="nl-NL" dirty="0"/>
+              </a:p>
+            </p:txBody>
+          </p:sp>
+        </mc:Choice>
+        <mc:Fallback>
+          <p:sp>
+            <p:nvSpPr>
+              <p:cNvPr id="3" name="Tijdelijke aanduiding voor inhoud 2"/>
+              <p:cNvSpPr>
+                <a:spLocks noGrp="1" noRot="1" noChangeAspect="1" noMove="1" noResize="1" noEditPoints="1" noAdjustHandles="1" noChangeArrowheads="1" noChangeShapeType="1" noTextEdit="1"/>
+              </p:cNvSpPr>
+              <p:nvPr>
+                <p:ph idx="1"/>
+              </p:nvPr>
+            </p:nvSpPr>
+            <p:spPr>
+              <a:blipFill rotWithShape="0">
+                <a:blip r:embed="rId2"/>
+                <a:stretch>
+                  <a:fillRect l="-142" t="-942"/>
+                </a:stretch>
+              </a:blipFill>
+            </p:spPr>
+            <p:txBody>
+              <a:bodyPr/>
+              <a:lstStyle/>
+              <a:p>
+                <a:r>
+                  <a:rPr lang="nl-NL">
+                    <a:noFill/>
+                  </a:rPr>
+                  <a:t> </a:t>
+                </a:r>
+              </a:p>
+            </p:txBody>
+          </p:sp>
+        </mc:Fallback>
+      </mc:AlternateContent>
+      <p:sp>
+        <p:nvSpPr>
+          <p:cNvPr id="4" name="Tijdelijke aanduiding voor voettekst 3"/>
+          <p:cNvSpPr>
+            <a:spLocks noGrp="1"/>
+          </p:cNvSpPr>
+          <p:nvPr>
+            <p:ph type="ftr" sz="quarter" idx="11"/>
+          </p:nvPr>
+        </p:nvSpPr>
+        <p:spPr/>
+        <p:txBody>
+          <a:bodyPr/>
+          <a:lstStyle/>
+          <a:p>
+            <a:r>
+              <a:rPr lang="it-IT" smtClean="0"/>
+              <a:t>INFDEV026A - G. Costantini, F. Di Giacomo, G. Maggiore</a:t>
+            </a:r>
+            <a:endParaRPr lang="en-GB"/>
+          </a:p>
+        </p:txBody>
+      </p:sp>
+    </p:spTree>
+    <p:extLst>
+      <p:ext uri="{BB962C8B-B14F-4D97-AF65-F5344CB8AC3E}">
+        <p14:creationId xmlns:p14="http://schemas.microsoft.com/office/powerpoint/2010/main" val="2222229189"/>
+      </p:ext>
+    </p:extLst>
+  </p:cSld>
+  <p:clrMapOvr>
+    <a:masterClrMapping/>
+  </p:clrMapOvr>
+</p:sld>
+</file>
+
+<file path=ppt/slides/slide26.xml><?xml version="1.0" encoding="utf-8"?>
+<p:sld xmlns:a="http://schemas.openxmlformats.org/drawingml/2006/main" xmlns:r="http://schemas.openxmlformats.org/officeDocument/2006/relationships" xmlns:p="http://schemas.openxmlformats.org/presentationml/2006/main">
+  <p:cSld>
+    <p:spTree>
+      <p:nvGrpSpPr>
+        <p:cNvPr id="1" name=""/>
+        <p:cNvGrpSpPr/>
+        <p:nvPr/>
+      </p:nvGrpSpPr>
+      <p:grpSpPr>
+        <a:xfrm>
+          <a:off x="0" y="0"/>
+          <a:ext cx="0" cy="0"/>
+          <a:chOff x="0" y="0"/>
+          <a:chExt cx="0" cy="0"/>
+        </a:xfrm>
+      </p:grpSpPr>
+      <p:sp>
+        <p:nvSpPr>
+          <p:cNvPr id="2" name="Titel 1"/>
+          <p:cNvSpPr>
+            <a:spLocks noGrp="1"/>
+          </p:cNvSpPr>
+          <p:nvPr>
+            <p:ph type="title"/>
+          </p:nvPr>
+        </p:nvSpPr>
+        <p:spPr/>
+        <p:txBody>
+          <a:bodyPr/>
+          <a:lstStyle/>
+          <a:p>
+            <a:r>
+              <a:rPr lang="nl-NL" dirty="0"/>
+              <a:t>Floyd-</a:t>
+            </a:r>
+            <a:r>
+              <a:rPr lang="nl-NL" dirty="0" err="1"/>
+              <a:t>Warshall</a:t>
+            </a:r>
+            <a:r>
+              <a:rPr lang="nl-NL" dirty="0"/>
+              <a:t> </a:t>
+            </a:r>
+            <a:r>
+              <a:rPr lang="nl-NL" dirty="0" err="1"/>
+              <a:t>algorithm</a:t>
+            </a:r>
+            <a:endParaRPr lang="nl-NL" dirty="0"/>
+          </a:p>
+        </p:txBody>
+      </p:sp>
+      <p:sp>
+        <p:nvSpPr>
+          <p:cNvPr id="3" name="Tijdelijke aanduiding voor inhoud 2"/>
+          <p:cNvSpPr>
+            <a:spLocks noGrp="1"/>
+          </p:cNvSpPr>
+          <p:nvPr>
+            <p:ph idx="1"/>
+          </p:nvPr>
+        </p:nvSpPr>
+        <p:spPr/>
+        <p:txBody>
+          <a:bodyPr/>
+          <a:lstStyle/>
+          <a:p>
+            <a:r>
+              <a:rPr lang="nl-NL" dirty="0" err="1" smtClean="0"/>
+              <a:t>Example</a:t>
+            </a:r>
+            <a:r>
+              <a:rPr lang="nl-NL" dirty="0" smtClean="0"/>
+              <a:t> </a:t>
+            </a:r>
+            <a:endParaRPr lang="nl-NL" dirty="0"/>
+          </a:p>
+        </p:txBody>
+      </p:sp>
+      <p:sp>
+        <p:nvSpPr>
+          <p:cNvPr id="4" name="Tijdelijke aanduiding voor voettekst 3"/>
+          <p:cNvSpPr>
+            <a:spLocks noGrp="1"/>
+          </p:cNvSpPr>
+          <p:nvPr>
+            <p:ph type="ftr" sz="quarter" idx="11"/>
+          </p:nvPr>
+        </p:nvSpPr>
+        <p:spPr/>
+        <p:txBody>
+          <a:bodyPr/>
+          <a:lstStyle/>
+          <a:p>
+            <a:r>
+              <a:rPr lang="it-IT" smtClean="0"/>
+              <a:t>INFDEV026A - G. Costantini, F. Di Giacomo, G. Maggiore</a:t>
+            </a:r>
+            <a:endParaRPr lang="en-GB"/>
+          </a:p>
+        </p:txBody>
+      </p:sp>
+      <p:pic>
+        <p:nvPicPr>
+          <p:cNvPr id="2050" name="Picture 2" descr="Floyd-Warshall example.svg"/>
+          <p:cNvPicPr>
+            <a:picLocks noChangeAspect="1" noChangeArrowheads="1"/>
+          </p:cNvPicPr>
+          <p:nvPr/>
+        </p:nvPicPr>
+        <p:blipFill rotWithShape="1">
+          <a:blip r:embed="rId3">
+            <a:extLst>
+              <a:ext uri="{28A0092B-C50C-407E-A947-70E740481C1C}">
+                <a14:useLocalDpi xmlns:a14="http://schemas.microsoft.com/office/drawing/2010/main" val="0"/>
+              </a:ext>
+            </a:extLst>
+          </a:blip>
+          <a:srcRect r="63903"/>
+          <a:stretch/>
+        </p:blipFill>
+        <p:spPr bwMode="auto">
+          <a:xfrm>
+            <a:off x="354155" y="2525714"/>
+            <a:ext cx="3466731" cy="3880773"/>
+          </a:xfrm>
+          <a:prstGeom prst="rect">
+            <a:avLst/>
+          </a:prstGeom>
+          <a:noFill/>
+          <a:extLst>
+            <a:ext uri="{909E8E84-426E-40DD-AFC4-6F175D3DCCD1}">
+              <a14:hiddenFill xmlns:a14="http://schemas.microsoft.com/office/drawing/2010/main">
+                <a:solidFill>
+                  <a:srgbClr val="FFFFFF"/>
+                </a:solidFill>
+              </a14:hiddenFill>
+            </a:ext>
+          </a:extLst>
+        </p:spPr>
+      </p:pic>
+    </p:spTree>
+    <p:extLst>
+      <p:ext uri="{BB962C8B-B14F-4D97-AF65-F5344CB8AC3E}">
+        <p14:creationId xmlns:p14="http://schemas.microsoft.com/office/powerpoint/2010/main" val="2023180510"/>
+      </p:ext>
+    </p:extLst>
+  </p:cSld>
+  <p:clrMapOvr>
+    <a:masterClrMapping/>
+  </p:clrMapOvr>
+</p:sld>
+</file>
+
+<file path=ppt/slides/slide27.xml><?xml version="1.0" encoding="utf-8"?>
+<p:sld xmlns:a="http://schemas.openxmlformats.org/drawingml/2006/main" xmlns:r="http://schemas.openxmlformats.org/officeDocument/2006/relationships" xmlns:p="http://schemas.openxmlformats.org/presentationml/2006/main">
+  <p:cSld>
+    <p:spTree>
+      <p:nvGrpSpPr>
+        <p:cNvPr id="1" name=""/>
+        <p:cNvGrpSpPr/>
+        <p:nvPr/>
+      </p:nvGrpSpPr>
+      <p:grpSpPr>
+        <a:xfrm>
+          <a:off x="0" y="0"/>
+          <a:ext cx="0" cy="0"/>
+          <a:chOff x="0" y="0"/>
+          <a:chExt cx="0" cy="0"/>
+        </a:xfrm>
+      </p:grpSpPr>
+      <p:sp>
+        <p:nvSpPr>
+          <p:cNvPr id="2" name="Titel 1"/>
+          <p:cNvSpPr>
+            <a:spLocks noGrp="1"/>
+          </p:cNvSpPr>
+          <p:nvPr>
+            <p:ph type="title"/>
+          </p:nvPr>
+        </p:nvSpPr>
+        <p:spPr/>
+        <p:txBody>
+          <a:bodyPr/>
+          <a:lstStyle/>
+          <a:p>
+            <a:r>
+              <a:rPr lang="nl-NL" dirty="0"/>
+              <a:t>Floyd-</a:t>
+            </a:r>
+            <a:r>
+              <a:rPr lang="nl-NL" dirty="0" err="1"/>
+              <a:t>Warshall</a:t>
+            </a:r>
+            <a:r>
+              <a:rPr lang="nl-NL" dirty="0"/>
+              <a:t> </a:t>
+            </a:r>
+            <a:r>
+              <a:rPr lang="nl-NL" dirty="0" err="1"/>
+              <a:t>algorithm</a:t>
+            </a:r>
+            <a:endParaRPr lang="nl-NL" dirty="0"/>
+          </a:p>
+        </p:txBody>
+      </p:sp>
+      <p:sp>
+        <p:nvSpPr>
+          <p:cNvPr id="3" name="Tijdelijke aanduiding voor inhoud 2"/>
+          <p:cNvSpPr>
+            <a:spLocks noGrp="1"/>
+          </p:cNvSpPr>
+          <p:nvPr>
+            <p:ph idx="1"/>
+          </p:nvPr>
+        </p:nvSpPr>
+        <p:spPr/>
+        <p:txBody>
+          <a:bodyPr/>
+          <a:lstStyle/>
+          <a:p>
+            <a:r>
+              <a:rPr lang="nl-NL" dirty="0" err="1" smtClean="0"/>
+              <a:t>Example</a:t>
+            </a:r>
+            <a:r>
+              <a:rPr lang="nl-NL" dirty="0" smtClean="0"/>
+              <a:t> </a:t>
+            </a:r>
+            <a:endParaRPr lang="nl-NL" dirty="0"/>
+          </a:p>
+        </p:txBody>
+      </p:sp>
+      <p:sp>
+        <p:nvSpPr>
+          <p:cNvPr id="4" name="Tijdelijke aanduiding voor voettekst 3"/>
+          <p:cNvSpPr>
+            <a:spLocks noGrp="1"/>
+          </p:cNvSpPr>
+          <p:nvPr>
+            <p:ph type="ftr" sz="quarter" idx="11"/>
+          </p:nvPr>
+        </p:nvSpPr>
+        <p:spPr/>
+        <p:txBody>
+          <a:bodyPr/>
+          <a:lstStyle/>
+          <a:p>
+            <a:r>
+              <a:rPr lang="it-IT" smtClean="0"/>
+              <a:t>INFDEV026A - G. Costantini, F. Di Giacomo, G. Maggiore</a:t>
+            </a:r>
+            <a:endParaRPr lang="en-GB"/>
+          </a:p>
+        </p:txBody>
+      </p:sp>
+      <p:pic>
+        <p:nvPicPr>
+          <p:cNvPr id="2050" name="Picture 2" descr="Floyd-Warshall example.svg"/>
+          <p:cNvPicPr>
+            <a:picLocks noChangeAspect="1" noChangeArrowheads="1"/>
+          </p:cNvPicPr>
+          <p:nvPr/>
+        </p:nvPicPr>
+        <p:blipFill rotWithShape="1">
+          <a:blip r:embed="rId3">
+            <a:extLst>
+              <a:ext uri="{28A0092B-C50C-407E-A947-70E740481C1C}">
+                <a14:useLocalDpi xmlns:a14="http://schemas.microsoft.com/office/drawing/2010/main" val="0"/>
+              </a:ext>
+            </a:extLst>
+          </a:blip>
+          <a:srcRect r="31713"/>
+          <a:stretch/>
+        </p:blipFill>
+        <p:spPr bwMode="auto">
+          <a:xfrm>
+            <a:off x="354156" y="2525714"/>
+            <a:ext cx="6558274" cy="3880773"/>
+          </a:xfrm>
+          <a:prstGeom prst="rect">
+            <a:avLst/>
+          </a:prstGeom>
+          <a:noFill/>
+          <a:extLst>
+            <a:ext uri="{909E8E84-426E-40DD-AFC4-6F175D3DCCD1}">
+              <a14:hiddenFill xmlns:a14="http://schemas.microsoft.com/office/drawing/2010/main">
+                <a:solidFill>
+                  <a:srgbClr val="FFFFFF"/>
+                </a:solidFill>
+              </a14:hiddenFill>
+            </a:ext>
+          </a:extLst>
+        </p:spPr>
+      </p:pic>
+      <p:sp>
+        <p:nvSpPr>
+          <p:cNvPr id="5" name="Rechthoek 4"/>
+          <p:cNvSpPr/>
+          <p:nvPr/>
+        </p:nvSpPr>
+        <p:spPr>
+          <a:xfrm>
+            <a:off x="3788229" y="3461657"/>
+            <a:ext cx="3186717" cy="2944830"/>
+          </a:xfrm>
+          <a:prstGeom prst="rect">
+            <a:avLst/>
+          </a:prstGeom>
+          <a:ln>
+            <a:solidFill>
+              <a:schemeClr val="bg1"/>
+            </a:solidFill>
+          </a:ln>
+        </p:spPr>
+        <p:style>
+          <a:lnRef idx="2">
+            <a:schemeClr val="accent6"/>
+          </a:lnRef>
+          <a:fillRef idx="1">
+            <a:schemeClr val="lt1"/>
+          </a:fillRef>
+          <a:effectRef idx="0">
+            <a:schemeClr val="accent6"/>
+          </a:effectRef>
+          <a:fontRef idx="minor">
+            <a:schemeClr val="dk1"/>
+          </a:fontRef>
+        </p:style>
+        <p:txBody>
+          <a:bodyPr rtlCol="0" anchor="ctr"/>
+          <a:lstStyle/>
+          <a:p>
+            <a:pPr algn="ctr"/>
+            <a:endParaRPr lang="nl-NL"/>
+          </a:p>
+        </p:txBody>
+      </p:sp>
+    </p:spTree>
+    <p:extLst>
+      <p:ext uri="{BB962C8B-B14F-4D97-AF65-F5344CB8AC3E}">
+        <p14:creationId xmlns:p14="http://schemas.microsoft.com/office/powerpoint/2010/main" val="641237942"/>
+      </p:ext>
+    </p:extLst>
+  </p:cSld>
+  <p:clrMapOvr>
+    <a:masterClrMapping/>
+  </p:clrMapOvr>
+</p:sld>
+</file>
+
+<file path=ppt/slides/slide28.xml><?xml version="1.0" encoding="utf-8"?>
+<p:sld xmlns:a="http://schemas.openxmlformats.org/drawingml/2006/main" xmlns:r="http://schemas.openxmlformats.org/officeDocument/2006/relationships" xmlns:p="http://schemas.openxmlformats.org/presentationml/2006/main">
+  <p:cSld>
+    <p:spTree>
+      <p:nvGrpSpPr>
+        <p:cNvPr id="1" name=""/>
+        <p:cNvGrpSpPr/>
+        <p:nvPr/>
+      </p:nvGrpSpPr>
+      <p:grpSpPr>
+        <a:xfrm>
+          <a:off x="0" y="0"/>
+          <a:ext cx="0" cy="0"/>
+          <a:chOff x="0" y="0"/>
+          <a:chExt cx="0" cy="0"/>
+        </a:xfrm>
+      </p:grpSpPr>
+      <p:sp>
+        <p:nvSpPr>
+          <p:cNvPr id="2" name="Titel 1"/>
+          <p:cNvSpPr>
+            <a:spLocks noGrp="1"/>
+          </p:cNvSpPr>
+          <p:nvPr>
+            <p:ph type="title"/>
+          </p:nvPr>
+        </p:nvSpPr>
+        <p:spPr/>
+        <p:txBody>
+          <a:bodyPr/>
+          <a:lstStyle/>
+          <a:p>
+            <a:r>
+              <a:rPr lang="nl-NL" dirty="0"/>
+              <a:t>Floyd-</a:t>
+            </a:r>
+            <a:r>
+              <a:rPr lang="nl-NL" dirty="0" err="1"/>
+              <a:t>Warshall</a:t>
+            </a:r>
+            <a:r>
+              <a:rPr lang="nl-NL" dirty="0"/>
+              <a:t> </a:t>
+            </a:r>
+            <a:r>
+              <a:rPr lang="nl-NL" dirty="0" err="1"/>
+              <a:t>algorithm</a:t>
+            </a:r>
+            <a:endParaRPr lang="nl-NL" dirty="0"/>
+          </a:p>
+        </p:txBody>
+      </p:sp>
+      <p:sp>
+        <p:nvSpPr>
+          <p:cNvPr id="3" name="Tijdelijke aanduiding voor inhoud 2"/>
+          <p:cNvSpPr>
+            <a:spLocks noGrp="1"/>
+          </p:cNvSpPr>
+          <p:nvPr>
+            <p:ph idx="1"/>
+          </p:nvPr>
+        </p:nvSpPr>
+        <p:spPr/>
+        <p:txBody>
+          <a:bodyPr/>
+          <a:lstStyle/>
+          <a:p>
+            <a:r>
+              <a:rPr lang="nl-NL" dirty="0" err="1" smtClean="0"/>
+              <a:t>Example</a:t>
+            </a:r>
+            <a:r>
+              <a:rPr lang="nl-NL" dirty="0" smtClean="0"/>
+              <a:t> </a:t>
+            </a:r>
+            <a:endParaRPr lang="nl-NL" dirty="0"/>
+          </a:p>
+        </p:txBody>
+      </p:sp>
+      <p:sp>
+        <p:nvSpPr>
+          <p:cNvPr id="4" name="Tijdelijke aanduiding voor voettekst 3"/>
+          <p:cNvSpPr>
+            <a:spLocks noGrp="1"/>
+          </p:cNvSpPr>
+          <p:nvPr>
+            <p:ph type="ftr" sz="quarter" idx="11"/>
+          </p:nvPr>
+        </p:nvSpPr>
+        <p:spPr/>
+        <p:txBody>
+          <a:bodyPr/>
+          <a:lstStyle/>
+          <a:p>
+            <a:r>
+              <a:rPr lang="it-IT" smtClean="0"/>
+              <a:t>INFDEV026A - G. Costantini, F. Di Giacomo, G. Maggiore</a:t>
+            </a:r>
+            <a:endParaRPr lang="en-GB"/>
+          </a:p>
+        </p:txBody>
+      </p:sp>
+      <p:pic>
+        <p:nvPicPr>
+          <p:cNvPr id="2050" name="Picture 2" descr="Floyd-Warshall example.svg"/>
+          <p:cNvPicPr>
+            <a:picLocks noChangeAspect="1" noChangeArrowheads="1"/>
+          </p:cNvPicPr>
+          <p:nvPr/>
+        </p:nvPicPr>
+        <p:blipFill rotWithShape="1">
+          <a:blip r:embed="rId3">
+            <a:extLst>
+              <a:ext uri="{28A0092B-C50C-407E-A947-70E740481C1C}">
+                <a14:useLocalDpi xmlns:a14="http://schemas.microsoft.com/office/drawing/2010/main" val="0"/>
+              </a:ext>
+            </a:extLst>
+          </a:blip>
+          <a:srcRect r="31600"/>
+          <a:stretch/>
+        </p:blipFill>
+        <p:spPr bwMode="auto">
+          <a:xfrm>
+            <a:off x="354155" y="2525714"/>
+            <a:ext cx="6569159" cy="3880773"/>
+          </a:xfrm>
+          <a:prstGeom prst="rect">
+            <a:avLst/>
+          </a:prstGeom>
+          <a:noFill/>
+          <a:extLst>
+            <a:ext uri="{909E8E84-426E-40DD-AFC4-6F175D3DCCD1}">
+              <a14:hiddenFill xmlns:a14="http://schemas.microsoft.com/office/drawing/2010/main">
+                <a:solidFill>
+                  <a:srgbClr val="FFFFFF"/>
+                </a:solidFill>
+              </a14:hiddenFill>
+            </a:ext>
+          </a:extLst>
+        </p:spPr>
+      </p:pic>
+      <p:sp>
+        <p:nvSpPr>
+          <p:cNvPr id="5" name="Rechthoek 4"/>
+          <p:cNvSpPr/>
+          <p:nvPr/>
+        </p:nvSpPr>
+        <p:spPr>
+          <a:xfrm>
+            <a:off x="2220686" y="3929743"/>
+            <a:ext cx="1360714" cy="533400"/>
+          </a:xfrm>
+          <a:prstGeom prst="rect">
+            <a:avLst/>
+          </a:prstGeom>
+          <a:ln>
+            <a:solidFill>
+              <a:schemeClr val="bg1"/>
+            </a:solidFill>
+          </a:ln>
+        </p:spPr>
+        <p:style>
+          <a:lnRef idx="2">
+            <a:schemeClr val="accent6"/>
+          </a:lnRef>
+          <a:fillRef idx="1">
+            <a:schemeClr val="lt1"/>
+          </a:fillRef>
+          <a:effectRef idx="0">
+            <a:schemeClr val="accent6"/>
+          </a:effectRef>
+          <a:fontRef idx="minor">
+            <a:schemeClr val="dk1"/>
+          </a:fontRef>
+        </p:style>
+        <p:txBody>
+          <a:bodyPr rtlCol="0" anchor="ctr"/>
+          <a:lstStyle/>
+          <a:p>
+            <a:pPr algn="ctr"/>
+            <a:endParaRPr lang="nl-NL"/>
+          </a:p>
+        </p:txBody>
+      </p:sp>
+      <p:sp>
+        <p:nvSpPr>
+          <p:cNvPr id="6" name="Rechthoek 5"/>
+          <p:cNvSpPr/>
+          <p:nvPr/>
+        </p:nvSpPr>
+        <p:spPr>
+          <a:xfrm>
+            <a:off x="3831771" y="4942114"/>
+            <a:ext cx="2939143" cy="1464373"/>
+          </a:xfrm>
+          <a:prstGeom prst="rect">
+            <a:avLst/>
+          </a:prstGeom>
+          <a:ln>
+            <a:solidFill>
+              <a:schemeClr val="bg1"/>
+            </a:solidFill>
+          </a:ln>
+        </p:spPr>
+        <p:style>
+          <a:lnRef idx="2">
+            <a:schemeClr val="accent6"/>
+          </a:lnRef>
+          <a:fillRef idx="1">
+            <a:schemeClr val="lt1"/>
+          </a:fillRef>
+          <a:effectRef idx="0">
+            <a:schemeClr val="accent6"/>
+          </a:effectRef>
+          <a:fontRef idx="minor">
+            <a:schemeClr val="dk1"/>
+          </a:fontRef>
+        </p:style>
+        <p:txBody>
+          <a:bodyPr rtlCol="0" anchor="ctr"/>
+          <a:lstStyle/>
+          <a:p>
+            <a:pPr algn="ctr"/>
+            <a:endParaRPr lang="nl-NL"/>
+          </a:p>
+        </p:txBody>
+      </p:sp>
+    </p:spTree>
+    <p:extLst>
+      <p:ext uri="{BB962C8B-B14F-4D97-AF65-F5344CB8AC3E}">
+        <p14:creationId xmlns:p14="http://schemas.microsoft.com/office/powerpoint/2010/main" val="1746263092"/>
+      </p:ext>
+    </p:extLst>
+  </p:cSld>
+  <p:clrMapOvr>
+    <a:masterClrMapping/>
+  </p:clrMapOvr>
+</p:sld>
+</file>
+
+<file path=ppt/slides/slide29.xml><?xml version="1.0" encoding="utf-8"?>
+<p:sld xmlns:a="http://schemas.openxmlformats.org/drawingml/2006/main" xmlns:r="http://schemas.openxmlformats.org/officeDocument/2006/relationships" xmlns:p="http://schemas.openxmlformats.org/presentationml/2006/main">
+  <p:cSld>
+    <p:spTree>
+      <p:nvGrpSpPr>
+        <p:cNvPr id="1" name=""/>
+        <p:cNvGrpSpPr/>
+        <p:nvPr/>
+      </p:nvGrpSpPr>
+      <p:grpSpPr>
+        <a:xfrm>
+          <a:off x="0" y="0"/>
+          <a:ext cx="0" cy="0"/>
+          <a:chOff x="0" y="0"/>
+          <a:chExt cx="0" cy="0"/>
+        </a:xfrm>
+      </p:grpSpPr>
+      <p:sp>
+        <p:nvSpPr>
+          <p:cNvPr id="2" name="Titel 1"/>
+          <p:cNvSpPr>
+            <a:spLocks noGrp="1"/>
+          </p:cNvSpPr>
+          <p:nvPr>
+            <p:ph type="title"/>
+          </p:nvPr>
+        </p:nvSpPr>
+        <p:spPr/>
+        <p:txBody>
+          <a:bodyPr/>
+          <a:lstStyle/>
+          <a:p>
+            <a:r>
+              <a:rPr lang="nl-NL" dirty="0"/>
+              <a:t>Floyd-</a:t>
+            </a:r>
+            <a:r>
+              <a:rPr lang="nl-NL" dirty="0" err="1"/>
+              <a:t>Warshall</a:t>
+            </a:r>
+            <a:r>
+              <a:rPr lang="nl-NL" dirty="0"/>
+              <a:t> </a:t>
+            </a:r>
+            <a:r>
+              <a:rPr lang="nl-NL" dirty="0" err="1"/>
+              <a:t>algorithm</a:t>
+            </a:r>
+            <a:endParaRPr lang="nl-NL" dirty="0"/>
+          </a:p>
+        </p:txBody>
+      </p:sp>
+      <p:sp>
+        <p:nvSpPr>
+          <p:cNvPr id="3" name="Tijdelijke aanduiding voor inhoud 2"/>
+          <p:cNvSpPr>
+            <a:spLocks noGrp="1"/>
+          </p:cNvSpPr>
+          <p:nvPr>
+            <p:ph idx="1"/>
+          </p:nvPr>
+        </p:nvSpPr>
+        <p:spPr/>
+        <p:txBody>
+          <a:bodyPr/>
+          <a:lstStyle/>
+          <a:p>
+            <a:r>
+              <a:rPr lang="nl-NL" dirty="0" err="1" smtClean="0"/>
+              <a:t>Example</a:t>
+            </a:r>
+            <a:r>
+              <a:rPr lang="nl-NL" dirty="0" smtClean="0"/>
+              <a:t> </a:t>
+            </a:r>
+            <a:endParaRPr lang="nl-NL" dirty="0"/>
+          </a:p>
+        </p:txBody>
+      </p:sp>
+      <p:sp>
+        <p:nvSpPr>
+          <p:cNvPr id="4" name="Tijdelijke aanduiding voor voettekst 3"/>
+          <p:cNvSpPr>
+            <a:spLocks noGrp="1"/>
+          </p:cNvSpPr>
+          <p:nvPr>
+            <p:ph type="ftr" sz="quarter" idx="11"/>
+          </p:nvPr>
+        </p:nvSpPr>
+        <p:spPr/>
+        <p:txBody>
+          <a:bodyPr/>
+          <a:lstStyle/>
+          <a:p>
+            <a:r>
+              <a:rPr lang="it-IT" smtClean="0"/>
+              <a:t>INFDEV026A - G. Costantini, F. Di Giacomo, G. Maggiore</a:t>
+            </a:r>
+            <a:endParaRPr lang="en-GB"/>
+          </a:p>
+        </p:txBody>
+      </p:sp>
+      <p:pic>
+        <p:nvPicPr>
+          <p:cNvPr id="2050" name="Picture 2" descr="Floyd-Warshall example.svg"/>
+          <p:cNvPicPr>
+            <a:picLocks noChangeAspect="1" noChangeArrowheads="1"/>
+          </p:cNvPicPr>
+          <p:nvPr/>
+        </p:nvPicPr>
+        <p:blipFill rotWithShape="1">
+          <a:blip r:embed="rId3">
+            <a:extLst>
+              <a:ext uri="{28A0092B-C50C-407E-A947-70E740481C1C}">
+                <a14:useLocalDpi xmlns:a14="http://schemas.microsoft.com/office/drawing/2010/main" val="0"/>
+              </a:ext>
+            </a:extLst>
+          </a:blip>
+          <a:srcRect r="32280"/>
+          <a:stretch/>
+        </p:blipFill>
+        <p:spPr bwMode="auto">
+          <a:xfrm>
+            <a:off x="354155" y="2525714"/>
+            <a:ext cx="6503845" cy="3880773"/>
+          </a:xfrm>
+          <a:prstGeom prst="rect">
+            <a:avLst/>
+          </a:prstGeom>
+          <a:noFill/>
+          <a:extLst>
+            <a:ext uri="{909E8E84-426E-40DD-AFC4-6F175D3DCCD1}">
+              <a14:hiddenFill xmlns:a14="http://schemas.microsoft.com/office/drawing/2010/main">
+                <a:solidFill>
+                  <a:srgbClr val="FFFFFF"/>
+                </a:solidFill>
+              </a14:hiddenFill>
+            </a:ext>
+          </a:extLst>
+        </p:spPr>
+      </p:pic>
+      <p:sp>
+        <p:nvSpPr>
+          <p:cNvPr id="6" name="Rechthoek 5"/>
+          <p:cNvSpPr/>
+          <p:nvPr/>
+        </p:nvSpPr>
+        <p:spPr>
+          <a:xfrm>
+            <a:off x="2220686" y="3929743"/>
+            <a:ext cx="1360714" cy="533400"/>
+          </a:xfrm>
+          <a:prstGeom prst="rect">
+            <a:avLst/>
+          </a:prstGeom>
+          <a:ln>
+            <a:solidFill>
+              <a:schemeClr val="bg1"/>
+            </a:solidFill>
+          </a:ln>
+        </p:spPr>
+        <p:style>
+          <a:lnRef idx="2">
+            <a:schemeClr val="accent6"/>
+          </a:lnRef>
+          <a:fillRef idx="1">
+            <a:schemeClr val="lt1"/>
+          </a:fillRef>
+          <a:effectRef idx="0">
+            <a:schemeClr val="accent6"/>
+          </a:effectRef>
+          <a:fontRef idx="minor">
+            <a:schemeClr val="dk1"/>
+          </a:fontRef>
+        </p:style>
+        <p:txBody>
+          <a:bodyPr rtlCol="0" anchor="ctr"/>
+          <a:lstStyle/>
+          <a:p>
+            <a:pPr algn="ctr"/>
+            <a:endParaRPr lang="nl-NL"/>
+          </a:p>
+        </p:txBody>
+      </p:sp>
+    </p:spTree>
+    <p:extLst>
+      <p:ext uri="{BB962C8B-B14F-4D97-AF65-F5344CB8AC3E}">
+        <p14:creationId xmlns:p14="http://schemas.microsoft.com/office/powerpoint/2010/main" val="3512377196"/>
+      </p:ext>
+    </p:extLst>
+  </p:cSld>
+  <p:clrMapOvr>
+    <a:masterClrMapping/>
+  </p:clrMapOvr>
+  <p:timing>
+    <p:tnLst>
+      <p:par>
+        <p:cTn id="1" dur="indefinite" restart="never" nodeType="tmRoot"/>
+      </p:par>
+    </p:tnLst>
+  </p:timing>
+</p:sld>
+</file>
+
 <file path=ppt/slides/slide3.xml><?xml version="1.0" encoding="utf-8"?>
 <p:sld xmlns:a="http://schemas.openxmlformats.org/drawingml/2006/main" xmlns:r="http://schemas.openxmlformats.org/officeDocument/2006/relationships" xmlns:p="http://schemas.openxmlformats.org/presentationml/2006/main">
   <p:cSld>
@@ -8336,15 +16848,7 @@
             </a:r>
             <a:r>
               <a:rPr lang="nl-NL" dirty="0" smtClean="0"/>
-              <a:t> </a:t>
-            </a:r>
-            <a:r>
-              <a:rPr lang="nl-NL" dirty="0" err="1" smtClean="0"/>
-              <a:t>the</a:t>
-            </a:r>
-            <a:r>
-              <a:rPr lang="nl-NL" dirty="0" smtClean="0"/>
-              <a:t> </a:t>
+              <a:t> the </a:t>
             </a:r>
             <a:r>
               <a:rPr lang="nl-NL" dirty="0" err="1" smtClean="0"/>
@@ -8454,6 +16958,440 @@
   <p:clrMapOvr>
     <a:masterClrMapping/>
   </p:clrMapOvr>
+</p:sld>
+</file>
+
+<file path=ppt/slides/slide30.xml><?xml version="1.0" encoding="utf-8"?>
+<p:sld xmlns:a="http://schemas.openxmlformats.org/drawingml/2006/main" xmlns:r="http://schemas.openxmlformats.org/officeDocument/2006/relationships" xmlns:p="http://schemas.openxmlformats.org/presentationml/2006/main">
+  <p:cSld>
+    <p:spTree>
+      <p:nvGrpSpPr>
+        <p:cNvPr id="1" name=""/>
+        <p:cNvGrpSpPr/>
+        <p:nvPr/>
+      </p:nvGrpSpPr>
+      <p:grpSpPr>
+        <a:xfrm>
+          <a:off x="0" y="0"/>
+          <a:ext cx="0" cy="0"/>
+          <a:chOff x="0" y="0"/>
+          <a:chExt cx="0" cy="0"/>
+        </a:xfrm>
+      </p:grpSpPr>
+      <p:sp>
+        <p:nvSpPr>
+          <p:cNvPr id="2" name="Titel 1"/>
+          <p:cNvSpPr>
+            <a:spLocks noGrp="1"/>
+          </p:cNvSpPr>
+          <p:nvPr>
+            <p:ph type="title"/>
+          </p:nvPr>
+        </p:nvSpPr>
+        <p:spPr/>
+        <p:txBody>
+          <a:bodyPr/>
+          <a:lstStyle/>
+          <a:p>
+            <a:r>
+              <a:rPr lang="nl-NL" dirty="0"/>
+              <a:t>Floyd-</a:t>
+            </a:r>
+            <a:r>
+              <a:rPr lang="nl-NL" dirty="0" err="1"/>
+              <a:t>Warshall</a:t>
+            </a:r>
+            <a:r>
+              <a:rPr lang="nl-NL" dirty="0"/>
+              <a:t> </a:t>
+            </a:r>
+            <a:r>
+              <a:rPr lang="nl-NL" dirty="0" err="1"/>
+              <a:t>algorithm</a:t>
+            </a:r>
+            <a:endParaRPr lang="nl-NL" dirty="0"/>
+          </a:p>
+        </p:txBody>
+      </p:sp>
+      <p:sp>
+        <p:nvSpPr>
+          <p:cNvPr id="3" name="Tijdelijke aanduiding voor inhoud 2"/>
+          <p:cNvSpPr>
+            <a:spLocks noGrp="1"/>
+          </p:cNvSpPr>
+          <p:nvPr>
+            <p:ph idx="1"/>
+          </p:nvPr>
+        </p:nvSpPr>
+        <p:spPr/>
+        <p:txBody>
+          <a:bodyPr/>
+          <a:lstStyle/>
+          <a:p>
+            <a:r>
+              <a:rPr lang="nl-NL" dirty="0" err="1" smtClean="0"/>
+              <a:t>Example</a:t>
+            </a:r>
+            <a:r>
+              <a:rPr lang="nl-NL" dirty="0" smtClean="0"/>
+              <a:t> </a:t>
+            </a:r>
+            <a:endParaRPr lang="nl-NL" dirty="0"/>
+          </a:p>
+        </p:txBody>
+      </p:sp>
+      <p:sp>
+        <p:nvSpPr>
+          <p:cNvPr id="4" name="Tijdelijke aanduiding voor voettekst 3"/>
+          <p:cNvSpPr>
+            <a:spLocks noGrp="1"/>
+          </p:cNvSpPr>
+          <p:nvPr>
+            <p:ph type="ftr" sz="quarter" idx="11"/>
+          </p:nvPr>
+        </p:nvSpPr>
+        <p:spPr/>
+        <p:txBody>
+          <a:bodyPr/>
+          <a:lstStyle/>
+          <a:p>
+            <a:r>
+              <a:rPr lang="it-IT" smtClean="0"/>
+              <a:t>INFDEV026A - G. Costantini, F. Di Giacomo, G. Maggiore</a:t>
+            </a:r>
+            <a:endParaRPr lang="en-GB"/>
+          </a:p>
+        </p:txBody>
+      </p:sp>
+      <p:pic>
+        <p:nvPicPr>
+          <p:cNvPr id="2050" name="Picture 2" descr="Floyd-Warshall example.svg"/>
+          <p:cNvPicPr>
+            <a:picLocks noChangeAspect="1" noChangeArrowheads="1"/>
+          </p:cNvPicPr>
+          <p:nvPr/>
+        </p:nvPicPr>
+        <p:blipFill>
+          <a:blip r:embed="rId3">
+            <a:extLst>
+              <a:ext uri="{28A0092B-C50C-407E-A947-70E740481C1C}">
+                <a14:useLocalDpi xmlns:a14="http://schemas.microsoft.com/office/drawing/2010/main" val="0"/>
+              </a:ext>
+            </a:extLst>
+          </a:blip>
+          <a:srcRect/>
+          <a:stretch>
+            <a:fillRect/>
+          </a:stretch>
+        </p:blipFill>
+        <p:spPr bwMode="auto">
+          <a:xfrm>
+            <a:off x="354155" y="2525714"/>
+            <a:ext cx="9604005" cy="3880773"/>
+          </a:xfrm>
+          <a:prstGeom prst="rect">
+            <a:avLst/>
+          </a:prstGeom>
+          <a:noFill/>
+          <a:extLst>
+            <a:ext uri="{909E8E84-426E-40DD-AFC4-6F175D3DCCD1}">
+              <a14:hiddenFill xmlns:a14="http://schemas.microsoft.com/office/drawing/2010/main">
+                <a:solidFill>
+                  <a:srgbClr val="FFFFFF"/>
+                </a:solidFill>
+              </a14:hiddenFill>
+            </a:ext>
+          </a:extLst>
+        </p:spPr>
+      </p:pic>
+      <p:sp>
+        <p:nvSpPr>
+          <p:cNvPr id="6" name="Rechthoek 5"/>
+          <p:cNvSpPr/>
+          <p:nvPr/>
+        </p:nvSpPr>
+        <p:spPr>
+          <a:xfrm>
+            <a:off x="2220686" y="3929743"/>
+            <a:ext cx="1360714" cy="533400"/>
+          </a:xfrm>
+          <a:prstGeom prst="rect">
+            <a:avLst/>
+          </a:prstGeom>
+          <a:ln>
+            <a:solidFill>
+              <a:schemeClr val="bg1"/>
+            </a:solidFill>
+          </a:ln>
+        </p:spPr>
+        <p:style>
+          <a:lnRef idx="2">
+            <a:schemeClr val="accent6"/>
+          </a:lnRef>
+          <a:fillRef idx="1">
+            <a:schemeClr val="lt1"/>
+          </a:fillRef>
+          <a:effectRef idx="0">
+            <a:schemeClr val="accent6"/>
+          </a:effectRef>
+          <a:fontRef idx="minor">
+            <a:schemeClr val="dk1"/>
+          </a:fontRef>
+        </p:style>
+        <p:txBody>
+          <a:bodyPr rtlCol="0" anchor="ctr"/>
+          <a:lstStyle/>
+          <a:p>
+            <a:pPr algn="ctr"/>
+            <a:endParaRPr lang="nl-NL"/>
+          </a:p>
+        </p:txBody>
+      </p:sp>
+    </p:spTree>
+    <p:extLst>
+      <p:ext uri="{BB962C8B-B14F-4D97-AF65-F5344CB8AC3E}">
+        <p14:creationId xmlns:p14="http://schemas.microsoft.com/office/powerpoint/2010/main" val="124051083"/>
+      </p:ext>
+    </p:extLst>
+  </p:cSld>
+  <p:clrMapOvr>
+    <a:masterClrMapping/>
+  </p:clrMapOvr>
+  <p:timing>
+    <p:tnLst>
+      <p:par>
+        <p:cTn id="1" dur="indefinite" restart="never" nodeType="tmRoot"/>
+      </p:par>
+    </p:tnLst>
+  </p:timing>
+</p:sld>
+</file>
+
+<file path=ppt/slides/slide31.xml><?xml version="1.0" encoding="utf-8"?>
+<p:sld xmlns:a="http://schemas.openxmlformats.org/drawingml/2006/main" xmlns:r="http://schemas.openxmlformats.org/officeDocument/2006/relationships" xmlns:p="http://schemas.openxmlformats.org/presentationml/2006/main">
+  <p:cSld>
+    <p:spTree>
+      <p:nvGrpSpPr>
+        <p:cNvPr id="1" name=""/>
+        <p:cNvGrpSpPr/>
+        <p:nvPr/>
+      </p:nvGrpSpPr>
+      <p:grpSpPr>
+        <a:xfrm>
+          <a:off x="0" y="0"/>
+          <a:ext cx="0" cy="0"/>
+          <a:chOff x="0" y="0"/>
+          <a:chExt cx="0" cy="0"/>
+        </a:xfrm>
+      </p:grpSpPr>
+      <p:sp>
+        <p:nvSpPr>
+          <p:cNvPr id="2" name="Titel 1"/>
+          <p:cNvSpPr>
+            <a:spLocks noGrp="1"/>
+          </p:cNvSpPr>
+          <p:nvPr>
+            <p:ph type="title"/>
+          </p:nvPr>
+        </p:nvSpPr>
+        <p:spPr/>
+        <p:txBody>
+          <a:bodyPr/>
+          <a:lstStyle/>
+          <a:p>
+            <a:r>
+              <a:rPr lang="nl-NL" dirty="0" err="1" smtClean="0"/>
+              <a:t>Homework</a:t>
+            </a:r>
+            <a:endParaRPr lang="nl-NL" dirty="0"/>
+          </a:p>
+        </p:txBody>
+      </p:sp>
+      <p:sp>
+        <p:nvSpPr>
+          <p:cNvPr id="3" name="Tijdelijke aanduiding voor inhoud 2"/>
+          <p:cNvSpPr>
+            <a:spLocks noGrp="1"/>
+          </p:cNvSpPr>
+          <p:nvPr>
+            <p:ph idx="1"/>
+          </p:nvPr>
+        </p:nvSpPr>
+        <p:spPr/>
+        <p:txBody>
+          <a:bodyPr/>
+          <a:lstStyle/>
+          <a:p>
+            <a:r>
+              <a:rPr lang="en-GB" b="1" i="1" dirty="0">
+                <a:solidFill>
+                  <a:srgbClr val="FF0000"/>
+                </a:solidFill>
+              </a:rPr>
+              <a:t>GO ON WITH THE ASSIGNMENT!!!</a:t>
+            </a:r>
+          </a:p>
+          <a:p>
+            <a:pPr lvl="1"/>
+            <a:r>
+              <a:rPr lang="en-GB" i="1" dirty="0">
+                <a:solidFill>
+                  <a:schemeClr val="tx1"/>
+                </a:solidFill>
+              </a:rPr>
+              <a:t>Exercise 1 should be </a:t>
+            </a:r>
+            <a:r>
+              <a:rPr lang="en-GB" b="1" i="1" dirty="0">
+                <a:solidFill>
+                  <a:schemeClr val="tx1"/>
+                </a:solidFill>
+              </a:rPr>
+              <a:t>completed</a:t>
+            </a:r>
+          </a:p>
+          <a:p>
+            <a:pPr lvl="1"/>
+            <a:r>
+              <a:rPr lang="en-GB" i="1" dirty="0">
+                <a:solidFill>
+                  <a:schemeClr val="tx1"/>
+                </a:solidFill>
+              </a:rPr>
+              <a:t>Exercise 2 should be </a:t>
+            </a:r>
+            <a:r>
+              <a:rPr lang="en-GB" b="1" i="1" dirty="0" smtClean="0">
+                <a:solidFill>
+                  <a:schemeClr val="tx1"/>
+                </a:solidFill>
+              </a:rPr>
+              <a:t>completed (or at a good point)</a:t>
+            </a:r>
+            <a:endParaRPr lang="en-GB" b="1" i="1" dirty="0">
+              <a:solidFill>
+                <a:schemeClr val="tx1"/>
+              </a:solidFill>
+            </a:endParaRPr>
+          </a:p>
+          <a:p>
+            <a:pPr lvl="1"/>
+            <a:r>
+              <a:rPr lang="en-GB" i="1" dirty="0" smtClean="0">
+                <a:solidFill>
+                  <a:schemeClr val="tx1"/>
+                </a:solidFill>
+              </a:rPr>
+              <a:t>Exercise </a:t>
+            </a:r>
+            <a:r>
+              <a:rPr lang="en-GB" i="1" dirty="0">
+                <a:solidFill>
+                  <a:schemeClr val="tx1"/>
+                </a:solidFill>
+              </a:rPr>
+              <a:t>3 </a:t>
+            </a:r>
+            <a:r>
+              <a:rPr lang="en-GB" i="1" dirty="0" smtClean="0">
+                <a:solidFill>
+                  <a:schemeClr val="tx1"/>
+                </a:solidFill>
+              </a:rPr>
+              <a:t>can be </a:t>
+            </a:r>
+            <a:r>
+              <a:rPr lang="en-GB" b="1" i="1" dirty="0" smtClean="0">
+                <a:solidFill>
+                  <a:schemeClr val="tx1"/>
+                </a:solidFill>
+              </a:rPr>
+              <a:t>started</a:t>
+            </a:r>
+          </a:p>
+          <a:p>
+            <a:pPr lvl="1"/>
+            <a:endParaRPr lang="en-GB" b="1" i="1" dirty="0">
+              <a:solidFill>
+                <a:schemeClr val="tx1"/>
+              </a:solidFill>
+            </a:endParaRPr>
+          </a:p>
+          <a:p>
+            <a:r>
+              <a:rPr lang="en-GB" b="1" i="1" dirty="0" smtClean="0">
+                <a:solidFill>
+                  <a:srgbClr val="FF0000"/>
+                </a:solidFill>
+              </a:rPr>
+              <a:t>DO THE PROEFTENTAMEN!!!</a:t>
+            </a:r>
+          </a:p>
+          <a:p>
+            <a:pPr lvl="1"/>
+            <a:r>
+              <a:rPr lang="en-GB" i="1" dirty="0" smtClean="0">
+                <a:solidFill>
+                  <a:schemeClr val="tx1"/>
+                </a:solidFill>
+              </a:rPr>
+              <a:t>Can be found on N@tschool</a:t>
+            </a:r>
+          </a:p>
+          <a:p>
+            <a:pPr lvl="1"/>
+            <a:r>
+              <a:rPr lang="en-GB" i="1" dirty="0" smtClean="0">
+                <a:solidFill>
+                  <a:schemeClr val="tx1"/>
+                </a:solidFill>
+              </a:rPr>
+              <a:t>Next week we discuss together your solutions </a:t>
+            </a:r>
+            <a:endParaRPr lang="nl-NL" dirty="0"/>
+          </a:p>
+        </p:txBody>
+      </p:sp>
+      <p:sp>
+        <p:nvSpPr>
+          <p:cNvPr id="4" name="Tijdelijke aanduiding voor voettekst 3"/>
+          <p:cNvSpPr>
+            <a:spLocks noGrp="1"/>
+          </p:cNvSpPr>
+          <p:nvPr>
+            <p:ph type="ftr" sz="quarter" idx="11"/>
+          </p:nvPr>
+        </p:nvSpPr>
+        <p:spPr/>
+        <p:txBody>
+          <a:bodyPr/>
+          <a:lstStyle/>
+          <a:p>
+            <a:r>
+              <a:rPr lang="it-IT" smtClean="0"/>
+              <a:t>INFDEV026A - G. Costantini, F. Di Giacomo, G. Maggiore</a:t>
+            </a:r>
+            <a:endParaRPr lang="en-GB"/>
+          </a:p>
+        </p:txBody>
+      </p:sp>
+    </p:spTree>
+    <p:extLst>
+      <p:ext uri="{BB962C8B-B14F-4D97-AF65-F5344CB8AC3E}">
+        <p14:creationId xmlns:p14="http://schemas.microsoft.com/office/powerpoint/2010/main" val="156843609"/>
+      </p:ext>
+    </p:extLst>
+  </p:cSld>
+  <p:clrMapOvr>
+    <a:masterClrMapping/>
+  </p:clrMapOvr>
+  <p:timing>
+    <p:tnLst>
+      <p:par>
+        <p:cTn id="1" dur="indefinite" restart="never" nodeType="tmRoot"/>
+      </p:par>
+    </p:tnLst>
+  </p:timing>
 </p:sld>
 </file>
 
@@ -8594,8 +17532,8 @@
           </a:p>
         </p:txBody>
       </p:sp>
-      <mc:AlternateContent xmlns:mc="http://schemas.openxmlformats.org/markup-compatibility/2006">
-        <mc:Choice xmlns:a14="http://schemas.microsoft.com/office/drawing/2010/main" Requires="a14">
+      <mc:AlternateContent xmlns:mc="http://schemas.openxmlformats.org/markup-compatibility/2006" xmlns:a14="http://schemas.microsoft.com/office/drawing/2010/main">
+        <mc:Choice Requires="a14">
           <p:sp>
             <p:nvSpPr>
               <p:cNvPr id="3" name="Content Placeholder 2"/>
@@ -8615,54 +17553,27 @@
               <a:p>
                 <a:r>
                   <a:rPr lang="en-US" dirty="0" smtClean="0"/>
-                  <a:t>Sequence of integer numbers, built according </a:t>
-                </a:r>
-                <a:r>
-                  <a:rPr lang="en-US" dirty="0" smtClean="0"/>
-                  <a:t>to the following </a:t>
-                </a:r>
-                <a:r>
-                  <a:rPr lang="en-US" dirty="0" smtClean="0"/>
-                  <a:t>rules</a:t>
-                </a:r>
-                <a:endParaRPr lang="en-US" dirty="0" smtClean="0"/>
+                  <a:t>Sequence of integer numbers, built according to the following rules</a:t>
+                </a:r>
               </a:p>
               <a:p>
                 <a:pPr lvl="1"/>
                 <a:r>
                   <a:rPr lang="en-US" dirty="0" smtClean="0"/>
-                  <a:t>Elements </a:t>
-                </a:r>
-                <a:r>
-                  <a:rPr lang="en-US" dirty="0" smtClean="0"/>
-                  <a:t>0 and 1 are </a:t>
-                </a:r>
-                <a:r>
-                  <a:rPr lang="en-US" dirty="0" smtClean="0"/>
-                  <a:t>1</a:t>
-                </a:r>
-                <a:endParaRPr lang="en-US" dirty="0" smtClean="0"/>
+                  <a:t>Elements 0 and 1 are 1</a:t>
+                </a:r>
               </a:p>
               <a:p>
                 <a:pPr lvl="1"/>
                 <a:r>
                   <a:rPr lang="en-US" dirty="0" smtClean="0"/>
-                  <a:t>Any other element is the result of the sum of the two preceding elements in the </a:t>
-                </a:r>
-                <a:r>
-                  <a:rPr lang="en-US" dirty="0" smtClean="0"/>
-                  <a:t>sequence</a:t>
-                </a:r>
-                <a:endParaRPr lang="en-US" dirty="0" smtClean="0"/>
+                  <a:t>Any other element is the result of the sum of the two preceding elements in the sequence</a:t>
+                </a:r>
               </a:p>
               <a:p>
                 <a:r>
                   <a:rPr lang="en-US" dirty="0" smtClean="0"/>
-                  <a:t>Recursive </a:t>
-                </a:r>
-                <a:r>
-                  <a:rPr lang="en-US" dirty="0" smtClean="0"/>
-                  <a:t>formulation</a:t>
+                  <a:t>Recursive formulation</a:t>
                 </a:r>
               </a:p>
               <a:p>
@@ -8873,7 +17784,7 @@
             </p:txBody>
           </p:sp>
         </mc:Choice>
-        <mc:Fallback>
+        <mc:Fallback xmlns="">
           <p:sp>
             <p:nvSpPr>
               <p:cNvPr id="3" name="Content Placeholder 2"/>
@@ -9135,14 +18046,14 @@
                 <a:gridCol w="1211858">
                   <a:extLst>
                     <a:ext uri="{9D8B030D-6E8A-4147-A177-3AD203B41FA5}">
-                      <a16:colId xmlns:a16="http://schemas.microsoft.com/office/drawing/2014/main" xmlns="" val="3737604255"/>
+                      <a16:colId xmlns="" xmlns:a16="http://schemas.microsoft.com/office/drawing/2014/main" val="3737604255"/>
                     </a:ext>
                   </a:extLst>
                 </a:gridCol>
                 <a:gridCol w="2040674">
                   <a:extLst>
                     <a:ext uri="{9D8B030D-6E8A-4147-A177-3AD203B41FA5}">
-                      <a16:colId xmlns:a16="http://schemas.microsoft.com/office/drawing/2014/main" xmlns="" val="389226352"/>
+                      <a16:colId xmlns="" xmlns:a16="http://schemas.microsoft.com/office/drawing/2014/main" val="389226352"/>
                     </a:ext>
                   </a:extLst>
                 </a:gridCol>
@@ -9212,7 +18123,7 @@
                 </a:tc>
                 <a:extLst>
                   <a:ext uri="{0D108BD9-81ED-4DB2-BD59-A6C34878D82A}">
-                    <a16:rowId xmlns:a16="http://schemas.microsoft.com/office/drawing/2014/main" xmlns="" val="3883935320"/>
+                    <a16:rowId xmlns="" xmlns:a16="http://schemas.microsoft.com/office/drawing/2014/main" val="3883935320"/>
                   </a:ext>
                 </a:extLst>
               </a:tr>
@@ -9265,7 +18176,7 @@
                 </a:tc>
                 <a:extLst>
                   <a:ext uri="{0D108BD9-81ED-4DB2-BD59-A6C34878D82A}">
-                    <a16:rowId xmlns:a16="http://schemas.microsoft.com/office/drawing/2014/main" xmlns="" val="785959856"/>
+                    <a16:rowId xmlns="" xmlns:a16="http://schemas.microsoft.com/office/drawing/2014/main" val="785959856"/>
                   </a:ext>
                 </a:extLst>
               </a:tr>
@@ -9318,7 +18229,7 @@
                 </a:tc>
                 <a:extLst>
                   <a:ext uri="{0D108BD9-81ED-4DB2-BD59-A6C34878D82A}">
-                    <a16:rowId xmlns:a16="http://schemas.microsoft.com/office/drawing/2014/main" xmlns="" val="60468838"/>
+                    <a16:rowId xmlns="" xmlns:a16="http://schemas.microsoft.com/office/drawing/2014/main" val="60468838"/>
                   </a:ext>
                 </a:extLst>
               </a:tr>
@@ -9371,7 +18282,7 @@
                 </a:tc>
                 <a:extLst>
                   <a:ext uri="{0D108BD9-81ED-4DB2-BD59-A6C34878D82A}">
-                    <a16:rowId xmlns:a16="http://schemas.microsoft.com/office/drawing/2014/main" xmlns="" val="124635373"/>
+                    <a16:rowId xmlns="" xmlns:a16="http://schemas.microsoft.com/office/drawing/2014/main" val="124635373"/>
                   </a:ext>
                 </a:extLst>
               </a:tr>
@@ -9424,7 +18335,7 @@
                 </a:tc>
                 <a:extLst>
                   <a:ext uri="{0D108BD9-81ED-4DB2-BD59-A6C34878D82A}">
-                    <a16:rowId xmlns:a16="http://schemas.microsoft.com/office/drawing/2014/main" xmlns="" val="1501560492"/>
+                    <a16:rowId xmlns="" xmlns:a16="http://schemas.microsoft.com/office/drawing/2014/main" val="1501560492"/>
                   </a:ext>
                 </a:extLst>
               </a:tr>
@@ -9477,7 +18388,7 @@
                 </a:tc>
                 <a:extLst>
                   <a:ext uri="{0D108BD9-81ED-4DB2-BD59-A6C34878D82A}">
-                    <a16:rowId xmlns:a16="http://schemas.microsoft.com/office/drawing/2014/main" xmlns="" val="3751559142"/>
+                    <a16:rowId xmlns="" xmlns:a16="http://schemas.microsoft.com/office/drawing/2014/main" val="3751559142"/>
                   </a:ext>
                 </a:extLst>
               </a:tr>
@@ -11229,45 +20140,15 @@
           <a:p>
             <a:r>
               <a:rPr lang="en-US" dirty="0" smtClean="0"/>
-              <a:t>We are doing the same thing over and over </a:t>
-            </a:r>
+              <a:t>We are doing the same thing over and over again</a:t>
+            </a:r>
+          </a:p>
+          <a:p>
+            <a:pPr lvl="1"/>
             <a:r>
               <a:rPr lang="en-US" dirty="0" smtClean="0"/>
-              <a:t>again</a:t>
-            </a:r>
-            <a:endParaRPr lang="en-US" dirty="0" smtClean="0"/>
-          </a:p>
-          <a:p>
-            <a:pPr lvl="1"/>
-            <a:r>
-              <a:rPr lang="en-US" dirty="0" smtClean="0"/>
-              <a:t>F(3</a:t>
-            </a:r>
-            <a:r>
-              <a:rPr lang="en-US" dirty="0" smtClean="0"/>
-              <a:t>) </a:t>
-            </a:r>
-            <a:r>
-              <a:rPr lang="en-US" dirty="0" smtClean="0"/>
-              <a:t>computed twice</a:t>
-            </a:r>
-            <a:r>
-              <a:rPr lang="en-US" dirty="0" smtClean="0"/>
-              <a:t>, </a:t>
-            </a:r>
-            <a:r>
-              <a:rPr lang="en-US" dirty="0" smtClean="0"/>
-              <a:t>F(2</a:t>
-            </a:r>
-            <a:r>
-              <a:rPr lang="en-US" dirty="0" smtClean="0"/>
-              <a:t>) </a:t>
-            </a:r>
-            <a:r>
-              <a:rPr lang="en-US" dirty="0" smtClean="0"/>
-              <a:t>computed three times...</a:t>
-            </a:r>
-            <a:endParaRPr lang="en-US" dirty="0" smtClean="0"/>
+              <a:t>F(3) computed twice, F(2) computed three times...</a:t>
+            </a:r>
           </a:p>
           <a:p>
             <a:r>
@@ -11393,11 +20274,7 @@
           <a:p>
             <a:r>
               <a:rPr lang="en-US" dirty="0" smtClean="0"/>
-              <a:t>Save the result of sub-problems into a data </a:t>
-            </a:r>
-            <a:r>
-              <a:rPr lang="en-US" dirty="0" smtClean="0"/>
-              <a:t>structure (</a:t>
+              <a:t>Save the result of sub-problems into a data structure (</a:t>
             </a:r>
             <a:r>
               <a:rPr lang="en-US" dirty="0" smtClean="0">
@@ -11413,33 +20290,15 @@
               <a:rPr lang="en-US" dirty="0" smtClean="0"/>
               <a:t>)</a:t>
             </a:r>
+          </a:p>
+          <a:p>
             <a:endParaRPr lang="en-US" dirty="0" smtClean="0"/>
           </a:p>
           <a:p>
-            <a:endParaRPr lang="en-US" dirty="0" smtClean="0"/>
-          </a:p>
-          <a:p>
             <a:r>
               <a:rPr lang="en-US" dirty="0" smtClean="0"/>
-              <a:t>Before making </a:t>
-            </a:r>
-            <a:r>
-              <a:rPr lang="en-US" dirty="0" smtClean="0"/>
-              <a:t>a recursive </a:t>
-            </a:r>
-            <a:r>
-              <a:rPr lang="en-US" dirty="0" smtClean="0"/>
-              <a:t>call, we check </a:t>
-            </a:r>
-            <a:r>
-              <a:rPr lang="en-US" dirty="0" smtClean="0"/>
-              <a:t>the lookup </a:t>
-            </a:r>
-            <a:r>
-              <a:rPr lang="en-US" dirty="0" smtClean="0"/>
-              <a:t>table…</a:t>
-            </a:r>
-            <a:endParaRPr lang="en-US" dirty="0" smtClean="0"/>
+              <a:t>Before making a recursive call, we check the lookup table…</a:t>
+            </a:r>
           </a:p>
           <a:p>
             <a:pPr lvl="1"/>
@@ -11455,17 +20314,8 @@
             </a:r>
             <a:r>
               <a:rPr lang="en-US" dirty="0" smtClean="0"/>
-              <a:t>Make </a:t>
-            </a:r>
-            <a:r>
-              <a:rPr lang="en-US" dirty="0" smtClean="0"/>
-              <a:t>the recursive </a:t>
-            </a:r>
-            <a:r>
-              <a:rPr lang="en-US" dirty="0" smtClean="0"/>
-              <a:t>call</a:t>
-            </a:r>
-            <a:endParaRPr lang="en-US" dirty="0" smtClean="0"/>
+              <a:t>Make the recursive call</a:t>
+            </a:r>
           </a:p>
           <a:p>
             <a:pPr lvl="1"/>
@@ -11481,36 +20331,14 @@
             </a:r>
             <a:r>
               <a:rPr lang="en-US" dirty="0" smtClean="0"/>
-              <a:t>Read </a:t>
-            </a:r>
+              <a:t>Read the result stored in the table</a:t>
+            </a:r>
+          </a:p>
+          <a:p>
             <a:r>
               <a:rPr lang="en-US" dirty="0" smtClean="0"/>
-              <a:t>the result </a:t>
-            </a:r>
-            <a:r>
-              <a:rPr lang="en-US" dirty="0" smtClean="0"/>
-              <a:t>stored in the table</a:t>
-            </a:r>
-            <a:endParaRPr lang="en-US" dirty="0" smtClean="0"/>
-          </a:p>
-          <a:p>
-            <a:r>
-              <a:rPr lang="en-US" dirty="0" smtClean="0"/>
-              <a:t>Add the result of the current </a:t>
-            </a:r>
-            <a:r>
-              <a:rPr lang="en-US" dirty="0" smtClean="0"/>
-              <a:t>recursive call to </a:t>
-            </a:r>
-            <a:r>
-              <a:rPr lang="en-US" dirty="0" smtClean="0"/>
-              <a:t>the lookup </a:t>
-            </a:r>
-            <a:r>
-              <a:rPr lang="en-US" dirty="0" smtClean="0"/>
-              <a:t>table</a:t>
-            </a:r>
-            <a:endParaRPr lang="en-US" dirty="0" smtClean="0"/>
+              <a:t>Add the result of the current recursive call to the lookup table</a:t>
+            </a:r>
           </a:p>
           <a:p>
             <a:endParaRPr lang="en-US" dirty="0" smtClean="0"/>

--- a/Slides/Week 6 - Dynamic Programming, Floyd Warshall.pptx
+++ b/Slides/Week 6 - Dynamic Programming, Floyd Warshall.pptx
@@ -5,7 +5,7 @@
     <p:sldMasterId id="2147483729" r:id="rId1"/>
   </p:sldMasterIdLst>
   <p:notesMasterIdLst>
-    <p:notesMasterId r:id="rId33"/>
+    <p:notesMasterId r:id="rId35"/>
   </p:notesMasterIdLst>
   <p:sldIdLst>
     <p:sldId id="256" r:id="rId2"/>
@@ -29,16 +29,18 @@
     <p:sldId id="284" r:id="rId20"/>
     <p:sldId id="280" r:id="rId21"/>
     <p:sldId id="285" r:id="rId22"/>
-    <p:sldId id="279" r:id="rId23"/>
-    <p:sldId id="286" r:id="rId24"/>
-    <p:sldId id="287" r:id="rId25"/>
-    <p:sldId id="288" r:id="rId26"/>
-    <p:sldId id="289" r:id="rId27"/>
-    <p:sldId id="292" r:id="rId28"/>
-    <p:sldId id="291" r:id="rId29"/>
-    <p:sldId id="290" r:id="rId30"/>
-    <p:sldId id="294" r:id="rId31"/>
-    <p:sldId id="293" r:id="rId32"/>
+    <p:sldId id="295" r:id="rId23"/>
+    <p:sldId id="296" r:id="rId24"/>
+    <p:sldId id="279" r:id="rId25"/>
+    <p:sldId id="286" r:id="rId26"/>
+    <p:sldId id="287" r:id="rId27"/>
+    <p:sldId id="288" r:id="rId28"/>
+    <p:sldId id="289" r:id="rId29"/>
+    <p:sldId id="292" r:id="rId30"/>
+    <p:sldId id="291" r:id="rId31"/>
+    <p:sldId id="290" r:id="rId32"/>
+    <p:sldId id="294" r:id="rId33"/>
+    <p:sldId id="293" r:id="rId34"/>
   </p:sldIdLst>
   <p:sldSz cx="12192000" cy="6858000"/>
   <p:notesSz cx="6858000" cy="9144000"/>
@@ -239,7 +241,7 @@
           <a:p>
             <a:fld id="{F314420D-16BA-4EDC-9A71-800590EAD5A3}" type="datetimeFigureOut">
               <a:rPr lang="en-GB" smtClean="0"/>
-              <a:t>11/12/2015</a:t>
+              <a:t>04/01/2016</a:t>
             </a:fld>
             <a:endParaRPr lang="en-GB"/>
           </a:p>
@@ -398,7 +400,7 @@
           <a:p>
             <a:fld id="{29573B9A-66FB-4A63-BCD5-E140B9429FD2}" type="slidenum">
               <a:rPr lang="en-GB" smtClean="0"/>
-              <a:t>‹nr.›</a:t>
+              <a:t>‹#›</a:t>
             </a:fld>
             <a:endParaRPr lang="en-GB"/>
           </a:p>
@@ -802,7 +804,7 @@
           <a:p>
             <a:fld id="{29573B9A-66FB-4A63-BCD5-E140B9429FD2}" type="slidenum">
               <a:rPr lang="en-GB" smtClean="0"/>
-              <a:t>24</a:t>
+              <a:t>26</a:t>
             </a:fld>
             <a:endParaRPr lang="en-GB"/>
           </a:p>
@@ -922,7 +924,7 @@
           <a:p>
             <a:fld id="{29573B9A-66FB-4A63-BCD5-E140B9429FD2}" type="slidenum">
               <a:rPr lang="en-GB" smtClean="0"/>
-              <a:t>26</a:t>
+              <a:t>28</a:t>
             </a:fld>
             <a:endParaRPr lang="en-GB"/>
           </a:p>
@@ -1042,7 +1044,7 @@
           <a:p>
             <a:fld id="{29573B9A-66FB-4A63-BCD5-E140B9429FD2}" type="slidenum">
               <a:rPr lang="en-GB" smtClean="0"/>
-              <a:t>27</a:t>
+              <a:t>29</a:t>
             </a:fld>
             <a:endParaRPr lang="en-GB"/>
           </a:p>
@@ -1162,7 +1164,7 @@
           <a:p>
             <a:fld id="{29573B9A-66FB-4A63-BCD5-E140B9429FD2}" type="slidenum">
               <a:rPr lang="en-GB" smtClean="0"/>
-              <a:t>28</a:t>
+              <a:t>30</a:t>
             </a:fld>
             <a:endParaRPr lang="en-GB"/>
           </a:p>
@@ -1282,7 +1284,7 @@
           <a:p>
             <a:fld id="{29573B9A-66FB-4A63-BCD5-E140B9429FD2}" type="slidenum">
               <a:rPr lang="en-GB" smtClean="0"/>
-              <a:t>29</a:t>
+              <a:t>31</a:t>
             </a:fld>
             <a:endParaRPr lang="en-GB"/>
           </a:p>
@@ -1402,7 +1404,7 @@
           <a:p>
             <a:fld id="{29573B9A-66FB-4A63-BCD5-E140B9429FD2}" type="slidenum">
               <a:rPr lang="en-GB" smtClean="0"/>
-              <a:t>30</a:t>
+              <a:t>32</a:t>
             </a:fld>
             <a:endParaRPr lang="en-GB"/>
           </a:p>
@@ -2147,7 +2149,7 @@
           <a:p>
             <a:fld id="{EBA5BF6C-AF16-4C58-8955-5157BF3CF460}" type="datetime1">
               <a:rPr lang="en-GB" smtClean="0"/>
-              <a:t>11/12/2015</a:t>
+              <a:t>04/01/2016</a:t>
             </a:fld>
             <a:endParaRPr lang="en-GB"/>
           </a:p>
@@ -2193,7 +2195,7 @@
           <a:p>
             <a:fld id="{A3AAA307-BC5C-435E-9F75-3D6007B651A5}" type="slidenum">
               <a:rPr lang="en-GB" smtClean="0"/>
-              <a:t>‹nr.›</a:t>
+              <a:t>‹#›</a:t>
             </a:fld>
             <a:endParaRPr lang="en-GB"/>
           </a:p>
@@ -2402,7 +2404,7 @@
           <a:p>
             <a:fld id="{28754959-7583-41D4-A531-84ECF582A02F}" type="datetime1">
               <a:rPr lang="en-GB" smtClean="0"/>
-              <a:t>11/12/2015</a:t>
+              <a:t>04/01/2016</a:t>
             </a:fld>
             <a:endParaRPr lang="en-GB"/>
           </a:p>
@@ -2448,7 +2450,7 @@
           <a:p>
             <a:fld id="{A3AAA307-BC5C-435E-9F75-3D6007B651A5}" type="slidenum">
               <a:rPr lang="en-GB" smtClean="0"/>
-              <a:t>‹nr.›</a:t>
+              <a:t>‹#›</a:t>
             </a:fld>
             <a:endParaRPr lang="en-GB"/>
           </a:p>
@@ -2720,7 +2722,7 @@
           <a:p>
             <a:fld id="{2579CF84-8647-4BB0-98CB-E39DBFD9DC8C}" type="datetime1">
               <a:rPr lang="en-GB" smtClean="0"/>
-              <a:t>11/12/2015</a:t>
+              <a:t>04/01/2016</a:t>
             </a:fld>
             <a:endParaRPr lang="en-GB"/>
           </a:p>
@@ -2766,7 +2768,7 @@
           <a:p>
             <a:fld id="{A3AAA307-BC5C-435E-9F75-3D6007B651A5}" type="slidenum">
               <a:rPr lang="en-GB" smtClean="0"/>
-              <a:t>‹nr.›</a:t>
+              <a:t>‹#›</a:t>
             </a:fld>
             <a:endParaRPr lang="en-GB"/>
           </a:p>
@@ -3051,7 +3053,7 @@
           <a:p>
             <a:fld id="{6A61B992-C398-42F8-8105-DFF46194B470}" type="datetime1">
               <a:rPr lang="en-GB" smtClean="0"/>
-              <a:t>11/12/2015</a:t>
+              <a:t>04/01/2016</a:t>
             </a:fld>
             <a:endParaRPr lang="en-GB"/>
           </a:p>
@@ -3097,7 +3099,7 @@
           <a:p>
             <a:fld id="{A3AAA307-BC5C-435E-9F75-3D6007B651A5}" type="slidenum">
               <a:rPr lang="en-GB" smtClean="0"/>
-              <a:t>‹nr.›</a:t>
+              <a:t>‹#›</a:t>
             </a:fld>
             <a:endParaRPr lang="en-GB"/>
           </a:p>
@@ -3369,7 +3371,7 @@
           <a:p>
             <a:fld id="{735F25EF-2C32-49FF-A05C-AACCD6DB6B6B}" type="datetime1">
               <a:rPr lang="en-GB" smtClean="0"/>
-              <a:t>11/12/2015</a:t>
+              <a:t>04/01/2016</a:t>
             </a:fld>
             <a:endParaRPr lang="en-GB"/>
           </a:p>
@@ -3415,7 +3417,7 @@
           <a:p>
             <a:fld id="{A3AAA307-BC5C-435E-9F75-3D6007B651A5}" type="slidenum">
               <a:rPr lang="en-GB" smtClean="0"/>
-              <a:t>‹nr.›</a:t>
+              <a:t>‹#›</a:t>
             </a:fld>
             <a:endParaRPr lang="en-GB"/>
           </a:p>
@@ -3760,7 +3762,7 @@
           <a:p>
             <a:fld id="{29E0FEDD-8B46-4AB8-8509-00A28AB84484}" type="datetime1">
               <a:rPr lang="en-GB" smtClean="0"/>
-              <a:t>11/12/2015</a:t>
+              <a:t>04/01/2016</a:t>
             </a:fld>
             <a:endParaRPr lang="en-GB"/>
           </a:p>
@@ -3806,7 +3808,7 @@
           <a:p>
             <a:fld id="{A3AAA307-BC5C-435E-9F75-3D6007B651A5}" type="slidenum">
               <a:rPr lang="en-GB" smtClean="0"/>
-              <a:t>‹nr.›</a:t>
+              <a:t>‹#›</a:t>
             </a:fld>
             <a:endParaRPr lang="en-GB"/>
           </a:p>
@@ -3934,7 +3936,7 @@
           <a:p>
             <a:fld id="{DBEF859E-FC17-4049-B5D8-0DB1DB648A1C}" type="datetime1">
               <a:rPr lang="en-GB" smtClean="0"/>
-              <a:t>11/12/2015</a:t>
+              <a:t>04/01/2016</a:t>
             </a:fld>
             <a:endParaRPr lang="en-GB"/>
           </a:p>
@@ -3980,7 +3982,7 @@
           <a:p>
             <a:fld id="{A3AAA307-BC5C-435E-9F75-3D6007B651A5}" type="slidenum">
               <a:rPr lang="en-GB" smtClean="0"/>
-              <a:t>‹nr.›</a:t>
+              <a:t>‹#›</a:t>
             </a:fld>
             <a:endParaRPr lang="en-GB"/>
           </a:p>
@@ -4118,7 +4120,7 @@
           <a:p>
             <a:fld id="{31601F83-63BF-475D-9B29-D444390134B0}" type="datetime1">
               <a:rPr lang="en-GB" smtClean="0"/>
-              <a:t>11/12/2015</a:t>
+              <a:t>04/01/2016</a:t>
             </a:fld>
             <a:endParaRPr lang="en-GB"/>
           </a:p>
@@ -4164,7 +4166,7 @@
           <a:p>
             <a:fld id="{A3AAA307-BC5C-435E-9F75-3D6007B651A5}" type="slidenum">
               <a:rPr lang="en-GB" smtClean="0"/>
-              <a:t>‹nr.›</a:t>
+              <a:t>‹#›</a:t>
             </a:fld>
             <a:endParaRPr lang="en-GB"/>
           </a:p>
@@ -4292,7 +4294,7 @@
           <a:p>
             <a:fld id="{0C3CD51F-4875-411B-AE14-AC6BE17149BE}" type="datetime1">
               <a:rPr lang="en-GB" smtClean="0"/>
-              <a:t>11/12/2015</a:t>
+              <a:t>04/01/2016</a:t>
             </a:fld>
             <a:endParaRPr lang="en-GB"/>
           </a:p>
@@ -4338,7 +4340,7 @@
           <a:p>
             <a:fld id="{A3AAA307-BC5C-435E-9F75-3D6007B651A5}" type="slidenum">
               <a:rPr lang="en-GB" smtClean="0"/>
-              <a:t>‹nr.›</a:t>
+              <a:t>‹#›</a:t>
             </a:fld>
             <a:endParaRPr lang="en-GB"/>
           </a:p>
@@ -4543,7 +4545,7 @@
           <a:p>
             <a:fld id="{D7A13E29-F9DA-4235-B179-6801D5C335E0}" type="datetime1">
               <a:rPr lang="en-GB" smtClean="0"/>
-              <a:t>11/12/2015</a:t>
+              <a:t>04/01/2016</a:t>
             </a:fld>
             <a:endParaRPr lang="en-GB"/>
           </a:p>
@@ -4589,7 +4591,7 @@
           <a:p>
             <a:fld id="{A3AAA307-BC5C-435E-9F75-3D6007B651A5}" type="slidenum">
               <a:rPr lang="en-GB" smtClean="0"/>
-              <a:t>‹nr.›</a:t>
+              <a:t>‹#›</a:t>
             </a:fld>
             <a:endParaRPr lang="en-GB"/>
           </a:p>
@@ -4779,7 +4781,7 @@
           <a:p>
             <a:fld id="{17E7B115-DA76-4A15-B0DB-1E0942A758E6}" type="datetime1">
               <a:rPr lang="en-GB" smtClean="0"/>
-              <a:t>11/12/2015</a:t>
+              <a:t>04/01/2016</a:t>
             </a:fld>
             <a:endParaRPr lang="en-GB"/>
           </a:p>
@@ -4825,7 +4827,7 @@
           <a:p>
             <a:fld id="{A3AAA307-BC5C-435E-9F75-3D6007B651A5}" type="slidenum">
               <a:rPr lang="en-GB" smtClean="0"/>
-              <a:t>‹nr.›</a:t>
+              <a:t>‹#›</a:t>
             </a:fld>
             <a:endParaRPr lang="en-GB"/>
           </a:p>
@@ -5157,7 +5159,7 @@
           <a:p>
             <a:fld id="{E9C155A6-10E7-4AE0-A978-61287BEECA4C}" type="datetime1">
               <a:rPr lang="en-GB" smtClean="0"/>
-              <a:t>11/12/2015</a:t>
+              <a:t>04/01/2016</a:t>
             </a:fld>
             <a:endParaRPr lang="en-GB"/>
           </a:p>
@@ -5203,7 +5205,7 @@
           <a:p>
             <a:fld id="{A3AAA307-BC5C-435E-9F75-3D6007B651A5}" type="slidenum">
               <a:rPr lang="en-GB" smtClean="0"/>
-              <a:t>‹nr.›</a:t>
+              <a:t>‹#›</a:t>
             </a:fld>
             <a:endParaRPr lang="en-GB"/>
           </a:p>
@@ -5284,7 +5286,7 @@
           <a:p>
             <a:fld id="{73961DA1-B789-43DA-B41F-367E45E14A87}" type="datetime1">
               <a:rPr lang="en-GB" smtClean="0"/>
-              <a:t>11/12/2015</a:t>
+              <a:t>04/01/2016</a:t>
             </a:fld>
             <a:endParaRPr lang="en-GB"/>
           </a:p>
@@ -5330,7 +5332,7 @@
           <a:p>
             <a:fld id="{A3AAA307-BC5C-435E-9F75-3D6007B651A5}" type="slidenum">
               <a:rPr lang="en-GB" smtClean="0"/>
-              <a:t>‹nr.›</a:t>
+              <a:t>‹#›</a:t>
             </a:fld>
             <a:endParaRPr lang="en-GB"/>
           </a:p>
@@ -5383,7 +5385,7 @@
           <a:p>
             <a:fld id="{DA1BD0E5-CF08-4746-888E-2D733D556074}" type="datetime1">
               <a:rPr lang="en-GB" smtClean="0"/>
-              <a:t>11/12/2015</a:t>
+              <a:t>04/01/2016</a:t>
             </a:fld>
             <a:endParaRPr lang="en-GB"/>
           </a:p>
@@ -5429,7 +5431,7 @@
           <a:p>
             <a:fld id="{A3AAA307-BC5C-435E-9F75-3D6007B651A5}" type="slidenum">
               <a:rPr lang="en-GB" smtClean="0"/>
-              <a:t>‹nr.›</a:t>
+              <a:t>‹#›</a:t>
             </a:fld>
             <a:endParaRPr lang="en-GB"/>
           </a:p>
@@ -5642,7 +5644,7 @@
           <a:p>
             <a:fld id="{91A550A3-096A-496C-87AD-3A39D20C628E}" type="datetime1">
               <a:rPr lang="en-GB" smtClean="0"/>
-              <a:t>11/12/2015</a:t>
+              <a:t>04/01/2016</a:t>
             </a:fld>
             <a:endParaRPr lang="en-GB"/>
           </a:p>
@@ -5688,7 +5690,7 @@
           <a:p>
             <a:fld id="{A3AAA307-BC5C-435E-9F75-3D6007B651A5}" type="slidenum">
               <a:rPr lang="en-GB" smtClean="0"/>
-              <a:t>‹nr.›</a:t>
+              <a:t>‹#›</a:t>
             </a:fld>
             <a:endParaRPr lang="en-GB"/>
           </a:p>
@@ -5909,7 +5911,7 @@
           <a:p>
             <a:fld id="{9A7CFD0D-77B1-493B-A7CA-4E8359C26366}" type="datetime1">
               <a:rPr lang="en-GB" smtClean="0"/>
-              <a:t>11/12/2015</a:t>
+              <a:t>04/01/2016</a:t>
             </a:fld>
             <a:endParaRPr lang="en-GB"/>
           </a:p>
@@ -5955,7 +5957,7 @@
           <a:p>
             <a:fld id="{A3AAA307-BC5C-435E-9F75-3D6007B651A5}" type="slidenum">
               <a:rPr lang="en-GB" smtClean="0"/>
-              <a:t>‹nr.›</a:t>
+              <a:t>‹#›</a:t>
             </a:fld>
             <a:endParaRPr lang="en-GB"/>
           </a:p>
@@ -6658,7 +6660,7 @@
           <a:p>
             <a:fld id="{EF7A9A45-2E76-4088-871F-04CACEBEB6E2}" type="datetime1">
               <a:rPr lang="en-GB" smtClean="0"/>
-              <a:t>11/12/2015</a:t>
+              <a:t>04/01/2016</a:t>
             </a:fld>
             <a:endParaRPr lang="en-GB"/>
           </a:p>
@@ -6740,7 +6742,7 @@
           <a:p>
             <a:fld id="{A3AAA307-BC5C-435E-9F75-3D6007B651A5}" type="slidenum">
               <a:rPr lang="en-GB" smtClean="0"/>
-              <a:t>‹nr.›</a:t>
+              <a:t>‹#›</a:t>
             </a:fld>
             <a:endParaRPr lang="en-GB"/>
           </a:p>
@@ -7322,13 +7324,6 @@
   <p:clrMapOvr>
     <a:masterClrMapping/>
   </p:clrMapOvr>
-  <p:timing>
-    <p:tnLst>
-      <p:par>
-        <p:cTn id="1" dur="indefinite" restart="never" nodeType="tmRoot"/>
-      </p:par>
-    </p:tnLst>
-  </p:timing>
 </p:sld>
 </file>
 
@@ -7996,13 +7991,6 @@
   <p:clrMapOvr>
     <a:masterClrMapping/>
   </p:clrMapOvr>
-  <p:timing>
-    <p:tnLst>
-      <p:par>
-        <p:cTn id="1" dur="indefinite" restart="never" nodeType="tmRoot"/>
-      </p:par>
-    </p:tnLst>
-  </p:timing>
 </p:sld>
 </file>
 
@@ -8614,14 +8602,7 @@
                 <a:latin typeface="Consolas" panose="020B0609020204030204" pitchFamily="49" charset="0"/>
                 <a:cs typeface="Consolas" panose="020B0609020204030204" pitchFamily="49" charset="0"/>
               </a:rPr>
-              <a:t> </a:t>
-            </a:r>
-            <a:r>
-              <a:rPr lang="nl-NL" sz="1600" dirty="0" smtClean="0">
-                <a:latin typeface="Consolas" panose="020B0609020204030204" pitchFamily="49" charset="0"/>
-                <a:cs typeface="Consolas" panose="020B0609020204030204" pitchFamily="49" charset="0"/>
-              </a:rPr>
-              <a:t>  return </a:t>
+              <a:t>   return </a:t>
             </a:r>
             <a:r>
               <a:rPr lang="nl-NL" sz="1600" dirty="0" err="1">
@@ -8647,13 +8628,6 @@
   <p:clrMapOvr>
     <a:masterClrMapping/>
   </p:clrMapOvr>
-  <p:timing>
-    <p:tnLst>
-      <p:par>
-        <p:cTn id="1" dur="indefinite" restart="never" nodeType="tmRoot"/>
-      </p:par>
-    </p:tnLst>
-  </p:timing>
 </p:sld>
 </file>
 
@@ -8771,13 +8745,6 @@
   <p:clrMapOvr>
     <a:masterClrMapping/>
   </p:clrMapOvr>
-  <p:timing>
-    <p:tnLst>
-      <p:par>
-        <p:cTn id="1" dur="indefinite" restart="never" nodeType="tmRoot"/>
-      </p:par>
-    </p:tnLst>
-  </p:timing>
 </p:sld>
 </file>
 
@@ -9265,13 +9232,6 @@
   <p:clrMapOvr>
     <a:masterClrMapping/>
   </p:clrMapOvr>
-  <p:timing>
-    <p:tnLst>
-      <p:par>
-        <p:cTn id="1" dur="indefinite" restart="never" nodeType="tmRoot"/>
-      </p:par>
-    </p:tnLst>
-  </p:timing>
 </p:sld>
 </file>
 
@@ -9327,8 +9287,8 @@
           </a:p>
         </p:txBody>
       </p:sp>
-      <mc:AlternateContent xmlns:mc="http://schemas.openxmlformats.org/markup-compatibility/2006">
-        <mc:Choice xmlns:a14="http://schemas.microsoft.com/office/drawing/2010/main" Requires="a14">
+      <mc:AlternateContent xmlns:mc="http://schemas.openxmlformats.org/markup-compatibility/2006" xmlns:a14="http://schemas.microsoft.com/office/drawing/2010/main">
+        <mc:Choice Requires="a14">
           <p:sp>
             <p:nvSpPr>
               <p:cNvPr id="3" name="Tijdelijke aanduiding voor inhoud 2"/>
@@ -9745,7 +9705,7 @@
             </p:txBody>
           </p:sp>
         </mc:Choice>
-        <mc:Fallback>
+        <mc:Fallback xmlns="">
           <p:sp>
             <p:nvSpPr>
               <p:cNvPr id="3" name="Tijdelijke aanduiding voor inhoud 2"/>
@@ -9812,13 +9772,6 @@
   <p:clrMapOvr>
     <a:masterClrMapping/>
   </p:clrMapOvr>
-  <p:timing>
-    <p:tnLst>
-      <p:par>
-        <p:cTn id="1" dur="indefinite" restart="never" nodeType="tmRoot"/>
-      </p:par>
-    </p:tnLst>
-  </p:timing>
 </p:sld>
 </file>
 
@@ -9874,8 +9827,8 @@
           </a:p>
         </p:txBody>
       </p:sp>
-      <mc:AlternateContent xmlns:mc="http://schemas.openxmlformats.org/markup-compatibility/2006">
-        <mc:Choice xmlns:a14="http://schemas.microsoft.com/office/drawing/2010/main" Requires="a14">
+      <mc:AlternateContent xmlns:mc="http://schemas.openxmlformats.org/markup-compatibility/2006" xmlns:a14="http://schemas.microsoft.com/office/drawing/2010/main">
+        <mc:Choice Requires="a14">
           <p:sp>
             <p:nvSpPr>
               <p:cNvPr id="3" name="Tijdelijke aanduiding voor inhoud 2"/>
@@ -10281,7 +10234,7 @@
             </p:txBody>
           </p:sp>
         </mc:Choice>
-        <mc:Fallback>
+        <mc:Fallback xmlns="">
           <p:sp>
             <p:nvSpPr>
               <p:cNvPr id="3" name="Tijdelijke aanduiding voor inhoud 2"/>
@@ -10348,13 +10301,6 @@
   <p:clrMapOvr>
     <a:masterClrMapping/>
   </p:clrMapOvr>
-  <p:timing>
-    <p:tnLst>
-      <p:par>
-        <p:cTn id="1" dur="indefinite" restart="never" nodeType="tmRoot"/>
-      </p:par>
-    </p:tnLst>
-  </p:timing>
 </p:sld>
 </file>
 
@@ -10434,8 +10380,8 @@
           </a:p>
         </p:txBody>
       </p:sp>
-      <mc:AlternateContent xmlns:mc="http://schemas.openxmlformats.org/markup-compatibility/2006">
-        <mc:Choice xmlns:a14="http://schemas.microsoft.com/office/drawing/2010/main" Requires="a14">
+      <mc:AlternateContent xmlns:mc="http://schemas.openxmlformats.org/markup-compatibility/2006" xmlns:a14="http://schemas.microsoft.com/office/drawing/2010/main">
+        <mc:Choice Requires="a14">
           <p:sp>
             <p:nvSpPr>
               <p:cNvPr id="3" name="Tijdelijke aanduiding voor inhoud 2"/>
@@ -10570,7 +10516,7 @@
             </p:txBody>
           </p:sp>
         </mc:Choice>
-        <mc:Fallback>
+        <mc:Fallback xmlns="">
           <p:sp>
             <p:nvSpPr>
               <p:cNvPr id="3" name="Tijdelijke aanduiding voor inhoud 2"/>
@@ -10637,13 +10583,6 @@
   <p:clrMapOvr>
     <a:masterClrMapping/>
   </p:clrMapOvr>
-  <p:timing>
-    <p:tnLst>
-      <p:par>
-        <p:cTn id="1" dur="indefinite" restart="never" nodeType="tmRoot"/>
-      </p:par>
-    </p:tnLst>
-  </p:timing>
 </p:sld>
 </file>
 
@@ -10723,8 +10662,8 @@
           </a:p>
         </p:txBody>
       </p:sp>
-      <mc:AlternateContent xmlns:mc="http://schemas.openxmlformats.org/markup-compatibility/2006">
-        <mc:Choice xmlns:a14="http://schemas.microsoft.com/office/drawing/2010/main" Requires="a14">
+      <mc:AlternateContent xmlns:mc="http://schemas.openxmlformats.org/markup-compatibility/2006" xmlns:a14="http://schemas.microsoft.com/office/drawing/2010/main">
+        <mc:Choice Requires="a14">
           <p:sp>
             <p:nvSpPr>
               <p:cNvPr id="3" name="Tijdelijke aanduiding voor inhoud 2"/>
@@ -11138,7 +11077,7 @@
             </p:txBody>
           </p:sp>
         </mc:Choice>
-        <mc:Fallback>
+        <mc:Fallback xmlns="">
           <p:sp>
             <p:nvSpPr>
               <p:cNvPr id="3" name="Tijdelijke aanduiding voor inhoud 2"/>
@@ -11209,13 +11148,6 @@
   <p:clrMapOvr>
     <a:masterClrMapping/>
   </p:clrMapOvr>
-  <p:timing>
-    <p:tnLst>
-      <p:par>
-        <p:cTn id="1" dur="indefinite" restart="never" nodeType="tmRoot"/>
-      </p:par>
-    </p:tnLst>
-  </p:timing>
 </p:sld>
 </file>
 
@@ -11395,13 +11327,6 @@
   <p:clrMapOvr>
     <a:masterClrMapping/>
   </p:clrMapOvr>
-  <p:timing>
-    <p:tnLst>
-      <p:par>
-        <p:cTn id="1" dur="indefinite" restart="never" nodeType="tmRoot"/>
-      </p:par>
-    </p:tnLst>
-  </p:timing>
 </p:sld>
 </file>
 
@@ -11457,8 +11382,8 @@
           </a:p>
         </p:txBody>
       </p:sp>
-      <mc:AlternateContent xmlns:mc="http://schemas.openxmlformats.org/markup-compatibility/2006">
-        <mc:Choice xmlns:a14="http://schemas.microsoft.com/office/drawing/2010/main" Requires="a14">
+      <mc:AlternateContent xmlns:mc="http://schemas.openxmlformats.org/markup-compatibility/2006" xmlns:a14="http://schemas.microsoft.com/office/drawing/2010/main">
+        <mc:Choice Requires="a14">
           <p:sp>
             <p:nvSpPr>
               <p:cNvPr id="3" name="Tijdelijke aanduiding voor inhoud 2"/>
@@ -11792,7 +11717,7 @@
             </p:txBody>
           </p:sp>
         </mc:Choice>
-        <mc:Fallback>
+        <mc:Fallback xmlns="">
           <p:sp>
             <p:nvSpPr>
               <p:cNvPr id="3" name="Tijdelijke aanduiding voor inhoud 2"/>
@@ -11863,13 +11788,6 @@
   <p:clrMapOvr>
     <a:masterClrMapping/>
   </p:clrMapOvr>
-  <p:timing>
-    <p:tnLst>
-      <p:par>
-        <p:cTn id="1" dur="indefinite" restart="never" nodeType="tmRoot"/>
-      </p:par>
-    </p:tnLst>
-  </p:timing>
 </p:sld>
 </file>
 
@@ -11925,8 +11843,8 @@
           </a:p>
         </p:txBody>
       </p:sp>
-      <mc:AlternateContent xmlns:mc="http://schemas.openxmlformats.org/markup-compatibility/2006">
-        <mc:Choice xmlns:a14="http://schemas.microsoft.com/office/drawing/2010/main" Requires="a14">
+      <mc:AlternateContent xmlns:mc="http://schemas.openxmlformats.org/markup-compatibility/2006" xmlns:a14="http://schemas.microsoft.com/office/drawing/2010/main">
+        <mc:Choice Requires="a14">
           <p:sp>
             <p:nvSpPr>
               <p:cNvPr id="3" name="Tijdelijke aanduiding voor inhoud 2"/>
@@ -12847,7 +12765,7 @@
             </p:txBody>
           </p:sp>
         </mc:Choice>
-        <mc:Fallback>
+        <mc:Fallback xmlns="">
           <p:sp>
             <p:nvSpPr>
               <p:cNvPr id="3" name="Tijdelijke aanduiding voor inhoud 2"/>
@@ -12918,13 +12836,6 @@
   <p:clrMapOvr>
     <a:masterClrMapping/>
   </p:clrMapOvr>
-  <p:timing>
-    <p:tnLst>
-      <p:par>
-        <p:cTn id="1" dur="indefinite" restart="never" nodeType="tmRoot"/>
-      </p:par>
-    </p:tnLst>
-  </p:timing>
 </p:sld>
 </file>
 
@@ -12947,6 +12858,985 @@
       </p:grpSpPr>
       <p:sp>
         <p:nvSpPr>
+          <p:cNvPr id="2" name="Title 1"/>
+          <p:cNvSpPr>
+            <a:spLocks noGrp="1"/>
+          </p:cNvSpPr>
+          <p:nvPr>
+            <p:ph type="title"/>
+          </p:nvPr>
+        </p:nvSpPr>
+        <p:spPr/>
+        <p:txBody>
+          <a:bodyPr>
+            <a:normAutofit/>
+          </a:bodyPr>
+          <a:lstStyle/>
+          <a:p>
+            <a:r>
+              <a:rPr lang="en-US" dirty="0" smtClean="0"/>
+              <a:t>Floyd-</a:t>
+            </a:r>
+            <a:r>
+              <a:rPr lang="en-US" dirty="0" err="1" smtClean="0"/>
+              <a:t>Warshall</a:t>
+            </a:r>
+            <a:r>
+              <a:rPr lang="en-US" dirty="0" smtClean="0"/>
+              <a:t> and dynamic programming</a:t>
+            </a:r>
+            <a:endParaRPr lang="it-IT" dirty="0"/>
+          </a:p>
+        </p:txBody>
+      </p:sp>
+      <p:sp>
+        <p:nvSpPr>
+          <p:cNvPr id="3" name="Content Placeholder 2"/>
+          <p:cNvSpPr>
+            <a:spLocks noGrp="1"/>
+          </p:cNvSpPr>
+          <p:nvPr>
+            <p:ph idx="1"/>
+          </p:nvPr>
+        </p:nvSpPr>
+        <p:spPr>
+          <a:xfrm>
+            <a:off x="677334" y="3478826"/>
+            <a:ext cx="8596668" cy="2562536"/>
+          </a:xfrm>
+        </p:spPr>
+        <p:txBody>
+          <a:bodyPr/>
+          <a:lstStyle/>
+          <a:p>
+            <a:pPr marL="0" indent="0">
+              <a:buNone/>
+            </a:pPr>
+            <a:r>
+              <a:rPr lang="en-US" dirty="0" smtClean="0"/>
+              <a:t>We are </a:t>
+            </a:r>
+            <a:r>
+              <a:rPr lang="en-US" dirty="0" err="1" smtClean="0"/>
+              <a:t>recomputing</a:t>
+            </a:r>
+            <a:r>
+              <a:rPr lang="en-US" dirty="0" smtClean="0"/>
+              <a:t> the same paths multiple times, for example:</a:t>
+            </a:r>
+          </a:p>
+          <a:p>
+            <a:r>
+              <a:rPr lang="en-US" dirty="0" err="1"/>
+              <a:t>sp</a:t>
+            </a:r>
+            <a:r>
+              <a:rPr lang="en-US" dirty="0"/>
+              <a:t>(1,2,4) = min(</a:t>
+            </a:r>
+            <a:r>
+              <a:rPr lang="en-US" dirty="0" err="1"/>
+              <a:t>sp</a:t>
+            </a:r>
+            <a:r>
+              <a:rPr lang="en-US" dirty="0"/>
+              <a:t>(1,2,3),</a:t>
+            </a:r>
+            <a:r>
+              <a:rPr lang="en-US" dirty="0" err="1"/>
+              <a:t>sp</a:t>
+            </a:r>
+            <a:r>
+              <a:rPr lang="en-US" dirty="0"/>
+              <a:t>(1,4,3) + </a:t>
+            </a:r>
+            <a:r>
+              <a:rPr lang="en-US" dirty="0" err="1"/>
+              <a:t>sp</a:t>
+            </a:r>
+            <a:r>
+              <a:rPr lang="en-US"/>
+              <a:t>(4,2,3</a:t>
+            </a:r>
+            <a:r>
+              <a:rPr lang="en-US" smtClean="0"/>
+              <a:t>))</a:t>
+            </a:r>
+          </a:p>
+          <a:p>
+            <a:r>
+              <a:rPr lang="en-US" dirty="0" err="1" smtClean="0"/>
+              <a:t>sp</a:t>
+            </a:r>
+            <a:r>
+              <a:rPr lang="en-US" dirty="0" smtClean="0"/>
+              <a:t>(1,2,3) = min(</a:t>
+            </a:r>
+            <a:r>
+              <a:rPr lang="en-US" dirty="0" err="1" smtClean="0"/>
+              <a:t>sp</a:t>
+            </a:r>
+            <a:r>
+              <a:rPr lang="en-US" dirty="0" smtClean="0"/>
+              <a:t>(1,2,2),</a:t>
+            </a:r>
+            <a:r>
+              <a:rPr lang="en-US" dirty="0" err="1" smtClean="0">
+                <a:solidFill>
+                  <a:srgbClr val="FF0000"/>
+                </a:solidFill>
+              </a:rPr>
+              <a:t>sp</a:t>
+            </a:r>
+            <a:r>
+              <a:rPr lang="en-US" dirty="0" smtClean="0">
+                <a:solidFill>
+                  <a:srgbClr val="FF0000"/>
+                </a:solidFill>
+              </a:rPr>
+              <a:t>(1,3,2) </a:t>
+            </a:r>
+            <a:r>
+              <a:rPr lang="en-US" dirty="0" smtClean="0"/>
+              <a:t>+ </a:t>
+            </a:r>
+            <a:r>
+              <a:rPr lang="en-US" dirty="0" err="1" smtClean="0"/>
+              <a:t>sp</a:t>
+            </a:r>
+            <a:r>
+              <a:rPr lang="en-US" dirty="0" smtClean="0"/>
+              <a:t>(3,2,2))</a:t>
+            </a:r>
+          </a:p>
+          <a:p>
+            <a:r>
+              <a:rPr lang="en-US" dirty="0" err="1" smtClean="0"/>
+              <a:t>sp</a:t>
+            </a:r>
+            <a:r>
+              <a:rPr lang="en-US" dirty="0" smtClean="0"/>
+              <a:t>(1,4,3) = min(</a:t>
+            </a:r>
+            <a:r>
+              <a:rPr lang="en-US" dirty="0" err="1" smtClean="0"/>
+              <a:t>sp</a:t>
+            </a:r>
+            <a:r>
+              <a:rPr lang="en-US" dirty="0" smtClean="0"/>
+              <a:t>(1,4,2),</a:t>
+            </a:r>
+            <a:r>
+              <a:rPr lang="en-US" dirty="0" err="1" smtClean="0">
+                <a:solidFill>
+                  <a:srgbClr val="FF0000"/>
+                </a:solidFill>
+              </a:rPr>
+              <a:t>sp</a:t>
+            </a:r>
+            <a:r>
+              <a:rPr lang="en-US" dirty="0" smtClean="0">
+                <a:solidFill>
+                  <a:srgbClr val="FF0000"/>
+                </a:solidFill>
+              </a:rPr>
+              <a:t>(1,3,2) </a:t>
+            </a:r>
+            <a:r>
+              <a:rPr lang="en-US" dirty="0" smtClean="0"/>
+              <a:t>+ </a:t>
+            </a:r>
+            <a:r>
+              <a:rPr lang="en-US" dirty="0" err="1" smtClean="0"/>
+              <a:t>sp</a:t>
+            </a:r>
+            <a:r>
+              <a:rPr lang="en-US" dirty="0" smtClean="0"/>
+              <a:t>(3,4,2))</a:t>
+            </a:r>
+          </a:p>
+        </p:txBody>
+      </p:sp>
+      <p:sp>
+        <p:nvSpPr>
+          <p:cNvPr id="4" name="Footer Placeholder 3"/>
+          <p:cNvSpPr>
+            <a:spLocks noGrp="1"/>
+          </p:cNvSpPr>
+          <p:nvPr>
+            <p:ph type="ftr" sz="quarter" idx="11"/>
+          </p:nvPr>
+        </p:nvSpPr>
+        <p:spPr/>
+        <p:txBody>
+          <a:bodyPr/>
+          <a:lstStyle/>
+          <a:p>
+            <a:r>
+              <a:rPr lang="it-IT" smtClean="0"/>
+              <a:t>INFDEV026A - G. Costantini, F. Di Giacomo, G. Maggiore</a:t>
+            </a:r>
+            <a:endParaRPr lang="en-GB"/>
+          </a:p>
+        </p:txBody>
+      </p:sp>
+      <p:grpSp>
+        <p:nvGrpSpPr>
+          <p:cNvPr id="26" name="Group 25"/>
+          <p:cNvGrpSpPr/>
+          <p:nvPr/>
+        </p:nvGrpSpPr>
+        <p:grpSpPr>
+          <a:xfrm>
+            <a:off x="2812025" y="1775154"/>
+            <a:ext cx="3687643" cy="1514635"/>
+            <a:chOff x="2812025" y="1775154"/>
+            <a:chExt cx="3687643" cy="1514635"/>
+          </a:xfrm>
+        </p:grpSpPr>
+        <p:sp>
+          <p:nvSpPr>
+            <p:cNvPr id="20" name="TextBox 19"/>
+            <p:cNvSpPr txBox="1"/>
+            <p:nvPr/>
+          </p:nvSpPr>
+          <p:spPr>
+            <a:xfrm>
+              <a:off x="3974354" y="2920457"/>
+              <a:ext cx="487369" cy="369332"/>
+            </a:xfrm>
+            <a:prstGeom prst="rect">
+              <a:avLst/>
+            </a:prstGeom>
+            <a:noFill/>
+          </p:spPr>
+          <p:txBody>
+            <a:bodyPr wrap="square" rtlCol="0">
+              <a:spAutoFit/>
+            </a:bodyPr>
+            <a:lstStyle/>
+            <a:p>
+              <a:pPr algn="ctr"/>
+              <a:r>
+                <a:rPr lang="en-US" dirty="0" smtClean="0"/>
+                <a:t>10</a:t>
+              </a:r>
+              <a:endParaRPr lang="it-IT" dirty="0"/>
+            </a:p>
+          </p:txBody>
+        </p:sp>
+        <p:grpSp>
+          <p:nvGrpSpPr>
+            <p:cNvPr id="25" name="Group 24"/>
+            <p:cNvGrpSpPr/>
+            <p:nvPr/>
+          </p:nvGrpSpPr>
+          <p:grpSpPr>
+            <a:xfrm>
+              <a:off x="2812025" y="1775154"/>
+              <a:ext cx="3687643" cy="1321423"/>
+              <a:chOff x="1504335" y="1765907"/>
+              <a:chExt cx="3687643" cy="1321423"/>
+            </a:xfrm>
+          </p:grpSpPr>
+          <p:sp>
+            <p:nvSpPr>
+              <p:cNvPr id="5" name="Oval 4"/>
+              <p:cNvSpPr/>
+              <p:nvPr/>
+            </p:nvSpPr>
+            <p:spPr>
+              <a:xfrm>
+                <a:off x="1504335" y="2674375"/>
+                <a:ext cx="432620" cy="412955"/>
+              </a:xfrm>
+              <a:prstGeom prst="ellipse">
+                <a:avLst/>
+              </a:prstGeom>
+              <a:solidFill>
+                <a:schemeClr val="bg1"/>
+              </a:solidFill>
+            </p:spPr>
+            <p:style>
+              <a:lnRef idx="2">
+                <a:schemeClr val="accent1">
+                  <a:shade val="50000"/>
+                </a:schemeClr>
+              </a:lnRef>
+              <a:fillRef idx="1">
+                <a:schemeClr val="accent1"/>
+              </a:fillRef>
+              <a:effectRef idx="0">
+                <a:schemeClr val="accent1"/>
+              </a:effectRef>
+              <a:fontRef idx="minor">
+                <a:schemeClr val="lt1"/>
+              </a:fontRef>
+            </p:style>
+            <p:txBody>
+              <a:bodyPr rtlCol="0" anchor="ctr"/>
+              <a:lstStyle/>
+              <a:p>
+                <a:pPr algn="ctr"/>
+                <a:r>
+                  <a:rPr lang="en-US" dirty="0">
+                    <a:solidFill>
+                      <a:schemeClr val="tx1"/>
+                    </a:solidFill>
+                  </a:rPr>
+                  <a:t>1</a:t>
+                </a:r>
+                <a:endParaRPr lang="it-IT" dirty="0">
+                  <a:solidFill>
+                    <a:schemeClr val="tx1"/>
+                  </a:solidFill>
+                </a:endParaRPr>
+              </a:p>
+            </p:txBody>
+          </p:sp>
+          <p:sp>
+            <p:nvSpPr>
+              <p:cNvPr id="6" name="Oval 5"/>
+              <p:cNvSpPr/>
+              <p:nvPr/>
+            </p:nvSpPr>
+            <p:spPr>
+              <a:xfrm>
+                <a:off x="3826140" y="2674375"/>
+                <a:ext cx="432620" cy="412955"/>
+              </a:xfrm>
+              <a:prstGeom prst="ellipse">
+                <a:avLst/>
+              </a:prstGeom>
+              <a:solidFill>
+                <a:schemeClr val="bg1"/>
+              </a:solidFill>
+            </p:spPr>
+            <p:style>
+              <a:lnRef idx="2">
+                <a:schemeClr val="accent1">
+                  <a:shade val="50000"/>
+                </a:schemeClr>
+              </a:lnRef>
+              <a:fillRef idx="1">
+                <a:schemeClr val="accent1"/>
+              </a:fillRef>
+              <a:effectRef idx="0">
+                <a:schemeClr val="accent1"/>
+              </a:effectRef>
+              <a:fontRef idx="minor">
+                <a:schemeClr val="lt1"/>
+              </a:fontRef>
+            </p:style>
+            <p:txBody>
+              <a:bodyPr rtlCol="0" anchor="ctr"/>
+              <a:lstStyle/>
+              <a:p>
+                <a:pPr algn="ctr"/>
+                <a:r>
+                  <a:rPr lang="en-US" dirty="0" smtClean="0">
+                    <a:solidFill>
+                      <a:schemeClr val="tx1"/>
+                    </a:solidFill>
+                  </a:rPr>
+                  <a:t>2</a:t>
+                </a:r>
+                <a:endParaRPr lang="it-IT" dirty="0">
+                  <a:solidFill>
+                    <a:schemeClr val="tx1"/>
+                  </a:solidFill>
+                </a:endParaRPr>
+              </a:p>
+            </p:txBody>
+          </p:sp>
+          <p:sp>
+            <p:nvSpPr>
+              <p:cNvPr id="7" name="Oval 6"/>
+              <p:cNvSpPr/>
+              <p:nvPr/>
+            </p:nvSpPr>
+            <p:spPr>
+              <a:xfrm>
+                <a:off x="2694039" y="1922207"/>
+                <a:ext cx="432620" cy="412955"/>
+              </a:xfrm>
+              <a:prstGeom prst="ellipse">
+                <a:avLst/>
+              </a:prstGeom>
+              <a:solidFill>
+                <a:schemeClr val="bg1"/>
+              </a:solidFill>
+            </p:spPr>
+            <p:style>
+              <a:lnRef idx="2">
+                <a:schemeClr val="accent1">
+                  <a:shade val="50000"/>
+                </a:schemeClr>
+              </a:lnRef>
+              <a:fillRef idx="1">
+                <a:schemeClr val="accent1"/>
+              </a:fillRef>
+              <a:effectRef idx="0">
+                <a:schemeClr val="accent1"/>
+              </a:effectRef>
+              <a:fontRef idx="minor">
+                <a:schemeClr val="lt1"/>
+              </a:fontRef>
+            </p:style>
+            <p:txBody>
+              <a:bodyPr rtlCol="0" anchor="ctr"/>
+              <a:lstStyle/>
+              <a:p>
+                <a:pPr algn="ctr"/>
+                <a:r>
+                  <a:rPr lang="en-US" dirty="0">
+                    <a:solidFill>
+                      <a:schemeClr val="tx1"/>
+                    </a:solidFill>
+                  </a:rPr>
+                  <a:t>3</a:t>
+                </a:r>
+                <a:endParaRPr lang="it-IT" dirty="0">
+                  <a:solidFill>
+                    <a:schemeClr val="tx1"/>
+                  </a:solidFill>
+                </a:endParaRPr>
+              </a:p>
+            </p:txBody>
+          </p:sp>
+          <p:sp>
+            <p:nvSpPr>
+              <p:cNvPr id="8" name="Oval 7"/>
+              <p:cNvSpPr/>
+              <p:nvPr/>
+            </p:nvSpPr>
+            <p:spPr>
+              <a:xfrm>
+                <a:off x="4759358" y="1935316"/>
+                <a:ext cx="432620" cy="412955"/>
+              </a:xfrm>
+              <a:prstGeom prst="ellipse">
+                <a:avLst/>
+              </a:prstGeom>
+              <a:solidFill>
+                <a:schemeClr val="bg1"/>
+              </a:solidFill>
+            </p:spPr>
+            <p:style>
+              <a:lnRef idx="2">
+                <a:schemeClr val="accent1">
+                  <a:shade val="50000"/>
+                </a:schemeClr>
+              </a:lnRef>
+              <a:fillRef idx="1">
+                <a:schemeClr val="accent1"/>
+              </a:fillRef>
+              <a:effectRef idx="0">
+                <a:schemeClr val="accent1"/>
+              </a:effectRef>
+              <a:fontRef idx="minor">
+                <a:schemeClr val="lt1"/>
+              </a:fontRef>
+            </p:style>
+            <p:txBody>
+              <a:bodyPr rtlCol="0" anchor="ctr"/>
+              <a:lstStyle/>
+              <a:p>
+                <a:pPr algn="ctr"/>
+                <a:r>
+                  <a:rPr lang="en-US" dirty="0" smtClean="0">
+                    <a:solidFill>
+                      <a:schemeClr val="tx1"/>
+                    </a:solidFill>
+                  </a:rPr>
+                  <a:t>4</a:t>
+                </a:r>
+                <a:endParaRPr lang="it-IT" dirty="0">
+                  <a:solidFill>
+                    <a:schemeClr val="tx1"/>
+                  </a:solidFill>
+                </a:endParaRPr>
+              </a:p>
+            </p:txBody>
+          </p:sp>
+          <p:cxnSp>
+            <p:nvCxnSpPr>
+              <p:cNvPr id="10" name="Straight Connector 9"/>
+              <p:cNvCxnSpPr>
+                <a:stCxn id="5" idx="7"/>
+                <a:endCxn id="7" idx="2"/>
+              </p:cNvCxnSpPr>
+              <p:nvPr/>
+            </p:nvCxnSpPr>
+            <p:spPr>
+              <a:xfrm flipV="1">
+                <a:off x="1873599" y="2128685"/>
+                <a:ext cx="820440" cy="606166"/>
+              </a:xfrm>
+              <a:prstGeom prst="line">
+                <a:avLst/>
+              </a:prstGeom>
+            </p:spPr>
+            <p:style>
+              <a:lnRef idx="1">
+                <a:schemeClr val="accent1"/>
+              </a:lnRef>
+              <a:fillRef idx="0">
+                <a:schemeClr val="accent1"/>
+              </a:fillRef>
+              <a:effectRef idx="0">
+                <a:schemeClr val="accent1"/>
+              </a:effectRef>
+              <a:fontRef idx="minor">
+                <a:schemeClr val="tx1"/>
+              </a:fontRef>
+            </p:style>
+          </p:cxnSp>
+          <p:cxnSp>
+            <p:nvCxnSpPr>
+              <p:cNvPr id="12" name="Straight Connector 11"/>
+              <p:cNvCxnSpPr>
+                <a:stCxn id="7" idx="6"/>
+                <a:endCxn id="8" idx="2"/>
+              </p:cNvCxnSpPr>
+              <p:nvPr/>
+            </p:nvCxnSpPr>
+            <p:spPr>
+              <a:xfrm>
+                <a:off x="3126659" y="2128685"/>
+                <a:ext cx="1632699" cy="13109"/>
+              </a:xfrm>
+              <a:prstGeom prst="line">
+                <a:avLst/>
+              </a:prstGeom>
+            </p:spPr>
+            <p:style>
+              <a:lnRef idx="1">
+                <a:schemeClr val="accent1"/>
+              </a:lnRef>
+              <a:fillRef idx="0">
+                <a:schemeClr val="accent1"/>
+              </a:fillRef>
+              <a:effectRef idx="0">
+                <a:schemeClr val="accent1"/>
+              </a:effectRef>
+              <a:fontRef idx="minor">
+                <a:schemeClr val="tx1"/>
+              </a:fontRef>
+            </p:style>
+          </p:cxnSp>
+          <p:cxnSp>
+            <p:nvCxnSpPr>
+              <p:cNvPr id="14" name="Straight Connector 13"/>
+              <p:cNvCxnSpPr>
+                <a:stCxn id="8" idx="4"/>
+                <a:endCxn id="6" idx="0"/>
+              </p:cNvCxnSpPr>
+              <p:nvPr/>
+            </p:nvCxnSpPr>
+            <p:spPr>
+              <a:xfrm flipH="1">
+                <a:off x="4042450" y="2348271"/>
+                <a:ext cx="933218" cy="326104"/>
+              </a:xfrm>
+              <a:prstGeom prst="line">
+                <a:avLst/>
+              </a:prstGeom>
+            </p:spPr>
+            <p:style>
+              <a:lnRef idx="1">
+                <a:schemeClr val="accent1"/>
+              </a:lnRef>
+              <a:fillRef idx="0">
+                <a:schemeClr val="accent1"/>
+              </a:fillRef>
+              <a:effectRef idx="0">
+                <a:schemeClr val="accent1"/>
+              </a:effectRef>
+              <a:fontRef idx="minor">
+                <a:schemeClr val="tx1"/>
+              </a:fontRef>
+            </p:style>
+          </p:cxnSp>
+          <p:cxnSp>
+            <p:nvCxnSpPr>
+              <p:cNvPr id="16" name="Straight Connector 15"/>
+              <p:cNvCxnSpPr>
+                <a:stCxn id="7" idx="5"/>
+                <a:endCxn id="6" idx="0"/>
+              </p:cNvCxnSpPr>
+              <p:nvPr/>
+            </p:nvCxnSpPr>
+            <p:spPr>
+              <a:xfrm>
+                <a:off x="3063303" y="2274686"/>
+                <a:ext cx="979147" cy="399689"/>
+              </a:xfrm>
+              <a:prstGeom prst="line">
+                <a:avLst/>
+              </a:prstGeom>
+            </p:spPr>
+            <p:style>
+              <a:lnRef idx="1">
+                <a:schemeClr val="accent1"/>
+              </a:lnRef>
+              <a:fillRef idx="0">
+                <a:schemeClr val="accent1"/>
+              </a:fillRef>
+              <a:effectRef idx="0">
+                <a:schemeClr val="accent1"/>
+              </a:effectRef>
+              <a:fontRef idx="minor">
+                <a:schemeClr val="tx1"/>
+              </a:fontRef>
+            </p:style>
+          </p:cxnSp>
+          <p:cxnSp>
+            <p:nvCxnSpPr>
+              <p:cNvPr id="18" name="Straight Connector 17"/>
+              <p:cNvCxnSpPr>
+                <a:stCxn id="5" idx="6"/>
+                <a:endCxn id="6" idx="2"/>
+              </p:cNvCxnSpPr>
+              <p:nvPr/>
+            </p:nvCxnSpPr>
+            <p:spPr>
+              <a:xfrm>
+                <a:off x="1936955" y="2880853"/>
+                <a:ext cx="1889185" cy="0"/>
+              </a:xfrm>
+              <a:prstGeom prst="line">
+                <a:avLst/>
+              </a:prstGeom>
+            </p:spPr>
+            <p:style>
+              <a:lnRef idx="1">
+                <a:schemeClr val="accent1"/>
+              </a:lnRef>
+              <a:fillRef idx="0">
+                <a:schemeClr val="accent1"/>
+              </a:fillRef>
+              <a:effectRef idx="0">
+                <a:schemeClr val="accent1"/>
+              </a:effectRef>
+              <a:fontRef idx="minor">
+                <a:schemeClr val="tx1"/>
+              </a:fontRef>
+            </p:style>
+          </p:cxnSp>
+          <p:sp>
+            <p:nvSpPr>
+              <p:cNvPr id="19" name="TextBox 18"/>
+              <p:cNvSpPr txBox="1"/>
+              <p:nvPr/>
+            </p:nvSpPr>
+            <p:spPr>
+              <a:xfrm>
+                <a:off x="1873599" y="2141793"/>
+                <a:ext cx="410220" cy="369332"/>
+              </a:xfrm>
+              <a:prstGeom prst="rect">
+                <a:avLst/>
+              </a:prstGeom>
+              <a:noFill/>
+            </p:spPr>
+            <p:txBody>
+              <a:bodyPr wrap="square" rtlCol="0">
+                <a:spAutoFit/>
+              </a:bodyPr>
+              <a:lstStyle/>
+              <a:p>
+                <a:pPr algn="ctr"/>
+                <a:r>
+                  <a:rPr lang="en-US" dirty="0"/>
+                  <a:t>2</a:t>
+                </a:r>
+                <a:endParaRPr lang="it-IT" dirty="0"/>
+              </a:p>
+            </p:txBody>
+          </p:sp>
+          <p:sp>
+            <p:nvSpPr>
+              <p:cNvPr id="21" name="TextBox 20"/>
+              <p:cNvSpPr txBox="1"/>
+              <p:nvPr/>
+            </p:nvSpPr>
+            <p:spPr>
+              <a:xfrm>
+                <a:off x="3536879" y="2185574"/>
+                <a:ext cx="487369" cy="369332"/>
+              </a:xfrm>
+              <a:prstGeom prst="rect">
+                <a:avLst/>
+              </a:prstGeom>
+              <a:noFill/>
+            </p:spPr>
+            <p:txBody>
+              <a:bodyPr wrap="square" rtlCol="0">
+                <a:spAutoFit/>
+              </a:bodyPr>
+              <a:lstStyle/>
+              <a:p>
+                <a:pPr algn="ctr"/>
+                <a:r>
+                  <a:rPr lang="en-US" dirty="0"/>
+                  <a:t>5</a:t>
+                </a:r>
+                <a:endParaRPr lang="it-IT" dirty="0"/>
+              </a:p>
+            </p:txBody>
+          </p:sp>
+          <p:sp>
+            <p:nvSpPr>
+              <p:cNvPr id="23" name="TextBox 22"/>
+              <p:cNvSpPr txBox="1"/>
+              <p:nvPr/>
+            </p:nvSpPr>
+            <p:spPr>
+              <a:xfrm>
+                <a:off x="3618084" y="1765907"/>
+                <a:ext cx="487369" cy="369332"/>
+              </a:xfrm>
+              <a:prstGeom prst="rect">
+                <a:avLst/>
+              </a:prstGeom>
+              <a:noFill/>
+            </p:spPr>
+            <p:txBody>
+              <a:bodyPr wrap="square" rtlCol="0">
+                <a:spAutoFit/>
+              </a:bodyPr>
+              <a:lstStyle/>
+              <a:p>
+                <a:pPr algn="ctr"/>
+                <a:r>
+                  <a:rPr lang="en-US" dirty="0" smtClean="0"/>
+                  <a:t>1</a:t>
+                </a:r>
+                <a:endParaRPr lang="it-IT" dirty="0"/>
+              </a:p>
+            </p:txBody>
+          </p:sp>
+          <p:sp>
+            <p:nvSpPr>
+              <p:cNvPr id="24" name="TextBox 23"/>
+              <p:cNvSpPr txBox="1"/>
+              <p:nvPr/>
+            </p:nvSpPr>
+            <p:spPr>
+              <a:xfrm>
+                <a:off x="4317918" y="2461382"/>
+                <a:ext cx="487369" cy="369332"/>
+              </a:xfrm>
+              <a:prstGeom prst="rect">
+                <a:avLst/>
+              </a:prstGeom>
+              <a:noFill/>
+            </p:spPr>
+            <p:txBody>
+              <a:bodyPr wrap="square" rtlCol="0">
+                <a:spAutoFit/>
+              </a:bodyPr>
+              <a:lstStyle/>
+              <a:p>
+                <a:pPr algn="ctr"/>
+                <a:r>
+                  <a:rPr lang="en-US" dirty="0" smtClean="0"/>
+                  <a:t>1</a:t>
+                </a:r>
+                <a:endParaRPr lang="it-IT" dirty="0"/>
+              </a:p>
+            </p:txBody>
+          </p:sp>
+        </p:grpSp>
+      </p:grpSp>
+    </p:spTree>
+    <p:extLst>
+      <p:ext uri="{BB962C8B-B14F-4D97-AF65-F5344CB8AC3E}">
+        <p14:creationId xmlns:p14="http://schemas.microsoft.com/office/powerpoint/2010/main" val="1232374436"/>
+      </p:ext>
+    </p:extLst>
+  </p:cSld>
+  <p:clrMapOvr>
+    <a:masterClrMapping/>
+  </p:clrMapOvr>
+</p:sld>
+</file>
+
+<file path=ppt/slides/slide23.xml><?xml version="1.0" encoding="utf-8"?>
+<p:sld xmlns:a="http://schemas.openxmlformats.org/drawingml/2006/main" xmlns:r="http://schemas.openxmlformats.org/officeDocument/2006/relationships" xmlns:p="http://schemas.openxmlformats.org/presentationml/2006/main">
+  <p:cSld>
+    <p:spTree>
+      <p:nvGrpSpPr>
+        <p:cNvPr id="1" name=""/>
+        <p:cNvGrpSpPr/>
+        <p:nvPr/>
+      </p:nvGrpSpPr>
+      <p:grpSpPr>
+        <a:xfrm>
+          <a:off x="0" y="0"/>
+          <a:ext cx="0" cy="0"/>
+          <a:chOff x="0" y="0"/>
+          <a:chExt cx="0" cy="0"/>
+        </a:xfrm>
+      </p:grpSpPr>
+      <p:sp>
+        <p:nvSpPr>
+          <p:cNvPr id="2" name="Title 1"/>
+          <p:cNvSpPr>
+            <a:spLocks noGrp="1"/>
+          </p:cNvSpPr>
+          <p:nvPr>
+            <p:ph type="title"/>
+          </p:nvPr>
+        </p:nvSpPr>
+        <p:spPr/>
+        <p:txBody>
+          <a:bodyPr/>
+          <a:lstStyle/>
+          <a:p>
+            <a:r>
+              <a:rPr lang="en-US" dirty="0" smtClean="0"/>
+              <a:t>Floyd </a:t>
+            </a:r>
+            <a:r>
+              <a:rPr lang="en-US" dirty="0" err="1" smtClean="0"/>
+              <a:t>Warshall</a:t>
+            </a:r>
+            <a:r>
+              <a:rPr lang="en-US" dirty="0" smtClean="0"/>
+              <a:t> </a:t>
+            </a:r>
+            <a:r>
+              <a:rPr lang="en-US" dirty="0" err="1" smtClean="0"/>
+              <a:t>memoization</a:t>
+            </a:r>
+            <a:endParaRPr lang="it-IT" dirty="0"/>
+          </a:p>
+        </p:txBody>
+      </p:sp>
+      <p:sp>
+        <p:nvSpPr>
+          <p:cNvPr id="3" name="Content Placeholder 2"/>
+          <p:cNvSpPr>
+            <a:spLocks noGrp="1"/>
+          </p:cNvSpPr>
+          <p:nvPr>
+            <p:ph idx="1"/>
+          </p:nvPr>
+        </p:nvSpPr>
+        <p:spPr/>
+        <p:txBody>
+          <a:bodyPr/>
+          <a:lstStyle/>
+          <a:p>
+            <a:r>
+              <a:rPr lang="en-US" dirty="0" smtClean="0"/>
+              <a:t>We can save the intermediate results we compute into a matrix.</a:t>
+            </a:r>
+          </a:p>
+          <a:p>
+            <a:r>
+              <a:rPr lang="en-US" dirty="0" smtClean="0"/>
+              <a:t>This matrix contains the length of the path from vertex </a:t>
+            </a:r>
+            <a:r>
+              <a:rPr lang="en-US" dirty="0" err="1" smtClean="0"/>
+              <a:t>i</a:t>
+            </a:r>
+            <a:r>
+              <a:rPr lang="en-US" dirty="0" smtClean="0"/>
+              <a:t> to vertex j.</a:t>
+            </a:r>
+          </a:p>
+          <a:p>
+            <a:r>
+              <a:rPr lang="en-US" dirty="0" smtClean="0"/>
+              <a:t>The algorithm uses an iterative bottom up approach. </a:t>
+            </a:r>
+          </a:p>
+          <a:p>
+            <a:r>
+              <a:rPr lang="en-US" dirty="0" smtClean="0"/>
+              <a:t>We start by filling the matrix with the base case solutions, i.e. with 0 the distance between a vertex and itself, and with w(</a:t>
+            </a:r>
+            <a:r>
+              <a:rPr lang="en-US" dirty="0" err="1"/>
+              <a:t>i</a:t>
+            </a:r>
+            <a:r>
+              <a:rPr lang="en-US" dirty="0" err="1" smtClean="0"/>
+              <a:t>,j</a:t>
+            </a:r>
+            <a:r>
+              <a:rPr lang="en-US" dirty="0" smtClean="0"/>
+              <a:t>) the distance between adjacent vertices.</a:t>
+            </a:r>
+          </a:p>
+          <a:p>
+            <a:r>
+              <a:rPr lang="en-US" dirty="0" smtClean="0"/>
+              <a:t>We fill in the matrix by iteratively expanding the set of intermediate vertices to use in the path.</a:t>
+            </a:r>
+            <a:endParaRPr lang="it-IT" dirty="0"/>
+          </a:p>
+        </p:txBody>
+      </p:sp>
+      <p:sp>
+        <p:nvSpPr>
+          <p:cNvPr id="4" name="Footer Placeholder 3"/>
+          <p:cNvSpPr>
+            <a:spLocks noGrp="1"/>
+          </p:cNvSpPr>
+          <p:nvPr>
+            <p:ph type="ftr" sz="quarter" idx="11"/>
+          </p:nvPr>
+        </p:nvSpPr>
+        <p:spPr/>
+        <p:txBody>
+          <a:bodyPr/>
+          <a:lstStyle/>
+          <a:p>
+            <a:r>
+              <a:rPr lang="it-IT" smtClean="0"/>
+              <a:t>INFDEV026A - G. Costantini, F. Di Giacomo, G. Maggiore</a:t>
+            </a:r>
+            <a:endParaRPr lang="en-GB"/>
+          </a:p>
+        </p:txBody>
+      </p:sp>
+    </p:spTree>
+    <p:extLst>
+      <p:ext uri="{BB962C8B-B14F-4D97-AF65-F5344CB8AC3E}">
+        <p14:creationId xmlns:p14="http://schemas.microsoft.com/office/powerpoint/2010/main" val="360321049"/>
+      </p:ext>
+    </p:extLst>
+  </p:cSld>
+  <p:clrMapOvr>
+    <a:masterClrMapping/>
+  </p:clrMapOvr>
+</p:sld>
+</file>
+
+<file path=ppt/slides/slide24.xml><?xml version="1.0" encoding="utf-8"?>
+<p:sld xmlns:a="http://schemas.openxmlformats.org/drawingml/2006/main" xmlns:r="http://schemas.openxmlformats.org/officeDocument/2006/relationships" xmlns:p="http://schemas.openxmlformats.org/presentationml/2006/main">
+  <p:cSld>
+    <p:spTree>
+      <p:nvGrpSpPr>
+        <p:cNvPr id="1" name=""/>
+        <p:cNvGrpSpPr/>
+        <p:nvPr/>
+      </p:nvGrpSpPr>
+      <p:grpSpPr>
+        <a:xfrm>
+          <a:off x="0" y="0"/>
+          <a:ext cx="0" cy="0"/>
+          <a:chOff x="0" y="0"/>
+          <a:chExt cx="0" cy="0"/>
+        </a:xfrm>
+      </p:grpSpPr>
+      <p:sp>
+        <p:nvSpPr>
           <p:cNvPr id="2" name="Titel 1"/>
           <p:cNvSpPr>
             <a:spLocks noGrp="1"/>
@@ -12980,8 +13870,8 @@
           </a:p>
         </p:txBody>
       </p:sp>
-      <mc:AlternateContent xmlns:mc="http://schemas.openxmlformats.org/markup-compatibility/2006">
-        <mc:Choice xmlns:a14="http://schemas.microsoft.com/office/drawing/2010/main" Requires="a14">
+      <mc:AlternateContent xmlns:mc="http://schemas.openxmlformats.org/markup-compatibility/2006" xmlns:a14="http://schemas.microsoft.com/office/drawing/2010/main">
+        <mc:Choice Requires="a14">
           <p:sp>
             <p:nvSpPr>
               <p:cNvPr id="3" name="Tijdelijke aanduiding voor inhoud 2"/>
@@ -13445,11 +14335,7 @@
                 </a14:m>
                 <a:r>
                   <a:rPr lang="en-US" dirty="0"/>
-                  <a:t> pairs</a:t>
-                </a:r>
-                <a:r>
-                  <a:rPr lang="en-US" dirty="0"/>
-                  <a:t> when</a:t>
+                  <a:t> pairs when</a:t>
                 </a:r>
                 <a14:m>
                   <m:oMath xmlns:m="http://schemas.openxmlformats.org/officeDocument/2006/math">
@@ -13636,11 +14522,7 @@
                 </a14:m>
                 <a:r>
                   <a:rPr lang="en-US" dirty="0"/>
-                  <a:t> pairs</a:t>
-                </a:r>
-                <a:r>
-                  <a:rPr lang="en-US" dirty="0"/>
-                  <a:t> when</a:t>
+                  <a:t> pairs when</a:t>
                 </a:r>
                 <a14:m>
                   <m:oMath xmlns:m="http://schemas.openxmlformats.org/officeDocument/2006/math">
@@ -13817,7 +14699,7 @@
             </p:txBody>
           </p:sp>
         </mc:Choice>
-        <mc:Fallback>
+        <mc:Fallback xmlns="">
           <p:sp>
             <p:nvSpPr>
               <p:cNvPr id="3" name="Tijdelijke aanduiding voor inhoud 2"/>
@@ -13891,7 +14773,7 @@
 </p:sld>
 </file>
 
-<file path=ppt/slides/slide23.xml><?xml version="1.0" encoding="utf-8"?>
+<file path=ppt/slides/slide25.xml><?xml version="1.0" encoding="utf-8"?>
 <p:sld xmlns:a="http://schemas.openxmlformats.org/drawingml/2006/main" xmlns:r="http://schemas.openxmlformats.org/officeDocument/2006/relationships" xmlns:p="http://schemas.openxmlformats.org/presentationml/2006/main">
   <p:cSld>
     <p:spTree>
@@ -13943,8 +14825,8 @@
           </a:p>
         </p:txBody>
       </p:sp>
-      <mc:AlternateContent xmlns:mc="http://schemas.openxmlformats.org/markup-compatibility/2006">
-        <mc:Choice xmlns:a14="http://schemas.microsoft.com/office/drawing/2010/main" Requires="a14">
+      <mc:AlternateContent xmlns:mc="http://schemas.openxmlformats.org/markup-compatibility/2006" xmlns:a14="http://schemas.microsoft.com/office/drawing/2010/main">
+        <mc:Choice Requires="a14">
           <p:sp>
             <p:nvSpPr>
               <p:cNvPr id="3" name="Tijdelijke aanduiding voor inhoud 2"/>
@@ -14481,7 +15363,7 @@
             </p:txBody>
           </p:sp>
         </mc:Choice>
-        <mc:Fallback>
+        <mc:Fallback xmlns="">
           <p:sp>
             <p:nvSpPr>
               <p:cNvPr id="3" name="Tijdelijke aanduiding voor inhoud 2"/>
@@ -14555,7 +15437,7 @@
 </p:sld>
 </file>
 
-<file path=ppt/slides/slide24.xml><?xml version="1.0" encoding="utf-8"?>
+<file path=ppt/slides/slide26.xml><?xml version="1.0" encoding="utf-8"?>
 <p:sld xmlns:a="http://schemas.openxmlformats.org/drawingml/2006/main" xmlns:r="http://schemas.openxmlformats.org/officeDocument/2006/relationships" xmlns:p="http://schemas.openxmlformats.org/presentationml/2006/main">
   <p:cSld>
     <p:spTree>
@@ -14786,8 +15668,8 @@
           </a:p>
         </p:txBody>
       </p:sp>
-      <mc:AlternateContent xmlns:mc="http://schemas.openxmlformats.org/markup-compatibility/2006">
-        <mc:Choice xmlns:a14="http://schemas.microsoft.com/office/drawing/2010/main" Requires="a14">
+      <mc:AlternateContent xmlns:mc="http://schemas.openxmlformats.org/markup-compatibility/2006" xmlns:a14="http://schemas.microsoft.com/office/drawing/2010/main">
+        <mc:Choice Requires="a14">
           <p:sp>
             <p:nvSpPr>
               <p:cNvPr id="5" name="Tekstvak 4"/>
@@ -14815,42 +15697,7 @@
                     <a:latin typeface="Consolas" panose="020B0609020204030204" pitchFamily="49" charset="0"/>
                     <a:cs typeface="Consolas" panose="020B0609020204030204" pitchFamily="49" charset="0"/>
                   </a:rPr>
-                  <a:t>dist </a:t>
-                </a:r>
-                <a:r>
-                  <a:rPr lang="nl-NL" sz="1600" dirty="0">
-                    <a:latin typeface="Consolas" panose="020B0609020204030204" pitchFamily="49" charset="0"/>
-                    <a:cs typeface="Consolas" panose="020B0609020204030204" pitchFamily="49" charset="0"/>
-                  </a:rPr>
-                  <a:t>←</a:t>
-                </a:r>
-                <a:r>
-                  <a:rPr lang="nl-NL" sz="1600" dirty="0">
-                    <a:latin typeface="Consolas" panose="020B0609020204030204" pitchFamily="49" charset="0"/>
-                    <a:cs typeface="Consolas" panose="020B0609020204030204" pitchFamily="49" charset="0"/>
-                  </a:rPr>
-                  <a:t> </a:t>
-                </a:r>
-                <a:r>
-                  <a:rPr lang="nl-NL" sz="1600" dirty="0">
-                    <a:latin typeface="Consolas" panose="020B0609020204030204" pitchFamily="49" charset="0"/>
-                    <a:cs typeface="Consolas" panose="020B0609020204030204" pitchFamily="49" charset="0"/>
-                  </a:rPr>
-                  <a:t>|V| × |V| </a:t>
-                </a:r>
-                <a:r>
-                  <a:rPr lang="nl-NL" sz="1600" dirty="0">
-                    <a:latin typeface="Consolas" panose="020B0609020204030204" pitchFamily="49" charset="0"/>
-                    <a:cs typeface="Consolas" panose="020B0609020204030204" pitchFamily="49" charset="0"/>
-                  </a:rPr>
-                  <a:t>matrix of </a:t>
-                </a:r>
-                <a:r>
-                  <a:rPr lang="nl-NL" sz="1600" dirty="0">
-                    <a:latin typeface="Consolas" panose="020B0609020204030204" pitchFamily="49" charset="0"/>
-                    <a:cs typeface="Consolas" panose="020B0609020204030204" pitchFamily="49" charset="0"/>
-                  </a:rPr>
-                  <a:t>minimum </a:t>
+                  <a:t>dist ← |V| × |V| matrix of minimum </a:t>
                 </a:r>
                 <a:r>
                   <a:rPr lang="nl-NL" sz="1600" dirty="0" err="1">
@@ -14918,57 +15765,7 @@
                     <a:latin typeface="Consolas" panose="020B0609020204030204" pitchFamily="49" charset="0"/>
                     <a:cs typeface="Consolas" panose="020B0609020204030204" pitchFamily="49" charset="0"/>
                   </a:rPr>
-                  <a:t>next </a:t>
-                </a:r>
-                <a:r>
-                  <a:rPr lang="nl-NL" sz="1600" dirty="0">
-                    <a:solidFill>
-                      <a:srgbClr val="FF0000"/>
-                    </a:solidFill>
-                    <a:latin typeface="Consolas" panose="020B0609020204030204" pitchFamily="49" charset="0"/>
-                    <a:cs typeface="Consolas" panose="020B0609020204030204" pitchFamily="49" charset="0"/>
-                  </a:rPr>
-                  <a:t>←</a:t>
-                </a:r>
-                <a:r>
-                  <a:rPr lang="nl-NL" sz="1600" dirty="0">
-                    <a:solidFill>
-                      <a:srgbClr val="FF0000"/>
-                    </a:solidFill>
-                    <a:latin typeface="Consolas" panose="020B0609020204030204" pitchFamily="49" charset="0"/>
-                    <a:cs typeface="Consolas" panose="020B0609020204030204" pitchFamily="49" charset="0"/>
-                  </a:rPr>
-                  <a:t> </a:t>
-                </a:r>
-                <a:r>
-                  <a:rPr lang="nl-NL" sz="1600" dirty="0">
-                    <a:solidFill>
-                      <a:srgbClr val="FF0000"/>
-                    </a:solidFill>
-                    <a:latin typeface="Consolas" panose="020B0609020204030204" pitchFamily="49" charset="0"/>
-                    <a:cs typeface="Consolas" panose="020B0609020204030204" pitchFamily="49" charset="0"/>
-                  </a:rPr>
-                  <a:t>|V| × |V| </a:t>
-                </a:r>
-                <a:r>
-                  <a:rPr lang="nl-NL" sz="1600" dirty="0">
-                    <a:solidFill>
-                      <a:srgbClr val="FF0000"/>
-                    </a:solidFill>
-                    <a:latin typeface="Consolas" panose="020B0609020204030204" pitchFamily="49" charset="0"/>
-                    <a:cs typeface="Consolas" panose="020B0609020204030204" pitchFamily="49" charset="0"/>
-                  </a:rPr>
-                  <a:t>matrix of </a:t>
-                </a:r>
-                <a:r>
-                  <a:rPr lang="nl-NL" sz="1600" dirty="0">
-                    <a:solidFill>
-                      <a:srgbClr val="FF0000"/>
-                    </a:solidFill>
-                    <a:latin typeface="Consolas" panose="020B0609020204030204" pitchFamily="49" charset="0"/>
-                    <a:cs typeface="Consolas" panose="020B0609020204030204" pitchFamily="49" charset="0"/>
-                  </a:rPr>
-                  <a:t>vertex indices </a:t>
+                  <a:t>next ← |V| × |V| matrix of vertex indices </a:t>
                 </a:r>
                 <a:r>
                   <a:rPr lang="nl-NL" sz="1600" dirty="0" err="1">
@@ -15108,10 +15905,6 @@
                   </a:rPr>
                   <a:t>)</a:t>
                 </a:r>
-                <a:endParaRPr lang="nl-NL" sz="1600" dirty="0">
-                  <a:latin typeface="Consolas" panose="020B0609020204030204" pitchFamily="49" charset="0"/>
-                  <a:cs typeface="Consolas" panose="020B0609020204030204" pitchFamily="49" charset="0"/>
-                </a:endParaRPr>
               </a:p>
               <a:p>
                 <a:r>
@@ -15180,19 +15973,8 @@
                     <a:latin typeface="Consolas" panose="020B0609020204030204" pitchFamily="49" charset="0"/>
                     <a:cs typeface="Consolas" panose="020B0609020204030204" pitchFamily="49" charset="0"/>
                   </a:rPr>
-                  <a:t> |V</a:t>
-                </a:r>
-                <a:r>
-                  <a:rPr lang="nl-NL" sz="1600" dirty="0">
-                    <a:latin typeface="Consolas" panose="020B0609020204030204" pitchFamily="49" charset="0"/>
-                    <a:cs typeface="Consolas" panose="020B0609020204030204" pitchFamily="49" charset="0"/>
-                  </a:rPr>
-                  <a:t>|</a:t>
-                </a:r>
-                <a:endParaRPr lang="nl-NL" sz="1600" dirty="0">
-                  <a:latin typeface="Consolas" panose="020B0609020204030204" pitchFamily="49" charset="0"/>
-                  <a:cs typeface="Consolas" panose="020B0609020204030204" pitchFamily="49" charset="0"/>
-                </a:endParaRPr>
+                  <a:t> |V|</a:t>
+                </a:r>
               </a:p>
               <a:p>
                 <a:r>
@@ -15364,7 +16146,7 @@
             </p:txBody>
           </p:sp>
         </mc:Choice>
-        <mc:Fallback>
+        <mc:Fallback xmlns="">
           <p:sp>
             <p:nvSpPr>
               <p:cNvPr id="5" name="Tekstvak 4"/>
@@ -15416,7 +16198,7 @@
 </p:sld>
 </file>
 
-<file path=ppt/slides/slide25.xml><?xml version="1.0" encoding="utf-8"?>
+<file path=ppt/slides/slide27.xml><?xml version="1.0" encoding="utf-8"?>
 <p:sld xmlns:a="http://schemas.openxmlformats.org/drawingml/2006/main" xmlns:r="http://schemas.openxmlformats.org/officeDocument/2006/relationships" xmlns:p="http://schemas.openxmlformats.org/presentationml/2006/main">
   <p:cSld>
     <p:spTree>
@@ -15468,8 +16250,8 @@
           </a:p>
         </p:txBody>
       </p:sp>
-      <mc:AlternateContent xmlns:mc="http://schemas.openxmlformats.org/markup-compatibility/2006">
-        <mc:Choice xmlns:a14="http://schemas.microsoft.com/office/drawing/2010/main" Requires="a14">
+      <mc:AlternateContent xmlns:mc="http://schemas.openxmlformats.org/markup-compatibility/2006" xmlns:a14="http://schemas.microsoft.com/office/drawing/2010/main">
+        <mc:Choice Requires="a14">
           <p:sp>
             <p:nvSpPr>
               <p:cNvPr id="3" name="Tijdelijke aanduiding voor inhoud 2"/>
@@ -15845,7 +16627,7 @@
             </p:txBody>
           </p:sp>
         </mc:Choice>
-        <mc:Fallback>
+        <mc:Fallback xmlns="">
           <p:sp>
             <p:nvSpPr>
               <p:cNvPr id="3" name="Tijdelijke aanduiding voor inhoud 2"/>
@@ -15915,7 +16697,7 @@
 </p:sld>
 </file>
 
-<file path=ppt/slides/slide26.xml><?xml version="1.0" encoding="utf-8"?>
+<file path=ppt/slides/slide28.xml><?xml version="1.0" encoding="utf-8"?>
 <p:sld xmlns:a="http://schemas.openxmlformats.org/drawingml/2006/main" xmlns:r="http://schemas.openxmlformats.org/officeDocument/2006/relationships" xmlns:p="http://schemas.openxmlformats.org/presentationml/2006/main">
   <p:cSld>
     <p:spTree>
@@ -16069,7 +16851,7 @@
 </p:sld>
 </file>
 
-<file path=ppt/slides/slide27.xml><?xml version="1.0" encoding="utf-8"?>
+<file path=ppt/slides/slide29.xml><?xml version="1.0" encoding="utf-8"?>
 <p:sld xmlns:a="http://schemas.openxmlformats.org/drawingml/2006/main" xmlns:r="http://schemas.openxmlformats.org/officeDocument/2006/relationships" xmlns:p="http://schemas.openxmlformats.org/presentationml/2006/main">
   <p:cSld>
     <p:spTree>
@@ -16266,7 +17048,258 @@
 </p:sld>
 </file>
 
-<file path=ppt/slides/slide28.xml><?xml version="1.0" encoding="utf-8"?>
+<file path=ppt/slides/slide3.xml><?xml version="1.0" encoding="utf-8"?>
+<p:sld xmlns:a="http://schemas.openxmlformats.org/drawingml/2006/main" xmlns:r="http://schemas.openxmlformats.org/officeDocument/2006/relationships" xmlns:p="http://schemas.openxmlformats.org/presentationml/2006/main">
+  <p:cSld>
+    <p:spTree>
+      <p:nvGrpSpPr>
+        <p:cNvPr id="1" name=""/>
+        <p:cNvGrpSpPr/>
+        <p:nvPr/>
+      </p:nvGrpSpPr>
+      <p:grpSpPr>
+        <a:xfrm>
+          <a:off x="0" y="0"/>
+          <a:ext cx="0" cy="0"/>
+          <a:chOff x="0" y="0"/>
+          <a:chExt cx="0" cy="0"/>
+        </a:xfrm>
+      </p:grpSpPr>
+      <p:sp>
+        <p:nvSpPr>
+          <p:cNvPr id="2" name="Titel 1"/>
+          <p:cNvSpPr>
+            <a:spLocks noGrp="1"/>
+          </p:cNvSpPr>
+          <p:nvPr>
+            <p:ph type="title"/>
+          </p:nvPr>
+        </p:nvSpPr>
+        <p:spPr/>
+        <p:txBody>
+          <a:bodyPr/>
+          <a:lstStyle/>
+          <a:p>
+            <a:r>
+              <a:rPr lang="nl-NL" dirty="0" smtClean="0"/>
+              <a:t>More </a:t>
+            </a:r>
+            <a:r>
+              <a:rPr lang="nl-NL" dirty="0" err="1" smtClean="0"/>
+              <a:t>detailed</a:t>
+            </a:r>
+            <a:r>
+              <a:rPr lang="nl-NL" dirty="0" smtClean="0"/>
+              <a:t> agenda</a:t>
+            </a:r>
+            <a:endParaRPr lang="nl-NL" dirty="0"/>
+          </a:p>
+        </p:txBody>
+      </p:sp>
+      <p:sp>
+        <p:nvSpPr>
+          <p:cNvPr id="3" name="Tijdelijke aanduiding voor inhoud 2"/>
+          <p:cNvSpPr>
+            <a:spLocks noGrp="1"/>
+          </p:cNvSpPr>
+          <p:nvPr>
+            <p:ph idx="1"/>
+          </p:nvPr>
+        </p:nvSpPr>
+        <p:spPr/>
+        <p:txBody>
+          <a:bodyPr/>
+          <a:lstStyle/>
+          <a:p>
+            <a:r>
+              <a:rPr lang="nl-NL" dirty="0" err="1" smtClean="0"/>
+              <a:t>What</a:t>
+            </a:r>
+            <a:r>
+              <a:rPr lang="nl-NL" dirty="0" smtClean="0"/>
+              <a:t> is </a:t>
+            </a:r>
+            <a:r>
+              <a:rPr lang="nl-NL" b="1" dirty="0" err="1" smtClean="0"/>
+              <a:t>dynamic</a:t>
+            </a:r>
+            <a:r>
+              <a:rPr lang="nl-NL" b="1" dirty="0" smtClean="0"/>
+              <a:t> </a:t>
+            </a:r>
+            <a:r>
+              <a:rPr lang="nl-NL" b="1" dirty="0" err="1" smtClean="0"/>
+              <a:t>programming</a:t>
+            </a:r>
+            <a:r>
+              <a:rPr lang="nl-NL" dirty="0" smtClean="0"/>
+              <a:t>?</a:t>
+            </a:r>
+          </a:p>
+          <a:p>
+            <a:pPr lvl="1"/>
+            <a:r>
+              <a:rPr lang="nl-NL" dirty="0" smtClean="0"/>
+              <a:t>Fibonacci </a:t>
+            </a:r>
+            <a:r>
+              <a:rPr lang="nl-NL" dirty="0" err="1" smtClean="0"/>
+              <a:t>example</a:t>
+            </a:r>
+            <a:r>
+              <a:rPr lang="nl-NL" dirty="0" smtClean="0"/>
+              <a:t>; </a:t>
+            </a:r>
+            <a:r>
+              <a:rPr lang="nl-NL" dirty="0" err="1" smtClean="0"/>
+              <a:t>memoization</a:t>
+            </a:r>
+            <a:r>
+              <a:rPr lang="nl-NL" dirty="0" smtClean="0"/>
+              <a:t> </a:t>
+            </a:r>
+            <a:r>
+              <a:rPr lang="nl-NL" dirty="0" err="1" smtClean="0"/>
+              <a:t>and</a:t>
+            </a:r>
+            <a:r>
+              <a:rPr lang="nl-NL" dirty="0" smtClean="0"/>
+              <a:t> bottom-up approaches</a:t>
+            </a:r>
+          </a:p>
+          <a:p>
+            <a:r>
+              <a:rPr lang="nl-NL" dirty="0" smtClean="0"/>
+              <a:t>How </a:t>
+            </a:r>
+            <a:r>
+              <a:rPr lang="nl-NL" dirty="0" err="1" smtClean="0"/>
+              <a:t>can</a:t>
+            </a:r>
+            <a:r>
+              <a:rPr lang="nl-NL" dirty="0" smtClean="0"/>
+              <a:t> we </a:t>
+            </a:r>
+            <a:r>
+              <a:rPr lang="nl-NL" dirty="0" err="1" smtClean="0"/>
+              <a:t>find</a:t>
+            </a:r>
+            <a:r>
+              <a:rPr lang="nl-NL" dirty="0" smtClean="0"/>
+              <a:t> the </a:t>
+            </a:r>
+            <a:r>
+              <a:rPr lang="nl-NL" dirty="0" err="1" smtClean="0"/>
+              <a:t>shortest</a:t>
+            </a:r>
+            <a:r>
+              <a:rPr lang="nl-NL" dirty="0" smtClean="0"/>
+              <a:t> </a:t>
+            </a:r>
+            <a:r>
+              <a:rPr lang="nl-NL" dirty="0" err="1" smtClean="0"/>
+              <a:t>paths</a:t>
+            </a:r>
+            <a:r>
+              <a:rPr lang="nl-NL" dirty="0" smtClean="0"/>
+              <a:t> </a:t>
+            </a:r>
+            <a:r>
+              <a:rPr lang="nl-NL" dirty="0" err="1" smtClean="0"/>
+              <a:t>between</a:t>
+            </a:r>
+            <a:r>
+              <a:rPr lang="nl-NL" dirty="0" smtClean="0"/>
+              <a:t> </a:t>
+            </a:r>
+            <a:r>
+              <a:rPr lang="nl-NL" b="1" dirty="0" err="1" smtClean="0"/>
+              <a:t>all</a:t>
+            </a:r>
+            <a:r>
+              <a:rPr lang="nl-NL" b="1" dirty="0" smtClean="0"/>
+              <a:t> pairs </a:t>
+            </a:r>
+            <a:r>
+              <a:rPr lang="nl-NL" dirty="0" smtClean="0"/>
+              <a:t>of </a:t>
+            </a:r>
+            <a:r>
+              <a:rPr lang="nl-NL" dirty="0" err="1" smtClean="0"/>
+              <a:t>nodes</a:t>
+            </a:r>
+            <a:r>
+              <a:rPr lang="nl-NL" dirty="0" smtClean="0"/>
+              <a:t> in a </a:t>
+            </a:r>
+            <a:r>
+              <a:rPr lang="nl-NL" dirty="0" err="1" smtClean="0"/>
+              <a:t>graph</a:t>
+            </a:r>
+            <a:r>
+              <a:rPr lang="nl-NL" dirty="0" smtClean="0"/>
+              <a:t>?</a:t>
+            </a:r>
+          </a:p>
+          <a:p>
+            <a:pPr lvl="1"/>
+            <a:r>
+              <a:rPr lang="nl-NL" dirty="0" smtClean="0"/>
+              <a:t>Floyd </a:t>
+            </a:r>
+            <a:r>
+              <a:rPr lang="nl-NL" dirty="0" err="1" smtClean="0"/>
+              <a:t>Warshall</a:t>
+            </a:r>
+            <a:r>
+              <a:rPr lang="nl-NL" dirty="0" smtClean="0"/>
+              <a:t> </a:t>
+            </a:r>
+            <a:r>
+              <a:rPr lang="nl-NL" dirty="0" err="1" smtClean="0"/>
+              <a:t>algorithm</a:t>
+            </a:r>
+            <a:endParaRPr lang="nl-NL" dirty="0"/>
+          </a:p>
+        </p:txBody>
+      </p:sp>
+      <p:sp>
+        <p:nvSpPr>
+          <p:cNvPr id="4" name="Tijdelijke aanduiding voor voettekst 3"/>
+          <p:cNvSpPr>
+            <a:spLocks noGrp="1"/>
+          </p:cNvSpPr>
+          <p:nvPr>
+            <p:ph type="ftr" sz="quarter" idx="11"/>
+          </p:nvPr>
+        </p:nvSpPr>
+        <p:spPr/>
+        <p:txBody>
+          <a:bodyPr/>
+          <a:lstStyle/>
+          <a:p>
+            <a:r>
+              <a:rPr lang="it-IT" smtClean="0"/>
+              <a:t>INFDEV026A - G. Costantini, F. Di Giacomo, G. Maggiore</a:t>
+            </a:r>
+            <a:endParaRPr lang="en-GB"/>
+          </a:p>
+        </p:txBody>
+      </p:sp>
+    </p:spTree>
+    <p:extLst>
+      <p:ext uri="{BB962C8B-B14F-4D97-AF65-F5344CB8AC3E}">
+        <p14:creationId xmlns:p14="http://schemas.microsoft.com/office/powerpoint/2010/main" val="3714923865"/>
+      </p:ext>
+    </p:extLst>
+  </p:cSld>
+  <p:clrMapOvr>
+    <a:masterClrMapping/>
+  </p:clrMapOvr>
+</p:sld>
+</file>
+
+<file path=ppt/slides/slide30.xml><?xml version="1.0" encoding="utf-8"?>
 <p:sld xmlns:a="http://schemas.openxmlformats.org/drawingml/2006/main" xmlns:r="http://schemas.openxmlformats.org/officeDocument/2006/relationships" xmlns:p="http://schemas.openxmlformats.org/presentationml/2006/main">
   <p:cSld>
     <p:spTree>
@@ -16506,7 +17539,7 @@
 </p:sld>
 </file>
 
-<file path=ppt/slides/slide29.xml><?xml version="1.0" encoding="utf-8"?>
+<file path=ppt/slides/slide31.xml><?xml version="1.0" encoding="utf-8"?>
 <p:sld xmlns:a="http://schemas.openxmlformats.org/drawingml/2006/main" xmlns:r="http://schemas.openxmlformats.org/officeDocument/2006/relationships" xmlns:p="http://schemas.openxmlformats.org/presentationml/2006/main">
   <p:cSld>
     <p:spTree>
@@ -16700,268 +17733,10 @@
   <p:clrMapOvr>
     <a:masterClrMapping/>
   </p:clrMapOvr>
-  <p:timing>
-    <p:tnLst>
-      <p:par>
-        <p:cTn id="1" dur="indefinite" restart="never" nodeType="tmRoot"/>
-      </p:par>
-    </p:tnLst>
-  </p:timing>
 </p:sld>
 </file>
 
-<file path=ppt/slides/slide3.xml><?xml version="1.0" encoding="utf-8"?>
-<p:sld xmlns:a="http://schemas.openxmlformats.org/drawingml/2006/main" xmlns:r="http://schemas.openxmlformats.org/officeDocument/2006/relationships" xmlns:p="http://schemas.openxmlformats.org/presentationml/2006/main">
-  <p:cSld>
-    <p:spTree>
-      <p:nvGrpSpPr>
-        <p:cNvPr id="1" name=""/>
-        <p:cNvGrpSpPr/>
-        <p:nvPr/>
-      </p:nvGrpSpPr>
-      <p:grpSpPr>
-        <a:xfrm>
-          <a:off x="0" y="0"/>
-          <a:ext cx="0" cy="0"/>
-          <a:chOff x="0" y="0"/>
-          <a:chExt cx="0" cy="0"/>
-        </a:xfrm>
-      </p:grpSpPr>
-      <p:sp>
-        <p:nvSpPr>
-          <p:cNvPr id="2" name="Titel 1"/>
-          <p:cNvSpPr>
-            <a:spLocks noGrp="1"/>
-          </p:cNvSpPr>
-          <p:nvPr>
-            <p:ph type="title"/>
-          </p:nvPr>
-        </p:nvSpPr>
-        <p:spPr/>
-        <p:txBody>
-          <a:bodyPr/>
-          <a:lstStyle/>
-          <a:p>
-            <a:r>
-              <a:rPr lang="nl-NL" dirty="0" smtClean="0"/>
-              <a:t>More </a:t>
-            </a:r>
-            <a:r>
-              <a:rPr lang="nl-NL" dirty="0" err="1" smtClean="0"/>
-              <a:t>detailed</a:t>
-            </a:r>
-            <a:r>
-              <a:rPr lang="nl-NL" dirty="0" smtClean="0"/>
-              <a:t> agenda</a:t>
-            </a:r>
-            <a:endParaRPr lang="nl-NL" dirty="0"/>
-          </a:p>
-        </p:txBody>
-      </p:sp>
-      <p:sp>
-        <p:nvSpPr>
-          <p:cNvPr id="3" name="Tijdelijke aanduiding voor inhoud 2"/>
-          <p:cNvSpPr>
-            <a:spLocks noGrp="1"/>
-          </p:cNvSpPr>
-          <p:nvPr>
-            <p:ph idx="1"/>
-          </p:nvPr>
-        </p:nvSpPr>
-        <p:spPr/>
-        <p:txBody>
-          <a:bodyPr/>
-          <a:lstStyle/>
-          <a:p>
-            <a:r>
-              <a:rPr lang="nl-NL" dirty="0" err="1" smtClean="0"/>
-              <a:t>What</a:t>
-            </a:r>
-            <a:r>
-              <a:rPr lang="nl-NL" dirty="0" smtClean="0"/>
-              <a:t> is </a:t>
-            </a:r>
-            <a:r>
-              <a:rPr lang="nl-NL" b="1" dirty="0" err="1" smtClean="0"/>
-              <a:t>dynamic</a:t>
-            </a:r>
-            <a:r>
-              <a:rPr lang="nl-NL" b="1" dirty="0" smtClean="0"/>
-              <a:t> </a:t>
-            </a:r>
-            <a:r>
-              <a:rPr lang="nl-NL" b="1" dirty="0" err="1" smtClean="0"/>
-              <a:t>programming</a:t>
-            </a:r>
-            <a:r>
-              <a:rPr lang="nl-NL" dirty="0" smtClean="0"/>
-              <a:t>?</a:t>
-            </a:r>
-          </a:p>
-          <a:p>
-            <a:pPr lvl="1"/>
-            <a:r>
-              <a:rPr lang="nl-NL" dirty="0" smtClean="0"/>
-              <a:t>Fibonacci </a:t>
-            </a:r>
-            <a:r>
-              <a:rPr lang="nl-NL" dirty="0" err="1" smtClean="0"/>
-              <a:t>example</a:t>
-            </a:r>
-            <a:r>
-              <a:rPr lang="nl-NL" dirty="0" smtClean="0"/>
-              <a:t>; </a:t>
-            </a:r>
-            <a:r>
-              <a:rPr lang="nl-NL" dirty="0" err="1" smtClean="0"/>
-              <a:t>memoization</a:t>
-            </a:r>
-            <a:r>
-              <a:rPr lang="nl-NL" dirty="0" smtClean="0"/>
-              <a:t> </a:t>
-            </a:r>
-            <a:r>
-              <a:rPr lang="nl-NL" dirty="0" err="1" smtClean="0"/>
-              <a:t>and</a:t>
-            </a:r>
-            <a:r>
-              <a:rPr lang="nl-NL" dirty="0" smtClean="0"/>
-              <a:t> bottom-up approaches</a:t>
-            </a:r>
-          </a:p>
-          <a:p>
-            <a:r>
-              <a:rPr lang="nl-NL" dirty="0" smtClean="0"/>
-              <a:t>How </a:t>
-            </a:r>
-            <a:r>
-              <a:rPr lang="nl-NL" dirty="0" err="1" smtClean="0"/>
-              <a:t>can</a:t>
-            </a:r>
-            <a:r>
-              <a:rPr lang="nl-NL" dirty="0" smtClean="0"/>
-              <a:t> we </a:t>
-            </a:r>
-            <a:r>
-              <a:rPr lang="nl-NL" dirty="0" err="1" smtClean="0"/>
-              <a:t>find</a:t>
-            </a:r>
-            <a:r>
-              <a:rPr lang="nl-NL" dirty="0" smtClean="0"/>
-              <a:t> the </a:t>
-            </a:r>
-            <a:r>
-              <a:rPr lang="nl-NL" dirty="0" err="1" smtClean="0"/>
-              <a:t>shortest</a:t>
-            </a:r>
-            <a:r>
-              <a:rPr lang="nl-NL" dirty="0" smtClean="0"/>
-              <a:t> </a:t>
-            </a:r>
-            <a:r>
-              <a:rPr lang="nl-NL" dirty="0" err="1" smtClean="0"/>
-              <a:t>paths</a:t>
-            </a:r>
-            <a:r>
-              <a:rPr lang="nl-NL" dirty="0" smtClean="0"/>
-              <a:t> </a:t>
-            </a:r>
-            <a:r>
-              <a:rPr lang="nl-NL" dirty="0" err="1" smtClean="0"/>
-              <a:t>between</a:t>
-            </a:r>
-            <a:r>
-              <a:rPr lang="nl-NL" dirty="0" smtClean="0"/>
-              <a:t> </a:t>
-            </a:r>
-            <a:r>
-              <a:rPr lang="nl-NL" b="1" dirty="0" err="1" smtClean="0"/>
-              <a:t>all</a:t>
-            </a:r>
-            <a:r>
-              <a:rPr lang="nl-NL" b="1" dirty="0" smtClean="0"/>
-              <a:t> pairs </a:t>
-            </a:r>
-            <a:r>
-              <a:rPr lang="nl-NL" dirty="0" smtClean="0"/>
-              <a:t>of </a:t>
-            </a:r>
-            <a:r>
-              <a:rPr lang="nl-NL" dirty="0" err="1" smtClean="0"/>
-              <a:t>nodes</a:t>
-            </a:r>
-            <a:r>
-              <a:rPr lang="nl-NL" dirty="0" smtClean="0"/>
-              <a:t> in a </a:t>
-            </a:r>
-            <a:r>
-              <a:rPr lang="nl-NL" dirty="0" err="1" smtClean="0"/>
-              <a:t>graph</a:t>
-            </a:r>
-            <a:r>
-              <a:rPr lang="nl-NL" dirty="0" smtClean="0"/>
-              <a:t>?</a:t>
-            </a:r>
-          </a:p>
-          <a:p>
-            <a:pPr lvl="1"/>
-            <a:r>
-              <a:rPr lang="nl-NL" dirty="0" smtClean="0"/>
-              <a:t>Floyd </a:t>
-            </a:r>
-            <a:r>
-              <a:rPr lang="nl-NL" dirty="0" err="1" smtClean="0"/>
-              <a:t>Warshall</a:t>
-            </a:r>
-            <a:r>
-              <a:rPr lang="nl-NL" dirty="0" smtClean="0"/>
-              <a:t> </a:t>
-            </a:r>
-            <a:r>
-              <a:rPr lang="nl-NL" dirty="0" err="1" smtClean="0"/>
-              <a:t>algorithm</a:t>
-            </a:r>
-            <a:endParaRPr lang="nl-NL" dirty="0"/>
-          </a:p>
-        </p:txBody>
-      </p:sp>
-      <p:sp>
-        <p:nvSpPr>
-          <p:cNvPr id="4" name="Tijdelijke aanduiding voor voettekst 3"/>
-          <p:cNvSpPr>
-            <a:spLocks noGrp="1"/>
-          </p:cNvSpPr>
-          <p:nvPr>
-            <p:ph type="ftr" sz="quarter" idx="11"/>
-          </p:nvPr>
-        </p:nvSpPr>
-        <p:spPr/>
-        <p:txBody>
-          <a:bodyPr/>
-          <a:lstStyle/>
-          <a:p>
-            <a:r>
-              <a:rPr lang="it-IT" smtClean="0"/>
-              <a:t>INFDEV026A - G. Costantini, F. Di Giacomo, G. Maggiore</a:t>
-            </a:r>
-            <a:endParaRPr lang="en-GB"/>
-          </a:p>
-        </p:txBody>
-      </p:sp>
-    </p:spTree>
-    <p:extLst>
-      <p:ext uri="{BB962C8B-B14F-4D97-AF65-F5344CB8AC3E}">
-        <p14:creationId xmlns:p14="http://schemas.microsoft.com/office/powerpoint/2010/main" val="3714923865"/>
-      </p:ext>
-    </p:extLst>
-  </p:cSld>
-  <p:clrMapOvr>
-    <a:masterClrMapping/>
-  </p:clrMapOvr>
-</p:sld>
-</file>
-
-<file path=ppt/slides/slide30.xml><?xml version="1.0" encoding="utf-8"?>
+<file path=ppt/slides/slide32.xml><?xml version="1.0" encoding="utf-8"?>
 <p:sld xmlns:a="http://schemas.openxmlformats.org/drawingml/2006/main" xmlns:r="http://schemas.openxmlformats.org/officeDocument/2006/relationships" xmlns:p="http://schemas.openxmlformats.org/presentationml/2006/main">
   <p:cSld>
     <p:spTree>
@@ -17157,17 +17932,10 @@
   <p:clrMapOvr>
     <a:masterClrMapping/>
   </p:clrMapOvr>
-  <p:timing>
-    <p:tnLst>
-      <p:par>
-        <p:cTn id="1" dur="indefinite" restart="never" nodeType="tmRoot"/>
-      </p:par>
-    </p:tnLst>
-  </p:timing>
 </p:sld>
 </file>
 
-<file path=ppt/slides/slide31.xml><?xml version="1.0" encoding="utf-8"?>
+<file path=ppt/slides/slide33.xml><?xml version="1.0" encoding="utf-8"?>
 <p:sld xmlns:a="http://schemas.openxmlformats.org/drawingml/2006/main" xmlns:r="http://schemas.openxmlformats.org/officeDocument/2006/relationships" xmlns:p="http://schemas.openxmlformats.org/presentationml/2006/main">
   <p:cSld>
     <p:spTree>
@@ -17385,13 +18153,6 @@
   <p:clrMapOvr>
     <a:masterClrMapping/>
   </p:clrMapOvr>
-  <p:timing>
-    <p:tnLst>
-      <p:par>
-        <p:cTn id="1" dur="indefinite" restart="never" nodeType="tmRoot"/>
-      </p:par>
-    </p:tnLst>
-  </p:timing>
 </p:sld>
 </file>
 
@@ -17475,13 +18236,6 @@
   <p:clrMapOvr>
     <a:masterClrMapping/>
   </p:clrMapOvr>
-  <p:timing>
-    <p:tnLst>
-      <p:par>
-        <p:cTn id="1" dur="indefinite" restart="never" nodeType="tmRoot"/>
-      </p:par>
-    </p:tnLst>
-  </p:timing>
 </p:sld>
 </file>
 
@@ -18046,14 +18800,14 @@
                 <a:gridCol w="1211858">
                   <a:extLst>
                     <a:ext uri="{9D8B030D-6E8A-4147-A177-3AD203B41FA5}">
-                      <a16:colId xmlns="" xmlns:a16="http://schemas.microsoft.com/office/drawing/2014/main" val="3737604255"/>
+                      <a16:colId xmlns:a16="http://schemas.microsoft.com/office/drawing/2014/main" val="3737604255"/>
                     </a:ext>
                   </a:extLst>
                 </a:gridCol>
                 <a:gridCol w="2040674">
                   <a:extLst>
                     <a:ext uri="{9D8B030D-6E8A-4147-A177-3AD203B41FA5}">
-                      <a16:colId xmlns="" xmlns:a16="http://schemas.microsoft.com/office/drawing/2014/main" val="389226352"/>
+                      <a16:colId xmlns:a16="http://schemas.microsoft.com/office/drawing/2014/main" val="389226352"/>
                     </a:ext>
                   </a:extLst>
                 </a:gridCol>
@@ -18123,7 +18877,7 @@
                 </a:tc>
                 <a:extLst>
                   <a:ext uri="{0D108BD9-81ED-4DB2-BD59-A6C34878D82A}">
-                    <a16:rowId xmlns="" xmlns:a16="http://schemas.microsoft.com/office/drawing/2014/main" val="3883935320"/>
+                    <a16:rowId xmlns:a16="http://schemas.microsoft.com/office/drawing/2014/main" val="3883935320"/>
                   </a:ext>
                 </a:extLst>
               </a:tr>
@@ -18176,7 +18930,7 @@
                 </a:tc>
                 <a:extLst>
                   <a:ext uri="{0D108BD9-81ED-4DB2-BD59-A6C34878D82A}">
-                    <a16:rowId xmlns="" xmlns:a16="http://schemas.microsoft.com/office/drawing/2014/main" val="785959856"/>
+                    <a16:rowId xmlns:a16="http://schemas.microsoft.com/office/drawing/2014/main" val="785959856"/>
                   </a:ext>
                 </a:extLst>
               </a:tr>
@@ -18229,7 +18983,7 @@
                 </a:tc>
                 <a:extLst>
                   <a:ext uri="{0D108BD9-81ED-4DB2-BD59-A6C34878D82A}">
-                    <a16:rowId xmlns="" xmlns:a16="http://schemas.microsoft.com/office/drawing/2014/main" val="60468838"/>
+                    <a16:rowId xmlns:a16="http://schemas.microsoft.com/office/drawing/2014/main" val="60468838"/>
                   </a:ext>
                 </a:extLst>
               </a:tr>
@@ -18282,7 +19036,7 @@
                 </a:tc>
                 <a:extLst>
                   <a:ext uri="{0D108BD9-81ED-4DB2-BD59-A6C34878D82A}">
-                    <a16:rowId xmlns="" xmlns:a16="http://schemas.microsoft.com/office/drawing/2014/main" val="124635373"/>
+                    <a16:rowId xmlns:a16="http://schemas.microsoft.com/office/drawing/2014/main" val="124635373"/>
                   </a:ext>
                 </a:extLst>
               </a:tr>
@@ -18335,7 +19089,7 @@
                 </a:tc>
                 <a:extLst>
                   <a:ext uri="{0D108BD9-81ED-4DB2-BD59-A6C34878D82A}">
-                    <a16:rowId xmlns="" xmlns:a16="http://schemas.microsoft.com/office/drawing/2014/main" val="1501560492"/>
+                    <a16:rowId xmlns:a16="http://schemas.microsoft.com/office/drawing/2014/main" val="1501560492"/>
                   </a:ext>
                 </a:extLst>
               </a:tr>
@@ -18388,7 +19142,7 @@
                 </a:tc>
                 <a:extLst>
                   <a:ext uri="{0D108BD9-81ED-4DB2-BD59-A6C34878D82A}">
-                    <a16:rowId xmlns="" xmlns:a16="http://schemas.microsoft.com/office/drawing/2014/main" val="3751559142"/>
+                    <a16:rowId xmlns:a16="http://schemas.microsoft.com/office/drawing/2014/main" val="3751559142"/>
                   </a:ext>
                 </a:extLst>
               </a:tr>

--- a/Slides/Week 6 - Dynamic Programming, Floyd Warshall.pptx
+++ b/Slides/Week 6 - Dynamic Programming, Floyd Warshall.pptx
@@ -241,7 +241,7 @@
           <a:p>
             <a:fld id="{F314420D-16BA-4EDC-9A71-800590EAD5A3}" type="datetimeFigureOut">
               <a:rPr lang="en-GB" smtClean="0"/>
-              <a:t>04/01/2016</a:t>
+              <a:t>05/01/2016</a:t>
             </a:fld>
             <a:endParaRPr lang="en-GB"/>
           </a:p>
@@ -400,7 +400,7 @@
           <a:p>
             <a:fld id="{29573B9A-66FB-4A63-BCD5-E140B9429FD2}" type="slidenum">
               <a:rPr lang="en-GB" smtClean="0"/>
-              <a:t>‹#›</a:t>
+              <a:t>‹nr.›</a:t>
             </a:fld>
             <a:endParaRPr lang="en-GB"/>
           </a:p>
@@ -2149,7 +2149,7 @@
           <a:p>
             <a:fld id="{EBA5BF6C-AF16-4C58-8955-5157BF3CF460}" type="datetime1">
               <a:rPr lang="en-GB" smtClean="0"/>
-              <a:t>04/01/2016</a:t>
+              <a:t>05/01/2016</a:t>
             </a:fld>
             <a:endParaRPr lang="en-GB"/>
           </a:p>
@@ -2195,7 +2195,7 @@
           <a:p>
             <a:fld id="{A3AAA307-BC5C-435E-9F75-3D6007B651A5}" type="slidenum">
               <a:rPr lang="en-GB" smtClean="0"/>
-              <a:t>‹#›</a:t>
+              <a:t>‹nr.›</a:t>
             </a:fld>
             <a:endParaRPr lang="en-GB"/>
           </a:p>
@@ -2404,7 +2404,7 @@
           <a:p>
             <a:fld id="{28754959-7583-41D4-A531-84ECF582A02F}" type="datetime1">
               <a:rPr lang="en-GB" smtClean="0"/>
-              <a:t>04/01/2016</a:t>
+              <a:t>05/01/2016</a:t>
             </a:fld>
             <a:endParaRPr lang="en-GB"/>
           </a:p>
@@ -2450,7 +2450,7 @@
           <a:p>
             <a:fld id="{A3AAA307-BC5C-435E-9F75-3D6007B651A5}" type="slidenum">
               <a:rPr lang="en-GB" smtClean="0"/>
-              <a:t>‹#›</a:t>
+              <a:t>‹nr.›</a:t>
             </a:fld>
             <a:endParaRPr lang="en-GB"/>
           </a:p>
@@ -2722,7 +2722,7 @@
           <a:p>
             <a:fld id="{2579CF84-8647-4BB0-98CB-E39DBFD9DC8C}" type="datetime1">
               <a:rPr lang="en-GB" smtClean="0"/>
-              <a:t>04/01/2016</a:t>
+              <a:t>05/01/2016</a:t>
             </a:fld>
             <a:endParaRPr lang="en-GB"/>
           </a:p>
@@ -2768,7 +2768,7 @@
           <a:p>
             <a:fld id="{A3AAA307-BC5C-435E-9F75-3D6007B651A5}" type="slidenum">
               <a:rPr lang="en-GB" smtClean="0"/>
-              <a:t>‹#›</a:t>
+              <a:t>‹nr.›</a:t>
             </a:fld>
             <a:endParaRPr lang="en-GB"/>
           </a:p>
@@ -3053,7 +3053,7 @@
           <a:p>
             <a:fld id="{6A61B992-C398-42F8-8105-DFF46194B470}" type="datetime1">
               <a:rPr lang="en-GB" smtClean="0"/>
-              <a:t>04/01/2016</a:t>
+              <a:t>05/01/2016</a:t>
             </a:fld>
             <a:endParaRPr lang="en-GB"/>
           </a:p>
@@ -3099,7 +3099,7 @@
           <a:p>
             <a:fld id="{A3AAA307-BC5C-435E-9F75-3D6007B651A5}" type="slidenum">
               <a:rPr lang="en-GB" smtClean="0"/>
-              <a:t>‹#›</a:t>
+              <a:t>‹nr.›</a:t>
             </a:fld>
             <a:endParaRPr lang="en-GB"/>
           </a:p>
@@ -3371,7 +3371,7 @@
           <a:p>
             <a:fld id="{735F25EF-2C32-49FF-A05C-AACCD6DB6B6B}" type="datetime1">
               <a:rPr lang="en-GB" smtClean="0"/>
-              <a:t>04/01/2016</a:t>
+              <a:t>05/01/2016</a:t>
             </a:fld>
             <a:endParaRPr lang="en-GB"/>
           </a:p>
@@ -3417,7 +3417,7 @@
           <a:p>
             <a:fld id="{A3AAA307-BC5C-435E-9F75-3D6007B651A5}" type="slidenum">
               <a:rPr lang="en-GB" smtClean="0"/>
-              <a:t>‹#›</a:t>
+              <a:t>‹nr.›</a:t>
             </a:fld>
             <a:endParaRPr lang="en-GB"/>
           </a:p>
@@ -3762,7 +3762,7 @@
           <a:p>
             <a:fld id="{29E0FEDD-8B46-4AB8-8509-00A28AB84484}" type="datetime1">
               <a:rPr lang="en-GB" smtClean="0"/>
-              <a:t>04/01/2016</a:t>
+              <a:t>05/01/2016</a:t>
             </a:fld>
             <a:endParaRPr lang="en-GB"/>
           </a:p>
@@ -3808,7 +3808,7 @@
           <a:p>
             <a:fld id="{A3AAA307-BC5C-435E-9F75-3D6007B651A5}" type="slidenum">
               <a:rPr lang="en-GB" smtClean="0"/>
-              <a:t>‹#›</a:t>
+              <a:t>‹nr.›</a:t>
             </a:fld>
             <a:endParaRPr lang="en-GB"/>
           </a:p>
@@ -3936,7 +3936,7 @@
           <a:p>
             <a:fld id="{DBEF859E-FC17-4049-B5D8-0DB1DB648A1C}" type="datetime1">
               <a:rPr lang="en-GB" smtClean="0"/>
-              <a:t>04/01/2016</a:t>
+              <a:t>05/01/2016</a:t>
             </a:fld>
             <a:endParaRPr lang="en-GB"/>
           </a:p>
@@ -3982,7 +3982,7 @@
           <a:p>
             <a:fld id="{A3AAA307-BC5C-435E-9F75-3D6007B651A5}" type="slidenum">
               <a:rPr lang="en-GB" smtClean="0"/>
-              <a:t>‹#›</a:t>
+              <a:t>‹nr.›</a:t>
             </a:fld>
             <a:endParaRPr lang="en-GB"/>
           </a:p>
@@ -4120,7 +4120,7 @@
           <a:p>
             <a:fld id="{31601F83-63BF-475D-9B29-D444390134B0}" type="datetime1">
               <a:rPr lang="en-GB" smtClean="0"/>
-              <a:t>04/01/2016</a:t>
+              <a:t>05/01/2016</a:t>
             </a:fld>
             <a:endParaRPr lang="en-GB"/>
           </a:p>
@@ -4166,7 +4166,7 @@
           <a:p>
             <a:fld id="{A3AAA307-BC5C-435E-9F75-3D6007B651A5}" type="slidenum">
               <a:rPr lang="en-GB" smtClean="0"/>
-              <a:t>‹#›</a:t>
+              <a:t>‹nr.›</a:t>
             </a:fld>
             <a:endParaRPr lang="en-GB"/>
           </a:p>
@@ -4294,7 +4294,7 @@
           <a:p>
             <a:fld id="{0C3CD51F-4875-411B-AE14-AC6BE17149BE}" type="datetime1">
               <a:rPr lang="en-GB" smtClean="0"/>
-              <a:t>04/01/2016</a:t>
+              <a:t>05/01/2016</a:t>
             </a:fld>
             <a:endParaRPr lang="en-GB"/>
           </a:p>
@@ -4340,7 +4340,7 @@
           <a:p>
             <a:fld id="{A3AAA307-BC5C-435E-9F75-3D6007B651A5}" type="slidenum">
               <a:rPr lang="en-GB" smtClean="0"/>
-              <a:t>‹#›</a:t>
+              <a:t>‹nr.›</a:t>
             </a:fld>
             <a:endParaRPr lang="en-GB"/>
           </a:p>
@@ -4545,7 +4545,7 @@
           <a:p>
             <a:fld id="{D7A13E29-F9DA-4235-B179-6801D5C335E0}" type="datetime1">
               <a:rPr lang="en-GB" smtClean="0"/>
-              <a:t>04/01/2016</a:t>
+              <a:t>05/01/2016</a:t>
             </a:fld>
             <a:endParaRPr lang="en-GB"/>
           </a:p>
@@ -4591,7 +4591,7 @@
           <a:p>
             <a:fld id="{A3AAA307-BC5C-435E-9F75-3D6007B651A5}" type="slidenum">
               <a:rPr lang="en-GB" smtClean="0"/>
-              <a:t>‹#›</a:t>
+              <a:t>‹nr.›</a:t>
             </a:fld>
             <a:endParaRPr lang="en-GB"/>
           </a:p>
@@ -4781,7 +4781,7 @@
           <a:p>
             <a:fld id="{17E7B115-DA76-4A15-B0DB-1E0942A758E6}" type="datetime1">
               <a:rPr lang="en-GB" smtClean="0"/>
-              <a:t>04/01/2016</a:t>
+              <a:t>05/01/2016</a:t>
             </a:fld>
             <a:endParaRPr lang="en-GB"/>
           </a:p>
@@ -4827,7 +4827,7 @@
           <a:p>
             <a:fld id="{A3AAA307-BC5C-435E-9F75-3D6007B651A5}" type="slidenum">
               <a:rPr lang="en-GB" smtClean="0"/>
-              <a:t>‹#›</a:t>
+              <a:t>‹nr.›</a:t>
             </a:fld>
             <a:endParaRPr lang="en-GB"/>
           </a:p>
@@ -5159,7 +5159,7 @@
           <a:p>
             <a:fld id="{E9C155A6-10E7-4AE0-A978-61287BEECA4C}" type="datetime1">
               <a:rPr lang="en-GB" smtClean="0"/>
-              <a:t>04/01/2016</a:t>
+              <a:t>05/01/2016</a:t>
             </a:fld>
             <a:endParaRPr lang="en-GB"/>
           </a:p>
@@ -5205,7 +5205,7 @@
           <a:p>
             <a:fld id="{A3AAA307-BC5C-435E-9F75-3D6007B651A5}" type="slidenum">
               <a:rPr lang="en-GB" smtClean="0"/>
-              <a:t>‹#›</a:t>
+              <a:t>‹nr.›</a:t>
             </a:fld>
             <a:endParaRPr lang="en-GB"/>
           </a:p>
@@ -5286,7 +5286,7 @@
           <a:p>
             <a:fld id="{73961DA1-B789-43DA-B41F-367E45E14A87}" type="datetime1">
               <a:rPr lang="en-GB" smtClean="0"/>
-              <a:t>04/01/2016</a:t>
+              <a:t>05/01/2016</a:t>
             </a:fld>
             <a:endParaRPr lang="en-GB"/>
           </a:p>
@@ -5332,7 +5332,7 @@
           <a:p>
             <a:fld id="{A3AAA307-BC5C-435E-9F75-3D6007B651A5}" type="slidenum">
               <a:rPr lang="en-GB" smtClean="0"/>
-              <a:t>‹#›</a:t>
+              <a:t>‹nr.›</a:t>
             </a:fld>
             <a:endParaRPr lang="en-GB"/>
           </a:p>
@@ -5385,7 +5385,7 @@
           <a:p>
             <a:fld id="{DA1BD0E5-CF08-4746-888E-2D733D556074}" type="datetime1">
               <a:rPr lang="en-GB" smtClean="0"/>
-              <a:t>04/01/2016</a:t>
+              <a:t>05/01/2016</a:t>
             </a:fld>
             <a:endParaRPr lang="en-GB"/>
           </a:p>
@@ -5431,7 +5431,7 @@
           <a:p>
             <a:fld id="{A3AAA307-BC5C-435E-9F75-3D6007B651A5}" type="slidenum">
               <a:rPr lang="en-GB" smtClean="0"/>
-              <a:t>‹#›</a:t>
+              <a:t>‹nr.›</a:t>
             </a:fld>
             <a:endParaRPr lang="en-GB"/>
           </a:p>
@@ -5644,7 +5644,7 @@
           <a:p>
             <a:fld id="{91A550A3-096A-496C-87AD-3A39D20C628E}" type="datetime1">
               <a:rPr lang="en-GB" smtClean="0"/>
-              <a:t>04/01/2016</a:t>
+              <a:t>05/01/2016</a:t>
             </a:fld>
             <a:endParaRPr lang="en-GB"/>
           </a:p>
@@ -5690,7 +5690,7 @@
           <a:p>
             <a:fld id="{A3AAA307-BC5C-435E-9F75-3D6007B651A5}" type="slidenum">
               <a:rPr lang="en-GB" smtClean="0"/>
-              <a:t>‹#›</a:t>
+              <a:t>‹nr.›</a:t>
             </a:fld>
             <a:endParaRPr lang="en-GB"/>
           </a:p>
@@ -5911,7 +5911,7 @@
           <a:p>
             <a:fld id="{9A7CFD0D-77B1-493B-A7CA-4E8359C26366}" type="datetime1">
               <a:rPr lang="en-GB" smtClean="0"/>
-              <a:t>04/01/2016</a:t>
+              <a:t>05/01/2016</a:t>
             </a:fld>
             <a:endParaRPr lang="en-GB"/>
           </a:p>
@@ -5957,7 +5957,7 @@
           <a:p>
             <a:fld id="{A3AAA307-BC5C-435E-9F75-3D6007B651A5}" type="slidenum">
               <a:rPr lang="en-GB" smtClean="0"/>
-              <a:t>‹#›</a:t>
+              <a:t>‹nr.›</a:t>
             </a:fld>
             <a:endParaRPr lang="en-GB"/>
           </a:p>
@@ -6660,7 +6660,7 @@
           <a:p>
             <a:fld id="{EF7A9A45-2E76-4088-871F-04CACEBEB6E2}" type="datetime1">
               <a:rPr lang="en-GB" smtClean="0"/>
-              <a:t>04/01/2016</a:t>
+              <a:t>05/01/2016</a:t>
             </a:fld>
             <a:endParaRPr lang="en-GB"/>
           </a:p>
@@ -6742,7 +6742,7 @@
           <a:p>
             <a:fld id="{A3AAA307-BC5C-435E-9F75-3D6007B651A5}" type="slidenum">
               <a:rPr lang="en-GB" smtClean="0"/>
-              <a:t>‹#›</a:t>
+              <a:t>‹nr.›</a:t>
             </a:fld>
             <a:endParaRPr lang="en-GB"/>
           </a:p>
@@ -7324,6 +7324,13 @@
   <p:clrMapOvr>
     <a:masterClrMapping/>
   </p:clrMapOvr>
+  <p:timing>
+    <p:tnLst>
+      <p:par>
+        <p:cTn id="1" dur="indefinite" restart="never" nodeType="tmRoot"/>
+      </p:par>
+    </p:tnLst>
+  </p:timing>
 </p:sld>
 </file>
 
@@ -7606,6 +7613,13 @@
   <p:clrMapOvr>
     <a:masterClrMapping/>
   </p:clrMapOvr>
+  <p:timing>
+    <p:tnLst>
+      <p:par>
+        <p:cTn id="1" dur="indefinite" restart="never" nodeType="tmRoot"/>
+      </p:par>
+    </p:tnLst>
+  </p:timing>
 </p:sld>
 </file>
 
@@ -7991,6 +8005,13 @@
   <p:clrMapOvr>
     <a:masterClrMapping/>
   </p:clrMapOvr>
+  <p:timing>
+    <p:tnLst>
+      <p:par>
+        <p:cTn id="1" dur="indefinite" restart="never" nodeType="tmRoot"/>
+      </p:par>
+    </p:tnLst>
+  </p:timing>
 </p:sld>
 </file>
 
@@ -8628,6 +8649,13 @@
   <p:clrMapOvr>
     <a:masterClrMapping/>
   </p:clrMapOvr>
+  <p:timing>
+    <p:tnLst>
+      <p:par>
+        <p:cTn id="1" dur="indefinite" restart="never" nodeType="tmRoot"/>
+      </p:par>
+    </p:tnLst>
+  </p:timing>
 </p:sld>
 </file>
 
@@ -8745,6 +8773,13 @@
   <p:clrMapOvr>
     <a:masterClrMapping/>
   </p:clrMapOvr>
+  <p:timing>
+    <p:tnLst>
+      <p:par>
+        <p:cTn id="1" dur="indefinite" restart="never" nodeType="tmRoot"/>
+      </p:par>
+    </p:tnLst>
+  </p:timing>
 </p:sld>
 </file>
 
@@ -9077,6 +9112,13 @@
   <p:clrMapOvr>
     <a:masterClrMapping/>
   </p:clrMapOvr>
+  <p:timing>
+    <p:tnLst>
+      <p:par>
+        <p:cTn id="1" dur="indefinite" restart="never" nodeType="tmRoot"/>
+      </p:par>
+    </p:tnLst>
+  </p:timing>
 </p:sld>
 </file>
 
@@ -9232,6 +9274,13 @@
   <p:clrMapOvr>
     <a:masterClrMapping/>
   </p:clrMapOvr>
+  <p:timing>
+    <p:tnLst>
+      <p:par>
+        <p:cTn id="1" dur="indefinite" restart="never" nodeType="tmRoot"/>
+      </p:par>
+    </p:tnLst>
+  </p:timing>
 </p:sld>
 </file>
 
@@ -9772,6 +9821,13 @@
   <p:clrMapOvr>
     <a:masterClrMapping/>
   </p:clrMapOvr>
+  <p:timing>
+    <p:tnLst>
+      <p:par>
+        <p:cTn id="1" dur="indefinite" restart="never" nodeType="tmRoot"/>
+      </p:par>
+    </p:tnLst>
+  </p:timing>
 </p:sld>
 </file>
 
@@ -10017,8 +10073,12 @@
                   <a:buAutoNum type="arabicPeriod"/>
                 </a:pPr>
                 <a:r>
+                  <a:rPr lang="en-US" smtClean="0"/>
+                  <a:t>a </a:t>
+                </a:r>
+                <a:r>
                   <a:rPr lang="en-US" dirty="0"/>
-                  <a:t> a path that goes from </a:t>
+                  <a:t>path that goes from </a:t>
                 </a:r>
                 <a14:m>
                   <m:oMath xmlns:m="http://schemas.openxmlformats.org/officeDocument/2006/math">
@@ -10301,6 +10361,13 @@
   <p:clrMapOvr>
     <a:masterClrMapping/>
   </p:clrMapOvr>
+  <p:timing>
+    <p:tnLst>
+      <p:par>
+        <p:cTn id="1" dur="indefinite" restart="never" nodeType="tmRoot"/>
+      </p:par>
+    </p:tnLst>
+  </p:timing>
 </p:sld>
 </file>
 
@@ -10583,6 +10650,13 @@
   <p:clrMapOvr>
     <a:masterClrMapping/>
   </p:clrMapOvr>
+  <p:timing>
+    <p:tnLst>
+      <p:par>
+        <p:cTn id="1" dur="indefinite" restart="never" nodeType="tmRoot"/>
+      </p:par>
+    </p:tnLst>
+  </p:timing>
 </p:sld>
 </file>
 
@@ -11148,6 +11222,13 @@
   <p:clrMapOvr>
     <a:masterClrMapping/>
   </p:clrMapOvr>
+  <p:timing>
+    <p:tnLst>
+      <p:par>
+        <p:cTn id="1" dur="indefinite" restart="never" nodeType="tmRoot"/>
+      </p:par>
+    </p:tnLst>
+  </p:timing>
 </p:sld>
 </file>
 
@@ -11218,18 +11299,9 @@
           <a:p>
             <a:pPr lvl="1"/>
             <a:r>
-              <a:rPr lang="en-GB" b="1" strike="sngStrike" dirty="0">
-                <a:solidFill>
-                  <a:schemeClr val="tx1"/>
-                </a:solidFill>
-              </a:rPr>
+              <a:rPr lang="en-GB" b="1" strike="sngStrike" dirty="0"/>
               <a:t>Empirical and complexity analysis</a:t>
             </a:r>
-            <a:endParaRPr lang="en-GB" strike="sngStrike" dirty="0">
-              <a:solidFill>
-                <a:schemeClr val="tx1"/>
-              </a:solidFill>
-            </a:endParaRPr>
           </a:p>
           <a:p>
             <a:r>
@@ -11244,11 +11316,7 @@
           <a:p>
             <a:pPr lvl="1"/>
             <a:r>
-              <a:rPr lang="en-GB" b="1" strike="sngStrike" dirty="0">
-                <a:solidFill>
-                  <a:schemeClr val="tx1"/>
-                </a:solidFill>
-              </a:rPr>
+              <a:rPr lang="en-GB" b="1" strike="sngStrike" dirty="0"/>
               <a:t>Sorting algorithms</a:t>
             </a:r>
           </a:p>
@@ -11327,6 +11395,13 @@
   <p:clrMapOvr>
     <a:masterClrMapping/>
   </p:clrMapOvr>
+  <p:timing>
+    <p:tnLst>
+      <p:par>
+        <p:cTn id="1" dur="indefinite" restart="never" nodeType="tmRoot"/>
+      </p:par>
+    </p:tnLst>
+  </p:timing>
 </p:sld>
 </file>
 
@@ -11788,6 +11863,13 @@
   <p:clrMapOvr>
     <a:masterClrMapping/>
   </p:clrMapOvr>
+  <p:timing>
+    <p:tnLst>
+      <p:par>
+        <p:cTn id="1" dur="indefinite" restart="never" nodeType="tmRoot"/>
+      </p:par>
+    </p:tnLst>
+  </p:timing>
 </p:sld>
 </file>
 
@@ -12836,6 +12918,13 @@
   <p:clrMapOvr>
     <a:masterClrMapping/>
   </p:clrMapOvr>
+  <p:timing>
+    <p:tnLst>
+      <p:par>
+        <p:cTn id="1" dur="indefinite" restart="never" nodeType="tmRoot"/>
+      </p:par>
+    </p:tnLst>
+  </p:timing>
 </p:sld>
 </file>
 
@@ -12866,7 +12955,12 @@
             <p:ph type="title"/>
           </p:nvPr>
         </p:nvSpPr>
-        <p:spPr/>
+        <p:spPr>
+          <a:xfrm>
+            <a:off x="677333" y="609600"/>
+            <a:ext cx="9135739" cy="1320800"/>
+          </a:xfrm>
+        </p:spPr>
         <p:txBody>
           <a:bodyPr>
             <a:normAutofit/>
@@ -13660,6 +13754,13 @@
   <p:clrMapOvr>
     <a:masterClrMapping/>
   </p:clrMapOvr>
+  <p:timing>
+    <p:tnLst>
+      <p:par>
+        <p:cTn id="1" dur="indefinite" restart="never" nodeType="tmRoot"/>
+      </p:par>
+    </p:tnLst>
+  </p:timing>
 </p:sld>
 </file>
 
@@ -13697,7 +13798,7 @@
           <a:p>
             <a:r>
               <a:rPr lang="en-US" dirty="0" smtClean="0"/>
-              <a:t>Floyd </a:t>
+              <a:t>Floyd-</a:t>
             </a:r>
             <a:r>
               <a:rPr lang="en-US" dirty="0" err="1" smtClean="0"/>
@@ -13715,73 +13816,169 @@
           </a:p>
         </p:txBody>
       </p:sp>
-      <p:sp>
-        <p:nvSpPr>
-          <p:cNvPr id="3" name="Content Placeholder 2"/>
-          <p:cNvSpPr>
-            <a:spLocks noGrp="1"/>
-          </p:cNvSpPr>
-          <p:nvPr>
-            <p:ph idx="1"/>
-          </p:nvPr>
-        </p:nvSpPr>
-        <p:spPr/>
-        <p:txBody>
-          <a:bodyPr/>
-          <a:lstStyle/>
-          <a:p>
-            <a:r>
-              <a:rPr lang="en-US" dirty="0" smtClean="0"/>
-              <a:t>We can save the intermediate results we compute into a matrix.</a:t>
-            </a:r>
-          </a:p>
-          <a:p>
-            <a:r>
-              <a:rPr lang="en-US" dirty="0" smtClean="0"/>
-              <a:t>This matrix contains the length of the path from vertex </a:t>
-            </a:r>
-            <a:r>
-              <a:rPr lang="en-US" dirty="0" err="1" smtClean="0"/>
-              <a:t>i</a:t>
-            </a:r>
-            <a:r>
-              <a:rPr lang="en-US" dirty="0" smtClean="0"/>
-              <a:t> to vertex j.</a:t>
-            </a:r>
-          </a:p>
-          <a:p>
-            <a:r>
-              <a:rPr lang="en-US" dirty="0" smtClean="0"/>
-              <a:t>The algorithm uses an iterative bottom up approach. </a:t>
-            </a:r>
-          </a:p>
-          <a:p>
-            <a:r>
-              <a:rPr lang="en-US" dirty="0" smtClean="0"/>
-              <a:t>We start by filling the matrix with the base case solutions, i.e. with 0 the distance between a vertex and itself, and with w(</a:t>
-            </a:r>
-            <a:r>
-              <a:rPr lang="en-US" dirty="0" err="1"/>
-              <a:t>i</a:t>
-            </a:r>
-            <a:r>
-              <a:rPr lang="en-US" dirty="0" err="1" smtClean="0"/>
-              <a:t>,j</a:t>
-            </a:r>
-            <a:r>
-              <a:rPr lang="en-US" dirty="0" smtClean="0"/>
-              <a:t>) the distance between adjacent vertices.</a:t>
-            </a:r>
-          </a:p>
-          <a:p>
-            <a:r>
-              <a:rPr lang="en-US" dirty="0" smtClean="0"/>
-              <a:t>We fill in the matrix by iteratively expanding the set of intermediate vertices to use in the path.</a:t>
-            </a:r>
-            <a:endParaRPr lang="it-IT" dirty="0"/>
-          </a:p>
-        </p:txBody>
-      </p:sp>
+      <mc:AlternateContent xmlns:mc="http://schemas.openxmlformats.org/markup-compatibility/2006" xmlns:a14="http://schemas.microsoft.com/office/drawing/2010/main">
+        <mc:Choice Requires="a14">
+          <p:sp>
+            <p:nvSpPr>
+              <p:cNvPr id="3" name="Content Placeholder 2"/>
+              <p:cNvSpPr>
+                <a:spLocks noGrp="1"/>
+              </p:cNvSpPr>
+              <p:nvPr>
+                <p:ph idx="1"/>
+              </p:nvPr>
+            </p:nvSpPr>
+            <p:spPr>
+              <a:xfrm>
+                <a:off x="677334" y="2160589"/>
+                <a:ext cx="8265944" cy="3880773"/>
+              </a:xfrm>
+            </p:spPr>
+            <p:txBody>
+              <a:bodyPr>
+                <a:normAutofit lnSpcReduction="10000"/>
+              </a:bodyPr>
+              <a:lstStyle/>
+              <a:p>
+                <a:r>
+                  <a:rPr lang="en-US" dirty="0" smtClean="0"/>
+                  <a:t>How do we avoid to compute the same thing multiple times?</a:t>
+                </a:r>
+              </a:p>
+              <a:p>
+                <a:pPr lvl="1"/>
+                <a:r>
+                  <a:rPr lang="en-US" dirty="0" smtClean="0"/>
+                  <a:t>Saving the intermediate results into a matrix!</a:t>
+                </a:r>
+              </a:p>
+              <a:p>
+                <a:pPr lvl="1"/>
+                <a:r>
+                  <a:rPr lang="en-US" dirty="0" smtClean="0"/>
+                  <a:t>This matrix contains the </a:t>
+                </a:r>
+                <a:r>
+                  <a:rPr lang="en-US" i="1" dirty="0" smtClean="0"/>
+                  <a:t>length of the path from vertex </a:t>
+                </a:r>
+                <a:r>
+                  <a:rPr lang="en-US" i="1" dirty="0" err="1" smtClean="0"/>
+                  <a:t>i</a:t>
+                </a:r>
+                <a:r>
+                  <a:rPr lang="en-US" i="1" dirty="0" smtClean="0"/>
+                  <a:t> to vertex j</a:t>
+                </a:r>
+              </a:p>
+              <a:p>
+                <a:endParaRPr lang="en-US" dirty="0" smtClean="0"/>
+              </a:p>
+              <a:p>
+                <a:r>
+                  <a:rPr lang="en-US" dirty="0" smtClean="0"/>
+                  <a:t>The algorithm uses an iterative bottom up approach</a:t>
+                </a:r>
+              </a:p>
+              <a:p>
+                <a:pPr lvl="1"/>
+                <a:r>
+                  <a:rPr lang="en-US" dirty="0" smtClean="0"/>
+                  <a:t>Start by: filling the matrix with the </a:t>
+                </a:r>
+                <a:r>
+                  <a:rPr lang="en-US" i="1" dirty="0" smtClean="0"/>
+                  <a:t>base case solutions</a:t>
+                </a:r>
+              </a:p>
+              <a:p>
+                <a:pPr lvl="2"/>
+                <a:r>
+                  <a:rPr lang="en-US" dirty="0" smtClean="0"/>
+                  <a:t>0 is the distance between a vertex and itself</a:t>
+                </a:r>
+              </a:p>
+              <a:p>
+                <a:pPr lvl="2"/>
+                <a:r>
+                  <a:rPr lang="en-US" dirty="0" smtClean="0"/>
+                  <a:t>w(</a:t>
+                </a:r>
+                <a:r>
+                  <a:rPr lang="en-US" dirty="0" err="1" smtClean="0"/>
+                  <a:t>i,j</a:t>
+                </a:r>
+                <a:r>
+                  <a:rPr lang="en-US" dirty="0" smtClean="0"/>
+                  <a:t>) is the distance between adjacent vertices</a:t>
+                </a:r>
+              </a:p>
+              <a:p>
+                <a:pPr lvl="2"/>
+                <a14:m>
+                  <m:oMath xmlns:m="http://schemas.openxmlformats.org/officeDocument/2006/math">
+                    <m:r>
+                      <a:rPr lang="nl-NL" b="0" i="1" smtClean="0">
+                        <a:latin typeface="Cambria Math" panose="02040503050406030204" pitchFamily="18" charset="0"/>
+                      </a:rPr>
+                      <m:t>∞</m:t>
+                    </m:r>
+                  </m:oMath>
+                </a14:m>
+                <a:r>
+                  <a:rPr lang="en-US" dirty="0" smtClean="0"/>
+                  <a:t> is the distance between non-adjacent vertices</a:t>
+                </a:r>
+              </a:p>
+              <a:p>
+                <a:pPr lvl="1"/>
+                <a:r>
+                  <a:rPr lang="en-US" dirty="0" smtClean="0"/>
+                  <a:t>Iterative part: filling in the matrix by iteratively expanding the set of intermediate vertices to use in the path</a:t>
+                </a:r>
+                <a:endParaRPr lang="it-IT" dirty="0"/>
+              </a:p>
+            </p:txBody>
+          </p:sp>
+        </mc:Choice>
+        <mc:Fallback xmlns="">
+          <p:sp>
+            <p:nvSpPr>
+              <p:cNvPr id="3" name="Content Placeholder 2"/>
+              <p:cNvSpPr>
+                <a:spLocks noGrp="1" noRot="1" noChangeAspect="1" noMove="1" noResize="1" noEditPoints="1" noAdjustHandles="1" noChangeArrowheads="1" noChangeShapeType="1" noTextEdit="1"/>
+              </p:cNvSpPr>
+              <p:nvPr>
+                <p:ph idx="1"/>
+              </p:nvPr>
+            </p:nvSpPr>
+            <p:spPr>
+              <a:xfrm>
+                <a:off x="677334" y="2160589"/>
+                <a:ext cx="8265944" cy="3880773"/>
+              </a:xfrm>
+              <a:blipFill rotWithShape="0">
+                <a:blip r:embed="rId2"/>
+                <a:stretch>
+                  <a:fillRect l="-147" t="-1570"/>
+                </a:stretch>
+              </a:blipFill>
+            </p:spPr>
+            <p:txBody>
+              <a:bodyPr/>
+              <a:lstStyle/>
+              <a:p>
+                <a:r>
+                  <a:rPr lang="nl-NL">
+                    <a:noFill/>
+                  </a:rPr>
+                  <a:t> </a:t>
+                </a:r>
+              </a:p>
+            </p:txBody>
+          </p:sp>
+        </mc:Fallback>
+      </mc:AlternateContent>
       <p:sp>
         <p:nvSpPr>
           <p:cNvPr id="4" name="Footer Placeholder 3"/>
@@ -13815,6 +14012,13 @@
   <p:clrMapOvr>
     <a:masterClrMapping/>
   </p:clrMapOvr>
+  <p:timing>
+    <p:tnLst>
+      <p:par>
+        <p:cTn id="1" dur="indefinite" restart="never" nodeType="tmRoot"/>
+      </p:par>
+    </p:tnLst>
+  </p:timing>
 </p:sld>
 </file>
 
@@ -14770,6 +14974,13 @@
   <p:clrMapOvr>
     <a:masterClrMapping/>
   </p:clrMapOvr>
+  <p:timing>
+    <p:tnLst>
+      <p:par>
+        <p:cTn id="1" dur="indefinite" restart="never" nodeType="tmRoot"/>
+      </p:par>
+    </p:tnLst>
+  </p:timing>
 </p:sld>
 </file>
 
@@ -15434,6 +15645,13 @@
   <p:clrMapOvr>
     <a:masterClrMapping/>
   </p:clrMapOvr>
+  <p:timing>
+    <p:tnLst>
+      <p:par>
+        <p:cTn id="1" dur="indefinite" restart="never" nodeType="tmRoot"/>
+      </p:par>
+    </p:tnLst>
+  </p:timing>
 </p:sld>
 </file>
 
@@ -16195,6 +16413,13 @@
   <p:clrMapOvr>
     <a:masterClrMapping/>
   </p:clrMapOvr>
+  <p:timing>
+    <p:tnLst>
+      <p:par>
+        <p:cTn id="1" dur="indefinite" restart="never" nodeType="tmRoot"/>
+      </p:par>
+    </p:tnLst>
+  </p:timing>
 </p:sld>
 </file>
 
@@ -16694,6 +16919,178 @@
   <p:clrMapOvr>
     <a:masterClrMapping/>
   </p:clrMapOvr>
+  <p:timing>
+    <p:tnLst>
+      <p:par>
+        <p:cTn id="1" dur="indefinite" restart="never" nodeType="tmRoot">
+          <p:childTnLst>
+            <p:seq concurrent="1" nextAc="seek">
+              <p:cTn id="2" dur="indefinite" nodeType="mainSeq">
+                <p:childTnLst>
+                  <p:par>
+                    <p:cTn id="3" fill="hold">
+                      <p:stCondLst>
+                        <p:cond delay="indefinite"/>
+                      </p:stCondLst>
+                      <p:childTnLst>
+                        <p:par>
+                          <p:cTn id="4" fill="hold">
+                            <p:stCondLst>
+                              <p:cond delay="0"/>
+                            </p:stCondLst>
+                            <p:childTnLst>
+                              <p:par>
+                                <p:cTn id="5" presetID="1" presetClass="entr" presetSubtype="0" fill="hold" nodeType="clickEffect">
+                                  <p:stCondLst>
+                                    <p:cond delay="0"/>
+                                  </p:stCondLst>
+                                  <p:childTnLst>
+                                    <p:set>
+                                      <p:cBhvr>
+                                        <p:cTn id="6" dur="1" fill="hold">
+                                          <p:stCondLst>
+                                            <p:cond delay="0"/>
+                                          </p:stCondLst>
+                                        </p:cTn>
+                                        <p:tgtEl>
+                                          <p:spTgt spid="3">
+                                            <p:txEl>
+                                              <p:pRg st="1" end="1"/>
+                                            </p:txEl>
+                                          </p:spTgt>
+                                        </p:tgtEl>
+                                        <p:attrNameLst>
+                                          <p:attrName>style.visibility</p:attrName>
+                                        </p:attrNameLst>
+                                      </p:cBhvr>
+                                      <p:to>
+                                        <p:strVal val="visible"/>
+                                      </p:to>
+                                    </p:set>
+                                  </p:childTnLst>
+                                </p:cTn>
+                              </p:par>
+                              <p:par>
+                                <p:cTn id="7" presetID="1" presetClass="entr" presetSubtype="0" fill="hold" nodeType="withEffect">
+                                  <p:stCondLst>
+                                    <p:cond delay="0"/>
+                                  </p:stCondLst>
+                                  <p:childTnLst>
+                                    <p:set>
+                                      <p:cBhvr>
+                                        <p:cTn id="8" dur="1" fill="hold">
+                                          <p:stCondLst>
+                                            <p:cond delay="0"/>
+                                          </p:stCondLst>
+                                        </p:cTn>
+                                        <p:tgtEl>
+                                          <p:spTgt spid="3">
+                                            <p:txEl>
+                                              <p:pRg st="2" end="2"/>
+                                            </p:txEl>
+                                          </p:spTgt>
+                                        </p:tgtEl>
+                                        <p:attrNameLst>
+                                          <p:attrName>style.visibility</p:attrName>
+                                        </p:attrNameLst>
+                                      </p:cBhvr>
+                                      <p:to>
+                                        <p:strVal val="visible"/>
+                                      </p:to>
+                                    </p:set>
+                                  </p:childTnLst>
+                                </p:cTn>
+                              </p:par>
+                              <p:par>
+                                <p:cTn id="9" presetID="1" presetClass="entr" presetSubtype="0" fill="hold" nodeType="withEffect">
+                                  <p:stCondLst>
+                                    <p:cond delay="0"/>
+                                  </p:stCondLst>
+                                  <p:childTnLst>
+                                    <p:set>
+                                      <p:cBhvr>
+                                        <p:cTn id="10" dur="1" fill="hold">
+                                          <p:stCondLst>
+                                            <p:cond delay="0"/>
+                                          </p:stCondLst>
+                                        </p:cTn>
+                                        <p:tgtEl>
+                                          <p:spTgt spid="3">
+                                            <p:txEl>
+                                              <p:pRg st="3" end="3"/>
+                                            </p:txEl>
+                                          </p:spTgt>
+                                        </p:tgtEl>
+                                        <p:attrNameLst>
+                                          <p:attrName>style.visibility</p:attrName>
+                                        </p:attrNameLst>
+                                      </p:cBhvr>
+                                      <p:to>
+                                        <p:strVal val="visible"/>
+                                      </p:to>
+                                    </p:set>
+                                  </p:childTnLst>
+                                </p:cTn>
+                              </p:par>
+                              <p:par>
+                                <p:cTn id="11" presetID="1" presetClass="entr" presetSubtype="0" fill="hold" nodeType="withEffect">
+                                  <p:stCondLst>
+                                    <p:cond delay="0"/>
+                                  </p:stCondLst>
+                                  <p:childTnLst>
+                                    <p:set>
+                                      <p:cBhvr>
+                                        <p:cTn id="12" dur="1" fill="hold">
+                                          <p:stCondLst>
+                                            <p:cond delay="0"/>
+                                          </p:stCondLst>
+                                        </p:cTn>
+                                        <p:tgtEl>
+                                          <p:spTgt spid="3">
+                                            <p:txEl>
+                                              <p:pRg st="4" end="4"/>
+                                            </p:txEl>
+                                          </p:spTgt>
+                                        </p:tgtEl>
+                                        <p:attrNameLst>
+                                          <p:attrName>style.visibility</p:attrName>
+                                        </p:attrNameLst>
+                                      </p:cBhvr>
+                                      <p:to>
+                                        <p:strVal val="visible"/>
+                                      </p:to>
+                                    </p:set>
+                                  </p:childTnLst>
+                                </p:cTn>
+                              </p:par>
+                            </p:childTnLst>
+                          </p:cTn>
+                        </p:par>
+                      </p:childTnLst>
+                    </p:cTn>
+                  </p:par>
+                </p:childTnLst>
+              </p:cTn>
+              <p:prevCondLst>
+                <p:cond evt="onPrev" delay="0">
+                  <p:tgtEl>
+                    <p:sldTgt/>
+                  </p:tgtEl>
+                </p:cond>
+              </p:prevCondLst>
+              <p:nextCondLst>
+                <p:cond evt="onNext" delay="0">
+                  <p:tgtEl>
+                    <p:sldTgt/>
+                  </p:tgtEl>
+                </p:cond>
+              </p:nextCondLst>
+            </p:seq>
+          </p:childTnLst>
+        </p:cTn>
+      </p:par>
+    </p:tnLst>
+  </p:timing>
 </p:sld>
 </file>
 
@@ -16848,6 +17245,13 @@
   <p:clrMapOvr>
     <a:masterClrMapping/>
   </p:clrMapOvr>
+  <p:timing>
+    <p:tnLst>
+      <p:par>
+        <p:cTn id="1" dur="indefinite" restart="never" nodeType="tmRoot"/>
+      </p:par>
+    </p:tnLst>
+  </p:timing>
 </p:sld>
 </file>
 
@@ -17045,6 +17449,13 @@
   <p:clrMapOvr>
     <a:masterClrMapping/>
   </p:clrMapOvr>
+  <p:timing>
+    <p:tnLst>
+      <p:par>
+        <p:cTn id="1" dur="indefinite" restart="never" nodeType="tmRoot"/>
+      </p:par>
+    </p:tnLst>
+  </p:timing>
 </p:sld>
 </file>
 
@@ -17296,6 +17707,13 @@
   <p:clrMapOvr>
     <a:masterClrMapping/>
   </p:clrMapOvr>
+  <p:timing>
+    <p:tnLst>
+      <p:par>
+        <p:cTn id="1" dur="indefinite" restart="never" nodeType="tmRoot"/>
+      </p:par>
+    </p:tnLst>
+  </p:timing>
 </p:sld>
 </file>
 
@@ -17536,6 +17954,13 @@
   <p:clrMapOvr>
     <a:masterClrMapping/>
   </p:clrMapOvr>
+  <p:timing>
+    <p:tnLst>
+      <p:par>
+        <p:cTn id="1" dur="indefinite" restart="never" nodeType="tmRoot"/>
+      </p:par>
+    </p:tnLst>
+  </p:timing>
 </p:sld>
 </file>
 
@@ -17733,6 +18158,13 @@
   <p:clrMapOvr>
     <a:masterClrMapping/>
   </p:clrMapOvr>
+  <p:timing>
+    <p:tnLst>
+      <p:par>
+        <p:cTn id="1" dur="indefinite" restart="never" nodeType="tmRoot"/>
+      </p:par>
+    </p:tnLst>
+  </p:timing>
 </p:sld>
 </file>
 
@@ -17932,6 +18364,13 @@
   <p:clrMapOvr>
     <a:masterClrMapping/>
   </p:clrMapOvr>
+  <p:timing>
+    <p:tnLst>
+      <p:par>
+        <p:cTn id="1" dur="indefinite" restart="never" nodeType="tmRoot"/>
+      </p:par>
+    </p:tnLst>
+  </p:timing>
 </p:sld>
 </file>
 
@@ -18114,7 +18553,50 @@
                   <a:schemeClr val="tx1"/>
                 </a:solidFill>
               </a:rPr>
-              <a:t>Next week we discuss together your solutions </a:t>
+              <a:t>Next week we discuss together your </a:t>
+            </a:r>
+            <a:r>
+              <a:rPr lang="en-GB" i="1" dirty="0" smtClean="0">
+                <a:solidFill>
+                  <a:schemeClr val="tx1"/>
+                </a:solidFill>
+              </a:rPr>
+              <a:t>solutions</a:t>
+            </a:r>
+          </a:p>
+          <a:p>
+            <a:pPr lvl="1"/>
+            <a:r>
+              <a:rPr lang="en-GB" i="1" dirty="0" smtClean="0">
+                <a:solidFill>
+                  <a:schemeClr val="tx1"/>
+                </a:solidFill>
+              </a:rPr>
+              <a:t>Note: the general structure of the exam is in the </a:t>
+            </a:r>
+            <a:r>
+              <a:rPr lang="en-GB" i="1" dirty="0" err="1" smtClean="0">
+                <a:solidFill>
+                  <a:schemeClr val="tx1"/>
+                </a:solidFill>
+              </a:rPr>
+              <a:t>modulewijzer</a:t>
+            </a:r>
+            <a:r>
+              <a:rPr lang="en-GB" i="1" smtClean="0">
+                <a:solidFill>
+                  <a:schemeClr val="tx1"/>
+                </a:solidFill>
+              </a:rPr>
+              <a:t>… </a:t>
+            </a:r>
+            <a:r>
+              <a:rPr lang="en-GB" i="1" dirty="0" smtClean="0">
+                <a:solidFill>
+                  <a:schemeClr val="tx1"/>
+                </a:solidFill>
+              </a:rPr>
+              <a:t>take a look at it!</a:t>
             </a:r>
             <a:endParaRPr lang="nl-NL" dirty="0"/>
           </a:p>
@@ -18153,6 +18635,13 @@
   <p:clrMapOvr>
     <a:masterClrMapping/>
   </p:clrMapOvr>
+  <p:timing>
+    <p:tnLst>
+      <p:par>
+        <p:cTn id="1" dur="indefinite" restart="never" nodeType="tmRoot"/>
+      </p:par>
+    </p:tnLst>
+  </p:timing>
 </p:sld>
 </file>
 
@@ -18236,6 +18725,13 @@
   <p:clrMapOvr>
     <a:masterClrMapping/>
   </p:clrMapOvr>
+  <p:timing>
+    <p:tnLst>
+      <p:par>
+        <p:cTn id="1" dur="indefinite" restart="never" nodeType="tmRoot"/>
+      </p:par>
+    </p:tnLst>
+  </p:timing>
 </p:sld>
 </file>
 
@@ -18605,6 +19101,13 @@
   <p:clrMapOvr>
     <a:masterClrMapping/>
   </p:clrMapOvr>
+  <p:timing>
+    <p:tnLst>
+      <p:par>
+        <p:cTn id="1" dur="indefinite" restart="never" nodeType="tmRoot"/>
+      </p:par>
+    </p:tnLst>
+  </p:timing>
 </p:sld>
 </file>
 
@@ -18800,14 +19303,14 @@
                 <a:gridCol w="1211858">
                   <a:extLst>
                     <a:ext uri="{9D8B030D-6E8A-4147-A177-3AD203B41FA5}">
-                      <a16:colId xmlns:a16="http://schemas.microsoft.com/office/drawing/2014/main" val="3737604255"/>
+                      <a16:colId xmlns:a16="http://schemas.microsoft.com/office/drawing/2014/main" xmlns="" val="3737604255"/>
                     </a:ext>
                   </a:extLst>
                 </a:gridCol>
                 <a:gridCol w="2040674">
                   <a:extLst>
                     <a:ext uri="{9D8B030D-6E8A-4147-A177-3AD203B41FA5}">
-                      <a16:colId xmlns:a16="http://schemas.microsoft.com/office/drawing/2014/main" val="389226352"/>
+                      <a16:colId xmlns:a16="http://schemas.microsoft.com/office/drawing/2014/main" xmlns="" val="389226352"/>
                     </a:ext>
                   </a:extLst>
                 </a:gridCol>
@@ -18877,7 +19380,7 @@
                 </a:tc>
                 <a:extLst>
                   <a:ext uri="{0D108BD9-81ED-4DB2-BD59-A6C34878D82A}">
-                    <a16:rowId xmlns:a16="http://schemas.microsoft.com/office/drawing/2014/main" val="3883935320"/>
+                    <a16:rowId xmlns:a16="http://schemas.microsoft.com/office/drawing/2014/main" xmlns="" val="3883935320"/>
                   </a:ext>
                 </a:extLst>
               </a:tr>
@@ -18930,7 +19433,7 @@
                 </a:tc>
                 <a:extLst>
                   <a:ext uri="{0D108BD9-81ED-4DB2-BD59-A6C34878D82A}">
-                    <a16:rowId xmlns:a16="http://schemas.microsoft.com/office/drawing/2014/main" val="785959856"/>
+                    <a16:rowId xmlns:a16="http://schemas.microsoft.com/office/drawing/2014/main" xmlns="" val="785959856"/>
                   </a:ext>
                 </a:extLst>
               </a:tr>
@@ -18983,7 +19486,7 @@
                 </a:tc>
                 <a:extLst>
                   <a:ext uri="{0D108BD9-81ED-4DB2-BD59-A6C34878D82A}">
-                    <a16:rowId xmlns:a16="http://schemas.microsoft.com/office/drawing/2014/main" val="60468838"/>
+                    <a16:rowId xmlns:a16="http://schemas.microsoft.com/office/drawing/2014/main" xmlns="" val="60468838"/>
                   </a:ext>
                 </a:extLst>
               </a:tr>
@@ -19036,7 +19539,7 @@
                 </a:tc>
                 <a:extLst>
                   <a:ext uri="{0D108BD9-81ED-4DB2-BD59-A6C34878D82A}">
-                    <a16:rowId xmlns:a16="http://schemas.microsoft.com/office/drawing/2014/main" val="124635373"/>
+                    <a16:rowId xmlns:a16="http://schemas.microsoft.com/office/drawing/2014/main" xmlns="" val="124635373"/>
                   </a:ext>
                 </a:extLst>
               </a:tr>
@@ -19089,7 +19592,7 @@
                 </a:tc>
                 <a:extLst>
                   <a:ext uri="{0D108BD9-81ED-4DB2-BD59-A6C34878D82A}">
-                    <a16:rowId xmlns:a16="http://schemas.microsoft.com/office/drawing/2014/main" val="1501560492"/>
+                    <a16:rowId xmlns:a16="http://schemas.microsoft.com/office/drawing/2014/main" xmlns="" val="1501560492"/>
                   </a:ext>
                 </a:extLst>
               </a:tr>
@@ -19142,7 +19645,7 @@
                 </a:tc>
                 <a:extLst>
                   <a:ext uri="{0D108BD9-81ED-4DB2-BD59-A6C34878D82A}">
-                    <a16:rowId xmlns:a16="http://schemas.microsoft.com/office/drawing/2014/main" val="3751559142"/>
+                    <a16:rowId xmlns:a16="http://schemas.microsoft.com/office/drawing/2014/main" xmlns="" val="3751559142"/>
                   </a:ext>
                 </a:extLst>
               </a:tr>
@@ -19160,6 +19663,13 @@
   <p:clrMapOvr>
     <a:masterClrMapping/>
   </p:clrMapOvr>
+  <p:timing>
+    <p:tnLst>
+      <p:par>
+        <p:cTn id="1" dur="indefinite" restart="never" nodeType="tmRoot"/>
+      </p:par>
+    </p:tnLst>
+  </p:timing>
 </p:sld>
 </file>
 
@@ -20743,6 +21253,13 @@
   <p:clrMapOvr>
     <a:masterClrMapping/>
   </p:clrMapOvr>
+  <p:timing>
+    <p:tnLst>
+      <p:par>
+        <p:cTn id="1" dur="indefinite" restart="never" nodeType="tmRoot"/>
+      </p:par>
+    </p:tnLst>
+  </p:timing>
 </p:sld>
 </file>
 
@@ -20938,6 +21455,13 @@
   <p:clrMapOvr>
     <a:masterClrMapping/>
   </p:clrMapOvr>
+  <p:timing>
+    <p:tnLst>
+      <p:par>
+        <p:cTn id="1" dur="indefinite" restart="never" nodeType="tmRoot"/>
+      </p:par>
+    </p:tnLst>
+  </p:timing>
 </p:sld>
 </file>
 
@@ -21109,6 +21633,13 @@
   <p:clrMapOvr>
     <a:masterClrMapping/>
   </p:clrMapOvr>
+  <p:timing>
+    <p:tnLst>
+      <p:par>
+        <p:cTn id="1" dur="indefinite" restart="never" nodeType="tmRoot"/>
+      </p:par>
+    </p:tnLst>
+  </p:timing>
 </p:sld>
 </file>
 
